--- a/presentation.pptx
+++ b/presentation.pptx
@@ -4,13 +4,23 @@
   <p:sldMasterIdLst>
     <p:sldMasterId id="2147483648" r:id="rId1"/>
   </p:sldMasterIdLst>
+  <p:notesMasterIdLst>
+    <p:notesMasterId r:id="rId15"/>
+  </p:notesMasterIdLst>
   <p:sldIdLst>
     <p:sldId id="256" r:id="rId2"/>
     <p:sldId id="257" r:id="rId3"/>
     <p:sldId id="261" r:id="rId4"/>
-    <p:sldId id="260" r:id="rId5"/>
-    <p:sldId id="259" r:id="rId6"/>
-    <p:sldId id="258" r:id="rId7"/>
+    <p:sldId id="262" r:id="rId5"/>
+    <p:sldId id="260" r:id="rId6"/>
+    <p:sldId id="263" r:id="rId7"/>
+    <p:sldId id="259" r:id="rId8"/>
+    <p:sldId id="265" r:id="rId9"/>
+    <p:sldId id="264" r:id="rId10"/>
+    <p:sldId id="267" r:id="rId11"/>
+    <p:sldId id="266" r:id="rId12"/>
+    <p:sldId id="268" r:id="rId13"/>
+    <p:sldId id="258" r:id="rId14"/>
   </p:sldIdLst>
   <p:sldSz cx="9144000" cy="6858000" type="screen4x3"/>
   <p:notesSz cx="6858000" cy="9144000"/>
@@ -126,6 +136,533 @@
     </p:ext>
   </p:extLst>
 </p:presentation>
+</file>
+
+<file path=ppt/notesMasters/notesMaster1.xml><?xml version="1.0" encoding="utf-8"?>
+<p:notesMaster xmlns:a="http://schemas.openxmlformats.org/drawingml/2006/main" xmlns:r="http://schemas.openxmlformats.org/officeDocument/2006/relationships" xmlns:p="http://schemas.openxmlformats.org/presentationml/2006/main">
+  <p:cSld>
+    <p:bg>
+      <p:bgRef idx="1001">
+        <a:schemeClr val="bg1"/>
+      </p:bgRef>
+    </p:bg>
+    <p:spTree>
+      <p:nvGrpSpPr>
+        <p:cNvPr id="1" name=""/>
+        <p:cNvGrpSpPr/>
+        <p:nvPr/>
+      </p:nvGrpSpPr>
+      <p:grpSpPr>
+        <a:xfrm>
+          <a:off x="0" y="0"/>
+          <a:ext cx="0" cy="0"/>
+          <a:chOff x="0" y="0"/>
+          <a:chExt cx="0" cy="0"/>
+        </a:xfrm>
+      </p:grpSpPr>
+      <p:sp>
+        <p:nvSpPr>
+          <p:cNvPr id="2" name="Header Placeholder 1"/>
+          <p:cNvSpPr>
+            <a:spLocks noGrp="1"/>
+          </p:cNvSpPr>
+          <p:nvPr>
+            <p:ph type="hdr" sz="quarter"/>
+          </p:nvPr>
+        </p:nvSpPr>
+        <p:spPr>
+          <a:xfrm>
+            <a:off x="0" y="0"/>
+            <a:ext cx="2971800" cy="458788"/>
+          </a:xfrm>
+          <a:prstGeom prst="rect">
+            <a:avLst/>
+          </a:prstGeom>
+        </p:spPr>
+        <p:txBody>
+          <a:bodyPr vert="horz" lIns="91440" tIns="45720" rIns="91440" bIns="45720" rtlCol="0"/>
+          <a:lstStyle>
+            <a:lvl1pPr algn="l">
+              <a:defRPr sz="1200"/>
+            </a:lvl1pPr>
+          </a:lstStyle>
+          <a:p>
+            <a:endParaRPr lang="en-US"/>
+          </a:p>
+        </p:txBody>
+      </p:sp>
+      <p:sp>
+        <p:nvSpPr>
+          <p:cNvPr id="3" name="Date Placeholder 2"/>
+          <p:cNvSpPr>
+            <a:spLocks noGrp="1"/>
+          </p:cNvSpPr>
+          <p:nvPr>
+            <p:ph type="dt" idx="1"/>
+          </p:nvPr>
+        </p:nvSpPr>
+        <p:spPr>
+          <a:xfrm>
+            <a:off x="3884613" y="0"/>
+            <a:ext cx="2971800" cy="458788"/>
+          </a:xfrm>
+          <a:prstGeom prst="rect">
+            <a:avLst/>
+          </a:prstGeom>
+        </p:spPr>
+        <p:txBody>
+          <a:bodyPr vert="horz" lIns="91440" tIns="45720" rIns="91440" bIns="45720" rtlCol="0"/>
+          <a:lstStyle>
+            <a:lvl1pPr algn="r">
+              <a:defRPr sz="1200"/>
+            </a:lvl1pPr>
+          </a:lstStyle>
+          <a:p>
+            <a:fld id="{44D4E04F-6EBF-3F45-9EBD-8699805166B8}" type="datetimeFigureOut">
+              <a:rPr lang="en-US" smtClean="0"/>
+              <a:t>1/17/19</a:t>
+            </a:fld>
+            <a:endParaRPr lang="en-US"/>
+          </a:p>
+        </p:txBody>
+      </p:sp>
+      <p:sp>
+        <p:nvSpPr>
+          <p:cNvPr id="4" name="Slide Image Placeholder 3"/>
+          <p:cNvSpPr>
+            <a:spLocks noGrp="1" noRot="1" noChangeAspect="1"/>
+          </p:cNvSpPr>
+          <p:nvPr>
+            <p:ph type="sldImg" idx="2"/>
+          </p:nvPr>
+        </p:nvSpPr>
+        <p:spPr>
+          <a:xfrm>
+            <a:off x="1371600" y="1143000"/>
+            <a:ext cx="4114800" cy="3086100"/>
+          </a:xfrm>
+          <a:prstGeom prst="rect">
+            <a:avLst/>
+          </a:prstGeom>
+          <a:noFill/>
+          <a:ln w="12700">
+            <a:solidFill>
+              <a:prstClr val="black"/>
+            </a:solidFill>
+          </a:ln>
+        </p:spPr>
+        <p:txBody>
+          <a:bodyPr vert="horz" lIns="91440" tIns="45720" rIns="91440" bIns="45720" rtlCol="0" anchor="ctr"/>
+          <a:lstStyle/>
+          <a:p>
+            <a:endParaRPr lang="en-US"/>
+          </a:p>
+        </p:txBody>
+      </p:sp>
+      <p:sp>
+        <p:nvSpPr>
+          <p:cNvPr id="5" name="Notes Placeholder 4"/>
+          <p:cNvSpPr>
+            <a:spLocks noGrp="1"/>
+          </p:cNvSpPr>
+          <p:nvPr>
+            <p:ph type="body" sz="quarter" idx="3"/>
+          </p:nvPr>
+        </p:nvSpPr>
+        <p:spPr>
+          <a:xfrm>
+            <a:off x="685800" y="4400550"/>
+            <a:ext cx="5486400" cy="3600450"/>
+          </a:xfrm>
+          <a:prstGeom prst="rect">
+            <a:avLst/>
+          </a:prstGeom>
+        </p:spPr>
+        <p:txBody>
+          <a:bodyPr vert="horz" lIns="91440" tIns="45720" rIns="91440" bIns="45720" rtlCol="0"/>
+          <a:lstStyle/>
+          <a:p>
+            <a:pPr lvl="0"/>
+            <a:r>
+              <a:rPr lang="en-US"/>
+              <a:t>Edit Master text styles</a:t>
+            </a:r>
+          </a:p>
+          <a:p>
+            <a:pPr lvl="1"/>
+            <a:r>
+              <a:rPr lang="en-US"/>
+              <a:t>Second level</a:t>
+            </a:r>
+          </a:p>
+          <a:p>
+            <a:pPr lvl="2"/>
+            <a:r>
+              <a:rPr lang="en-US"/>
+              <a:t>Third level</a:t>
+            </a:r>
+          </a:p>
+          <a:p>
+            <a:pPr lvl="3"/>
+            <a:r>
+              <a:rPr lang="en-US"/>
+              <a:t>Fourth level</a:t>
+            </a:r>
+          </a:p>
+          <a:p>
+            <a:pPr lvl="4"/>
+            <a:r>
+              <a:rPr lang="en-US"/>
+              <a:t>Fifth level</a:t>
+            </a:r>
+          </a:p>
+        </p:txBody>
+      </p:sp>
+      <p:sp>
+        <p:nvSpPr>
+          <p:cNvPr id="6" name="Footer Placeholder 5"/>
+          <p:cNvSpPr>
+            <a:spLocks noGrp="1"/>
+          </p:cNvSpPr>
+          <p:nvPr>
+            <p:ph type="ftr" sz="quarter" idx="4"/>
+          </p:nvPr>
+        </p:nvSpPr>
+        <p:spPr>
+          <a:xfrm>
+            <a:off x="0" y="8685213"/>
+            <a:ext cx="2971800" cy="458787"/>
+          </a:xfrm>
+          <a:prstGeom prst="rect">
+            <a:avLst/>
+          </a:prstGeom>
+        </p:spPr>
+        <p:txBody>
+          <a:bodyPr vert="horz" lIns="91440" tIns="45720" rIns="91440" bIns="45720" rtlCol="0" anchor="b"/>
+          <a:lstStyle>
+            <a:lvl1pPr algn="l">
+              <a:defRPr sz="1200"/>
+            </a:lvl1pPr>
+          </a:lstStyle>
+          <a:p>
+            <a:endParaRPr lang="en-US"/>
+          </a:p>
+        </p:txBody>
+      </p:sp>
+      <p:sp>
+        <p:nvSpPr>
+          <p:cNvPr id="7" name="Slide Number Placeholder 6"/>
+          <p:cNvSpPr>
+            <a:spLocks noGrp="1"/>
+          </p:cNvSpPr>
+          <p:nvPr>
+            <p:ph type="sldNum" sz="quarter" idx="5"/>
+          </p:nvPr>
+        </p:nvSpPr>
+        <p:spPr>
+          <a:xfrm>
+            <a:off x="3884613" y="8685213"/>
+            <a:ext cx="2971800" cy="458787"/>
+          </a:xfrm>
+          <a:prstGeom prst="rect">
+            <a:avLst/>
+          </a:prstGeom>
+        </p:spPr>
+        <p:txBody>
+          <a:bodyPr vert="horz" lIns="91440" tIns="45720" rIns="91440" bIns="45720" rtlCol="0" anchor="b"/>
+          <a:lstStyle>
+            <a:lvl1pPr algn="r">
+              <a:defRPr sz="1200"/>
+            </a:lvl1pPr>
+          </a:lstStyle>
+          <a:p>
+            <a:fld id="{71484194-BC9F-7343-A27E-E7872C54D571}" type="slidenum">
+              <a:rPr lang="en-US" smtClean="0"/>
+              <a:t>‹#›</a:t>
+            </a:fld>
+            <a:endParaRPr lang="en-US"/>
+          </a:p>
+        </p:txBody>
+      </p:sp>
+    </p:spTree>
+    <p:extLst>
+      <p:ext uri="{BB962C8B-B14F-4D97-AF65-F5344CB8AC3E}">
+        <p14:creationId xmlns:p14="http://schemas.microsoft.com/office/powerpoint/2010/main" val="796409922"/>
+      </p:ext>
+    </p:extLst>
+  </p:cSld>
+  <p:clrMap bg1="lt1" tx1="dk1" bg2="lt2" tx2="dk2" accent1="accent1" accent2="accent2" accent3="accent3" accent4="accent4" accent5="accent5" accent6="accent6" hlink="hlink" folHlink="folHlink"/>
+  <p:notesStyle>
+    <a:lvl1pPr marL="0" algn="l" defTabSz="914400" rtl="0" eaLnBrk="1" latinLnBrk="0" hangingPunct="1">
+      <a:defRPr sz="1200" kern="1200">
+        <a:solidFill>
+          <a:schemeClr val="tx1"/>
+        </a:solidFill>
+        <a:latin typeface="+mn-lt"/>
+        <a:ea typeface="+mn-ea"/>
+        <a:cs typeface="+mn-cs"/>
+      </a:defRPr>
+    </a:lvl1pPr>
+    <a:lvl2pPr marL="457200" algn="l" defTabSz="914400" rtl="0" eaLnBrk="1" latinLnBrk="0" hangingPunct="1">
+      <a:defRPr sz="1200" kern="1200">
+        <a:solidFill>
+          <a:schemeClr val="tx1"/>
+        </a:solidFill>
+        <a:latin typeface="+mn-lt"/>
+        <a:ea typeface="+mn-ea"/>
+        <a:cs typeface="+mn-cs"/>
+      </a:defRPr>
+    </a:lvl2pPr>
+    <a:lvl3pPr marL="914400" algn="l" defTabSz="914400" rtl="0" eaLnBrk="1" latinLnBrk="0" hangingPunct="1">
+      <a:defRPr sz="1200" kern="1200">
+        <a:solidFill>
+          <a:schemeClr val="tx1"/>
+        </a:solidFill>
+        <a:latin typeface="+mn-lt"/>
+        <a:ea typeface="+mn-ea"/>
+        <a:cs typeface="+mn-cs"/>
+      </a:defRPr>
+    </a:lvl3pPr>
+    <a:lvl4pPr marL="1371600" algn="l" defTabSz="914400" rtl="0" eaLnBrk="1" latinLnBrk="0" hangingPunct="1">
+      <a:defRPr sz="1200" kern="1200">
+        <a:solidFill>
+          <a:schemeClr val="tx1"/>
+        </a:solidFill>
+        <a:latin typeface="+mn-lt"/>
+        <a:ea typeface="+mn-ea"/>
+        <a:cs typeface="+mn-cs"/>
+      </a:defRPr>
+    </a:lvl4pPr>
+    <a:lvl5pPr marL="1828800" algn="l" defTabSz="914400" rtl="0" eaLnBrk="1" latinLnBrk="0" hangingPunct="1">
+      <a:defRPr sz="1200" kern="1200">
+        <a:solidFill>
+          <a:schemeClr val="tx1"/>
+        </a:solidFill>
+        <a:latin typeface="+mn-lt"/>
+        <a:ea typeface="+mn-ea"/>
+        <a:cs typeface="+mn-cs"/>
+      </a:defRPr>
+    </a:lvl5pPr>
+    <a:lvl6pPr marL="2286000" algn="l" defTabSz="914400" rtl="0" eaLnBrk="1" latinLnBrk="0" hangingPunct="1">
+      <a:defRPr sz="1200" kern="1200">
+        <a:solidFill>
+          <a:schemeClr val="tx1"/>
+        </a:solidFill>
+        <a:latin typeface="+mn-lt"/>
+        <a:ea typeface="+mn-ea"/>
+        <a:cs typeface="+mn-cs"/>
+      </a:defRPr>
+    </a:lvl6pPr>
+    <a:lvl7pPr marL="2743200" algn="l" defTabSz="914400" rtl="0" eaLnBrk="1" latinLnBrk="0" hangingPunct="1">
+      <a:defRPr sz="1200" kern="1200">
+        <a:solidFill>
+          <a:schemeClr val="tx1"/>
+        </a:solidFill>
+        <a:latin typeface="+mn-lt"/>
+        <a:ea typeface="+mn-ea"/>
+        <a:cs typeface="+mn-cs"/>
+      </a:defRPr>
+    </a:lvl7pPr>
+    <a:lvl8pPr marL="3200400" algn="l" defTabSz="914400" rtl="0" eaLnBrk="1" latinLnBrk="0" hangingPunct="1">
+      <a:defRPr sz="1200" kern="1200">
+        <a:solidFill>
+          <a:schemeClr val="tx1"/>
+        </a:solidFill>
+        <a:latin typeface="+mn-lt"/>
+        <a:ea typeface="+mn-ea"/>
+        <a:cs typeface="+mn-cs"/>
+      </a:defRPr>
+    </a:lvl8pPr>
+    <a:lvl9pPr marL="3657600" algn="l" defTabSz="914400" rtl="0" eaLnBrk="1" latinLnBrk="0" hangingPunct="1">
+      <a:defRPr sz="1200" kern="1200">
+        <a:solidFill>
+          <a:schemeClr val="tx1"/>
+        </a:solidFill>
+        <a:latin typeface="+mn-lt"/>
+        <a:ea typeface="+mn-ea"/>
+        <a:cs typeface="+mn-cs"/>
+      </a:defRPr>
+    </a:lvl9pPr>
+  </p:notesStyle>
+</p:notesMaster>
+</file>
+
+<file path=ppt/notesSlides/notesSlide1.xml><?xml version="1.0" encoding="utf-8"?>
+<p:notes xmlns:a="http://schemas.openxmlformats.org/drawingml/2006/main" xmlns:r="http://schemas.openxmlformats.org/officeDocument/2006/relationships" xmlns:p="http://schemas.openxmlformats.org/presentationml/2006/main">
+  <p:cSld>
+    <p:spTree>
+      <p:nvGrpSpPr>
+        <p:cNvPr id="1" name=""/>
+        <p:cNvGrpSpPr/>
+        <p:nvPr/>
+      </p:nvGrpSpPr>
+      <p:grpSpPr>
+        <a:xfrm>
+          <a:off x="0" y="0"/>
+          <a:ext cx="0" cy="0"/>
+          <a:chOff x="0" y="0"/>
+          <a:chExt cx="0" cy="0"/>
+        </a:xfrm>
+      </p:grpSpPr>
+      <p:sp>
+        <p:nvSpPr>
+          <p:cNvPr id="2" name="Slide Image Placeholder 1"/>
+          <p:cNvSpPr>
+            <a:spLocks noGrp="1" noRot="1" noChangeAspect="1"/>
+          </p:cNvSpPr>
+          <p:nvPr>
+            <p:ph type="sldImg"/>
+          </p:nvPr>
+        </p:nvSpPr>
+        <p:spPr/>
+      </p:sp>
+      <p:sp>
+        <p:nvSpPr>
+          <p:cNvPr id="3" name="Notes Placeholder 2"/>
+          <p:cNvSpPr>
+            <a:spLocks noGrp="1"/>
+          </p:cNvSpPr>
+          <p:nvPr>
+            <p:ph type="body" idx="1"/>
+          </p:nvPr>
+        </p:nvSpPr>
+        <p:spPr/>
+        <p:txBody>
+          <a:bodyPr/>
+          <a:lstStyle/>
+          <a:p>
+            <a:pPr marL="0" algn="r" defTabSz="914400" rtl="1" eaLnBrk="1" latinLnBrk="0" hangingPunct="1"/>
+            <a:r>
+              <a:rPr lang="he-IL" dirty="0"/>
+              <a:t>אורך הגנום של האינדיבידואל הוא כמספר התאים הריקים שנשארו בלוח לאחר העיבוד המקדים</a:t>
+            </a:r>
+            <a:endParaRPr lang="en-US" dirty="0"/>
+          </a:p>
+        </p:txBody>
+      </p:sp>
+      <p:sp>
+        <p:nvSpPr>
+          <p:cNvPr id="4" name="Slide Number Placeholder 3"/>
+          <p:cNvSpPr>
+            <a:spLocks noGrp="1"/>
+          </p:cNvSpPr>
+          <p:nvPr>
+            <p:ph type="sldNum" sz="quarter" idx="5"/>
+          </p:nvPr>
+        </p:nvSpPr>
+        <p:spPr/>
+        <p:txBody>
+          <a:bodyPr/>
+          <a:lstStyle/>
+          <a:p>
+            <a:fld id="{71484194-BC9F-7343-A27E-E7872C54D571}" type="slidenum">
+              <a:rPr lang="en-US" smtClean="0"/>
+              <a:t>6</a:t>
+            </a:fld>
+            <a:endParaRPr lang="en-US"/>
+          </a:p>
+        </p:txBody>
+      </p:sp>
+    </p:spTree>
+    <p:extLst>
+      <p:ext uri="{BB962C8B-B14F-4D97-AF65-F5344CB8AC3E}">
+        <p14:creationId xmlns:p14="http://schemas.microsoft.com/office/powerpoint/2010/main" val="2506861147"/>
+      </p:ext>
+    </p:extLst>
+  </p:cSld>
+  <p:clrMapOvr>
+    <a:masterClrMapping/>
+  </p:clrMapOvr>
+</p:notes>
+</file>
+
+<file path=ppt/notesSlides/notesSlide2.xml><?xml version="1.0" encoding="utf-8"?>
+<p:notes xmlns:a="http://schemas.openxmlformats.org/drawingml/2006/main" xmlns:r="http://schemas.openxmlformats.org/officeDocument/2006/relationships" xmlns:p="http://schemas.openxmlformats.org/presentationml/2006/main">
+  <p:cSld>
+    <p:spTree>
+      <p:nvGrpSpPr>
+        <p:cNvPr id="1" name=""/>
+        <p:cNvGrpSpPr/>
+        <p:nvPr/>
+      </p:nvGrpSpPr>
+      <p:grpSpPr>
+        <a:xfrm>
+          <a:off x="0" y="0"/>
+          <a:ext cx="0" cy="0"/>
+          <a:chOff x="0" y="0"/>
+          <a:chExt cx="0" cy="0"/>
+        </a:xfrm>
+      </p:grpSpPr>
+      <p:sp>
+        <p:nvSpPr>
+          <p:cNvPr id="2" name="Slide Image Placeholder 1"/>
+          <p:cNvSpPr>
+            <a:spLocks noGrp="1" noRot="1" noChangeAspect="1"/>
+          </p:cNvSpPr>
+          <p:nvPr>
+            <p:ph type="sldImg"/>
+          </p:nvPr>
+        </p:nvSpPr>
+        <p:spPr/>
+      </p:sp>
+      <p:sp>
+        <p:nvSpPr>
+          <p:cNvPr id="3" name="Notes Placeholder 2"/>
+          <p:cNvSpPr>
+            <a:spLocks noGrp="1"/>
+          </p:cNvSpPr>
+          <p:nvPr>
+            <p:ph type="body" idx="1"/>
+          </p:nvPr>
+        </p:nvSpPr>
+        <p:spPr/>
+        <p:txBody>
+          <a:bodyPr/>
+          <a:lstStyle/>
+          <a:p>
+            <a:pPr marL="0" algn="r" defTabSz="914400" rtl="1" eaLnBrk="1" latinLnBrk="0" hangingPunct="1"/>
+            <a:r>
+              <a:rPr lang="he-IL" dirty="0"/>
+              <a:t>אורך הגנום של האינדיבידואל הוא כמספר התאים הריקים שנשארו בלוח לאחר העיבוד המקדים</a:t>
+            </a:r>
+            <a:endParaRPr lang="en-US" dirty="0"/>
+          </a:p>
+        </p:txBody>
+      </p:sp>
+      <p:sp>
+        <p:nvSpPr>
+          <p:cNvPr id="4" name="Slide Number Placeholder 3"/>
+          <p:cNvSpPr>
+            <a:spLocks noGrp="1"/>
+          </p:cNvSpPr>
+          <p:nvPr>
+            <p:ph type="sldNum" sz="quarter" idx="5"/>
+          </p:nvPr>
+        </p:nvSpPr>
+        <p:spPr/>
+        <p:txBody>
+          <a:bodyPr/>
+          <a:lstStyle/>
+          <a:p>
+            <a:fld id="{71484194-BC9F-7343-A27E-E7872C54D571}" type="slidenum">
+              <a:rPr lang="en-US" smtClean="0"/>
+              <a:t>11</a:t>
+            </a:fld>
+            <a:endParaRPr lang="en-US"/>
+          </a:p>
+        </p:txBody>
+      </p:sp>
+    </p:spTree>
+    <p:extLst>
+      <p:ext uri="{BB962C8B-B14F-4D97-AF65-F5344CB8AC3E}">
+        <p14:creationId xmlns:p14="http://schemas.microsoft.com/office/powerpoint/2010/main" val="2339948300"/>
+      </p:ext>
+    </p:extLst>
+  </p:cSld>
+  <p:clrMapOvr>
+    <a:masterClrMapping/>
+  </p:clrMapOvr>
+</p:notes>
 </file>
 
 <file path=ppt/slideLayouts/slideLayout1.xml><?xml version="1.0" encoding="utf-8"?>
@@ -3638,6 +4175,1573 @@
 </p:sld>
 </file>
 
+<file path=ppt/slides/slide10.xml><?xml version="1.0" encoding="utf-8"?>
+<p:sld xmlns:a="http://schemas.openxmlformats.org/drawingml/2006/main" xmlns:r="http://schemas.openxmlformats.org/officeDocument/2006/relationships" xmlns:p="http://schemas.openxmlformats.org/presentationml/2006/main">
+  <p:cSld>
+    <p:spTree>
+      <p:nvGrpSpPr>
+        <p:cNvPr id="1" name=""/>
+        <p:cNvGrpSpPr/>
+        <p:nvPr/>
+      </p:nvGrpSpPr>
+      <p:grpSpPr>
+        <a:xfrm>
+          <a:off x="0" y="0"/>
+          <a:ext cx="0" cy="0"/>
+          <a:chOff x="0" y="0"/>
+          <a:chExt cx="0" cy="0"/>
+        </a:xfrm>
+      </p:grpSpPr>
+      <p:sp>
+        <p:nvSpPr>
+          <p:cNvPr id="4" name="Title 3"/>
+          <p:cNvSpPr>
+            <a:spLocks noGrp="1"/>
+          </p:cNvSpPr>
+          <p:nvPr>
+            <p:ph type="title"/>
+          </p:nvPr>
+        </p:nvSpPr>
+        <p:spPr/>
+        <p:txBody>
+          <a:bodyPr>
+            <a:normAutofit fontScale="90000"/>
+          </a:bodyPr>
+          <a:lstStyle/>
+          <a:p>
+            <a:pPr algn="l"/>
+            <a:r>
+              <a:rPr lang="en-US" dirty="0">
+                <a:solidFill>
+                  <a:schemeClr val="bg1"/>
+                </a:solidFill>
+              </a:rPr>
+              <a:t>Mutation</a:t>
+            </a:r>
+          </a:p>
+        </p:txBody>
+      </p:sp>
+      <p:grpSp>
+        <p:nvGrpSpPr>
+          <p:cNvPr id="7" name="Group 6">
+            <a:extLst>
+              <a:ext uri="{FF2B5EF4-FFF2-40B4-BE49-F238E27FC236}">
+                <a16:creationId xmlns:a16="http://schemas.microsoft.com/office/drawing/2014/main" id="{690DF875-FA46-D441-9486-4BBE31FC502E}"/>
+              </a:ext>
+            </a:extLst>
+          </p:cNvPr>
+          <p:cNvGrpSpPr/>
+          <p:nvPr/>
+        </p:nvGrpSpPr>
+        <p:grpSpPr>
+          <a:xfrm>
+            <a:off x="3503065" y="2512770"/>
+            <a:ext cx="3664920" cy="305410"/>
+            <a:chOff x="3503065" y="2512770"/>
+            <a:chExt cx="3664920" cy="305410"/>
+          </a:xfrm>
+        </p:grpSpPr>
+        <p:sp>
+          <p:nvSpPr>
+            <p:cNvPr id="24" name="Rectangle 23">
+              <a:extLst>
+                <a:ext uri="{FF2B5EF4-FFF2-40B4-BE49-F238E27FC236}">
+                  <a16:creationId xmlns:a16="http://schemas.microsoft.com/office/drawing/2014/main" id="{605163E4-D10B-7F48-AF1B-16204AB7B4EA}"/>
+                </a:ext>
+              </a:extLst>
+            </p:cNvPr>
+            <p:cNvSpPr/>
+            <p:nvPr/>
+          </p:nvSpPr>
+          <p:spPr>
+            <a:xfrm>
+              <a:off x="3503065" y="2512770"/>
+              <a:ext cx="458115" cy="305410"/>
+            </a:xfrm>
+            <a:prstGeom prst="rect">
+              <a:avLst/>
+            </a:prstGeom>
+            <a:solidFill>
+              <a:srgbClr val="F2576D"/>
+            </a:solidFill>
+          </p:spPr>
+          <p:style>
+            <a:lnRef idx="2">
+              <a:schemeClr val="accent1">
+                <a:shade val="50000"/>
+              </a:schemeClr>
+            </a:lnRef>
+            <a:fillRef idx="1">
+              <a:schemeClr val="accent1"/>
+            </a:fillRef>
+            <a:effectRef idx="0">
+              <a:schemeClr val="accent1"/>
+            </a:effectRef>
+            <a:fontRef idx="minor">
+              <a:schemeClr val="lt1"/>
+            </a:fontRef>
+          </p:style>
+          <p:txBody>
+            <a:bodyPr rtlCol="0" anchor="ctr"/>
+            <a:lstStyle/>
+            <a:p>
+              <a:pPr algn="ctr"/>
+              <a:r>
+                <a:rPr lang="en-US" dirty="0"/>
+                <a:t>1</a:t>
+              </a:r>
+            </a:p>
+          </p:txBody>
+        </p:sp>
+        <p:sp>
+          <p:nvSpPr>
+            <p:cNvPr id="25" name="Rectangle 24">
+              <a:extLst>
+                <a:ext uri="{FF2B5EF4-FFF2-40B4-BE49-F238E27FC236}">
+                  <a16:creationId xmlns:a16="http://schemas.microsoft.com/office/drawing/2014/main" id="{2BB7B322-8CEB-1848-BBF7-959ECBF0B7D2}"/>
+                </a:ext>
+              </a:extLst>
+            </p:cNvPr>
+            <p:cNvSpPr/>
+            <p:nvPr/>
+          </p:nvSpPr>
+          <p:spPr>
+            <a:xfrm>
+              <a:off x="3961180" y="2512770"/>
+              <a:ext cx="458115" cy="305410"/>
+            </a:xfrm>
+            <a:prstGeom prst="rect">
+              <a:avLst/>
+            </a:prstGeom>
+            <a:solidFill>
+              <a:srgbClr val="9A214C"/>
+            </a:solidFill>
+          </p:spPr>
+          <p:style>
+            <a:lnRef idx="2">
+              <a:schemeClr val="accent1">
+                <a:shade val="50000"/>
+              </a:schemeClr>
+            </a:lnRef>
+            <a:fillRef idx="1">
+              <a:schemeClr val="accent1"/>
+            </a:fillRef>
+            <a:effectRef idx="0">
+              <a:schemeClr val="accent1"/>
+            </a:effectRef>
+            <a:fontRef idx="minor">
+              <a:schemeClr val="lt1"/>
+            </a:fontRef>
+          </p:style>
+          <p:txBody>
+            <a:bodyPr rtlCol="0" anchor="ctr"/>
+            <a:lstStyle/>
+            <a:p>
+              <a:pPr algn="ctr"/>
+              <a:r>
+                <a:rPr lang="en-US" dirty="0"/>
+                <a:t>0</a:t>
+              </a:r>
+            </a:p>
+          </p:txBody>
+        </p:sp>
+        <p:sp>
+          <p:nvSpPr>
+            <p:cNvPr id="26" name="Rectangle 25">
+              <a:extLst>
+                <a:ext uri="{FF2B5EF4-FFF2-40B4-BE49-F238E27FC236}">
+                  <a16:creationId xmlns:a16="http://schemas.microsoft.com/office/drawing/2014/main" id="{760A0137-7D5F-0242-89DE-B23B0D474426}"/>
+                </a:ext>
+              </a:extLst>
+            </p:cNvPr>
+            <p:cNvSpPr/>
+            <p:nvPr/>
+          </p:nvSpPr>
+          <p:spPr>
+            <a:xfrm>
+              <a:off x="4419295" y="2512770"/>
+              <a:ext cx="458115" cy="305410"/>
+            </a:xfrm>
+            <a:prstGeom prst="rect">
+              <a:avLst/>
+            </a:prstGeom>
+            <a:solidFill>
+              <a:srgbClr val="F2576D"/>
+            </a:solidFill>
+          </p:spPr>
+          <p:style>
+            <a:lnRef idx="2">
+              <a:schemeClr val="accent1">
+                <a:shade val="50000"/>
+              </a:schemeClr>
+            </a:lnRef>
+            <a:fillRef idx="1">
+              <a:schemeClr val="accent1"/>
+            </a:fillRef>
+            <a:effectRef idx="0">
+              <a:schemeClr val="accent1"/>
+            </a:effectRef>
+            <a:fontRef idx="minor">
+              <a:schemeClr val="lt1"/>
+            </a:fontRef>
+          </p:style>
+          <p:txBody>
+            <a:bodyPr rtlCol="0" anchor="ctr"/>
+            <a:lstStyle/>
+            <a:p>
+              <a:pPr algn="ctr"/>
+              <a:r>
+                <a:rPr lang="en-US" dirty="0"/>
+                <a:t>0</a:t>
+              </a:r>
+            </a:p>
+          </p:txBody>
+        </p:sp>
+        <p:sp>
+          <p:nvSpPr>
+            <p:cNvPr id="27" name="Rectangle 26">
+              <a:extLst>
+                <a:ext uri="{FF2B5EF4-FFF2-40B4-BE49-F238E27FC236}">
+                  <a16:creationId xmlns:a16="http://schemas.microsoft.com/office/drawing/2014/main" id="{A7DF241F-65B6-9E42-BE58-2A90CDDC1A55}"/>
+                </a:ext>
+              </a:extLst>
+            </p:cNvPr>
+            <p:cNvSpPr/>
+            <p:nvPr/>
+          </p:nvSpPr>
+          <p:spPr>
+            <a:xfrm>
+              <a:off x="4877410" y="2512770"/>
+              <a:ext cx="458115" cy="305410"/>
+            </a:xfrm>
+            <a:prstGeom prst="rect">
+              <a:avLst/>
+            </a:prstGeom>
+            <a:solidFill>
+              <a:srgbClr val="9A214C"/>
+            </a:solidFill>
+          </p:spPr>
+          <p:style>
+            <a:lnRef idx="2">
+              <a:schemeClr val="accent1">
+                <a:shade val="50000"/>
+              </a:schemeClr>
+            </a:lnRef>
+            <a:fillRef idx="1">
+              <a:schemeClr val="accent1"/>
+            </a:fillRef>
+            <a:effectRef idx="0">
+              <a:schemeClr val="accent1"/>
+            </a:effectRef>
+            <a:fontRef idx="minor">
+              <a:schemeClr val="lt1"/>
+            </a:fontRef>
+          </p:style>
+          <p:txBody>
+            <a:bodyPr rtlCol="0" anchor="ctr"/>
+            <a:lstStyle/>
+            <a:p>
+              <a:pPr algn="ctr"/>
+              <a:r>
+                <a:rPr lang="en-US" dirty="0"/>
+                <a:t>0</a:t>
+              </a:r>
+            </a:p>
+          </p:txBody>
+        </p:sp>
+        <p:sp>
+          <p:nvSpPr>
+            <p:cNvPr id="39" name="Rectangle 38">
+              <a:extLst>
+                <a:ext uri="{FF2B5EF4-FFF2-40B4-BE49-F238E27FC236}">
+                  <a16:creationId xmlns:a16="http://schemas.microsoft.com/office/drawing/2014/main" id="{9A5A4121-ABBD-5D4D-AA36-04F04CE74770}"/>
+                </a:ext>
+              </a:extLst>
+            </p:cNvPr>
+            <p:cNvSpPr/>
+            <p:nvPr/>
+          </p:nvSpPr>
+          <p:spPr>
+            <a:xfrm>
+              <a:off x="5335525" y="2512770"/>
+              <a:ext cx="458115" cy="305410"/>
+            </a:xfrm>
+            <a:prstGeom prst="rect">
+              <a:avLst/>
+            </a:prstGeom>
+            <a:solidFill>
+              <a:srgbClr val="F2576D"/>
+            </a:solidFill>
+          </p:spPr>
+          <p:style>
+            <a:lnRef idx="2">
+              <a:schemeClr val="accent1">
+                <a:shade val="50000"/>
+              </a:schemeClr>
+            </a:lnRef>
+            <a:fillRef idx="1">
+              <a:schemeClr val="accent1"/>
+            </a:fillRef>
+            <a:effectRef idx="0">
+              <a:schemeClr val="accent1"/>
+            </a:effectRef>
+            <a:fontRef idx="minor">
+              <a:schemeClr val="lt1"/>
+            </a:fontRef>
+          </p:style>
+          <p:txBody>
+            <a:bodyPr rtlCol="0" anchor="ctr"/>
+            <a:lstStyle/>
+            <a:p>
+              <a:pPr algn="ctr"/>
+              <a:r>
+                <a:rPr lang="en-US" dirty="0"/>
+                <a:t>1</a:t>
+              </a:r>
+            </a:p>
+          </p:txBody>
+        </p:sp>
+        <p:sp>
+          <p:nvSpPr>
+            <p:cNvPr id="43" name="Rectangle 42">
+              <a:extLst>
+                <a:ext uri="{FF2B5EF4-FFF2-40B4-BE49-F238E27FC236}">
+                  <a16:creationId xmlns:a16="http://schemas.microsoft.com/office/drawing/2014/main" id="{43488083-D288-A249-8D77-C30AA10F0DEF}"/>
+                </a:ext>
+              </a:extLst>
+            </p:cNvPr>
+            <p:cNvSpPr/>
+            <p:nvPr/>
+          </p:nvSpPr>
+          <p:spPr>
+            <a:xfrm>
+              <a:off x="5793640" y="2512770"/>
+              <a:ext cx="458115" cy="305410"/>
+            </a:xfrm>
+            <a:prstGeom prst="rect">
+              <a:avLst/>
+            </a:prstGeom>
+            <a:solidFill>
+              <a:srgbClr val="9A214C"/>
+            </a:solidFill>
+          </p:spPr>
+          <p:style>
+            <a:lnRef idx="2">
+              <a:schemeClr val="accent1">
+                <a:shade val="50000"/>
+              </a:schemeClr>
+            </a:lnRef>
+            <a:fillRef idx="1">
+              <a:schemeClr val="accent1"/>
+            </a:fillRef>
+            <a:effectRef idx="0">
+              <a:schemeClr val="accent1"/>
+            </a:effectRef>
+            <a:fontRef idx="minor">
+              <a:schemeClr val="lt1"/>
+            </a:fontRef>
+          </p:style>
+          <p:txBody>
+            <a:bodyPr rtlCol="0" anchor="ctr"/>
+            <a:lstStyle/>
+            <a:p>
+              <a:pPr algn="ctr"/>
+              <a:r>
+                <a:rPr lang="en-US" dirty="0"/>
+                <a:t>0</a:t>
+              </a:r>
+            </a:p>
+          </p:txBody>
+        </p:sp>
+        <p:sp>
+          <p:nvSpPr>
+            <p:cNvPr id="44" name="Rectangle 43">
+              <a:extLst>
+                <a:ext uri="{FF2B5EF4-FFF2-40B4-BE49-F238E27FC236}">
+                  <a16:creationId xmlns:a16="http://schemas.microsoft.com/office/drawing/2014/main" id="{5224C339-2DA3-2046-AB55-BF358E43BF5C}"/>
+                </a:ext>
+              </a:extLst>
+            </p:cNvPr>
+            <p:cNvSpPr/>
+            <p:nvPr/>
+          </p:nvSpPr>
+          <p:spPr>
+            <a:xfrm>
+              <a:off x="6251755" y="2512770"/>
+              <a:ext cx="458115" cy="305410"/>
+            </a:xfrm>
+            <a:prstGeom prst="rect">
+              <a:avLst/>
+            </a:prstGeom>
+            <a:solidFill>
+              <a:srgbClr val="F2576D"/>
+            </a:solidFill>
+          </p:spPr>
+          <p:style>
+            <a:lnRef idx="2">
+              <a:schemeClr val="accent1">
+                <a:shade val="50000"/>
+              </a:schemeClr>
+            </a:lnRef>
+            <a:fillRef idx="1">
+              <a:schemeClr val="accent1"/>
+            </a:fillRef>
+            <a:effectRef idx="0">
+              <a:schemeClr val="accent1"/>
+            </a:effectRef>
+            <a:fontRef idx="minor">
+              <a:schemeClr val="lt1"/>
+            </a:fontRef>
+          </p:style>
+          <p:txBody>
+            <a:bodyPr rtlCol="0" anchor="ctr"/>
+            <a:lstStyle/>
+            <a:p>
+              <a:pPr algn="ctr"/>
+              <a:r>
+                <a:rPr lang="en-US" dirty="0"/>
+                <a:t>1</a:t>
+              </a:r>
+            </a:p>
+          </p:txBody>
+        </p:sp>
+        <p:sp>
+          <p:nvSpPr>
+            <p:cNvPr id="45" name="Rectangle 44">
+              <a:extLst>
+                <a:ext uri="{FF2B5EF4-FFF2-40B4-BE49-F238E27FC236}">
+                  <a16:creationId xmlns:a16="http://schemas.microsoft.com/office/drawing/2014/main" id="{B591925B-14FF-3F49-B693-856705353A09}"/>
+                </a:ext>
+              </a:extLst>
+            </p:cNvPr>
+            <p:cNvSpPr/>
+            <p:nvPr/>
+          </p:nvSpPr>
+          <p:spPr>
+            <a:xfrm>
+              <a:off x="6709870" y="2512770"/>
+              <a:ext cx="458115" cy="305410"/>
+            </a:xfrm>
+            <a:prstGeom prst="rect">
+              <a:avLst/>
+            </a:prstGeom>
+            <a:solidFill>
+              <a:srgbClr val="9A214C"/>
+            </a:solidFill>
+          </p:spPr>
+          <p:style>
+            <a:lnRef idx="2">
+              <a:schemeClr val="accent1">
+                <a:shade val="50000"/>
+              </a:schemeClr>
+            </a:lnRef>
+            <a:fillRef idx="1">
+              <a:schemeClr val="accent1"/>
+            </a:fillRef>
+            <a:effectRef idx="0">
+              <a:schemeClr val="accent1"/>
+            </a:effectRef>
+            <a:fontRef idx="minor">
+              <a:schemeClr val="lt1"/>
+            </a:fontRef>
+          </p:style>
+          <p:txBody>
+            <a:bodyPr rtlCol="0" anchor="ctr"/>
+            <a:lstStyle/>
+            <a:p>
+              <a:pPr algn="ctr"/>
+              <a:r>
+                <a:rPr lang="en-US" dirty="0"/>
+                <a:t>0</a:t>
+              </a:r>
+            </a:p>
+          </p:txBody>
+        </p:sp>
+      </p:grpSp>
+      <p:sp>
+        <p:nvSpPr>
+          <p:cNvPr id="46" name="Rectangle 45">
+            <a:extLst>
+              <a:ext uri="{FF2B5EF4-FFF2-40B4-BE49-F238E27FC236}">
+                <a16:creationId xmlns:a16="http://schemas.microsoft.com/office/drawing/2014/main" id="{844508AE-5F6B-464E-BFF1-B133842D9B66}"/>
+              </a:ext>
+            </a:extLst>
+          </p:cNvPr>
+          <p:cNvSpPr/>
+          <p:nvPr/>
+        </p:nvSpPr>
+        <p:spPr>
+          <a:xfrm>
+            <a:off x="3503065" y="4956050"/>
+            <a:ext cx="458115" cy="305410"/>
+          </a:xfrm>
+          <a:prstGeom prst="rect">
+            <a:avLst/>
+          </a:prstGeom>
+          <a:solidFill>
+            <a:srgbClr val="F2576D"/>
+          </a:solidFill>
+        </p:spPr>
+        <p:style>
+          <a:lnRef idx="2">
+            <a:schemeClr val="accent1">
+              <a:shade val="50000"/>
+            </a:schemeClr>
+          </a:lnRef>
+          <a:fillRef idx="1">
+            <a:schemeClr val="accent1"/>
+          </a:fillRef>
+          <a:effectRef idx="0">
+            <a:schemeClr val="accent1"/>
+          </a:effectRef>
+          <a:fontRef idx="minor">
+            <a:schemeClr val="lt1"/>
+          </a:fontRef>
+        </p:style>
+        <p:txBody>
+          <a:bodyPr rtlCol="0" anchor="ctr"/>
+          <a:lstStyle/>
+          <a:p>
+            <a:pPr algn="ctr"/>
+            <a:r>
+              <a:rPr lang="en-US" dirty="0"/>
+              <a:t>1</a:t>
+            </a:r>
+          </a:p>
+        </p:txBody>
+      </p:sp>
+      <p:sp>
+        <p:nvSpPr>
+          <p:cNvPr id="47" name="Rectangle 46">
+            <a:extLst>
+              <a:ext uri="{FF2B5EF4-FFF2-40B4-BE49-F238E27FC236}">
+                <a16:creationId xmlns:a16="http://schemas.microsoft.com/office/drawing/2014/main" id="{CDC703BE-7430-FF49-A82B-5E031A76058D}"/>
+              </a:ext>
+            </a:extLst>
+          </p:cNvPr>
+          <p:cNvSpPr/>
+          <p:nvPr/>
+        </p:nvSpPr>
+        <p:spPr>
+          <a:xfrm>
+            <a:off x="3961180" y="4956050"/>
+            <a:ext cx="458115" cy="305410"/>
+          </a:xfrm>
+          <a:prstGeom prst="rect">
+            <a:avLst/>
+          </a:prstGeom>
+          <a:solidFill>
+            <a:srgbClr val="9A214C"/>
+          </a:solidFill>
+        </p:spPr>
+        <p:style>
+          <a:lnRef idx="2">
+            <a:schemeClr val="accent1">
+              <a:shade val="50000"/>
+            </a:schemeClr>
+          </a:lnRef>
+          <a:fillRef idx="1">
+            <a:schemeClr val="accent1"/>
+          </a:fillRef>
+          <a:effectRef idx="0">
+            <a:schemeClr val="accent1"/>
+          </a:effectRef>
+          <a:fontRef idx="minor">
+            <a:schemeClr val="lt1"/>
+          </a:fontRef>
+        </p:style>
+        <p:txBody>
+          <a:bodyPr rtlCol="0" anchor="ctr"/>
+          <a:lstStyle/>
+          <a:p>
+            <a:pPr algn="ctr"/>
+            <a:r>
+              <a:rPr lang="en-US" dirty="0"/>
+              <a:t>0</a:t>
+            </a:r>
+          </a:p>
+        </p:txBody>
+      </p:sp>
+      <p:sp>
+        <p:nvSpPr>
+          <p:cNvPr id="48" name="Rectangle 47">
+            <a:extLst>
+              <a:ext uri="{FF2B5EF4-FFF2-40B4-BE49-F238E27FC236}">
+                <a16:creationId xmlns:a16="http://schemas.microsoft.com/office/drawing/2014/main" id="{C03C4737-91D7-E742-BE98-0391D7AB65C0}"/>
+              </a:ext>
+            </a:extLst>
+          </p:cNvPr>
+          <p:cNvSpPr/>
+          <p:nvPr/>
+        </p:nvSpPr>
+        <p:spPr>
+          <a:xfrm>
+            <a:off x="4419295" y="4956050"/>
+            <a:ext cx="458115" cy="305410"/>
+          </a:xfrm>
+          <a:prstGeom prst="rect">
+            <a:avLst/>
+          </a:prstGeom>
+          <a:solidFill>
+            <a:srgbClr val="F2576D"/>
+          </a:solidFill>
+        </p:spPr>
+        <p:style>
+          <a:lnRef idx="2">
+            <a:schemeClr val="accent1">
+              <a:shade val="50000"/>
+            </a:schemeClr>
+          </a:lnRef>
+          <a:fillRef idx="1">
+            <a:schemeClr val="accent1"/>
+          </a:fillRef>
+          <a:effectRef idx="0">
+            <a:schemeClr val="accent1"/>
+          </a:effectRef>
+          <a:fontRef idx="minor">
+            <a:schemeClr val="lt1"/>
+          </a:fontRef>
+        </p:style>
+        <p:txBody>
+          <a:bodyPr rtlCol="0" anchor="ctr"/>
+          <a:lstStyle/>
+          <a:p>
+            <a:pPr algn="ctr"/>
+            <a:r>
+              <a:rPr lang="en-US" dirty="0"/>
+              <a:t>0</a:t>
+            </a:r>
+          </a:p>
+        </p:txBody>
+      </p:sp>
+      <p:sp>
+        <p:nvSpPr>
+          <p:cNvPr id="49" name="Rectangle 48">
+            <a:extLst>
+              <a:ext uri="{FF2B5EF4-FFF2-40B4-BE49-F238E27FC236}">
+                <a16:creationId xmlns:a16="http://schemas.microsoft.com/office/drawing/2014/main" id="{24CAE8F9-2D51-A440-9ED0-9C90F615958C}"/>
+              </a:ext>
+            </a:extLst>
+          </p:cNvPr>
+          <p:cNvSpPr/>
+          <p:nvPr/>
+        </p:nvSpPr>
+        <p:spPr>
+          <a:xfrm>
+            <a:off x="4877410" y="4956050"/>
+            <a:ext cx="458115" cy="305410"/>
+          </a:xfrm>
+          <a:prstGeom prst="rect">
+            <a:avLst/>
+          </a:prstGeom>
+          <a:solidFill>
+            <a:srgbClr val="9A214C"/>
+          </a:solidFill>
+        </p:spPr>
+        <p:style>
+          <a:lnRef idx="2">
+            <a:schemeClr val="accent1">
+              <a:shade val="50000"/>
+            </a:schemeClr>
+          </a:lnRef>
+          <a:fillRef idx="1">
+            <a:schemeClr val="accent1"/>
+          </a:fillRef>
+          <a:effectRef idx="0">
+            <a:schemeClr val="accent1"/>
+          </a:effectRef>
+          <a:fontRef idx="minor">
+            <a:schemeClr val="lt1"/>
+          </a:fontRef>
+        </p:style>
+        <p:txBody>
+          <a:bodyPr rtlCol="0" anchor="ctr"/>
+          <a:lstStyle/>
+          <a:p>
+            <a:pPr algn="ctr"/>
+            <a:r>
+              <a:rPr lang="en-US" dirty="0"/>
+              <a:t>0</a:t>
+            </a:r>
+          </a:p>
+        </p:txBody>
+      </p:sp>
+      <p:sp>
+        <p:nvSpPr>
+          <p:cNvPr id="50" name="Rectangle 49">
+            <a:extLst>
+              <a:ext uri="{FF2B5EF4-FFF2-40B4-BE49-F238E27FC236}">
+                <a16:creationId xmlns:a16="http://schemas.microsoft.com/office/drawing/2014/main" id="{15D1019E-B881-D04D-89C1-4765C418E730}"/>
+              </a:ext>
+            </a:extLst>
+          </p:cNvPr>
+          <p:cNvSpPr/>
+          <p:nvPr/>
+        </p:nvSpPr>
+        <p:spPr>
+          <a:xfrm>
+            <a:off x="5335525" y="4956050"/>
+            <a:ext cx="458115" cy="305410"/>
+          </a:xfrm>
+          <a:prstGeom prst="rect">
+            <a:avLst/>
+          </a:prstGeom>
+          <a:solidFill>
+            <a:srgbClr val="F2576D"/>
+          </a:solidFill>
+        </p:spPr>
+        <p:style>
+          <a:lnRef idx="2">
+            <a:schemeClr val="accent1">
+              <a:shade val="50000"/>
+            </a:schemeClr>
+          </a:lnRef>
+          <a:fillRef idx="1">
+            <a:schemeClr val="accent1"/>
+          </a:fillRef>
+          <a:effectRef idx="0">
+            <a:schemeClr val="accent1"/>
+          </a:effectRef>
+          <a:fontRef idx="minor">
+            <a:schemeClr val="lt1"/>
+          </a:fontRef>
+        </p:style>
+        <p:txBody>
+          <a:bodyPr rtlCol="0" anchor="ctr"/>
+          <a:lstStyle/>
+          <a:p>
+            <a:pPr algn="ctr"/>
+            <a:r>
+              <a:rPr lang="en-US" dirty="0"/>
+              <a:t>0</a:t>
+            </a:r>
+          </a:p>
+        </p:txBody>
+      </p:sp>
+      <p:sp>
+        <p:nvSpPr>
+          <p:cNvPr id="51" name="Rectangle 50">
+            <a:extLst>
+              <a:ext uri="{FF2B5EF4-FFF2-40B4-BE49-F238E27FC236}">
+                <a16:creationId xmlns:a16="http://schemas.microsoft.com/office/drawing/2014/main" id="{6C76723A-6C09-1646-ACFA-8EF104505203}"/>
+              </a:ext>
+            </a:extLst>
+          </p:cNvPr>
+          <p:cNvSpPr/>
+          <p:nvPr/>
+        </p:nvSpPr>
+        <p:spPr>
+          <a:xfrm>
+            <a:off x="5793640" y="4956050"/>
+            <a:ext cx="458115" cy="305410"/>
+          </a:xfrm>
+          <a:prstGeom prst="rect">
+            <a:avLst/>
+          </a:prstGeom>
+          <a:solidFill>
+            <a:srgbClr val="9A214C"/>
+          </a:solidFill>
+        </p:spPr>
+        <p:style>
+          <a:lnRef idx="2">
+            <a:schemeClr val="accent1">
+              <a:shade val="50000"/>
+            </a:schemeClr>
+          </a:lnRef>
+          <a:fillRef idx="1">
+            <a:schemeClr val="accent1"/>
+          </a:fillRef>
+          <a:effectRef idx="0">
+            <a:schemeClr val="accent1"/>
+          </a:effectRef>
+          <a:fontRef idx="minor">
+            <a:schemeClr val="lt1"/>
+          </a:fontRef>
+        </p:style>
+        <p:txBody>
+          <a:bodyPr rtlCol="0" anchor="ctr"/>
+          <a:lstStyle/>
+          <a:p>
+            <a:pPr algn="ctr"/>
+            <a:r>
+              <a:rPr lang="en-US" dirty="0"/>
+              <a:t>0</a:t>
+            </a:r>
+          </a:p>
+        </p:txBody>
+      </p:sp>
+      <p:sp>
+        <p:nvSpPr>
+          <p:cNvPr id="52" name="Rectangle 51">
+            <a:extLst>
+              <a:ext uri="{FF2B5EF4-FFF2-40B4-BE49-F238E27FC236}">
+                <a16:creationId xmlns:a16="http://schemas.microsoft.com/office/drawing/2014/main" id="{3B456AE2-0040-674D-9C02-6F51383A7A4E}"/>
+              </a:ext>
+            </a:extLst>
+          </p:cNvPr>
+          <p:cNvSpPr/>
+          <p:nvPr/>
+        </p:nvSpPr>
+        <p:spPr>
+          <a:xfrm>
+            <a:off x="6251755" y="4956050"/>
+            <a:ext cx="458115" cy="305410"/>
+          </a:xfrm>
+          <a:prstGeom prst="rect">
+            <a:avLst/>
+          </a:prstGeom>
+          <a:solidFill>
+            <a:srgbClr val="F2576D"/>
+          </a:solidFill>
+        </p:spPr>
+        <p:style>
+          <a:lnRef idx="2">
+            <a:schemeClr val="accent1">
+              <a:shade val="50000"/>
+            </a:schemeClr>
+          </a:lnRef>
+          <a:fillRef idx="1">
+            <a:schemeClr val="accent1"/>
+          </a:fillRef>
+          <a:effectRef idx="0">
+            <a:schemeClr val="accent1"/>
+          </a:effectRef>
+          <a:fontRef idx="minor">
+            <a:schemeClr val="lt1"/>
+          </a:fontRef>
+        </p:style>
+        <p:txBody>
+          <a:bodyPr rtlCol="0" anchor="ctr"/>
+          <a:lstStyle/>
+          <a:p>
+            <a:pPr algn="ctr"/>
+            <a:r>
+              <a:rPr lang="en-US" dirty="0"/>
+              <a:t>1</a:t>
+            </a:r>
+          </a:p>
+        </p:txBody>
+      </p:sp>
+      <p:sp>
+        <p:nvSpPr>
+          <p:cNvPr id="53" name="Rectangle 52">
+            <a:extLst>
+              <a:ext uri="{FF2B5EF4-FFF2-40B4-BE49-F238E27FC236}">
+                <a16:creationId xmlns:a16="http://schemas.microsoft.com/office/drawing/2014/main" id="{62D9AFF8-136E-1E4E-99FA-3EB7859C1736}"/>
+              </a:ext>
+            </a:extLst>
+          </p:cNvPr>
+          <p:cNvSpPr/>
+          <p:nvPr/>
+        </p:nvSpPr>
+        <p:spPr>
+          <a:xfrm>
+            <a:off x="6709870" y="4956050"/>
+            <a:ext cx="458115" cy="305410"/>
+          </a:xfrm>
+          <a:prstGeom prst="rect">
+            <a:avLst/>
+          </a:prstGeom>
+          <a:solidFill>
+            <a:srgbClr val="9A214C"/>
+          </a:solidFill>
+        </p:spPr>
+        <p:style>
+          <a:lnRef idx="2">
+            <a:schemeClr val="accent1">
+              <a:shade val="50000"/>
+            </a:schemeClr>
+          </a:lnRef>
+          <a:fillRef idx="1">
+            <a:schemeClr val="accent1"/>
+          </a:fillRef>
+          <a:effectRef idx="0">
+            <a:schemeClr val="accent1"/>
+          </a:effectRef>
+          <a:fontRef idx="minor">
+            <a:schemeClr val="lt1"/>
+          </a:fontRef>
+        </p:style>
+        <p:txBody>
+          <a:bodyPr rtlCol="0" anchor="ctr"/>
+          <a:lstStyle/>
+          <a:p>
+            <a:pPr algn="ctr"/>
+            <a:r>
+              <a:rPr lang="en-US" dirty="0"/>
+              <a:t>0</a:t>
+            </a:r>
+          </a:p>
+        </p:txBody>
+      </p:sp>
+      <p:cxnSp>
+        <p:nvCxnSpPr>
+          <p:cNvPr id="14" name="Straight Arrow Connector 13">
+            <a:extLst>
+              <a:ext uri="{FF2B5EF4-FFF2-40B4-BE49-F238E27FC236}">
+                <a16:creationId xmlns:a16="http://schemas.microsoft.com/office/drawing/2014/main" id="{28D89724-A98A-B247-B989-BB9A948A2D87}"/>
+              </a:ext>
+            </a:extLst>
+          </p:cNvPr>
+          <p:cNvCxnSpPr/>
+          <p:nvPr/>
+        </p:nvCxnSpPr>
+        <p:spPr>
+          <a:xfrm>
+            <a:off x="5331407" y="2970885"/>
+            <a:ext cx="0" cy="1679755"/>
+          </a:xfrm>
+          <a:prstGeom prst="straightConnector1">
+            <a:avLst/>
+          </a:prstGeom>
+          <a:ln>
+            <a:tailEnd type="triangle"/>
+          </a:ln>
+        </p:spPr>
+        <p:style>
+          <a:lnRef idx="1">
+            <a:schemeClr val="accent1"/>
+          </a:lnRef>
+          <a:fillRef idx="0">
+            <a:schemeClr val="accent1"/>
+          </a:fillRef>
+          <a:effectRef idx="0">
+            <a:schemeClr val="accent1"/>
+          </a:effectRef>
+          <a:fontRef idx="minor">
+            <a:schemeClr val="tx1"/>
+          </a:fontRef>
+        </p:style>
+      </p:cxnSp>
+      <p:sp>
+        <p:nvSpPr>
+          <p:cNvPr id="15" name="TextBox 14">
+            <a:extLst>
+              <a:ext uri="{FF2B5EF4-FFF2-40B4-BE49-F238E27FC236}">
+                <a16:creationId xmlns:a16="http://schemas.microsoft.com/office/drawing/2014/main" id="{C9317EB1-9304-7141-A7B5-7C69D7E3C3F0}"/>
+              </a:ext>
+            </a:extLst>
+          </p:cNvPr>
+          <p:cNvSpPr txBox="1"/>
+          <p:nvPr/>
+        </p:nvSpPr>
+        <p:spPr>
+          <a:xfrm>
+            <a:off x="5509127" y="3626096"/>
+            <a:ext cx="2247731" cy="369332"/>
+          </a:xfrm>
+          <a:prstGeom prst="rect">
+            <a:avLst/>
+          </a:prstGeom>
+          <a:noFill/>
+        </p:spPr>
+        <p:txBody>
+          <a:bodyPr wrap="none" rtlCol="0">
+            <a:spAutoFit/>
+          </a:bodyPr>
+          <a:lstStyle/>
+          <a:p>
+            <a:r>
+              <a:rPr lang="en-US" dirty="0"/>
+              <a:t>Randomly flip one bit</a:t>
+            </a:r>
+          </a:p>
+        </p:txBody>
+      </p:sp>
+      <p:sp>
+        <p:nvSpPr>
+          <p:cNvPr id="16" name="Oval 15">
+            <a:extLst>
+              <a:ext uri="{FF2B5EF4-FFF2-40B4-BE49-F238E27FC236}">
+                <a16:creationId xmlns:a16="http://schemas.microsoft.com/office/drawing/2014/main" id="{8D1AECD8-9039-F340-B6AE-3F3B5A837EC1}"/>
+              </a:ext>
+            </a:extLst>
+          </p:cNvPr>
+          <p:cNvSpPr/>
+          <p:nvPr/>
+        </p:nvSpPr>
+        <p:spPr>
+          <a:xfrm>
+            <a:off x="5257113" y="4825541"/>
+            <a:ext cx="614938" cy="610820"/>
+          </a:xfrm>
+          <a:prstGeom prst="ellipse">
+            <a:avLst/>
+          </a:prstGeom>
+          <a:noFill/>
+        </p:spPr>
+        <p:style>
+          <a:lnRef idx="2">
+            <a:schemeClr val="accent1">
+              <a:shade val="50000"/>
+            </a:schemeClr>
+          </a:lnRef>
+          <a:fillRef idx="1">
+            <a:schemeClr val="accent1"/>
+          </a:fillRef>
+          <a:effectRef idx="0">
+            <a:schemeClr val="accent1"/>
+          </a:effectRef>
+          <a:fontRef idx="minor">
+            <a:schemeClr val="lt1"/>
+          </a:fontRef>
+        </p:style>
+        <p:txBody>
+          <a:bodyPr rtlCol="0" anchor="ctr"/>
+          <a:lstStyle/>
+          <a:p>
+            <a:pPr algn="ctr"/>
+            <a:endParaRPr lang="en-US"/>
+          </a:p>
+        </p:txBody>
+      </p:sp>
+      <p:sp>
+        <p:nvSpPr>
+          <p:cNvPr id="23" name="TextBox 22">
+            <a:extLst>
+              <a:ext uri="{FF2B5EF4-FFF2-40B4-BE49-F238E27FC236}">
+                <a16:creationId xmlns:a16="http://schemas.microsoft.com/office/drawing/2014/main" id="{B7CAF0D6-5119-6644-A984-11CCEE7671A2}"/>
+              </a:ext>
+            </a:extLst>
+          </p:cNvPr>
+          <p:cNvSpPr txBox="1"/>
+          <p:nvPr/>
+        </p:nvSpPr>
+        <p:spPr>
+          <a:xfrm>
+            <a:off x="5032980" y="5480753"/>
+            <a:ext cx="1447832" cy="369332"/>
+          </a:xfrm>
+          <a:prstGeom prst="rect">
+            <a:avLst/>
+          </a:prstGeom>
+          <a:noFill/>
+        </p:spPr>
+        <p:txBody>
+          <a:bodyPr wrap="none" rtlCol="0">
+            <a:spAutoFit/>
+          </a:bodyPr>
+          <a:lstStyle/>
+          <a:p>
+            <a:r>
+              <a:rPr lang="en-US" dirty="0"/>
+              <a:t>5</a:t>
+            </a:r>
+            <a:r>
+              <a:rPr lang="en-US" baseline="30000" dirty="0"/>
+              <a:t>th</a:t>
+            </a:r>
+            <a:r>
+              <a:rPr lang="en-US" dirty="0"/>
+              <a:t> bit flipped</a:t>
+            </a:r>
+          </a:p>
+        </p:txBody>
+      </p:sp>
+      <p:sp>
+        <p:nvSpPr>
+          <p:cNvPr id="28" name="TextBox 27">
+            <a:extLst>
+              <a:ext uri="{FF2B5EF4-FFF2-40B4-BE49-F238E27FC236}">
+                <a16:creationId xmlns:a16="http://schemas.microsoft.com/office/drawing/2014/main" id="{EED97B71-EC55-0D47-8534-C37AF008390E}"/>
+              </a:ext>
+            </a:extLst>
+          </p:cNvPr>
+          <p:cNvSpPr txBox="1"/>
+          <p:nvPr/>
+        </p:nvSpPr>
+        <p:spPr>
+          <a:xfrm>
+            <a:off x="296260" y="1901950"/>
+            <a:ext cx="3227037" cy="369332"/>
+          </a:xfrm>
+          <a:prstGeom prst="rect">
+            <a:avLst/>
+          </a:prstGeom>
+          <a:noFill/>
+        </p:spPr>
+        <p:txBody>
+          <a:bodyPr wrap="none" rtlCol="0">
+            <a:spAutoFit/>
+          </a:bodyPr>
+          <a:lstStyle/>
+          <a:p>
+            <a:r>
+              <a:rPr lang="en-US" dirty="0"/>
+              <a:t>Chance of Mutation – P(m) = 0.1</a:t>
+            </a:r>
+          </a:p>
+        </p:txBody>
+      </p:sp>
+    </p:spTree>
+    <p:extLst>
+      <p:ext uri="{BB962C8B-B14F-4D97-AF65-F5344CB8AC3E}">
+        <p14:creationId xmlns:p14="http://schemas.microsoft.com/office/powerpoint/2010/main" val="2527272868"/>
+      </p:ext>
+    </p:extLst>
+  </p:cSld>
+  <p:clrMapOvr>
+    <a:masterClrMapping/>
+  </p:clrMapOvr>
+</p:sld>
+</file>
+
+<file path=ppt/slides/slide11.xml><?xml version="1.0" encoding="utf-8"?>
+<p:sld xmlns:a="http://schemas.openxmlformats.org/drawingml/2006/main" xmlns:r="http://schemas.openxmlformats.org/officeDocument/2006/relationships" xmlns:p="http://schemas.openxmlformats.org/presentationml/2006/main">
+  <p:cSld>
+    <p:spTree>
+      <p:nvGrpSpPr>
+        <p:cNvPr id="1" name=""/>
+        <p:cNvGrpSpPr/>
+        <p:nvPr/>
+      </p:nvGrpSpPr>
+      <p:grpSpPr>
+        <a:xfrm>
+          <a:off x="0" y="0"/>
+          <a:ext cx="0" cy="0"/>
+          <a:chOff x="0" y="0"/>
+          <a:chExt cx="0" cy="0"/>
+        </a:xfrm>
+      </p:grpSpPr>
+      <p:sp>
+        <p:nvSpPr>
+          <p:cNvPr id="2" name="Title 1"/>
+          <p:cNvSpPr>
+            <a:spLocks noGrp="1"/>
+          </p:cNvSpPr>
+          <p:nvPr>
+            <p:ph type="title"/>
+          </p:nvPr>
+        </p:nvSpPr>
+        <p:spPr/>
+        <p:txBody>
+          <a:bodyPr>
+            <a:normAutofit fontScale="90000"/>
+          </a:bodyPr>
+          <a:lstStyle/>
+          <a:p>
+            <a:r>
+              <a:rPr lang="en-US" dirty="0"/>
+              <a:t>Fitness</a:t>
+            </a:r>
+          </a:p>
+        </p:txBody>
+      </p:sp>
+      <p:sp>
+        <p:nvSpPr>
+          <p:cNvPr id="7" name="Rectangle 1">
+            <a:extLst>
+              <a:ext uri="{FF2B5EF4-FFF2-40B4-BE49-F238E27FC236}">
+                <a16:creationId xmlns:a16="http://schemas.microsoft.com/office/drawing/2014/main" id="{CACE5373-4066-BC4E-BE2A-E7ED77B29282}"/>
+              </a:ext>
+            </a:extLst>
+          </p:cNvPr>
+          <p:cNvSpPr>
+            <a:spLocks noChangeArrowheads="1"/>
+          </p:cNvSpPr>
+          <p:nvPr/>
+        </p:nvSpPr>
+        <p:spPr bwMode="auto">
+          <a:xfrm flipV="1">
+            <a:off x="192189" y="5948422"/>
+            <a:ext cx="18742970" cy="646331"/>
+          </a:xfrm>
+          <a:prstGeom prst="rect">
+            <a:avLst/>
+          </a:prstGeom>
+          <a:noFill/>
+          <a:ln>
+            <a:noFill/>
+          </a:ln>
+          <a:effectLst/>
+          <a:extLst>
+            <a:ext uri="{909E8E84-426E-40DD-AFC4-6F175D3DCCD1}">
+              <a14:hiddenFill xmlns:a14="http://schemas.microsoft.com/office/drawing/2010/main">
+                <a:solidFill>
+                  <a:schemeClr val="accent1"/>
+                </a:solidFill>
+              </a14:hiddenFill>
+            </a:ext>
+            <a:ext uri="{91240B29-F687-4F45-9708-019B960494DF}">
+              <a14:hiddenLine xmlns:a14="http://schemas.microsoft.com/office/drawing/2010/main" w="9525">
+                <a:solidFill>
+                  <a:schemeClr val="tx1"/>
+                </a:solidFill>
+                <a:miter lim="800000"/>
+                <a:headEnd/>
+                <a:tailEnd/>
+              </a14:hiddenLine>
+            </a:ext>
+            <a:ext uri="{AF507438-7753-43E0-B8FC-AC1667EBCBE1}">
+              <a14:hiddenEffects xmlns:a14="http://schemas.microsoft.com/office/drawing/2010/main">
+                <a:effectLst>
+                  <a:outerShdw dist="35921" dir="2700000" algn="ctr" rotWithShape="0">
+                    <a:schemeClr val="bg2"/>
+                  </a:outerShdw>
+                </a:effectLst>
+              </a14:hiddenEffects>
+            </a:ext>
+          </a:extLst>
+        </p:spPr>
+        <p:txBody>
+          <a:bodyPr vert="horz" wrap="square" lIns="91440" tIns="45720" rIns="91440" bIns="45720" numCol="1" anchor="ctr" anchorCtr="0" compatLnSpc="1">
+            <a:prstTxWarp prst="textNoShape">
+              <a:avLst/>
+            </a:prstTxWarp>
+            <a:spAutoFit/>
+          </a:bodyPr>
+          <a:lstStyle/>
+          <a:p>
+            <a:pPr marL="0" marR="0" lvl="0" indent="0" algn="l" defTabSz="914400" rtl="0" eaLnBrk="0" fontAlgn="base" latinLnBrk="0" hangingPunct="0">
+              <a:lnSpc>
+                <a:spcPct val="100000"/>
+              </a:lnSpc>
+              <a:spcBef>
+                <a:spcPct val="0"/>
+              </a:spcBef>
+              <a:spcAft>
+                <a:spcPct val="0"/>
+              </a:spcAft>
+              <a:buClrTx/>
+              <a:buSzTx/>
+              <a:buFontTx/>
+              <a:buNone/>
+              <a:tabLst/>
+            </a:pPr>
+            <a:br>
+              <a:rPr kumimoji="0" lang="en-US" altLang="en-US" sz="1800" b="0" i="0" u="none" strike="noStrike" cap="none" normalizeH="0" baseline="0">
+                <a:ln>
+                  <a:noFill/>
+                </a:ln>
+                <a:solidFill>
+                  <a:schemeClr val="tx1"/>
+                </a:solidFill>
+                <a:effectLst/>
+                <a:latin typeface="Arial" panose="020B0604020202020204" pitchFamily="34" charset="0"/>
+              </a:rPr>
+            </a:br>
+            <a:endParaRPr kumimoji="0" lang="en-US" altLang="en-US" sz="1800" b="0" i="0" u="none" strike="noStrike" cap="none" normalizeH="0" baseline="0">
+              <a:ln>
+                <a:noFill/>
+              </a:ln>
+              <a:solidFill>
+                <a:schemeClr val="tx1"/>
+              </a:solidFill>
+              <a:effectLst/>
+              <a:latin typeface="Arial" panose="020B0604020202020204" pitchFamily="34" charset="0"/>
+            </a:endParaRPr>
+          </a:p>
+        </p:txBody>
+      </p:sp>
+      <p:pic>
+        <p:nvPicPr>
+          <p:cNvPr id="10" name="Picture 9">
+            <a:extLst>
+              <a:ext uri="{FF2B5EF4-FFF2-40B4-BE49-F238E27FC236}">
+                <a16:creationId xmlns:a16="http://schemas.microsoft.com/office/drawing/2014/main" id="{99522F20-5CC3-C748-A016-77610F6CEEEE}"/>
+              </a:ext>
+            </a:extLst>
+          </p:cNvPr>
+          <p:cNvPicPr>
+            <a:picLocks noChangeAspect="1"/>
+          </p:cNvPicPr>
+          <p:nvPr/>
+        </p:nvPicPr>
+        <p:blipFill>
+          <a:blip r:embed="rId3"/>
+          <a:stretch>
+            <a:fillRect/>
+          </a:stretch>
+        </p:blipFill>
+        <p:spPr>
+          <a:xfrm>
+            <a:off x="5030115" y="2279590"/>
+            <a:ext cx="3648450" cy="3668832"/>
+          </a:xfrm>
+          <a:prstGeom prst="rect">
+            <a:avLst/>
+          </a:prstGeom>
+        </p:spPr>
+      </p:pic>
+      <p:sp>
+        <p:nvSpPr>
+          <p:cNvPr id="11" name="TextBox 10">
+            <a:extLst>
+              <a:ext uri="{FF2B5EF4-FFF2-40B4-BE49-F238E27FC236}">
+                <a16:creationId xmlns:a16="http://schemas.microsoft.com/office/drawing/2014/main" id="{4CAAF752-A288-EC44-BF7A-9D1BB437616A}"/>
+              </a:ext>
+            </a:extLst>
+          </p:cNvPr>
+          <p:cNvSpPr txBox="1"/>
+          <p:nvPr/>
+        </p:nvSpPr>
+        <p:spPr>
+          <a:xfrm>
+            <a:off x="448965" y="2279590"/>
+            <a:ext cx="2980303" cy="646331"/>
+          </a:xfrm>
+          <a:prstGeom prst="rect">
+            <a:avLst/>
+          </a:prstGeom>
+          <a:noFill/>
+        </p:spPr>
+        <p:txBody>
+          <a:bodyPr wrap="none" rtlCol="0">
+            <a:spAutoFit/>
+          </a:bodyPr>
+          <a:lstStyle/>
+          <a:p>
+            <a:r>
+              <a:rPr lang="en-US" dirty="0"/>
+              <a:t>Fitness = number of dark cells</a:t>
+            </a:r>
+          </a:p>
+          <a:p>
+            <a:r>
+              <a:rPr lang="en-US" dirty="0"/>
+              <a:t>Optimal Fitness = 0</a:t>
+            </a:r>
+          </a:p>
+        </p:txBody>
+      </p:sp>
+    </p:spTree>
+    <p:extLst>
+      <p:ext uri="{BB962C8B-B14F-4D97-AF65-F5344CB8AC3E}">
+        <p14:creationId xmlns:p14="http://schemas.microsoft.com/office/powerpoint/2010/main" val="412426355"/>
+      </p:ext>
+    </p:extLst>
+  </p:cSld>
+  <p:clrMapOvr>
+    <a:masterClrMapping/>
+  </p:clrMapOvr>
+</p:sld>
+</file>
+
+<file path=ppt/slides/slide12.xml><?xml version="1.0" encoding="utf-8"?>
+<p:sld xmlns:a="http://schemas.openxmlformats.org/drawingml/2006/main" xmlns:r="http://schemas.openxmlformats.org/officeDocument/2006/relationships" xmlns:p="http://schemas.openxmlformats.org/presentationml/2006/main">
+  <p:cSld>
+    <p:spTree>
+      <p:nvGrpSpPr>
+        <p:cNvPr id="1" name=""/>
+        <p:cNvGrpSpPr/>
+        <p:nvPr/>
+      </p:nvGrpSpPr>
+      <p:grpSpPr>
+        <a:xfrm>
+          <a:off x="0" y="0"/>
+          <a:ext cx="0" cy="0"/>
+          <a:chOff x="0" y="0"/>
+          <a:chExt cx="0" cy="0"/>
+        </a:xfrm>
+      </p:grpSpPr>
+      <p:sp>
+        <p:nvSpPr>
+          <p:cNvPr id="4" name="Title 3"/>
+          <p:cNvSpPr>
+            <a:spLocks noGrp="1"/>
+          </p:cNvSpPr>
+          <p:nvPr>
+            <p:ph type="title"/>
+          </p:nvPr>
+        </p:nvSpPr>
+        <p:spPr/>
+        <p:txBody>
+          <a:bodyPr>
+            <a:normAutofit fontScale="90000"/>
+          </a:bodyPr>
+          <a:lstStyle/>
+          <a:p>
+            <a:pPr algn="l"/>
+            <a:r>
+              <a:rPr lang="en-US" dirty="0">
+                <a:solidFill>
+                  <a:schemeClr val="bg1"/>
+                </a:solidFill>
+              </a:rPr>
+              <a:t>Selection</a:t>
+            </a:r>
+          </a:p>
+        </p:txBody>
+      </p:sp>
+    </p:spTree>
+    <p:extLst>
+      <p:ext uri="{BB962C8B-B14F-4D97-AF65-F5344CB8AC3E}">
+        <p14:creationId xmlns:p14="http://schemas.microsoft.com/office/powerpoint/2010/main" val="1316571704"/>
+      </p:ext>
+    </p:extLst>
+  </p:cSld>
+  <p:clrMapOvr>
+    <a:masterClrMapping/>
+  </p:clrMapOvr>
+</p:sld>
+</file>
+
+<file path=ppt/slides/slide13.xml><?xml version="1.0" encoding="utf-8"?>
+<p:sld xmlns:a="http://schemas.openxmlformats.org/drawingml/2006/main" xmlns:r="http://schemas.openxmlformats.org/officeDocument/2006/relationships" xmlns:p="http://schemas.openxmlformats.org/presentationml/2006/main">
+  <p:cSld>
+    <p:spTree>
+      <p:nvGrpSpPr>
+        <p:cNvPr id="1" name=""/>
+        <p:cNvGrpSpPr/>
+        <p:nvPr/>
+      </p:nvGrpSpPr>
+      <p:grpSpPr>
+        <a:xfrm>
+          <a:off x="0" y="0"/>
+          <a:ext cx="0" cy="0"/>
+          <a:chOff x="0" y="0"/>
+          <a:chExt cx="0" cy="0"/>
+        </a:xfrm>
+      </p:grpSpPr>
+      <p:sp>
+        <p:nvSpPr>
+          <p:cNvPr id="4" name="Title 3"/>
+          <p:cNvSpPr>
+            <a:spLocks noGrp="1"/>
+          </p:cNvSpPr>
+          <p:nvPr>
+            <p:ph type="title"/>
+          </p:nvPr>
+        </p:nvSpPr>
+        <p:spPr/>
+        <p:txBody>
+          <a:bodyPr>
+            <a:normAutofit fontScale="90000"/>
+          </a:bodyPr>
+          <a:lstStyle/>
+          <a:p>
+            <a:r>
+              <a:rPr lang="en-US" dirty="0"/>
+              <a:t>Slide Title</a:t>
+            </a:r>
+          </a:p>
+        </p:txBody>
+      </p:sp>
+      <p:sp>
+        <p:nvSpPr>
+          <p:cNvPr id="5" name="Text Placeholder 4"/>
+          <p:cNvSpPr>
+            <a:spLocks noGrp="1"/>
+          </p:cNvSpPr>
+          <p:nvPr>
+            <p:ph type="body" idx="1"/>
+          </p:nvPr>
+        </p:nvSpPr>
+        <p:spPr/>
+        <p:txBody>
+          <a:bodyPr/>
+          <a:lstStyle/>
+          <a:p>
+            <a:r>
+              <a:rPr lang="en-US"/>
+              <a:t>Product A</a:t>
+            </a:r>
+          </a:p>
+        </p:txBody>
+      </p:sp>
+      <p:sp>
+        <p:nvSpPr>
+          <p:cNvPr id="6" name="Content Placeholder 5"/>
+          <p:cNvSpPr>
+            <a:spLocks noGrp="1"/>
+          </p:cNvSpPr>
+          <p:nvPr>
+            <p:ph sz="half" idx="2"/>
+          </p:nvPr>
+        </p:nvSpPr>
+        <p:spPr/>
+        <p:txBody>
+          <a:bodyPr/>
+          <a:lstStyle/>
+          <a:p>
+            <a:r>
+              <a:rPr lang="en-US"/>
+              <a:t>Feature 1</a:t>
+            </a:r>
+          </a:p>
+          <a:p>
+            <a:r>
+              <a:rPr lang="en-US"/>
+              <a:t>Feature 2</a:t>
+            </a:r>
+          </a:p>
+          <a:p>
+            <a:r>
+              <a:rPr lang="en-US"/>
+              <a:t>Feature 3</a:t>
+            </a:r>
+          </a:p>
+        </p:txBody>
+      </p:sp>
+      <p:sp>
+        <p:nvSpPr>
+          <p:cNvPr id="7" name="Text Placeholder 6"/>
+          <p:cNvSpPr>
+            <a:spLocks noGrp="1"/>
+          </p:cNvSpPr>
+          <p:nvPr>
+            <p:ph type="body" sz="quarter" idx="3"/>
+          </p:nvPr>
+        </p:nvSpPr>
+        <p:spPr/>
+        <p:txBody>
+          <a:bodyPr/>
+          <a:lstStyle/>
+          <a:p>
+            <a:r>
+              <a:rPr lang="en-US"/>
+              <a:t>Product B</a:t>
+            </a:r>
+          </a:p>
+        </p:txBody>
+      </p:sp>
+      <p:sp>
+        <p:nvSpPr>
+          <p:cNvPr id="8" name="Content Placeholder 7"/>
+          <p:cNvSpPr>
+            <a:spLocks noGrp="1"/>
+          </p:cNvSpPr>
+          <p:nvPr>
+            <p:ph sz="quarter" idx="4"/>
+          </p:nvPr>
+        </p:nvSpPr>
+        <p:spPr/>
+        <p:txBody>
+          <a:bodyPr/>
+          <a:lstStyle/>
+          <a:p>
+            <a:r>
+              <a:rPr lang="en-US"/>
+              <a:t>Feature 1</a:t>
+            </a:r>
+          </a:p>
+          <a:p>
+            <a:r>
+              <a:rPr lang="en-US"/>
+              <a:t>Feature 2</a:t>
+            </a:r>
+          </a:p>
+          <a:p>
+            <a:r>
+              <a:rPr lang="en-US"/>
+              <a:t>Feature 3</a:t>
+            </a:r>
+          </a:p>
+        </p:txBody>
+      </p:sp>
+    </p:spTree>
+    <p:extLst>
+      <p:ext uri="{BB962C8B-B14F-4D97-AF65-F5344CB8AC3E}">
+        <p14:creationId xmlns:p14="http://schemas.microsoft.com/office/powerpoint/2010/main" val="4170783713"/>
+      </p:ext>
+    </p:extLst>
+  </p:cSld>
+  <p:clrMapOvr>
+    <a:masterClrMapping/>
+  </p:clrMapOvr>
+</p:sld>
+</file>
+
 <file path=ppt/slides/slide2.xml><?xml version="1.0" encoding="utf-8"?>
 <p:sld xmlns:a="http://schemas.openxmlformats.org/drawingml/2006/main" xmlns:r="http://schemas.openxmlformats.org/officeDocument/2006/relationships" xmlns:p="http://schemas.openxmlformats.org/presentationml/2006/main">
   <p:cSld>
@@ -4295,6 +6399,10 @@
                   <a:rPr lang="en-US" dirty="0"/>
                   <a:t>NP - Complete[1]</a:t>
                 </a:r>
+                <a:endParaRPr lang="he-IL" dirty="0"/>
+              </a:p>
+              <a:p>
+                <a:endParaRPr lang="en-US" dirty="0"/>
               </a:p>
               <a:p>
                 <a:r>
@@ -4367,6 +6475,9 @@
                     </m:r>
                   </m:oMath>
                 </a14:m>
+                <a:endParaRPr lang="he-IL" dirty="0"/>
+              </a:p>
+              <a:p>
                 <a:endParaRPr lang="en-US" dirty="0"/>
               </a:p>
               <a:p>
@@ -4491,7 +6602,7 @@
               <a:blipFill>
                 <a:blip r:embed="rId2"/>
                 <a:stretch>
-                  <a:fillRect l="-1233" t="-1618"/>
+                  <a:fillRect l="-1233" t="-1942"/>
                 </a:stretch>
               </a:blipFill>
             </p:spPr>
@@ -4556,6 +6667,363 @@
     </p:spTree>
     <p:extLst>
       <p:ext uri="{BB962C8B-B14F-4D97-AF65-F5344CB8AC3E}">
+        <p14:creationId xmlns:p14="http://schemas.microsoft.com/office/powerpoint/2010/main" val="2238510830"/>
+      </p:ext>
+    </p:extLst>
+  </p:cSld>
+  <p:clrMapOvr>
+    <a:masterClrMapping/>
+  </p:clrMapOvr>
+</p:sld>
+</file>
+
+<file path=ppt/slides/slide5.xml><?xml version="1.0" encoding="utf-8"?>
+<p:sld xmlns:a="http://schemas.openxmlformats.org/drawingml/2006/main" xmlns:r="http://schemas.openxmlformats.org/officeDocument/2006/relationships" xmlns:p="http://schemas.openxmlformats.org/presentationml/2006/main">
+  <p:cSld>
+    <p:spTree>
+      <p:nvGrpSpPr>
+        <p:cNvPr id="1" name=""/>
+        <p:cNvGrpSpPr/>
+        <p:nvPr/>
+      </p:nvGrpSpPr>
+      <p:grpSpPr>
+        <a:xfrm>
+          <a:off x="0" y="0"/>
+          <a:ext cx="0" cy="0"/>
+          <a:chOff x="0" y="0"/>
+          <a:chExt cx="0" cy="0"/>
+        </a:xfrm>
+      </p:grpSpPr>
+      <p:sp>
+        <p:nvSpPr>
+          <p:cNvPr id="2" name="Title 1"/>
+          <p:cNvSpPr>
+            <a:spLocks noGrp="1"/>
+          </p:cNvSpPr>
+          <p:nvPr>
+            <p:ph type="title"/>
+          </p:nvPr>
+        </p:nvSpPr>
+        <p:spPr/>
+        <p:txBody>
+          <a:bodyPr>
+            <a:normAutofit fontScale="90000"/>
+          </a:bodyPr>
+          <a:lstStyle/>
+          <a:p>
+            <a:r>
+              <a:rPr lang="en-US" dirty="0"/>
+              <a:t>Pre Processing</a:t>
+            </a:r>
+          </a:p>
+        </p:txBody>
+      </p:sp>
+      <p:sp>
+        <p:nvSpPr>
+          <p:cNvPr id="3" name="Content Placeholder 2"/>
+          <p:cNvSpPr>
+            <a:spLocks noGrp="1"/>
+          </p:cNvSpPr>
+          <p:nvPr>
+            <p:ph idx="1"/>
+          </p:nvPr>
+        </p:nvSpPr>
+        <p:spPr>
+          <a:xfrm>
+            <a:off x="143555" y="1749245"/>
+            <a:ext cx="8229600" cy="3918803"/>
+          </a:xfrm>
+        </p:spPr>
+        <p:txBody>
+          <a:bodyPr/>
+          <a:lstStyle/>
+          <a:p>
+            <a:pPr marL="0" indent="0" algn="l" defTabSz="914400" rtl="0" eaLnBrk="1" latinLnBrk="0" hangingPunct="1">
+              <a:spcBef>
+                <a:spcPct val="20000"/>
+              </a:spcBef>
+              <a:buNone/>
+            </a:pPr>
+            <a:r>
+              <a:rPr lang="en-US" dirty="0"/>
+              <a:t>By preprocessing the board we can avoid occupied or invalid cells in the representation of the individual and reduce the search space.</a:t>
+            </a:r>
+          </a:p>
+        </p:txBody>
+      </p:sp>
+      <p:sp>
+        <p:nvSpPr>
+          <p:cNvPr id="4" name="TextBox 3">
+            <a:extLst>
+              <a:ext uri="{FF2B5EF4-FFF2-40B4-BE49-F238E27FC236}">
+                <a16:creationId xmlns:a16="http://schemas.microsoft.com/office/drawing/2014/main" id="{6BF6372B-488E-5047-863E-1D1A37380199}"/>
+              </a:ext>
+            </a:extLst>
+          </p:cNvPr>
+          <p:cNvSpPr txBox="1"/>
+          <p:nvPr/>
+        </p:nvSpPr>
+        <p:spPr>
+          <a:xfrm>
+            <a:off x="143555" y="6177690"/>
+            <a:ext cx="7024430" cy="369332"/>
+          </a:xfrm>
+          <a:prstGeom prst="rect">
+            <a:avLst/>
+          </a:prstGeom>
+          <a:noFill/>
+        </p:spPr>
+        <p:txBody>
+          <a:bodyPr wrap="square" rtlCol="0">
+            <a:spAutoFit/>
+          </a:bodyPr>
+          <a:lstStyle/>
+          <a:p>
+            <a:r>
+              <a:rPr lang="en-US" dirty="0"/>
+              <a:t>* </a:t>
+            </a:r>
+          </a:p>
+        </p:txBody>
+      </p:sp>
+      <p:pic>
+        <p:nvPicPr>
+          <p:cNvPr id="5" name="Picture 4">
+            <a:extLst>
+              <a:ext uri="{FF2B5EF4-FFF2-40B4-BE49-F238E27FC236}">
+                <a16:creationId xmlns:a16="http://schemas.microsoft.com/office/drawing/2014/main" id="{2A3226B4-0549-254D-96FF-B81EF30E848B}"/>
+              </a:ext>
+            </a:extLst>
+          </p:cNvPr>
+          <p:cNvPicPr>
+            <a:picLocks noChangeAspect="1"/>
+          </p:cNvPicPr>
+          <p:nvPr/>
+        </p:nvPicPr>
+        <p:blipFill>
+          <a:blip r:embed="rId2"/>
+          <a:stretch>
+            <a:fillRect/>
+          </a:stretch>
+        </p:blipFill>
+        <p:spPr>
+          <a:xfrm>
+            <a:off x="1687215" y="3581705"/>
+            <a:ext cx="5753100" cy="1854200"/>
+          </a:xfrm>
+          <a:prstGeom prst="rect">
+            <a:avLst/>
+          </a:prstGeom>
+        </p:spPr>
+      </p:pic>
+      <p:graphicFrame>
+        <p:nvGraphicFramePr>
+          <p:cNvPr id="6" name="Table 5">
+            <a:extLst>
+              <a:ext uri="{FF2B5EF4-FFF2-40B4-BE49-F238E27FC236}">
+                <a16:creationId xmlns:a16="http://schemas.microsoft.com/office/drawing/2014/main" id="{D2205CEE-7CDF-394F-AB63-2E2336467288}"/>
+              </a:ext>
+            </a:extLst>
+          </p:cNvPr>
+          <p:cNvGraphicFramePr>
+            <a:graphicFrameLocks noGrp="1"/>
+          </p:cNvGraphicFramePr>
+          <p:nvPr>
+            <p:extLst>
+              <p:ext uri="{D42A27DB-BD31-4B8C-83A1-F6EECF244321}">
+                <p14:modId xmlns:p14="http://schemas.microsoft.com/office/powerpoint/2010/main" val="2012132522"/>
+              </p:ext>
+            </p:extLst>
+          </p:nvPr>
+        </p:nvGraphicFramePr>
+        <p:xfrm>
+          <a:off x="374181" y="6177690"/>
+          <a:ext cx="8551480" cy="1189292"/>
+        </p:xfrm>
+        <a:graphic>
+          <a:graphicData uri="http://schemas.openxmlformats.org/drawingml/2006/table">
+            <a:tbl>
+              <a:tblPr/>
+              <a:tblGrid>
+                <a:gridCol w="8551480">
+                  <a:extLst>
+                    <a:ext uri="{9D8B030D-6E8A-4147-A177-3AD203B41FA5}">
+                      <a16:colId xmlns:a16="http://schemas.microsoft.com/office/drawing/2014/main" val="1069778199"/>
+                    </a:ext>
+                  </a:extLst>
+                </a:gridCol>
+              </a:tblGrid>
+              <a:tr h="1189292">
+                <a:tc>
+                  <a:txBody>
+                    <a:bodyPr/>
+                    <a:lstStyle/>
+                    <a:p>
+                      <a:pPr fontAlgn="t"/>
+                      <a:r>
+                        <a:rPr lang="en-US" dirty="0">
+                          <a:effectLst/>
+                          <a:latin typeface="Arial" panose="020B0604020202020204" pitchFamily="34" charset="0"/>
+                        </a:rPr>
+                        <a:t>SALCEDO-SANZ, Sancho, et al. A nested two-steps evolutionary algorithm for the Light-up puzzle. </a:t>
+                      </a:r>
+                      <a:r>
+                        <a:rPr lang="en-US" i="1" dirty="0" err="1">
+                          <a:effectLst/>
+                          <a:latin typeface="Arial" panose="020B0604020202020204" pitchFamily="34" charset="0"/>
+                        </a:rPr>
+                        <a:t>Icga</a:t>
+                      </a:r>
+                      <a:r>
+                        <a:rPr lang="en-US" i="1" dirty="0">
+                          <a:effectLst/>
+                          <a:latin typeface="Arial" panose="020B0604020202020204" pitchFamily="34" charset="0"/>
+                        </a:rPr>
+                        <a:t> Journal</a:t>
+                      </a:r>
+                      <a:r>
+                        <a:rPr lang="en-US" dirty="0">
+                          <a:effectLst/>
+                          <a:latin typeface="Arial" panose="020B0604020202020204" pitchFamily="34" charset="0"/>
+                        </a:rPr>
+                        <a:t>, 2009, 32.3: 131-139.‏</a:t>
+                      </a:r>
+                    </a:p>
+                  </a:txBody>
+                  <a:tcPr marT="76200" marB="76200">
+                    <a:lnL>
+                      <a:noFill/>
+                    </a:lnL>
+                    <a:lnR>
+                      <a:noFill/>
+                    </a:lnR>
+                    <a:lnT>
+                      <a:noFill/>
+                    </a:lnT>
+                    <a:lnB>
+                      <a:noFill/>
+                    </a:lnB>
+                  </a:tcPr>
+                </a:tc>
+                <a:extLst>
+                  <a:ext uri="{0D108BD9-81ED-4DB2-BD59-A6C34878D82A}">
+                    <a16:rowId xmlns:a16="http://schemas.microsoft.com/office/drawing/2014/main" val="1865250624"/>
+                  </a:ext>
+                </a:extLst>
+              </a:tr>
+            </a:tbl>
+          </a:graphicData>
+        </a:graphic>
+      </p:graphicFrame>
+      <p:sp>
+        <p:nvSpPr>
+          <p:cNvPr id="7" name="Rectangle 1">
+            <a:extLst>
+              <a:ext uri="{FF2B5EF4-FFF2-40B4-BE49-F238E27FC236}">
+                <a16:creationId xmlns:a16="http://schemas.microsoft.com/office/drawing/2014/main" id="{CACE5373-4066-BC4E-BE2A-E7ED77B29282}"/>
+              </a:ext>
+            </a:extLst>
+          </p:cNvPr>
+          <p:cNvSpPr>
+            <a:spLocks noChangeArrowheads="1"/>
+          </p:cNvSpPr>
+          <p:nvPr/>
+        </p:nvSpPr>
+        <p:spPr bwMode="auto">
+          <a:xfrm flipV="1">
+            <a:off x="192189" y="5948422"/>
+            <a:ext cx="18742970" cy="646331"/>
+          </a:xfrm>
+          <a:prstGeom prst="rect">
+            <a:avLst/>
+          </a:prstGeom>
+          <a:noFill/>
+          <a:ln>
+            <a:noFill/>
+          </a:ln>
+          <a:effectLst/>
+          <a:extLst>
+            <a:ext uri="{909E8E84-426E-40DD-AFC4-6F175D3DCCD1}">
+              <a14:hiddenFill xmlns:a14="http://schemas.microsoft.com/office/drawing/2010/main">
+                <a:solidFill>
+                  <a:schemeClr val="accent1"/>
+                </a:solidFill>
+              </a14:hiddenFill>
+            </a:ext>
+            <a:ext uri="{91240B29-F687-4F45-9708-019B960494DF}">
+              <a14:hiddenLine xmlns:a14="http://schemas.microsoft.com/office/drawing/2010/main" w="9525">
+                <a:solidFill>
+                  <a:schemeClr val="tx1"/>
+                </a:solidFill>
+                <a:miter lim="800000"/>
+                <a:headEnd/>
+                <a:tailEnd/>
+              </a14:hiddenLine>
+            </a:ext>
+            <a:ext uri="{AF507438-7753-43E0-B8FC-AC1667EBCBE1}">
+              <a14:hiddenEffects xmlns:a14="http://schemas.microsoft.com/office/drawing/2010/main">
+                <a:effectLst>
+                  <a:outerShdw dist="35921" dir="2700000" algn="ctr" rotWithShape="0">
+                    <a:schemeClr val="bg2"/>
+                  </a:outerShdw>
+                </a:effectLst>
+              </a14:hiddenEffects>
+            </a:ext>
+          </a:extLst>
+        </p:spPr>
+        <p:txBody>
+          <a:bodyPr vert="horz" wrap="square" lIns="91440" tIns="45720" rIns="91440" bIns="45720" numCol="1" anchor="ctr" anchorCtr="0" compatLnSpc="1">
+            <a:prstTxWarp prst="textNoShape">
+              <a:avLst/>
+            </a:prstTxWarp>
+            <a:spAutoFit/>
+          </a:bodyPr>
+          <a:lstStyle/>
+          <a:p>
+            <a:pPr marL="0" marR="0" lvl="0" indent="0" algn="l" defTabSz="914400" rtl="0" eaLnBrk="0" fontAlgn="base" latinLnBrk="0" hangingPunct="0">
+              <a:lnSpc>
+                <a:spcPct val="100000"/>
+              </a:lnSpc>
+              <a:spcBef>
+                <a:spcPct val="0"/>
+              </a:spcBef>
+              <a:spcAft>
+                <a:spcPct val="0"/>
+              </a:spcAft>
+              <a:buClrTx/>
+              <a:buSzTx/>
+              <a:buFontTx/>
+              <a:buNone/>
+              <a:tabLst/>
+            </a:pPr>
+            <a:br>
+              <a:rPr kumimoji="0" lang="en-US" altLang="en-US" sz="1800" b="0" i="0" u="none" strike="noStrike" cap="none" normalizeH="0" baseline="0">
+                <a:ln>
+                  <a:noFill/>
+                </a:ln>
+                <a:solidFill>
+                  <a:schemeClr val="tx1"/>
+                </a:solidFill>
+                <a:effectLst/>
+                <a:latin typeface="Arial" panose="020B0604020202020204" pitchFamily="34" charset="0"/>
+              </a:rPr>
+            </a:br>
+            <a:endParaRPr kumimoji="0" lang="en-US" altLang="en-US" sz="1800" b="0" i="0" u="none" strike="noStrike" cap="none" normalizeH="0" baseline="0">
+              <a:ln>
+                <a:noFill/>
+              </a:ln>
+              <a:solidFill>
+                <a:schemeClr val="tx1"/>
+              </a:solidFill>
+              <a:effectLst/>
+              <a:latin typeface="Arial" panose="020B0604020202020204" pitchFamily="34" charset="0"/>
+            </a:endParaRPr>
+          </a:p>
+        </p:txBody>
+      </p:sp>
+    </p:spTree>
+    <p:extLst>
+      <p:ext uri="{BB962C8B-B14F-4D97-AF65-F5344CB8AC3E}">
         <p14:creationId xmlns:p14="http://schemas.microsoft.com/office/powerpoint/2010/main" val="1489894988"/>
       </p:ext>
     </p:extLst>
@@ -4566,7 +7034,364 @@
 </p:sld>
 </file>
 
-<file path=ppt/slides/slide5.xml><?xml version="1.0" encoding="utf-8"?>
+<file path=ppt/slides/slide6.xml><?xml version="1.0" encoding="utf-8"?>
+<p:sld xmlns:a="http://schemas.openxmlformats.org/drawingml/2006/main" xmlns:r="http://schemas.openxmlformats.org/officeDocument/2006/relationships" xmlns:p="http://schemas.openxmlformats.org/presentationml/2006/main">
+  <p:cSld>
+    <p:spTree>
+      <p:nvGrpSpPr>
+        <p:cNvPr id="1" name=""/>
+        <p:cNvGrpSpPr/>
+        <p:nvPr/>
+      </p:nvGrpSpPr>
+      <p:grpSpPr>
+        <a:xfrm>
+          <a:off x="0" y="0"/>
+          <a:ext cx="0" cy="0"/>
+          <a:chOff x="0" y="0"/>
+          <a:chExt cx="0" cy="0"/>
+        </a:xfrm>
+      </p:grpSpPr>
+      <p:sp>
+        <p:nvSpPr>
+          <p:cNvPr id="2" name="Title 1"/>
+          <p:cNvSpPr>
+            <a:spLocks noGrp="1"/>
+          </p:cNvSpPr>
+          <p:nvPr>
+            <p:ph type="title"/>
+          </p:nvPr>
+        </p:nvSpPr>
+        <p:spPr/>
+        <p:txBody>
+          <a:bodyPr>
+            <a:normAutofit fontScale="90000"/>
+          </a:bodyPr>
+          <a:lstStyle/>
+          <a:p>
+            <a:r>
+              <a:rPr lang="en-US" dirty="0"/>
+              <a:t>Individual Representation</a:t>
+            </a:r>
+          </a:p>
+        </p:txBody>
+      </p:sp>
+      <p:sp>
+        <p:nvSpPr>
+          <p:cNvPr id="3" name="Content Placeholder 2"/>
+          <p:cNvSpPr>
+            <a:spLocks noGrp="1"/>
+          </p:cNvSpPr>
+          <p:nvPr>
+            <p:ph idx="1"/>
+          </p:nvPr>
+        </p:nvSpPr>
+        <p:spPr>
+          <a:xfrm>
+            <a:off x="143555" y="1749245"/>
+            <a:ext cx="8229600" cy="3918803"/>
+          </a:xfrm>
+        </p:spPr>
+        <p:txBody>
+          <a:bodyPr/>
+          <a:lstStyle/>
+          <a:p>
+            <a:pPr marL="0" indent="0" algn="l" defTabSz="914400" rtl="0" eaLnBrk="1" latinLnBrk="0" hangingPunct="1">
+              <a:spcBef>
+                <a:spcPct val="20000"/>
+              </a:spcBef>
+              <a:buNone/>
+            </a:pPr>
+            <a:r>
+              <a:rPr lang="en-US" dirty="0"/>
+              <a:t>After preprocessing we have a smaller amount of empty cells, we represent the individual accordingly:</a:t>
+            </a:r>
+          </a:p>
+        </p:txBody>
+      </p:sp>
+      <p:sp>
+        <p:nvSpPr>
+          <p:cNvPr id="4" name="TextBox 3">
+            <a:extLst>
+              <a:ext uri="{FF2B5EF4-FFF2-40B4-BE49-F238E27FC236}">
+                <a16:creationId xmlns:a16="http://schemas.microsoft.com/office/drawing/2014/main" id="{6BF6372B-488E-5047-863E-1D1A37380199}"/>
+              </a:ext>
+            </a:extLst>
+          </p:cNvPr>
+          <p:cNvSpPr txBox="1"/>
+          <p:nvPr/>
+        </p:nvSpPr>
+        <p:spPr>
+          <a:xfrm>
+            <a:off x="143555" y="6177690"/>
+            <a:ext cx="7024430" cy="369332"/>
+          </a:xfrm>
+          <a:prstGeom prst="rect">
+            <a:avLst/>
+          </a:prstGeom>
+          <a:noFill/>
+        </p:spPr>
+        <p:txBody>
+          <a:bodyPr wrap="square" rtlCol="0">
+            <a:spAutoFit/>
+          </a:bodyPr>
+          <a:lstStyle/>
+          <a:p>
+            <a:r>
+              <a:rPr lang="en-US" dirty="0"/>
+              <a:t>* </a:t>
+            </a:r>
+          </a:p>
+        </p:txBody>
+      </p:sp>
+      <p:graphicFrame>
+        <p:nvGraphicFramePr>
+          <p:cNvPr id="6" name="Table 5">
+            <a:extLst>
+              <a:ext uri="{FF2B5EF4-FFF2-40B4-BE49-F238E27FC236}">
+                <a16:creationId xmlns:a16="http://schemas.microsoft.com/office/drawing/2014/main" id="{D2205CEE-7CDF-394F-AB63-2E2336467288}"/>
+              </a:ext>
+            </a:extLst>
+          </p:cNvPr>
+          <p:cNvGraphicFramePr>
+            <a:graphicFrameLocks noGrp="1"/>
+          </p:cNvGraphicFramePr>
+          <p:nvPr/>
+        </p:nvGraphicFramePr>
+        <p:xfrm>
+          <a:off x="374181" y="6177690"/>
+          <a:ext cx="8551480" cy="1189292"/>
+        </p:xfrm>
+        <a:graphic>
+          <a:graphicData uri="http://schemas.openxmlformats.org/drawingml/2006/table">
+            <a:tbl>
+              <a:tblPr/>
+              <a:tblGrid>
+                <a:gridCol w="8551480">
+                  <a:extLst>
+                    <a:ext uri="{9D8B030D-6E8A-4147-A177-3AD203B41FA5}">
+                      <a16:colId xmlns:a16="http://schemas.microsoft.com/office/drawing/2014/main" val="1069778199"/>
+                    </a:ext>
+                  </a:extLst>
+                </a:gridCol>
+              </a:tblGrid>
+              <a:tr h="1189292">
+                <a:tc>
+                  <a:txBody>
+                    <a:bodyPr/>
+                    <a:lstStyle/>
+                    <a:p>
+                      <a:pPr fontAlgn="t"/>
+                      <a:r>
+                        <a:rPr lang="en-US" dirty="0">
+                          <a:effectLst/>
+                          <a:latin typeface="Arial" panose="020B0604020202020204" pitchFamily="34" charset="0"/>
+                        </a:rPr>
+                        <a:t>SALCEDO-SANZ, Sancho, et al. A nested two-steps evolutionary algorithm for the Light-up puzzle. </a:t>
+                      </a:r>
+                      <a:r>
+                        <a:rPr lang="en-US" i="1" dirty="0" err="1">
+                          <a:effectLst/>
+                          <a:latin typeface="Arial" panose="020B0604020202020204" pitchFamily="34" charset="0"/>
+                        </a:rPr>
+                        <a:t>Icga</a:t>
+                      </a:r>
+                      <a:r>
+                        <a:rPr lang="en-US" i="1" dirty="0">
+                          <a:effectLst/>
+                          <a:latin typeface="Arial" panose="020B0604020202020204" pitchFamily="34" charset="0"/>
+                        </a:rPr>
+                        <a:t> Journal</a:t>
+                      </a:r>
+                      <a:r>
+                        <a:rPr lang="en-US" dirty="0">
+                          <a:effectLst/>
+                          <a:latin typeface="Arial" panose="020B0604020202020204" pitchFamily="34" charset="0"/>
+                        </a:rPr>
+                        <a:t>, 2009, 32.3: 131-139.‏</a:t>
+                      </a:r>
+                    </a:p>
+                  </a:txBody>
+                  <a:tcPr marT="76200" marB="76200">
+                    <a:lnL>
+                      <a:noFill/>
+                    </a:lnL>
+                    <a:lnR>
+                      <a:noFill/>
+                    </a:lnR>
+                    <a:lnT>
+                      <a:noFill/>
+                    </a:lnT>
+                    <a:lnB>
+                      <a:noFill/>
+                    </a:lnB>
+                  </a:tcPr>
+                </a:tc>
+                <a:extLst>
+                  <a:ext uri="{0D108BD9-81ED-4DB2-BD59-A6C34878D82A}">
+                    <a16:rowId xmlns:a16="http://schemas.microsoft.com/office/drawing/2014/main" val="1865250624"/>
+                  </a:ext>
+                </a:extLst>
+              </a:tr>
+            </a:tbl>
+          </a:graphicData>
+        </a:graphic>
+      </p:graphicFrame>
+      <p:sp>
+        <p:nvSpPr>
+          <p:cNvPr id="7" name="Rectangle 1">
+            <a:extLst>
+              <a:ext uri="{FF2B5EF4-FFF2-40B4-BE49-F238E27FC236}">
+                <a16:creationId xmlns:a16="http://schemas.microsoft.com/office/drawing/2014/main" id="{CACE5373-4066-BC4E-BE2A-E7ED77B29282}"/>
+              </a:ext>
+            </a:extLst>
+          </p:cNvPr>
+          <p:cNvSpPr>
+            <a:spLocks noChangeArrowheads="1"/>
+          </p:cNvSpPr>
+          <p:nvPr/>
+        </p:nvSpPr>
+        <p:spPr bwMode="auto">
+          <a:xfrm flipV="1">
+            <a:off x="192189" y="5948422"/>
+            <a:ext cx="18742970" cy="646331"/>
+          </a:xfrm>
+          <a:prstGeom prst="rect">
+            <a:avLst/>
+          </a:prstGeom>
+          <a:noFill/>
+          <a:ln>
+            <a:noFill/>
+          </a:ln>
+          <a:effectLst/>
+          <a:extLst>
+            <a:ext uri="{909E8E84-426E-40DD-AFC4-6F175D3DCCD1}">
+              <a14:hiddenFill xmlns:a14="http://schemas.microsoft.com/office/drawing/2010/main">
+                <a:solidFill>
+                  <a:schemeClr val="accent1"/>
+                </a:solidFill>
+              </a14:hiddenFill>
+            </a:ext>
+            <a:ext uri="{91240B29-F687-4F45-9708-019B960494DF}">
+              <a14:hiddenLine xmlns:a14="http://schemas.microsoft.com/office/drawing/2010/main" w="9525">
+                <a:solidFill>
+                  <a:schemeClr val="tx1"/>
+                </a:solidFill>
+                <a:miter lim="800000"/>
+                <a:headEnd/>
+                <a:tailEnd/>
+              </a14:hiddenLine>
+            </a:ext>
+            <a:ext uri="{AF507438-7753-43E0-B8FC-AC1667EBCBE1}">
+              <a14:hiddenEffects xmlns:a14="http://schemas.microsoft.com/office/drawing/2010/main">
+                <a:effectLst>
+                  <a:outerShdw dist="35921" dir="2700000" algn="ctr" rotWithShape="0">
+                    <a:schemeClr val="bg2"/>
+                  </a:outerShdw>
+                </a:effectLst>
+              </a14:hiddenEffects>
+            </a:ext>
+          </a:extLst>
+        </p:spPr>
+        <p:txBody>
+          <a:bodyPr vert="horz" wrap="square" lIns="91440" tIns="45720" rIns="91440" bIns="45720" numCol="1" anchor="ctr" anchorCtr="0" compatLnSpc="1">
+            <a:prstTxWarp prst="textNoShape">
+              <a:avLst/>
+            </a:prstTxWarp>
+            <a:spAutoFit/>
+          </a:bodyPr>
+          <a:lstStyle/>
+          <a:p>
+            <a:pPr marL="0" marR="0" lvl="0" indent="0" algn="l" defTabSz="914400" rtl="0" eaLnBrk="0" fontAlgn="base" latinLnBrk="0" hangingPunct="0">
+              <a:lnSpc>
+                <a:spcPct val="100000"/>
+              </a:lnSpc>
+              <a:spcBef>
+                <a:spcPct val="0"/>
+              </a:spcBef>
+              <a:spcAft>
+                <a:spcPct val="0"/>
+              </a:spcAft>
+              <a:buClrTx/>
+              <a:buSzTx/>
+              <a:buFontTx/>
+              <a:buNone/>
+              <a:tabLst/>
+            </a:pPr>
+            <a:br>
+              <a:rPr kumimoji="0" lang="en-US" altLang="en-US" sz="1800" b="0" i="0" u="none" strike="noStrike" cap="none" normalizeH="0" baseline="0">
+                <a:ln>
+                  <a:noFill/>
+                </a:ln>
+                <a:solidFill>
+                  <a:schemeClr val="tx1"/>
+                </a:solidFill>
+                <a:effectLst/>
+                <a:latin typeface="Arial" panose="020B0604020202020204" pitchFamily="34" charset="0"/>
+              </a:rPr>
+            </a:br>
+            <a:endParaRPr kumimoji="0" lang="en-US" altLang="en-US" sz="1800" b="0" i="0" u="none" strike="noStrike" cap="none" normalizeH="0" baseline="0">
+              <a:ln>
+                <a:noFill/>
+              </a:ln>
+              <a:solidFill>
+                <a:schemeClr val="tx1"/>
+              </a:solidFill>
+              <a:effectLst/>
+              <a:latin typeface="Arial" panose="020B0604020202020204" pitchFamily="34" charset="0"/>
+            </a:endParaRPr>
+          </a:p>
+        </p:txBody>
+      </p:sp>
+      <p:pic>
+        <p:nvPicPr>
+          <p:cNvPr id="9" name="Picture 8">
+            <a:extLst>
+              <a:ext uri="{FF2B5EF4-FFF2-40B4-BE49-F238E27FC236}">
+                <a16:creationId xmlns:a16="http://schemas.microsoft.com/office/drawing/2014/main" id="{93D3BEC7-BC17-4447-9A59-1FFDD2CF4E90}"/>
+              </a:ext>
+            </a:extLst>
+          </p:cNvPr>
+          <p:cNvPicPr>
+            <a:picLocks noChangeAspect="1"/>
+          </p:cNvPicPr>
+          <p:nvPr/>
+        </p:nvPicPr>
+        <p:blipFill>
+          <a:blip r:embed="rId3">
+            <a:extLst>
+              <a:ext uri="{28A0092B-C50C-407E-A947-70E740481C1C}">
+                <a14:useLocalDpi xmlns:a14="http://schemas.microsoft.com/office/drawing/2010/main" val="0"/>
+              </a:ext>
+            </a:extLst>
+          </a:blip>
+          <a:stretch>
+            <a:fillRect/>
+          </a:stretch>
+        </p:blipFill>
+        <p:spPr>
+          <a:xfrm>
+            <a:off x="1674515" y="3634103"/>
+            <a:ext cx="5778500" cy="2032000"/>
+          </a:xfrm>
+          <a:prstGeom prst="rect">
+            <a:avLst/>
+          </a:prstGeom>
+        </p:spPr>
+      </p:pic>
+    </p:spTree>
+    <p:extLst>
+      <p:ext uri="{BB962C8B-B14F-4D97-AF65-F5344CB8AC3E}">
+        <p14:creationId xmlns:p14="http://schemas.microsoft.com/office/powerpoint/2010/main" val="1791556397"/>
+      </p:ext>
+    </p:extLst>
+  </p:cSld>
+  <p:clrMapOvr>
+    <a:masterClrMapping/>
+  </p:clrMapOvr>
+</p:sld>
+</file>
+
+<file path=ppt/slides/slide7.xml><?xml version="1.0" encoding="utf-8"?>
 <p:sld xmlns:a="http://schemas.openxmlformats.org/drawingml/2006/main" xmlns:r="http://schemas.openxmlformats.org/officeDocument/2006/relationships" xmlns:p="http://schemas.openxmlformats.org/presentationml/2006/main">
   <p:cSld>
     <p:bg>
@@ -4617,7 +7442,573 @@
             <a:pPr algn="l"/>
             <a:r>
               <a:rPr lang="en-US" dirty="0"/>
-              <a:t>Title</a:t>
+              <a:t>Crossover</a:t>
+            </a:r>
+          </a:p>
+        </p:txBody>
+      </p:sp>
+      <p:sp>
+        <p:nvSpPr>
+          <p:cNvPr id="6" name="Rectangle 5">
+            <a:extLst>
+              <a:ext uri="{FF2B5EF4-FFF2-40B4-BE49-F238E27FC236}">
+                <a16:creationId xmlns:a16="http://schemas.microsoft.com/office/drawing/2014/main" id="{C2C57670-E102-C741-8692-28A3E78C9F15}"/>
+              </a:ext>
+            </a:extLst>
+          </p:cNvPr>
+          <p:cNvSpPr/>
+          <p:nvPr/>
+        </p:nvSpPr>
+        <p:spPr>
+          <a:xfrm>
+            <a:off x="2434130" y="2207360"/>
+            <a:ext cx="763525" cy="305410"/>
+          </a:xfrm>
+          <a:prstGeom prst="rect">
+            <a:avLst/>
+          </a:prstGeom>
+          <a:solidFill>
+            <a:srgbClr val="F2576D"/>
+          </a:solidFill>
+        </p:spPr>
+        <p:style>
+          <a:lnRef idx="2">
+            <a:schemeClr val="accent1">
+              <a:shade val="50000"/>
+            </a:schemeClr>
+          </a:lnRef>
+          <a:fillRef idx="1">
+            <a:schemeClr val="accent1"/>
+          </a:fillRef>
+          <a:effectRef idx="0">
+            <a:schemeClr val="accent1"/>
+          </a:effectRef>
+          <a:fontRef idx="minor">
+            <a:schemeClr val="lt1"/>
+          </a:fontRef>
+        </p:style>
+        <p:txBody>
+          <a:bodyPr rtlCol="0" anchor="ctr"/>
+          <a:lstStyle/>
+          <a:p>
+            <a:pPr algn="ctr"/>
+            <a:r>
+              <a:rPr lang="en-US" dirty="0"/>
+              <a:t>A1</a:t>
+            </a:r>
+          </a:p>
+        </p:txBody>
+      </p:sp>
+      <p:sp>
+        <p:nvSpPr>
+          <p:cNvPr id="8" name="Rectangle 7">
+            <a:extLst>
+              <a:ext uri="{FF2B5EF4-FFF2-40B4-BE49-F238E27FC236}">
+                <a16:creationId xmlns:a16="http://schemas.microsoft.com/office/drawing/2014/main" id="{F35A53A7-0E6A-1F4D-A832-48C4B4151395}"/>
+              </a:ext>
+            </a:extLst>
+          </p:cNvPr>
+          <p:cNvSpPr/>
+          <p:nvPr/>
+        </p:nvSpPr>
+        <p:spPr>
+          <a:xfrm>
+            <a:off x="3197655" y="2207360"/>
+            <a:ext cx="763525" cy="305410"/>
+          </a:xfrm>
+          <a:prstGeom prst="rect">
+            <a:avLst/>
+          </a:prstGeom>
+          <a:solidFill>
+            <a:srgbClr val="9A214C"/>
+          </a:solidFill>
+        </p:spPr>
+        <p:style>
+          <a:lnRef idx="2">
+            <a:schemeClr val="accent1">
+              <a:shade val="50000"/>
+            </a:schemeClr>
+          </a:lnRef>
+          <a:fillRef idx="1">
+            <a:schemeClr val="accent1"/>
+          </a:fillRef>
+          <a:effectRef idx="0">
+            <a:schemeClr val="accent1"/>
+          </a:effectRef>
+          <a:fontRef idx="minor">
+            <a:schemeClr val="lt1"/>
+          </a:fontRef>
+        </p:style>
+        <p:txBody>
+          <a:bodyPr rtlCol="0" anchor="ctr"/>
+          <a:lstStyle/>
+          <a:p>
+            <a:pPr algn="ctr"/>
+            <a:r>
+              <a:rPr lang="en-US" dirty="0"/>
+              <a:t>A2</a:t>
+            </a:r>
+          </a:p>
+        </p:txBody>
+      </p:sp>
+      <p:sp>
+        <p:nvSpPr>
+          <p:cNvPr id="9" name="Rectangle 8">
+            <a:extLst>
+              <a:ext uri="{FF2B5EF4-FFF2-40B4-BE49-F238E27FC236}">
+                <a16:creationId xmlns:a16="http://schemas.microsoft.com/office/drawing/2014/main" id="{58F9646E-CCA8-A340-B836-52B6861807B9}"/>
+              </a:ext>
+            </a:extLst>
+          </p:cNvPr>
+          <p:cNvSpPr/>
+          <p:nvPr/>
+        </p:nvSpPr>
+        <p:spPr>
+          <a:xfrm>
+            <a:off x="5182820" y="2207360"/>
+            <a:ext cx="763525" cy="305410"/>
+          </a:xfrm>
+          <a:prstGeom prst="rect">
+            <a:avLst/>
+          </a:prstGeom>
+          <a:solidFill>
+            <a:srgbClr val="F2576D"/>
+          </a:solidFill>
+        </p:spPr>
+        <p:style>
+          <a:lnRef idx="2">
+            <a:schemeClr val="accent1">
+              <a:shade val="50000"/>
+            </a:schemeClr>
+          </a:lnRef>
+          <a:fillRef idx="1">
+            <a:schemeClr val="accent1"/>
+          </a:fillRef>
+          <a:effectRef idx="0">
+            <a:schemeClr val="accent1"/>
+          </a:effectRef>
+          <a:fontRef idx="minor">
+            <a:schemeClr val="lt1"/>
+          </a:fontRef>
+        </p:style>
+        <p:txBody>
+          <a:bodyPr rtlCol="0" anchor="ctr"/>
+          <a:lstStyle/>
+          <a:p>
+            <a:pPr algn="ctr"/>
+            <a:r>
+              <a:rPr lang="en-US" dirty="0"/>
+              <a:t>B1</a:t>
+            </a:r>
+          </a:p>
+        </p:txBody>
+      </p:sp>
+      <p:sp>
+        <p:nvSpPr>
+          <p:cNvPr id="10" name="Rectangle 9">
+            <a:extLst>
+              <a:ext uri="{FF2B5EF4-FFF2-40B4-BE49-F238E27FC236}">
+                <a16:creationId xmlns:a16="http://schemas.microsoft.com/office/drawing/2014/main" id="{F336ED71-F4F7-E348-BAE9-04568548B9E4}"/>
+              </a:ext>
+            </a:extLst>
+          </p:cNvPr>
+          <p:cNvSpPr/>
+          <p:nvPr/>
+        </p:nvSpPr>
+        <p:spPr>
+          <a:xfrm>
+            <a:off x="5946345" y="2207360"/>
+            <a:ext cx="763525" cy="305410"/>
+          </a:xfrm>
+          <a:prstGeom prst="rect">
+            <a:avLst/>
+          </a:prstGeom>
+          <a:solidFill>
+            <a:srgbClr val="9A214C"/>
+          </a:solidFill>
+        </p:spPr>
+        <p:style>
+          <a:lnRef idx="2">
+            <a:schemeClr val="accent1">
+              <a:shade val="50000"/>
+            </a:schemeClr>
+          </a:lnRef>
+          <a:fillRef idx="1">
+            <a:schemeClr val="accent1"/>
+          </a:fillRef>
+          <a:effectRef idx="0">
+            <a:schemeClr val="accent1"/>
+          </a:effectRef>
+          <a:fontRef idx="minor">
+            <a:schemeClr val="lt1"/>
+          </a:fontRef>
+        </p:style>
+        <p:txBody>
+          <a:bodyPr rtlCol="0" anchor="ctr"/>
+          <a:lstStyle/>
+          <a:p>
+            <a:pPr algn="ctr"/>
+            <a:r>
+              <a:rPr lang="en-US" dirty="0"/>
+              <a:t>B2</a:t>
+            </a:r>
+          </a:p>
+        </p:txBody>
+      </p:sp>
+      <p:cxnSp>
+        <p:nvCxnSpPr>
+          <p:cNvPr id="15" name="Straight Arrow Connector 14">
+            <a:extLst>
+              <a:ext uri="{FF2B5EF4-FFF2-40B4-BE49-F238E27FC236}">
+                <a16:creationId xmlns:a16="http://schemas.microsoft.com/office/drawing/2014/main" id="{E4FF9BC6-C777-4A48-923F-3A69EFFBBC0E}"/>
+              </a:ext>
+            </a:extLst>
+          </p:cNvPr>
+          <p:cNvCxnSpPr/>
+          <p:nvPr/>
+        </p:nvCxnSpPr>
+        <p:spPr>
+          <a:xfrm>
+            <a:off x="3197655" y="2512770"/>
+            <a:ext cx="2748690" cy="1985165"/>
+          </a:xfrm>
+          <a:prstGeom prst="straightConnector1">
+            <a:avLst/>
+          </a:prstGeom>
+          <a:ln>
+            <a:tailEnd type="triangle"/>
+          </a:ln>
+        </p:spPr>
+        <p:style>
+          <a:lnRef idx="1">
+            <a:schemeClr val="accent1"/>
+          </a:lnRef>
+          <a:fillRef idx="0">
+            <a:schemeClr val="accent1"/>
+          </a:fillRef>
+          <a:effectRef idx="0">
+            <a:schemeClr val="accent1"/>
+          </a:effectRef>
+          <a:fontRef idx="minor">
+            <a:schemeClr val="tx1"/>
+          </a:fontRef>
+        </p:style>
+      </p:cxnSp>
+      <p:cxnSp>
+        <p:nvCxnSpPr>
+          <p:cNvPr id="16" name="Straight Arrow Connector 15">
+            <a:extLst>
+              <a:ext uri="{FF2B5EF4-FFF2-40B4-BE49-F238E27FC236}">
+                <a16:creationId xmlns:a16="http://schemas.microsoft.com/office/drawing/2014/main" id="{A65FCC75-BD08-4D42-B1CB-E24681CD3854}"/>
+              </a:ext>
+            </a:extLst>
+          </p:cNvPr>
+          <p:cNvCxnSpPr>
+            <a:cxnSpLocks/>
+          </p:cNvCxnSpPr>
+          <p:nvPr/>
+        </p:nvCxnSpPr>
+        <p:spPr>
+          <a:xfrm flipH="1">
+            <a:off x="3197654" y="2512769"/>
+            <a:ext cx="2748692" cy="1985166"/>
+          </a:xfrm>
+          <a:prstGeom prst="straightConnector1">
+            <a:avLst/>
+          </a:prstGeom>
+          <a:ln>
+            <a:tailEnd type="triangle"/>
+          </a:ln>
+        </p:spPr>
+        <p:style>
+          <a:lnRef idx="1">
+            <a:schemeClr val="accent1"/>
+          </a:lnRef>
+          <a:fillRef idx="0">
+            <a:schemeClr val="accent1"/>
+          </a:fillRef>
+          <a:effectRef idx="0">
+            <a:schemeClr val="accent1"/>
+          </a:effectRef>
+          <a:fontRef idx="minor">
+            <a:schemeClr val="tx1"/>
+          </a:fontRef>
+        </p:style>
+      </p:cxnSp>
+      <p:sp>
+        <p:nvSpPr>
+          <p:cNvPr id="19" name="Rectangle 18">
+            <a:extLst>
+              <a:ext uri="{FF2B5EF4-FFF2-40B4-BE49-F238E27FC236}">
+                <a16:creationId xmlns:a16="http://schemas.microsoft.com/office/drawing/2014/main" id="{20E77784-FD93-2C4E-90CD-5C268569B4C9}"/>
+              </a:ext>
+            </a:extLst>
+          </p:cNvPr>
+          <p:cNvSpPr/>
+          <p:nvPr/>
+        </p:nvSpPr>
+        <p:spPr>
+          <a:xfrm>
+            <a:off x="2434129" y="4650640"/>
+            <a:ext cx="763525" cy="305410"/>
+          </a:xfrm>
+          <a:prstGeom prst="rect">
+            <a:avLst/>
+          </a:prstGeom>
+          <a:solidFill>
+            <a:srgbClr val="F2576D"/>
+          </a:solidFill>
+        </p:spPr>
+        <p:style>
+          <a:lnRef idx="2">
+            <a:schemeClr val="accent1">
+              <a:shade val="50000"/>
+            </a:schemeClr>
+          </a:lnRef>
+          <a:fillRef idx="1">
+            <a:schemeClr val="accent1"/>
+          </a:fillRef>
+          <a:effectRef idx="0">
+            <a:schemeClr val="accent1"/>
+          </a:effectRef>
+          <a:fontRef idx="minor">
+            <a:schemeClr val="lt1"/>
+          </a:fontRef>
+        </p:style>
+        <p:txBody>
+          <a:bodyPr rtlCol="0" anchor="ctr"/>
+          <a:lstStyle/>
+          <a:p>
+            <a:pPr algn="ctr"/>
+            <a:r>
+              <a:rPr lang="en-US" dirty="0"/>
+              <a:t>A1</a:t>
+            </a:r>
+          </a:p>
+        </p:txBody>
+      </p:sp>
+      <p:sp>
+        <p:nvSpPr>
+          <p:cNvPr id="20" name="Rectangle 19">
+            <a:extLst>
+              <a:ext uri="{FF2B5EF4-FFF2-40B4-BE49-F238E27FC236}">
+                <a16:creationId xmlns:a16="http://schemas.microsoft.com/office/drawing/2014/main" id="{737FB8C7-BA3A-EE40-91AB-955AF7349734}"/>
+              </a:ext>
+            </a:extLst>
+          </p:cNvPr>
+          <p:cNvSpPr/>
+          <p:nvPr/>
+        </p:nvSpPr>
+        <p:spPr>
+          <a:xfrm>
+            <a:off x="3197655" y="4657842"/>
+            <a:ext cx="763525" cy="305410"/>
+          </a:xfrm>
+          <a:prstGeom prst="rect">
+            <a:avLst/>
+          </a:prstGeom>
+          <a:solidFill>
+            <a:srgbClr val="9A214C"/>
+          </a:solidFill>
+        </p:spPr>
+        <p:style>
+          <a:lnRef idx="2">
+            <a:schemeClr val="accent1">
+              <a:shade val="50000"/>
+            </a:schemeClr>
+          </a:lnRef>
+          <a:fillRef idx="1">
+            <a:schemeClr val="accent1"/>
+          </a:fillRef>
+          <a:effectRef idx="0">
+            <a:schemeClr val="accent1"/>
+          </a:effectRef>
+          <a:fontRef idx="minor">
+            <a:schemeClr val="lt1"/>
+          </a:fontRef>
+        </p:style>
+        <p:txBody>
+          <a:bodyPr rtlCol="0" anchor="ctr"/>
+          <a:lstStyle/>
+          <a:p>
+            <a:pPr algn="ctr"/>
+            <a:r>
+              <a:rPr lang="en-US" dirty="0"/>
+              <a:t>B2</a:t>
+            </a:r>
+          </a:p>
+        </p:txBody>
+      </p:sp>
+      <p:sp>
+        <p:nvSpPr>
+          <p:cNvPr id="21" name="Rectangle 20">
+            <a:extLst>
+              <a:ext uri="{FF2B5EF4-FFF2-40B4-BE49-F238E27FC236}">
+                <a16:creationId xmlns:a16="http://schemas.microsoft.com/office/drawing/2014/main" id="{9704DD9C-C8DE-4A49-AB54-FCDE9131E962}"/>
+              </a:ext>
+            </a:extLst>
+          </p:cNvPr>
+          <p:cNvSpPr/>
+          <p:nvPr/>
+        </p:nvSpPr>
+        <p:spPr>
+          <a:xfrm>
+            <a:off x="5182820" y="4650640"/>
+            <a:ext cx="763525" cy="305410"/>
+          </a:xfrm>
+          <a:prstGeom prst="rect">
+            <a:avLst/>
+          </a:prstGeom>
+          <a:solidFill>
+            <a:srgbClr val="F2576D"/>
+          </a:solidFill>
+        </p:spPr>
+        <p:style>
+          <a:lnRef idx="2">
+            <a:schemeClr val="accent1">
+              <a:shade val="50000"/>
+            </a:schemeClr>
+          </a:lnRef>
+          <a:fillRef idx="1">
+            <a:schemeClr val="accent1"/>
+          </a:fillRef>
+          <a:effectRef idx="0">
+            <a:schemeClr val="accent1"/>
+          </a:effectRef>
+          <a:fontRef idx="minor">
+            <a:schemeClr val="lt1"/>
+          </a:fontRef>
+        </p:style>
+        <p:txBody>
+          <a:bodyPr rtlCol="0" anchor="ctr"/>
+          <a:lstStyle/>
+          <a:p>
+            <a:pPr algn="ctr"/>
+            <a:r>
+              <a:rPr lang="en-US" dirty="0"/>
+              <a:t>B1</a:t>
+            </a:r>
+          </a:p>
+        </p:txBody>
+      </p:sp>
+      <p:sp>
+        <p:nvSpPr>
+          <p:cNvPr id="22" name="Rectangle 21">
+            <a:extLst>
+              <a:ext uri="{FF2B5EF4-FFF2-40B4-BE49-F238E27FC236}">
+                <a16:creationId xmlns:a16="http://schemas.microsoft.com/office/drawing/2014/main" id="{097CD96F-2F9A-8E44-8408-63610AC5765F}"/>
+              </a:ext>
+            </a:extLst>
+          </p:cNvPr>
+          <p:cNvSpPr/>
+          <p:nvPr/>
+        </p:nvSpPr>
+        <p:spPr>
+          <a:xfrm>
+            <a:off x="5946345" y="4650640"/>
+            <a:ext cx="763525" cy="305410"/>
+          </a:xfrm>
+          <a:prstGeom prst="rect">
+            <a:avLst/>
+          </a:prstGeom>
+          <a:solidFill>
+            <a:srgbClr val="9A214C"/>
+          </a:solidFill>
+        </p:spPr>
+        <p:style>
+          <a:lnRef idx="2">
+            <a:schemeClr val="accent1">
+              <a:shade val="50000"/>
+            </a:schemeClr>
+          </a:lnRef>
+          <a:fillRef idx="1">
+            <a:schemeClr val="accent1"/>
+          </a:fillRef>
+          <a:effectRef idx="0">
+            <a:schemeClr val="accent1"/>
+          </a:effectRef>
+          <a:fontRef idx="minor">
+            <a:schemeClr val="lt1"/>
+          </a:fontRef>
+        </p:style>
+        <p:txBody>
+          <a:bodyPr rtlCol="0" anchor="ctr"/>
+          <a:lstStyle/>
+          <a:p>
+            <a:pPr algn="ctr"/>
+            <a:r>
+              <a:rPr lang="en-US" dirty="0"/>
+              <a:t>A2</a:t>
+            </a:r>
+          </a:p>
+        </p:txBody>
+      </p:sp>
+      <p:sp>
+        <p:nvSpPr>
+          <p:cNvPr id="23" name="TextBox 22">
+            <a:extLst>
+              <a:ext uri="{FF2B5EF4-FFF2-40B4-BE49-F238E27FC236}">
+                <a16:creationId xmlns:a16="http://schemas.microsoft.com/office/drawing/2014/main" id="{DC4BA68D-591F-8D4D-83F2-231861EEB39F}"/>
+              </a:ext>
+            </a:extLst>
+          </p:cNvPr>
+          <p:cNvSpPr txBox="1"/>
+          <p:nvPr/>
+        </p:nvSpPr>
+        <p:spPr>
+          <a:xfrm>
+            <a:off x="5182820" y="3734410"/>
+            <a:ext cx="476412" cy="369332"/>
+          </a:xfrm>
+          <a:prstGeom prst="rect">
+            <a:avLst/>
+          </a:prstGeom>
+          <a:noFill/>
+        </p:spPr>
+        <p:txBody>
+          <a:bodyPr wrap="none" rtlCol="0">
+            <a:spAutoFit/>
+          </a:bodyPr>
+          <a:lstStyle/>
+          <a:p>
+            <a:r>
+              <a:rPr lang="en-US" dirty="0"/>
+              <a:t>0.5</a:t>
+            </a:r>
+          </a:p>
+        </p:txBody>
+      </p:sp>
+      <p:sp>
+        <p:nvSpPr>
+          <p:cNvPr id="24" name="TextBox 23">
+            <a:extLst>
+              <a:ext uri="{FF2B5EF4-FFF2-40B4-BE49-F238E27FC236}">
+                <a16:creationId xmlns:a16="http://schemas.microsoft.com/office/drawing/2014/main" id="{FB7B4D6F-E1A9-C246-ABD0-6B03E25046EA}"/>
+              </a:ext>
+            </a:extLst>
+          </p:cNvPr>
+          <p:cNvSpPr txBox="1"/>
+          <p:nvPr/>
+        </p:nvSpPr>
+        <p:spPr>
+          <a:xfrm>
+            <a:off x="3579417" y="3734410"/>
+            <a:ext cx="476412" cy="369332"/>
+          </a:xfrm>
+          <a:prstGeom prst="rect">
+            <a:avLst/>
+          </a:prstGeom>
+          <a:noFill/>
+        </p:spPr>
+        <p:txBody>
+          <a:bodyPr wrap="none" rtlCol="0">
+            <a:spAutoFit/>
+          </a:bodyPr>
+          <a:lstStyle/>
+          <a:p>
+            <a:r>
+              <a:rPr lang="en-US" dirty="0"/>
+              <a:t>0.5</a:t>
             </a:r>
           </a:p>
         </p:txBody>
@@ -4635,9 +8026,23 @@
 </p:sld>
 </file>
 
-<file path=ppt/slides/slide6.xml><?xml version="1.0" encoding="utf-8"?>
+<file path=ppt/slides/slide8.xml><?xml version="1.0" encoding="utf-8"?>
 <p:sld xmlns:a="http://schemas.openxmlformats.org/drawingml/2006/main" xmlns:r="http://schemas.openxmlformats.org/officeDocument/2006/relationships" xmlns:p="http://schemas.openxmlformats.org/presentationml/2006/main">
   <p:cSld>
+    <p:bg>
+      <p:bgPr>
+        <a:blipFill dpi="0" rotWithShape="1">
+          <a:blip r:embed="rId2">
+            <a:lum/>
+          </a:blip>
+          <a:srcRect/>
+          <a:stretch>
+            <a:fillRect/>
+          </a:stretch>
+        </a:blipFill>
+        <a:effectLst/>
+      </p:bgPr>
+    </p:bg>
     <p:spTree>
       <p:nvGrpSpPr>
         <p:cNvPr id="1" name=""/>
@@ -4669,129 +8074,1823 @@
           </a:bodyPr>
           <a:lstStyle/>
           <a:p>
+            <a:pPr algn="l"/>
             <a:r>
               <a:rPr lang="en-US" dirty="0"/>
-              <a:t>Slide Title</a:t>
-            </a:r>
-          </a:p>
-        </p:txBody>
-      </p:sp>
-      <p:sp>
-        <p:nvSpPr>
-          <p:cNvPr id="5" name="Text Placeholder 4"/>
+              <a:t>Crossover 2</a:t>
+            </a:r>
+          </a:p>
+        </p:txBody>
+      </p:sp>
+      <p:sp>
+        <p:nvSpPr>
+          <p:cNvPr id="6" name="Rectangle 5">
+            <a:extLst>
+              <a:ext uri="{FF2B5EF4-FFF2-40B4-BE49-F238E27FC236}">
+                <a16:creationId xmlns:a16="http://schemas.microsoft.com/office/drawing/2014/main" id="{C2C57670-E102-C741-8692-28A3E78C9F15}"/>
+              </a:ext>
+            </a:extLst>
+          </p:cNvPr>
+          <p:cNvSpPr/>
+          <p:nvPr/>
+        </p:nvSpPr>
+        <p:spPr>
+          <a:xfrm>
+            <a:off x="2434130" y="2207360"/>
+            <a:ext cx="458115" cy="305410"/>
+          </a:xfrm>
+          <a:prstGeom prst="rect">
+            <a:avLst/>
+          </a:prstGeom>
+          <a:solidFill>
+            <a:srgbClr val="F2576D"/>
+          </a:solidFill>
+        </p:spPr>
+        <p:style>
+          <a:lnRef idx="2">
+            <a:schemeClr val="accent1">
+              <a:shade val="50000"/>
+            </a:schemeClr>
+          </a:lnRef>
+          <a:fillRef idx="1">
+            <a:schemeClr val="accent1"/>
+          </a:fillRef>
+          <a:effectRef idx="0">
+            <a:schemeClr val="accent1"/>
+          </a:effectRef>
+          <a:fontRef idx="minor">
+            <a:schemeClr val="lt1"/>
+          </a:fontRef>
+        </p:style>
+        <p:txBody>
+          <a:bodyPr rtlCol="0" anchor="ctr"/>
+          <a:lstStyle/>
+          <a:p>
+            <a:pPr algn="ctr"/>
+            <a:r>
+              <a:rPr lang="en-US" dirty="0"/>
+              <a:t>A1</a:t>
+            </a:r>
+          </a:p>
+        </p:txBody>
+      </p:sp>
+      <p:sp>
+        <p:nvSpPr>
+          <p:cNvPr id="8" name="Rectangle 7">
+            <a:extLst>
+              <a:ext uri="{FF2B5EF4-FFF2-40B4-BE49-F238E27FC236}">
+                <a16:creationId xmlns:a16="http://schemas.microsoft.com/office/drawing/2014/main" id="{F35A53A7-0E6A-1F4D-A832-48C4B4151395}"/>
+              </a:ext>
+            </a:extLst>
+          </p:cNvPr>
+          <p:cNvSpPr/>
+          <p:nvPr/>
+        </p:nvSpPr>
+        <p:spPr>
+          <a:xfrm>
+            <a:off x="2892245" y="2207360"/>
+            <a:ext cx="458115" cy="305410"/>
+          </a:xfrm>
+          <a:prstGeom prst="rect">
+            <a:avLst/>
+          </a:prstGeom>
+          <a:solidFill>
+            <a:srgbClr val="9A214C"/>
+          </a:solidFill>
+        </p:spPr>
+        <p:style>
+          <a:lnRef idx="2">
+            <a:schemeClr val="accent1">
+              <a:shade val="50000"/>
+            </a:schemeClr>
+          </a:lnRef>
+          <a:fillRef idx="1">
+            <a:schemeClr val="accent1"/>
+          </a:fillRef>
+          <a:effectRef idx="0">
+            <a:schemeClr val="accent1"/>
+          </a:effectRef>
+          <a:fontRef idx="minor">
+            <a:schemeClr val="lt1"/>
+          </a:fontRef>
+        </p:style>
+        <p:txBody>
+          <a:bodyPr rtlCol="0" anchor="ctr"/>
+          <a:lstStyle/>
+          <a:p>
+            <a:pPr algn="ctr"/>
+            <a:r>
+              <a:rPr lang="en-US" dirty="0"/>
+              <a:t>A2</a:t>
+            </a:r>
+          </a:p>
+        </p:txBody>
+      </p:sp>
+      <p:cxnSp>
+        <p:nvCxnSpPr>
+          <p:cNvPr id="5" name="Straight Connector 4">
+            <a:extLst>
+              <a:ext uri="{FF2B5EF4-FFF2-40B4-BE49-F238E27FC236}">
+                <a16:creationId xmlns:a16="http://schemas.microsoft.com/office/drawing/2014/main" id="{8CFED9FB-8DB6-BC4D-B32D-C73E54A1C5E4}"/>
+              </a:ext>
+            </a:extLst>
+          </p:cNvPr>
+          <p:cNvCxnSpPr/>
+          <p:nvPr/>
+        </p:nvCxnSpPr>
+        <p:spPr>
+          <a:xfrm>
+            <a:off x="5946345" y="2512770"/>
+            <a:ext cx="0" cy="763525"/>
+          </a:xfrm>
+          <a:prstGeom prst="line">
+            <a:avLst/>
+          </a:prstGeom>
+        </p:spPr>
+        <p:style>
+          <a:lnRef idx="1">
+            <a:schemeClr val="accent1"/>
+          </a:lnRef>
+          <a:fillRef idx="0">
+            <a:schemeClr val="accent1"/>
+          </a:fillRef>
+          <a:effectRef idx="0">
+            <a:schemeClr val="accent1"/>
+          </a:effectRef>
+          <a:fontRef idx="minor">
+            <a:schemeClr val="tx1"/>
+          </a:fontRef>
+        </p:style>
+      </p:cxnSp>
+      <p:cxnSp>
+        <p:nvCxnSpPr>
+          <p:cNvPr id="18" name="Straight Connector 17">
+            <a:extLst>
+              <a:ext uri="{FF2B5EF4-FFF2-40B4-BE49-F238E27FC236}">
+                <a16:creationId xmlns:a16="http://schemas.microsoft.com/office/drawing/2014/main" id="{6DF84752-EFAE-BE4B-9AEF-D212138F2B2B}"/>
+              </a:ext>
+            </a:extLst>
+          </p:cNvPr>
+          <p:cNvCxnSpPr/>
+          <p:nvPr/>
+        </p:nvCxnSpPr>
+        <p:spPr>
+          <a:xfrm>
+            <a:off x="3197654" y="2512770"/>
+            <a:ext cx="0" cy="763525"/>
+          </a:xfrm>
+          <a:prstGeom prst="line">
+            <a:avLst/>
+          </a:prstGeom>
+        </p:spPr>
+        <p:style>
+          <a:lnRef idx="1">
+            <a:schemeClr val="accent1"/>
+          </a:lnRef>
+          <a:fillRef idx="0">
+            <a:schemeClr val="accent1"/>
+          </a:fillRef>
+          <a:effectRef idx="0">
+            <a:schemeClr val="accent1"/>
+          </a:effectRef>
+          <a:fontRef idx="minor">
+            <a:schemeClr val="tx1"/>
+          </a:fontRef>
+        </p:style>
+      </p:cxnSp>
+      <p:cxnSp>
+        <p:nvCxnSpPr>
+          <p:cNvPr id="11" name="Straight Connector 10">
+            <a:extLst>
+              <a:ext uri="{FF2B5EF4-FFF2-40B4-BE49-F238E27FC236}">
+                <a16:creationId xmlns:a16="http://schemas.microsoft.com/office/drawing/2014/main" id="{E1E645C9-24C5-4646-8604-89FDCC58117A}"/>
+              </a:ext>
+            </a:extLst>
+          </p:cNvPr>
+          <p:cNvCxnSpPr/>
+          <p:nvPr/>
+        </p:nvCxnSpPr>
+        <p:spPr>
+          <a:xfrm>
+            <a:off x="3197654" y="3276295"/>
+            <a:ext cx="2748691" cy="0"/>
+          </a:xfrm>
+          <a:prstGeom prst="line">
+            <a:avLst/>
+          </a:prstGeom>
+        </p:spPr>
+        <p:style>
+          <a:lnRef idx="1">
+            <a:schemeClr val="accent1"/>
+          </a:lnRef>
+          <a:fillRef idx="0">
+            <a:schemeClr val="accent1"/>
+          </a:fillRef>
+          <a:effectRef idx="0">
+            <a:schemeClr val="accent1"/>
+          </a:effectRef>
+          <a:fontRef idx="minor">
+            <a:schemeClr val="tx1"/>
+          </a:fontRef>
+        </p:style>
+      </p:cxnSp>
+      <p:cxnSp>
+        <p:nvCxnSpPr>
+          <p:cNvPr id="13" name="Straight Arrow Connector 12">
+            <a:extLst>
+              <a:ext uri="{FF2B5EF4-FFF2-40B4-BE49-F238E27FC236}">
+                <a16:creationId xmlns:a16="http://schemas.microsoft.com/office/drawing/2014/main" id="{D9989DC5-4644-3F40-B287-C43E63B06B60}"/>
+              </a:ext>
+            </a:extLst>
+          </p:cNvPr>
+          <p:cNvCxnSpPr>
+            <a:cxnSpLocks/>
+          </p:cNvCxnSpPr>
+          <p:nvPr/>
+        </p:nvCxnSpPr>
+        <p:spPr>
+          <a:xfrm flipH="1">
+            <a:off x="4724706" y="3276295"/>
+            <a:ext cx="1" cy="972912"/>
+          </a:xfrm>
+          <a:prstGeom prst="straightConnector1">
+            <a:avLst/>
+          </a:prstGeom>
+          <a:ln>
+            <a:tailEnd type="triangle"/>
+          </a:ln>
+        </p:spPr>
+        <p:style>
+          <a:lnRef idx="1">
+            <a:schemeClr val="accent1"/>
+          </a:lnRef>
+          <a:fillRef idx="0">
+            <a:schemeClr val="accent1"/>
+          </a:fillRef>
+          <a:effectRef idx="0">
+            <a:schemeClr val="accent1"/>
+          </a:effectRef>
+          <a:fontRef idx="minor">
+            <a:schemeClr val="tx1"/>
+          </a:fontRef>
+        </p:style>
+      </p:cxnSp>
+      <p:sp>
+        <p:nvSpPr>
+          <p:cNvPr id="41" name="TextBox 40">
+            <a:extLst>
+              <a:ext uri="{FF2B5EF4-FFF2-40B4-BE49-F238E27FC236}">
+                <a16:creationId xmlns:a16="http://schemas.microsoft.com/office/drawing/2014/main" id="{719FFC88-BA77-CA40-8B23-575C5BBD03EB}"/>
+              </a:ext>
+            </a:extLst>
+          </p:cNvPr>
+          <p:cNvSpPr txBox="1"/>
+          <p:nvPr/>
+        </p:nvSpPr>
+        <p:spPr>
+          <a:xfrm>
+            <a:off x="4911722" y="3670488"/>
+            <a:ext cx="3534622" cy="369332"/>
+          </a:xfrm>
+          <a:prstGeom prst="rect">
+            <a:avLst/>
+          </a:prstGeom>
+          <a:noFill/>
+        </p:spPr>
+        <p:txBody>
+          <a:bodyPr wrap="none" rtlCol="0">
+            <a:spAutoFit/>
+          </a:bodyPr>
+          <a:lstStyle/>
+          <a:p>
+            <a:r>
+              <a:rPr lang="en-US" dirty="0"/>
+              <a:t>*Each bit have 50% of being chosen</a:t>
+            </a:r>
+          </a:p>
+        </p:txBody>
+      </p:sp>
+      <p:sp>
+        <p:nvSpPr>
+          <p:cNvPr id="25" name="Rectangle 24">
+            <a:extLst>
+              <a:ext uri="{FF2B5EF4-FFF2-40B4-BE49-F238E27FC236}">
+                <a16:creationId xmlns:a16="http://schemas.microsoft.com/office/drawing/2014/main" id="{F46D754E-F3B5-B147-98F7-65AB6AF0D053}"/>
+              </a:ext>
+            </a:extLst>
+          </p:cNvPr>
+          <p:cNvSpPr/>
+          <p:nvPr/>
+        </p:nvSpPr>
+        <p:spPr>
+          <a:xfrm>
+            <a:off x="3350360" y="2207360"/>
+            <a:ext cx="458115" cy="305410"/>
+          </a:xfrm>
+          <a:prstGeom prst="rect">
+            <a:avLst/>
+          </a:prstGeom>
+          <a:solidFill>
+            <a:srgbClr val="F2576D"/>
+          </a:solidFill>
+        </p:spPr>
+        <p:style>
+          <a:lnRef idx="2">
+            <a:schemeClr val="accent1">
+              <a:shade val="50000"/>
+            </a:schemeClr>
+          </a:lnRef>
+          <a:fillRef idx="1">
+            <a:schemeClr val="accent1"/>
+          </a:fillRef>
+          <a:effectRef idx="0">
+            <a:schemeClr val="accent1"/>
+          </a:effectRef>
+          <a:fontRef idx="minor">
+            <a:schemeClr val="lt1"/>
+          </a:fontRef>
+        </p:style>
+        <p:txBody>
+          <a:bodyPr rtlCol="0" anchor="ctr"/>
+          <a:lstStyle/>
+          <a:p>
+            <a:pPr algn="ctr"/>
+            <a:r>
+              <a:rPr lang="en-US" dirty="0"/>
+              <a:t>A3</a:t>
+            </a:r>
+          </a:p>
+        </p:txBody>
+      </p:sp>
+      <p:sp>
+        <p:nvSpPr>
+          <p:cNvPr id="26" name="Rectangle 25">
+            <a:extLst>
+              <a:ext uri="{FF2B5EF4-FFF2-40B4-BE49-F238E27FC236}">
+                <a16:creationId xmlns:a16="http://schemas.microsoft.com/office/drawing/2014/main" id="{99EF9B53-3626-3941-AB96-069AAD469FDF}"/>
+              </a:ext>
+            </a:extLst>
+          </p:cNvPr>
+          <p:cNvSpPr/>
+          <p:nvPr/>
+        </p:nvSpPr>
+        <p:spPr>
+          <a:xfrm>
+            <a:off x="3808475" y="2207360"/>
+            <a:ext cx="458115" cy="305410"/>
+          </a:xfrm>
+          <a:prstGeom prst="rect">
+            <a:avLst/>
+          </a:prstGeom>
+          <a:solidFill>
+            <a:srgbClr val="9A214C"/>
+          </a:solidFill>
+        </p:spPr>
+        <p:style>
+          <a:lnRef idx="2">
+            <a:schemeClr val="accent1">
+              <a:shade val="50000"/>
+            </a:schemeClr>
+          </a:lnRef>
+          <a:fillRef idx="1">
+            <a:schemeClr val="accent1"/>
+          </a:fillRef>
+          <a:effectRef idx="0">
+            <a:schemeClr val="accent1"/>
+          </a:effectRef>
+          <a:fontRef idx="minor">
+            <a:schemeClr val="lt1"/>
+          </a:fontRef>
+        </p:style>
+        <p:txBody>
+          <a:bodyPr rtlCol="0" anchor="ctr"/>
+          <a:lstStyle/>
+          <a:p>
+            <a:pPr algn="ctr"/>
+            <a:r>
+              <a:rPr lang="en-US" dirty="0"/>
+              <a:t>A4</a:t>
+            </a:r>
+          </a:p>
+        </p:txBody>
+      </p:sp>
+      <p:sp>
+        <p:nvSpPr>
+          <p:cNvPr id="27" name="Rectangle 26">
+            <a:extLst>
+              <a:ext uri="{FF2B5EF4-FFF2-40B4-BE49-F238E27FC236}">
+                <a16:creationId xmlns:a16="http://schemas.microsoft.com/office/drawing/2014/main" id="{F098EBDA-CC1A-D543-8C40-66870B53B5B2}"/>
+              </a:ext>
+            </a:extLst>
+          </p:cNvPr>
+          <p:cNvSpPr/>
+          <p:nvPr/>
+        </p:nvSpPr>
+        <p:spPr>
+          <a:xfrm>
+            <a:off x="5030115" y="2207360"/>
+            <a:ext cx="458115" cy="305410"/>
+          </a:xfrm>
+          <a:prstGeom prst="rect">
+            <a:avLst/>
+          </a:prstGeom>
+          <a:solidFill>
+            <a:srgbClr val="F2576D"/>
+          </a:solidFill>
+        </p:spPr>
+        <p:style>
+          <a:lnRef idx="2">
+            <a:schemeClr val="accent1">
+              <a:shade val="50000"/>
+            </a:schemeClr>
+          </a:lnRef>
+          <a:fillRef idx="1">
+            <a:schemeClr val="accent1"/>
+          </a:fillRef>
+          <a:effectRef idx="0">
+            <a:schemeClr val="accent1"/>
+          </a:effectRef>
+          <a:fontRef idx="minor">
+            <a:schemeClr val="lt1"/>
+          </a:fontRef>
+        </p:style>
+        <p:txBody>
+          <a:bodyPr rtlCol="0" anchor="ctr"/>
+          <a:lstStyle/>
+          <a:p>
+            <a:pPr algn="ctr"/>
+            <a:r>
+              <a:rPr lang="en-US" dirty="0"/>
+              <a:t>B1</a:t>
+            </a:r>
+          </a:p>
+        </p:txBody>
+      </p:sp>
+      <p:sp>
+        <p:nvSpPr>
+          <p:cNvPr id="28" name="Rectangle 27">
+            <a:extLst>
+              <a:ext uri="{FF2B5EF4-FFF2-40B4-BE49-F238E27FC236}">
+                <a16:creationId xmlns:a16="http://schemas.microsoft.com/office/drawing/2014/main" id="{94AEE1D1-1743-8F4A-BF5F-8B79EFCF8483}"/>
+              </a:ext>
+            </a:extLst>
+          </p:cNvPr>
+          <p:cNvSpPr/>
+          <p:nvPr/>
+        </p:nvSpPr>
+        <p:spPr>
+          <a:xfrm>
+            <a:off x="5488230" y="2207360"/>
+            <a:ext cx="458115" cy="305410"/>
+          </a:xfrm>
+          <a:prstGeom prst="rect">
+            <a:avLst/>
+          </a:prstGeom>
+          <a:solidFill>
+            <a:srgbClr val="9A214C"/>
+          </a:solidFill>
+        </p:spPr>
+        <p:style>
+          <a:lnRef idx="2">
+            <a:schemeClr val="accent1">
+              <a:shade val="50000"/>
+            </a:schemeClr>
+          </a:lnRef>
+          <a:fillRef idx="1">
+            <a:schemeClr val="accent1"/>
+          </a:fillRef>
+          <a:effectRef idx="0">
+            <a:schemeClr val="accent1"/>
+          </a:effectRef>
+          <a:fontRef idx="minor">
+            <a:schemeClr val="lt1"/>
+          </a:fontRef>
+        </p:style>
+        <p:txBody>
+          <a:bodyPr rtlCol="0" anchor="ctr"/>
+          <a:lstStyle/>
+          <a:p>
+            <a:pPr algn="ctr"/>
+            <a:r>
+              <a:rPr lang="en-US" dirty="0"/>
+              <a:t>B2</a:t>
+            </a:r>
+          </a:p>
+        </p:txBody>
+      </p:sp>
+      <p:sp>
+        <p:nvSpPr>
+          <p:cNvPr id="31" name="Rectangle 30">
+            <a:extLst>
+              <a:ext uri="{FF2B5EF4-FFF2-40B4-BE49-F238E27FC236}">
+                <a16:creationId xmlns:a16="http://schemas.microsoft.com/office/drawing/2014/main" id="{8243AF1B-3805-D248-819C-7410B67FFA80}"/>
+              </a:ext>
+            </a:extLst>
+          </p:cNvPr>
+          <p:cNvSpPr/>
+          <p:nvPr/>
+        </p:nvSpPr>
+        <p:spPr>
+          <a:xfrm>
+            <a:off x="5946345" y="2207360"/>
+            <a:ext cx="458115" cy="305410"/>
+          </a:xfrm>
+          <a:prstGeom prst="rect">
+            <a:avLst/>
+          </a:prstGeom>
+          <a:solidFill>
+            <a:srgbClr val="F2576D"/>
+          </a:solidFill>
+        </p:spPr>
+        <p:style>
+          <a:lnRef idx="2">
+            <a:schemeClr val="accent1">
+              <a:shade val="50000"/>
+            </a:schemeClr>
+          </a:lnRef>
+          <a:fillRef idx="1">
+            <a:schemeClr val="accent1"/>
+          </a:fillRef>
+          <a:effectRef idx="0">
+            <a:schemeClr val="accent1"/>
+          </a:effectRef>
+          <a:fontRef idx="minor">
+            <a:schemeClr val="lt1"/>
+          </a:fontRef>
+        </p:style>
+        <p:txBody>
+          <a:bodyPr rtlCol="0" anchor="ctr"/>
+          <a:lstStyle/>
+          <a:p>
+            <a:pPr algn="ctr"/>
+            <a:r>
+              <a:rPr lang="en-US" dirty="0"/>
+              <a:t>B3</a:t>
+            </a:r>
+          </a:p>
+        </p:txBody>
+      </p:sp>
+      <p:sp>
+        <p:nvSpPr>
+          <p:cNvPr id="32" name="Rectangle 31">
+            <a:extLst>
+              <a:ext uri="{FF2B5EF4-FFF2-40B4-BE49-F238E27FC236}">
+                <a16:creationId xmlns:a16="http://schemas.microsoft.com/office/drawing/2014/main" id="{B3A86430-7F4C-AA47-8303-B58AC24B16B7}"/>
+              </a:ext>
+            </a:extLst>
+          </p:cNvPr>
+          <p:cNvSpPr/>
+          <p:nvPr/>
+        </p:nvSpPr>
+        <p:spPr>
+          <a:xfrm>
+            <a:off x="6404460" y="2207360"/>
+            <a:ext cx="458115" cy="305410"/>
+          </a:xfrm>
+          <a:prstGeom prst="rect">
+            <a:avLst/>
+          </a:prstGeom>
+          <a:solidFill>
+            <a:srgbClr val="9A214C"/>
+          </a:solidFill>
+        </p:spPr>
+        <p:style>
+          <a:lnRef idx="2">
+            <a:schemeClr val="accent1">
+              <a:shade val="50000"/>
+            </a:schemeClr>
+          </a:lnRef>
+          <a:fillRef idx="1">
+            <a:schemeClr val="accent1"/>
+          </a:fillRef>
+          <a:effectRef idx="0">
+            <a:schemeClr val="accent1"/>
+          </a:effectRef>
+          <a:fontRef idx="minor">
+            <a:schemeClr val="lt1"/>
+          </a:fontRef>
+        </p:style>
+        <p:txBody>
+          <a:bodyPr rtlCol="0" anchor="ctr"/>
+          <a:lstStyle/>
+          <a:p>
+            <a:pPr algn="ctr"/>
+            <a:r>
+              <a:rPr lang="en-US" dirty="0"/>
+              <a:t>B4</a:t>
+            </a:r>
+          </a:p>
+        </p:txBody>
+      </p:sp>
+      <p:sp>
+        <p:nvSpPr>
+          <p:cNvPr id="33" name="Rectangle 32">
+            <a:extLst>
+              <a:ext uri="{FF2B5EF4-FFF2-40B4-BE49-F238E27FC236}">
+                <a16:creationId xmlns:a16="http://schemas.microsoft.com/office/drawing/2014/main" id="{07B2CF5D-EBD1-244E-8B2C-B4EC49189060}"/>
+              </a:ext>
+            </a:extLst>
+          </p:cNvPr>
+          <p:cNvSpPr/>
+          <p:nvPr/>
+        </p:nvSpPr>
+        <p:spPr>
+          <a:xfrm>
+            <a:off x="3808475" y="4345230"/>
+            <a:ext cx="458115" cy="305410"/>
+          </a:xfrm>
+          <a:prstGeom prst="rect">
+            <a:avLst/>
+          </a:prstGeom>
+          <a:solidFill>
+            <a:srgbClr val="F2576D"/>
+          </a:solidFill>
+        </p:spPr>
+        <p:style>
+          <a:lnRef idx="2">
+            <a:schemeClr val="accent1">
+              <a:shade val="50000"/>
+            </a:schemeClr>
+          </a:lnRef>
+          <a:fillRef idx="1">
+            <a:schemeClr val="accent1"/>
+          </a:fillRef>
+          <a:effectRef idx="0">
+            <a:schemeClr val="accent1"/>
+          </a:effectRef>
+          <a:fontRef idx="minor">
+            <a:schemeClr val="lt1"/>
+          </a:fontRef>
+        </p:style>
+        <p:txBody>
+          <a:bodyPr rtlCol="0" anchor="ctr"/>
+          <a:lstStyle/>
+          <a:p>
+            <a:pPr algn="ctr"/>
+            <a:r>
+              <a:rPr lang="en-US" dirty="0"/>
+              <a:t>A1</a:t>
+            </a:r>
+          </a:p>
+        </p:txBody>
+      </p:sp>
+      <p:sp>
+        <p:nvSpPr>
+          <p:cNvPr id="35" name="Rectangle 34">
+            <a:extLst>
+              <a:ext uri="{FF2B5EF4-FFF2-40B4-BE49-F238E27FC236}">
+                <a16:creationId xmlns:a16="http://schemas.microsoft.com/office/drawing/2014/main" id="{491A0B5F-64D0-5B4A-8006-EDEC5C8F1C4E}"/>
+              </a:ext>
+            </a:extLst>
+          </p:cNvPr>
+          <p:cNvSpPr/>
+          <p:nvPr/>
+        </p:nvSpPr>
+        <p:spPr>
+          <a:xfrm>
+            <a:off x="4266590" y="4345230"/>
+            <a:ext cx="458115" cy="305410"/>
+          </a:xfrm>
+          <a:prstGeom prst="rect">
+            <a:avLst/>
+          </a:prstGeom>
+          <a:solidFill>
+            <a:srgbClr val="9A214C"/>
+          </a:solidFill>
+        </p:spPr>
+        <p:style>
+          <a:lnRef idx="2">
+            <a:schemeClr val="accent1">
+              <a:shade val="50000"/>
+            </a:schemeClr>
+          </a:lnRef>
+          <a:fillRef idx="1">
+            <a:schemeClr val="accent1"/>
+          </a:fillRef>
+          <a:effectRef idx="0">
+            <a:schemeClr val="accent1"/>
+          </a:effectRef>
+          <a:fontRef idx="minor">
+            <a:schemeClr val="lt1"/>
+          </a:fontRef>
+        </p:style>
+        <p:txBody>
+          <a:bodyPr rtlCol="0" anchor="ctr"/>
+          <a:lstStyle/>
+          <a:p>
+            <a:pPr algn="ctr"/>
+            <a:r>
+              <a:rPr lang="en-US" dirty="0"/>
+              <a:t>B2</a:t>
+            </a:r>
+          </a:p>
+        </p:txBody>
+      </p:sp>
+      <p:sp>
+        <p:nvSpPr>
+          <p:cNvPr id="37" name="Rectangle 36">
+            <a:extLst>
+              <a:ext uri="{FF2B5EF4-FFF2-40B4-BE49-F238E27FC236}">
+                <a16:creationId xmlns:a16="http://schemas.microsoft.com/office/drawing/2014/main" id="{75C24057-3EB5-5743-A071-7AEA33929678}"/>
+              </a:ext>
+            </a:extLst>
+          </p:cNvPr>
+          <p:cNvSpPr/>
+          <p:nvPr/>
+        </p:nvSpPr>
+        <p:spPr>
+          <a:xfrm>
+            <a:off x="4724705" y="4345230"/>
+            <a:ext cx="458115" cy="305410"/>
+          </a:xfrm>
+          <a:prstGeom prst="rect">
+            <a:avLst/>
+          </a:prstGeom>
+          <a:solidFill>
+            <a:srgbClr val="F2576D"/>
+          </a:solidFill>
+        </p:spPr>
+        <p:style>
+          <a:lnRef idx="2">
+            <a:schemeClr val="accent1">
+              <a:shade val="50000"/>
+            </a:schemeClr>
+          </a:lnRef>
+          <a:fillRef idx="1">
+            <a:schemeClr val="accent1"/>
+          </a:fillRef>
+          <a:effectRef idx="0">
+            <a:schemeClr val="accent1"/>
+          </a:effectRef>
+          <a:fontRef idx="minor">
+            <a:schemeClr val="lt1"/>
+          </a:fontRef>
+        </p:style>
+        <p:txBody>
+          <a:bodyPr rtlCol="0" anchor="ctr"/>
+          <a:lstStyle/>
+          <a:p>
+            <a:pPr algn="ctr"/>
+            <a:r>
+              <a:rPr lang="en-US" dirty="0"/>
+              <a:t>B3</a:t>
+            </a:r>
+          </a:p>
+        </p:txBody>
+      </p:sp>
+      <p:sp>
+        <p:nvSpPr>
+          <p:cNvPr id="39" name="Rectangle 38">
+            <a:extLst>
+              <a:ext uri="{FF2B5EF4-FFF2-40B4-BE49-F238E27FC236}">
+                <a16:creationId xmlns:a16="http://schemas.microsoft.com/office/drawing/2014/main" id="{DD2809AB-0D5D-FF48-A64B-CDCC554B3543}"/>
+              </a:ext>
+            </a:extLst>
+          </p:cNvPr>
+          <p:cNvSpPr/>
+          <p:nvPr/>
+        </p:nvSpPr>
+        <p:spPr>
+          <a:xfrm>
+            <a:off x="5182820" y="4345230"/>
+            <a:ext cx="458115" cy="305410"/>
+          </a:xfrm>
+          <a:prstGeom prst="rect">
+            <a:avLst/>
+          </a:prstGeom>
+          <a:solidFill>
+            <a:srgbClr val="9A214C"/>
+          </a:solidFill>
+        </p:spPr>
+        <p:style>
+          <a:lnRef idx="2">
+            <a:schemeClr val="accent1">
+              <a:shade val="50000"/>
+            </a:schemeClr>
+          </a:lnRef>
+          <a:fillRef idx="1">
+            <a:schemeClr val="accent1"/>
+          </a:fillRef>
+          <a:effectRef idx="0">
+            <a:schemeClr val="accent1"/>
+          </a:effectRef>
+          <a:fontRef idx="minor">
+            <a:schemeClr val="lt1"/>
+          </a:fontRef>
+        </p:style>
+        <p:txBody>
+          <a:bodyPr rtlCol="0" anchor="ctr"/>
+          <a:lstStyle/>
+          <a:p>
+            <a:pPr algn="ctr"/>
+            <a:r>
+              <a:rPr lang="en-US" dirty="0"/>
+              <a:t>A4</a:t>
+            </a:r>
+          </a:p>
+        </p:txBody>
+      </p:sp>
+    </p:spTree>
+    <p:extLst>
+      <p:ext uri="{BB962C8B-B14F-4D97-AF65-F5344CB8AC3E}">
+        <p14:creationId xmlns:p14="http://schemas.microsoft.com/office/powerpoint/2010/main" val="4144318081"/>
+      </p:ext>
+    </p:extLst>
+  </p:cSld>
+  <p:clrMapOvr>
+    <a:masterClrMapping/>
+  </p:clrMapOvr>
+</p:sld>
+</file>
+
+<file path=ppt/slides/slide9.xml><?xml version="1.0" encoding="utf-8"?>
+<p:sld xmlns:a="http://schemas.openxmlformats.org/drawingml/2006/main" xmlns:r="http://schemas.openxmlformats.org/officeDocument/2006/relationships" xmlns:p="http://schemas.openxmlformats.org/presentationml/2006/main">
+  <p:cSld>
+    <p:bg>
+      <p:bgPr>
+        <a:blipFill dpi="0" rotWithShape="1">
+          <a:blip r:embed="rId2">
+            <a:lum/>
+          </a:blip>
+          <a:srcRect/>
+          <a:stretch>
+            <a:fillRect/>
+          </a:stretch>
+        </a:blipFill>
+        <a:effectLst/>
+      </p:bgPr>
+    </p:bg>
+    <p:spTree>
+      <p:nvGrpSpPr>
+        <p:cNvPr id="1" name=""/>
+        <p:cNvGrpSpPr/>
+        <p:nvPr/>
+      </p:nvGrpSpPr>
+      <p:grpSpPr>
+        <a:xfrm>
+          <a:off x="0" y="0"/>
+          <a:ext cx="0" cy="0"/>
+          <a:chOff x="0" y="0"/>
+          <a:chExt cx="0" cy="0"/>
+        </a:xfrm>
+      </p:grpSpPr>
+      <p:sp>
+        <p:nvSpPr>
+          <p:cNvPr id="4" name="Title 3"/>
           <p:cNvSpPr>
             <a:spLocks noGrp="1"/>
           </p:cNvSpPr>
           <p:nvPr>
-            <p:ph type="body" idx="1"/>
+            <p:ph type="title"/>
           </p:nvPr>
         </p:nvSpPr>
         <p:spPr/>
         <p:txBody>
-          <a:bodyPr/>
-          <a:lstStyle/>
-          <a:p>
-            <a:r>
-              <a:rPr lang="en-US"/>
-              <a:t>Product A</a:t>
-            </a:r>
-          </a:p>
-        </p:txBody>
-      </p:sp>
-      <p:sp>
-        <p:nvSpPr>
-          <p:cNvPr id="6" name="Content Placeholder 5"/>
-          <p:cNvSpPr>
-            <a:spLocks noGrp="1"/>
-          </p:cNvSpPr>
-          <p:nvPr>
-            <p:ph sz="half" idx="2"/>
-          </p:nvPr>
-        </p:nvSpPr>
-        <p:spPr/>
-        <p:txBody>
-          <a:bodyPr/>
-          <a:lstStyle/>
-          <a:p>
-            <a:r>
-              <a:rPr lang="en-US"/>
-              <a:t>Feature 1</a:t>
-            </a:r>
-          </a:p>
-          <a:p>
-            <a:r>
-              <a:rPr lang="en-US"/>
-              <a:t>Feature 2</a:t>
-            </a:r>
-          </a:p>
-          <a:p>
-            <a:r>
-              <a:rPr lang="en-US"/>
-              <a:t>Feature 3</a:t>
-            </a:r>
-          </a:p>
-        </p:txBody>
-      </p:sp>
-      <p:sp>
-        <p:nvSpPr>
-          <p:cNvPr id="7" name="Text Placeholder 6"/>
-          <p:cNvSpPr>
-            <a:spLocks noGrp="1"/>
-          </p:cNvSpPr>
-          <p:nvPr>
-            <p:ph type="body" sz="quarter" idx="3"/>
-          </p:nvPr>
-        </p:nvSpPr>
-        <p:spPr/>
-        <p:txBody>
-          <a:bodyPr/>
-          <a:lstStyle/>
-          <a:p>
-            <a:r>
-              <a:rPr lang="en-US"/>
-              <a:t>Product B</a:t>
-            </a:r>
-          </a:p>
-        </p:txBody>
-      </p:sp>
-      <p:sp>
-        <p:nvSpPr>
-          <p:cNvPr id="8" name="Content Placeholder 7"/>
-          <p:cNvSpPr>
-            <a:spLocks noGrp="1"/>
-          </p:cNvSpPr>
-          <p:nvPr>
-            <p:ph sz="quarter" idx="4"/>
-          </p:nvPr>
-        </p:nvSpPr>
-        <p:spPr/>
-        <p:txBody>
-          <a:bodyPr/>
-          <a:lstStyle/>
-          <a:p>
-            <a:r>
-              <a:rPr lang="en-US"/>
-              <a:t>Feature 1</a:t>
-            </a:r>
-          </a:p>
-          <a:p>
-            <a:r>
-              <a:rPr lang="en-US"/>
-              <a:t>Feature 2</a:t>
-            </a:r>
-          </a:p>
-          <a:p>
-            <a:r>
-              <a:rPr lang="en-US"/>
-              <a:t>Feature 3</a:t>
-            </a:r>
-          </a:p>
-        </p:txBody>
-      </p:sp>
+          <a:bodyPr>
+            <a:normAutofit fontScale="90000"/>
+          </a:bodyPr>
+          <a:lstStyle/>
+          <a:p>
+            <a:pPr algn="l"/>
+            <a:r>
+              <a:rPr lang="en-US" dirty="0"/>
+              <a:t>Crossover (alt.)</a:t>
+            </a:r>
+          </a:p>
+        </p:txBody>
+      </p:sp>
+      <p:sp>
+        <p:nvSpPr>
+          <p:cNvPr id="6" name="Rectangle 5">
+            <a:extLst>
+              <a:ext uri="{FF2B5EF4-FFF2-40B4-BE49-F238E27FC236}">
+                <a16:creationId xmlns:a16="http://schemas.microsoft.com/office/drawing/2014/main" id="{C2C57670-E102-C741-8692-28A3E78C9F15}"/>
+              </a:ext>
+            </a:extLst>
+          </p:cNvPr>
+          <p:cNvSpPr/>
+          <p:nvPr/>
+        </p:nvSpPr>
+        <p:spPr>
+          <a:xfrm>
+            <a:off x="2434130" y="2207360"/>
+            <a:ext cx="763525" cy="305410"/>
+          </a:xfrm>
+          <a:prstGeom prst="rect">
+            <a:avLst/>
+          </a:prstGeom>
+          <a:solidFill>
+            <a:srgbClr val="F2576D"/>
+          </a:solidFill>
+        </p:spPr>
+        <p:style>
+          <a:lnRef idx="2">
+            <a:schemeClr val="accent1">
+              <a:shade val="50000"/>
+            </a:schemeClr>
+          </a:lnRef>
+          <a:fillRef idx="1">
+            <a:schemeClr val="accent1"/>
+          </a:fillRef>
+          <a:effectRef idx="0">
+            <a:schemeClr val="accent1"/>
+          </a:effectRef>
+          <a:fontRef idx="minor">
+            <a:schemeClr val="lt1"/>
+          </a:fontRef>
+        </p:style>
+        <p:txBody>
+          <a:bodyPr rtlCol="0" anchor="ctr"/>
+          <a:lstStyle/>
+          <a:p>
+            <a:pPr algn="ctr"/>
+            <a:r>
+              <a:rPr lang="en-US" dirty="0"/>
+              <a:t>A1</a:t>
+            </a:r>
+          </a:p>
+        </p:txBody>
+      </p:sp>
+      <p:sp>
+        <p:nvSpPr>
+          <p:cNvPr id="8" name="Rectangle 7">
+            <a:extLst>
+              <a:ext uri="{FF2B5EF4-FFF2-40B4-BE49-F238E27FC236}">
+                <a16:creationId xmlns:a16="http://schemas.microsoft.com/office/drawing/2014/main" id="{F35A53A7-0E6A-1F4D-A832-48C4B4151395}"/>
+              </a:ext>
+            </a:extLst>
+          </p:cNvPr>
+          <p:cNvSpPr/>
+          <p:nvPr/>
+        </p:nvSpPr>
+        <p:spPr>
+          <a:xfrm>
+            <a:off x="3197655" y="2207360"/>
+            <a:ext cx="763525" cy="305410"/>
+          </a:xfrm>
+          <a:prstGeom prst="rect">
+            <a:avLst/>
+          </a:prstGeom>
+          <a:solidFill>
+            <a:srgbClr val="9A214C"/>
+          </a:solidFill>
+        </p:spPr>
+        <p:style>
+          <a:lnRef idx="2">
+            <a:schemeClr val="accent1">
+              <a:shade val="50000"/>
+            </a:schemeClr>
+          </a:lnRef>
+          <a:fillRef idx="1">
+            <a:schemeClr val="accent1"/>
+          </a:fillRef>
+          <a:effectRef idx="0">
+            <a:schemeClr val="accent1"/>
+          </a:effectRef>
+          <a:fontRef idx="minor">
+            <a:schemeClr val="lt1"/>
+          </a:fontRef>
+        </p:style>
+        <p:txBody>
+          <a:bodyPr rtlCol="0" anchor="ctr"/>
+          <a:lstStyle/>
+          <a:p>
+            <a:pPr algn="ctr"/>
+            <a:r>
+              <a:rPr lang="en-US" dirty="0"/>
+              <a:t>A2</a:t>
+            </a:r>
+          </a:p>
+        </p:txBody>
+      </p:sp>
+      <p:sp>
+        <p:nvSpPr>
+          <p:cNvPr id="9" name="Rectangle 8">
+            <a:extLst>
+              <a:ext uri="{FF2B5EF4-FFF2-40B4-BE49-F238E27FC236}">
+                <a16:creationId xmlns:a16="http://schemas.microsoft.com/office/drawing/2014/main" id="{58F9646E-CCA8-A340-B836-52B6861807B9}"/>
+              </a:ext>
+            </a:extLst>
+          </p:cNvPr>
+          <p:cNvSpPr/>
+          <p:nvPr/>
+        </p:nvSpPr>
+        <p:spPr>
+          <a:xfrm>
+            <a:off x="5182820" y="2207360"/>
+            <a:ext cx="763525" cy="305410"/>
+          </a:xfrm>
+          <a:prstGeom prst="rect">
+            <a:avLst/>
+          </a:prstGeom>
+          <a:solidFill>
+            <a:srgbClr val="F2576D"/>
+          </a:solidFill>
+        </p:spPr>
+        <p:style>
+          <a:lnRef idx="2">
+            <a:schemeClr val="accent1">
+              <a:shade val="50000"/>
+            </a:schemeClr>
+          </a:lnRef>
+          <a:fillRef idx="1">
+            <a:schemeClr val="accent1"/>
+          </a:fillRef>
+          <a:effectRef idx="0">
+            <a:schemeClr val="accent1"/>
+          </a:effectRef>
+          <a:fontRef idx="minor">
+            <a:schemeClr val="lt1"/>
+          </a:fontRef>
+        </p:style>
+        <p:txBody>
+          <a:bodyPr rtlCol="0" anchor="ctr"/>
+          <a:lstStyle/>
+          <a:p>
+            <a:pPr algn="ctr"/>
+            <a:r>
+              <a:rPr lang="en-US" dirty="0"/>
+              <a:t>B1</a:t>
+            </a:r>
+          </a:p>
+        </p:txBody>
+      </p:sp>
+      <p:sp>
+        <p:nvSpPr>
+          <p:cNvPr id="10" name="Rectangle 9">
+            <a:extLst>
+              <a:ext uri="{FF2B5EF4-FFF2-40B4-BE49-F238E27FC236}">
+                <a16:creationId xmlns:a16="http://schemas.microsoft.com/office/drawing/2014/main" id="{F336ED71-F4F7-E348-BAE9-04568548B9E4}"/>
+              </a:ext>
+            </a:extLst>
+          </p:cNvPr>
+          <p:cNvSpPr/>
+          <p:nvPr/>
+        </p:nvSpPr>
+        <p:spPr>
+          <a:xfrm>
+            <a:off x="5946345" y="2207360"/>
+            <a:ext cx="763525" cy="305410"/>
+          </a:xfrm>
+          <a:prstGeom prst="rect">
+            <a:avLst/>
+          </a:prstGeom>
+          <a:solidFill>
+            <a:srgbClr val="9A214C"/>
+          </a:solidFill>
+        </p:spPr>
+        <p:style>
+          <a:lnRef idx="2">
+            <a:schemeClr val="accent1">
+              <a:shade val="50000"/>
+            </a:schemeClr>
+          </a:lnRef>
+          <a:fillRef idx="1">
+            <a:schemeClr val="accent1"/>
+          </a:fillRef>
+          <a:effectRef idx="0">
+            <a:schemeClr val="accent1"/>
+          </a:effectRef>
+          <a:fontRef idx="minor">
+            <a:schemeClr val="lt1"/>
+          </a:fontRef>
+        </p:style>
+        <p:txBody>
+          <a:bodyPr rtlCol="0" anchor="ctr"/>
+          <a:lstStyle/>
+          <a:p>
+            <a:pPr algn="ctr"/>
+            <a:r>
+              <a:rPr lang="en-US" dirty="0"/>
+              <a:t>B2</a:t>
+            </a:r>
+          </a:p>
+        </p:txBody>
+      </p:sp>
+      <p:sp>
+        <p:nvSpPr>
+          <p:cNvPr id="19" name="Rectangle 18">
+            <a:extLst>
+              <a:ext uri="{FF2B5EF4-FFF2-40B4-BE49-F238E27FC236}">
+                <a16:creationId xmlns:a16="http://schemas.microsoft.com/office/drawing/2014/main" id="{20E77784-FD93-2C4E-90CD-5C268569B4C9}"/>
+              </a:ext>
+            </a:extLst>
+          </p:cNvPr>
+          <p:cNvSpPr/>
+          <p:nvPr/>
+        </p:nvSpPr>
+        <p:spPr>
+          <a:xfrm>
+            <a:off x="2434129" y="4047022"/>
+            <a:ext cx="763525" cy="305410"/>
+          </a:xfrm>
+          <a:prstGeom prst="rect">
+            <a:avLst/>
+          </a:prstGeom>
+          <a:solidFill>
+            <a:srgbClr val="F2576D"/>
+          </a:solidFill>
+        </p:spPr>
+        <p:style>
+          <a:lnRef idx="2">
+            <a:schemeClr val="accent1">
+              <a:shade val="50000"/>
+            </a:schemeClr>
+          </a:lnRef>
+          <a:fillRef idx="1">
+            <a:schemeClr val="accent1"/>
+          </a:fillRef>
+          <a:effectRef idx="0">
+            <a:schemeClr val="accent1"/>
+          </a:effectRef>
+          <a:fontRef idx="minor">
+            <a:schemeClr val="lt1"/>
+          </a:fontRef>
+        </p:style>
+        <p:txBody>
+          <a:bodyPr rtlCol="0" anchor="ctr"/>
+          <a:lstStyle/>
+          <a:p>
+            <a:pPr algn="ctr"/>
+            <a:r>
+              <a:rPr lang="en-US" dirty="0"/>
+              <a:t>A1</a:t>
+            </a:r>
+          </a:p>
+        </p:txBody>
+      </p:sp>
+      <p:sp>
+        <p:nvSpPr>
+          <p:cNvPr id="20" name="Rectangle 19">
+            <a:extLst>
+              <a:ext uri="{FF2B5EF4-FFF2-40B4-BE49-F238E27FC236}">
+                <a16:creationId xmlns:a16="http://schemas.microsoft.com/office/drawing/2014/main" id="{737FB8C7-BA3A-EE40-91AB-955AF7349734}"/>
+              </a:ext>
+            </a:extLst>
+          </p:cNvPr>
+          <p:cNvSpPr/>
+          <p:nvPr/>
+        </p:nvSpPr>
+        <p:spPr>
+          <a:xfrm>
+            <a:off x="3197655" y="4047022"/>
+            <a:ext cx="763525" cy="305410"/>
+          </a:xfrm>
+          <a:prstGeom prst="rect">
+            <a:avLst/>
+          </a:prstGeom>
+          <a:solidFill>
+            <a:srgbClr val="9A214C"/>
+          </a:solidFill>
+        </p:spPr>
+        <p:style>
+          <a:lnRef idx="2">
+            <a:schemeClr val="accent1">
+              <a:shade val="50000"/>
+            </a:schemeClr>
+          </a:lnRef>
+          <a:fillRef idx="1">
+            <a:schemeClr val="accent1"/>
+          </a:fillRef>
+          <a:effectRef idx="0">
+            <a:schemeClr val="accent1"/>
+          </a:effectRef>
+          <a:fontRef idx="minor">
+            <a:schemeClr val="lt1"/>
+          </a:fontRef>
+        </p:style>
+        <p:txBody>
+          <a:bodyPr rtlCol="0" anchor="ctr"/>
+          <a:lstStyle/>
+          <a:p>
+            <a:pPr algn="ctr"/>
+            <a:r>
+              <a:rPr lang="en-US" dirty="0"/>
+              <a:t>B2</a:t>
+            </a:r>
+          </a:p>
+        </p:txBody>
+      </p:sp>
+      <p:sp>
+        <p:nvSpPr>
+          <p:cNvPr id="21" name="Rectangle 20">
+            <a:extLst>
+              <a:ext uri="{FF2B5EF4-FFF2-40B4-BE49-F238E27FC236}">
+                <a16:creationId xmlns:a16="http://schemas.microsoft.com/office/drawing/2014/main" id="{9704DD9C-C8DE-4A49-AB54-FCDE9131E962}"/>
+              </a:ext>
+            </a:extLst>
+          </p:cNvPr>
+          <p:cNvSpPr/>
+          <p:nvPr/>
+        </p:nvSpPr>
+        <p:spPr>
+          <a:xfrm>
+            <a:off x="5182820" y="4039820"/>
+            <a:ext cx="763525" cy="305410"/>
+          </a:xfrm>
+          <a:prstGeom prst="rect">
+            <a:avLst/>
+          </a:prstGeom>
+          <a:solidFill>
+            <a:srgbClr val="F2576D"/>
+          </a:solidFill>
+        </p:spPr>
+        <p:style>
+          <a:lnRef idx="2">
+            <a:schemeClr val="accent1">
+              <a:shade val="50000"/>
+            </a:schemeClr>
+          </a:lnRef>
+          <a:fillRef idx="1">
+            <a:schemeClr val="accent1"/>
+          </a:fillRef>
+          <a:effectRef idx="0">
+            <a:schemeClr val="accent1"/>
+          </a:effectRef>
+          <a:fontRef idx="minor">
+            <a:schemeClr val="lt1"/>
+          </a:fontRef>
+        </p:style>
+        <p:txBody>
+          <a:bodyPr rtlCol="0" anchor="ctr"/>
+          <a:lstStyle/>
+          <a:p>
+            <a:pPr algn="ctr"/>
+            <a:r>
+              <a:rPr lang="en-US" dirty="0"/>
+              <a:t>B1</a:t>
+            </a:r>
+          </a:p>
+        </p:txBody>
+      </p:sp>
+      <p:sp>
+        <p:nvSpPr>
+          <p:cNvPr id="22" name="Rectangle 21">
+            <a:extLst>
+              <a:ext uri="{FF2B5EF4-FFF2-40B4-BE49-F238E27FC236}">
+                <a16:creationId xmlns:a16="http://schemas.microsoft.com/office/drawing/2014/main" id="{097CD96F-2F9A-8E44-8408-63610AC5765F}"/>
+              </a:ext>
+            </a:extLst>
+          </p:cNvPr>
+          <p:cNvSpPr/>
+          <p:nvPr/>
+        </p:nvSpPr>
+        <p:spPr>
+          <a:xfrm>
+            <a:off x="5946345" y="4039820"/>
+            <a:ext cx="763525" cy="305410"/>
+          </a:xfrm>
+          <a:prstGeom prst="rect">
+            <a:avLst/>
+          </a:prstGeom>
+          <a:solidFill>
+            <a:srgbClr val="9A214C"/>
+          </a:solidFill>
+        </p:spPr>
+        <p:style>
+          <a:lnRef idx="2">
+            <a:schemeClr val="accent1">
+              <a:shade val="50000"/>
+            </a:schemeClr>
+          </a:lnRef>
+          <a:fillRef idx="1">
+            <a:schemeClr val="accent1"/>
+          </a:fillRef>
+          <a:effectRef idx="0">
+            <a:schemeClr val="accent1"/>
+          </a:effectRef>
+          <a:fontRef idx="minor">
+            <a:schemeClr val="lt1"/>
+          </a:fontRef>
+        </p:style>
+        <p:txBody>
+          <a:bodyPr rtlCol="0" anchor="ctr"/>
+          <a:lstStyle/>
+          <a:p>
+            <a:pPr algn="ctr"/>
+            <a:r>
+              <a:rPr lang="en-US" dirty="0"/>
+              <a:t>A2</a:t>
+            </a:r>
+          </a:p>
+        </p:txBody>
+      </p:sp>
+      <p:cxnSp>
+        <p:nvCxnSpPr>
+          <p:cNvPr id="5" name="Straight Connector 4">
+            <a:extLst>
+              <a:ext uri="{FF2B5EF4-FFF2-40B4-BE49-F238E27FC236}">
+                <a16:creationId xmlns:a16="http://schemas.microsoft.com/office/drawing/2014/main" id="{8CFED9FB-8DB6-BC4D-B32D-C73E54A1C5E4}"/>
+              </a:ext>
+            </a:extLst>
+          </p:cNvPr>
+          <p:cNvCxnSpPr/>
+          <p:nvPr/>
+        </p:nvCxnSpPr>
+        <p:spPr>
+          <a:xfrm>
+            <a:off x="5946345" y="2512770"/>
+            <a:ext cx="0" cy="763525"/>
+          </a:xfrm>
+          <a:prstGeom prst="line">
+            <a:avLst/>
+          </a:prstGeom>
+        </p:spPr>
+        <p:style>
+          <a:lnRef idx="1">
+            <a:schemeClr val="accent1"/>
+          </a:lnRef>
+          <a:fillRef idx="0">
+            <a:schemeClr val="accent1"/>
+          </a:fillRef>
+          <a:effectRef idx="0">
+            <a:schemeClr val="accent1"/>
+          </a:effectRef>
+          <a:fontRef idx="minor">
+            <a:schemeClr val="tx1"/>
+          </a:fontRef>
+        </p:style>
+      </p:cxnSp>
+      <p:cxnSp>
+        <p:nvCxnSpPr>
+          <p:cNvPr id="18" name="Straight Connector 17">
+            <a:extLst>
+              <a:ext uri="{FF2B5EF4-FFF2-40B4-BE49-F238E27FC236}">
+                <a16:creationId xmlns:a16="http://schemas.microsoft.com/office/drawing/2014/main" id="{6DF84752-EFAE-BE4B-9AEF-D212138F2B2B}"/>
+              </a:ext>
+            </a:extLst>
+          </p:cNvPr>
+          <p:cNvCxnSpPr/>
+          <p:nvPr/>
+        </p:nvCxnSpPr>
+        <p:spPr>
+          <a:xfrm>
+            <a:off x="3197654" y="2512770"/>
+            <a:ext cx="0" cy="763525"/>
+          </a:xfrm>
+          <a:prstGeom prst="line">
+            <a:avLst/>
+          </a:prstGeom>
+        </p:spPr>
+        <p:style>
+          <a:lnRef idx="1">
+            <a:schemeClr val="accent1"/>
+          </a:lnRef>
+          <a:fillRef idx="0">
+            <a:schemeClr val="accent1"/>
+          </a:fillRef>
+          <a:effectRef idx="0">
+            <a:schemeClr val="accent1"/>
+          </a:effectRef>
+          <a:fontRef idx="minor">
+            <a:schemeClr val="tx1"/>
+          </a:fontRef>
+        </p:style>
+      </p:cxnSp>
+      <p:cxnSp>
+        <p:nvCxnSpPr>
+          <p:cNvPr id="11" name="Straight Connector 10">
+            <a:extLst>
+              <a:ext uri="{FF2B5EF4-FFF2-40B4-BE49-F238E27FC236}">
+                <a16:creationId xmlns:a16="http://schemas.microsoft.com/office/drawing/2014/main" id="{E1E645C9-24C5-4646-8604-89FDCC58117A}"/>
+              </a:ext>
+            </a:extLst>
+          </p:cNvPr>
+          <p:cNvCxnSpPr/>
+          <p:nvPr/>
+        </p:nvCxnSpPr>
+        <p:spPr>
+          <a:xfrm>
+            <a:off x="3197654" y="3276295"/>
+            <a:ext cx="2748691" cy="0"/>
+          </a:xfrm>
+          <a:prstGeom prst="line">
+            <a:avLst/>
+          </a:prstGeom>
+        </p:spPr>
+        <p:style>
+          <a:lnRef idx="1">
+            <a:schemeClr val="accent1"/>
+          </a:lnRef>
+          <a:fillRef idx="0">
+            <a:schemeClr val="accent1"/>
+          </a:fillRef>
+          <a:effectRef idx="0">
+            <a:schemeClr val="accent1"/>
+          </a:effectRef>
+          <a:fontRef idx="minor">
+            <a:schemeClr val="tx1"/>
+          </a:fontRef>
+        </p:style>
+      </p:cxnSp>
+      <p:cxnSp>
+        <p:nvCxnSpPr>
+          <p:cNvPr id="13" name="Straight Arrow Connector 12">
+            <a:extLst>
+              <a:ext uri="{FF2B5EF4-FFF2-40B4-BE49-F238E27FC236}">
+                <a16:creationId xmlns:a16="http://schemas.microsoft.com/office/drawing/2014/main" id="{D9989DC5-4644-3F40-B287-C43E63B06B60}"/>
+              </a:ext>
+            </a:extLst>
+          </p:cNvPr>
+          <p:cNvCxnSpPr>
+            <a:cxnSpLocks/>
+          </p:cNvCxnSpPr>
+          <p:nvPr/>
+        </p:nvCxnSpPr>
+        <p:spPr>
+          <a:xfrm flipH="1">
+            <a:off x="3197653" y="3276295"/>
+            <a:ext cx="1527053" cy="694328"/>
+          </a:xfrm>
+          <a:prstGeom prst="straightConnector1">
+            <a:avLst/>
+          </a:prstGeom>
+          <a:ln>
+            <a:tailEnd type="triangle"/>
+          </a:ln>
+        </p:spPr>
+        <p:style>
+          <a:lnRef idx="1">
+            <a:schemeClr val="accent1"/>
+          </a:lnRef>
+          <a:fillRef idx="0">
+            <a:schemeClr val="accent1"/>
+          </a:fillRef>
+          <a:effectRef idx="0">
+            <a:schemeClr val="accent1"/>
+          </a:effectRef>
+          <a:fontRef idx="minor">
+            <a:schemeClr val="tx1"/>
+          </a:fontRef>
+        </p:style>
+      </p:cxnSp>
+      <p:cxnSp>
+        <p:nvCxnSpPr>
+          <p:cNvPr id="17" name="Straight Arrow Connector 16">
+            <a:extLst>
+              <a:ext uri="{FF2B5EF4-FFF2-40B4-BE49-F238E27FC236}">
+                <a16:creationId xmlns:a16="http://schemas.microsoft.com/office/drawing/2014/main" id="{82F2812F-90AC-0248-8C79-22650C5D2B0C}"/>
+              </a:ext>
+            </a:extLst>
+          </p:cNvPr>
+          <p:cNvCxnSpPr>
+            <a:cxnSpLocks/>
+          </p:cNvCxnSpPr>
+          <p:nvPr/>
+        </p:nvCxnSpPr>
+        <p:spPr>
+          <a:xfrm>
+            <a:off x="4724705" y="3276295"/>
+            <a:ext cx="1221640" cy="694328"/>
+          </a:xfrm>
+          <a:prstGeom prst="straightConnector1">
+            <a:avLst/>
+          </a:prstGeom>
+          <a:ln>
+            <a:tailEnd type="triangle"/>
+          </a:ln>
+        </p:spPr>
+        <p:style>
+          <a:lnRef idx="1">
+            <a:schemeClr val="accent1"/>
+          </a:lnRef>
+          <a:fillRef idx="0">
+            <a:schemeClr val="accent1"/>
+          </a:fillRef>
+          <a:effectRef idx="0">
+            <a:schemeClr val="accent1"/>
+          </a:effectRef>
+          <a:fontRef idx="minor">
+            <a:schemeClr val="tx1"/>
+          </a:fontRef>
+        </p:style>
+      </p:cxnSp>
+      <p:sp>
+        <p:nvSpPr>
+          <p:cNvPr id="29" name="Rectangle 28">
+            <a:extLst>
+              <a:ext uri="{FF2B5EF4-FFF2-40B4-BE49-F238E27FC236}">
+                <a16:creationId xmlns:a16="http://schemas.microsoft.com/office/drawing/2014/main" id="{CBFF5192-4F77-9248-A79C-F983416BA884}"/>
+              </a:ext>
+            </a:extLst>
+          </p:cNvPr>
+          <p:cNvSpPr/>
+          <p:nvPr/>
+        </p:nvSpPr>
+        <p:spPr>
+          <a:xfrm>
+            <a:off x="3961180" y="5566870"/>
+            <a:ext cx="763525" cy="305410"/>
+          </a:xfrm>
+          <a:prstGeom prst="rect">
+            <a:avLst/>
+          </a:prstGeom>
+          <a:solidFill>
+            <a:srgbClr val="F2576D"/>
+          </a:solidFill>
+        </p:spPr>
+        <p:style>
+          <a:lnRef idx="2">
+            <a:schemeClr val="accent1">
+              <a:shade val="50000"/>
+            </a:schemeClr>
+          </a:lnRef>
+          <a:fillRef idx="1">
+            <a:schemeClr val="accent1"/>
+          </a:fillRef>
+          <a:effectRef idx="0">
+            <a:schemeClr val="accent1"/>
+          </a:effectRef>
+          <a:fontRef idx="minor">
+            <a:schemeClr val="lt1"/>
+          </a:fontRef>
+        </p:style>
+        <p:txBody>
+          <a:bodyPr rtlCol="0" anchor="ctr"/>
+          <a:lstStyle/>
+          <a:p>
+            <a:pPr algn="ctr"/>
+            <a:r>
+              <a:rPr lang="en-US" dirty="0"/>
+              <a:t>A1</a:t>
+            </a:r>
+          </a:p>
+        </p:txBody>
+      </p:sp>
+      <p:sp>
+        <p:nvSpPr>
+          <p:cNvPr id="30" name="Rectangle 29">
+            <a:extLst>
+              <a:ext uri="{FF2B5EF4-FFF2-40B4-BE49-F238E27FC236}">
+                <a16:creationId xmlns:a16="http://schemas.microsoft.com/office/drawing/2014/main" id="{B4C2D215-BD44-4D4A-AE13-D80C9AB3E269}"/>
+              </a:ext>
+            </a:extLst>
+          </p:cNvPr>
+          <p:cNvSpPr/>
+          <p:nvPr/>
+        </p:nvSpPr>
+        <p:spPr>
+          <a:xfrm>
+            <a:off x="4724706" y="5566777"/>
+            <a:ext cx="763525" cy="305410"/>
+          </a:xfrm>
+          <a:prstGeom prst="rect">
+            <a:avLst/>
+          </a:prstGeom>
+          <a:solidFill>
+            <a:srgbClr val="9A214C"/>
+          </a:solidFill>
+        </p:spPr>
+        <p:style>
+          <a:lnRef idx="2">
+            <a:schemeClr val="accent1">
+              <a:shade val="50000"/>
+            </a:schemeClr>
+          </a:lnRef>
+          <a:fillRef idx="1">
+            <a:schemeClr val="accent1"/>
+          </a:fillRef>
+          <a:effectRef idx="0">
+            <a:schemeClr val="accent1"/>
+          </a:effectRef>
+          <a:fontRef idx="minor">
+            <a:schemeClr val="lt1"/>
+          </a:fontRef>
+        </p:style>
+        <p:txBody>
+          <a:bodyPr rtlCol="0" anchor="ctr"/>
+          <a:lstStyle/>
+          <a:p>
+            <a:pPr algn="ctr"/>
+            <a:r>
+              <a:rPr lang="en-US" dirty="0"/>
+              <a:t>B2</a:t>
+            </a:r>
+          </a:p>
+        </p:txBody>
+      </p:sp>
+      <p:cxnSp>
+        <p:nvCxnSpPr>
+          <p:cNvPr id="34" name="Straight Connector 33">
+            <a:extLst>
+              <a:ext uri="{FF2B5EF4-FFF2-40B4-BE49-F238E27FC236}">
+                <a16:creationId xmlns:a16="http://schemas.microsoft.com/office/drawing/2014/main" id="{FD1C59AF-4F86-EA41-9889-3FF72AD5BED4}"/>
+              </a:ext>
+            </a:extLst>
+          </p:cNvPr>
+          <p:cNvCxnSpPr/>
+          <p:nvPr/>
+        </p:nvCxnSpPr>
+        <p:spPr>
+          <a:xfrm>
+            <a:off x="3197653" y="4352432"/>
+            <a:ext cx="0" cy="450913"/>
+          </a:xfrm>
+          <a:prstGeom prst="line">
+            <a:avLst/>
+          </a:prstGeom>
+        </p:spPr>
+        <p:style>
+          <a:lnRef idx="1">
+            <a:schemeClr val="accent1"/>
+          </a:lnRef>
+          <a:fillRef idx="0">
+            <a:schemeClr val="accent1"/>
+          </a:fillRef>
+          <a:effectRef idx="0">
+            <a:schemeClr val="accent1"/>
+          </a:effectRef>
+          <a:fontRef idx="minor">
+            <a:schemeClr val="tx1"/>
+          </a:fontRef>
+        </p:style>
+      </p:cxnSp>
+      <p:cxnSp>
+        <p:nvCxnSpPr>
+          <p:cNvPr id="36" name="Straight Connector 35">
+            <a:extLst>
+              <a:ext uri="{FF2B5EF4-FFF2-40B4-BE49-F238E27FC236}">
+                <a16:creationId xmlns:a16="http://schemas.microsoft.com/office/drawing/2014/main" id="{4602FEE3-4490-AF49-88D7-B9C6AD89153C}"/>
+              </a:ext>
+            </a:extLst>
+          </p:cNvPr>
+          <p:cNvCxnSpPr/>
+          <p:nvPr/>
+        </p:nvCxnSpPr>
+        <p:spPr>
+          <a:xfrm>
+            <a:off x="5946345" y="4345230"/>
+            <a:ext cx="0" cy="450913"/>
+          </a:xfrm>
+          <a:prstGeom prst="line">
+            <a:avLst/>
+          </a:prstGeom>
+        </p:spPr>
+        <p:style>
+          <a:lnRef idx="1">
+            <a:schemeClr val="accent1"/>
+          </a:lnRef>
+          <a:fillRef idx="0">
+            <a:schemeClr val="accent1"/>
+          </a:fillRef>
+          <a:effectRef idx="0">
+            <a:schemeClr val="accent1"/>
+          </a:effectRef>
+          <a:fontRef idx="minor">
+            <a:schemeClr val="tx1"/>
+          </a:fontRef>
+        </p:style>
+      </p:cxnSp>
+      <p:cxnSp>
+        <p:nvCxnSpPr>
+          <p:cNvPr id="38" name="Straight Connector 37">
+            <a:extLst>
+              <a:ext uri="{FF2B5EF4-FFF2-40B4-BE49-F238E27FC236}">
+                <a16:creationId xmlns:a16="http://schemas.microsoft.com/office/drawing/2014/main" id="{FE76B4D8-A541-1348-9690-B04FA92E7F83}"/>
+              </a:ext>
+            </a:extLst>
+          </p:cNvPr>
+          <p:cNvCxnSpPr/>
+          <p:nvPr/>
+        </p:nvCxnSpPr>
+        <p:spPr>
+          <a:xfrm flipH="1">
+            <a:off x="3197653" y="4803345"/>
+            <a:ext cx="2748692" cy="0"/>
+          </a:xfrm>
+          <a:prstGeom prst="line">
+            <a:avLst/>
+          </a:prstGeom>
+        </p:spPr>
+        <p:style>
+          <a:lnRef idx="1">
+            <a:schemeClr val="accent1"/>
+          </a:lnRef>
+          <a:fillRef idx="0">
+            <a:schemeClr val="accent1"/>
+          </a:fillRef>
+          <a:effectRef idx="0">
+            <a:schemeClr val="accent1"/>
+          </a:effectRef>
+          <a:fontRef idx="minor">
+            <a:schemeClr val="tx1"/>
+          </a:fontRef>
+        </p:style>
+      </p:cxnSp>
+      <p:cxnSp>
+        <p:nvCxnSpPr>
+          <p:cNvPr id="40" name="Straight Arrow Connector 39">
+            <a:extLst>
+              <a:ext uri="{FF2B5EF4-FFF2-40B4-BE49-F238E27FC236}">
+                <a16:creationId xmlns:a16="http://schemas.microsoft.com/office/drawing/2014/main" id="{BCA931AC-1620-A44B-819F-1516FCD4D163}"/>
+              </a:ext>
+            </a:extLst>
+          </p:cNvPr>
+          <p:cNvCxnSpPr/>
+          <p:nvPr/>
+        </p:nvCxnSpPr>
+        <p:spPr>
+          <a:xfrm>
+            <a:off x="4724705" y="4803345"/>
+            <a:ext cx="0" cy="610820"/>
+          </a:xfrm>
+          <a:prstGeom prst="straightConnector1">
+            <a:avLst/>
+          </a:prstGeom>
+          <a:ln>
+            <a:tailEnd type="triangle"/>
+          </a:ln>
+        </p:spPr>
+        <p:style>
+          <a:lnRef idx="1">
+            <a:schemeClr val="accent1"/>
+          </a:lnRef>
+          <a:fillRef idx="0">
+            <a:schemeClr val="accent1"/>
+          </a:fillRef>
+          <a:effectRef idx="0">
+            <a:schemeClr val="accent1"/>
+          </a:effectRef>
+          <a:fontRef idx="minor">
+            <a:schemeClr val="tx1"/>
+          </a:fontRef>
+        </p:style>
+      </p:cxnSp>
+      <p:sp>
+        <p:nvSpPr>
+          <p:cNvPr id="41" name="TextBox 40">
+            <a:extLst>
+              <a:ext uri="{FF2B5EF4-FFF2-40B4-BE49-F238E27FC236}">
+                <a16:creationId xmlns:a16="http://schemas.microsoft.com/office/drawing/2014/main" id="{719FFC88-BA77-CA40-8B23-575C5BBD03EB}"/>
+              </a:ext>
+            </a:extLst>
+          </p:cNvPr>
+          <p:cNvSpPr txBox="1"/>
+          <p:nvPr/>
+        </p:nvSpPr>
+        <p:spPr>
+          <a:xfrm>
+            <a:off x="4724705" y="5012733"/>
+            <a:ext cx="2527359" cy="369332"/>
+          </a:xfrm>
+          <a:prstGeom prst="rect">
+            <a:avLst/>
+          </a:prstGeom>
+          <a:noFill/>
+        </p:spPr>
+        <p:txBody>
+          <a:bodyPr wrap="none" rtlCol="0">
+            <a:spAutoFit/>
+          </a:bodyPr>
+          <a:lstStyle/>
+          <a:p>
+            <a:r>
+              <a:rPr lang="en-US" dirty="0"/>
+              <a:t>*Choose by lower fitness</a:t>
+            </a:r>
+          </a:p>
+        </p:txBody>
+      </p:sp>
+      <p:cxnSp>
+        <p:nvCxnSpPr>
+          <p:cNvPr id="42" name="Straight Connector 41">
+            <a:extLst>
+              <a:ext uri="{FF2B5EF4-FFF2-40B4-BE49-F238E27FC236}">
+                <a16:creationId xmlns:a16="http://schemas.microsoft.com/office/drawing/2014/main" id="{EF18CC85-95ED-3D44-BE29-B2B3F9476FAF}"/>
+              </a:ext>
+            </a:extLst>
+          </p:cNvPr>
+          <p:cNvCxnSpPr/>
+          <p:nvPr/>
+        </p:nvCxnSpPr>
+        <p:spPr>
+          <a:xfrm>
+            <a:off x="3350053" y="4504832"/>
+            <a:ext cx="0" cy="450913"/>
+          </a:xfrm>
+          <a:prstGeom prst="line">
+            <a:avLst/>
+          </a:prstGeom>
+        </p:spPr>
+        <p:style>
+          <a:lnRef idx="1">
+            <a:schemeClr val="accent1"/>
+          </a:lnRef>
+          <a:fillRef idx="0">
+            <a:schemeClr val="accent1"/>
+          </a:fillRef>
+          <a:effectRef idx="0">
+            <a:schemeClr val="accent1"/>
+          </a:effectRef>
+          <a:fontRef idx="minor">
+            <a:schemeClr val="tx1"/>
+          </a:fontRef>
+        </p:style>
+      </p:cxnSp>
     </p:spTree>
     <p:extLst>
       <p:ext uri="{BB962C8B-B14F-4D97-AF65-F5344CB8AC3E}">
-        <p14:creationId xmlns:p14="http://schemas.microsoft.com/office/powerpoint/2010/main" val="4170783713"/>
+        <p14:creationId xmlns:p14="http://schemas.microsoft.com/office/powerpoint/2010/main" val="3590064432"/>
       </p:ext>
     </p:extLst>
   </p:cSld>
@@ -5084,4 +10183,299 @@
   <a:objectDefaults/>
   <a:extraClrSchemeLst/>
 </a:theme>
+</file>
+
+<file path=ppt/theme/theme2.xml><?xml version="1.0" encoding="utf-8"?>
+<a:theme xmlns:a="http://schemas.openxmlformats.org/drawingml/2006/main" name="Office Theme">
+  <a:themeElements>
+    <a:clrScheme name="Office">
+      <a:dk1>
+        <a:sysClr val="windowText" lastClr="000000"/>
+      </a:dk1>
+      <a:lt1>
+        <a:sysClr val="window" lastClr="FFFFFF"/>
+      </a:lt1>
+      <a:dk2>
+        <a:srgbClr val="44546A"/>
+      </a:dk2>
+      <a:lt2>
+        <a:srgbClr val="E7E6E6"/>
+      </a:lt2>
+      <a:accent1>
+        <a:srgbClr val="4472C4"/>
+      </a:accent1>
+      <a:accent2>
+        <a:srgbClr val="ED7D31"/>
+      </a:accent2>
+      <a:accent3>
+        <a:srgbClr val="A5A5A5"/>
+      </a:accent3>
+      <a:accent4>
+        <a:srgbClr val="FFC000"/>
+      </a:accent4>
+      <a:accent5>
+        <a:srgbClr val="5B9BD5"/>
+      </a:accent5>
+      <a:accent6>
+        <a:srgbClr val="70AD47"/>
+      </a:accent6>
+      <a:hlink>
+        <a:srgbClr val="0563C1"/>
+      </a:hlink>
+      <a:folHlink>
+        <a:srgbClr val="954F72"/>
+      </a:folHlink>
+    </a:clrScheme>
+    <a:fontScheme name="Office">
+      <a:majorFont>
+        <a:latin typeface="Calibri Light" panose="020F0302020204030204"/>
+        <a:ea typeface=""/>
+        <a:cs typeface=""/>
+        <a:font script="Jpan" typeface="游ゴシック Light"/>
+        <a:font script="Hang" typeface="맑은 고딕"/>
+        <a:font script="Hans" typeface="等线 Light"/>
+        <a:font script="Hant" typeface="新細明體"/>
+        <a:font script="Arab" typeface="Times New Roman"/>
+        <a:font script="Hebr" typeface="Times New Roman"/>
+        <a:font script="Thai" typeface="Angsana New"/>
+        <a:font script="Ethi" typeface="Nyala"/>
+        <a:font script="Beng" typeface="Vrinda"/>
+        <a:font script="Gujr" typeface="Shruti"/>
+        <a:font script="Khmr" typeface="MoolBoran"/>
+        <a:font script="Knda" typeface="Tunga"/>
+        <a:font script="Guru" typeface="Raavi"/>
+        <a:font script="Cans" typeface="Euphemia"/>
+        <a:font script="Cher" typeface="Plantagenet Cherokee"/>
+        <a:font script="Yiii" typeface="Microsoft Yi Baiti"/>
+        <a:font script="Tibt" typeface="Microsoft Himalaya"/>
+        <a:font script="Thaa" typeface="MV Boli"/>
+        <a:font script="Deva" typeface="Mangal"/>
+        <a:font script="Telu" typeface="Gautami"/>
+        <a:font script="Taml" typeface="Latha"/>
+        <a:font script="Syrc" typeface="Estrangelo Edessa"/>
+        <a:font script="Orya" typeface="Kalinga"/>
+        <a:font script="Mlym" typeface="Kartika"/>
+        <a:font script="Laoo" typeface="DokChampa"/>
+        <a:font script="Sinh" typeface="Iskoola Pota"/>
+        <a:font script="Mong" typeface="Mongolian Baiti"/>
+        <a:font script="Viet" typeface="Times New Roman"/>
+        <a:font script="Uigh" typeface="Microsoft Uighur"/>
+        <a:font script="Geor" typeface="Sylfaen"/>
+        <a:font script="Armn" typeface="Arial"/>
+        <a:font script="Bugi" typeface="Leelawadee UI"/>
+        <a:font script="Bopo" typeface="Microsoft JhengHei"/>
+        <a:font script="Java" typeface="Javanese Text"/>
+        <a:font script="Lisu" typeface="Segoe UI"/>
+        <a:font script="Mymr" typeface="Myanmar Text"/>
+        <a:font script="Nkoo" typeface="Ebrima"/>
+        <a:font script="Olck" typeface="Nirmala UI"/>
+        <a:font script="Osma" typeface="Ebrima"/>
+        <a:font script="Phag" typeface="Phagspa"/>
+        <a:font script="Syrn" typeface="Estrangelo Edessa"/>
+        <a:font script="Syrj" typeface="Estrangelo Edessa"/>
+        <a:font script="Syre" typeface="Estrangelo Edessa"/>
+        <a:font script="Sora" typeface="Nirmala UI"/>
+        <a:font script="Tale" typeface="Microsoft Tai Le"/>
+        <a:font script="Talu" typeface="Microsoft New Tai Lue"/>
+        <a:font script="Tfng" typeface="Ebrima"/>
+      </a:majorFont>
+      <a:minorFont>
+        <a:latin typeface="Calibri" panose="020F0502020204030204"/>
+        <a:ea typeface=""/>
+        <a:cs typeface=""/>
+        <a:font script="Jpan" typeface="游ゴシック"/>
+        <a:font script="Hang" typeface="맑은 고딕"/>
+        <a:font script="Hans" typeface="等线"/>
+        <a:font script="Hant" typeface="新細明體"/>
+        <a:font script="Arab" typeface="Arial"/>
+        <a:font script="Hebr" typeface="Arial"/>
+        <a:font script="Thai" typeface="Cordia New"/>
+        <a:font script="Ethi" typeface="Nyala"/>
+        <a:font script="Beng" typeface="Vrinda"/>
+        <a:font script="Gujr" typeface="Shruti"/>
+        <a:font script="Khmr" typeface="DaunPenh"/>
+        <a:font script="Knda" typeface="Tunga"/>
+        <a:font script="Guru" typeface="Raavi"/>
+        <a:font script="Cans" typeface="Euphemia"/>
+        <a:font script="Cher" typeface="Plantagenet Cherokee"/>
+        <a:font script="Yiii" typeface="Microsoft Yi Baiti"/>
+        <a:font script="Tibt" typeface="Microsoft Himalaya"/>
+        <a:font script="Thaa" typeface="MV Boli"/>
+        <a:font script="Deva" typeface="Mangal"/>
+        <a:font script="Telu" typeface="Gautami"/>
+        <a:font script="Taml" typeface="Latha"/>
+        <a:font script="Syrc" typeface="Estrangelo Edessa"/>
+        <a:font script="Orya" typeface="Kalinga"/>
+        <a:font script="Mlym" typeface="Kartika"/>
+        <a:font script="Laoo" typeface="DokChampa"/>
+        <a:font script="Sinh" typeface="Iskoola Pota"/>
+        <a:font script="Mong" typeface="Mongolian Baiti"/>
+        <a:font script="Viet" typeface="Arial"/>
+        <a:font script="Uigh" typeface="Microsoft Uighur"/>
+        <a:font script="Geor" typeface="Sylfaen"/>
+        <a:font script="Armn" typeface="Arial"/>
+        <a:font script="Bugi" typeface="Leelawadee UI"/>
+        <a:font script="Bopo" typeface="Microsoft JhengHei"/>
+        <a:font script="Java" typeface="Javanese Text"/>
+        <a:font script="Lisu" typeface="Segoe UI"/>
+        <a:font script="Mymr" typeface="Myanmar Text"/>
+        <a:font script="Nkoo" typeface="Ebrima"/>
+        <a:font script="Olck" typeface="Nirmala UI"/>
+        <a:font script="Osma" typeface="Ebrima"/>
+        <a:font script="Phag" typeface="Phagspa"/>
+        <a:font script="Syrn" typeface="Estrangelo Edessa"/>
+        <a:font script="Syrj" typeface="Estrangelo Edessa"/>
+        <a:font script="Syre" typeface="Estrangelo Edessa"/>
+        <a:font script="Sora" typeface="Nirmala UI"/>
+        <a:font script="Tale" typeface="Microsoft Tai Le"/>
+        <a:font script="Talu" typeface="Microsoft New Tai Lue"/>
+        <a:font script="Tfng" typeface="Ebrima"/>
+      </a:minorFont>
+    </a:fontScheme>
+    <a:fmtScheme name="Office">
+      <a:fillStyleLst>
+        <a:solidFill>
+          <a:schemeClr val="phClr"/>
+        </a:solidFill>
+        <a:gradFill rotWithShape="1">
+          <a:gsLst>
+            <a:gs pos="0">
+              <a:schemeClr val="phClr">
+                <a:lumMod val="110000"/>
+                <a:satMod val="105000"/>
+                <a:tint val="67000"/>
+              </a:schemeClr>
+            </a:gs>
+            <a:gs pos="50000">
+              <a:schemeClr val="phClr">
+                <a:lumMod val="105000"/>
+                <a:satMod val="103000"/>
+                <a:tint val="73000"/>
+              </a:schemeClr>
+            </a:gs>
+            <a:gs pos="100000">
+              <a:schemeClr val="phClr">
+                <a:lumMod val="105000"/>
+                <a:satMod val="109000"/>
+                <a:tint val="81000"/>
+              </a:schemeClr>
+            </a:gs>
+          </a:gsLst>
+          <a:lin ang="5400000" scaled="0"/>
+        </a:gradFill>
+        <a:gradFill rotWithShape="1">
+          <a:gsLst>
+            <a:gs pos="0">
+              <a:schemeClr val="phClr">
+                <a:satMod val="103000"/>
+                <a:lumMod val="102000"/>
+                <a:tint val="94000"/>
+              </a:schemeClr>
+            </a:gs>
+            <a:gs pos="50000">
+              <a:schemeClr val="phClr">
+                <a:satMod val="110000"/>
+                <a:lumMod val="100000"/>
+                <a:shade val="100000"/>
+              </a:schemeClr>
+            </a:gs>
+            <a:gs pos="100000">
+              <a:schemeClr val="phClr">
+                <a:lumMod val="99000"/>
+                <a:satMod val="120000"/>
+                <a:shade val="78000"/>
+              </a:schemeClr>
+            </a:gs>
+          </a:gsLst>
+          <a:lin ang="5400000" scaled="0"/>
+        </a:gradFill>
+      </a:fillStyleLst>
+      <a:lnStyleLst>
+        <a:ln w="6350" cap="flat" cmpd="sng" algn="ctr">
+          <a:solidFill>
+            <a:schemeClr val="phClr"/>
+          </a:solidFill>
+          <a:prstDash val="solid"/>
+          <a:miter lim="800000"/>
+        </a:ln>
+        <a:ln w="12700" cap="flat" cmpd="sng" algn="ctr">
+          <a:solidFill>
+            <a:schemeClr val="phClr"/>
+          </a:solidFill>
+          <a:prstDash val="solid"/>
+          <a:miter lim="800000"/>
+        </a:ln>
+        <a:ln w="19050" cap="flat" cmpd="sng" algn="ctr">
+          <a:solidFill>
+            <a:schemeClr val="phClr"/>
+          </a:solidFill>
+          <a:prstDash val="solid"/>
+          <a:miter lim="800000"/>
+        </a:ln>
+      </a:lnStyleLst>
+      <a:effectStyleLst>
+        <a:effectStyle>
+          <a:effectLst/>
+        </a:effectStyle>
+        <a:effectStyle>
+          <a:effectLst/>
+        </a:effectStyle>
+        <a:effectStyle>
+          <a:effectLst>
+            <a:outerShdw blurRad="57150" dist="19050" dir="5400000" algn="ctr" rotWithShape="0">
+              <a:srgbClr val="000000">
+                <a:alpha val="63000"/>
+              </a:srgbClr>
+            </a:outerShdw>
+          </a:effectLst>
+        </a:effectStyle>
+      </a:effectStyleLst>
+      <a:bgFillStyleLst>
+        <a:solidFill>
+          <a:schemeClr val="phClr"/>
+        </a:solidFill>
+        <a:solidFill>
+          <a:schemeClr val="phClr">
+            <a:tint val="95000"/>
+            <a:satMod val="170000"/>
+          </a:schemeClr>
+        </a:solidFill>
+        <a:gradFill rotWithShape="1">
+          <a:gsLst>
+            <a:gs pos="0">
+              <a:schemeClr val="phClr">
+                <a:tint val="93000"/>
+                <a:satMod val="150000"/>
+                <a:shade val="98000"/>
+                <a:lumMod val="102000"/>
+              </a:schemeClr>
+            </a:gs>
+            <a:gs pos="50000">
+              <a:schemeClr val="phClr">
+                <a:tint val="98000"/>
+                <a:satMod val="130000"/>
+                <a:shade val="90000"/>
+                <a:lumMod val="103000"/>
+              </a:schemeClr>
+            </a:gs>
+            <a:gs pos="100000">
+              <a:schemeClr val="phClr">
+                <a:shade val="63000"/>
+                <a:satMod val="120000"/>
+              </a:schemeClr>
+            </a:gs>
+          </a:gsLst>
+          <a:lin ang="5400000" scaled="0"/>
+        </a:gradFill>
+      </a:bgFillStyleLst>
+    </a:fmtScheme>
+  </a:themeElements>
+  <a:objectDefaults/>
+  <a:extraClrSchemeLst/>
+  <a:extLst>
+    <a:ext uri="{05A4C25C-085E-4340-85A3-A5531E510DB2}">
+      <thm15:themeFamily xmlns:thm15="http://schemas.microsoft.com/office/thememl/2012/main" name="Office Theme" id="{62F939B6-93AF-4DB8-9C6B-D6C7DFDC589F}" vid="{4A3C46E8-61CC-4603-A589-7422A47A8E4A}"/>
+    </a:ext>
+  </a:extLst>
+</a:theme>
 </file>
--- a/presentation.pptx
+++ b/presentation.pptx
@@ -5,7 +5,7 @@
     <p:sldMasterId id="2147483648" r:id="rId1"/>
   </p:sldMasterIdLst>
   <p:notesMasterIdLst>
-    <p:notesMasterId r:id="rId15"/>
+    <p:notesMasterId r:id="rId17"/>
   </p:notesMasterIdLst>
   <p:sldIdLst>
     <p:sldId id="256" r:id="rId2"/>
@@ -20,7 +20,9 @@
     <p:sldId id="267" r:id="rId11"/>
     <p:sldId id="266" r:id="rId12"/>
     <p:sldId id="268" r:id="rId13"/>
-    <p:sldId id="258" r:id="rId14"/>
+    <p:sldId id="269" r:id="rId14"/>
+    <p:sldId id="270" r:id="rId15"/>
+    <p:sldId id="258" r:id="rId16"/>
   </p:sldIdLst>
   <p:sldSz cx="9144000" cy="6858000" type="screen4x3"/>
   <p:notesSz cx="6858000" cy="9144000"/>
@@ -4202,7 +4204,12 @@
             <p:ph type="title"/>
           </p:nvPr>
         </p:nvSpPr>
-        <p:spPr/>
+        <p:spPr>
+          <a:xfrm>
+            <a:off x="453082" y="374900"/>
+            <a:ext cx="7016195" cy="610820"/>
+          </a:xfrm>
+        </p:spPr>
         <p:txBody>
           <a:bodyPr>
             <a:normAutofit fontScale="90000"/>
@@ -5313,7 +5320,12 @@
             <p:ph type="title"/>
           </p:nvPr>
         </p:nvSpPr>
-        <p:spPr/>
+        <p:spPr>
+          <a:xfrm>
+            <a:off x="448965" y="374900"/>
+            <a:ext cx="8229600" cy="607625"/>
+          </a:xfrm>
+        </p:spPr>
         <p:txBody>
           <a:bodyPr>
             <a:normAutofit fontScale="90000"/>
@@ -5544,7 +5556,12 @@
             <p:ph type="title"/>
           </p:nvPr>
         </p:nvSpPr>
-        <p:spPr/>
+        <p:spPr>
+          <a:xfrm>
+            <a:off x="448965" y="374900"/>
+            <a:ext cx="7016195" cy="610820"/>
+          </a:xfrm>
+        </p:spPr>
         <p:txBody>
           <a:bodyPr>
             <a:normAutofit fontScale="90000"/>
@@ -5603,6 +5620,134 @@
             <p:ph type="title"/>
           </p:nvPr>
         </p:nvSpPr>
+        <p:spPr>
+          <a:xfrm>
+            <a:off x="296260" y="374900"/>
+            <a:ext cx="7016195" cy="610820"/>
+          </a:xfrm>
+        </p:spPr>
+        <p:txBody>
+          <a:bodyPr>
+            <a:normAutofit fontScale="90000"/>
+          </a:bodyPr>
+          <a:lstStyle/>
+          <a:p>
+            <a:pPr algn="l"/>
+            <a:r>
+              <a:rPr lang="en-US" dirty="0">
+                <a:solidFill>
+                  <a:schemeClr val="bg1"/>
+                </a:solidFill>
+              </a:rPr>
+              <a:t>Experiment Parameters</a:t>
+            </a:r>
+          </a:p>
+        </p:txBody>
+      </p:sp>
+    </p:spTree>
+    <p:extLst>
+      <p:ext uri="{BB962C8B-B14F-4D97-AF65-F5344CB8AC3E}">
+        <p14:creationId xmlns:p14="http://schemas.microsoft.com/office/powerpoint/2010/main" val="1396967419"/>
+      </p:ext>
+    </p:extLst>
+  </p:cSld>
+  <p:clrMapOvr>
+    <a:masterClrMapping/>
+  </p:clrMapOvr>
+</p:sld>
+</file>
+
+<file path=ppt/slides/slide14.xml><?xml version="1.0" encoding="utf-8"?>
+<p:sld xmlns:a="http://schemas.openxmlformats.org/drawingml/2006/main" xmlns:r="http://schemas.openxmlformats.org/officeDocument/2006/relationships" xmlns:p="http://schemas.openxmlformats.org/presentationml/2006/main">
+  <p:cSld>
+    <p:spTree>
+      <p:nvGrpSpPr>
+        <p:cNvPr id="1" name=""/>
+        <p:cNvGrpSpPr/>
+        <p:nvPr/>
+      </p:nvGrpSpPr>
+      <p:grpSpPr>
+        <a:xfrm>
+          <a:off x="0" y="0"/>
+          <a:ext cx="0" cy="0"/>
+          <a:chOff x="0" y="0"/>
+          <a:chExt cx="0" cy="0"/>
+        </a:xfrm>
+      </p:grpSpPr>
+      <p:sp>
+        <p:nvSpPr>
+          <p:cNvPr id="4" name="Title 3"/>
+          <p:cNvSpPr>
+            <a:spLocks noGrp="1"/>
+          </p:cNvSpPr>
+          <p:nvPr>
+            <p:ph type="title"/>
+          </p:nvPr>
+        </p:nvSpPr>
+        <p:spPr>
+          <a:xfrm>
+            <a:off x="296260" y="374900"/>
+            <a:ext cx="7016195" cy="610820"/>
+          </a:xfrm>
+        </p:spPr>
+        <p:txBody>
+          <a:bodyPr>
+            <a:normAutofit fontScale="90000"/>
+          </a:bodyPr>
+          <a:lstStyle/>
+          <a:p>
+            <a:pPr algn="l"/>
+            <a:r>
+              <a:rPr lang="en-US" dirty="0">
+                <a:solidFill>
+                  <a:schemeClr val="bg1"/>
+                </a:solidFill>
+              </a:rPr>
+              <a:t>Initial Results</a:t>
+            </a:r>
+          </a:p>
+        </p:txBody>
+      </p:sp>
+    </p:spTree>
+    <p:extLst>
+      <p:ext uri="{BB962C8B-B14F-4D97-AF65-F5344CB8AC3E}">
+        <p14:creationId xmlns:p14="http://schemas.microsoft.com/office/powerpoint/2010/main" val="3629949042"/>
+      </p:ext>
+    </p:extLst>
+  </p:cSld>
+  <p:clrMapOvr>
+    <a:masterClrMapping/>
+  </p:clrMapOvr>
+</p:sld>
+</file>
+
+<file path=ppt/slides/slide15.xml><?xml version="1.0" encoding="utf-8"?>
+<p:sld xmlns:a="http://schemas.openxmlformats.org/drawingml/2006/main" xmlns:r="http://schemas.openxmlformats.org/officeDocument/2006/relationships" xmlns:p="http://schemas.openxmlformats.org/presentationml/2006/main">
+  <p:cSld>
+    <p:spTree>
+      <p:nvGrpSpPr>
+        <p:cNvPr id="1" name=""/>
+        <p:cNvGrpSpPr/>
+        <p:nvPr/>
+      </p:nvGrpSpPr>
+      <p:grpSpPr>
+        <a:xfrm>
+          <a:off x="0" y="0"/>
+          <a:ext cx="0" cy="0"/>
+          <a:chOff x="0" y="0"/>
+          <a:chExt cx="0" cy="0"/>
+        </a:xfrm>
+      </p:grpSpPr>
+      <p:sp>
+        <p:nvSpPr>
+          <p:cNvPr id="4" name="Title 3"/>
+          <p:cNvSpPr>
+            <a:spLocks noGrp="1"/>
+          </p:cNvSpPr>
+          <p:nvPr>
+            <p:ph type="title"/>
+          </p:nvPr>
+        </p:nvSpPr>
         <p:spPr/>
         <p:txBody>
           <a:bodyPr>
@@ -5769,15 +5914,20 @@
             <p:ph type="title"/>
           </p:nvPr>
         </p:nvSpPr>
-        <p:spPr/>
+        <p:spPr>
+          <a:xfrm>
+            <a:off x="296260" y="300608"/>
+            <a:ext cx="8229600" cy="691279"/>
+          </a:xfrm>
+        </p:spPr>
         <p:txBody>
           <a:bodyPr>
-            <a:normAutofit fontScale="90000"/>
+            <a:normAutofit/>
           </a:bodyPr>
           <a:lstStyle/>
           <a:p>
             <a:r>
-              <a:rPr lang="en-US" dirty="0"/>
+              <a:rPr lang="en-US" sz="3200" dirty="0"/>
               <a:t>Lights Up Puzzle - Rules</a:t>
             </a:r>
           </a:p>
@@ -6198,7 +6348,12 @@
             <p:ph type="title"/>
           </p:nvPr>
         </p:nvSpPr>
-        <p:spPr/>
+        <p:spPr>
+          <a:xfrm>
+            <a:off x="296260" y="374900"/>
+            <a:ext cx="8229600" cy="610820"/>
+          </a:xfrm>
+        </p:spPr>
         <p:txBody>
           <a:bodyPr>
             <a:normAutofit fontScale="90000"/>
@@ -6359,7 +6514,12 @@
             <p:ph type="title"/>
           </p:nvPr>
         </p:nvSpPr>
-        <p:spPr/>
+        <p:spPr>
+          <a:xfrm>
+            <a:off x="296260" y="374901"/>
+            <a:ext cx="8229600" cy="610820"/>
+          </a:xfrm>
+        </p:spPr>
         <p:txBody>
           <a:bodyPr>
             <a:normAutofit fontScale="90000"/>
@@ -6704,7 +6864,12 @@
             <p:ph type="title"/>
           </p:nvPr>
         </p:nvSpPr>
-        <p:spPr/>
+        <p:spPr>
+          <a:xfrm>
+            <a:off x="374181" y="374901"/>
+            <a:ext cx="8229600" cy="602116"/>
+          </a:xfrm>
+        </p:spPr>
         <p:txBody>
           <a:bodyPr>
             <a:normAutofit fontScale="90000"/>
@@ -7061,7 +7226,12 @@
             <p:ph type="title"/>
           </p:nvPr>
         </p:nvSpPr>
-        <p:spPr/>
+        <p:spPr>
+          <a:xfrm>
+            <a:off x="374181" y="374901"/>
+            <a:ext cx="8229600" cy="602116"/>
+          </a:xfrm>
+        </p:spPr>
         <p:txBody>
           <a:bodyPr>
             <a:normAutofit fontScale="90000"/>

--- a/presentation.pptx
+++ b/presentation.pptx
@@ -5,7 +5,7 @@
     <p:sldMasterId id="2147483648" r:id="rId1"/>
   </p:sldMasterIdLst>
   <p:notesMasterIdLst>
-    <p:notesMasterId r:id="rId17"/>
+    <p:notesMasterId r:id="rId18"/>
   </p:notesMasterIdLst>
   <p:sldIdLst>
     <p:sldId id="256" r:id="rId2"/>
@@ -20,9 +20,10 @@
     <p:sldId id="267" r:id="rId11"/>
     <p:sldId id="266" r:id="rId12"/>
     <p:sldId id="268" r:id="rId13"/>
-    <p:sldId id="269" r:id="rId14"/>
-    <p:sldId id="270" r:id="rId15"/>
-    <p:sldId id="258" r:id="rId16"/>
+    <p:sldId id="271" r:id="rId14"/>
+    <p:sldId id="269" r:id="rId15"/>
+    <p:sldId id="270" r:id="rId16"/>
+    <p:sldId id="258" r:id="rId17"/>
   </p:sldIdLst>
   <p:sldSz cx="9144000" cy="6858000" type="screen4x3"/>
   <p:notesSz cx="6858000" cy="9144000"/>
@@ -5622,7 +5623,7 @@
         </p:nvSpPr>
         <p:spPr>
           <a:xfrm>
-            <a:off x="296260" y="374900"/>
+            <a:off x="448965" y="374900"/>
             <a:ext cx="7016195" cy="610820"/>
           </a:xfrm>
         </p:spPr>
@@ -5634,20 +5635,33 @@
           <a:p>
             <a:pPr algn="l"/>
             <a:r>
-              <a:rPr lang="en-US" dirty="0">
+              <a:rPr lang="he-IL" dirty="0">
                 <a:solidFill>
                   <a:schemeClr val="bg1"/>
                 </a:solidFill>
               </a:rPr>
-              <a:t>Experiment Parameters</a:t>
-            </a:r>
+              <a:t>Lights Up Board </a:t>
+            </a:r>
+            <a:r>
+              <a:rPr lang="he-IL">
+                <a:solidFill>
+                  <a:schemeClr val="bg1"/>
+                </a:solidFill>
+              </a:rPr>
+              <a:t>Parser</a:t>
+            </a:r>
+            <a:endParaRPr lang="en-US" dirty="0">
+              <a:solidFill>
+                <a:schemeClr val="bg1"/>
+              </a:solidFill>
+            </a:endParaRPr>
           </a:p>
         </p:txBody>
       </p:sp>
     </p:spTree>
     <p:extLst>
       <p:ext uri="{BB962C8B-B14F-4D97-AF65-F5344CB8AC3E}">
-        <p14:creationId xmlns:p14="http://schemas.microsoft.com/office/powerpoint/2010/main" val="1396967419"/>
+        <p14:creationId xmlns:p14="http://schemas.microsoft.com/office/powerpoint/2010/main" val="1664302183"/>
       </p:ext>
     </p:extLst>
   </p:cSld>
@@ -5703,6 +5717,70 @@
                   <a:schemeClr val="bg1"/>
                 </a:solidFill>
               </a:rPr>
+              <a:t>Experiment Parameters</a:t>
+            </a:r>
+          </a:p>
+        </p:txBody>
+      </p:sp>
+    </p:spTree>
+    <p:extLst>
+      <p:ext uri="{BB962C8B-B14F-4D97-AF65-F5344CB8AC3E}">
+        <p14:creationId xmlns:p14="http://schemas.microsoft.com/office/powerpoint/2010/main" val="1396967419"/>
+      </p:ext>
+    </p:extLst>
+  </p:cSld>
+  <p:clrMapOvr>
+    <a:masterClrMapping/>
+  </p:clrMapOvr>
+</p:sld>
+</file>
+
+<file path=ppt/slides/slide15.xml><?xml version="1.0" encoding="utf-8"?>
+<p:sld xmlns:a="http://schemas.openxmlformats.org/drawingml/2006/main" xmlns:r="http://schemas.openxmlformats.org/officeDocument/2006/relationships" xmlns:p="http://schemas.openxmlformats.org/presentationml/2006/main">
+  <p:cSld>
+    <p:spTree>
+      <p:nvGrpSpPr>
+        <p:cNvPr id="1" name=""/>
+        <p:cNvGrpSpPr/>
+        <p:nvPr/>
+      </p:nvGrpSpPr>
+      <p:grpSpPr>
+        <a:xfrm>
+          <a:off x="0" y="0"/>
+          <a:ext cx="0" cy="0"/>
+          <a:chOff x="0" y="0"/>
+          <a:chExt cx="0" cy="0"/>
+        </a:xfrm>
+      </p:grpSpPr>
+      <p:sp>
+        <p:nvSpPr>
+          <p:cNvPr id="4" name="Title 3"/>
+          <p:cNvSpPr>
+            <a:spLocks noGrp="1"/>
+          </p:cNvSpPr>
+          <p:nvPr>
+            <p:ph type="title"/>
+          </p:nvPr>
+        </p:nvSpPr>
+        <p:spPr>
+          <a:xfrm>
+            <a:off x="296260" y="374900"/>
+            <a:ext cx="7016195" cy="610820"/>
+          </a:xfrm>
+        </p:spPr>
+        <p:txBody>
+          <a:bodyPr>
+            <a:normAutofit fontScale="90000"/>
+          </a:bodyPr>
+          <a:lstStyle/>
+          <a:p>
+            <a:pPr algn="l"/>
+            <a:r>
+              <a:rPr lang="en-US" dirty="0">
+                <a:solidFill>
+                  <a:schemeClr val="bg1"/>
+                </a:solidFill>
+              </a:rPr>
               <a:t>Initial Results</a:t>
             </a:r>
           </a:p>
@@ -5721,7 +5799,7 @@
 </p:sld>
 </file>
 
-<file path=ppt/slides/slide15.xml><?xml version="1.0" encoding="utf-8"?>
+<file path=ppt/slides/slide16.xml><?xml version="1.0" encoding="utf-8"?>
 <p:sld xmlns:a="http://schemas.openxmlformats.org/drawingml/2006/main" xmlns:r="http://schemas.openxmlformats.org/officeDocument/2006/relationships" xmlns:p="http://schemas.openxmlformats.org/presentationml/2006/main">
   <p:cSld>
     <p:spTree>

--- a/presentation.pptx
+++ b/presentation.pptx
@@ -626,7 +626,21 @@
             <a:pPr marL="0" algn="r" defTabSz="914400" rtl="1" eaLnBrk="1" latinLnBrk="0" hangingPunct="1"/>
             <a:r>
               <a:rPr lang="he-IL" dirty="0"/>
-              <a:t>אורך הגנום של האינדיבידואל הוא כמספר התאים הריקים שנשארו בלוח לאחר העיבוד המקדים</a:t>
+              <a:t>הפיטנס כמספר התאים שנותרו חשוכים, בדוגמא להלן למשל הפיטנס הוא 2.</a:t>
+            </a:r>
+          </a:p>
+          <a:p>
+            <a:pPr marL="0" algn="r" defTabSz="914400" rtl="1" eaLnBrk="1" latinLnBrk="0" hangingPunct="1"/>
+            <a:r>
+              <a:rPr lang="he-IL" dirty="0"/>
+              <a:t>נרצה למזער את הפיטנס עד להגעה לפיטנס 0.</a:t>
+            </a:r>
+          </a:p>
+          <a:p>
+            <a:pPr marL="0" algn="r" defTabSz="914400" rtl="1" eaLnBrk="1" latinLnBrk="0" hangingPunct="1"/>
+            <a:r>
+              <a:rPr lang="he-IL" dirty="0"/>
+              <a:t>ניתן גם לתת ״קנס״ כלשהו על מקרים בהן יש נורה במקום לא חוקי (מתנגשת עם נורה אחרת), אך בשלב זה בחרנו שלא לממש ככה את פונקציית הפיטנס מהחשש להיתקע באופטימום לוקלי.</a:t>
             </a:r>
             <a:endParaRPr lang="en-US" dirty="0"/>
           </a:p>
@@ -659,6 +673,146 @@
     <p:extLst>
       <p:ext uri="{BB962C8B-B14F-4D97-AF65-F5344CB8AC3E}">
         <p14:creationId xmlns:p14="http://schemas.microsoft.com/office/powerpoint/2010/main" val="2339948300"/>
+      </p:ext>
+    </p:extLst>
+  </p:cSld>
+  <p:clrMapOvr>
+    <a:masterClrMapping/>
+  </p:clrMapOvr>
+</p:notes>
+</file>
+
+<file path=ppt/notesSlides/notesSlide3.xml><?xml version="1.0" encoding="utf-8"?>
+<p:notes xmlns:a="http://schemas.openxmlformats.org/drawingml/2006/main" xmlns:r="http://schemas.openxmlformats.org/officeDocument/2006/relationships" xmlns:p="http://schemas.openxmlformats.org/presentationml/2006/main">
+  <p:cSld>
+    <p:spTree>
+      <p:nvGrpSpPr>
+        <p:cNvPr id="1" name=""/>
+        <p:cNvGrpSpPr/>
+        <p:nvPr/>
+      </p:nvGrpSpPr>
+      <p:grpSpPr>
+        <a:xfrm>
+          <a:off x="0" y="0"/>
+          <a:ext cx="0" cy="0"/>
+          <a:chOff x="0" y="0"/>
+          <a:chExt cx="0" cy="0"/>
+        </a:xfrm>
+      </p:grpSpPr>
+      <p:sp>
+        <p:nvSpPr>
+          <p:cNvPr id="2" name="Slide Image Placeholder 1"/>
+          <p:cNvSpPr>
+            <a:spLocks noGrp="1" noRot="1" noChangeAspect="1"/>
+          </p:cNvSpPr>
+          <p:nvPr>
+            <p:ph type="sldImg"/>
+          </p:nvPr>
+        </p:nvSpPr>
+        <p:spPr/>
+      </p:sp>
+      <p:sp>
+        <p:nvSpPr>
+          <p:cNvPr id="3" name="Notes Placeholder 2"/>
+          <p:cNvSpPr>
+            <a:spLocks noGrp="1"/>
+          </p:cNvSpPr>
+          <p:nvPr>
+            <p:ph type="body" idx="1"/>
+          </p:nvPr>
+        </p:nvSpPr>
+        <p:spPr/>
+        <p:txBody>
+          <a:bodyPr/>
+          <a:lstStyle/>
+          <a:p>
+            <a:pPr marL="0" marR="0" lvl="0" indent="0" algn="r" defTabSz="914400" rtl="1" eaLnBrk="1" fontAlgn="auto" latinLnBrk="0" hangingPunct="1">
+              <a:lnSpc>
+                <a:spcPct val="100000"/>
+              </a:lnSpc>
+              <a:spcBef>
+                <a:spcPts val="0"/>
+              </a:spcBef>
+              <a:spcAft>
+                <a:spcPts val="0"/>
+              </a:spcAft>
+              <a:buClrTx/>
+              <a:buSzTx/>
+              <a:buFontTx/>
+              <a:buNone/>
+              <a:tabLst/>
+              <a:defRPr/>
+            </a:pPr>
+            <a:r>
+              <a:rPr lang="he" sz="1200" b="0" i="0" kern="1200" dirty="0">
+                <a:solidFill>
+                  <a:schemeClr val="tx1"/>
+                </a:solidFill>
+                <a:effectLst/>
+                <a:latin typeface="+mn-lt"/>
+                <a:ea typeface="+mn-ea"/>
+                <a:cs typeface="+mn-cs"/>
+              </a:rPr>
+              <a:t>ה-</a:t>
+            </a:r>
+            <a:r>
+              <a:rPr lang="en-US" sz="1200" b="0" i="0" kern="1200" dirty="0">
+                <a:solidFill>
+                  <a:schemeClr val="tx1"/>
+                </a:solidFill>
+                <a:effectLst/>
+                <a:latin typeface="+mn-lt"/>
+                <a:ea typeface="+mn-ea"/>
+                <a:cs typeface="+mn-cs"/>
+              </a:rPr>
+              <a:t>dataset: </a:t>
+            </a:r>
+            <a:r>
+              <a:rPr lang="he" sz="1200" b="0" i="0" kern="1200" dirty="0">
+                <a:solidFill>
+                  <a:schemeClr val="tx1"/>
+                </a:solidFill>
+                <a:effectLst/>
+                <a:latin typeface="+mn-lt"/>
+                <a:ea typeface="+mn-ea"/>
+                <a:cs typeface="+mn-cs"/>
+              </a:rPr>
+              <a:t>איך ייצרתם אותו/הורדתם אותו? כמה דוגמאות יש בו? האם יש כלים/מאמרים באינטרנט שהשתמשו בו? (לא צריך סקירת ספרות, רק אם מצאתם).</a:t>
+            </a:r>
+          </a:p>
+          <a:p>
+            <a:pPr marL="0" algn="r" defTabSz="914400" rtl="1" eaLnBrk="1" latinLnBrk="0" hangingPunct="1"/>
+            <a:endParaRPr lang="en-US" dirty="0"/>
+          </a:p>
+        </p:txBody>
+      </p:sp>
+      <p:sp>
+        <p:nvSpPr>
+          <p:cNvPr id="4" name="Slide Number Placeholder 3"/>
+          <p:cNvSpPr>
+            <a:spLocks noGrp="1"/>
+          </p:cNvSpPr>
+          <p:nvPr>
+            <p:ph type="sldNum" sz="quarter" idx="5"/>
+          </p:nvPr>
+        </p:nvSpPr>
+        <p:spPr/>
+        <p:txBody>
+          <a:bodyPr/>
+          <a:lstStyle/>
+          <a:p>
+            <a:fld id="{71484194-BC9F-7343-A27E-E7872C54D571}" type="slidenum">
+              <a:rPr lang="en-US" smtClean="0"/>
+              <a:t>13</a:t>
+            </a:fld>
+            <a:endParaRPr lang="en-US"/>
+          </a:p>
+        </p:txBody>
+      </p:sp>
+    </p:spTree>
+    <p:extLst>
+      <p:ext uri="{BB962C8B-B14F-4D97-AF65-F5344CB8AC3E}">
+        <p14:creationId xmlns:p14="http://schemas.microsoft.com/office/powerpoint/2010/main" val="1799958299"/>
       </p:ext>
     </p:extLst>
   </p:cSld>
@@ -4137,7 +4291,7 @@
         </p:nvSpPr>
         <p:spPr>
           <a:xfrm>
-            <a:off x="2743200" y="5719575"/>
+            <a:off x="2586835" y="5719575"/>
             <a:ext cx="6400800" cy="1374345"/>
           </a:xfrm>
         </p:spPr>
@@ -5491,7 +5645,7 @@
         <p:spPr>
           <a:xfrm>
             <a:off x="448965" y="2279590"/>
-            <a:ext cx="2980303" cy="646331"/>
+            <a:ext cx="3268844" cy="646331"/>
           </a:xfrm>
           <a:prstGeom prst="rect">
             <a:avLst/>
@@ -5504,12 +5658,20 @@
           </a:bodyPr>
           <a:lstStyle/>
           <a:p>
+            <a:pPr marL="285750" indent="-285750">
+              <a:buFont typeface="Arial" panose="020B0604020202020204" pitchFamily="34" charset="0"/>
+              <a:buChar char="•"/>
+            </a:pPr>
             <a:r>
               <a:rPr lang="en-US" dirty="0"/>
               <a:t>Fitness = number of dark cells</a:t>
             </a:r>
           </a:p>
           <a:p>
+            <a:pPr marL="285750" indent="-285750">
+              <a:buFont typeface="Arial" panose="020B0604020202020204" pitchFamily="34" charset="0"/>
+              <a:buChar char="•"/>
+            </a:pPr>
             <a:r>
               <a:rPr lang="en-US" dirty="0"/>
               <a:t>Optimal Fitness = 0</a:t>
@@ -5640,21 +5802,91 @@
                   <a:schemeClr val="bg1"/>
                 </a:solidFill>
               </a:rPr>
-              <a:t>Lights Up Board </a:t>
-            </a:r>
-            <a:r>
-              <a:rPr lang="he-IL">
-                <a:solidFill>
-                  <a:schemeClr val="bg1"/>
-                </a:solidFill>
-              </a:rPr>
-              <a:t>Parser</a:t>
+              <a:t>Lights Up Board Parser</a:t>
             </a:r>
             <a:endParaRPr lang="en-US" dirty="0">
               <a:solidFill>
                 <a:schemeClr val="bg1"/>
               </a:solidFill>
             </a:endParaRPr>
+          </a:p>
+        </p:txBody>
+      </p:sp>
+      <p:sp>
+        <p:nvSpPr>
+          <p:cNvPr id="2" name="TextBox 1">
+            <a:extLst>
+              <a:ext uri="{FF2B5EF4-FFF2-40B4-BE49-F238E27FC236}">
+                <a16:creationId xmlns:a16="http://schemas.microsoft.com/office/drawing/2014/main" id="{4E192D78-C4B1-5C43-AA50-3A1B23804946}"/>
+              </a:ext>
+            </a:extLst>
+          </p:cNvPr>
+          <p:cNvSpPr txBox="1"/>
+          <p:nvPr/>
+        </p:nvSpPr>
+        <p:spPr>
+          <a:xfrm>
+            <a:off x="296261" y="1901950"/>
+            <a:ext cx="8551480" cy="3108543"/>
+          </a:xfrm>
+          <a:prstGeom prst="rect">
+            <a:avLst/>
+          </a:prstGeom>
+          <a:noFill/>
+        </p:spPr>
+        <p:txBody>
+          <a:bodyPr wrap="square" rtlCol="0">
+            <a:spAutoFit/>
+          </a:bodyPr>
+          <a:lstStyle/>
+          <a:p>
+            <a:r>
+              <a:rPr lang="en-US" sz="2800" dirty="0"/>
+              <a:t>Built a parser to download and store boards from:</a:t>
+            </a:r>
+          </a:p>
+          <a:p>
+            <a:r>
+              <a:rPr lang="en-US" sz="2800" dirty="0"/>
+              <a:t> </a:t>
+            </a:r>
+            <a:r>
+              <a:rPr lang="en-US" sz="2800" dirty="0">
+                <a:hlinkClick r:id="rId3"/>
+              </a:rPr>
+              <a:t>https://www.puzzle-light-up.com</a:t>
+            </a:r>
+            <a:endParaRPr lang="en-US" sz="2800" dirty="0"/>
+          </a:p>
+          <a:p>
+            <a:endParaRPr lang="en-US" sz="2800" dirty="0"/>
+          </a:p>
+          <a:p>
+            <a:pPr marL="285750" indent="-285750">
+              <a:buFont typeface="Arial" panose="020B0604020202020204" pitchFamily="34" charset="0"/>
+              <a:buChar char="•"/>
+            </a:pPr>
+            <a:r>
+              <a:rPr lang="en-US" sz="2800" dirty="0"/>
+              <a:t>Contains a variety of boards in different sizes from 7x7 to 25x25.</a:t>
+            </a:r>
+          </a:p>
+          <a:p>
+            <a:pPr marL="285750" indent="-285750">
+              <a:buFont typeface="Arial" panose="020B0604020202020204" pitchFamily="34" charset="0"/>
+              <a:buChar char="•"/>
+            </a:pPr>
+            <a:endParaRPr lang="en-US" sz="2800" dirty="0"/>
+          </a:p>
+          <a:p>
+            <a:pPr marL="285750" indent="-285750">
+              <a:buFont typeface="Arial" panose="020B0604020202020204" pitchFamily="34" charset="0"/>
+              <a:buChar char="•"/>
+            </a:pPr>
+            <a:r>
+              <a:rPr lang="en-US" sz="2800" dirty="0"/>
+              <a:t>Several difficulty levels from easy to hard.</a:t>
+            </a:r>
           </a:p>
         </p:txBody>
       </p:sp>
@@ -6222,8 +6454,12 @@
           <a:lstStyle/>
           <a:p>
             <a:r>
+              <a:rPr lang="en-US" sz="1400" b="1" dirty="0"/>
+              <a:t>Empty Cell  </a:t>
+            </a:r>
+            <a:r>
               <a:rPr lang="en-US" sz="1400" dirty="0"/>
-              <a:t>Empty Cell  - Is an optional spot for a light bulb</a:t>
+              <a:t>- Is an optional spot for a light bulb</a:t>
             </a:r>
           </a:p>
         </p:txBody>
@@ -6257,8 +6493,12 @@
           <a:lstStyle/>
           <a:p>
             <a:r>
+              <a:rPr lang="en-US" sz="1400" b="1" dirty="0"/>
+              <a:t>Block</a:t>
+            </a:r>
+            <a:r>
               <a:rPr lang="en-US" sz="1400" dirty="0"/>
-              <a:t>Block – Invalid location for a light bulb</a:t>
+              <a:t> – Invalid location for a light bulb</a:t>
             </a:r>
           </a:p>
           <a:p>
@@ -6298,8 +6538,12 @@
           <a:lstStyle/>
           <a:p>
             <a:r>
+              <a:rPr lang="en-US" sz="1400" b="1" dirty="0"/>
+              <a:t>Number Block </a:t>
+            </a:r>
+            <a:r>
               <a:rPr lang="en-US" sz="1400" dirty="0"/>
-              <a:t>Number Block – Some blocks contain numbers, They represent how many light bulbs should “touch” that block </a:t>
+              <a:t>– Some blocks contain numbers, They represent how many light bulbs should “touch” that block </a:t>
             </a:r>
           </a:p>
         </p:txBody>
@@ -6333,8 +6577,12 @@
           <a:lstStyle/>
           <a:p>
             <a:r>
+              <a:rPr lang="en-US" sz="1400" b="1" dirty="0"/>
+              <a:t>Light Bulb </a:t>
+            </a:r>
+            <a:r>
               <a:rPr lang="en-US" sz="1400" dirty="0"/>
-              <a:t>Light Bulb – Lights the board vertically and</a:t>
+              <a:t>– Lights the board vertically and</a:t>
             </a:r>
           </a:p>
           <a:p>
@@ -6380,8 +6628,12 @@
           <a:lstStyle/>
           <a:p>
             <a:r>
+              <a:rPr lang="en-US" sz="1400" b="1" dirty="0"/>
+              <a:t>Illuminated Cell </a:t>
+            </a:r>
+            <a:r>
               <a:rPr lang="en-US" sz="1400" dirty="0"/>
-              <a:t>Illuminated Cell – Cells that are already in a direct line with a light bulb. They are invalid spots for light bulbs as it would cause a clash of two light bulbs.</a:t>
+              <a:t>– Cells that are already in a direct line with a light bulb. They are invalid spots for light bulbs as it would cause a clash of two light bulbs.</a:t>
             </a:r>
           </a:p>
         </p:txBody>
@@ -6540,7 +6792,7 @@
             </a:pPr>
             <a:r>
               <a:rPr lang="en-US" dirty="0"/>
-              <a:t>No light bulb illuminate another</a:t>
+              <a:t>No light bulb illuminate another.</a:t>
             </a:r>
           </a:p>
           <a:p>
@@ -7264,6 +7516,197 @@
           </a:p>
         </p:txBody>
       </p:sp>
+      <mc:AlternateContent xmlns:mc="http://schemas.openxmlformats.org/markup-compatibility/2006">
+        <mc:Choice xmlns:a14="http://schemas.microsoft.com/office/drawing/2010/main" Requires="a14">
+          <p:sp>
+            <p:nvSpPr>
+              <p:cNvPr id="9" name="TextBox 8">
+                <a:extLst>
+                  <a:ext uri="{FF2B5EF4-FFF2-40B4-BE49-F238E27FC236}">
+                    <a16:creationId xmlns:a16="http://schemas.microsoft.com/office/drawing/2014/main" id="{E4202B1C-B370-8A43-B29A-299966CCA497}"/>
+                  </a:ext>
+                </a:extLst>
+              </p:cNvPr>
+              <p:cNvSpPr txBox="1"/>
+              <p:nvPr/>
+            </p:nvSpPr>
+            <p:spPr>
+              <a:xfrm>
+                <a:off x="2757031" y="5553537"/>
+                <a:ext cx="3785780" cy="369332"/>
+              </a:xfrm>
+              <a:prstGeom prst="rect">
+                <a:avLst/>
+              </a:prstGeom>
+              <a:noFill/>
+            </p:spPr>
+            <p:txBody>
+              <a:bodyPr wrap="none" rtlCol="0">
+                <a:spAutoFit/>
+              </a:bodyPr>
+              <a:lstStyle/>
+              <a:p>
+                <a:r>
+                  <a:rPr lang="en-US" dirty="0"/>
+                  <a:t>In this example from </a:t>
+                </a:r>
+                <a14:m>
+                  <m:oMath xmlns:m="http://schemas.openxmlformats.org/officeDocument/2006/math">
+                    <m:r>
+                      <a:rPr lang="en-US" i="1">
+                        <a:latin typeface="Cambria Math" panose="02040503050406030204" pitchFamily="18" charset="0"/>
+                      </a:rPr>
+                      <m:t>𝑂</m:t>
+                    </m:r>
+                    <m:d>
+                      <m:dPr>
+                        <m:ctrlPr>
+                          <a:rPr lang="en-US" i="1">
+                            <a:latin typeface="Cambria Math" panose="02040503050406030204" pitchFamily="18" charset="0"/>
+                          </a:rPr>
+                        </m:ctrlPr>
+                      </m:dPr>
+                      <m:e>
+                        <m:sSup>
+                          <m:sSupPr>
+                            <m:ctrlPr>
+                              <a:rPr lang="en-US" i="1">
+                                <a:latin typeface="Cambria Math" panose="02040503050406030204" pitchFamily="18" charset="0"/>
+                              </a:rPr>
+                            </m:ctrlPr>
+                          </m:sSupPr>
+                          <m:e>
+                            <m:r>
+                              <a:rPr lang="en-US" i="1">
+                                <a:latin typeface="Cambria Math" panose="02040503050406030204" pitchFamily="18" charset="0"/>
+                              </a:rPr>
+                              <m:t>2</m:t>
+                            </m:r>
+                          </m:e>
+                          <m:sup>
+                            <m:r>
+                              <a:rPr lang="en-US" b="0" i="1" smtClean="0">
+                                <a:latin typeface="Cambria Math" panose="02040503050406030204" pitchFamily="18" charset="0"/>
+                              </a:rPr>
+                              <m:t>19</m:t>
+                            </m:r>
+                          </m:sup>
+                        </m:sSup>
+                      </m:e>
+                    </m:d>
+                    <m:r>
+                      <a:rPr lang="en-US" b="0" i="1" smtClean="0">
+                        <a:latin typeface="Cambria Math" panose="02040503050406030204" pitchFamily="18" charset="0"/>
+                      </a:rPr>
+                      <m:t> </m:t>
+                    </m:r>
+                    <m:r>
+                      <a:rPr lang="en-US" b="0" i="1" smtClean="0">
+                        <a:latin typeface="Cambria Math" panose="02040503050406030204" pitchFamily="18" charset="0"/>
+                      </a:rPr>
+                      <m:t>𝑡𝑜</m:t>
+                    </m:r>
+                    <m:r>
+                      <a:rPr lang="en-US" b="0" i="1" smtClean="0">
+                        <a:latin typeface="Cambria Math" panose="02040503050406030204" pitchFamily="18" charset="0"/>
+                      </a:rPr>
+                      <m:t> </m:t>
+                    </m:r>
+                    <m:r>
+                      <a:rPr lang="en-US" i="1">
+                        <a:latin typeface="Cambria Math" panose="02040503050406030204" pitchFamily="18" charset="0"/>
+                      </a:rPr>
+                      <m:t>𝑂</m:t>
+                    </m:r>
+                    <m:r>
+                      <a:rPr lang="en-US" i="1">
+                        <a:latin typeface="Cambria Math" panose="02040503050406030204" pitchFamily="18" charset="0"/>
+                      </a:rPr>
+                      <m:t>(</m:t>
+                    </m:r>
+                    <m:sSup>
+                      <m:sSupPr>
+                        <m:ctrlPr>
+                          <a:rPr lang="en-US" i="1">
+                            <a:latin typeface="Cambria Math" panose="02040503050406030204" pitchFamily="18" charset="0"/>
+                          </a:rPr>
+                        </m:ctrlPr>
+                      </m:sSupPr>
+                      <m:e>
+                        <m:r>
+                          <a:rPr lang="en-US" i="1">
+                            <a:latin typeface="Cambria Math" panose="02040503050406030204" pitchFamily="18" charset="0"/>
+                          </a:rPr>
+                          <m:t>2</m:t>
+                        </m:r>
+                      </m:e>
+                      <m:sup>
+                        <m:r>
+                          <a:rPr lang="en-US" b="0" i="1" smtClean="0">
+                            <a:latin typeface="Cambria Math" panose="02040503050406030204" pitchFamily="18" charset="0"/>
+                          </a:rPr>
+                          <m:t>6</m:t>
+                        </m:r>
+                      </m:sup>
+                    </m:sSup>
+                    <m:r>
+                      <a:rPr lang="en-US">
+                        <a:latin typeface="Cambria Math" panose="02040503050406030204" pitchFamily="18" charset="0"/>
+                      </a:rPr>
+                      <m:t>)</m:t>
+                    </m:r>
+                  </m:oMath>
+                </a14:m>
+                <a:endParaRPr lang="en-US" dirty="0"/>
+              </a:p>
+            </p:txBody>
+          </p:sp>
+        </mc:Choice>
+        <mc:Fallback>
+          <p:sp>
+            <p:nvSpPr>
+              <p:cNvPr id="9" name="TextBox 8">
+                <a:extLst>
+                  <a:ext uri="{FF2B5EF4-FFF2-40B4-BE49-F238E27FC236}">
+                    <a16:creationId xmlns:a16="http://schemas.microsoft.com/office/drawing/2014/main" id="{E4202B1C-B370-8A43-B29A-299966CCA497}"/>
+                  </a:ext>
+                </a:extLst>
+              </p:cNvPr>
+              <p:cNvSpPr txBox="1">
+                <a:spLocks noRot="1" noChangeAspect="1" noMove="1" noResize="1" noEditPoints="1" noAdjustHandles="1" noChangeArrowheads="1" noChangeShapeType="1" noTextEdit="1"/>
+              </p:cNvSpPr>
+              <p:nvPr/>
+            </p:nvSpPr>
+            <p:spPr>
+              <a:xfrm>
+                <a:off x="2757031" y="5553537"/>
+                <a:ext cx="3785780" cy="369332"/>
+              </a:xfrm>
+              <a:prstGeom prst="rect">
+                <a:avLst/>
+              </a:prstGeom>
+              <a:blipFill>
+                <a:blip r:embed="rId3"/>
+                <a:stretch>
+                  <a:fillRect l="-1003" t="-3333" b="-26667"/>
+                </a:stretch>
+              </a:blipFill>
+            </p:spPr>
+            <p:txBody>
+              <a:bodyPr/>
+              <a:lstStyle/>
+              <a:p>
+                <a:r>
+                  <a:rPr lang="en-US">
+                    <a:noFill/>
+                  </a:rPr>
+                  <a:t> </a:t>
+                </a:r>
+              </a:p>
+            </p:txBody>
+          </p:sp>
+        </mc:Fallback>
+      </mc:AlternateContent>
     </p:spTree>
     <p:extLst>
       <p:ext uri="{BB962C8B-B14F-4D97-AF65-F5344CB8AC3E}">
@@ -10099,42 +10542,6 @@
           </a:p>
         </p:txBody>
       </p:sp>
-      <p:cxnSp>
-        <p:nvCxnSpPr>
-          <p:cNvPr id="42" name="Straight Connector 41">
-            <a:extLst>
-              <a:ext uri="{FF2B5EF4-FFF2-40B4-BE49-F238E27FC236}">
-                <a16:creationId xmlns:a16="http://schemas.microsoft.com/office/drawing/2014/main" id="{EF18CC85-95ED-3D44-BE29-B2B3F9476FAF}"/>
-              </a:ext>
-            </a:extLst>
-          </p:cNvPr>
-          <p:cNvCxnSpPr/>
-          <p:nvPr/>
-        </p:nvCxnSpPr>
-        <p:spPr>
-          <a:xfrm>
-            <a:off x="3350053" y="4504832"/>
-            <a:ext cx="0" cy="450913"/>
-          </a:xfrm>
-          <a:prstGeom prst="line">
-            <a:avLst/>
-          </a:prstGeom>
-        </p:spPr>
-        <p:style>
-          <a:lnRef idx="1">
-            <a:schemeClr val="accent1"/>
-          </a:lnRef>
-          <a:fillRef idx="0">
-            <a:schemeClr val="accent1"/>
-          </a:fillRef>
-          <a:effectRef idx="0">
-            <a:schemeClr val="accent1"/>
-          </a:effectRef>
-          <a:fontRef idx="minor">
-            <a:schemeClr val="tx1"/>
-          </a:fontRef>
-        </p:style>
-      </p:cxnSp>
     </p:spTree>
     <p:extLst>
       <p:ext uri="{BB962C8B-B14F-4D97-AF65-F5344CB8AC3E}">

--- a/presentation.pptx
+++ b/presentation.pptx
@@ -5,7 +5,7 @@
     <p:sldMasterId id="2147483648" r:id="rId1"/>
   </p:sldMasterIdLst>
   <p:notesMasterIdLst>
-    <p:notesMasterId r:id="rId18"/>
+    <p:notesMasterId r:id="rId19"/>
   </p:notesMasterIdLst>
   <p:sldIdLst>
     <p:sldId id="256" r:id="rId2"/>
@@ -20,10 +20,11 @@
     <p:sldId id="267" r:id="rId11"/>
     <p:sldId id="266" r:id="rId12"/>
     <p:sldId id="268" r:id="rId13"/>
-    <p:sldId id="271" r:id="rId14"/>
-    <p:sldId id="269" r:id="rId15"/>
-    <p:sldId id="270" r:id="rId16"/>
-    <p:sldId id="258" r:id="rId17"/>
+    <p:sldId id="272" r:id="rId14"/>
+    <p:sldId id="271" r:id="rId15"/>
+    <p:sldId id="269" r:id="rId16"/>
+    <p:sldId id="270" r:id="rId17"/>
+    <p:sldId id="258" r:id="rId18"/>
   </p:sldIdLst>
   <p:sldSz cx="9144000" cy="6858000" type="screen4x3"/>
   <p:notesSz cx="6858000" cy="9144000"/>
@@ -535,10 +536,6 @@
           <a:lstStyle/>
           <a:p>
             <a:pPr marL="0" algn="r" defTabSz="914400" rtl="1" eaLnBrk="1" latinLnBrk="0" hangingPunct="1"/>
-            <a:r>
-              <a:rPr lang="he-IL" dirty="0"/>
-              <a:t>אורך הגנום של האינדיבידואל הוא כמספר התאים הריקים שנשארו בלוח לאחר העיבוד המקדים</a:t>
-            </a:r>
             <a:endParaRPr lang="en-US" dirty="0"/>
           </a:p>
         </p:txBody>
@@ -560,7 +557,7 @@
           <a:p>
             <a:fld id="{71484194-BC9F-7343-A27E-E7872C54D571}" type="slidenum">
               <a:rPr lang="en-US" smtClean="0"/>
-              <a:t>6</a:t>
+              <a:t>4</a:t>
             </a:fld>
             <a:endParaRPr lang="en-US"/>
           </a:p>
@@ -569,7 +566,7 @@
     </p:spTree>
     <p:extLst>
       <p:ext uri="{BB962C8B-B14F-4D97-AF65-F5344CB8AC3E}">
-        <p14:creationId xmlns:p14="http://schemas.microsoft.com/office/powerpoint/2010/main" val="2506861147"/>
+        <p14:creationId xmlns:p14="http://schemas.microsoft.com/office/powerpoint/2010/main" val="2729872347"/>
       </p:ext>
     </p:extLst>
   </p:cSld>
@@ -626,21 +623,7 @@
             <a:pPr marL="0" algn="r" defTabSz="914400" rtl="1" eaLnBrk="1" latinLnBrk="0" hangingPunct="1"/>
             <a:r>
               <a:rPr lang="he-IL" dirty="0"/>
-              <a:t>הפיטנס כמספר התאים שנותרו חשוכים, בדוגמא להלן למשל הפיטנס הוא 2.</a:t>
-            </a:r>
-          </a:p>
-          <a:p>
-            <a:pPr marL="0" algn="r" defTabSz="914400" rtl="1" eaLnBrk="1" latinLnBrk="0" hangingPunct="1"/>
-            <a:r>
-              <a:rPr lang="he-IL" dirty="0"/>
-              <a:t>נרצה למזער את הפיטנס עד להגעה לפיטנס 0.</a:t>
-            </a:r>
-          </a:p>
-          <a:p>
-            <a:pPr marL="0" algn="r" defTabSz="914400" rtl="1" eaLnBrk="1" latinLnBrk="0" hangingPunct="1"/>
-            <a:r>
-              <a:rPr lang="he-IL" dirty="0"/>
-              <a:t>ניתן גם לתת ״קנס״ כלשהו על מקרים בהן יש נורה במקום לא חוקי (מתנגשת עם נורה אחרת), אך בשלב זה בחרנו שלא לממש ככה את פונקציית הפיטנס מהחשש להיתקע באופטימום לוקלי.</a:t>
+              <a:t>אורך הגנום של האינדיבידואל הוא כמספר התאים הריקים שנשארו בלוח לאחר העיבוד המקדים</a:t>
             </a:r>
             <a:endParaRPr lang="en-US" dirty="0"/>
           </a:p>
@@ -663,7 +646,7 @@
           <a:p>
             <a:fld id="{71484194-BC9F-7343-A27E-E7872C54D571}" type="slidenum">
               <a:rPr lang="en-US" smtClean="0"/>
-              <a:t>11</a:t>
+              <a:t>6</a:t>
             </a:fld>
             <a:endParaRPr lang="en-US"/>
           </a:p>
@@ -672,7 +655,7 @@
     </p:spTree>
     <p:extLst>
       <p:ext uri="{BB962C8B-B14F-4D97-AF65-F5344CB8AC3E}">
-        <p14:creationId xmlns:p14="http://schemas.microsoft.com/office/powerpoint/2010/main" val="2339948300"/>
+        <p14:creationId xmlns:p14="http://schemas.microsoft.com/office/powerpoint/2010/main" val="2506861147"/>
       </p:ext>
     </p:extLst>
   </p:cSld>
@@ -726,6 +709,109 @@
           <a:bodyPr/>
           <a:lstStyle/>
           <a:p>
+            <a:pPr marL="0" algn="r" defTabSz="914400" rtl="1" eaLnBrk="1" latinLnBrk="0" hangingPunct="1"/>
+            <a:r>
+              <a:rPr lang="he-IL" dirty="0"/>
+              <a:t>הפיטנס כמספר התאים שנותרו חשוכים, בדוגמא להלן למשל הפיטנס הוא 2.</a:t>
+            </a:r>
+          </a:p>
+          <a:p>
+            <a:pPr marL="0" algn="r" defTabSz="914400" rtl="1" eaLnBrk="1" latinLnBrk="0" hangingPunct="1"/>
+            <a:r>
+              <a:rPr lang="he-IL" dirty="0"/>
+              <a:t>נרצה למזער את הפיטנס עד להגעה לפיטנס 0.</a:t>
+            </a:r>
+          </a:p>
+          <a:p>
+            <a:pPr marL="0" algn="r" defTabSz="914400" rtl="1" eaLnBrk="1" latinLnBrk="0" hangingPunct="1"/>
+            <a:r>
+              <a:rPr lang="he-IL" dirty="0"/>
+              <a:t>ניתן גם לתת ״קנס״ כלשהו על מקרים בהן יש נורה במקום לא חוקי (מתנגשת עם נורה אחרת), אך בשלב זה בחרנו שלא לממש ככה את פונקציית הפיטנס מהחשש להיתקע באופטימום לוקלי.</a:t>
+            </a:r>
+            <a:endParaRPr lang="en-US" dirty="0"/>
+          </a:p>
+        </p:txBody>
+      </p:sp>
+      <p:sp>
+        <p:nvSpPr>
+          <p:cNvPr id="4" name="Slide Number Placeholder 3"/>
+          <p:cNvSpPr>
+            <a:spLocks noGrp="1"/>
+          </p:cNvSpPr>
+          <p:nvPr>
+            <p:ph type="sldNum" sz="quarter" idx="5"/>
+          </p:nvPr>
+        </p:nvSpPr>
+        <p:spPr/>
+        <p:txBody>
+          <a:bodyPr/>
+          <a:lstStyle/>
+          <a:p>
+            <a:fld id="{71484194-BC9F-7343-A27E-E7872C54D571}" type="slidenum">
+              <a:rPr lang="en-US" smtClean="0"/>
+              <a:t>11</a:t>
+            </a:fld>
+            <a:endParaRPr lang="en-US"/>
+          </a:p>
+        </p:txBody>
+      </p:sp>
+    </p:spTree>
+    <p:extLst>
+      <p:ext uri="{BB962C8B-B14F-4D97-AF65-F5344CB8AC3E}">
+        <p14:creationId xmlns:p14="http://schemas.microsoft.com/office/powerpoint/2010/main" val="2339948300"/>
+      </p:ext>
+    </p:extLst>
+  </p:cSld>
+  <p:clrMapOvr>
+    <a:masterClrMapping/>
+  </p:clrMapOvr>
+</p:notes>
+</file>
+
+<file path=ppt/notesSlides/notesSlide4.xml><?xml version="1.0" encoding="utf-8"?>
+<p:notes xmlns:a="http://schemas.openxmlformats.org/drawingml/2006/main" xmlns:r="http://schemas.openxmlformats.org/officeDocument/2006/relationships" xmlns:p="http://schemas.openxmlformats.org/presentationml/2006/main">
+  <p:cSld>
+    <p:spTree>
+      <p:nvGrpSpPr>
+        <p:cNvPr id="1" name=""/>
+        <p:cNvGrpSpPr/>
+        <p:nvPr/>
+      </p:nvGrpSpPr>
+      <p:grpSpPr>
+        <a:xfrm>
+          <a:off x="0" y="0"/>
+          <a:ext cx="0" cy="0"/>
+          <a:chOff x="0" y="0"/>
+          <a:chExt cx="0" cy="0"/>
+        </a:xfrm>
+      </p:grpSpPr>
+      <p:sp>
+        <p:nvSpPr>
+          <p:cNvPr id="2" name="Slide Image Placeholder 1"/>
+          <p:cNvSpPr>
+            <a:spLocks noGrp="1" noRot="1" noChangeAspect="1"/>
+          </p:cNvSpPr>
+          <p:nvPr>
+            <p:ph type="sldImg"/>
+          </p:nvPr>
+        </p:nvSpPr>
+        <p:spPr/>
+      </p:sp>
+      <p:sp>
+        <p:nvSpPr>
+          <p:cNvPr id="3" name="Notes Placeholder 2"/>
+          <p:cNvSpPr>
+            <a:spLocks noGrp="1"/>
+          </p:cNvSpPr>
+          <p:nvPr>
+            <p:ph type="body" idx="1"/>
+          </p:nvPr>
+        </p:nvSpPr>
+        <p:spPr/>
+        <p:txBody>
+          <a:bodyPr/>
+          <a:lstStyle/>
+          <a:p>
             <a:pPr marL="0" marR="0" lvl="0" indent="0" algn="r" defTabSz="914400" rtl="1" eaLnBrk="1" fontAlgn="auto" latinLnBrk="0" hangingPunct="1">
               <a:lnSpc>
                 <a:spcPct val="100000"/>
@@ -803,7 +889,7 @@
           <a:p>
             <a:fld id="{71484194-BC9F-7343-A27E-E7872C54D571}" type="slidenum">
               <a:rPr lang="en-US" smtClean="0"/>
-              <a:t>13</a:t>
+              <a:t>14</a:t>
             </a:fld>
             <a:endParaRPr lang="en-US"/>
           </a:p>
@@ -5645,7 +5731,7 @@
         <p:spPr>
           <a:xfrm>
             <a:off x="448965" y="2279590"/>
-            <a:ext cx="3268844" cy="646331"/>
+            <a:ext cx="4428445" cy="923330"/>
           </a:xfrm>
           <a:prstGeom prst="rect">
             <a:avLst/>
@@ -5653,7 +5739,7 @@
           <a:noFill/>
         </p:spPr>
         <p:txBody>
-          <a:bodyPr wrap="none" rtlCol="0">
+          <a:bodyPr wrap="square" rtlCol="0">
             <a:spAutoFit/>
           </a:bodyPr>
           <a:lstStyle/>
@@ -5664,7 +5750,7 @@
             </a:pPr>
             <a:r>
               <a:rPr lang="en-US" dirty="0"/>
-              <a:t>Fitness = number of dark cells</a:t>
+              <a:t>Fitness = number of cells which are not illuminated</a:t>
             </a:r>
           </a:p>
           <a:p>
@@ -5738,8 +5824,64 @@
                   <a:schemeClr val="bg1"/>
                 </a:solidFill>
               </a:rPr>
-              <a:t>Selection</a:t>
-            </a:r>
+              <a:t>Parent Selection</a:t>
+            </a:r>
+          </a:p>
+        </p:txBody>
+      </p:sp>
+      <p:sp>
+        <p:nvSpPr>
+          <p:cNvPr id="2" name="TextBox 1">
+            <a:extLst>
+              <a:ext uri="{FF2B5EF4-FFF2-40B4-BE49-F238E27FC236}">
+                <a16:creationId xmlns:a16="http://schemas.microsoft.com/office/drawing/2014/main" id="{4E8F7BB5-7579-0644-9EB4-81B3EAEDB4FC}"/>
+              </a:ext>
+            </a:extLst>
+          </p:cNvPr>
+          <p:cNvSpPr txBox="1"/>
+          <p:nvPr/>
+        </p:nvSpPr>
+        <p:spPr>
+          <a:xfrm>
+            <a:off x="296260" y="1901950"/>
+            <a:ext cx="8398775" cy="2031325"/>
+          </a:xfrm>
+          <a:prstGeom prst="rect">
+            <a:avLst/>
+          </a:prstGeom>
+          <a:noFill/>
+        </p:spPr>
+        <p:txBody>
+          <a:bodyPr wrap="square" rtlCol="0">
+            <a:spAutoFit/>
+          </a:bodyPr>
+          <a:lstStyle/>
+          <a:p>
+            <a:r>
+              <a:rPr lang="en-US" dirty="0"/>
+              <a:t>Initial Experiment: Keep the best 30% of the generation and use them for crossovers to create the new individuals</a:t>
+            </a:r>
+          </a:p>
+          <a:p>
+            <a:endParaRPr lang="en-US" dirty="0"/>
+          </a:p>
+          <a:p>
+            <a:r>
+              <a:rPr lang="en-US" dirty="0"/>
+              <a:t>Opt1: Choosing 2 completely random individuals.</a:t>
+            </a:r>
+          </a:p>
+          <a:p>
+            <a:endParaRPr lang="en-US" dirty="0"/>
+          </a:p>
+          <a:p>
+            <a:r>
+              <a:rPr lang="en-US" dirty="0"/>
+              <a:t>Opt2: Choosing 5 random individuals and select the best 2 for crossover.</a:t>
+            </a:r>
+          </a:p>
+          <a:p>
+            <a:endParaRPr lang="en-US" dirty="0"/>
           </a:p>
         </p:txBody>
       </p:sp>
@@ -5797,18 +5939,13 @@
           <a:p>
             <a:pPr algn="l"/>
             <a:r>
-              <a:rPr lang="he-IL" dirty="0">
+              <a:rPr lang="en-US" dirty="0">
                 <a:solidFill>
                   <a:schemeClr val="bg1"/>
                 </a:solidFill>
               </a:rPr>
-              <a:t>Lights Up Board Parser</a:t>
-            </a:r>
-            <a:endParaRPr lang="en-US" dirty="0">
-              <a:solidFill>
-                <a:schemeClr val="bg1"/>
-              </a:solidFill>
-            </a:endParaRPr>
+              <a:t>Survivor Selection</a:t>
+            </a:r>
           </a:p>
         </p:txBody>
       </p:sp>
@@ -5817,7 +5954,7 @@
           <p:cNvPr id="2" name="TextBox 1">
             <a:extLst>
               <a:ext uri="{FF2B5EF4-FFF2-40B4-BE49-F238E27FC236}">
-                <a16:creationId xmlns:a16="http://schemas.microsoft.com/office/drawing/2014/main" id="{4E192D78-C4B1-5C43-AA50-3A1B23804946}"/>
+                <a16:creationId xmlns:a16="http://schemas.microsoft.com/office/drawing/2014/main" id="{E139E741-17F8-1645-A62A-FB863FF16D2C}"/>
               </a:ext>
             </a:extLst>
           </p:cNvPr>
@@ -5826,8 +5963,8 @@
         </p:nvSpPr>
         <p:spPr>
           <a:xfrm>
-            <a:off x="296261" y="1901950"/>
-            <a:ext cx="8551480" cy="3108543"/>
+            <a:off x="597552" y="2512770"/>
+            <a:ext cx="6719020" cy="400110"/>
           </a:xfrm>
           <a:prstGeom prst="rect">
             <a:avLst/>
@@ -5841,51 +5978,8 @@
           <a:lstStyle/>
           <a:p>
             <a:r>
-              <a:rPr lang="en-US" sz="2800" dirty="0"/>
-              <a:t>Built a parser to download and store boards from:</a:t>
-            </a:r>
-          </a:p>
-          <a:p>
-            <a:r>
-              <a:rPr lang="en-US" sz="2800" dirty="0"/>
-              <a:t> </a:t>
-            </a:r>
-            <a:r>
-              <a:rPr lang="en-US" sz="2800" dirty="0">
-                <a:hlinkClick r:id="rId3"/>
-              </a:rPr>
-              <a:t>https://www.puzzle-light-up.com</a:t>
-            </a:r>
-            <a:endParaRPr lang="en-US" sz="2800" dirty="0"/>
-          </a:p>
-          <a:p>
-            <a:endParaRPr lang="en-US" sz="2800" dirty="0"/>
-          </a:p>
-          <a:p>
-            <a:pPr marL="285750" indent="-285750">
-              <a:buFont typeface="Arial" panose="020B0604020202020204" pitchFamily="34" charset="0"/>
-              <a:buChar char="•"/>
-            </a:pPr>
-            <a:r>
-              <a:rPr lang="en-US" sz="2800" dirty="0"/>
-              <a:t>Contains a variety of boards in different sizes from 7x7 to 25x25.</a:t>
-            </a:r>
-          </a:p>
-          <a:p>
-            <a:pPr marL="285750" indent="-285750">
-              <a:buFont typeface="Arial" panose="020B0604020202020204" pitchFamily="34" charset="0"/>
-              <a:buChar char="•"/>
-            </a:pPr>
-            <a:endParaRPr lang="en-US" sz="2800" dirty="0"/>
-          </a:p>
-          <a:p>
-            <a:pPr marL="285750" indent="-285750">
-              <a:buFont typeface="Arial" panose="020B0604020202020204" pitchFamily="34" charset="0"/>
-              <a:buChar char="•"/>
-            </a:pPr>
-            <a:r>
-              <a:rPr lang="en-US" sz="2800" dirty="0"/>
-              <a:t>Several difficulty levels from easy to hard.</a:t>
+              <a:rPr lang="en-US" sz="2000" dirty="0"/>
+              <a:t>The 10 best individuals get to live another day (or another run)</a:t>
             </a:r>
           </a:p>
         </p:txBody>
@@ -5893,7 +5987,7 @@
     </p:spTree>
     <p:extLst>
       <p:ext uri="{BB962C8B-B14F-4D97-AF65-F5344CB8AC3E}">
-        <p14:creationId xmlns:p14="http://schemas.microsoft.com/office/powerpoint/2010/main" val="1664302183"/>
+        <p14:creationId xmlns:p14="http://schemas.microsoft.com/office/powerpoint/2010/main" val="1208007282"/>
       </p:ext>
     </p:extLst>
   </p:cSld>
@@ -5932,7 +6026,7 @@
         </p:nvSpPr>
         <p:spPr>
           <a:xfrm>
-            <a:off x="296260" y="374900"/>
+            <a:off x="448965" y="374900"/>
             <a:ext cx="7016195" cy="610820"/>
           </a:xfrm>
         </p:spPr>
@@ -5944,12 +6038,95 @@
           <a:p>
             <a:pPr algn="l"/>
             <a:r>
-              <a:rPr lang="en-US" dirty="0">
+              <a:rPr lang="he-IL" dirty="0">
                 <a:solidFill>
                   <a:schemeClr val="bg1"/>
                 </a:solidFill>
               </a:rPr>
-              <a:t>Experiment Parameters</a:t>
+              <a:t>Lights Up Board Parser</a:t>
+            </a:r>
+            <a:endParaRPr lang="en-US" dirty="0">
+              <a:solidFill>
+                <a:schemeClr val="bg1"/>
+              </a:solidFill>
+            </a:endParaRPr>
+          </a:p>
+        </p:txBody>
+      </p:sp>
+      <p:sp>
+        <p:nvSpPr>
+          <p:cNvPr id="2" name="TextBox 1">
+            <a:extLst>
+              <a:ext uri="{FF2B5EF4-FFF2-40B4-BE49-F238E27FC236}">
+                <a16:creationId xmlns:a16="http://schemas.microsoft.com/office/drawing/2014/main" id="{4E192D78-C4B1-5C43-AA50-3A1B23804946}"/>
+              </a:ext>
+            </a:extLst>
+          </p:cNvPr>
+          <p:cNvSpPr txBox="1"/>
+          <p:nvPr/>
+        </p:nvSpPr>
+        <p:spPr>
+          <a:xfrm>
+            <a:off x="296261" y="1901950"/>
+            <a:ext cx="8551480" cy="3108543"/>
+          </a:xfrm>
+          <a:prstGeom prst="rect">
+            <a:avLst/>
+          </a:prstGeom>
+          <a:noFill/>
+        </p:spPr>
+        <p:txBody>
+          <a:bodyPr wrap="square" rtlCol="0">
+            <a:spAutoFit/>
+          </a:bodyPr>
+          <a:lstStyle/>
+          <a:p>
+            <a:r>
+              <a:rPr lang="en-US" sz="2800" dirty="0"/>
+              <a:t>Built a parser to download and store boards from:</a:t>
+            </a:r>
+          </a:p>
+          <a:p>
+            <a:r>
+              <a:rPr lang="en-US" sz="2800" dirty="0"/>
+              <a:t> </a:t>
+            </a:r>
+            <a:r>
+              <a:rPr lang="en-US" sz="2800" dirty="0">
+                <a:hlinkClick r:id="rId3"/>
+              </a:rPr>
+              <a:t>https://www.puzzle-light-up.com</a:t>
+            </a:r>
+            <a:endParaRPr lang="en-US" sz="2800" dirty="0"/>
+          </a:p>
+          <a:p>
+            <a:endParaRPr lang="en-US" sz="2800" dirty="0"/>
+          </a:p>
+          <a:p>
+            <a:pPr marL="285750" indent="-285750">
+              <a:buFont typeface="Arial" panose="020B0604020202020204" pitchFamily="34" charset="0"/>
+              <a:buChar char="•"/>
+            </a:pPr>
+            <a:r>
+              <a:rPr lang="en-US" sz="2800" dirty="0"/>
+              <a:t>Contains a variety of boards in different sizes of 7x7, 14x14 and 25x25.</a:t>
+            </a:r>
+          </a:p>
+          <a:p>
+            <a:pPr marL="285750" indent="-285750">
+              <a:buFont typeface="Arial" panose="020B0604020202020204" pitchFamily="34" charset="0"/>
+              <a:buChar char="•"/>
+            </a:pPr>
+            <a:endParaRPr lang="en-US" sz="2800" dirty="0"/>
+          </a:p>
+          <a:p>
+            <a:pPr marL="285750" indent="-285750">
+              <a:buFont typeface="Arial" panose="020B0604020202020204" pitchFamily="34" charset="0"/>
+              <a:buChar char="•"/>
+            </a:pPr>
+            <a:r>
+              <a:rPr lang="en-US" sz="2800" dirty="0"/>
+              <a:t>Several difficulty levels from easy to hard.</a:t>
             </a:r>
           </a:p>
         </p:txBody>
@@ -5957,7 +6134,7 @@
     </p:spTree>
     <p:extLst>
       <p:ext uri="{BB962C8B-B14F-4D97-AF65-F5344CB8AC3E}">
-        <p14:creationId xmlns:p14="http://schemas.microsoft.com/office/powerpoint/2010/main" val="1396967419"/>
+        <p14:creationId xmlns:p14="http://schemas.microsoft.com/office/powerpoint/2010/main" val="1664302183"/>
       </p:ext>
     </p:extLst>
   </p:cSld>
@@ -6013,6 +6190,70 @@
                   <a:schemeClr val="bg1"/>
                 </a:solidFill>
               </a:rPr>
+              <a:t>Experiment Parameters</a:t>
+            </a:r>
+          </a:p>
+        </p:txBody>
+      </p:sp>
+    </p:spTree>
+    <p:extLst>
+      <p:ext uri="{BB962C8B-B14F-4D97-AF65-F5344CB8AC3E}">
+        <p14:creationId xmlns:p14="http://schemas.microsoft.com/office/powerpoint/2010/main" val="1396967419"/>
+      </p:ext>
+    </p:extLst>
+  </p:cSld>
+  <p:clrMapOvr>
+    <a:masterClrMapping/>
+  </p:clrMapOvr>
+</p:sld>
+</file>
+
+<file path=ppt/slides/slide16.xml><?xml version="1.0" encoding="utf-8"?>
+<p:sld xmlns:a="http://schemas.openxmlformats.org/drawingml/2006/main" xmlns:r="http://schemas.openxmlformats.org/officeDocument/2006/relationships" xmlns:p="http://schemas.openxmlformats.org/presentationml/2006/main">
+  <p:cSld>
+    <p:spTree>
+      <p:nvGrpSpPr>
+        <p:cNvPr id="1" name=""/>
+        <p:cNvGrpSpPr/>
+        <p:nvPr/>
+      </p:nvGrpSpPr>
+      <p:grpSpPr>
+        <a:xfrm>
+          <a:off x="0" y="0"/>
+          <a:ext cx="0" cy="0"/>
+          <a:chOff x="0" y="0"/>
+          <a:chExt cx="0" cy="0"/>
+        </a:xfrm>
+      </p:grpSpPr>
+      <p:sp>
+        <p:nvSpPr>
+          <p:cNvPr id="4" name="Title 3"/>
+          <p:cNvSpPr>
+            <a:spLocks noGrp="1"/>
+          </p:cNvSpPr>
+          <p:nvPr>
+            <p:ph type="title"/>
+          </p:nvPr>
+        </p:nvSpPr>
+        <p:spPr>
+          <a:xfrm>
+            <a:off x="296260" y="374900"/>
+            <a:ext cx="7016195" cy="610820"/>
+          </a:xfrm>
+        </p:spPr>
+        <p:txBody>
+          <a:bodyPr>
+            <a:normAutofit fontScale="90000"/>
+          </a:bodyPr>
+          <a:lstStyle/>
+          <a:p>
+            <a:pPr algn="l"/>
+            <a:r>
+              <a:rPr lang="en-US" dirty="0">
+                <a:solidFill>
+                  <a:schemeClr val="bg1"/>
+                </a:solidFill>
+              </a:rPr>
               <a:t>Initial Results</a:t>
             </a:r>
           </a:p>
@@ -6031,7 +6272,7 @@
 </p:sld>
 </file>
 
-<file path=ppt/slides/slide16.xml><?xml version="1.0" encoding="utf-8"?>
+<file path=ppt/slides/slide17.xml><?xml version="1.0" encoding="utf-8"?>
 <p:sld xmlns:a="http://schemas.openxmlformats.org/drawingml/2006/main" xmlns:r="http://schemas.openxmlformats.org/officeDocument/2006/relationships" xmlns:p="http://schemas.openxmlformats.org/presentationml/2006/main">
   <p:cSld>
     <p:spTree>
@@ -7090,7 +7331,7 @@
                 <a:ext cx="8229600" cy="3918803"/>
               </a:xfrm>
               <a:blipFill>
-                <a:blip r:embed="rId2"/>
+                <a:blip r:embed="rId3"/>
                 <a:stretch>
                   <a:fillRect l="-1233" t="-1942"/>
                 </a:stretch>

--- a/presentation.pptx
+++ b/presentation.pptx
@@ -769,6 +769,90 @@
 </file>
 
 <file path=ppt/notesSlides/notesSlide4.xml><?xml version="1.0" encoding="utf-8"?>
+<p:notes xmlns:a="http://schemas.openxmlformats.org/drawingml/2006/main" xmlns:r="http://schemas.openxmlformats.org/officeDocument/2006/relationships" xmlns:p="http://schemas.openxmlformats.org/presentationml/2006/main">
+  <p:cSld>
+    <p:spTree>
+      <p:nvGrpSpPr>
+        <p:cNvPr id="1" name=""/>
+        <p:cNvGrpSpPr/>
+        <p:nvPr/>
+      </p:nvGrpSpPr>
+      <p:grpSpPr>
+        <a:xfrm>
+          <a:off x="0" y="0"/>
+          <a:ext cx="0" cy="0"/>
+          <a:chOff x="0" y="0"/>
+          <a:chExt cx="0" cy="0"/>
+        </a:xfrm>
+      </p:grpSpPr>
+      <p:sp>
+        <p:nvSpPr>
+          <p:cNvPr id="2" name="Slide Image Placeholder 1"/>
+          <p:cNvSpPr>
+            <a:spLocks noGrp="1" noRot="1" noChangeAspect="1"/>
+          </p:cNvSpPr>
+          <p:nvPr>
+            <p:ph type="sldImg"/>
+          </p:nvPr>
+        </p:nvSpPr>
+        <p:spPr/>
+      </p:sp>
+      <p:sp>
+        <p:nvSpPr>
+          <p:cNvPr id="3" name="Notes Placeholder 2"/>
+          <p:cNvSpPr>
+            <a:spLocks noGrp="1"/>
+          </p:cNvSpPr>
+          <p:nvPr>
+            <p:ph type="body" idx="1"/>
+          </p:nvPr>
+        </p:nvSpPr>
+        <p:spPr/>
+        <p:txBody>
+          <a:bodyPr/>
+          <a:lstStyle/>
+          <a:p>
+            <a:endParaRPr lang="en-US" dirty="0"/>
+          </a:p>
+        </p:txBody>
+      </p:sp>
+      <p:sp>
+        <p:nvSpPr>
+          <p:cNvPr id="4" name="Slide Number Placeholder 3"/>
+          <p:cNvSpPr>
+            <a:spLocks noGrp="1"/>
+          </p:cNvSpPr>
+          <p:nvPr>
+            <p:ph type="sldNum" sz="quarter" idx="5"/>
+          </p:nvPr>
+        </p:nvSpPr>
+        <p:spPr/>
+        <p:txBody>
+          <a:bodyPr/>
+          <a:lstStyle/>
+          <a:p>
+            <a:fld id="{71484194-BC9F-7343-A27E-E7872C54D571}" type="slidenum">
+              <a:rPr lang="en-US" smtClean="0"/>
+              <a:t>13</a:t>
+            </a:fld>
+            <a:endParaRPr lang="en-US"/>
+          </a:p>
+        </p:txBody>
+      </p:sp>
+    </p:spTree>
+    <p:extLst>
+      <p:ext uri="{BB962C8B-B14F-4D97-AF65-F5344CB8AC3E}">
+        <p14:creationId xmlns:p14="http://schemas.microsoft.com/office/powerpoint/2010/main" val="1663303073"/>
+      </p:ext>
+    </p:extLst>
+  </p:cSld>
+  <p:clrMapOvr>
+    <a:masterClrMapping/>
+  </p:clrMapOvr>
+</p:notes>
+</file>
+
+<file path=ppt/notesSlides/notesSlide5.xml><?xml version="1.0" encoding="utf-8"?>
 <p:notes xmlns:a="http://schemas.openxmlformats.org/drawingml/2006/main" xmlns:r="http://schemas.openxmlformats.org/officeDocument/2006/relationships" xmlns:p="http://schemas.openxmlformats.org/presentationml/2006/main">
   <p:cSld>
     <p:spTree>
@@ -6195,6 +6279,294 @@
           </a:p>
         </p:txBody>
       </p:sp>
+      <p:graphicFrame>
+        <p:nvGraphicFramePr>
+          <p:cNvPr id="2" name="Table 1">
+            <a:extLst>
+              <a:ext uri="{FF2B5EF4-FFF2-40B4-BE49-F238E27FC236}">
+                <a16:creationId xmlns:a16="http://schemas.microsoft.com/office/drawing/2014/main" id="{86EC6377-B1ED-E148-8E47-8DEB9090C413}"/>
+              </a:ext>
+            </a:extLst>
+          </p:cNvPr>
+          <p:cNvGraphicFramePr>
+            <a:graphicFrameLocks noGrp="1"/>
+          </p:cNvGraphicFramePr>
+          <p:nvPr>
+            <p:extLst>
+              <p:ext uri="{D42A27DB-BD31-4B8C-83A1-F6EECF244321}">
+                <p14:modId xmlns:p14="http://schemas.microsoft.com/office/powerpoint/2010/main" val="182535157"/>
+              </p:ext>
+            </p:extLst>
+          </p:nvPr>
+        </p:nvGraphicFramePr>
+        <p:xfrm>
+          <a:off x="754375" y="2054656"/>
+          <a:ext cx="7482546" cy="3817627"/>
+        </p:xfrm>
+        <a:graphic>
+          <a:graphicData uri="http://schemas.openxmlformats.org/drawingml/2006/table">
+            <a:tbl>
+              <a:tblPr firstRow="1" bandRow="1">
+                <a:tableStyleId>{21E4AEA4-8DFA-4A89-87EB-49C32662AFE0}</a:tableStyleId>
+              </a:tblPr>
+              <a:tblGrid>
+                <a:gridCol w="3741273">
+                  <a:extLst>
+                    <a:ext uri="{9D8B030D-6E8A-4147-A177-3AD203B41FA5}">
+                      <a16:colId xmlns:a16="http://schemas.microsoft.com/office/drawing/2014/main" val="3691351954"/>
+                    </a:ext>
+                  </a:extLst>
+                </a:gridCol>
+                <a:gridCol w="3741273">
+                  <a:extLst>
+                    <a:ext uri="{9D8B030D-6E8A-4147-A177-3AD203B41FA5}">
+                      <a16:colId xmlns:a16="http://schemas.microsoft.com/office/drawing/2014/main" val="1813416962"/>
+                    </a:ext>
+                  </a:extLst>
+                </a:gridCol>
+              </a:tblGrid>
+              <a:tr h="471473">
+                <a:tc>
+                  <a:txBody>
+                    <a:bodyPr/>
+                    <a:lstStyle/>
+                    <a:p>
+                      <a:pPr algn="ctr"/>
+                      <a:r>
+                        <a:rPr lang="en-US" dirty="0"/>
+                        <a:t>Parameter</a:t>
+                      </a:r>
+                    </a:p>
+                  </a:txBody>
+                  <a:tcPr anchor="ctr"/>
+                </a:tc>
+                <a:tc>
+                  <a:txBody>
+                    <a:bodyPr/>
+                    <a:lstStyle/>
+                    <a:p>
+                      <a:pPr algn="ctr"/>
+                      <a:r>
+                        <a:rPr lang="en-US" dirty="0"/>
+                        <a:t>Value</a:t>
+                      </a:r>
+                    </a:p>
+                  </a:txBody>
+                  <a:tcPr anchor="ctr"/>
+                </a:tc>
+                <a:extLst>
+                  <a:ext uri="{0D108BD9-81ED-4DB2-BD59-A6C34878D82A}">
+                    <a16:rowId xmlns:a16="http://schemas.microsoft.com/office/drawing/2014/main" val="675073070"/>
+                  </a:ext>
+                </a:extLst>
+              </a:tr>
+              <a:tr h="478022">
+                <a:tc>
+                  <a:txBody>
+                    <a:bodyPr/>
+                    <a:lstStyle/>
+                    <a:p>
+                      <a:pPr algn="ctr"/>
+                      <a:endParaRPr lang="en-US" dirty="0"/>
+                    </a:p>
+                  </a:txBody>
+                  <a:tcPr anchor="ctr"/>
+                </a:tc>
+                <a:tc>
+                  <a:txBody>
+                    <a:bodyPr/>
+                    <a:lstStyle/>
+                    <a:p>
+                      <a:pPr algn="ctr"/>
+                      <a:endParaRPr lang="en-US"/>
+                    </a:p>
+                  </a:txBody>
+                  <a:tcPr anchor="ctr"/>
+                </a:tc>
+                <a:extLst>
+                  <a:ext uri="{0D108BD9-81ED-4DB2-BD59-A6C34878D82A}">
+                    <a16:rowId xmlns:a16="http://schemas.microsoft.com/office/drawing/2014/main" val="4188733316"/>
+                  </a:ext>
+                </a:extLst>
+              </a:tr>
+              <a:tr h="478022">
+                <a:tc>
+                  <a:txBody>
+                    <a:bodyPr/>
+                    <a:lstStyle/>
+                    <a:p>
+                      <a:pPr algn="ctr"/>
+                      <a:endParaRPr lang="en-US" dirty="0"/>
+                    </a:p>
+                  </a:txBody>
+                  <a:tcPr anchor="ctr"/>
+                </a:tc>
+                <a:tc>
+                  <a:txBody>
+                    <a:bodyPr/>
+                    <a:lstStyle/>
+                    <a:p>
+                      <a:pPr algn="ctr"/>
+                      <a:endParaRPr lang="en-US"/>
+                    </a:p>
+                  </a:txBody>
+                  <a:tcPr anchor="ctr"/>
+                </a:tc>
+                <a:extLst>
+                  <a:ext uri="{0D108BD9-81ED-4DB2-BD59-A6C34878D82A}">
+                    <a16:rowId xmlns:a16="http://schemas.microsoft.com/office/drawing/2014/main" val="2771147056"/>
+                  </a:ext>
+                </a:extLst>
+              </a:tr>
+              <a:tr h="478022">
+                <a:tc>
+                  <a:txBody>
+                    <a:bodyPr/>
+                    <a:lstStyle/>
+                    <a:p>
+                      <a:pPr algn="ctr"/>
+                      <a:endParaRPr lang="en-US" dirty="0"/>
+                    </a:p>
+                  </a:txBody>
+                  <a:tcPr anchor="ctr"/>
+                </a:tc>
+                <a:tc>
+                  <a:txBody>
+                    <a:bodyPr/>
+                    <a:lstStyle/>
+                    <a:p>
+                      <a:pPr algn="ctr"/>
+                      <a:endParaRPr lang="en-US"/>
+                    </a:p>
+                  </a:txBody>
+                  <a:tcPr anchor="ctr"/>
+                </a:tc>
+                <a:extLst>
+                  <a:ext uri="{0D108BD9-81ED-4DB2-BD59-A6C34878D82A}">
+                    <a16:rowId xmlns:a16="http://schemas.microsoft.com/office/drawing/2014/main" val="2179791702"/>
+                  </a:ext>
+                </a:extLst>
+              </a:tr>
+              <a:tr h="478022">
+                <a:tc>
+                  <a:txBody>
+                    <a:bodyPr/>
+                    <a:lstStyle/>
+                    <a:p>
+                      <a:pPr algn="ctr"/>
+                      <a:endParaRPr lang="en-US" dirty="0"/>
+                    </a:p>
+                  </a:txBody>
+                  <a:tcPr anchor="ctr"/>
+                </a:tc>
+                <a:tc>
+                  <a:txBody>
+                    <a:bodyPr/>
+                    <a:lstStyle/>
+                    <a:p>
+                      <a:pPr algn="ctr"/>
+                      <a:endParaRPr lang="en-US"/>
+                    </a:p>
+                  </a:txBody>
+                  <a:tcPr anchor="ctr"/>
+                </a:tc>
+                <a:extLst>
+                  <a:ext uri="{0D108BD9-81ED-4DB2-BD59-A6C34878D82A}">
+                    <a16:rowId xmlns:a16="http://schemas.microsoft.com/office/drawing/2014/main" val="2315914286"/>
+                  </a:ext>
+                </a:extLst>
+              </a:tr>
+              <a:tr h="478022">
+                <a:tc>
+                  <a:txBody>
+                    <a:bodyPr/>
+                    <a:lstStyle/>
+                    <a:p>
+                      <a:pPr algn="ctr"/>
+                      <a:endParaRPr lang="en-US" dirty="0"/>
+                    </a:p>
+                  </a:txBody>
+                  <a:tcPr anchor="ctr"/>
+                </a:tc>
+                <a:tc>
+                  <a:txBody>
+                    <a:bodyPr/>
+                    <a:lstStyle/>
+                    <a:p>
+                      <a:pPr algn="ctr"/>
+                      <a:endParaRPr lang="en-US" dirty="0"/>
+                    </a:p>
+                  </a:txBody>
+                  <a:tcPr anchor="ctr"/>
+                </a:tc>
+                <a:extLst>
+                  <a:ext uri="{0D108BD9-81ED-4DB2-BD59-A6C34878D82A}">
+                    <a16:rowId xmlns:a16="http://schemas.microsoft.com/office/drawing/2014/main" val="1983404864"/>
+                  </a:ext>
+                </a:extLst>
+              </a:tr>
+              <a:tr h="478022">
+                <a:tc>
+                  <a:txBody>
+                    <a:bodyPr/>
+                    <a:lstStyle/>
+                    <a:p>
+                      <a:pPr algn="ctr"/>
+                      <a:endParaRPr lang="en-US"/>
+                    </a:p>
+                  </a:txBody>
+                  <a:tcPr anchor="ctr"/>
+                </a:tc>
+                <a:tc>
+                  <a:txBody>
+                    <a:bodyPr/>
+                    <a:lstStyle/>
+                    <a:p>
+                      <a:pPr algn="ctr"/>
+                      <a:endParaRPr lang="en-US" dirty="0"/>
+                    </a:p>
+                  </a:txBody>
+                  <a:tcPr anchor="ctr"/>
+                </a:tc>
+                <a:extLst>
+                  <a:ext uri="{0D108BD9-81ED-4DB2-BD59-A6C34878D82A}">
+                    <a16:rowId xmlns:a16="http://schemas.microsoft.com/office/drawing/2014/main" val="3391333492"/>
+                  </a:ext>
+                </a:extLst>
+              </a:tr>
+              <a:tr h="478022">
+                <a:tc>
+                  <a:txBody>
+                    <a:bodyPr/>
+                    <a:lstStyle/>
+                    <a:p>
+                      <a:pPr algn="ctr"/>
+                      <a:endParaRPr lang="en-US"/>
+                    </a:p>
+                  </a:txBody>
+                  <a:tcPr anchor="ctr"/>
+                </a:tc>
+                <a:tc>
+                  <a:txBody>
+                    <a:bodyPr/>
+                    <a:lstStyle/>
+                    <a:p>
+                      <a:pPr algn="ctr"/>
+                      <a:endParaRPr lang="en-US" dirty="0"/>
+                    </a:p>
+                  </a:txBody>
+                  <a:tcPr anchor="ctr"/>
+                </a:tc>
+                <a:extLst>
+                  <a:ext uri="{0D108BD9-81ED-4DB2-BD59-A6C34878D82A}">
+                    <a16:rowId xmlns:a16="http://schemas.microsoft.com/office/drawing/2014/main" val="444731229"/>
+                  </a:ext>
+                </a:extLst>
+              </a:tr>
+            </a:tbl>
+          </a:graphicData>
+        </a:graphic>
+      </p:graphicFrame>
     </p:spTree>
     <p:extLst>
       <p:ext uri="{BB962C8B-B14F-4D97-AF65-F5344CB8AC3E}">

--- a/presentation.pptx
+++ b/presentation.pptx
@@ -224,7 +224,7 @@
           <a:p>
             <a:fld id="{44D4E04F-6EBF-3F45-9EBD-8699805166B8}" type="datetimeFigureOut">
               <a:rPr lang="en-US" smtClean="0"/>
-              <a:t>1/17/19</a:t>
+              <a:t>1/22/19</a:t>
             </a:fld>
             <a:endParaRPr lang="en-US"/>
           </a:p>
@@ -992,6 +992,93 @@
 </p:notes>
 </file>
 
+<file path=ppt/notesSlides/notesSlide6.xml><?xml version="1.0" encoding="utf-8"?>
+<p:notes xmlns:a="http://schemas.openxmlformats.org/drawingml/2006/main" xmlns:r="http://schemas.openxmlformats.org/officeDocument/2006/relationships" xmlns:p="http://schemas.openxmlformats.org/presentationml/2006/main">
+  <p:cSld>
+    <p:spTree>
+      <p:nvGrpSpPr>
+        <p:cNvPr id="1" name=""/>
+        <p:cNvGrpSpPr/>
+        <p:nvPr/>
+      </p:nvGrpSpPr>
+      <p:grpSpPr>
+        <a:xfrm>
+          <a:off x="0" y="0"/>
+          <a:ext cx="0" cy="0"/>
+          <a:chOff x="0" y="0"/>
+          <a:chExt cx="0" cy="0"/>
+        </a:xfrm>
+      </p:grpSpPr>
+      <p:sp>
+        <p:nvSpPr>
+          <p:cNvPr id="2" name="Slide Image Placeholder 1"/>
+          <p:cNvSpPr>
+            <a:spLocks noGrp="1" noRot="1" noChangeAspect="1"/>
+          </p:cNvSpPr>
+          <p:nvPr>
+            <p:ph type="sldImg"/>
+          </p:nvPr>
+        </p:nvSpPr>
+        <p:spPr/>
+      </p:sp>
+      <p:sp>
+        <p:nvSpPr>
+          <p:cNvPr id="3" name="Notes Placeholder 2"/>
+          <p:cNvSpPr>
+            <a:spLocks noGrp="1"/>
+          </p:cNvSpPr>
+          <p:nvPr>
+            <p:ph type="body" idx="1"/>
+          </p:nvPr>
+        </p:nvSpPr>
+        <p:spPr/>
+        <p:txBody>
+          <a:bodyPr/>
+          <a:lstStyle/>
+          <a:p>
+            <a:r>
+              <a:rPr lang="en-US" dirty="0"/>
+              <a:t>Future work – add fresh blood</a:t>
+            </a:r>
+          </a:p>
+        </p:txBody>
+      </p:sp>
+      <p:sp>
+        <p:nvSpPr>
+          <p:cNvPr id="4" name="Slide Number Placeholder 3"/>
+          <p:cNvSpPr>
+            <a:spLocks noGrp="1"/>
+          </p:cNvSpPr>
+          <p:nvPr>
+            <p:ph type="sldNum" sz="quarter" idx="5"/>
+          </p:nvPr>
+        </p:nvSpPr>
+        <p:spPr/>
+        <p:txBody>
+          <a:bodyPr/>
+          <a:lstStyle/>
+          <a:p>
+            <a:fld id="{71484194-BC9F-7343-A27E-E7872C54D571}" type="slidenum">
+              <a:rPr lang="en-US" smtClean="0"/>
+              <a:t>17</a:t>
+            </a:fld>
+            <a:endParaRPr lang="en-US"/>
+          </a:p>
+        </p:txBody>
+      </p:sp>
+    </p:spTree>
+    <p:extLst>
+      <p:ext uri="{BB962C8B-B14F-4D97-AF65-F5344CB8AC3E}">
+        <p14:creationId xmlns:p14="http://schemas.microsoft.com/office/powerpoint/2010/main" val="736478375"/>
+      </p:ext>
+    </p:extLst>
+  </p:cSld>
+  <p:clrMapOvr>
+    <a:masterClrMapping/>
+  </p:clrMapOvr>
+</p:notes>
+</file>
+
 <file path=ppt/slideLayouts/slideLayout1.xml><?xml version="1.0" encoding="utf-8"?>
 <p:sldLayout xmlns:a="http://schemas.openxmlformats.org/drawingml/2006/main" xmlns:r="http://schemas.openxmlformats.org/officeDocument/2006/relationships" xmlns:p="http://schemas.openxmlformats.org/presentationml/2006/main" type="title" preserve="1">
   <p:cSld name="Title Slide">
@@ -1204,7 +1291,7 @@
             <a:fld id="{53074F12-AA26-4AC8-9962-C36BB8F32554}" type="datetimeFigureOut">
               <a:rPr lang="en-US" smtClean="0"/>
               <a:pPr/>
-              <a:t>1/17/19</a:t>
+              <a:t>1/22/19</a:t>
             </a:fld>
             <a:endParaRPr lang="en-US"/>
           </a:p>
@@ -1458,7 +1545,7 @@
             <a:fld id="{53074F12-AA26-4AC8-9962-C36BB8F32554}" type="datetimeFigureOut">
               <a:rPr lang="en-US" smtClean="0"/>
               <a:pPr/>
-              <a:t>1/17/19</a:t>
+              <a:t>1/22/19</a:t>
             </a:fld>
             <a:endParaRPr lang="en-US"/>
           </a:p>
@@ -1628,7 +1715,7 @@
             <a:fld id="{53074F12-AA26-4AC8-9962-C36BB8F32554}" type="datetimeFigureOut">
               <a:rPr lang="en-US" smtClean="0"/>
               <a:pPr/>
-              <a:t>1/17/19</a:t>
+              <a:t>1/22/19</a:t>
             </a:fld>
             <a:endParaRPr lang="en-US"/>
           </a:p>
@@ -1808,7 +1895,7 @@
             <a:fld id="{53074F12-AA26-4AC8-9962-C36BB8F32554}" type="datetimeFigureOut">
               <a:rPr lang="en-US" smtClean="0"/>
               <a:pPr/>
-              <a:t>1/17/19</a:t>
+              <a:t>1/22/19</a:t>
             </a:fld>
             <a:endParaRPr lang="en-US"/>
           </a:p>
@@ -2042,7 +2129,7 @@
             <a:fld id="{53074F12-AA26-4AC8-9962-C36BB8F32554}" type="datetimeFigureOut">
               <a:rPr lang="en-US" smtClean="0"/>
               <a:pPr/>
-              <a:t>1/17/19</a:t>
+              <a:t>1/22/19</a:t>
             </a:fld>
             <a:endParaRPr lang="en-US"/>
           </a:p>
@@ -2278,7 +2365,7 @@
             <a:fld id="{53074F12-AA26-4AC8-9962-C36BB8F32554}" type="datetimeFigureOut">
               <a:rPr lang="en-US" smtClean="0"/>
               <a:pPr/>
-              <a:t>1/17/19</a:t>
+              <a:t>1/22/19</a:t>
             </a:fld>
             <a:endParaRPr lang="en-US"/>
           </a:p>
@@ -2525,7 +2612,7 @@
             <a:fld id="{53074F12-AA26-4AC8-9962-C36BB8F32554}" type="datetimeFigureOut">
               <a:rPr lang="en-US" smtClean="0"/>
               <a:pPr/>
-              <a:t>1/17/19</a:t>
+              <a:t>1/22/19</a:t>
             </a:fld>
             <a:endParaRPr lang="en-US"/>
           </a:p>
@@ -2812,7 +2899,7 @@
             <a:fld id="{53074F12-AA26-4AC8-9962-C36BB8F32554}" type="datetimeFigureOut">
               <a:rPr lang="en-US" smtClean="0"/>
               <a:pPr/>
-              <a:t>1/17/19</a:t>
+              <a:t>1/22/19</a:t>
             </a:fld>
             <a:endParaRPr lang="en-US"/>
           </a:p>
@@ -3312,7 +3399,7 @@
             <a:fld id="{53074F12-AA26-4AC8-9962-C36BB8F32554}" type="datetimeFigureOut">
               <a:rPr lang="en-US" smtClean="0"/>
               <a:pPr/>
-              <a:t>1/17/19</a:t>
+              <a:t>1/22/19</a:t>
             </a:fld>
             <a:endParaRPr lang="en-US"/>
           </a:p>
@@ -3431,7 +3518,7 @@
             <a:fld id="{53074F12-AA26-4AC8-9962-C36BB8F32554}" type="datetimeFigureOut">
               <a:rPr lang="en-US" smtClean="0"/>
               <a:pPr/>
-              <a:t>1/17/19</a:t>
+              <a:t>1/22/19</a:t>
             </a:fld>
             <a:endParaRPr lang="en-US"/>
           </a:p>
@@ -3528,7 +3615,7 @@
             <a:fld id="{53074F12-AA26-4AC8-9962-C36BB8F32554}" type="datetimeFigureOut">
               <a:rPr lang="en-US" smtClean="0"/>
               <a:pPr/>
-              <a:t>1/17/19</a:t>
+              <a:t>1/22/19</a:t>
             </a:fld>
             <a:endParaRPr lang="en-US"/>
           </a:p>
@@ -3805,7 +3892,7 @@
             <a:fld id="{53074F12-AA26-4AC8-9962-C36BB8F32554}" type="datetimeFigureOut">
               <a:rPr lang="en-US" smtClean="0"/>
               <a:pPr/>
-              <a:t>1/17/19</a:t>
+              <a:t>1/22/19</a:t>
             </a:fld>
             <a:endParaRPr lang="en-US"/>
           </a:p>
@@ -4027,7 +4114,7 @@
             <a:fld id="{53074F12-AA26-4AC8-9962-C36BB8F32554}" type="datetimeFigureOut">
               <a:rPr lang="en-US" smtClean="0"/>
               <a:pPr/>
-              <a:t>1/17/19</a:t>
+              <a:t>1/22/19</a:t>
             </a:fld>
             <a:endParaRPr lang="en-US"/>
           </a:p>
@@ -6551,7 +6638,7 @@
                     <a:bodyPr/>
                     <a:lstStyle/>
                     <a:p>
-                      <a:pPr algn="ctr"/>
+                      <a:pPr marL="0" algn="ctr" defTabSz="914400" rtl="0" eaLnBrk="1" latinLnBrk="0" hangingPunct="1"/>
                       <a:endParaRPr lang="en-US" dirty="0"/>
                     </a:p>
                   </a:txBody>
@@ -6680,7 +6767,7 @@
           <a:p>
             <a:r>
               <a:rPr lang="en-US" dirty="0"/>
-              <a:t>Slide Title</a:t>
+              <a:t>Future Work</a:t>
             </a:r>
           </a:p>
         </p:txBody>
@@ -6701,8 +6788,8 @@
           <a:lstStyle/>
           <a:p>
             <a:r>
-              <a:rPr lang="en-US"/>
-              <a:t>Product A</a:t>
+              <a:rPr lang="en-US" dirty="0"/>
+              <a:t>Fresh Blood</a:t>
             </a:r>
           </a:p>
         </p:txBody>
@@ -6723,21 +6810,14 @@
           <a:lstStyle/>
           <a:p>
             <a:r>
+              <a:rPr lang="en-US" dirty="0"/>
+              <a:t>Every certain number of generations generate some new random individuals </a:t>
+            </a:r>
+            <a:r>
               <a:rPr lang="en-US"/>
-              <a:t>Feature 1</a:t>
-            </a:r>
-          </a:p>
-          <a:p>
-            <a:r>
-              <a:rPr lang="en-US"/>
-              <a:t>Feature 2</a:t>
-            </a:r>
-          </a:p>
-          <a:p>
-            <a:r>
-              <a:rPr lang="en-US"/>
-              <a:t>Feature 3</a:t>
-            </a:r>
+              <a:t>for diversity.</a:t>
+            </a:r>
+            <a:endParaRPr lang="en-US" dirty="0"/>
           </a:p>
         </p:txBody>
       </p:sp>
@@ -7476,8 +7556,8 @@
           </a:p>
         </p:txBody>
       </p:sp>
-      <mc:AlternateContent xmlns:mc="http://schemas.openxmlformats.org/markup-compatibility/2006">
-        <mc:Choice xmlns:a14="http://schemas.microsoft.com/office/drawing/2010/main" Requires="a14">
+      <mc:AlternateContent xmlns:mc="http://schemas.openxmlformats.org/markup-compatibility/2006" xmlns:a14="http://schemas.microsoft.com/office/drawing/2010/main">
+        <mc:Choice Requires="a14">
           <p:sp>
             <p:nvSpPr>
               <p:cNvPr id="3" name="Content Placeholder 2"/>
@@ -7686,7 +7766,7 @@
             </p:txBody>
           </p:sp>
         </mc:Choice>
-        <mc:Fallback>
+        <mc:Fallback xmlns="">
           <p:sp>
             <p:nvSpPr>
               <p:cNvPr id="3" name="Content Placeholder 2"/>
@@ -8129,8 +8209,8 @@
           </a:p>
         </p:txBody>
       </p:sp>
-      <mc:AlternateContent xmlns:mc="http://schemas.openxmlformats.org/markup-compatibility/2006">
-        <mc:Choice xmlns:a14="http://schemas.microsoft.com/office/drawing/2010/main" Requires="a14">
+      <mc:AlternateContent xmlns:mc="http://schemas.openxmlformats.org/markup-compatibility/2006" xmlns:a14="http://schemas.microsoft.com/office/drawing/2010/main">
+        <mc:Choice Requires="a14">
           <p:sp>
             <p:nvSpPr>
               <p:cNvPr id="9" name="TextBox 8">
@@ -8275,7 +8355,7 @@
             </p:txBody>
           </p:sp>
         </mc:Choice>
-        <mc:Fallback>
+        <mc:Fallback xmlns="">
           <p:sp>
             <p:nvSpPr>
               <p:cNvPr id="9" name="TextBox 8">

--- a/presentation.pptx
+++ b/presentation.pptx
@@ -5,7 +5,7 @@
     <p:sldMasterId id="2147483648" r:id="rId1"/>
   </p:sldMasterIdLst>
   <p:notesMasterIdLst>
-    <p:notesMasterId r:id="rId19"/>
+    <p:notesMasterId r:id="rId18"/>
   </p:notesMasterIdLst>
   <p:sldIdLst>
     <p:sldId id="256" r:id="rId2"/>
@@ -20,11 +20,10 @@
     <p:sldId id="267" r:id="rId11"/>
     <p:sldId id="266" r:id="rId12"/>
     <p:sldId id="268" r:id="rId13"/>
-    <p:sldId id="272" r:id="rId14"/>
-    <p:sldId id="271" r:id="rId15"/>
-    <p:sldId id="269" r:id="rId16"/>
-    <p:sldId id="270" r:id="rId17"/>
-    <p:sldId id="258" r:id="rId18"/>
+    <p:sldId id="271" r:id="rId14"/>
+    <p:sldId id="269" r:id="rId15"/>
+    <p:sldId id="270" r:id="rId16"/>
+    <p:sldId id="258" r:id="rId17"/>
   </p:sldIdLst>
   <p:sldSz cx="9144000" cy="6858000" type="screen4x3"/>
   <p:notesSz cx="6858000" cy="9144000"/>
@@ -224,7 +223,7 @@
           <a:p>
             <a:fld id="{44D4E04F-6EBF-3F45-9EBD-8699805166B8}" type="datetimeFigureOut">
               <a:rPr lang="en-US" smtClean="0"/>
-              <a:t>1/22/19</a:t>
+              <a:t>1/23/19</a:t>
             </a:fld>
             <a:endParaRPr lang="en-US"/>
           </a:p>
@@ -536,6 +535,10 @@
           <a:lstStyle/>
           <a:p>
             <a:pPr marL="0" algn="r" defTabSz="914400" rtl="1" eaLnBrk="1" latinLnBrk="0" hangingPunct="1"/>
+            <a:r>
+              <a:rPr lang="he-IL" dirty="0"/>
+              <a:t>משל הקטנה של לוח בגודל 14 על 14 ל – 53 תאים במקום 196 הקטנה של הגנום בכמעט פי 4.</a:t>
+            </a:r>
             <a:endParaRPr lang="en-US" dirty="0"/>
           </a:p>
         </p:txBody>
@@ -812,6 +815,62 @@
           <a:bodyPr/>
           <a:lstStyle/>
           <a:p>
+            <a:pPr marL="0" marR="0" lvl="0" indent="0" algn="r" defTabSz="914400" rtl="1" eaLnBrk="1" fontAlgn="auto" latinLnBrk="0" hangingPunct="1">
+              <a:lnSpc>
+                <a:spcPct val="100000"/>
+              </a:lnSpc>
+              <a:spcBef>
+                <a:spcPts val="0"/>
+              </a:spcBef>
+              <a:spcAft>
+                <a:spcPts val="0"/>
+              </a:spcAft>
+              <a:buClrTx/>
+              <a:buSzTx/>
+              <a:buFontTx/>
+              <a:buNone/>
+              <a:tabLst/>
+              <a:defRPr/>
+            </a:pPr>
+            <a:r>
+              <a:rPr lang="he" sz="1200" b="0" i="0" kern="1200" dirty="0">
+                <a:solidFill>
+                  <a:schemeClr val="tx1"/>
+                </a:solidFill>
+                <a:effectLst/>
+                <a:latin typeface="+mn-lt"/>
+                <a:ea typeface="+mn-ea"/>
+                <a:cs typeface="+mn-cs"/>
+              </a:rPr>
+              <a:t>ה-</a:t>
+            </a:r>
+            <a:r>
+              <a:rPr lang="en-US" sz="1200" b="0" i="0" kern="1200" dirty="0">
+                <a:solidFill>
+                  <a:schemeClr val="tx1"/>
+                </a:solidFill>
+                <a:effectLst/>
+                <a:latin typeface="+mn-lt"/>
+                <a:ea typeface="+mn-ea"/>
+                <a:cs typeface="+mn-cs"/>
+              </a:rPr>
+              <a:t>dataset: </a:t>
+            </a:r>
+            <a:r>
+              <a:rPr lang="he" sz="1200" b="0" i="0" kern="1200" dirty="0">
+                <a:solidFill>
+                  <a:schemeClr val="tx1"/>
+                </a:solidFill>
+                <a:effectLst/>
+                <a:latin typeface="+mn-lt"/>
+                <a:ea typeface="+mn-ea"/>
+                <a:cs typeface="+mn-cs"/>
+              </a:rPr>
+              <a:t>איך ייצרתם אותו/הורדתם אותו? כמה דוגמאות יש בו? האם יש כלים/מאמרים באינטרנט שהשתמשו בו? (לא צריך סקירת ספרות, רק אם מצאתם).</a:t>
+            </a:r>
+          </a:p>
+          <a:p>
+            <a:pPr marL="0" algn="r" defTabSz="914400" rtl="1" eaLnBrk="1" latinLnBrk="0" hangingPunct="1"/>
             <a:endParaRPr lang="en-US" dirty="0"/>
           </a:p>
         </p:txBody>
@@ -842,7 +901,7 @@
     </p:spTree>
     <p:extLst>
       <p:ext uri="{BB962C8B-B14F-4D97-AF65-F5344CB8AC3E}">
-        <p14:creationId xmlns:p14="http://schemas.microsoft.com/office/powerpoint/2010/main" val="1663303073"/>
+        <p14:creationId xmlns:p14="http://schemas.microsoft.com/office/powerpoint/2010/main" val="1799958299"/>
       </p:ext>
     </p:extLst>
   </p:cSld>
@@ -896,62 +955,6 @@
           <a:bodyPr/>
           <a:lstStyle/>
           <a:p>
-            <a:pPr marL="0" marR="0" lvl="0" indent="0" algn="r" defTabSz="914400" rtl="1" eaLnBrk="1" fontAlgn="auto" latinLnBrk="0" hangingPunct="1">
-              <a:lnSpc>
-                <a:spcPct val="100000"/>
-              </a:lnSpc>
-              <a:spcBef>
-                <a:spcPts val="0"/>
-              </a:spcBef>
-              <a:spcAft>
-                <a:spcPts val="0"/>
-              </a:spcAft>
-              <a:buClrTx/>
-              <a:buSzTx/>
-              <a:buFontTx/>
-              <a:buNone/>
-              <a:tabLst/>
-              <a:defRPr/>
-            </a:pPr>
-            <a:r>
-              <a:rPr lang="he" sz="1200" b="0" i="0" kern="1200" dirty="0">
-                <a:solidFill>
-                  <a:schemeClr val="tx1"/>
-                </a:solidFill>
-                <a:effectLst/>
-                <a:latin typeface="+mn-lt"/>
-                <a:ea typeface="+mn-ea"/>
-                <a:cs typeface="+mn-cs"/>
-              </a:rPr>
-              <a:t>ה-</a:t>
-            </a:r>
-            <a:r>
-              <a:rPr lang="en-US" sz="1200" b="0" i="0" kern="1200" dirty="0">
-                <a:solidFill>
-                  <a:schemeClr val="tx1"/>
-                </a:solidFill>
-                <a:effectLst/>
-                <a:latin typeface="+mn-lt"/>
-                <a:ea typeface="+mn-ea"/>
-                <a:cs typeface="+mn-cs"/>
-              </a:rPr>
-              <a:t>dataset: </a:t>
-            </a:r>
-            <a:r>
-              <a:rPr lang="he" sz="1200" b="0" i="0" kern="1200" dirty="0">
-                <a:solidFill>
-                  <a:schemeClr val="tx1"/>
-                </a:solidFill>
-                <a:effectLst/>
-                <a:latin typeface="+mn-lt"/>
-                <a:ea typeface="+mn-ea"/>
-                <a:cs typeface="+mn-cs"/>
-              </a:rPr>
-              <a:t>איך ייצרתם אותו/הורדתם אותו? כמה דוגמאות יש בו? האם יש כלים/מאמרים באינטרנט שהשתמשו בו? (לא צריך סקירת ספרות, רק אם מצאתם).</a:t>
-            </a:r>
-          </a:p>
-          <a:p>
-            <a:pPr marL="0" algn="r" defTabSz="914400" rtl="1" eaLnBrk="1" latinLnBrk="0" hangingPunct="1"/>
             <a:endParaRPr lang="en-US" dirty="0"/>
           </a:p>
         </p:txBody>
@@ -973,7 +976,7 @@
           <a:p>
             <a:fld id="{71484194-BC9F-7343-A27E-E7872C54D571}" type="slidenum">
               <a:rPr lang="en-US" smtClean="0"/>
-              <a:t>14</a:t>
+              <a:t>15</a:t>
             </a:fld>
             <a:endParaRPr lang="en-US"/>
           </a:p>
@@ -982,7 +985,7 @@
     </p:spTree>
     <p:extLst>
       <p:ext uri="{BB962C8B-B14F-4D97-AF65-F5344CB8AC3E}">
-        <p14:creationId xmlns:p14="http://schemas.microsoft.com/office/powerpoint/2010/main" val="1799958299"/>
+        <p14:creationId xmlns:p14="http://schemas.microsoft.com/office/powerpoint/2010/main" val="975223796"/>
       </p:ext>
     </p:extLst>
   </p:cSld>
@@ -1036,10 +1039,12 @@
           <a:bodyPr/>
           <a:lstStyle/>
           <a:p>
-            <a:r>
-              <a:rPr lang="en-US" dirty="0"/>
-              <a:t>Future work – add fresh blood</a:t>
-            </a:r>
+            <a:pPr marL="0" algn="r" defTabSz="914400" rtl="1" eaLnBrk="1" latinLnBrk="0" hangingPunct="1"/>
+            <a:r>
+              <a:rPr lang="he-IL" dirty="0"/>
+              <a:t>איך לברוח ממינימום לוקאלי?</a:t>
+            </a:r>
+            <a:endParaRPr lang="en-US" dirty="0"/>
           </a:p>
         </p:txBody>
       </p:sp>
@@ -1060,7 +1065,7 @@
           <a:p>
             <a:fld id="{71484194-BC9F-7343-A27E-E7872C54D571}" type="slidenum">
               <a:rPr lang="en-US" smtClean="0"/>
-              <a:t>17</a:t>
+              <a:t>16</a:t>
             </a:fld>
             <a:endParaRPr lang="en-US"/>
           </a:p>
@@ -1291,7 +1296,7 @@
             <a:fld id="{53074F12-AA26-4AC8-9962-C36BB8F32554}" type="datetimeFigureOut">
               <a:rPr lang="en-US" smtClean="0"/>
               <a:pPr/>
-              <a:t>1/22/19</a:t>
+              <a:t>1/23/19</a:t>
             </a:fld>
             <a:endParaRPr lang="en-US"/>
           </a:p>
@@ -1545,7 +1550,7 @@
             <a:fld id="{53074F12-AA26-4AC8-9962-C36BB8F32554}" type="datetimeFigureOut">
               <a:rPr lang="en-US" smtClean="0"/>
               <a:pPr/>
-              <a:t>1/22/19</a:t>
+              <a:t>1/23/19</a:t>
             </a:fld>
             <a:endParaRPr lang="en-US"/>
           </a:p>
@@ -1715,7 +1720,7 @@
             <a:fld id="{53074F12-AA26-4AC8-9962-C36BB8F32554}" type="datetimeFigureOut">
               <a:rPr lang="en-US" smtClean="0"/>
               <a:pPr/>
-              <a:t>1/22/19</a:t>
+              <a:t>1/23/19</a:t>
             </a:fld>
             <a:endParaRPr lang="en-US"/>
           </a:p>
@@ -1895,7 +1900,7 @@
             <a:fld id="{53074F12-AA26-4AC8-9962-C36BB8F32554}" type="datetimeFigureOut">
               <a:rPr lang="en-US" smtClean="0"/>
               <a:pPr/>
-              <a:t>1/22/19</a:t>
+              <a:t>1/23/19</a:t>
             </a:fld>
             <a:endParaRPr lang="en-US"/>
           </a:p>
@@ -2129,7 +2134,7 @@
             <a:fld id="{53074F12-AA26-4AC8-9962-C36BB8F32554}" type="datetimeFigureOut">
               <a:rPr lang="en-US" smtClean="0"/>
               <a:pPr/>
-              <a:t>1/22/19</a:t>
+              <a:t>1/23/19</a:t>
             </a:fld>
             <a:endParaRPr lang="en-US"/>
           </a:p>
@@ -2365,7 +2370,7 @@
             <a:fld id="{53074F12-AA26-4AC8-9962-C36BB8F32554}" type="datetimeFigureOut">
               <a:rPr lang="en-US" smtClean="0"/>
               <a:pPr/>
-              <a:t>1/22/19</a:t>
+              <a:t>1/23/19</a:t>
             </a:fld>
             <a:endParaRPr lang="en-US"/>
           </a:p>
@@ -2612,7 +2617,7 @@
             <a:fld id="{53074F12-AA26-4AC8-9962-C36BB8F32554}" type="datetimeFigureOut">
               <a:rPr lang="en-US" smtClean="0"/>
               <a:pPr/>
-              <a:t>1/22/19</a:t>
+              <a:t>1/23/19</a:t>
             </a:fld>
             <a:endParaRPr lang="en-US"/>
           </a:p>
@@ -2899,7 +2904,7 @@
             <a:fld id="{53074F12-AA26-4AC8-9962-C36BB8F32554}" type="datetimeFigureOut">
               <a:rPr lang="en-US" smtClean="0"/>
               <a:pPr/>
-              <a:t>1/22/19</a:t>
+              <a:t>1/23/19</a:t>
             </a:fld>
             <a:endParaRPr lang="en-US"/>
           </a:p>
@@ -3399,7 +3404,7 @@
             <a:fld id="{53074F12-AA26-4AC8-9962-C36BB8F32554}" type="datetimeFigureOut">
               <a:rPr lang="en-US" smtClean="0"/>
               <a:pPr/>
-              <a:t>1/22/19</a:t>
+              <a:t>1/23/19</a:t>
             </a:fld>
             <a:endParaRPr lang="en-US"/>
           </a:p>
@@ -3518,7 +3523,7 @@
             <a:fld id="{53074F12-AA26-4AC8-9962-C36BB8F32554}" type="datetimeFigureOut">
               <a:rPr lang="en-US" smtClean="0"/>
               <a:pPr/>
-              <a:t>1/22/19</a:t>
+              <a:t>1/23/19</a:t>
             </a:fld>
             <a:endParaRPr lang="en-US"/>
           </a:p>
@@ -3615,7 +3620,7 @@
             <a:fld id="{53074F12-AA26-4AC8-9962-C36BB8F32554}" type="datetimeFigureOut">
               <a:rPr lang="en-US" smtClean="0"/>
               <a:pPr/>
-              <a:t>1/22/19</a:t>
+              <a:t>1/23/19</a:t>
             </a:fld>
             <a:endParaRPr lang="en-US"/>
           </a:p>
@@ -3892,7 +3897,7 @@
             <a:fld id="{53074F12-AA26-4AC8-9962-C36BB8F32554}" type="datetimeFigureOut">
               <a:rPr lang="en-US" smtClean="0"/>
               <a:pPr/>
-              <a:t>1/22/19</a:t>
+              <a:t>1/23/19</a:t>
             </a:fld>
             <a:endParaRPr lang="en-US"/>
           </a:p>
@@ -4114,7 +4119,7 @@
             <a:fld id="{53074F12-AA26-4AC8-9962-C36BB8F32554}" type="datetimeFigureOut">
               <a:rPr lang="en-US" smtClean="0"/>
               <a:pPr/>
-              <a:t>1/22/19</a:t>
+              <a:t>1/23/19</a:t>
             </a:fld>
             <a:endParaRPr lang="en-US"/>
           </a:p>
@@ -5995,7 +6000,7 @@
                   <a:schemeClr val="bg1"/>
                 </a:solidFill>
               </a:rPr>
-              <a:t>Parent Selection</a:t>
+              <a:t>Selection</a:t>
             </a:r>
           </a:p>
         </p:txBody>
@@ -6015,7 +6020,7 @@
         <p:spPr>
           <a:xfrm>
             <a:off x="296260" y="1901950"/>
-            <a:ext cx="8398775" cy="2031325"/>
+            <a:ext cx="8398775" cy="2862322"/>
           </a:xfrm>
           <a:prstGeom prst="rect">
             <a:avLst/>
@@ -6030,7 +6035,16 @@
           <a:p>
             <a:r>
               <a:rPr lang="en-US" dirty="0"/>
-              <a:t>Initial Experiment: Keep the best 30% of the generation and use them for crossovers to create the new individuals</a:t>
+              <a:t>Survivor Selection - The best 20% of the generation gets to live another day and continue to the next generation.</a:t>
+            </a:r>
+          </a:p>
+          <a:p>
+            <a:endParaRPr lang="he-IL" dirty="0"/>
+          </a:p>
+          <a:p>
+            <a:r>
+              <a:rPr lang="en-US" dirty="0"/>
+              <a:t>Parent Selection – we use the best 20% of the generation for crossovers to create the new individuals (80% of the generation).</a:t>
             </a:r>
           </a:p>
           <a:p>
@@ -6039,7 +6053,7 @@
           <a:p>
             <a:r>
               <a:rPr lang="en-US" dirty="0"/>
-              <a:t>Opt1: Choosing 2 completely random individuals.</a:t>
+              <a:t>Opt1: Choosing 2 completely random individuals (after disposing 80% of the gen).</a:t>
             </a:r>
           </a:p>
           <a:p>
@@ -6110,13 +6124,18 @@
           <a:p>
             <a:pPr algn="l"/>
             <a:r>
-              <a:rPr lang="en-US" dirty="0">
+              <a:rPr lang="he-IL" dirty="0">
                 <a:solidFill>
                   <a:schemeClr val="bg1"/>
                 </a:solidFill>
               </a:rPr>
-              <a:t>Survivor Selection</a:t>
-            </a:r>
+              <a:t>Lights Up Board Parser</a:t>
+            </a:r>
+            <a:endParaRPr lang="en-US" dirty="0">
+              <a:solidFill>
+                <a:schemeClr val="bg1"/>
+              </a:solidFill>
+            </a:endParaRPr>
           </a:p>
         </p:txBody>
       </p:sp>
@@ -6125,7 +6144,7 @@
           <p:cNvPr id="2" name="TextBox 1">
             <a:extLst>
               <a:ext uri="{FF2B5EF4-FFF2-40B4-BE49-F238E27FC236}">
-                <a16:creationId xmlns:a16="http://schemas.microsoft.com/office/drawing/2014/main" id="{E139E741-17F8-1645-A62A-FB863FF16D2C}"/>
+                <a16:creationId xmlns:a16="http://schemas.microsoft.com/office/drawing/2014/main" id="{4E192D78-C4B1-5C43-AA50-3A1B23804946}"/>
               </a:ext>
             </a:extLst>
           </p:cNvPr>
@@ -6134,8 +6153,8 @@
         </p:nvSpPr>
         <p:spPr>
           <a:xfrm>
-            <a:off x="597552" y="2512770"/>
-            <a:ext cx="6719020" cy="400110"/>
+            <a:off x="296261" y="1901950"/>
+            <a:ext cx="8551480" cy="3108543"/>
           </a:xfrm>
           <a:prstGeom prst="rect">
             <a:avLst/>
@@ -6149,8 +6168,51 @@
           <a:lstStyle/>
           <a:p>
             <a:r>
-              <a:rPr lang="en-US" sz="2000" dirty="0"/>
-              <a:t>The 10 best individuals get to live another day (or another run)</a:t>
+              <a:rPr lang="en-US" sz="2800" dirty="0"/>
+              <a:t>Built a parser to download and store boards from:</a:t>
+            </a:r>
+          </a:p>
+          <a:p>
+            <a:r>
+              <a:rPr lang="en-US" sz="2800" dirty="0"/>
+              <a:t> </a:t>
+            </a:r>
+            <a:r>
+              <a:rPr lang="en-US" sz="2800" dirty="0">
+                <a:hlinkClick r:id="rId3"/>
+              </a:rPr>
+              <a:t>https://www.puzzle-light-up.com</a:t>
+            </a:r>
+            <a:endParaRPr lang="en-US" sz="2800" dirty="0"/>
+          </a:p>
+          <a:p>
+            <a:endParaRPr lang="en-US" sz="2800" dirty="0"/>
+          </a:p>
+          <a:p>
+            <a:pPr marL="285750" indent="-285750">
+              <a:buFont typeface="Arial" panose="020B0604020202020204" pitchFamily="34" charset="0"/>
+              <a:buChar char="•"/>
+            </a:pPr>
+            <a:r>
+              <a:rPr lang="en-US" sz="2800" dirty="0"/>
+              <a:t>Contains a variety of boards in different sizes of 7x7, 10x10, 14x14 and 25x25.</a:t>
+            </a:r>
+          </a:p>
+          <a:p>
+            <a:pPr marL="285750" indent="-285750">
+              <a:buFont typeface="Arial" panose="020B0604020202020204" pitchFamily="34" charset="0"/>
+              <a:buChar char="•"/>
+            </a:pPr>
+            <a:endParaRPr lang="en-US" sz="2800" dirty="0"/>
+          </a:p>
+          <a:p>
+            <a:pPr marL="285750" indent="-285750">
+              <a:buFont typeface="Arial" panose="020B0604020202020204" pitchFamily="34" charset="0"/>
+              <a:buChar char="•"/>
+            </a:pPr>
+            <a:r>
+              <a:rPr lang="en-US" sz="2800" dirty="0"/>
+              <a:t>Several difficulty levels from easy to hard.</a:t>
             </a:r>
           </a:p>
         </p:txBody>
@@ -6158,7 +6220,7 @@
     </p:spTree>
     <p:extLst>
       <p:ext uri="{BB962C8B-B14F-4D97-AF65-F5344CB8AC3E}">
-        <p14:creationId xmlns:p14="http://schemas.microsoft.com/office/powerpoint/2010/main" val="1208007282"/>
+        <p14:creationId xmlns:p14="http://schemas.microsoft.com/office/powerpoint/2010/main" val="1664302183"/>
       </p:ext>
     </p:extLst>
   </p:cSld>
@@ -6197,153 +6259,6 @@
         </p:nvSpPr>
         <p:spPr>
           <a:xfrm>
-            <a:off x="448965" y="374900"/>
-            <a:ext cx="7016195" cy="610820"/>
-          </a:xfrm>
-        </p:spPr>
-        <p:txBody>
-          <a:bodyPr>
-            <a:normAutofit fontScale="90000"/>
-          </a:bodyPr>
-          <a:lstStyle/>
-          <a:p>
-            <a:pPr algn="l"/>
-            <a:r>
-              <a:rPr lang="he-IL" dirty="0">
-                <a:solidFill>
-                  <a:schemeClr val="bg1"/>
-                </a:solidFill>
-              </a:rPr>
-              <a:t>Lights Up Board Parser</a:t>
-            </a:r>
-            <a:endParaRPr lang="en-US" dirty="0">
-              <a:solidFill>
-                <a:schemeClr val="bg1"/>
-              </a:solidFill>
-            </a:endParaRPr>
-          </a:p>
-        </p:txBody>
-      </p:sp>
-      <p:sp>
-        <p:nvSpPr>
-          <p:cNvPr id="2" name="TextBox 1">
-            <a:extLst>
-              <a:ext uri="{FF2B5EF4-FFF2-40B4-BE49-F238E27FC236}">
-                <a16:creationId xmlns:a16="http://schemas.microsoft.com/office/drawing/2014/main" id="{4E192D78-C4B1-5C43-AA50-3A1B23804946}"/>
-              </a:ext>
-            </a:extLst>
-          </p:cNvPr>
-          <p:cNvSpPr txBox="1"/>
-          <p:nvPr/>
-        </p:nvSpPr>
-        <p:spPr>
-          <a:xfrm>
-            <a:off x="296261" y="1901950"/>
-            <a:ext cx="8551480" cy="3108543"/>
-          </a:xfrm>
-          <a:prstGeom prst="rect">
-            <a:avLst/>
-          </a:prstGeom>
-          <a:noFill/>
-        </p:spPr>
-        <p:txBody>
-          <a:bodyPr wrap="square" rtlCol="0">
-            <a:spAutoFit/>
-          </a:bodyPr>
-          <a:lstStyle/>
-          <a:p>
-            <a:r>
-              <a:rPr lang="en-US" sz="2800" dirty="0"/>
-              <a:t>Built a parser to download and store boards from:</a:t>
-            </a:r>
-          </a:p>
-          <a:p>
-            <a:r>
-              <a:rPr lang="en-US" sz="2800" dirty="0"/>
-              <a:t> </a:t>
-            </a:r>
-            <a:r>
-              <a:rPr lang="en-US" sz="2800" dirty="0">
-                <a:hlinkClick r:id="rId3"/>
-              </a:rPr>
-              <a:t>https://www.puzzle-light-up.com</a:t>
-            </a:r>
-            <a:endParaRPr lang="en-US" sz="2800" dirty="0"/>
-          </a:p>
-          <a:p>
-            <a:endParaRPr lang="en-US" sz="2800" dirty="0"/>
-          </a:p>
-          <a:p>
-            <a:pPr marL="285750" indent="-285750">
-              <a:buFont typeface="Arial" panose="020B0604020202020204" pitchFamily="34" charset="0"/>
-              <a:buChar char="•"/>
-            </a:pPr>
-            <a:r>
-              <a:rPr lang="en-US" sz="2800" dirty="0"/>
-              <a:t>Contains a variety of boards in different sizes of 7x7, 14x14 and 25x25.</a:t>
-            </a:r>
-          </a:p>
-          <a:p>
-            <a:pPr marL="285750" indent="-285750">
-              <a:buFont typeface="Arial" panose="020B0604020202020204" pitchFamily="34" charset="0"/>
-              <a:buChar char="•"/>
-            </a:pPr>
-            <a:endParaRPr lang="en-US" sz="2800" dirty="0"/>
-          </a:p>
-          <a:p>
-            <a:pPr marL="285750" indent="-285750">
-              <a:buFont typeface="Arial" panose="020B0604020202020204" pitchFamily="34" charset="0"/>
-              <a:buChar char="•"/>
-            </a:pPr>
-            <a:r>
-              <a:rPr lang="en-US" sz="2800" dirty="0"/>
-              <a:t>Several difficulty levels from easy to hard.</a:t>
-            </a:r>
-          </a:p>
-        </p:txBody>
-      </p:sp>
-    </p:spTree>
-    <p:extLst>
-      <p:ext uri="{BB962C8B-B14F-4D97-AF65-F5344CB8AC3E}">
-        <p14:creationId xmlns:p14="http://schemas.microsoft.com/office/powerpoint/2010/main" val="1664302183"/>
-      </p:ext>
-    </p:extLst>
-  </p:cSld>
-  <p:clrMapOvr>
-    <a:masterClrMapping/>
-  </p:clrMapOvr>
-</p:sld>
-</file>
-
-<file path=ppt/slides/slide15.xml><?xml version="1.0" encoding="utf-8"?>
-<p:sld xmlns:a="http://schemas.openxmlformats.org/drawingml/2006/main" xmlns:r="http://schemas.openxmlformats.org/officeDocument/2006/relationships" xmlns:p="http://schemas.openxmlformats.org/presentationml/2006/main">
-  <p:cSld>
-    <p:spTree>
-      <p:nvGrpSpPr>
-        <p:cNvPr id="1" name=""/>
-        <p:cNvGrpSpPr/>
-        <p:nvPr/>
-      </p:nvGrpSpPr>
-      <p:grpSpPr>
-        <a:xfrm>
-          <a:off x="0" y="0"/>
-          <a:ext cx="0" cy="0"/>
-          <a:chOff x="0" y="0"/>
-          <a:chExt cx="0" cy="0"/>
-        </a:xfrm>
-      </p:grpSpPr>
-      <p:sp>
-        <p:nvSpPr>
-          <p:cNvPr id="4" name="Title 3"/>
-          <p:cNvSpPr>
-            <a:spLocks noGrp="1"/>
-          </p:cNvSpPr>
-          <p:nvPr>
-            <p:ph type="title"/>
-          </p:nvPr>
-        </p:nvSpPr>
-        <p:spPr>
-          <a:xfrm>
             <a:off x="296260" y="374900"/>
             <a:ext cx="7016195" cy="610820"/>
           </a:xfrm>
@@ -6381,14 +6296,14 @@
           <p:nvPr>
             <p:extLst>
               <p:ext uri="{D42A27DB-BD31-4B8C-83A1-F6EECF244321}">
-                <p14:modId xmlns:p14="http://schemas.microsoft.com/office/powerpoint/2010/main" val="182535157"/>
+                <p14:modId xmlns:p14="http://schemas.microsoft.com/office/powerpoint/2010/main" val="1216041043"/>
               </p:ext>
             </p:extLst>
           </p:nvPr>
         </p:nvGraphicFramePr>
         <p:xfrm>
           <a:off x="754375" y="2054656"/>
-          <a:ext cx="7482546" cy="3817627"/>
+          <a:ext cx="7482546" cy="4295649"/>
         </p:xfrm>
         <a:graphic>
           <a:graphicData uri="http://schemas.openxmlformats.org/drawingml/2006/table">
@@ -6454,7 +6369,10 @@
                     <a:lstStyle/>
                     <a:p>
                       <a:pPr algn="ctr"/>
-                      <a:endParaRPr lang="en-US" dirty="0"/>
+                      <a:r>
+                        <a:rPr lang="en-US" dirty="0"/>
+                        <a:t>Population</a:t>
+                      </a:r>
                     </a:p>
                   </a:txBody>
                   <a:tcPr anchor="ctr"/>
@@ -6465,7 +6383,7 @@
                     <a:lstStyle/>
                     <a:p>
                       <a:pPr algn="ctr"/>
-                      <a:endParaRPr lang="en-US"/>
+                      <a:endParaRPr lang="en-US" dirty="0"/>
                     </a:p>
                   </a:txBody>
                   <a:tcPr anchor="ctr"/>
@@ -6483,7 +6401,10 @@
                     <a:lstStyle/>
                     <a:p>
                       <a:pPr algn="ctr"/>
-                      <a:endParaRPr lang="en-US" dirty="0"/>
+                      <a:r>
+                        <a:rPr lang="en-US" dirty="0"/>
+                        <a:t>Mutation</a:t>
+                      </a:r>
                     </a:p>
                   </a:txBody>
                   <a:tcPr anchor="ctr"/>
@@ -6494,7 +6415,7 @@
                     <a:lstStyle/>
                     <a:p>
                       <a:pPr algn="ctr"/>
-                      <a:endParaRPr lang="en-US"/>
+                      <a:endParaRPr lang="en-US" dirty="0"/>
                     </a:p>
                   </a:txBody>
                   <a:tcPr anchor="ctr"/>
@@ -6512,7 +6433,10 @@
                     <a:lstStyle/>
                     <a:p>
                       <a:pPr algn="ctr"/>
-                      <a:endParaRPr lang="en-US" dirty="0"/>
+                      <a:r>
+                        <a:rPr lang="en-US" dirty="0"/>
+                        <a:t>Mutation Probability</a:t>
+                      </a:r>
                     </a:p>
                   </a:txBody>
                   <a:tcPr anchor="ctr"/>
@@ -6523,7 +6447,7 @@
                     <a:lstStyle/>
                     <a:p>
                       <a:pPr algn="ctr"/>
-                      <a:endParaRPr lang="en-US"/>
+                      <a:endParaRPr lang="en-US" dirty="0"/>
                     </a:p>
                   </a:txBody>
                   <a:tcPr anchor="ctr"/>
@@ -6541,7 +6465,10 @@
                     <a:lstStyle/>
                     <a:p>
                       <a:pPr algn="ctr"/>
-                      <a:endParaRPr lang="en-US" dirty="0"/>
+                      <a:r>
+                        <a:rPr lang="en-US" dirty="0"/>
+                        <a:t>Crossover</a:t>
+                      </a:r>
                     </a:p>
                   </a:txBody>
                   <a:tcPr anchor="ctr"/>
@@ -6570,7 +6497,10 @@
                     <a:lstStyle/>
                     <a:p>
                       <a:pPr algn="ctr"/>
-                      <a:endParaRPr lang="en-US" dirty="0"/>
+                      <a:r>
+                        <a:rPr lang="en-US" dirty="0"/>
+                        <a:t>Parent Selection</a:t>
+                      </a:r>
                     </a:p>
                   </a:txBody>
                   <a:tcPr anchor="ctr"/>
@@ -6599,7 +6529,10 @@
                     <a:lstStyle/>
                     <a:p>
                       <a:pPr algn="ctr"/>
-                      <a:endParaRPr lang="en-US"/>
+                      <a:r>
+                        <a:rPr lang="en-US" dirty="0"/>
+                        <a:t>Survivor Selection</a:t>
+                      </a:r>
                     </a:p>
                   </a:txBody>
                   <a:tcPr anchor="ctr"/>
@@ -6628,7 +6561,10 @@
                     <a:lstStyle/>
                     <a:p>
                       <a:pPr algn="ctr"/>
-                      <a:endParaRPr lang="en-US"/>
+                      <a:r>
+                        <a:rPr lang="en-US" dirty="0"/>
+                        <a:t>Best Fitness</a:t>
+                      </a:r>
                     </a:p>
                   </a:txBody>
                   <a:tcPr anchor="ctr"/>
@@ -6650,6 +6586,38 @@
                   </a:ext>
                 </a:extLst>
               </a:tr>
+              <a:tr h="478022">
+                <a:tc>
+                  <a:txBody>
+                    <a:bodyPr/>
+                    <a:lstStyle/>
+                    <a:p>
+                      <a:pPr algn="ctr"/>
+                      <a:r>
+                        <a:rPr lang="en-US"/>
+                        <a:t>Generatoions</a:t>
+                      </a:r>
+                    </a:p>
+                  </a:txBody>
+                  <a:tcPr anchor="ctr"/>
+                </a:tc>
+                <a:tc>
+                  <a:txBody>
+                    <a:bodyPr/>
+                    <a:lstStyle/>
+                    <a:p>
+                      <a:pPr marL="0" algn="ctr" defTabSz="914400" rtl="0" eaLnBrk="1" latinLnBrk="0" hangingPunct="1"/>
+                      <a:endParaRPr lang="en-US" dirty="0"/>
+                    </a:p>
+                  </a:txBody>
+                  <a:tcPr anchor="ctr"/>
+                </a:tc>
+                <a:extLst>
+                  <a:ext uri="{0D108BD9-81ED-4DB2-BD59-A6C34878D82A}">
+                    <a16:rowId xmlns:a16="http://schemas.microsoft.com/office/drawing/2014/main" val="2959854607"/>
+                  </a:ext>
+                </a:extLst>
+              </a:tr>
             </a:tbl>
           </a:graphicData>
         </a:graphic>
@@ -6658,6 +6626,70 @@
     <p:extLst>
       <p:ext uri="{BB962C8B-B14F-4D97-AF65-F5344CB8AC3E}">
         <p14:creationId xmlns:p14="http://schemas.microsoft.com/office/powerpoint/2010/main" val="1396967419"/>
+      </p:ext>
+    </p:extLst>
+  </p:cSld>
+  <p:clrMapOvr>
+    <a:masterClrMapping/>
+  </p:clrMapOvr>
+</p:sld>
+</file>
+
+<file path=ppt/slides/slide15.xml><?xml version="1.0" encoding="utf-8"?>
+<p:sld xmlns:a="http://schemas.openxmlformats.org/drawingml/2006/main" xmlns:r="http://schemas.openxmlformats.org/officeDocument/2006/relationships" xmlns:p="http://schemas.openxmlformats.org/presentationml/2006/main">
+  <p:cSld>
+    <p:spTree>
+      <p:nvGrpSpPr>
+        <p:cNvPr id="1" name=""/>
+        <p:cNvGrpSpPr/>
+        <p:nvPr/>
+      </p:nvGrpSpPr>
+      <p:grpSpPr>
+        <a:xfrm>
+          <a:off x="0" y="0"/>
+          <a:ext cx="0" cy="0"/>
+          <a:chOff x="0" y="0"/>
+          <a:chExt cx="0" cy="0"/>
+        </a:xfrm>
+      </p:grpSpPr>
+      <p:sp>
+        <p:nvSpPr>
+          <p:cNvPr id="4" name="Title 3"/>
+          <p:cNvSpPr>
+            <a:spLocks noGrp="1"/>
+          </p:cNvSpPr>
+          <p:nvPr>
+            <p:ph type="title"/>
+          </p:nvPr>
+        </p:nvSpPr>
+        <p:spPr>
+          <a:xfrm>
+            <a:off x="296260" y="374900"/>
+            <a:ext cx="7016195" cy="610820"/>
+          </a:xfrm>
+        </p:spPr>
+        <p:txBody>
+          <a:bodyPr>
+            <a:normAutofit fontScale="90000"/>
+          </a:bodyPr>
+          <a:lstStyle/>
+          <a:p>
+            <a:pPr algn="l"/>
+            <a:r>
+              <a:rPr lang="en-US" dirty="0">
+                <a:solidFill>
+                  <a:schemeClr val="bg1"/>
+                </a:solidFill>
+              </a:rPr>
+              <a:t>Initial Results</a:t>
+            </a:r>
+          </a:p>
+        </p:txBody>
+      </p:sp>
+    </p:spTree>
+    <p:extLst>
+      <p:ext uri="{BB962C8B-B14F-4D97-AF65-F5344CB8AC3E}">
+        <p14:creationId xmlns:p14="http://schemas.microsoft.com/office/powerpoint/2010/main" val="3629949042"/>
       </p:ext>
     </p:extLst>
   </p:cSld>
@@ -6694,70 +6726,6 @@
             <p:ph type="title"/>
           </p:nvPr>
         </p:nvSpPr>
-        <p:spPr>
-          <a:xfrm>
-            <a:off x="296260" y="374900"/>
-            <a:ext cx="7016195" cy="610820"/>
-          </a:xfrm>
-        </p:spPr>
-        <p:txBody>
-          <a:bodyPr>
-            <a:normAutofit fontScale="90000"/>
-          </a:bodyPr>
-          <a:lstStyle/>
-          <a:p>
-            <a:pPr algn="l"/>
-            <a:r>
-              <a:rPr lang="en-US" dirty="0">
-                <a:solidFill>
-                  <a:schemeClr val="bg1"/>
-                </a:solidFill>
-              </a:rPr>
-              <a:t>Initial Results</a:t>
-            </a:r>
-          </a:p>
-        </p:txBody>
-      </p:sp>
-    </p:spTree>
-    <p:extLst>
-      <p:ext uri="{BB962C8B-B14F-4D97-AF65-F5344CB8AC3E}">
-        <p14:creationId xmlns:p14="http://schemas.microsoft.com/office/powerpoint/2010/main" val="3629949042"/>
-      </p:ext>
-    </p:extLst>
-  </p:cSld>
-  <p:clrMapOvr>
-    <a:masterClrMapping/>
-  </p:clrMapOvr>
-</p:sld>
-</file>
-
-<file path=ppt/slides/slide17.xml><?xml version="1.0" encoding="utf-8"?>
-<p:sld xmlns:a="http://schemas.openxmlformats.org/drawingml/2006/main" xmlns:r="http://schemas.openxmlformats.org/officeDocument/2006/relationships" xmlns:p="http://schemas.openxmlformats.org/presentationml/2006/main">
-  <p:cSld>
-    <p:spTree>
-      <p:nvGrpSpPr>
-        <p:cNvPr id="1" name=""/>
-        <p:cNvGrpSpPr/>
-        <p:nvPr/>
-      </p:nvGrpSpPr>
-      <p:grpSpPr>
-        <a:xfrm>
-          <a:off x="0" y="0"/>
-          <a:ext cx="0" cy="0"/>
-          <a:chOff x="0" y="0"/>
-          <a:chExt cx="0" cy="0"/>
-        </a:xfrm>
-      </p:grpSpPr>
-      <p:sp>
-        <p:nvSpPr>
-          <p:cNvPr id="4" name="Title 3"/>
-          <p:cNvSpPr>
-            <a:spLocks noGrp="1"/>
-          </p:cNvSpPr>
-          <p:nvPr>
-            <p:ph type="title"/>
-          </p:nvPr>
-        </p:nvSpPr>
         <p:spPr/>
         <p:txBody>
           <a:bodyPr>
@@ -6804,20 +6772,20 @@
             <p:ph sz="half" idx="2"/>
           </p:nvPr>
         </p:nvSpPr>
-        <p:spPr/>
+        <p:spPr>
+          <a:xfrm>
+            <a:off x="448965" y="2226402"/>
+            <a:ext cx="4040188" cy="3035058"/>
+          </a:xfrm>
+        </p:spPr>
         <p:txBody>
           <a:bodyPr/>
           <a:lstStyle/>
           <a:p>
             <a:r>
               <a:rPr lang="en-US" dirty="0"/>
-              <a:t>Every certain number of generations generate some new random individuals </a:t>
-            </a:r>
-            <a:r>
-              <a:rPr lang="en-US"/>
-              <a:t>for diversity.</a:t>
-            </a:r>
-            <a:endParaRPr lang="en-US" dirty="0"/>
+              <a:t>Every certain number of generations generate some new random individuals for diversity.</a:t>
+            </a:r>
           </a:p>
         </p:txBody>
       </p:sp>
@@ -6837,8 +6805,8 @@
           <a:lstStyle/>
           <a:p>
             <a:r>
-              <a:rPr lang="en-US"/>
-              <a:t>Product B</a:t>
+              <a:rPr lang="en-US" dirty="0"/>
+              <a:t>Different Selection</a:t>
             </a:r>
           </a:p>
         </p:txBody>
@@ -6853,26 +6821,379 @@
             <p:ph sz="quarter" idx="4"/>
           </p:nvPr>
         </p:nvSpPr>
-        <p:spPr/>
+        <p:spPr>
+          <a:xfrm>
+            <a:off x="4636790" y="2226402"/>
+            <a:ext cx="4041775" cy="3035058"/>
+          </a:xfrm>
+        </p:spPr>
         <p:txBody>
           <a:bodyPr/>
           <a:lstStyle/>
           <a:p>
             <a:r>
-              <a:rPr lang="en-US"/>
-              <a:t>Feature 1</a:t>
-            </a:r>
-          </a:p>
-          <a:p>
-            <a:r>
-              <a:rPr lang="en-US"/>
-              <a:t>Feature 2</a:t>
-            </a:r>
-          </a:p>
-          <a:p>
-            <a:r>
-              <a:rPr lang="en-US"/>
-              <a:t>Feature 3</a:t>
+              <a:rPr lang="en-US" dirty="0"/>
+              <a:t>Select random 5 and cross best 2</a:t>
+            </a:r>
+          </a:p>
+          <a:p>
+            <a:r>
+              <a:rPr lang="en-US" dirty="0"/>
+              <a:t>Other selections…</a:t>
+            </a:r>
+          </a:p>
+        </p:txBody>
+      </p:sp>
+      <p:sp>
+        <p:nvSpPr>
+          <p:cNvPr id="9" name="Text Placeholder 4">
+            <a:extLst>
+              <a:ext uri="{FF2B5EF4-FFF2-40B4-BE49-F238E27FC236}">
+                <a16:creationId xmlns:a16="http://schemas.microsoft.com/office/drawing/2014/main" id="{739A2851-96DD-7542-89A4-E14775A6F896}"/>
+              </a:ext>
+            </a:extLst>
+          </p:cNvPr>
+          <p:cNvSpPr txBox="1">
+            <a:spLocks/>
+          </p:cNvSpPr>
+          <p:nvPr/>
+        </p:nvSpPr>
+        <p:spPr>
+          <a:xfrm>
+            <a:off x="448965" y="3713362"/>
+            <a:ext cx="4040188" cy="639762"/>
+          </a:xfrm>
+          <a:prstGeom prst="rect">
+            <a:avLst/>
+          </a:prstGeom>
+        </p:spPr>
+        <p:txBody>
+          <a:bodyPr vert="horz" lIns="91440" tIns="45720" rIns="91440" bIns="45720" rtlCol="0" anchor="b">
+            <a:normAutofit/>
+          </a:bodyPr>
+          <a:lstStyle>
+            <a:lvl1pPr marL="0" indent="0" algn="l" defTabSz="914400" rtl="0" eaLnBrk="1" latinLnBrk="0" hangingPunct="1">
+              <a:spcBef>
+                <a:spcPct val="20000"/>
+              </a:spcBef>
+              <a:buFont typeface="Arial" pitchFamily="34" charset="0"/>
+              <a:buNone/>
+              <a:defRPr sz="2400" b="1" kern="1200">
+                <a:solidFill>
+                  <a:srgbClr val="D0005E"/>
+                </a:solidFill>
+                <a:latin typeface="+mn-lt"/>
+                <a:ea typeface="+mn-ea"/>
+                <a:cs typeface="+mn-cs"/>
+              </a:defRPr>
+            </a:lvl1pPr>
+            <a:lvl2pPr marL="457200" indent="0" algn="l" defTabSz="914400" rtl="0" eaLnBrk="1" latinLnBrk="0" hangingPunct="1">
+              <a:spcBef>
+                <a:spcPct val="20000"/>
+              </a:spcBef>
+              <a:buFont typeface="Arial" pitchFamily="34" charset="0"/>
+              <a:buNone/>
+              <a:defRPr sz="2000" b="1" kern="1200">
+                <a:solidFill>
+                  <a:schemeClr val="tx1"/>
+                </a:solidFill>
+                <a:latin typeface="+mn-lt"/>
+                <a:ea typeface="+mn-ea"/>
+                <a:cs typeface="+mn-cs"/>
+              </a:defRPr>
+            </a:lvl2pPr>
+            <a:lvl3pPr marL="914400" indent="0" algn="l" defTabSz="914400" rtl="0" eaLnBrk="1" latinLnBrk="0" hangingPunct="1">
+              <a:spcBef>
+                <a:spcPct val="20000"/>
+              </a:spcBef>
+              <a:buFont typeface="Arial" pitchFamily="34" charset="0"/>
+              <a:buNone/>
+              <a:defRPr sz="1800" b="1" kern="1200">
+                <a:solidFill>
+                  <a:schemeClr val="tx1"/>
+                </a:solidFill>
+                <a:latin typeface="+mn-lt"/>
+                <a:ea typeface="+mn-ea"/>
+                <a:cs typeface="+mn-cs"/>
+              </a:defRPr>
+            </a:lvl3pPr>
+            <a:lvl4pPr marL="1371600" indent="0" algn="l" defTabSz="914400" rtl="0" eaLnBrk="1" latinLnBrk="0" hangingPunct="1">
+              <a:spcBef>
+                <a:spcPct val="20000"/>
+              </a:spcBef>
+              <a:buFont typeface="Arial" pitchFamily="34" charset="0"/>
+              <a:buNone/>
+              <a:defRPr sz="1600" b="1" kern="1200">
+                <a:solidFill>
+                  <a:schemeClr val="tx1"/>
+                </a:solidFill>
+                <a:latin typeface="+mn-lt"/>
+                <a:ea typeface="+mn-ea"/>
+                <a:cs typeface="+mn-cs"/>
+              </a:defRPr>
+            </a:lvl4pPr>
+            <a:lvl5pPr marL="1828800" indent="0" algn="l" defTabSz="914400" rtl="0" eaLnBrk="1" latinLnBrk="0" hangingPunct="1">
+              <a:spcBef>
+                <a:spcPct val="20000"/>
+              </a:spcBef>
+              <a:buFont typeface="Arial" pitchFamily="34" charset="0"/>
+              <a:buNone/>
+              <a:defRPr sz="1600" b="1" kern="1200">
+                <a:solidFill>
+                  <a:schemeClr val="tx1"/>
+                </a:solidFill>
+                <a:latin typeface="+mn-lt"/>
+                <a:ea typeface="+mn-ea"/>
+                <a:cs typeface="+mn-cs"/>
+              </a:defRPr>
+            </a:lvl5pPr>
+            <a:lvl6pPr marL="2286000" indent="0" algn="l" defTabSz="914400" rtl="0" eaLnBrk="1" latinLnBrk="0" hangingPunct="1">
+              <a:spcBef>
+                <a:spcPct val="20000"/>
+              </a:spcBef>
+              <a:buFont typeface="Arial" pitchFamily="34" charset="0"/>
+              <a:buNone/>
+              <a:defRPr sz="1600" b="1" kern="1200">
+                <a:solidFill>
+                  <a:schemeClr val="tx1"/>
+                </a:solidFill>
+                <a:latin typeface="+mn-lt"/>
+                <a:ea typeface="+mn-ea"/>
+                <a:cs typeface="+mn-cs"/>
+              </a:defRPr>
+            </a:lvl6pPr>
+            <a:lvl7pPr marL="2743200" indent="0" algn="l" defTabSz="914400" rtl="0" eaLnBrk="1" latinLnBrk="0" hangingPunct="1">
+              <a:spcBef>
+                <a:spcPct val="20000"/>
+              </a:spcBef>
+              <a:buFont typeface="Arial" pitchFamily="34" charset="0"/>
+              <a:buNone/>
+              <a:defRPr sz="1600" b="1" kern="1200">
+                <a:solidFill>
+                  <a:schemeClr val="tx1"/>
+                </a:solidFill>
+                <a:latin typeface="+mn-lt"/>
+                <a:ea typeface="+mn-ea"/>
+                <a:cs typeface="+mn-cs"/>
+              </a:defRPr>
+            </a:lvl7pPr>
+            <a:lvl8pPr marL="3200400" indent="0" algn="l" defTabSz="914400" rtl="0" eaLnBrk="1" latinLnBrk="0" hangingPunct="1">
+              <a:spcBef>
+                <a:spcPct val="20000"/>
+              </a:spcBef>
+              <a:buFont typeface="Arial" pitchFamily="34" charset="0"/>
+              <a:buNone/>
+              <a:defRPr sz="1600" b="1" kern="1200">
+                <a:solidFill>
+                  <a:schemeClr val="tx1"/>
+                </a:solidFill>
+                <a:latin typeface="+mn-lt"/>
+                <a:ea typeface="+mn-ea"/>
+                <a:cs typeface="+mn-cs"/>
+              </a:defRPr>
+            </a:lvl8pPr>
+            <a:lvl9pPr marL="3657600" indent="0" algn="l" defTabSz="914400" rtl="0" eaLnBrk="1" latinLnBrk="0" hangingPunct="1">
+              <a:spcBef>
+                <a:spcPct val="20000"/>
+              </a:spcBef>
+              <a:buFont typeface="Arial" pitchFamily="34" charset="0"/>
+              <a:buNone/>
+              <a:defRPr sz="1600" b="1" kern="1200">
+                <a:solidFill>
+                  <a:schemeClr val="tx1"/>
+                </a:solidFill>
+                <a:latin typeface="+mn-lt"/>
+                <a:ea typeface="+mn-ea"/>
+                <a:cs typeface="+mn-cs"/>
+              </a:defRPr>
+            </a:lvl9pPr>
+          </a:lstStyle>
+          <a:p>
+            <a:r>
+              <a:rPr lang="en-US" dirty="0"/>
+              <a:t>Aggressive Mutation</a:t>
+            </a:r>
+          </a:p>
+        </p:txBody>
+      </p:sp>
+      <p:sp>
+        <p:nvSpPr>
+          <p:cNvPr id="11" name="Content Placeholder 5">
+            <a:extLst>
+              <a:ext uri="{FF2B5EF4-FFF2-40B4-BE49-F238E27FC236}">
+                <a16:creationId xmlns:a16="http://schemas.microsoft.com/office/drawing/2014/main" id="{877F54DC-DE79-5348-A682-46173180D4DF}"/>
+              </a:ext>
+            </a:extLst>
+          </p:cNvPr>
+          <p:cNvSpPr txBox="1">
+            <a:spLocks/>
+          </p:cNvSpPr>
+          <p:nvPr/>
+        </p:nvSpPr>
+        <p:spPr>
+          <a:xfrm>
+            <a:off x="448965" y="4373794"/>
+            <a:ext cx="4040188" cy="3035058"/>
+          </a:xfrm>
+          <a:prstGeom prst="rect">
+            <a:avLst/>
+          </a:prstGeom>
+        </p:spPr>
+        <p:txBody>
+          <a:bodyPr vert="horz" lIns="91440" tIns="45720" rIns="91440" bIns="45720" rtlCol="0">
+            <a:normAutofit/>
+          </a:bodyPr>
+          <a:lstStyle>
+            <a:lvl1pPr marL="342900" indent="-342900" algn="l" defTabSz="914400" rtl="0" eaLnBrk="1" latinLnBrk="0" hangingPunct="1">
+              <a:spcBef>
+                <a:spcPct val="20000"/>
+              </a:spcBef>
+              <a:buFont typeface="Arial" pitchFamily="34" charset="0"/>
+              <a:buChar char="•"/>
+              <a:defRPr sz="2400" kern="1200">
+                <a:solidFill>
+                  <a:schemeClr val="tx2">
+                    <a:lumMod val="50000"/>
+                  </a:schemeClr>
+                </a:solidFill>
+                <a:latin typeface="+mn-lt"/>
+                <a:ea typeface="+mn-ea"/>
+                <a:cs typeface="+mn-cs"/>
+              </a:defRPr>
+            </a:lvl1pPr>
+            <a:lvl2pPr marL="742950" indent="-285750" algn="l" defTabSz="914400" rtl="0" eaLnBrk="1" latinLnBrk="0" hangingPunct="1">
+              <a:spcBef>
+                <a:spcPct val="20000"/>
+              </a:spcBef>
+              <a:buFont typeface="Arial" pitchFamily="34" charset="0"/>
+              <a:buChar char="–"/>
+              <a:defRPr sz="2000" kern="1200">
+                <a:solidFill>
+                  <a:schemeClr val="tx2">
+                    <a:lumMod val="50000"/>
+                  </a:schemeClr>
+                </a:solidFill>
+                <a:latin typeface="+mn-lt"/>
+                <a:ea typeface="+mn-ea"/>
+                <a:cs typeface="+mn-cs"/>
+              </a:defRPr>
+            </a:lvl2pPr>
+            <a:lvl3pPr marL="1143000" indent="-228600" algn="l" defTabSz="914400" rtl="0" eaLnBrk="1" latinLnBrk="0" hangingPunct="1">
+              <a:spcBef>
+                <a:spcPct val="20000"/>
+              </a:spcBef>
+              <a:buFont typeface="Arial" pitchFamily="34" charset="0"/>
+              <a:buChar char="•"/>
+              <a:defRPr sz="1800" kern="1200">
+                <a:solidFill>
+                  <a:schemeClr val="tx2">
+                    <a:lumMod val="50000"/>
+                  </a:schemeClr>
+                </a:solidFill>
+                <a:latin typeface="+mn-lt"/>
+                <a:ea typeface="+mn-ea"/>
+                <a:cs typeface="+mn-cs"/>
+              </a:defRPr>
+            </a:lvl3pPr>
+            <a:lvl4pPr marL="1600200" indent="-228600" algn="l" defTabSz="914400" rtl="0" eaLnBrk="1" latinLnBrk="0" hangingPunct="1">
+              <a:spcBef>
+                <a:spcPct val="20000"/>
+              </a:spcBef>
+              <a:buFont typeface="Arial" pitchFamily="34" charset="0"/>
+              <a:buChar char="–"/>
+              <a:defRPr sz="1600" kern="1200">
+                <a:solidFill>
+                  <a:schemeClr val="tx2">
+                    <a:lumMod val="50000"/>
+                  </a:schemeClr>
+                </a:solidFill>
+                <a:latin typeface="+mn-lt"/>
+                <a:ea typeface="+mn-ea"/>
+                <a:cs typeface="+mn-cs"/>
+              </a:defRPr>
+            </a:lvl4pPr>
+            <a:lvl5pPr marL="2057400" indent="-228600" algn="l" defTabSz="914400" rtl="0" eaLnBrk="1" latinLnBrk="0" hangingPunct="1">
+              <a:spcBef>
+                <a:spcPct val="20000"/>
+              </a:spcBef>
+              <a:buFont typeface="Arial" pitchFamily="34" charset="0"/>
+              <a:buChar char="»"/>
+              <a:defRPr sz="1600" kern="1200">
+                <a:solidFill>
+                  <a:schemeClr val="tx2">
+                    <a:lumMod val="50000"/>
+                  </a:schemeClr>
+                </a:solidFill>
+                <a:latin typeface="+mn-lt"/>
+                <a:ea typeface="+mn-ea"/>
+                <a:cs typeface="+mn-cs"/>
+              </a:defRPr>
+            </a:lvl5pPr>
+            <a:lvl6pPr marL="2514600" indent="-228600" algn="l" defTabSz="914400" rtl="0" eaLnBrk="1" latinLnBrk="0" hangingPunct="1">
+              <a:spcBef>
+                <a:spcPct val="20000"/>
+              </a:spcBef>
+              <a:buFont typeface="Arial" pitchFamily="34" charset="0"/>
+              <a:buChar char="•"/>
+              <a:defRPr sz="1600" kern="1200">
+                <a:solidFill>
+                  <a:schemeClr val="tx1"/>
+                </a:solidFill>
+                <a:latin typeface="+mn-lt"/>
+                <a:ea typeface="+mn-ea"/>
+                <a:cs typeface="+mn-cs"/>
+              </a:defRPr>
+            </a:lvl6pPr>
+            <a:lvl7pPr marL="2971800" indent="-228600" algn="l" defTabSz="914400" rtl="0" eaLnBrk="1" latinLnBrk="0" hangingPunct="1">
+              <a:spcBef>
+                <a:spcPct val="20000"/>
+              </a:spcBef>
+              <a:buFont typeface="Arial" pitchFamily="34" charset="0"/>
+              <a:buChar char="•"/>
+              <a:defRPr sz="1600" kern="1200">
+                <a:solidFill>
+                  <a:schemeClr val="tx1"/>
+                </a:solidFill>
+                <a:latin typeface="+mn-lt"/>
+                <a:ea typeface="+mn-ea"/>
+                <a:cs typeface="+mn-cs"/>
+              </a:defRPr>
+            </a:lvl7pPr>
+            <a:lvl8pPr marL="3429000" indent="-228600" algn="l" defTabSz="914400" rtl="0" eaLnBrk="1" latinLnBrk="0" hangingPunct="1">
+              <a:spcBef>
+                <a:spcPct val="20000"/>
+              </a:spcBef>
+              <a:buFont typeface="Arial" pitchFamily="34" charset="0"/>
+              <a:buChar char="•"/>
+              <a:defRPr sz="1600" kern="1200">
+                <a:solidFill>
+                  <a:schemeClr val="tx1"/>
+                </a:solidFill>
+                <a:latin typeface="+mn-lt"/>
+                <a:ea typeface="+mn-ea"/>
+                <a:cs typeface="+mn-cs"/>
+              </a:defRPr>
+            </a:lvl8pPr>
+            <a:lvl9pPr marL="3886200" indent="-228600" algn="l" defTabSz="914400" rtl="0" eaLnBrk="1" latinLnBrk="0" hangingPunct="1">
+              <a:spcBef>
+                <a:spcPct val="20000"/>
+              </a:spcBef>
+              <a:buFont typeface="Arial" pitchFamily="34" charset="0"/>
+              <a:buChar char="•"/>
+              <a:defRPr sz="1600" kern="1200">
+                <a:solidFill>
+                  <a:schemeClr val="tx1"/>
+                </a:solidFill>
+                <a:latin typeface="+mn-lt"/>
+                <a:ea typeface="+mn-ea"/>
+                <a:cs typeface="+mn-cs"/>
+              </a:defRPr>
+            </a:lvl9pPr>
+          </a:lstStyle>
+          <a:p>
+            <a:r>
+              <a:rPr lang="en-US" dirty="0"/>
+              <a:t>Every bit has a probability of flipping.</a:t>
             </a:r>
           </a:p>
         </p:txBody>

--- a/presentation.pptx
+++ b/presentation.pptx
@@ -6594,9 +6594,10 @@
                     <a:p>
                       <a:pPr algn="ctr"/>
                       <a:r>
-                        <a:rPr lang="en-US"/>
+                        <a:rPr lang="en-US" dirty="0" err="1"/>
                         <a:t>Generatoions</a:t>
                       </a:r>
+                      <a:endParaRPr lang="en-US" dirty="0"/>
                     </a:p>
                   </a:txBody>
                   <a:tcPr anchor="ctr"/>
@@ -7557,7 +7558,15 @@
             </a:r>
             <a:r>
               <a:rPr lang="en-US" sz="1400" dirty="0"/>
-              <a:t>– Some blocks contain numbers, They represent how many light bulbs should “touch” that block </a:t>
+              <a:t>– Some blocks contain numbers, They represent how many light bulbs should share </a:t>
+            </a:r>
+            <a:r>
+              <a:rPr lang="en-US" sz="1400"/>
+              <a:t>edge with that </a:t>
+            </a:r>
+            <a:r>
+              <a:rPr lang="en-US" sz="1400" dirty="0"/>
+              <a:t>block </a:t>
             </a:r>
           </a:p>
         </p:txBody>
@@ -9801,7 +9810,7 @@
         </p:nvSpPr>
         <p:spPr>
           <a:xfrm>
-            <a:off x="2434130" y="2207360"/>
+            <a:off x="2281425" y="2207360"/>
             <a:ext cx="458115" cy="305410"/>
           </a:xfrm>
           <a:prstGeom prst="rect">
@@ -9853,7 +9862,7 @@
         </p:nvSpPr>
         <p:spPr>
           <a:xfrm>
-            <a:off x="2892245" y="2207360"/>
+            <a:off x="2739540" y="2207360"/>
             <a:ext cx="458115" cy="305410"/>
           </a:xfrm>
           <a:prstGeom prst="rect">
@@ -10089,7 +10098,7 @@
         </p:nvSpPr>
         <p:spPr>
           <a:xfrm>
-            <a:off x="3350360" y="2207360"/>
+            <a:off x="3197655" y="2207360"/>
             <a:ext cx="458115" cy="305410"/>
           </a:xfrm>
           <a:prstGeom prst="rect">
@@ -10141,7 +10150,7 @@
         </p:nvSpPr>
         <p:spPr>
           <a:xfrm>
-            <a:off x="3808475" y="2207360"/>
+            <a:off x="3655770" y="2207360"/>
             <a:ext cx="458115" cy="305410"/>
           </a:xfrm>
           <a:prstGeom prst="rect">

--- a/presentation.pptx
+++ b/presentation.pptx
@@ -5907,7 +5907,7 @@
         <p:spPr>
           <a:xfrm>
             <a:off x="448965" y="2279590"/>
-            <a:ext cx="4428445" cy="923330"/>
+            <a:ext cx="4428445" cy="1200329"/>
           </a:xfrm>
           <a:prstGeom prst="rect">
             <a:avLst/>
@@ -5938,6 +5938,9 @@
               <a:rPr lang="en-US" dirty="0"/>
               <a:t>Optimal Fitness = 0</a:t>
             </a:r>
+          </a:p>
+          <a:p>
+            <a:endParaRPr lang="en-US" dirty="0"/>
           </a:p>
         </p:txBody>
       </p:sp>
@@ -6035,7 +6038,7 @@
           <a:p>
             <a:r>
               <a:rPr lang="en-US" dirty="0"/>
-              <a:t>Survivor Selection - The best 20% of the generation gets to live another day and continue to the next generation.</a:t>
+              <a:t>Survivor Selection – Elitism, The best 20% of the generation gets to live another day and continue to the next generation.</a:t>
             </a:r>
           </a:p>
           <a:p>
@@ -6687,6 +6690,42 @@
           </a:p>
         </p:txBody>
       </p:sp>
+      <p:pic>
+        <p:nvPicPr>
+          <p:cNvPr id="6" name="Picture 5">
+            <a:extLst>
+              <a:ext uri="{FF2B5EF4-FFF2-40B4-BE49-F238E27FC236}">
+                <a16:creationId xmlns:a16="http://schemas.microsoft.com/office/drawing/2014/main" id="{07FBF820-D95F-8546-80B5-1C75B6DF8869}"/>
+              </a:ext>
+            </a:extLst>
+          </p:cNvPr>
+          <p:cNvPicPr>
+            <a:picLocks noChangeAspect="1"/>
+          </p:cNvPicPr>
+          <p:nvPr/>
+        </p:nvPicPr>
+        <p:blipFill>
+          <a:blip r:embed="rId3">
+            <a:extLst>
+              <a:ext uri="{28A0092B-C50C-407E-A947-70E740481C1C}">
+                <a14:useLocalDpi xmlns:a14="http://schemas.microsoft.com/office/drawing/2010/main" val="0"/>
+              </a:ext>
+            </a:extLst>
+          </a:blip>
+          <a:stretch>
+            <a:fillRect/>
+          </a:stretch>
+        </p:blipFill>
+        <p:spPr>
+          <a:xfrm>
+            <a:off x="0" y="1291130"/>
+            <a:ext cx="9131300" cy="5566870"/>
+          </a:xfrm>
+          <a:prstGeom prst="rect">
+            <a:avLst/>
+          </a:prstGeom>
+        </p:spPr>
+      </p:pic>
     </p:spTree>
     <p:extLst>
       <p:ext uri="{BB962C8B-B14F-4D97-AF65-F5344CB8AC3E}">
@@ -7199,6 +7238,366 @@
           </a:p>
         </p:txBody>
       </p:sp>
+      <p:sp>
+        <p:nvSpPr>
+          <p:cNvPr id="12" name="Text Placeholder 4">
+            <a:extLst>
+              <a:ext uri="{FF2B5EF4-FFF2-40B4-BE49-F238E27FC236}">
+                <a16:creationId xmlns:a16="http://schemas.microsoft.com/office/drawing/2014/main" id="{83EB364B-5B82-E547-93C3-F2E21F20F7A6}"/>
+              </a:ext>
+            </a:extLst>
+          </p:cNvPr>
+          <p:cNvSpPr txBox="1">
+            <a:spLocks/>
+          </p:cNvSpPr>
+          <p:nvPr/>
+        </p:nvSpPr>
+        <p:spPr>
+          <a:xfrm>
+            <a:off x="4636790" y="3713362"/>
+            <a:ext cx="4040188" cy="639762"/>
+          </a:xfrm>
+          <a:prstGeom prst="rect">
+            <a:avLst/>
+          </a:prstGeom>
+        </p:spPr>
+        <p:txBody>
+          <a:bodyPr vert="horz" lIns="91440" tIns="45720" rIns="91440" bIns="45720" rtlCol="0" anchor="b">
+            <a:normAutofit/>
+          </a:bodyPr>
+          <a:lstStyle>
+            <a:lvl1pPr marL="0" indent="0" algn="l" defTabSz="914400" rtl="0" eaLnBrk="1" latinLnBrk="0" hangingPunct="1">
+              <a:spcBef>
+                <a:spcPct val="20000"/>
+              </a:spcBef>
+              <a:buFont typeface="Arial" pitchFamily="34" charset="0"/>
+              <a:buNone/>
+              <a:defRPr sz="2400" b="1" kern="1200">
+                <a:solidFill>
+                  <a:srgbClr val="D0005E"/>
+                </a:solidFill>
+                <a:latin typeface="+mn-lt"/>
+                <a:ea typeface="+mn-ea"/>
+                <a:cs typeface="+mn-cs"/>
+              </a:defRPr>
+            </a:lvl1pPr>
+            <a:lvl2pPr marL="457200" indent="0" algn="l" defTabSz="914400" rtl="0" eaLnBrk="1" latinLnBrk="0" hangingPunct="1">
+              <a:spcBef>
+                <a:spcPct val="20000"/>
+              </a:spcBef>
+              <a:buFont typeface="Arial" pitchFamily="34" charset="0"/>
+              <a:buNone/>
+              <a:defRPr sz="2000" b="1" kern="1200">
+                <a:solidFill>
+                  <a:schemeClr val="tx1"/>
+                </a:solidFill>
+                <a:latin typeface="+mn-lt"/>
+                <a:ea typeface="+mn-ea"/>
+                <a:cs typeface="+mn-cs"/>
+              </a:defRPr>
+            </a:lvl2pPr>
+            <a:lvl3pPr marL="914400" indent="0" algn="l" defTabSz="914400" rtl="0" eaLnBrk="1" latinLnBrk="0" hangingPunct="1">
+              <a:spcBef>
+                <a:spcPct val="20000"/>
+              </a:spcBef>
+              <a:buFont typeface="Arial" pitchFamily="34" charset="0"/>
+              <a:buNone/>
+              <a:defRPr sz="1800" b="1" kern="1200">
+                <a:solidFill>
+                  <a:schemeClr val="tx1"/>
+                </a:solidFill>
+                <a:latin typeface="+mn-lt"/>
+                <a:ea typeface="+mn-ea"/>
+                <a:cs typeface="+mn-cs"/>
+              </a:defRPr>
+            </a:lvl3pPr>
+            <a:lvl4pPr marL="1371600" indent="0" algn="l" defTabSz="914400" rtl="0" eaLnBrk="1" latinLnBrk="0" hangingPunct="1">
+              <a:spcBef>
+                <a:spcPct val="20000"/>
+              </a:spcBef>
+              <a:buFont typeface="Arial" pitchFamily="34" charset="0"/>
+              <a:buNone/>
+              <a:defRPr sz="1600" b="1" kern="1200">
+                <a:solidFill>
+                  <a:schemeClr val="tx1"/>
+                </a:solidFill>
+                <a:latin typeface="+mn-lt"/>
+                <a:ea typeface="+mn-ea"/>
+                <a:cs typeface="+mn-cs"/>
+              </a:defRPr>
+            </a:lvl4pPr>
+            <a:lvl5pPr marL="1828800" indent="0" algn="l" defTabSz="914400" rtl="0" eaLnBrk="1" latinLnBrk="0" hangingPunct="1">
+              <a:spcBef>
+                <a:spcPct val="20000"/>
+              </a:spcBef>
+              <a:buFont typeface="Arial" pitchFamily="34" charset="0"/>
+              <a:buNone/>
+              <a:defRPr sz="1600" b="1" kern="1200">
+                <a:solidFill>
+                  <a:schemeClr val="tx1"/>
+                </a:solidFill>
+                <a:latin typeface="+mn-lt"/>
+                <a:ea typeface="+mn-ea"/>
+                <a:cs typeface="+mn-cs"/>
+              </a:defRPr>
+            </a:lvl5pPr>
+            <a:lvl6pPr marL="2286000" indent="0" algn="l" defTabSz="914400" rtl="0" eaLnBrk="1" latinLnBrk="0" hangingPunct="1">
+              <a:spcBef>
+                <a:spcPct val="20000"/>
+              </a:spcBef>
+              <a:buFont typeface="Arial" pitchFamily="34" charset="0"/>
+              <a:buNone/>
+              <a:defRPr sz="1600" b="1" kern="1200">
+                <a:solidFill>
+                  <a:schemeClr val="tx1"/>
+                </a:solidFill>
+                <a:latin typeface="+mn-lt"/>
+                <a:ea typeface="+mn-ea"/>
+                <a:cs typeface="+mn-cs"/>
+              </a:defRPr>
+            </a:lvl6pPr>
+            <a:lvl7pPr marL="2743200" indent="0" algn="l" defTabSz="914400" rtl="0" eaLnBrk="1" latinLnBrk="0" hangingPunct="1">
+              <a:spcBef>
+                <a:spcPct val="20000"/>
+              </a:spcBef>
+              <a:buFont typeface="Arial" pitchFamily="34" charset="0"/>
+              <a:buNone/>
+              <a:defRPr sz="1600" b="1" kern="1200">
+                <a:solidFill>
+                  <a:schemeClr val="tx1"/>
+                </a:solidFill>
+                <a:latin typeface="+mn-lt"/>
+                <a:ea typeface="+mn-ea"/>
+                <a:cs typeface="+mn-cs"/>
+              </a:defRPr>
+            </a:lvl7pPr>
+            <a:lvl8pPr marL="3200400" indent="0" algn="l" defTabSz="914400" rtl="0" eaLnBrk="1" latinLnBrk="0" hangingPunct="1">
+              <a:spcBef>
+                <a:spcPct val="20000"/>
+              </a:spcBef>
+              <a:buFont typeface="Arial" pitchFamily="34" charset="0"/>
+              <a:buNone/>
+              <a:defRPr sz="1600" b="1" kern="1200">
+                <a:solidFill>
+                  <a:schemeClr val="tx1"/>
+                </a:solidFill>
+                <a:latin typeface="+mn-lt"/>
+                <a:ea typeface="+mn-ea"/>
+                <a:cs typeface="+mn-cs"/>
+              </a:defRPr>
+            </a:lvl8pPr>
+            <a:lvl9pPr marL="3657600" indent="0" algn="l" defTabSz="914400" rtl="0" eaLnBrk="1" latinLnBrk="0" hangingPunct="1">
+              <a:spcBef>
+                <a:spcPct val="20000"/>
+              </a:spcBef>
+              <a:buFont typeface="Arial" pitchFamily="34" charset="0"/>
+              <a:buNone/>
+              <a:defRPr sz="1600" b="1" kern="1200">
+                <a:solidFill>
+                  <a:schemeClr val="tx1"/>
+                </a:solidFill>
+                <a:latin typeface="+mn-lt"/>
+                <a:ea typeface="+mn-ea"/>
+                <a:cs typeface="+mn-cs"/>
+              </a:defRPr>
+            </a:lvl9pPr>
+          </a:lstStyle>
+          <a:p>
+            <a:r>
+              <a:rPr lang="en-US" dirty="0"/>
+              <a:t>Penalties</a:t>
+            </a:r>
+          </a:p>
+        </p:txBody>
+      </p:sp>
+      <p:sp>
+        <p:nvSpPr>
+          <p:cNvPr id="13" name="Content Placeholder 5">
+            <a:extLst>
+              <a:ext uri="{FF2B5EF4-FFF2-40B4-BE49-F238E27FC236}">
+                <a16:creationId xmlns:a16="http://schemas.microsoft.com/office/drawing/2014/main" id="{18FAA68A-8503-E940-AFDD-794EBF8BEDA8}"/>
+              </a:ext>
+            </a:extLst>
+          </p:cNvPr>
+          <p:cNvSpPr txBox="1">
+            <a:spLocks/>
+          </p:cNvSpPr>
+          <p:nvPr/>
+        </p:nvSpPr>
+        <p:spPr>
+          <a:xfrm>
+            <a:off x="4636790" y="4373794"/>
+            <a:ext cx="4040188" cy="3035058"/>
+          </a:xfrm>
+          <a:prstGeom prst="rect">
+            <a:avLst/>
+          </a:prstGeom>
+        </p:spPr>
+        <p:txBody>
+          <a:bodyPr vert="horz" lIns="91440" tIns="45720" rIns="91440" bIns="45720" rtlCol="0">
+            <a:normAutofit/>
+          </a:bodyPr>
+          <a:lstStyle>
+            <a:lvl1pPr marL="342900" indent="-342900" algn="l" defTabSz="914400" rtl="0" eaLnBrk="1" latinLnBrk="0" hangingPunct="1">
+              <a:spcBef>
+                <a:spcPct val="20000"/>
+              </a:spcBef>
+              <a:buFont typeface="Arial" pitchFamily="34" charset="0"/>
+              <a:buChar char="•"/>
+              <a:defRPr sz="2400" kern="1200">
+                <a:solidFill>
+                  <a:schemeClr val="tx2">
+                    <a:lumMod val="50000"/>
+                  </a:schemeClr>
+                </a:solidFill>
+                <a:latin typeface="+mn-lt"/>
+                <a:ea typeface="+mn-ea"/>
+                <a:cs typeface="+mn-cs"/>
+              </a:defRPr>
+            </a:lvl1pPr>
+            <a:lvl2pPr marL="742950" indent="-285750" algn="l" defTabSz="914400" rtl="0" eaLnBrk="1" latinLnBrk="0" hangingPunct="1">
+              <a:spcBef>
+                <a:spcPct val="20000"/>
+              </a:spcBef>
+              <a:buFont typeface="Arial" pitchFamily="34" charset="0"/>
+              <a:buChar char="–"/>
+              <a:defRPr sz="2000" kern="1200">
+                <a:solidFill>
+                  <a:schemeClr val="tx2">
+                    <a:lumMod val="50000"/>
+                  </a:schemeClr>
+                </a:solidFill>
+                <a:latin typeface="+mn-lt"/>
+                <a:ea typeface="+mn-ea"/>
+                <a:cs typeface="+mn-cs"/>
+              </a:defRPr>
+            </a:lvl2pPr>
+            <a:lvl3pPr marL="1143000" indent="-228600" algn="l" defTabSz="914400" rtl="0" eaLnBrk="1" latinLnBrk="0" hangingPunct="1">
+              <a:spcBef>
+                <a:spcPct val="20000"/>
+              </a:spcBef>
+              <a:buFont typeface="Arial" pitchFamily="34" charset="0"/>
+              <a:buChar char="•"/>
+              <a:defRPr sz="1800" kern="1200">
+                <a:solidFill>
+                  <a:schemeClr val="tx2">
+                    <a:lumMod val="50000"/>
+                  </a:schemeClr>
+                </a:solidFill>
+                <a:latin typeface="+mn-lt"/>
+                <a:ea typeface="+mn-ea"/>
+                <a:cs typeface="+mn-cs"/>
+              </a:defRPr>
+            </a:lvl3pPr>
+            <a:lvl4pPr marL="1600200" indent="-228600" algn="l" defTabSz="914400" rtl="0" eaLnBrk="1" latinLnBrk="0" hangingPunct="1">
+              <a:spcBef>
+                <a:spcPct val="20000"/>
+              </a:spcBef>
+              <a:buFont typeface="Arial" pitchFamily="34" charset="0"/>
+              <a:buChar char="–"/>
+              <a:defRPr sz="1600" kern="1200">
+                <a:solidFill>
+                  <a:schemeClr val="tx2">
+                    <a:lumMod val="50000"/>
+                  </a:schemeClr>
+                </a:solidFill>
+                <a:latin typeface="+mn-lt"/>
+                <a:ea typeface="+mn-ea"/>
+                <a:cs typeface="+mn-cs"/>
+              </a:defRPr>
+            </a:lvl4pPr>
+            <a:lvl5pPr marL="2057400" indent="-228600" algn="l" defTabSz="914400" rtl="0" eaLnBrk="1" latinLnBrk="0" hangingPunct="1">
+              <a:spcBef>
+                <a:spcPct val="20000"/>
+              </a:spcBef>
+              <a:buFont typeface="Arial" pitchFamily="34" charset="0"/>
+              <a:buChar char="»"/>
+              <a:defRPr sz="1600" kern="1200">
+                <a:solidFill>
+                  <a:schemeClr val="tx2">
+                    <a:lumMod val="50000"/>
+                  </a:schemeClr>
+                </a:solidFill>
+                <a:latin typeface="+mn-lt"/>
+                <a:ea typeface="+mn-ea"/>
+                <a:cs typeface="+mn-cs"/>
+              </a:defRPr>
+            </a:lvl5pPr>
+            <a:lvl6pPr marL="2514600" indent="-228600" algn="l" defTabSz="914400" rtl="0" eaLnBrk="1" latinLnBrk="0" hangingPunct="1">
+              <a:spcBef>
+                <a:spcPct val="20000"/>
+              </a:spcBef>
+              <a:buFont typeface="Arial" pitchFamily="34" charset="0"/>
+              <a:buChar char="•"/>
+              <a:defRPr sz="1600" kern="1200">
+                <a:solidFill>
+                  <a:schemeClr val="tx1"/>
+                </a:solidFill>
+                <a:latin typeface="+mn-lt"/>
+                <a:ea typeface="+mn-ea"/>
+                <a:cs typeface="+mn-cs"/>
+              </a:defRPr>
+            </a:lvl6pPr>
+            <a:lvl7pPr marL="2971800" indent="-228600" algn="l" defTabSz="914400" rtl="0" eaLnBrk="1" latinLnBrk="0" hangingPunct="1">
+              <a:spcBef>
+                <a:spcPct val="20000"/>
+              </a:spcBef>
+              <a:buFont typeface="Arial" pitchFamily="34" charset="0"/>
+              <a:buChar char="•"/>
+              <a:defRPr sz="1600" kern="1200">
+                <a:solidFill>
+                  <a:schemeClr val="tx1"/>
+                </a:solidFill>
+                <a:latin typeface="+mn-lt"/>
+                <a:ea typeface="+mn-ea"/>
+                <a:cs typeface="+mn-cs"/>
+              </a:defRPr>
+            </a:lvl7pPr>
+            <a:lvl8pPr marL="3429000" indent="-228600" algn="l" defTabSz="914400" rtl="0" eaLnBrk="1" latinLnBrk="0" hangingPunct="1">
+              <a:spcBef>
+                <a:spcPct val="20000"/>
+              </a:spcBef>
+              <a:buFont typeface="Arial" pitchFamily="34" charset="0"/>
+              <a:buChar char="•"/>
+              <a:defRPr sz="1600" kern="1200">
+                <a:solidFill>
+                  <a:schemeClr val="tx1"/>
+                </a:solidFill>
+                <a:latin typeface="+mn-lt"/>
+                <a:ea typeface="+mn-ea"/>
+                <a:cs typeface="+mn-cs"/>
+              </a:defRPr>
+            </a:lvl8pPr>
+            <a:lvl9pPr marL="3886200" indent="-228600" algn="l" defTabSz="914400" rtl="0" eaLnBrk="1" latinLnBrk="0" hangingPunct="1">
+              <a:spcBef>
+                <a:spcPct val="20000"/>
+              </a:spcBef>
+              <a:buFont typeface="Arial" pitchFamily="34" charset="0"/>
+              <a:buChar char="•"/>
+              <a:defRPr sz="1600" kern="1200">
+                <a:solidFill>
+                  <a:schemeClr val="tx1"/>
+                </a:solidFill>
+                <a:latin typeface="+mn-lt"/>
+                <a:ea typeface="+mn-ea"/>
+                <a:cs typeface="+mn-cs"/>
+              </a:defRPr>
+            </a:lvl9pPr>
+          </a:lstStyle>
+          <a:p>
+            <a:r>
+              <a:rPr lang="en-US" dirty="0"/>
+              <a:t>Increasing mutation rates incase of local optimum.</a:t>
+            </a:r>
+          </a:p>
+          <a:p>
+            <a:endParaRPr lang="en-US" dirty="0"/>
+          </a:p>
+          <a:p>
+            <a:endParaRPr lang="en-US" dirty="0"/>
+          </a:p>
+        </p:txBody>
+      </p:sp>
     </p:spTree>
     <p:extLst>
       <p:ext uri="{BB962C8B-B14F-4D97-AF65-F5344CB8AC3E}">
@@ -7558,15 +7957,7 @@
             </a:r>
             <a:r>
               <a:rPr lang="en-US" sz="1400" dirty="0"/>
-              <a:t>– Some blocks contain numbers, They represent how many light bulbs should share </a:t>
-            </a:r>
-            <a:r>
-              <a:rPr lang="en-US" sz="1400"/>
-              <a:t>edge with that </a:t>
-            </a:r>
-            <a:r>
-              <a:rPr lang="en-US" sz="1400" dirty="0"/>
-              <a:t>block </a:t>
+              <a:t>– Some blocks contain numbers, They represent how many light bulbs should share edge with that block </a:t>
             </a:r>
           </a:p>
         </p:txBody>

--- a/presentation.pptx
+++ b/presentation.pptx
@@ -5,7 +5,7 @@
     <p:sldMasterId id="2147483648" r:id="rId1"/>
   </p:sldMasterIdLst>
   <p:notesMasterIdLst>
-    <p:notesMasterId r:id="rId18"/>
+    <p:notesMasterId r:id="rId23"/>
   </p:notesMasterIdLst>
   <p:sldIdLst>
     <p:sldId id="256" r:id="rId2"/>
@@ -22,8 +22,13 @@
     <p:sldId id="268" r:id="rId13"/>
     <p:sldId id="271" r:id="rId14"/>
     <p:sldId id="269" r:id="rId15"/>
-    <p:sldId id="270" r:id="rId16"/>
-    <p:sldId id="258" r:id="rId17"/>
+    <p:sldId id="272" r:id="rId16"/>
+    <p:sldId id="275" r:id="rId17"/>
+    <p:sldId id="274" r:id="rId18"/>
+    <p:sldId id="276" r:id="rId19"/>
+    <p:sldId id="273" r:id="rId20"/>
+    <p:sldId id="270" r:id="rId21"/>
+    <p:sldId id="258" r:id="rId22"/>
   </p:sldIdLst>
   <p:sldSz cx="9144000" cy="6858000" type="screen4x3"/>
   <p:notesSz cx="6858000" cy="9144000"/>
@@ -985,7 +990,7 @@
     </p:spTree>
     <p:extLst>
       <p:ext uri="{BB962C8B-B14F-4D97-AF65-F5344CB8AC3E}">
-        <p14:creationId xmlns:p14="http://schemas.microsoft.com/office/powerpoint/2010/main" val="975223796"/>
+        <p14:creationId xmlns:p14="http://schemas.microsoft.com/office/powerpoint/2010/main" val="955573801"/>
       </p:ext>
     </p:extLst>
   </p:cSld>
@@ -1039,11 +1044,6 @@
           <a:bodyPr/>
           <a:lstStyle/>
           <a:p>
-            <a:pPr marL="0" algn="r" defTabSz="914400" rtl="1" eaLnBrk="1" latinLnBrk="0" hangingPunct="1"/>
-            <a:r>
-              <a:rPr lang="he-IL" dirty="0"/>
-              <a:t>איך לברוח ממינימום לוקאלי?</a:t>
-            </a:r>
             <a:endParaRPr lang="en-US" dirty="0"/>
           </a:p>
         </p:txBody>
@@ -1065,7 +1065,264 @@
           <a:p>
             <a:fld id="{71484194-BC9F-7343-A27E-E7872C54D571}" type="slidenum">
               <a:rPr lang="en-US" smtClean="0"/>
-              <a:t>16</a:t>
+              <a:t>17</a:t>
+            </a:fld>
+            <a:endParaRPr lang="en-US"/>
+          </a:p>
+        </p:txBody>
+      </p:sp>
+    </p:spTree>
+    <p:extLst>
+      <p:ext uri="{BB962C8B-B14F-4D97-AF65-F5344CB8AC3E}">
+        <p14:creationId xmlns:p14="http://schemas.microsoft.com/office/powerpoint/2010/main" val="2547672203"/>
+      </p:ext>
+    </p:extLst>
+  </p:cSld>
+  <p:clrMapOvr>
+    <a:masterClrMapping/>
+  </p:clrMapOvr>
+</p:notes>
+</file>
+
+<file path=ppt/notesSlides/notesSlide7.xml><?xml version="1.0" encoding="utf-8"?>
+<p:notes xmlns:a="http://schemas.openxmlformats.org/drawingml/2006/main" xmlns:r="http://schemas.openxmlformats.org/officeDocument/2006/relationships" xmlns:p="http://schemas.openxmlformats.org/presentationml/2006/main">
+  <p:cSld>
+    <p:spTree>
+      <p:nvGrpSpPr>
+        <p:cNvPr id="1" name=""/>
+        <p:cNvGrpSpPr/>
+        <p:nvPr/>
+      </p:nvGrpSpPr>
+      <p:grpSpPr>
+        <a:xfrm>
+          <a:off x="0" y="0"/>
+          <a:ext cx="0" cy="0"/>
+          <a:chOff x="0" y="0"/>
+          <a:chExt cx="0" cy="0"/>
+        </a:xfrm>
+      </p:grpSpPr>
+      <p:sp>
+        <p:nvSpPr>
+          <p:cNvPr id="2" name="Slide Image Placeholder 1"/>
+          <p:cNvSpPr>
+            <a:spLocks noGrp="1" noRot="1" noChangeAspect="1"/>
+          </p:cNvSpPr>
+          <p:nvPr>
+            <p:ph type="sldImg"/>
+          </p:nvPr>
+        </p:nvSpPr>
+        <p:spPr/>
+      </p:sp>
+      <p:sp>
+        <p:nvSpPr>
+          <p:cNvPr id="3" name="Notes Placeholder 2"/>
+          <p:cNvSpPr>
+            <a:spLocks noGrp="1"/>
+          </p:cNvSpPr>
+          <p:nvPr>
+            <p:ph type="body" idx="1"/>
+          </p:nvPr>
+        </p:nvSpPr>
+        <p:spPr/>
+        <p:txBody>
+          <a:bodyPr/>
+          <a:lstStyle/>
+          <a:p>
+            <a:endParaRPr lang="en-US" dirty="0"/>
+          </a:p>
+        </p:txBody>
+      </p:sp>
+      <p:sp>
+        <p:nvSpPr>
+          <p:cNvPr id="4" name="Slide Number Placeholder 3"/>
+          <p:cNvSpPr>
+            <a:spLocks noGrp="1"/>
+          </p:cNvSpPr>
+          <p:nvPr>
+            <p:ph type="sldNum" sz="quarter" idx="5"/>
+          </p:nvPr>
+        </p:nvSpPr>
+        <p:spPr/>
+        <p:txBody>
+          <a:bodyPr/>
+          <a:lstStyle/>
+          <a:p>
+            <a:fld id="{71484194-BC9F-7343-A27E-E7872C54D571}" type="slidenum">
+              <a:rPr lang="en-US" smtClean="0"/>
+              <a:t>19</a:t>
+            </a:fld>
+            <a:endParaRPr lang="en-US"/>
+          </a:p>
+        </p:txBody>
+      </p:sp>
+    </p:spTree>
+    <p:extLst>
+      <p:ext uri="{BB962C8B-B14F-4D97-AF65-F5344CB8AC3E}">
+        <p14:creationId xmlns:p14="http://schemas.microsoft.com/office/powerpoint/2010/main" val="14318569"/>
+      </p:ext>
+    </p:extLst>
+  </p:cSld>
+  <p:clrMapOvr>
+    <a:masterClrMapping/>
+  </p:clrMapOvr>
+</p:notes>
+</file>
+
+<file path=ppt/notesSlides/notesSlide8.xml><?xml version="1.0" encoding="utf-8"?>
+<p:notes xmlns:a="http://schemas.openxmlformats.org/drawingml/2006/main" xmlns:r="http://schemas.openxmlformats.org/officeDocument/2006/relationships" xmlns:p="http://schemas.openxmlformats.org/presentationml/2006/main">
+  <p:cSld>
+    <p:spTree>
+      <p:nvGrpSpPr>
+        <p:cNvPr id="1" name=""/>
+        <p:cNvGrpSpPr/>
+        <p:nvPr/>
+      </p:nvGrpSpPr>
+      <p:grpSpPr>
+        <a:xfrm>
+          <a:off x="0" y="0"/>
+          <a:ext cx="0" cy="0"/>
+          <a:chOff x="0" y="0"/>
+          <a:chExt cx="0" cy="0"/>
+        </a:xfrm>
+      </p:grpSpPr>
+      <p:sp>
+        <p:nvSpPr>
+          <p:cNvPr id="2" name="Slide Image Placeholder 1"/>
+          <p:cNvSpPr>
+            <a:spLocks noGrp="1" noRot="1" noChangeAspect="1"/>
+          </p:cNvSpPr>
+          <p:nvPr>
+            <p:ph type="sldImg"/>
+          </p:nvPr>
+        </p:nvSpPr>
+        <p:spPr/>
+      </p:sp>
+      <p:sp>
+        <p:nvSpPr>
+          <p:cNvPr id="3" name="Notes Placeholder 2"/>
+          <p:cNvSpPr>
+            <a:spLocks noGrp="1"/>
+          </p:cNvSpPr>
+          <p:nvPr>
+            <p:ph type="body" idx="1"/>
+          </p:nvPr>
+        </p:nvSpPr>
+        <p:spPr/>
+        <p:txBody>
+          <a:bodyPr/>
+          <a:lstStyle/>
+          <a:p>
+            <a:endParaRPr lang="en-US" dirty="0"/>
+          </a:p>
+        </p:txBody>
+      </p:sp>
+      <p:sp>
+        <p:nvSpPr>
+          <p:cNvPr id="4" name="Slide Number Placeholder 3"/>
+          <p:cNvSpPr>
+            <a:spLocks noGrp="1"/>
+          </p:cNvSpPr>
+          <p:nvPr>
+            <p:ph type="sldNum" sz="quarter" idx="5"/>
+          </p:nvPr>
+        </p:nvSpPr>
+        <p:spPr/>
+        <p:txBody>
+          <a:bodyPr/>
+          <a:lstStyle/>
+          <a:p>
+            <a:fld id="{71484194-BC9F-7343-A27E-E7872C54D571}" type="slidenum">
+              <a:rPr lang="en-US" smtClean="0"/>
+              <a:t>20</a:t>
+            </a:fld>
+            <a:endParaRPr lang="en-US"/>
+          </a:p>
+        </p:txBody>
+      </p:sp>
+    </p:spTree>
+    <p:extLst>
+      <p:ext uri="{BB962C8B-B14F-4D97-AF65-F5344CB8AC3E}">
+        <p14:creationId xmlns:p14="http://schemas.microsoft.com/office/powerpoint/2010/main" val="975223796"/>
+      </p:ext>
+    </p:extLst>
+  </p:cSld>
+  <p:clrMapOvr>
+    <a:masterClrMapping/>
+  </p:clrMapOvr>
+</p:notes>
+</file>
+
+<file path=ppt/notesSlides/notesSlide9.xml><?xml version="1.0" encoding="utf-8"?>
+<p:notes xmlns:a="http://schemas.openxmlformats.org/drawingml/2006/main" xmlns:r="http://schemas.openxmlformats.org/officeDocument/2006/relationships" xmlns:p="http://schemas.openxmlformats.org/presentationml/2006/main">
+  <p:cSld>
+    <p:spTree>
+      <p:nvGrpSpPr>
+        <p:cNvPr id="1" name=""/>
+        <p:cNvGrpSpPr/>
+        <p:nvPr/>
+      </p:nvGrpSpPr>
+      <p:grpSpPr>
+        <a:xfrm>
+          <a:off x="0" y="0"/>
+          <a:ext cx="0" cy="0"/>
+          <a:chOff x="0" y="0"/>
+          <a:chExt cx="0" cy="0"/>
+        </a:xfrm>
+      </p:grpSpPr>
+      <p:sp>
+        <p:nvSpPr>
+          <p:cNvPr id="2" name="Slide Image Placeholder 1"/>
+          <p:cNvSpPr>
+            <a:spLocks noGrp="1" noRot="1" noChangeAspect="1"/>
+          </p:cNvSpPr>
+          <p:nvPr>
+            <p:ph type="sldImg"/>
+          </p:nvPr>
+        </p:nvSpPr>
+        <p:spPr/>
+      </p:sp>
+      <p:sp>
+        <p:nvSpPr>
+          <p:cNvPr id="3" name="Notes Placeholder 2"/>
+          <p:cNvSpPr>
+            <a:spLocks noGrp="1"/>
+          </p:cNvSpPr>
+          <p:nvPr>
+            <p:ph type="body" idx="1"/>
+          </p:nvPr>
+        </p:nvSpPr>
+        <p:spPr/>
+        <p:txBody>
+          <a:bodyPr/>
+          <a:lstStyle/>
+          <a:p>
+            <a:pPr marL="0" algn="r" defTabSz="914400" rtl="1" eaLnBrk="1" latinLnBrk="0" hangingPunct="1"/>
+            <a:r>
+              <a:rPr lang="he-IL" dirty="0"/>
+              <a:t>איך לברוח ממינימום לוקאלי?</a:t>
+            </a:r>
+            <a:endParaRPr lang="en-US" dirty="0"/>
+          </a:p>
+        </p:txBody>
+      </p:sp>
+      <p:sp>
+        <p:nvSpPr>
+          <p:cNvPr id="4" name="Slide Number Placeholder 3"/>
+          <p:cNvSpPr>
+            <a:spLocks noGrp="1"/>
+          </p:cNvSpPr>
+          <p:nvPr>
+            <p:ph type="sldNum" sz="quarter" idx="5"/>
+          </p:nvPr>
+        </p:nvSpPr>
+        <p:spPr/>
+        <p:txBody>
+          <a:bodyPr/>
+          <a:lstStyle/>
+          <a:p>
+            <a:fld id="{71484194-BC9F-7343-A27E-E7872C54D571}" type="slidenum">
+              <a:rPr lang="en-US" smtClean="0"/>
+              <a:t>21</a:t>
             </a:fld>
             <a:endParaRPr lang="en-US"/>
           </a:p>
@@ -6299,7 +6556,7 @@
           <p:nvPr>
             <p:extLst>
               <p:ext uri="{D42A27DB-BD31-4B8C-83A1-F6EECF244321}">
-                <p14:modId xmlns:p14="http://schemas.microsoft.com/office/powerpoint/2010/main" val="1216041043"/>
+                <p14:modId xmlns:p14="http://schemas.microsoft.com/office/powerpoint/2010/main" val="3917721045"/>
               </p:ext>
             </p:extLst>
           </p:nvPr>
@@ -6386,7 +6643,10 @@
                     <a:lstStyle/>
                     <a:p>
                       <a:pPr algn="ctr"/>
-                      <a:endParaRPr lang="en-US" dirty="0"/>
+                      <a:r>
+                        <a:rPr lang="en-US" dirty="0"/>
+                        <a:t>50</a:t>
+                      </a:r>
                     </a:p>
                   </a:txBody>
                   <a:tcPr anchor="ctr"/>
@@ -6418,7 +6678,10 @@
                     <a:lstStyle/>
                     <a:p>
                       <a:pPr algn="ctr"/>
-                      <a:endParaRPr lang="en-US" dirty="0"/>
+                      <a:r>
+                        <a:rPr lang="en-US" dirty="0"/>
+                        <a:t>One bit flip</a:t>
+                      </a:r>
                     </a:p>
                   </a:txBody>
                   <a:tcPr anchor="ctr"/>
@@ -6450,7 +6713,10 @@
                     <a:lstStyle/>
                     <a:p>
                       <a:pPr algn="ctr"/>
-                      <a:endParaRPr lang="en-US" dirty="0"/>
+                      <a:r>
+                        <a:rPr lang="en-US" dirty="0"/>
+                        <a:t>0.4</a:t>
+                      </a:r>
                     </a:p>
                   </a:txBody>
                   <a:tcPr anchor="ctr"/>
@@ -6482,7 +6748,10 @@
                     <a:lstStyle/>
                     <a:p>
                       <a:pPr algn="ctr"/>
-                      <a:endParaRPr lang="en-US"/>
+                      <a:r>
+                        <a:rPr lang="en-US" dirty="0"/>
+                        <a:t>2</a:t>
+                      </a:r>
                     </a:p>
                   </a:txBody>
                   <a:tcPr anchor="ctr"/>
@@ -6514,7 +6783,10 @@
                     <a:lstStyle/>
                     <a:p>
                       <a:pPr algn="ctr"/>
-                      <a:endParaRPr lang="en-US" dirty="0"/>
+                      <a:r>
+                        <a:rPr lang="en-US" dirty="0"/>
+                        <a:t>Random out of 20% best</a:t>
+                      </a:r>
                     </a:p>
                   </a:txBody>
                   <a:tcPr anchor="ctr"/>
@@ -6545,8 +6817,27 @@
                     <a:bodyPr/>
                     <a:lstStyle/>
                     <a:p>
-                      <a:pPr algn="ctr"/>
-                      <a:endParaRPr lang="en-US" dirty="0"/>
+                      <a:pPr marL="0" marR="0" lvl="0" indent="0" algn="ctr" defTabSz="914400" rtl="0" eaLnBrk="1" fontAlgn="auto" latinLnBrk="0" hangingPunct="1">
+                        <a:lnSpc>
+                          <a:spcPct val="100000"/>
+                        </a:lnSpc>
+                        <a:spcBef>
+                          <a:spcPts val="0"/>
+                        </a:spcBef>
+                        <a:spcAft>
+                          <a:spcPts val="0"/>
+                        </a:spcAft>
+                        <a:buClrTx/>
+                        <a:buSzTx/>
+                        <a:buFontTx/>
+                        <a:buNone/>
+                        <a:tabLst/>
+                        <a:defRPr/>
+                      </a:pPr>
+                      <a:r>
+                        <a:rPr lang="en-US" dirty="0"/>
+                        <a:t>Elitism (20%)</a:t>
+                      </a:r>
                     </a:p>
                   </a:txBody>
                   <a:tcPr anchor="ctr"/>
@@ -6578,7 +6869,10 @@
                     <a:lstStyle/>
                     <a:p>
                       <a:pPr marL="0" algn="ctr" defTabSz="914400" rtl="0" eaLnBrk="1" latinLnBrk="0" hangingPunct="1"/>
-                      <a:endParaRPr lang="en-US" dirty="0"/>
+                      <a:r>
+                        <a:rPr lang="en-US" dirty="0"/>
+                        <a:t>10</a:t>
+                      </a:r>
                     </a:p>
                   </a:txBody>
                   <a:tcPr anchor="ctr"/>
@@ -6597,10 +6891,9 @@
                     <a:p>
                       <a:pPr algn="ctr"/>
                       <a:r>
-                        <a:rPr lang="en-US" dirty="0" err="1"/>
-                        <a:t>Generatoions</a:t>
+                        <a:rPr lang="en-US" dirty="0"/>
+                        <a:t>Generations</a:t>
                       </a:r>
-                      <a:endParaRPr lang="en-US" dirty="0"/>
                     </a:p>
                   </a:txBody>
                   <a:tcPr anchor="ctr"/>
@@ -6611,7 +6904,10 @@
                     <a:lstStyle/>
                     <a:p>
                       <a:pPr marL="0" algn="ctr" defTabSz="914400" rtl="0" eaLnBrk="1" latinLnBrk="0" hangingPunct="1"/>
-                      <a:endParaRPr lang="en-US" dirty="0"/>
+                      <a:r>
+                        <a:rPr lang="en-US" dirty="0"/>
+                        <a:t>50</a:t>
+                      </a:r>
                     </a:p>
                   </a:txBody>
                   <a:tcPr anchor="ctr"/>
@@ -6692,6 +6988,1634 @@
       </p:sp>
       <p:pic>
         <p:nvPicPr>
+          <p:cNvPr id="3" name="Picture 2">
+            <a:extLst>
+              <a:ext uri="{FF2B5EF4-FFF2-40B4-BE49-F238E27FC236}">
+                <a16:creationId xmlns:a16="http://schemas.microsoft.com/office/drawing/2014/main" id="{9F394E43-7119-9C43-AD83-B18917020522}"/>
+              </a:ext>
+            </a:extLst>
+          </p:cNvPr>
+          <p:cNvPicPr>
+            <a:picLocks noChangeAspect="1"/>
+          </p:cNvPicPr>
+          <p:nvPr/>
+        </p:nvPicPr>
+        <p:blipFill>
+          <a:blip r:embed="rId3">
+            <a:extLst>
+              <a:ext uri="{28A0092B-C50C-407E-A947-70E740481C1C}">
+                <a14:useLocalDpi xmlns:a14="http://schemas.microsoft.com/office/drawing/2010/main" val="0"/>
+              </a:ext>
+            </a:extLst>
+          </a:blip>
+          <a:stretch>
+            <a:fillRect/>
+          </a:stretch>
+        </p:blipFill>
+        <p:spPr>
+          <a:xfrm>
+            <a:off x="1165120" y="2054655"/>
+            <a:ext cx="5278474" cy="3970330"/>
+          </a:xfrm>
+          <a:prstGeom prst="rect">
+            <a:avLst/>
+          </a:prstGeom>
+        </p:spPr>
+      </p:pic>
+    </p:spTree>
+    <p:extLst>
+      <p:ext uri="{BB962C8B-B14F-4D97-AF65-F5344CB8AC3E}">
+        <p14:creationId xmlns:p14="http://schemas.microsoft.com/office/powerpoint/2010/main" val="936480082"/>
+      </p:ext>
+    </p:extLst>
+  </p:cSld>
+  <p:clrMapOvr>
+    <a:masterClrMapping/>
+  </p:clrMapOvr>
+</p:sld>
+</file>
+
+<file path=ppt/slides/slide16.xml><?xml version="1.0" encoding="utf-8"?>
+<p:sld xmlns:a="http://schemas.openxmlformats.org/drawingml/2006/main" xmlns:r="http://schemas.openxmlformats.org/officeDocument/2006/relationships" xmlns:p="http://schemas.openxmlformats.org/presentationml/2006/main">
+  <p:cSld>
+    <p:spTree>
+      <p:nvGrpSpPr>
+        <p:cNvPr id="1" name=""/>
+        <p:cNvGrpSpPr/>
+        <p:nvPr/>
+      </p:nvGrpSpPr>
+      <p:grpSpPr>
+        <a:xfrm>
+          <a:off x="0" y="0"/>
+          <a:ext cx="0" cy="0"/>
+          <a:chOff x="0" y="0"/>
+          <a:chExt cx="0" cy="0"/>
+        </a:xfrm>
+      </p:grpSpPr>
+      <p:sp>
+        <p:nvSpPr>
+          <p:cNvPr id="4" name="Title 3"/>
+          <p:cNvSpPr>
+            <a:spLocks noGrp="1"/>
+          </p:cNvSpPr>
+          <p:nvPr>
+            <p:ph type="title"/>
+          </p:nvPr>
+        </p:nvSpPr>
+        <p:spPr>
+          <a:xfrm>
+            <a:off x="296260" y="374900"/>
+            <a:ext cx="7016195" cy="610820"/>
+          </a:xfrm>
+        </p:spPr>
+        <p:txBody>
+          <a:bodyPr>
+            <a:normAutofit fontScale="90000"/>
+          </a:bodyPr>
+          <a:lstStyle/>
+          <a:p>
+            <a:pPr algn="l"/>
+            <a:r>
+              <a:rPr lang="en-US" dirty="0">
+                <a:solidFill>
+                  <a:schemeClr val="bg1"/>
+                </a:solidFill>
+              </a:rPr>
+              <a:t>Experiment Parameters</a:t>
+            </a:r>
+          </a:p>
+        </p:txBody>
+      </p:sp>
+      <p:graphicFrame>
+        <p:nvGraphicFramePr>
+          <p:cNvPr id="2" name="Table 1">
+            <a:extLst>
+              <a:ext uri="{FF2B5EF4-FFF2-40B4-BE49-F238E27FC236}">
+                <a16:creationId xmlns:a16="http://schemas.microsoft.com/office/drawing/2014/main" id="{86EC6377-B1ED-E148-8E47-8DEB9090C413}"/>
+              </a:ext>
+            </a:extLst>
+          </p:cNvPr>
+          <p:cNvGraphicFramePr>
+            <a:graphicFrameLocks noGrp="1"/>
+          </p:cNvGraphicFramePr>
+          <p:nvPr>
+            <p:extLst>
+              <p:ext uri="{D42A27DB-BD31-4B8C-83A1-F6EECF244321}">
+                <p14:modId xmlns:p14="http://schemas.microsoft.com/office/powerpoint/2010/main" val="3598532739"/>
+              </p:ext>
+            </p:extLst>
+          </p:nvPr>
+        </p:nvGraphicFramePr>
+        <p:xfrm>
+          <a:off x="754375" y="2054656"/>
+          <a:ext cx="7482546" cy="4295649"/>
+        </p:xfrm>
+        <a:graphic>
+          <a:graphicData uri="http://schemas.openxmlformats.org/drawingml/2006/table">
+            <a:tbl>
+              <a:tblPr firstRow="1" bandRow="1">
+                <a:tableStyleId>{21E4AEA4-8DFA-4A89-87EB-49C32662AFE0}</a:tableStyleId>
+              </a:tblPr>
+              <a:tblGrid>
+                <a:gridCol w="3741273">
+                  <a:extLst>
+                    <a:ext uri="{9D8B030D-6E8A-4147-A177-3AD203B41FA5}">
+                      <a16:colId xmlns:a16="http://schemas.microsoft.com/office/drawing/2014/main" val="3691351954"/>
+                    </a:ext>
+                  </a:extLst>
+                </a:gridCol>
+                <a:gridCol w="3741273">
+                  <a:extLst>
+                    <a:ext uri="{9D8B030D-6E8A-4147-A177-3AD203B41FA5}">
+                      <a16:colId xmlns:a16="http://schemas.microsoft.com/office/drawing/2014/main" val="1813416962"/>
+                    </a:ext>
+                  </a:extLst>
+                </a:gridCol>
+              </a:tblGrid>
+              <a:tr h="471473">
+                <a:tc>
+                  <a:txBody>
+                    <a:bodyPr/>
+                    <a:lstStyle/>
+                    <a:p>
+                      <a:pPr algn="ctr"/>
+                      <a:r>
+                        <a:rPr lang="en-US" dirty="0"/>
+                        <a:t>Parameter</a:t>
+                      </a:r>
+                    </a:p>
+                  </a:txBody>
+                  <a:tcPr anchor="ctr"/>
+                </a:tc>
+                <a:tc>
+                  <a:txBody>
+                    <a:bodyPr/>
+                    <a:lstStyle/>
+                    <a:p>
+                      <a:pPr algn="ctr"/>
+                      <a:r>
+                        <a:rPr lang="en-US" dirty="0"/>
+                        <a:t>Value</a:t>
+                      </a:r>
+                    </a:p>
+                  </a:txBody>
+                  <a:tcPr anchor="ctr"/>
+                </a:tc>
+                <a:extLst>
+                  <a:ext uri="{0D108BD9-81ED-4DB2-BD59-A6C34878D82A}">
+                    <a16:rowId xmlns:a16="http://schemas.microsoft.com/office/drawing/2014/main" val="675073070"/>
+                  </a:ext>
+                </a:extLst>
+              </a:tr>
+              <a:tr h="478022">
+                <a:tc>
+                  <a:txBody>
+                    <a:bodyPr/>
+                    <a:lstStyle/>
+                    <a:p>
+                      <a:pPr algn="ctr"/>
+                      <a:r>
+                        <a:rPr lang="en-US" dirty="0"/>
+                        <a:t>Population</a:t>
+                      </a:r>
+                    </a:p>
+                  </a:txBody>
+                  <a:tcPr anchor="ctr"/>
+                </a:tc>
+                <a:tc>
+                  <a:txBody>
+                    <a:bodyPr/>
+                    <a:lstStyle/>
+                    <a:p>
+                      <a:pPr algn="ctr"/>
+                      <a:r>
+                        <a:rPr lang="en-US" dirty="0"/>
+                        <a:t>50</a:t>
+                      </a:r>
+                    </a:p>
+                  </a:txBody>
+                  <a:tcPr anchor="ctr"/>
+                </a:tc>
+                <a:extLst>
+                  <a:ext uri="{0D108BD9-81ED-4DB2-BD59-A6C34878D82A}">
+                    <a16:rowId xmlns:a16="http://schemas.microsoft.com/office/drawing/2014/main" val="4188733316"/>
+                  </a:ext>
+                </a:extLst>
+              </a:tr>
+              <a:tr h="478022">
+                <a:tc>
+                  <a:txBody>
+                    <a:bodyPr/>
+                    <a:lstStyle/>
+                    <a:p>
+                      <a:pPr algn="ctr"/>
+                      <a:r>
+                        <a:rPr lang="en-US" dirty="0"/>
+                        <a:t>Mutation</a:t>
+                      </a:r>
+                    </a:p>
+                  </a:txBody>
+                  <a:tcPr anchor="ctr"/>
+                </a:tc>
+                <a:tc>
+                  <a:txBody>
+                    <a:bodyPr/>
+                    <a:lstStyle/>
+                    <a:p>
+                      <a:pPr algn="ctr"/>
+                      <a:r>
+                        <a:rPr lang="en-US" dirty="0"/>
+                        <a:t>One bit flip</a:t>
+                      </a:r>
+                    </a:p>
+                  </a:txBody>
+                  <a:tcPr anchor="ctr"/>
+                </a:tc>
+                <a:extLst>
+                  <a:ext uri="{0D108BD9-81ED-4DB2-BD59-A6C34878D82A}">
+                    <a16:rowId xmlns:a16="http://schemas.microsoft.com/office/drawing/2014/main" val="2771147056"/>
+                  </a:ext>
+                </a:extLst>
+              </a:tr>
+              <a:tr h="478022">
+                <a:tc>
+                  <a:txBody>
+                    <a:bodyPr/>
+                    <a:lstStyle/>
+                    <a:p>
+                      <a:pPr algn="ctr"/>
+                      <a:r>
+                        <a:rPr lang="en-US" dirty="0"/>
+                        <a:t>Mutation Probability</a:t>
+                      </a:r>
+                    </a:p>
+                  </a:txBody>
+                  <a:tcPr anchor="ctr"/>
+                </a:tc>
+                <a:tc>
+                  <a:txBody>
+                    <a:bodyPr/>
+                    <a:lstStyle/>
+                    <a:p>
+                      <a:pPr algn="ctr"/>
+                      <a:r>
+                        <a:rPr lang="en-US" dirty="0"/>
+                        <a:t>0.4</a:t>
+                      </a:r>
+                    </a:p>
+                  </a:txBody>
+                  <a:tcPr anchor="ctr"/>
+                </a:tc>
+                <a:extLst>
+                  <a:ext uri="{0D108BD9-81ED-4DB2-BD59-A6C34878D82A}">
+                    <a16:rowId xmlns:a16="http://schemas.microsoft.com/office/drawing/2014/main" val="2179791702"/>
+                  </a:ext>
+                </a:extLst>
+              </a:tr>
+              <a:tr h="478022">
+                <a:tc>
+                  <a:txBody>
+                    <a:bodyPr/>
+                    <a:lstStyle/>
+                    <a:p>
+                      <a:pPr algn="ctr"/>
+                      <a:r>
+                        <a:rPr lang="en-US" dirty="0"/>
+                        <a:t>Crossover</a:t>
+                      </a:r>
+                    </a:p>
+                  </a:txBody>
+                  <a:tcPr anchor="ctr"/>
+                </a:tc>
+                <a:tc>
+                  <a:txBody>
+                    <a:bodyPr/>
+                    <a:lstStyle/>
+                    <a:p>
+                      <a:pPr algn="ctr"/>
+                      <a:r>
+                        <a:rPr lang="en-US" dirty="0"/>
+                        <a:t>2</a:t>
+                      </a:r>
+                    </a:p>
+                  </a:txBody>
+                  <a:tcPr anchor="ctr"/>
+                </a:tc>
+                <a:extLst>
+                  <a:ext uri="{0D108BD9-81ED-4DB2-BD59-A6C34878D82A}">
+                    <a16:rowId xmlns:a16="http://schemas.microsoft.com/office/drawing/2014/main" val="2315914286"/>
+                  </a:ext>
+                </a:extLst>
+              </a:tr>
+              <a:tr h="478022">
+                <a:tc>
+                  <a:txBody>
+                    <a:bodyPr/>
+                    <a:lstStyle/>
+                    <a:p>
+                      <a:pPr algn="ctr"/>
+                      <a:r>
+                        <a:rPr lang="en-US" dirty="0"/>
+                        <a:t>Parent Selection</a:t>
+                      </a:r>
+                    </a:p>
+                  </a:txBody>
+                  <a:tcPr anchor="ctr"/>
+                </a:tc>
+                <a:tc>
+                  <a:txBody>
+                    <a:bodyPr/>
+                    <a:lstStyle/>
+                    <a:p>
+                      <a:pPr algn="ctr"/>
+                      <a:r>
+                        <a:rPr lang="en-US" dirty="0"/>
+                        <a:t>Random out of 20% best</a:t>
+                      </a:r>
+                    </a:p>
+                  </a:txBody>
+                  <a:tcPr anchor="ctr"/>
+                </a:tc>
+                <a:extLst>
+                  <a:ext uri="{0D108BD9-81ED-4DB2-BD59-A6C34878D82A}">
+                    <a16:rowId xmlns:a16="http://schemas.microsoft.com/office/drawing/2014/main" val="1983404864"/>
+                  </a:ext>
+                </a:extLst>
+              </a:tr>
+              <a:tr h="478022">
+                <a:tc>
+                  <a:txBody>
+                    <a:bodyPr/>
+                    <a:lstStyle/>
+                    <a:p>
+                      <a:pPr algn="ctr"/>
+                      <a:r>
+                        <a:rPr lang="en-US" dirty="0"/>
+                        <a:t>Survivor Selection</a:t>
+                      </a:r>
+                    </a:p>
+                  </a:txBody>
+                  <a:tcPr anchor="ctr"/>
+                </a:tc>
+                <a:tc>
+                  <a:txBody>
+                    <a:bodyPr/>
+                    <a:lstStyle/>
+                    <a:p>
+                      <a:pPr marL="0" marR="0" lvl="0" indent="0" algn="ctr" defTabSz="914400" rtl="0" eaLnBrk="1" fontAlgn="auto" latinLnBrk="0" hangingPunct="1">
+                        <a:lnSpc>
+                          <a:spcPct val="100000"/>
+                        </a:lnSpc>
+                        <a:spcBef>
+                          <a:spcPts val="0"/>
+                        </a:spcBef>
+                        <a:spcAft>
+                          <a:spcPts val="0"/>
+                        </a:spcAft>
+                        <a:buClrTx/>
+                        <a:buSzTx/>
+                        <a:buFontTx/>
+                        <a:buNone/>
+                        <a:tabLst/>
+                        <a:defRPr/>
+                      </a:pPr>
+                      <a:r>
+                        <a:rPr lang="en-US" dirty="0"/>
+                        <a:t>Elitism (20%)</a:t>
+                      </a:r>
+                    </a:p>
+                  </a:txBody>
+                  <a:tcPr anchor="ctr"/>
+                </a:tc>
+                <a:extLst>
+                  <a:ext uri="{0D108BD9-81ED-4DB2-BD59-A6C34878D82A}">
+                    <a16:rowId xmlns:a16="http://schemas.microsoft.com/office/drawing/2014/main" val="3391333492"/>
+                  </a:ext>
+                </a:extLst>
+              </a:tr>
+              <a:tr h="478022">
+                <a:tc>
+                  <a:txBody>
+                    <a:bodyPr/>
+                    <a:lstStyle/>
+                    <a:p>
+                      <a:pPr algn="ctr"/>
+                      <a:r>
+                        <a:rPr lang="en-US" dirty="0"/>
+                        <a:t>Best Fitness</a:t>
+                      </a:r>
+                    </a:p>
+                  </a:txBody>
+                  <a:tcPr anchor="ctr"/>
+                </a:tc>
+                <a:tc>
+                  <a:txBody>
+                    <a:bodyPr/>
+                    <a:lstStyle/>
+                    <a:p>
+                      <a:pPr marL="0" algn="ctr" defTabSz="914400" rtl="0" eaLnBrk="1" latinLnBrk="0" hangingPunct="1"/>
+                      <a:r>
+                        <a:rPr lang="en-US" dirty="0"/>
+                        <a:t>0</a:t>
+                      </a:r>
+                    </a:p>
+                  </a:txBody>
+                  <a:tcPr anchor="ctr"/>
+                </a:tc>
+                <a:extLst>
+                  <a:ext uri="{0D108BD9-81ED-4DB2-BD59-A6C34878D82A}">
+                    <a16:rowId xmlns:a16="http://schemas.microsoft.com/office/drawing/2014/main" val="444731229"/>
+                  </a:ext>
+                </a:extLst>
+              </a:tr>
+              <a:tr h="478022">
+                <a:tc>
+                  <a:txBody>
+                    <a:bodyPr/>
+                    <a:lstStyle/>
+                    <a:p>
+                      <a:pPr algn="ctr"/>
+                      <a:r>
+                        <a:rPr lang="en-US" dirty="0"/>
+                        <a:t>Generations</a:t>
+                      </a:r>
+                    </a:p>
+                  </a:txBody>
+                  <a:tcPr anchor="ctr"/>
+                </a:tc>
+                <a:tc>
+                  <a:txBody>
+                    <a:bodyPr/>
+                    <a:lstStyle/>
+                    <a:p>
+                      <a:pPr marL="0" algn="ctr" defTabSz="914400" rtl="0" eaLnBrk="1" latinLnBrk="0" hangingPunct="1"/>
+                      <a:r>
+                        <a:rPr lang="en-US" dirty="0"/>
+                        <a:t>1000</a:t>
+                      </a:r>
+                    </a:p>
+                  </a:txBody>
+                  <a:tcPr anchor="ctr"/>
+                </a:tc>
+                <a:extLst>
+                  <a:ext uri="{0D108BD9-81ED-4DB2-BD59-A6C34878D82A}">
+                    <a16:rowId xmlns:a16="http://schemas.microsoft.com/office/drawing/2014/main" val="2959854607"/>
+                  </a:ext>
+                </a:extLst>
+              </a:tr>
+            </a:tbl>
+          </a:graphicData>
+        </a:graphic>
+      </p:graphicFrame>
+    </p:spTree>
+    <p:extLst>
+      <p:ext uri="{BB962C8B-B14F-4D97-AF65-F5344CB8AC3E}">
+        <p14:creationId xmlns:p14="http://schemas.microsoft.com/office/powerpoint/2010/main" val="401999839"/>
+      </p:ext>
+    </p:extLst>
+  </p:cSld>
+  <p:clrMapOvr>
+    <a:masterClrMapping/>
+  </p:clrMapOvr>
+</p:sld>
+</file>
+
+<file path=ppt/slides/slide17.xml><?xml version="1.0" encoding="utf-8"?>
+<p:sld xmlns:a="http://schemas.openxmlformats.org/drawingml/2006/main" xmlns:r="http://schemas.openxmlformats.org/officeDocument/2006/relationships" xmlns:p="http://schemas.openxmlformats.org/presentationml/2006/main">
+  <p:cSld>
+    <p:spTree>
+      <p:nvGrpSpPr>
+        <p:cNvPr id="1" name=""/>
+        <p:cNvGrpSpPr/>
+        <p:nvPr/>
+      </p:nvGrpSpPr>
+      <p:grpSpPr>
+        <a:xfrm>
+          <a:off x="0" y="0"/>
+          <a:ext cx="0" cy="0"/>
+          <a:chOff x="0" y="0"/>
+          <a:chExt cx="0" cy="0"/>
+        </a:xfrm>
+      </p:grpSpPr>
+      <p:sp>
+        <p:nvSpPr>
+          <p:cNvPr id="4" name="Title 3"/>
+          <p:cNvSpPr>
+            <a:spLocks noGrp="1"/>
+          </p:cNvSpPr>
+          <p:nvPr>
+            <p:ph type="title"/>
+          </p:nvPr>
+        </p:nvSpPr>
+        <p:spPr>
+          <a:xfrm>
+            <a:off x="296260" y="374900"/>
+            <a:ext cx="7016195" cy="610820"/>
+          </a:xfrm>
+        </p:spPr>
+        <p:txBody>
+          <a:bodyPr>
+            <a:normAutofit fontScale="90000"/>
+          </a:bodyPr>
+          <a:lstStyle/>
+          <a:p>
+            <a:pPr algn="l"/>
+            <a:r>
+              <a:rPr lang="en-US" dirty="0">
+                <a:solidFill>
+                  <a:schemeClr val="bg1"/>
+                </a:solidFill>
+              </a:rPr>
+              <a:t>Initial Results</a:t>
+            </a:r>
+          </a:p>
+        </p:txBody>
+      </p:sp>
+      <p:pic>
+        <p:nvPicPr>
+          <p:cNvPr id="3" name="Picture 2">
+            <a:extLst>
+              <a:ext uri="{FF2B5EF4-FFF2-40B4-BE49-F238E27FC236}">
+                <a16:creationId xmlns:a16="http://schemas.microsoft.com/office/drawing/2014/main" id="{C606D2C5-F1A4-484A-8122-2D125C3A3AA7}"/>
+              </a:ext>
+            </a:extLst>
+          </p:cNvPr>
+          <p:cNvPicPr>
+            <a:picLocks noChangeAspect="1"/>
+          </p:cNvPicPr>
+          <p:nvPr/>
+        </p:nvPicPr>
+        <p:blipFill>
+          <a:blip r:embed="rId3">
+            <a:extLst>
+              <a:ext uri="{28A0092B-C50C-407E-A947-70E740481C1C}">
+                <a14:useLocalDpi xmlns:a14="http://schemas.microsoft.com/office/drawing/2010/main" val="0"/>
+              </a:ext>
+            </a:extLst>
+          </a:blip>
+          <a:stretch>
+            <a:fillRect/>
+          </a:stretch>
+        </p:blipFill>
+        <p:spPr>
+          <a:xfrm>
+            <a:off x="1348452" y="2054655"/>
+            <a:ext cx="4911810" cy="3694535"/>
+          </a:xfrm>
+          <a:prstGeom prst="rect">
+            <a:avLst/>
+          </a:prstGeom>
+        </p:spPr>
+      </p:pic>
+    </p:spTree>
+    <p:extLst>
+      <p:ext uri="{BB962C8B-B14F-4D97-AF65-F5344CB8AC3E}">
+        <p14:creationId xmlns:p14="http://schemas.microsoft.com/office/powerpoint/2010/main" val="4013326040"/>
+      </p:ext>
+    </p:extLst>
+  </p:cSld>
+  <p:clrMapOvr>
+    <a:masterClrMapping/>
+  </p:clrMapOvr>
+</p:sld>
+</file>
+
+<file path=ppt/slides/slide18.xml><?xml version="1.0" encoding="utf-8"?>
+<p:sld xmlns:a="http://schemas.openxmlformats.org/drawingml/2006/main" xmlns:r="http://schemas.openxmlformats.org/officeDocument/2006/relationships" xmlns:p="http://schemas.openxmlformats.org/presentationml/2006/main">
+  <p:cSld>
+    <p:spTree>
+      <p:nvGrpSpPr>
+        <p:cNvPr id="1" name=""/>
+        <p:cNvGrpSpPr/>
+        <p:nvPr/>
+      </p:nvGrpSpPr>
+      <p:grpSpPr>
+        <a:xfrm>
+          <a:off x="0" y="0"/>
+          <a:ext cx="0" cy="0"/>
+          <a:chOff x="0" y="0"/>
+          <a:chExt cx="0" cy="0"/>
+        </a:xfrm>
+      </p:grpSpPr>
+      <p:sp>
+        <p:nvSpPr>
+          <p:cNvPr id="4" name="Title 3"/>
+          <p:cNvSpPr>
+            <a:spLocks noGrp="1"/>
+          </p:cNvSpPr>
+          <p:nvPr>
+            <p:ph type="title"/>
+          </p:nvPr>
+        </p:nvSpPr>
+        <p:spPr>
+          <a:xfrm>
+            <a:off x="296260" y="374900"/>
+            <a:ext cx="7016195" cy="610820"/>
+          </a:xfrm>
+        </p:spPr>
+        <p:txBody>
+          <a:bodyPr>
+            <a:normAutofit fontScale="90000"/>
+          </a:bodyPr>
+          <a:lstStyle/>
+          <a:p>
+            <a:pPr algn="l"/>
+            <a:r>
+              <a:rPr lang="en-US" dirty="0">
+                <a:solidFill>
+                  <a:schemeClr val="bg1"/>
+                </a:solidFill>
+              </a:rPr>
+              <a:t>Experiment Parameters</a:t>
+            </a:r>
+          </a:p>
+        </p:txBody>
+      </p:sp>
+      <p:graphicFrame>
+        <p:nvGraphicFramePr>
+          <p:cNvPr id="2" name="Table 1">
+            <a:extLst>
+              <a:ext uri="{FF2B5EF4-FFF2-40B4-BE49-F238E27FC236}">
+                <a16:creationId xmlns:a16="http://schemas.microsoft.com/office/drawing/2014/main" id="{86EC6377-B1ED-E148-8E47-8DEB9090C413}"/>
+              </a:ext>
+            </a:extLst>
+          </p:cNvPr>
+          <p:cNvGraphicFramePr>
+            <a:graphicFrameLocks noGrp="1"/>
+          </p:cNvGraphicFramePr>
+          <p:nvPr>
+            <p:extLst>
+              <p:ext uri="{D42A27DB-BD31-4B8C-83A1-F6EECF244321}">
+                <p14:modId xmlns:p14="http://schemas.microsoft.com/office/powerpoint/2010/main" val="4143498186"/>
+              </p:ext>
+            </p:extLst>
+          </p:nvPr>
+        </p:nvGraphicFramePr>
+        <p:xfrm>
+          <a:off x="754375" y="2054656"/>
+          <a:ext cx="7482546" cy="4295649"/>
+        </p:xfrm>
+        <a:graphic>
+          <a:graphicData uri="http://schemas.openxmlformats.org/drawingml/2006/table">
+            <a:tbl>
+              <a:tblPr firstRow="1" bandRow="1">
+                <a:tableStyleId>{21E4AEA4-8DFA-4A89-87EB-49C32662AFE0}</a:tableStyleId>
+              </a:tblPr>
+              <a:tblGrid>
+                <a:gridCol w="3741273">
+                  <a:extLst>
+                    <a:ext uri="{9D8B030D-6E8A-4147-A177-3AD203B41FA5}">
+                      <a16:colId xmlns:a16="http://schemas.microsoft.com/office/drawing/2014/main" val="3691351954"/>
+                    </a:ext>
+                  </a:extLst>
+                </a:gridCol>
+                <a:gridCol w="3741273">
+                  <a:extLst>
+                    <a:ext uri="{9D8B030D-6E8A-4147-A177-3AD203B41FA5}">
+                      <a16:colId xmlns:a16="http://schemas.microsoft.com/office/drawing/2014/main" val="1813416962"/>
+                    </a:ext>
+                  </a:extLst>
+                </a:gridCol>
+              </a:tblGrid>
+              <a:tr h="471473">
+                <a:tc>
+                  <a:txBody>
+                    <a:bodyPr/>
+                    <a:lstStyle/>
+                    <a:p>
+                      <a:pPr algn="ctr"/>
+                      <a:r>
+                        <a:rPr lang="en-US" dirty="0"/>
+                        <a:t>Parameter</a:t>
+                      </a:r>
+                    </a:p>
+                  </a:txBody>
+                  <a:tcPr anchor="ctr"/>
+                </a:tc>
+                <a:tc>
+                  <a:txBody>
+                    <a:bodyPr/>
+                    <a:lstStyle/>
+                    <a:p>
+                      <a:pPr algn="ctr"/>
+                      <a:r>
+                        <a:rPr lang="en-US" dirty="0"/>
+                        <a:t>Value</a:t>
+                      </a:r>
+                    </a:p>
+                  </a:txBody>
+                  <a:tcPr anchor="ctr"/>
+                </a:tc>
+                <a:extLst>
+                  <a:ext uri="{0D108BD9-81ED-4DB2-BD59-A6C34878D82A}">
+                    <a16:rowId xmlns:a16="http://schemas.microsoft.com/office/drawing/2014/main" val="675073070"/>
+                  </a:ext>
+                </a:extLst>
+              </a:tr>
+              <a:tr h="478022">
+                <a:tc>
+                  <a:txBody>
+                    <a:bodyPr/>
+                    <a:lstStyle/>
+                    <a:p>
+                      <a:pPr algn="ctr"/>
+                      <a:r>
+                        <a:rPr lang="en-US" dirty="0"/>
+                        <a:t>Population</a:t>
+                      </a:r>
+                    </a:p>
+                  </a:txBody>
+                  <a:tcPr anchor="ctr"/>
+                </a:tc>
+                <a:tc>
+                  <a:txBody>
+                    <a:bodyPr/>
+                    <a:lstStyle/>
+                    <a:p>
+                      <a:pPr algn="ctr"/>
+                      <a:r>
+                        <a:rPr lang="en-US" dirty="0"/>
+                        <a:t>100</a:t>
+                      </a:r>
+                    </a:p>
+                  </a:txBody>
+                  <a:tcPr anchor="ctr"/>
+                </a:tc>
+                <a:extLst>
+                  <a:ext uri="{0D108BD9-81ED-4DB2-BD59-A6C34878D82A}">
+                    <a16:rowId xmlns:a16="http://schemas.microsoft.com/office/drawing/2014/main" val="4188733316"/>
+                  </a:ext>
+                </a:extLst>
+              </a:tr>
+              <a:tr h="478022">
+                <a:tc>
+                  <a:txBody>
+                    <a:bodyPr/>
+                    <a:lstStyle/>
+                    <a:p>
+                      <a:pPr algn="ctr"/>
+                      <a:r>
+                        <a:rPr lang="en-US" dirty="0"/>
+                        <a:t>Mutation</a:t>
+                      </a:r>
+                    </a:p>
+                  </a:txBody>
+                  <a:tcPr anchor="ctr"/>
+                </a:tc>
+                <a:tc>
+                  <a:txBody>
+                    <a:bodyPr/>
+                    <a:lstStyle/>
+                    <a:p>
+                      <a:pPr algn="ctr"/>
+                      <a:r>
+                        <a:rPr lang="en-US" dirty="0"/>
+                        <a:t>One bit flip</a:t>
+                      </a:r>
+                    </a:p>
+                  </a:txBody>
+                  <a:tcPr anchor="ctr"/>
+                </a:tc>
+                <a:extLst>
+                  <a:ext uri="{0D108BD9-81ED-4DB2-BD59-A6C34878D82A}">
+                    <a16:rowId xmlns:a16="http://schemas.microsoft.com/office/drawing/2014/main" val="2771147056"/>
+                  </a:ext>
+                </a:extLst>
+              </a:tr>
+              <a:tr h="478022">
+                <a:tc>
+                  <a:txBody>
+                    <a:bodyPr/>
+                    <a:lstStyle/>
+                    <a:p>
+                      <a:pPr algn="ctr"/>
+                      <a:r>
+                        <a:rPr lang="en-US" dirty="0"/>
+                        <a:t>Mutation Probability</a:t>
+                      </a:r>
+                    </a:p>
+                  </a:txBody>
+                  <a:tcPr anchor="ctr"/>
+                </a:tc>
+                <a:tc>
+                  <a:txBody>
+                    <a:bodyPr/>
+                    <a:lstStyle/>
+                    <a:p>
+                      <a:pPr algn="ctr"/>
+                      <a:r>
+                        <a:rPr lang="en-US" dirty="0"/>
+                        <a:t>0.4</a:t>
+                      </a:r>
+                    </a:p>
+                  </a:txBody>
+                  <a:tcPr anchor="ctr"/>
+                </a:tc>
+                <a:extLst>
+                  <a:ext uri="{0D108BD9-81ED-4DB2-BD59-A6C34878D82A}">
+                    <a16:rowId xmlns:a16="http://schemas.microsoft.com/office/drawing/2014/main" val="2179791702"/>
+                  </a:ext>
+                </a:extLst>
+              </a:tr>
+              <a:tr h="478022">
+                <a:tc>
+                  <a:txBody>
+                    <a:bodyPr/>
+                    <a:lstStyle/>
+                    <a:p>
+                      <a:pPr algn="ctr"/>
+                      <a:r>
+                        <a:rPr lang="en-US" dirty="0"/>
+                        <a:t>Crossover</a:t>
+                      </a:r>
+                    </a:p>
+                  </a:txBody>
+                  <a:tcPr anchor="ctr"/>
+                </a:tc>
+                <a:tc>
+                  <a:txBody>
+                    <a:bodyPr/>
+                    <a:lstStyle/>
+                    <a:p>
+                      <a:pPr algn="ctr"/>
+                      <a:r>
+                        <a:rPr lang="en-US" dirty="0"/>
+                        <a:t>2</a:t>
+                      </a:r>
+                    </a:p>
+                  </a:txBody>
+                  <a:tcPr anchor="ctr"/>
+                </a:tc>
+                <a:extLst>
+                  <a:ext uri="{0D108BD9-81ED-4DB2-BD59-A6C34878D82A}">
+                    <a16:rowId xmlns:a16="http://schemas.microsoft.com/office/drawing/2014/main" val="2315914286"/>
+                  </a:ext>
+                </a:extLst>
+              </a:tr>
+              <a:tr h="478022">
+                <a:tc>
+                  <a:txBody>
+                    <a:bodyPr/>
+                    <a:lstStyle/>
+                    <a:p>
+                      <a:pPr algn="ctr"/>
+                      <a:r>
+                        <a:rPr lang="en-US" dirty="0"/>
+                        <a:t>Parent Selection</a:t>
+                      </a:r>
+                    </a:p>
+                  </a:txBody>
+                  <a:tcPr anchor="ctr"/>
+                </a:tc>
+                <a:tc>
+                  <a:txBody>
+                    <a:bodyPr/>
+                    <a:lstStyle/>
+                    <a:p>
+                      <a:pPr algn="ctr"/>
+                      <a:r>
+                        <a:rPr lang="en-US" dirty="0"/>
+                        <a:t>Random out of 20% best</a:t>
+                      </a:r>
+                    </a:p>
+                  </a:txBody>
+                  <a:tcPr anchor="ctr"/>
+                </a:tc>
+                <a:extLst>
+                  <a:ext uri="{0D108BD9-81ED-4DB2-BD59-A6C34878D82A}">
+                    <a16:rowId xmlns:a16="http://schemas.microsoft.com/office/drawing/2014/main" val="1983404864"/>
+                  </a:ext>
+                </a:extLst>
+              </a:tr>
+              <a:tr h="478022">
+                <a:tc>
+                  <a:txBody>
+                    <a:bodyPr/>
+                    <a:lstStyle/>
+                    <a:p>
+                      <a:pPr algn="ctr"/>
+                      <a:r>
+                        <a:rPr lang="en-US" dirty="0"/>
+                        <a:t>Survivor Selection</a:t>
+                      </a:r>
+                    </a:p>
+                  </a:txBody>
+                  <a:tcPr anchor="ctr"/>
+                </a:tc>
+                <a:tc>
+                  <a:txBody>
+                    <a:bodyPr/>
+                    <a:lstStyle/>
+                    <a:p>
+                      <a:pPr algn="ctr"/>
+                      <a:r>
+                        <a:rPr lang="en-US" dirty="0"/>
+                        <a:t>Elitism (20%)</a:t>
+                      </a:r>
+                    </a:p>
+                  </a:txBody>
+                  <a:tcPr anchor="ctr"/>
+                </a:tc>
+                <a:extLst>
+                  <a:ext uri="{0D108BD9-81ED-4DB2-BD59-A6C34878D82A}">
+                    <a16:rowId xmlns:a16="http://schemas.microsoft.com/office/drawing/2014/main" val="3391333492"/>
+                  </a:ext>
+                </a:extLst>
+              </a:tr>
+              <a:tr h="478022">
+                <a:tc>
+                  <a:txBody>
+                    <a:bodyPr/>
+                    <a:lstStyle/>
+                    <a:p>
+                      <a:pPr algn="ctr"/>
+                      <a:r>
+                        <a:rPr lang="en-US" dirty="0"/>
+                        <a:t>Best Fitness</a:t>
+                      </a:r>
+                    </a:p>
+                  </a:txBody>
+                  <a:tcPr anchor="ctr"/>
+                </a:tc>
+                <a:tc>
+                  <a:txBody>
+                    <a:bodyPr/>
+                    <a:lstStyle/>
+                    <a:p>
+                      <a:pPr marL="0" algn="ctr" defTabSz="914400" rtl="0" eaLnBrk="1" latinLnBrk="0" hangingPunct="1"/>
+                      <a:r>
+                        <a:rPr lang="en-US" dirty="0"/>
+                        <a:t>30</a:t>
+                      </a:r>
+                    </a:p>
+                  </a:txBody>
+                  <a:tcPr anchor="ctr"/>
+                </a:tc>
+                <a:extLst>
+                  <a:ext uri="{0D108BD9-81ED-4DB2-BD59-A6C34878D82A}">
+                    <a16:rowId xmlns:a16="http://schemas.microsoft.com/office/drawing/2014/main" val="444731229"/>
+                  </a:ext>
+                </a:extLst>
+              </a:tr>
+              <a:tr h="478022">
+                <a:tc>
+                  <a:txBody>
+                    <a:bodyPr/>
+                    <a:lstStyle/>
+                    <a:p>
+                      <a:pPr algn="ctr"/>
+                      <a:r>
+                        <a:rPr lang="en-US" dirty="0"/>
+                        <a:t>Generations</a:t>
+                      </a:r>
+                    </a:p>
+                  </a:txBody>
+                  <a:tcPr anchor="ctr"/>
+                </a:tc>
+                <a:tc>
+                  <a:txBody>
+                    <a:bodyPr/>
+                    <a:lstStyle/>
+                    <a:p>
+                      <a:pPr marL="0" algn="ctr" defTabSz="914400" rtl="0" eaLnBrk="1" latinLnBrk="0" hangingPunct="1"/>
+                      <a:r>
+                        <a:rPr lang="en-US" dirty="0"/>
+                        <a:t>1000</a:t>
+                      </a:r>
+                    </a:p>
+                  </a:txBody>
+                  <a:tcPr anchor="ctr"/>
+                </a:tc>
+                <a:extLst>
+                  <a:ext uri="{0D108BD9-81ED-4DB2-BD59-A6C34878D82A}">
+                    <a16:rowId xmlns:a16="http://schemas.microsoft.com/office/drawing/2014/main" val="2959854607"/>
+                  </a:ext>
+                </a:extLst>
+              </a:tr>
+            </a:tbl>
+          </a:graphicData>
+        </a:graphic>
+      </p:graphicFrame>
+    </p:spTree>
+    <p:extLst>
+      <p:ext uri="{BB962C8B-B14F-4D97-AF65-F5344CB8AC3E}">
+        <p14:creationId xmlns:p14="http://schemas.microsoft.com/office/powerpoint/2010/main" val="1070040958"/>
+      </p:ext>
+    </p:extLst>
+  </p:cSld>
+  <p:clrMapOvr>
+    <a:masterClrMapping/>
+  </p:clrMapOvr>
+</p:sld>
+</file>
+
+<file path=ppt/slides/slide19.xml><?xml version="1.0" encoding="utf-8"?>
+<p:sld xmlns:a="http://schemas.openxmlformats.org/drawingml/2006/main" xmlns:r="http://schemas.openxmlformats.org/officeDocument/2006/relationships" xmlns:p="http://schemas.openxmlformats.org/presentationml/2006/main">
+  <p:cSld>
+    <p:spTree>
+      <p:nvGrpSpPr>
+        <p:cNvPr id="1" name=""/>
+        <p:cNvGrpSpPr/>
+        <p:nvPr/>
+      </p:nvGrpSpPr>
+      <p:grpSpPr>
+        <a:xfrm>
+          <a:off x="0" y="0"/>
+          <a:ext cx="0" cy="0"/>
+          <a:chOff x="0" y="0"/>
+          <a:chExt cx="0" cy="0"/>
+        </a:xfrm>
+      </p:grpSpPr>
+      <p:sp>
+        <p:nvSpPr>
+          <p:cNvPr id="4" name="Title 3"/>
+          <p:cNvSpPr>
+            <a:spLocks noGrp="1"/>
+          </p:cNvSpPr>
+          <p:nvPr>
+            <p:ph type="title"/>
+          </p:nvPr>
+        </p:nvSpPr>
+        <p:spPr>
+          <a:xfrm>
+            <a:off x="296260" y="374900"/>
+            <a:ext cx="7016195" cy="610820"/>
+          </a:xfrm>
+        </p:spPr>
+        <p:txBody>
+          <a:bodyPr>
+            <a:normAutofit fontScale="90000"/>
+          </a:bodyPr>
+          <a:lstStyle/>
+          <a:p>
+            <a:pPr algn="l"/>
+            <a:r>
+              <a:rPr lang="en-US" dirty="0">
+                <a:solidFill>
+                  <a:schemeClr val="bg1"/>
+                </a:solidFill>
+              </a:rPr>
+              <a:t>Initial Results</a:t>
+            </a:r>
+          </a:p>
+        </p:txBody>
+      </p:sp>
+      <p:pic>
+        <p:nvPicPr>
+          <p:cNvPr id="3" name="Picture 2">
+            <a:extLst>
+              <a:ext uri="{FF2B5EF4-FFF2-40B4-BE49-F238E27FC236}">
+                <a16:creationId xmlns:a16="http://schemas.microsoft.com/office/drawing/2014/main" id="{879DE6F1-5E93-1C4C-A51D-C5AD1C4CCF47}"/>
+              </a:ext>
+            </a:extLst>
+          </p:cNvPr>
+          <p:cNvPicPr>
+            <a:picLocks noChangeAspect="1"/>
+          </p:cNvPicPr>
+          <p:nvPr/>
+        </p:nvPicPr>
+        <p:blipFill>
+          <a:blip r:embed="rId3">
+            <a:extLst>
+              <a:ext uri="{28A0092B-C50C-407E-A947-70E740481C1C}">
+                <a14:useLocalDpi xmlns:a14="http://schemas.microsoft.com/office/drawing/2010/main" val="0"/>
+              </a:ext>
+            </a:extLst>
+          </a:blip>
+          <a:stretch>
+            <a:fillRect/>
+          </a:stretch>
+        </p:blipFill>
+        <p:spPr>
+          <a:xfrm>
+            <a:off x="1119394" y="1901950"/>
+            <a:ext cx="5369925" cy="4039117"/>
+          </a:xfrm>
+          <a:prstGeom prst="rect">
+            <a:avLst/>
+          </a:prstGeom>
+        </p:spPr>
+      </p:pic>
+    </p:spTree>
+    <p:extLst>
+      <p:ext uri="{BB962C8B-B14F-4D97-AF65-F5344CB8AC3E}">
+        <p14:creationId xmlns:p14="http://schemas.microsoft.com/office/powerpoint/2010/main" val="1636351925"/>
+      </p:ext>
+    </p:extLst>
+  </p:cSld>
+  <p:clrMapOvr>
+    <a:masterClrMapping/>
+  </p:clrMapOvr>
+</p:sld>
+</file>
+
+<file path=ppt/slides/slide2.xml><?xml version="1.0" encoding="utf-8"?>
+<p:sld xmlns:a="http://schemas.openxmlformats.org/drawingml/2006/main" xmlns:r="http://schemas.openxmlformats.org/officeDocument/2006/relationships" xmlns:p="http://schemas.openxmlformats.org/presentationml/2006/main">
+  <p:cSld>
+    <p:spTree>
+      <p:nvGrpSpPr>
+        <p:cNvPr id="1" name=""/>
+        <p:cNvGrpSpPr/>
+        <p:nvPr/>
+      </p:nvGrpSpPr>
+      <p:grpSpPr>
+        <a:xfrm>
+          <a:off x="0" y="0"/>
+          <a:ext cx="0" cy="0"/>
+          <a:chOff x="0" y="0"/>
+          <a:chExt cx="0" cy="0"/>
+        </a:xfrm>
+      </p:grpSpPr>
+      <p:sp>
+        <p:nvSpPr>
+          <p:cNvPr id="2" name="Title 1"/>
+          <p:cNvSpPr>
+            <a:spLocks noGrp="1"/>
+          </p:cNvSpPr>
+          <p:nvPr>
+            <p:ph type="title"/>
+          </p:nvPr>
+        </p:nvSpPr>
+        <p:spPr>
+          <a:xfrm>
+            <a:off x="296260" y="300608"/>
+            <a:ext cx="8229600" cy="691279"/>
+          </a:xfrm>
+        </p:spPr>
+        <p:txBody>
+          <a:bodyPr>
+            <a:normAutofit/>
+          </a:bodyPr>
+          <a:lstStyle/>
+          <a:p>
+            <a:r>
+              <a:rPr lang="en-US" sz="3200" dirty="0"/>
+              <a:t>Lights Up Puzzle - Rules</a:t>
+            </a:r>
+          </a:p>
+        </p:txBody>
+      </p:sp>
+      <p:pic>
+        <p:nvPicPr>
+          <p:cNvPr id="9" name="Picture 8">
+            <a:extLst>
+              <a:ext uri="{FF2B5EF4-FFF2-40B4-BE49-F238E27FC236}">
+                <a16:creationId xmlns:a16="http://schemas.microsoft.com/office/drawing/2014/main" id="{49ED9CE6-5FE4-2748-9C7F-D84EF4255CC5}"/>
+              </a:ext>
+            </a:extLst>
+          </p:cNvPr>
+          <p:cNvPicPr>
+            <a:picLocks noChangeAspect="1"/>
+          </p:cNvPicPr>
+          <p:nvPr/>
+        </p:nvPicPr>
+        <p:blipFill>
+          <a:blip r:embed="rId2">
+            <a:extLst>
+              <a:ext uri="{28A0092B-C50C-407E-A947-70E740481C1C}">
+                <a14:useLocalDpi xmlns:a14="http://schemas.microsoft.com/office/drawing/2010/main" val="0"/>
+              </a:ext>
+            </a:extLst>
+          </a:blip>
+          <a:stretch>
+            <a:fillRect/>
+          </a:stretch>
+        </p:blipFill>
+        <p:spPr>
+          <a:xfrm>
+            <a:off x="3970330" y="1596540"/>
+            <a:ext cx="5182820" cy="5261460"/>
+          </a:xfrm>
+          <a:prstGeom prst="rect">
+            <a:avLst/>
+          </a:prstGeom>
+        </p:spPr>
+      </p:pic>
+      <p:pic>
+        <p:nvPicPr>
+          <p:cNvPr id="12" name="Picture 11">
+            <a:extLst>
+              <a:ext uri="{FF2B5EF4-FFF2-40B4-BE49-F238E27FC236}">
+                <a16:creationId xmlns:a16="http://schemas.microsoft.com/office/drawing/2014/main" id="{4A83AF46-437C-CC4D-BEC2-1ADAC49E614C}"/>
+              </a:ext>
+            </a:extLst>
+          </p:cNvPr>
+          <p:cNvPicPr>
+            <a:picLocks noChangeAspect="1"/>
+          </p:cNvPicPr>
+          <p:nvPr/>
+        </p:nvPicPr>
+        <p:blipFill>
+          <a:blip r:embed="rId3"/>
+          <a:stretch>
+            <a:fillRect/>
+          </a:stretch>
+        </p:blipFill>
+        <p:spPr>
+          <a:xfrm>
+            <a:off x="118724" y="3839808"/>
+            <a:ext cx="436790" cy="436790"/>
+          </a:xfrm>
+          <a:prstGeom prst="rect">
+            <a:avLst/>
+          </a:prstGeom>
+        </p:spPr>
+      </p:pic>
+      <p:pic>
+        <p:nvPicPr>
+          <p:cNvPr id="16" name="Picture 15">
+            <a:extLst>
+              <a:ext uri="{FF2B5EF4-FFF2-40B4-BE49-F238E27FC236}">
+                <a16:creationId xmlns:a16="http://schemas.microsoft.com/office/drawing/2014/main" id="{8FFEF954-63D5-B946-A044-8935521641BE}"/>
+              </a:ext>
+            </a:extLst>
+          </p:cNvPr>
+          <p:cNvPicPr>
+            <a:picLocks noChangeAspect="1"/>
+          </p:cNvPicPr>
+          <p:nvPr/>
+        </p:nvPicPr>
+        <p:blipFill rotWithShape="1">
+          <a:blip r:embed="rId4"/>
+          <a:srcRect l="6833" r="8865" b="4351"/>
+          <a:stretch/>
+        </p:blipFill>
+        <p:spPr>
+          <a:xfrm>
+            <a:off x="118725" y="3110706"/>
+            <a:ext cx="456630" cy="470999"/>
+          </a:xfrm>
+          <a:prstGeom prst="rect">
+            <a:avLst/>
+          </a:prstGeom>
+        </p:spPr>
+      </p:pic>
+      <p:pic>
+        <p:nvPicPr>
+          <p:cNvPr id="18" name="Picture 17">
+            <a:extLst>
+              <a:ext uri="{FF2B5EF4-FFF2-40B4-BE49-F238E27FC236}">
+                <a16:creationId xmlns:a16="http://schemas.microsoft.com/office/drawing/2014/main" id="{BC9EFE3B-2D94-AF42-AD83-0243139A2D48}"/>
+              </a:ext>
+            </a:extLst>
+          </p:cNvPr>
+          <p:cNvPicPr>
+            <a:picLocks noChangeAspect="1"/>
+          </p:cNvPicPr>
+          <p:nvPr/>
+        </p:nvPicPr>
+        <p:blipFill rotWithShape="1">
+          <a:blip r:embed="rId5"/>
+          <a:srcRect t="4172" r="4489" b="10112"/>
+          <a:stretch/>
+        </p:blipFill>
+        <p:spPr>
+          <a:xfrm>
+            <a:off x="129174" y="2426994"/>
+            <a:ext cx="426340" cy="420881"/>
+          </a:xfrm>
+          <a:prstGeom prst="rect">
+            <a:avLst/>
+          </a:prstGeom>
+        </p:spPr>
+      </p:pic>
+      <p:pic>
+        <p:nvPicPr>
+          <p:cNvPr id="19" name="Picture 18">
+            <a:extLst>
+              <a:ext uri="{FF2B5EF4-FFF2-40B4-BE49-F238E27FC236}">
+                <a16:creationId xmlns:a16="http://schemas.microsoft.com/office/drawing/2014/main" id="{6426BC09-5668-4443-8EE9-7580B82D40D6}"/>
+              </a:ext>
+            </a:extLst>
+          </p:cNvPr>
+          <p:cNvPicPr>
+            <a:picLocks noChangeAspect="1"/>
+          </p:cNvPicPr>
+          <p:nvPr/>
+        </p:nvPicPr>
+        <p:blipFill rotWithShape="1">
+          <a:blip r:embed="rId6"/>
+          <a:srcRect l="10244" t="12051" r="10240" b="7566"/>
+          <a:stretch/>
+        </p:blipFill>
+        <p:spPr>
+          <a:xfrm flipH="1">
+            <a:off x="118724" y="1795270"/>
+            <a:ext cx="436790" cy="404759"/>
+          </a:xfrm>
+          <a:prstGeom prst="rect">
+            <a:avLst/>
+          </a:prstGeom>
+        </p:spPr>
+      </p:pic>
+      <p:pic>
+        <p:nvPicPr>
+          <p:cNvPr id="20" name="Picture 19">
+            <a:extLst>
+              <a:ext uri="{FF2B5EF4-FFF2-40B4-BE49-F238E27FC236}">
+                <a16:creationId xmlns:a16="http://schemas.microsoft.com/office/drawing/2014/main" id="{2B60AE64-18FD-604D-8BFD-505A5E79A22F}"/>
+              </a:ext>
+            </a:extLst>
+          </p:cNvPr>
+          <p:cNvPicPr>
+            <a:picLocks noChangeAspect="1"/>
+          </p:cNvPicPr>
+          <p:nvPr/>
+        </p:nvPicPr>
+        <p:blipFill rotWithShape="1">
+          <a:blip r:embed="rId7"/>
+          <a:srcRect l="6001" t="5414" r="3574"/>
+          <a:stretch/>
+        </p:blipFill>
+        <p:spPr>
+          <a:xfrm>
+            <a:off x="129175" y="4644387"/>
+            <a:ext cx="443936" cy="464368"/>
+          </a:xfrm>
+          <a:prstGeom prst="rect">
+            <a:avLst/>
+          </a:prstGeom>
+        </p:spPr>
+      </p:pic>
+      <p:sp>
+        <p:nvSpPr>
+          <p:cNvPr id="21" name="TextBox 20">
+            <a:extLst>
+              <a:ext uri="{FF2B5EF4-FFF2-40B4-BE49-F238E27FC236}">
+                <a16:creationId xmlns:a16="http://schemas.microsoft.com/office/drawing/2014/main" id="{F94665D7-CA88-C44B-9D4E-175395D22A83}"/>
+              </a:ext>
+            </a:extLst>
+          </p:cNvPr>
+          <p:cNvSpPr txBox="1"/>
+          <p:nvPr/>
+        </p:nvSpPr>
+        <p:spPr>
+          <a:xfrm>
+            <a:off x="573110" y="1742061"/>
+            <a:ext cx="3082660" cy="523220"/>
+          </a:xfrm>
+          <a:prstGeom prst="rect">
+            <a:avLst/>
+          </a:prstGeom>
+          <a:noFill/>
+        </p:spPr>
+        <p:txBody>
+          <a:bodyPr wrap="square" rtlCol="0">
+            <a:spAutoFit/>
+          </a:bodyPr>
+          <a:lstStyle/>
+          <a:p>
+            <a:r>
+              <a:rPr lang="en-US" sz="1400" b="1" dirty="0"/>
+              <a:t>Empty Cell  </a:t>
+            </a:r>
+            <a:r>
+              <a:rPr lang="en-US" sz="1400" dirty="0"/>
+              <a:t>- Is an optional spot for a light bulb</a:t>
+            </a:r>
+          </a:p>
+        </p:txBody>
+      </p:sp>
+      <p:sp>
+        <p:nvSpPr>
+          <p:cNvPr id="22" name="TextBox 21">
+            <a:extLst>
+              <a:ext uri="{FF2B5EF4-FFF2-40B4-BE49-F238E27FC236}">
+                <a16:creationId xmlns:a16="http://schemas.microsoft.com/office/drawing/2014/main" id="{06849F51-4247-4149-8F20-E09D12AB5246}"/>
+              </a:ext>
+            </a:extLst>
+          </p:cNvPr>
+          <p:cNvSpPr txBox="1"/>
+          <p:nvPr/>
+        </p:nvSpPr>
+        <p:spPr>
+          <a:xfrm>
+            <a:off x="573110" y="2375824"/>
+            <a:ext cx="2954911" cy="523220"/>
+          </a:xfrm>
+          <a:prstGeom prst="rect">
+            <a:avLst/>
+          </a:prstGeom>
+          <a:noFill/>
+        </p:spPr>
+        <p:txBody>
+          <a:bodyPr wrap="none" rtlCol="0">
+            <a:spAutoFit/>
+          </a:bodyPr>
+          <a:lstStyle/>
+          <a:p>
+            <a:r>
+              <a:rPr lang="en-US" sz="1400" b="1" dirty="0"/>
+              <a:t>Block</a:t>
+            </a:r>
+            <a:r>
+              <a:rPr lang="en-US" sz="1400" dirty="0"/>
+              <a:t> – Invalid location for a light bulb</a:t>
+            </a:r>
+          </a:p>
+          <a:p>
+            <a:r>
+              <a:rPr lang="en-US" sz="1400" dirty="0"/>
+              <a:t>Also blocks light</a:t>
+            </a:r>
+          </a:p>
+        </p:txBody>
+      </p:sp>
+      <p:sp>
+        <p:nvSpPr>
+          <p:cNvPr id="23" name="TextBox 22">
+            <a:extLst>
+              <a:ext uri="{FF2B5EF4-FFF2-40B4-BE49-F238E27FC236}">
+                <a16:creationId xmlns:a16="http://schemas.microsoft.com/office/drawing/2014/main" id="{2FC52449-9959-3E4E-B529-6ADE475C0528}"/>
+              </a:ext>
+            </a:extLst>
+          </p:cNvPr>
+          <p:cNvSpPr txBox="1"/>
+          <p:nvPr/>
+        </p:nvSpPr>
+        <p:spPr>
+          <a:xfrm>
+            <a:off x="573110" y="2995746"/>
+            <a:ext cx="3308015" cy="738664"/>
+          </a:xfrm>
+          <a:prstGeom prst="rect">
+            <a:avLst/>
+          </a:prstGeom>
+          <a:noFill/>
+        </p:spPr>
+        <p:txBody>
+          <a:bodyPr wrap="square" rtlCol="0">
+            <a:spAutoFit/>
+          </a:bodyPr>
+          <a:lstStyle/>
+          <a:p>
+            <a:r>
+              <a:rPr lang="en-US" sz="1400" b="1" dirty="0"/>
+              <a:t>Number Block </a:t>
+            </a:r>
+            <a:r>
+              <a:rPr lang="en-US" sz="1400" dirty="0"/>
+              <a:t>– Some blocks contain numbers, They represent how many light bulbs should share edge with that block </a:t>
+            </a:r>
+          </a:p>
+        </p:txBody>
+      </p:sp>
+      <p:sp>
+        <p:nvSpPr>
+          <p:cNvPr id="24" name="TextBox 23">
+            <a:extLst>
+              <a:ext uri="{FF2B5EF4-FFF2-40B4-BE49-F238E27FC236}">
+                <a16:creationId xmlns:a16="http://schemas.microsoft.com/office/drawing/2014/main" id="{ADCCCCD6-79C0-2B47-8F5A-8D0095B87F66}"/>
+              </a:ext>
+            </a:extLst>
+          </p:cNvPr>
+          <p:cNvSpPr txBox="1"/>
+          <p:nvPr/>
+        </p:nvSpPr>
+        <p:spPr>
+          <a:xfrm>
+            <a:off x="573110" y="3747971"/>
+            <a:ext cx="3277500" cy="738664"/>
+          </a:xfrm>
+          <a:prstGeom prst="rect">
+            <a:avLst/>
+          </a:prstGeom>
+          <a:noFill/>
+        </p:spPr>
+        <p:txBody>
+          <a:bodyPr wrap="none" rtlCol="0">
+            <a:spAutoFit/>
+          </a:bodyPr>
+          <a:lstStyle/>
+          <a:p>
+            <a:r>
+              <a:rPr lang="en-US" sz="1400" b="1" dirty="0"/>
+              <a:t>Light Bulb </a:t>
+            </a:r>
+            <a:r>
+              <a:rPr lang="en-US" sz="1400" dirty="0"/>
+              <a:t>– Lights the board vertically and</a:t>
+            </a:r>
+          </a:p>
+          <a:p>
+            <a:r>
+              <a:rPr lang="en-US" sz="1400" dirty="0"/>
+              <a:t>Horizontally until reaches the end of the</a:t>
+            </a:r>
+          </a:p>
+          <a:p>
+            <a:r>
+              <a:rPr lang="en-US" sz="1400" dirty="0"/>
+              <a:t>Board or meets a block.</a:t>
+            </a:r>
+          </a:p>
+        </p:txBody>
+      </p:sp>
+      <p:sp>
+        <p:nvSpPr>
+          <p:cNvPr id="25" name="TextBox 24">
+            <a:extLst>
+              <a:ext uri="{FF2B5EF4-FFF2-40B4-BE49-F238E27FC236}">
+                <a16:creationId xmlns:a16="http://schemas.microsoft.com/office/drawing/2014/main" id="{7900B80A-65CC-B543-89F6-09C9FFD66A85}"/>
+              </a:ext>
+            </a:extLst>
+          </p:cNvPr>
+          <p:cNvSpPr txBox="1"/>
+          <p:nvPr/>
+        </p:nvSpPr>
+        <p:spPr>
+          <a:xfrm>
+            <a:off x="552389" y="4482820"/>
+            <a:ext cx="3417942" cy="954107"/>
+          </a:xfrm>
+          <a:prstGeom prst="rect">
+            <a:avLst/>
+          </a:prstGeom>
+          <a:noFill/>
+        </p:spPr>
+        <p:txBody>
+          <a:bodyPr wrap="square" rtlCol="0">
+            <a:spAutoFit/>
+          </a:bodyPr>
+          <a:lstStyle/>
+          <a:p>
+            <a:r>
+              <a:rPr lang="en-US" sz="1400" b="1" dirty="0"/>
+              <a:t>Illuminated Cell </a:t>
+            </a:r>
+            <a:r>
+              <a:rPr lang="en-US" sz="1400" dirty="0"/>
+              <a:t>– Cells that are already in a direct line with a light bulb. They are invalid spots for light bulbs as it would cause a clash of two light bulbs.</a:t>
+            </a:r>
+          </a:p>
+        </p:txBody>
+      </p:sp>
+    </p:spTree>
+    <p:extLst>
+      <p:ext uri="{BB962C8B-B14F-4D97-AF65-F5344CB8AC3E}">
+        <p14:creationId xmlns:p14="http://schemas.microsoft.com/office/powerpoint/2010/main" val="4103309497"/>
+      </p:ext>
+    </p:extLst>
+  </p:cSld>
+  <p:clrMapOvr>
+    <a:masterClrMapping/>
+  </p:clrMapOvr>
+</p:sld>
+</file>
+
+<file path=ppt/slides/slide20.xml><?xml version="1.0" encoding="utf-8"?>
+<p:sld xmlns:a="http://schemas.openxmlformats.org/drawingml/2006/main" xmlns:r="http://schemas.openxmlformats.org/officeDocument/2006/relationships" xmlns:p="http://schemas.openxmlformats.org/presentationml/2006/main">
+  <p:cSld>
+    <p:spTree>
+      <p:nvGrpSpPr>
+        <p:cNvPr id="1" name=""/>
+        <p:cNvGrpSpPr/>
+        <p:nvPr/>
+      </p:nvGrpSpPr>
+      <p:grpSpPr>
+        <a:xfrm>
+          <a:off x="0" y="0"/>
+          <a:ext cx="0" cy="0"/>
+          <a:chOff x="0" y="0"/>
+          <a:chExt cx="0" cy="0"/>
+        </a:xfrm>
+      </p:grpSpPr>
+      <p:sp>
+        <p:nvSpPr>
+          <p:cNvPr id="4" name="Title 3"/>
+          <p:cNvSpPr>
+            <a:spLocks noGrp="1"/>
+          </p:cNvSpPr>
+          <p:nvPr>
+            <p:ph type="title"/>
+          </p:nvPr>
+        </p:nvSpPr>
+        <p:spPr>
+          <a:xfrm>
+            <a:off x="296260" y="374900"/>
+            <a:ext cx="7016195" cy="610820"/>
+          </a:xfrm>
+        </p:spPr>
+        <p:txBody>
+          <a:bodyPr>
+            <a:normAutofit fontScale="90000"/>
+          </a:bodyPr>
+          <a:lstStyle/>
+          <a:p>
+            <a:pPr algn="l"/>
+            <a:r>
+              <a:rPr lang="en-US" dirty="0">
+                <a:solidFill>
+                  <a:schemeClr val="bg1"/>
+                </a:solidFill>
+              </a:rPr>
+              <a:t>Initial Results</a:t>
+            </a:r>
+          </a:p>
+        </p:txBody>
+      </p:sp>
+      <p:pic>
+        <p:nvPicPr>
           <p:cNvPr id="6" name="Picture 5">
             <a:extLst>
               <a:ext uri="{FF2B5EF4-FFF2-40B4-BE49-F238E27FC236}">
@@ -6739,7 +8663,7 @@
 </p:sld>
 </file>
 
-<file path=ppt/slides/slide16.xml><?xml version="1.0" encoding="utf-8"?>
+<file path=ppt/slides/slide21.xml><?xml version="1.0" encoding="utf-8"?>
 <p:sld xmlns:a="http://schemas.openxmlformats.org/drawingml/2006/main" xmlns:r="http://schemas.openxmlformats.org/officeDocument/2006/relationships" xmlns:p="http://schemas.openxmlformats.org/presentationml/2006/main">
   <p:cSld>
     <p:spTree>
@@ -7602,460 +9526,6 @@
     <p:extLst>
       <p:ext uri="{BB962C8B-B14F-4D97-AF65-F5344CB8AC3E}">
         <p14:creationId xmlns:p14="http://schemas.microsoft.com/office/powerpoint/2010/main" val="4170783713"/>
-      </p:ext>
-    </p:extLst>
-  </p:cSld>
-  <p:clrMapOvr>
-    <a:masterClrMapping/>
-  </p:clrMapOvr>
-</p:sld>
-</file>
-
-<file path=ppt/slides/slide2.xml><?xml version="1.0" encoding="utf-8"?>
-<p:sld xmlns:a="http://schemas.openxmlformats.org/drawingml/2006/main" xmlns:r="http://schemas.openxmlformats.org/officeDocument/2006/relationships" xmlns:p="http://schemas.openxmlformats.org/presentationml/2006/main">
-  <p:cSld>
-    <p:spTree>
-      <p:nvGrpSpPr>
-        <p:cNvPr id="1" name=""/>
-        <p:cNvGrpSpPr/>
-        <p:nvPr/>
-      </p:nvGrpSpPr>
-      <p:grpSpPr>
-        <a:xfrm>
-          <a:off x="0" y="0"/>
-          <a:ext cx="0" cy="0"/>
-          <a:chOff x="0" y="0"/>
-          <a:chExt cx="0" cy="0"/>
-        </a:xfrm>
-      </p:grpSpPr>
-      <p:sp>
-        <p:nvSpPr>
-          <p:cNvPr id="2" name="Title 1"/>
-          <p:cNvSpPr>
-            <a:spLocks noGrp="1"/>
-          </p:cNvSpPr>
-          <p:nvPr>
-            <p:ph type="title"/>
-          </p:nvPr>
-        </p:nvSpPr>
-        <p:spPr>
-          <a:xfrm>
-            <a:off x="296260" y="300608"/>
-            <a:ext cx="8229600" cy="691279"/>
-          </a:xfrm>
-        </p:spPr>
-        <p:txBody>
-          <a:bodyPr>
-            <a:normAutofit/>
-          </a:bodyPr>
-          <a:lstStyle/>
-          <a:p>
-            <a:r>
-              <a:rPr lang="en-US" sz="3200" dirty="0"/>
-              <a:t>Lights Up Puzzle - Rules</a:t>
-            </a:r>
-          </a:p>
-        </p:txBody>
-      </p:sp>
-      <p:pic>
-        <p:nvPicPr>
-          <p:cNvPr id="9" name="Picture 8">
-            <a:extLst>
-              <a:ext uri="{FF2B5EF4-FFF2-40B4-BE49-F238E27FC236}">
-                <a16:creationId xmlns:a16="http://schemas.microsoft.com/office/drawing/2014/main" id="{49ED9CE6-5FE4-2748-9C7F-D84EF4255CC5}"/>
-              </a:ext>
-            </a:extLst>
-          </p:cNvPr>
-          <p:cNvPicPr>
-            <a:picLocks noChangeAspect="1"/>
-          </p:cNvPicPr>
-          <p:nvPr/>
-        </p:nvPicPr>
-        <p:blipFill>
-          <a:blip r:embed="rId2">
-            <a:extLst>
-              <a:ext uri="{28A0092B-C50C-407E-A947-70E740481C1C}">
-                <a14:useLocalDpi xmlns:a14="http://schemas.microsoft.com/office/drawing/2010/main" val="0"/>
-              </a:ext>
-            </a:extLst>
-          </a:blip>
-          <a:stretch>
-            <a:fillRect/>
-          </a:stretch>
-        </p:blipFill>
-        <p:spPr>
-          <a:xfrm>
-            <a:off x="3970330" y="1596540"/>
-            <a:ext cx="5182820" cy="5261460"/>
-          </a:xfrm>
-          <a:prstGeom prst="rect">
-            <a:avLst/>
-          </a:prstGeom>
-        </p:spPr>
-      </p:pic>
-      <p:pic>
-        <p:nvPicPr>
-          <p:cNvPr id="12" name="Picture 11">
-            <a:extLst>
-              <a:ext uri="{FF2B5EF4-FFF2-40B4-BE49-F238E27FC236}">
-                <a16:creationId xmlns:a16="http://schemas.microsoft.com/office/drawing/2014/main" id="{4A83AF46-437C-CC4D-BEC2-1ADAC49E614C}"/>
-              </a:ext>
-            </a:extLst>
-          </p:cNvPr>
-          <p:cNvPicPr>
-            <a:picLocks noChangeAspect="1"/>
-          </p:cNvPicPr>
-          <p:nvPr/>
-        </p:nvPicPr>
-        <p:blipFill>
-          <a:blip r:embed="rId3"/>
-          <a:stretch>
-            <a:fillRect/>
-          </a:stretch>
-        </p:blipFill>
-        <p:spPr>
-          <a:xfrm>
-            <a:off x="118724" y="3839808"/>
-            <a:ext cx="436790" cy="436790"/>
-          </a:xfrm>
-          <a:prstGeom prst="rect">
-            <a:avLst/>
-          </a:prstGeom>
-        </p:spPr>
-      </p:pic>
-      <p:pic>
-        <p:nvPicPr>
-          <p:cNvPr id="16" name="Picture 15">
-            <a:extLst>
-              <a:ext uri="{FF2B5EF4-FFF2-40B4-BE49-F238E27FC236}">
-                <a16:creationId xmlns:a16="http://schemas.microsoft.com/office/drawing/2014/main" id="{8FFEF954-63D5-B946-A044-8935521641BE}"/>
-              </a:ext>
-            </a:extLst>
-          </p:cNvPr>
-          <p:cNvPicPr>
-            <a:picLocks noChangeAspect="1"/>
-          </p:cNvPicPr>
-          <p:nvPr/>
-        </p:nvPicPr>
-        <p:blipFill rotWithShape="1">
-          <a:blip r:embed="rId4"/>
-          <a:srcRect l="6833" r="8865" b="4351"/>
-          <a:stretch/>
-        </p:blipFill>
-        <p:spPr>
-          <a:xfrm>
-            <a:off x="118725" y="3110706"/>
-            <a:ext cx="456630" cy="470999"/>
-          </a:xfrm>
-          <a:prstGeom prst="rect">
-            <a:avLst/>
-          </a:prstGeom>
-        </p:spPr>
-      </p:pic>
-      <p:pic>
-        <p:nvPicPr>
-          <p:cNvPr id="18" name="Picture 17">
-            <a:extLst>
-              <a:ext uri="{FF2B5EF4-FFF2-40B4-BE49-F238E27FC236}">
-                <a16:creationId xmlns:a16="http://schemas.microsoft.com/office/drawing/2014/main" id="{BC9EFE3B-2D94-AF42-AD83-0243139A2D48}"/>
-              </a:ext>
-            </a:extLst>
-          </p:cNvPr>
-          <p:cNvPicPr>
-            <a:picLocks noChangeAspect="1"/>
-          </p:cNvPicPr>
-          <p:nvPr/>
-        </p:nvPicPr>
-        <p:blipFill rotWithShape="1">
-          <a:blip r:embed="rId5"/>
-          <a:srcRect t="4172" r="4489" b="10112"/>
-          <a:stretch/>
-        </p:blipFill>
-        <p:spPr>
-          <a:xfrm>
-            <a:off x="129174" y="2426994"/>
-            <a:ext cx="426340" cy="420881"/>
-          </a:xfrm>
-          <a:prstGeom prst="rect">
-            <a:avLst/>
-          </a:prstGeom>
-        </p:spPr>
-      </p:pic>
-      <p:pic>
-        <p:nvPicPr>
-          <p:cNvPr id="19" name="Picture 18">
-            <a:extLst>
-              <a:ext uri="{FF2B5EF4-FFF2-40B4-BE49-F238E27FC236}">
-                <a16:creationId xmlns:a16="http://schemas.microsoft.com/office/drawing/2014/main" id="{6426BC09-5668-4443-8EE9-7580B82D40D6}"/>
-              </a:ext>
-            </a:extLst>
-          </p:cNvPr>
-          <p:cNvPicPr>
-            <a:picLocks noChangeAspect="1"/>
-          </p:cNvPicPr>
-          <p:nvPr/>
-        </p:nvPicPr>
-        <p:blipFill rotWithShape="1">
-          <a:blip r:embed="rId6"/>
-          <a:srcRect l="10244" t="12051" r="10240" b="7566"/>
-          <a:stretch/>
-        </p:blipFill>
-        <p:spPr>
-          <a:xfrm flipH="1">
-            <a:off x="118724" y="1795270"/>
-            <a:ext cx="436790" cy="404759"/>
-          </a:xfrm>
-          <a:prstGeom prst="rect">
-            <a:avLst/>
-          </a:prstGeom>
-        </p:spPr>
-      </p:pic>
-      <p:pic>
-        <p:nvPicPr>
-          <p:cNvPr id="20" name="Picture 19">
-            <a:extLst>
-              <a:ext uri="{FF2B5EF4-FFF2-40B4-BE49-F238E27FC236}">
-                <a16:creationId xmlns:a16="http://schemas.microsoft.com/office/drawing/2014/main" id="{2B60AE64-18FD-604D-8BFD-505A5E79A22F}"/>
-              </a:ext>
-            </a:extLst>
-          </p:cNvPr>
-          <p:cNvPicPr>
-            <a:picLocks noChangeAspect="1"/>
-          </p:cNvPicPr>
-          <p:nvPr/>
-        </p:nvPicPr>
-        <p:blipFill rotWithShape="1">
-          <a:blip r:embed="rId7"/>
-          <a:srcRect l="6001" t="5414" r="3574"/>
-          <a:stretch/>
-        </p:blipFill>
-        <p:spPr>
-          <a:xfrm>
-            <a:off x="129175" y="4644387"/>
-            <a:ext cx="443936" cy="464368"/>
-          </a:xfrm>
-          <a:prstGeom prst="rect">
-            <a:avLst/>
-          </a:prstGeom>
-        </p:spPr>
-      </p:pic>
-      <p:sp>
-        <p:nvSpPr>
-          <p:cNvPr id="21" name="TextBox 20">
-            <a:extLst>
-              <a:ext uri="{FF2B5EF4-FFF2-40B4-BE49-F238E27FC236}">
-                <a16:creationId xmlns:a16="http://schemas.microsoft.com/office/drawing/2014/main" id="{F94665D7-CA88-C44B-9D4E-175395D22A83}"/>
-              </a:ext>
-            </a:extLst>
-          </p:cNvPr>
-          <p:cNvSpPr txBox="1"/>
-          <p:nvPr/>
-        </p:nvSpPr>
-        <p:spPr>
-          <a:xfrm>
-            <a:off x="573110" y="1742061"/>
-            <a:ext cx="3082660" cy="523220"/>
-          </a:xfrm>
-          <a:prstGeom prst="rect">
-            <a:avLst/>
-          </a:prstGeom>
-          <a:noFill/>
-        </p:spPr>
-        <p:txBody>
-          <a:bodyPr wrap="square" rtlCol="0">
-            <a:spAutoFit/>
-          </a:bodyPr>
-          <a:lstStyle/>
-          <a:p>
-            <a:r>
-              <a:rPr lang="en-US" sz="1400" b="1" dirty="0"/>
-              <a:t>Empty Cell  </a:t>
-            </a:r>
-            <a:r>
-              <a:rPr lang="en-US" sz="1400" dirty="0"/>
-              <a:t>- Is an optional spot for a light bulb</a:t>
-            </a:r>
-          </a:p>
-        </p:txBody>
-      </p:sp>
-      <p:sp>
-        <p:nvSpPr>
-          <p:cNvPr id="22" name="TextBox 21">
-            <a:extLst>
-              <a:ext uri="{FF2B5EF4-FFF2-40B4-BE49-F238E27FC236}">
-                <a16:creationId xmlns:a16="http://schemas.microsoft.com/office/drawing/2014/main" id="{06849F51-4247-4149-8F20-E09D12AB5246}"/>
-              </a:ext>
-            </a:extLst>
-          </p:cNvPr>
-          <p:cNvSpPr txBox="1"/>
-          <p:nvPr/>
-        </p:nvSpPr>
-        <p:spPr>
-          <a:xfrm>
-            <a:off x="573110" y="2375824"/>
-            <a:ext cx="2954911" cy="523220"/>
-          </a:xfrm>
-          <a:prstGeom prst="rect">
-            <a:avLst/>
-          </a:prstGeom>
-          <a:noFill/>
-        </p:spPr>
-        <p:txBody>
-          <a:bodyPr wrap="none" rtlCol="0">
-            <a:spAutoFit/>
-          </a:bodyPr>
-          <a:lstStyle/>
-          <a:p>
-            <a:r>
-              <a:rPr lang="en-US" sz="1400" b="1" dirty="0"/>
-              <a:t>Block</a:t>
-            </a:r>
-            <a:r>
-              <a:rPr lang="en-US" sz="1400" dirty="0"/>
-              <a:t> – Invalid location for a light bulb</a:t>
-            </a:r>
-          </a:p>
-          <a:p>
-            <a:r>
-              <a:rPr lang="en-US" sz="1400" dirty="0"/>
-              <a:t>Also blocks light</a:t>
-            </a:r>
-          </a:p>
-        </p:txBody>
-      </p:sp>
-      <p:sp>
-        <p:nvSpPr>
-          <p:cNvPr id="23" name="TextBox 22">
-            <a:extLst>
-              <a:ext uri="{FF2B5EF4-FFF2-40B4-BE49-F238E27FC236}">
-                <a16:creationId xmlns:a16="http://schemas.microsoft.com/office/drawing/2014/main" id="{2FC52449-9959-3E4E-B529-6ADE475C0528}"/>
-              </a:ext>
-            </a:extLst>
-          </p:cNvPr>
-          <p:cNvSpPr txBox="1"/>
-          <p:nvPr/>
-        </p:nvSpPr>
-        <p:spPr>
-          <a:xfrm>
-            <a:off x="573110" y="2995746"/>
-            <a:ext cx="3308015" cy="738664"/>
-          </a:xfrm>
-          <a:prstGeom prst="rect">
-            <a:avLst/>
-          </a:prstGeom>
-          <a:noFill/>
-        </p:spPr>
-        <p:txBody>
-          <a:bodyPr wrap="square" rtlCol="0">
-            <a:spAutoFit/>
-          </a:bodyPr>
-          <a:lstStyle/>
-          <a:p>
-            <a:r>
-              <a:rPr lang="en-US" sz="1400" b="1" dirty="0"/>
-              <a:t>Number Block </a:t>
-            </a:r>
-            <a:r>
-              <a:rPr lang="en-US" sz="1400" dirty="0"/>
-              <a:t>– Some blocks contain numbers, They represent how many light bulbs should share edge with that block </a:t>
-            </a:r>
-          </a:p>
-        </p:txBody>
-      </p:sp>
-      <p:sp>
-        <p:nvSpPr>
-          <p:cNvPr id="24" name="TextBox 23">
-            <a:extLst>
-              <a:ext uri="{FF2B5EF4-FFF2-40B4-BE49-F238E27FC236}">
-                <a16:creationId xmlns:a16="http://schemas.microsoft.com/office/drawing/2014/main" id="{ADCCCCD6-79C0-2B47-8F5A-8D0095B87F66}"/>
-              </a:ext>
-            </a:extLst>
-          </p:cNvPr>
-          <p:cNvSpPr txBox="1"/>
-          <p:nvPr/>
-        </p:nvSpPr>
-        <p:spPr>
-          <a:xfrm>
-            <a:off x="573110" y="3747971"/>
-            <a:ext cx="3277500" cy="738664"/>
-          </a:xfrm>
-          <a:prstGeom prst="rect">
-            <a:avLst/>
-          </a:prstGeom>
-          <a:noFill/>
-        </p:spPr>
-        <p:txBody>
-          <a:bodyPr wrap="none" rtlCol="0">
-            <a:spAutoFit/>
-          </a:bodyPr>
-          <a:lstStyle/>
-          <a:p>
-            <a:r>
-              <a:rPr lang="en-US" sz="1400" b="1" dirty="0"/>
-              <a:t>Light Bulb </a:t>
-            </a:r>
-            <a:r>
-              <a:rPr lang="en-US" sz="1400" dirty="0"/>
-              <a:t>– Lights the board vertically and</a:t>
-            </a:r>
-          </a:p>
-          <a:p>
-            <a:r>
-              <a:rPr lang="en-US" sz="1400" dirty="0"/>
-              <a:t>Horizontally until reaches the end of the</a:t>
-            </a:r>
-          </a:p>
-          <a:p>
-            <a:r>
-              <a:rPr lang="en-US" sz="1400" dirty="0"/>
-              <a:t>Board or meets a block.</a:t>
-            </a:r>
-          </a:p>
-        </p:txBody>
-      </p:sp>
-      <p:sp>
-        <p:nvSpPr>
-          <p:cNvPr id="25" name="TextBox 24">
-            <a:extLst>
-              <a:ext uri="{FF2B5EF4-FFF2-40B4-BE49-F238E27FC236}">
-                <a16:creationId xmlns:a16="http://schemas.microsoft.com/office/drawing/2014/main" id="{7900B80A-65CC-B543-89F6-09C9FFD66A85}"/>
-              </a:ext>
-            </a:extLst>
-          </p:cNvPr>
-          <p:cNvSpPr txBox="1"/>
-          <p:nvPr/>
-        </p:nvSpPr>
-        <p:spPr>
-          <a:xfrm>
-            <a:off x="552389" y="4482820"/>
-            <a:ext cx="3417942" cy="954107"/>
-          </a:xfrm>
-          <a:prstGeom prst="rect">
-            <a:avLst/>
-          </a:prstGeom>
-          <a:noFill/>
-        </p:spPr>
-        <p:txBody>
-          <a:bodyPr wrap="square" rtlCol="0">
-            <a:spAutoFit/>
-          </a:bodyPr>
-          <a:lstStyle/>
-          <a:p>
-            <a:r>
-              <a:rPr lang="en-US" sz="1400" b="1" dirty="0"/>
-              <a:t>Illuminated Cell </a:t>
-            </a:r>
-            <a:r>
-              <a:rPr lang="en-US" sz="1400" dirty="0"/>
-              <a:t>– Cells that are already in a direct line with a light bulb. They are invalid spots for light bulbs as it would cause a clash of two light bulbs.</a:t>
-            </a:r>
-          </a:p>
-        </p:txBody>
-      </p:sp>
-    </p:spTree>
-    <p:extLst>
-      <p:ext uri="{BB962C8B-B14F-4D97-AF65-F5344CB8AC3E}">
-        <p14:creationId xmlns:p14="http://schemas.microsoft.com/office/powerpoint/2010/main" val="4103309497"/>
       </p:ext>
     </p:extLst>
   </p:cSld>

--- a/presentation.pptx
+++ b/presentation.pptx
@@ -5,7 +5,7 @@
     <p:sldMasterId id="2147483648" r:id="rId1"/>
   </p:sldMasterIdLst>
   <p:notesMasterIdLst>
-    <p:notesMasterId r:id="rId23"/>
+    <p:notesMasterId r:id="rId24"/>
   </p:notesMasterIdLst>
   <p:sldIdLst>
     <p:sldId id="256" r:id="rId2"/>
@@ -18,17 +18,18 @@
     <p:sldId id="265" r:id="rId9"/>
     <p:sldId id="264" r:id="rId10"/>
     <p:sldId id="267" r:id="rId11"/>
-    <p:sldId id="266" r:id="rId12"/>
-    <p:sldId id="268" r:id="rId13"/>
-    <p:sldId id="271" r:id="rId14"/>
-    <p:sldId id="269" r:id="rId15"/>
-    <p:sldId id="272" r:id="rId16"/>
-    <p:sldId id="275" r:id="rId17"/>
-    <p:sldId id="274" r:id="rId18"/>
-    <p:sldId id="276" r:id="rId19"/>
-    <p:sldId id="273" r:id="rId20"/>
-    <p:sldId id="270" r:id="rId21"/>
-    <p:sldId id="258" r:id="rId22"/>
+    <p:sldId id="277" r:id="rId12"/>
+    <p:sldId id="266" r:id="rId13"/>
+    <p:sldId id="268" r:id="rId14"/>
+    <p:sldId id="271" r:id="rId15"/>
+    <p:sldId id="269" r:id="rId16"/>
+    <p:sldId id="272" r:id="rId17"/>
+    <p:sldId id="275" r:id="rId18"/>
+    <p:sldId id="274" r:id="rId19"/>
+    <p:sldId id="276" r:id="rId20"/>
+    <p:sldId id="273" r:id="rId21"/>
+    <p:sldId id="270" r:id="rId22"/>
+    <p:sldId id="258" r:id="rId23"/>
   </p:sldIdLst>
   <p:sldSz cx="9144000" cy="6858000" type="screen4x3"/>
   <p:notesSz cx="6858000" cy="9144000"/>
@@ -757,7 +758,7 @@
           <a:p>
             <a:fld id="{71484194-BC9F-7343-A27E-E7872C54D571}" type="slidenum">
               <a:rPr lang="en-US" smtClean="0"/>
-              <a:t>11</a:t>
+              <a:t>12</a:t>
             </a:fld>
             <a:endParaRPr lang="en-US"/>
           </a:p>
@@ -766,7 +767,7 @@
     </p:spTree>
     <p:extLst>
       <p:ext uri="{BB962C8B-B14F-4D97-AF65-F5344CB8AC3E}">
-        <p14:creationId xmlns:p14="http://schemas.microsoft.com/office/powerpoint/2010/main" val="2339948300"/>
+        <p14:creationId xmlns:p14="http://schemas.microsoft.com/office/powerpoint/2010/main" val="2206876720"/>
       </p:ext>
     </p:extLst>
   </p:cSld>
@@ -897,7 +898,7 @@
           <a:p>
             <a:fld id="{71484194-BC9F-7343-A27E-E7872C54D571}" type="slidenum">
               <a:rPr lang="en-US" smtClean="0"/>
-              <a:t>13</a:t>
+              <a:t>14</a:t>
             </a:fld>
             <a:endParaRPr lang="en-US"/>
           </a:p>
@@ -981,7 +982,7 @@
           <a:p>
             <a:fld id="{71484194-BC9F-7343-A27E-E7872C54D571}" type="slidenum">
               <a:rPr lang="en-US" smtClean="0"/>
-              <a:t>15</a:t>
+              <a:t>16</a:t>
             </a:fld>
             <a:endParaRPr lang="en-US"/>
           </a:p>
@@ -1065,7 +1066,7 @@
           <a:p>
             <a:fld id="{71484194-BC9F-7343-A27E-E7872C54D571}" type="slidenum">
               <a:rPr lang="en-US" smtClean="0"/>
-              <a:t>17</a:t>
+              <a:t>18</a:t>
             </a:fld>
             <a:endParaRPr lang="en-US"/>
           </a:p>
@@ -1149,7 +1150,7 @@
           <a:p>
             <a:fld id="{71484194-BC9F-7343-A27E-E7872C54D571}" type="slidenum">
               <a:rPr lang="en-US" smtClean="0"/>
-              <a:t>19</a:t>
+              <a:t>20</a:t>
             </a:fld>
             <a:endParaRPr lang="en-US"/>
           </a:p>
@@ -1212,6 +1213,31 @@
           <a:bodyPr/>
           <a:lstStyle/>
           <a:p>
+            <a:pPr marL="0" marR="0" lvl="0" indent="0" algn="r" defTabSz="914400" rtl="1" eaLnBrk="1" fontAlgn="auto" latinLnBrk="0" hangingPunct="1">
+              <a:lnSpc>
+                <a:spcPct val="100000"/>
+              </a:lnSpc>
+              <a:spcBef>
+                <a:spcPts val="0"/>
+              </a:spcBef>
+              <a:spcAft>
+                <a:spcPts val="0"/>
+              </a:spcAft>
+              <a:buClrTx/>
+              <a:buSzTx/>
+              <a:buFontTx/>
+              <a:buNone/>
+              <a:tabLst/>
+              <a:defRPr/>
+            </a:pPr>
+            <a:r>
+              <a:rPr lang="he-IL" dirty="0"/>
+              <a:t>מ – 2 בחזקת 625 ל – 2 בחזקת 149</a:t>
+            </a:r>
+            <a:endParaRPr lang="en-US" dirty="0"/>
+          </a:p>
+          <a:p>
+            <a:pPr algn="r"/>
             <a:endParaRPr lang="en-US" dirty="0"/>
           </a:p>
         </p:txBody>
@@ -1233,7 +1259,7 @@
           <a:p>
             <a:fld id="{71484194-BC9F-7343-A27E-E7872C54D571}" type="slidenum">
               <a:rPr lang="en-US" smtClean="0"/>
-              <a:t>20</a:t>
+              <a:t>21</a:t>
             </a:fld>
             <a:endParaRPr lang="en-US"/>
           </a:p>
@@ -1322,7 +1348,7 @@
           <a:p>
             <a:fld id="{71484194-BC9F-7343-A27E-E7872C54D571}" type="slidenum">
               <a:rPr lang="en-US" smtClean="0"/>
-              <a:t>21</a:t>
+              <a:t>22</a:t>
             </a:fld>
             <a:endParaRPr lang="en-US"/>
           </a:p>
@@ -5986,6 +6012,1222 @@
       </p:grpSpPr>
       <p:sp>
         <p:nvSpPr>
+          <p:cNvPr id="4" name="Title 3"/>
+          <p:cNvSpPr>
+            <a:spLocks noGrp="1"/>
+          </p:cNvSpPr>
+          <p:nvPr>
+            <p:ph type="title"/>
+          </p:nvPr>
+        </p:nvSpPr>
+        <p:spPr>
+          <a:xfrm>
+            <a:off x="453082" y="374900"/>
+            <a:ext cx="7016195" cy="610820"/>
+          </a:xfrm>
+        </p:spPr>
+        <p:txBody>
+          <a:bodyPr>
+            <a:normAutofit fontScale="90000"/>
+          </a:bodyPr>
+          <a:lstStyle/>
+          <a:p>
+            <a:pPr algn="l"/>
+            <a:r>
+              <a:rPr lang="en-US" dirty="0">
+                <a:solidFill>
+                  <a:schemeClr val="bg1"/>
+                </a:solidFill>
+              </a:rPr>
+              <a:t>Mutation</a:t>
+            </a:r>
+            <a:r>
+              <a:rPr lang="he-IL" dirty="0">
+                <a:solidFill>
+                  <a:schemeClr val="bg1"/>
+                </a:solidFill>
+              </a:rPr>
+              <a:t>2</a:t>
+            </a:r>
+            <a:endParaRPr lang="en-US" dirty="0">
+              <a:solidFill>
+                <a:schemeClr val="bg1"/>
+              </a:solidFill>
+            </a:endParaRPr>
+          </a:p>
+        </p:txBody>
+      </p:sp>
+      <p:grpSp>
+        <p:nvGrpSpPr>
+          <p:cNvPr id="7" name="Group 6">
+            <a:extLst>
+              <a:ext uri="{FF2B5EF4-FFF2-40B4-BE49-F238E27FC236}">
+                <a16:creationId xmlns:a16="http://schemas.microsoft.com/office/drawing/2014/main" id="{690DF875-FA46-D441-9486-4BBE31FC502E}"/>
+              </a:ext>
+            </a:extLst>
+          </p:cNvPr>
+          <p:cNvGrpSpPr/>
+          <p:nvPr/>
+        </p:nvGrpSpPr>
+        <p:grpSpPr>
+          <a:xfrm>
+            <a:off x="3503065" y="2512770"/>
+            <a:ext cx="3664920" cy="305410"/>
+            <a:chOff x="3503065" y="2512770"/>
+            <a:chExt cx="3664920" cy="305410"/>
+          </a:xfrm>
+        </p:grpSpPr>
+        <p:sp>
+          <p:nvSpPr>
+            <p:cNvPr id="24" name="Rectangle 23">
+              <a:extLst>
+                <a:ext uri="{FF2B5EF4-FFF2-40B4-BE49-F238E27FC236}">
+                  <a16:creationId xmlns:a16="http://schemas.microsoft.com/office/drawing/2014/main" id="{605163E4-D10B-7F48-AF1B-16204AB7B4EA}"/>
+                </a:ext>
+              </a:extLst>
+            </p:cNvPr>
+            <p:cNvSpPr/>
+            <p:nvPr/>
+          </p:nvSpPr>
+          <p:spPr>
+            <a:xfrm>
+              <a:off x="3503065" y="2512770"/>
+              <a:ext cx="458115" cy="305410"/>
+            </a:xfrm>
+            <a:prstGeom prst="rect">
+              <a:avLst/>
+            </a:prstGeom>
+            <a:solidFill>
+              <a:srgbClr val="F2576D"/>
+            </a:solidFill>
+          </p:spPr>
+          <p:style>
+            <a:lnRef idx="2">
+              <a:schemeClr val="accent1">
+                <a:shade val="50000"/>
+              </a:schemeClr>
+            </a:lnRef>
+            <a:fillRef idx="1">
+              <a:schemeClr val="accent1"/>
+            </a:fillRef>
+            <a:effectRef idx="0">
+              <a:schemeClr val="accent1"/>
+            </a:effectRef>
+            <a:fontRef idx="minor">
+              <a:schemeClr val="lt1"/>
+            </a:fontRef>
+          </p:style>
+          <p:txBody>
+            <a:bodyPr rtlCol="0" anchor="ctr"/>
+            <a:lstStyle/>
+            <a:p>
+              <a:pPr algn="ctr"/>
+              <a:r>
+                <a:rPr lang="en-US" dirty="0"/>
+                <a:t>1</a:t>
+              </a:r>
+            </a:p>
+          </p:txBody>
+        </p:sp>
+        <p:sp>
+          <p:nvSpPr>
+            <p:cNvPr id="25" name="Rectangle 24">
+              <a:extLst>
+                <a:ext uri="{FF2B5EF4-FFF2-40B4-BE49-F238E27FC236}">
+                  <a16:creationId xmlns:a16="http://schemas.microsoft.com/office/drawing/2014/main" id="{2BB7B322-8CEB-1848-BBF7-959ECBF0B7D2}"/>
+                </a:ext>
+              </a:extLst>
+            </p:cNvPr>
+            <p:cNvSpPr/>
+            <p:nvPr/>
+          </p:nvSpPr>
+          <p:spPr>
+            <a:xfrm>
+              <a:off x="3961180" y="2512770"/>
+              <a:ext cx="458115" cy="305410"/>
+            </a:xfrm>
+            <a:prstGeom prst="rect">
+              <a:avLst/>
+            </a:prstGeom>
+            <a:solidFill>
+              <a:srgbClr val="9A214C"/>
+            </a:solidFill>
+          </p:spPr>
+          <p:style>
+            <a:lnRef idx="2">
+              <a:schemeClr val="accent1">
+                <a:shade val="50000"/>
+              </a:schemeClr>
+            </a:lnRef>
+            <a:fillRef idx="1">
+              <a:schemeClr val="accent1"/>
+            </a:fillRef>
+            <a:effectRef idx="0">
+              <a:schemeClr val="accent1"/>
+            </a:effectRef>
+            <a:fontRef idx="minor">
+              <a:schemeClr val="lt1"/>
+            </a:fontRef>
+          </p:style>
+          <p:txBody>
+            <a:bodyPr rtlCol="0" anchor="ctr"/>
+            <a:lstStyle/>
+            <a:p>
+              <a:pPr algn="ctr"/>
+              <a:r>
+                <a:rPr lang="en-US" dirty="0"/>
+                <a:t>0</a:t>
+              </a:r>
+            </a:p>
+          </p:txBody>
+        </p:sp>
+        <p:sp>
+          <p:nvSpPr>
+            <p:cNvPr id="26" name="Rectangle 25">
+              <a:extLst>
+                <a:ext uri="{FF2B5EF4-FFF2-40B4-BE49-F238E27FC236}">
+                  <a16:creationId xmlns:a16="http://schemas.microsoft.com/office/drawing/2014/main" id="{760A0137-7D5F-0242-89DE-B23B0D474426}"/>
+                </a:ext>
+              </a:extLst>
+            </p:cNvPr>
+            <p:cNvSpPr/>
+            <p:nvPr/>
+          </p:nvSpPr>
+          <p:spPr>
+            <a:xfrm>
+              <a:off x="4419295" y="2512770"/>
+              <a:ext cx="458115" cy="305410"/>
+            </a:xfrm>
+            <a:prstGeom prst="rect">
+              <a:avLst/>
+            </a:prstGeom>
+            <a:solidFill>
+              <a:srgbClr val="F2576D"/>
+            </a:solidFill>
+          </p:spPr>
+          <p:style>
+            <a:lnRef idx="2">
+              <a:schemeClr val="accent1">
+                <a:shade val="50000"/>
+              </a:schemeClr>
+            </a:lnRef>
+            <a:fillRef idx="1">
+              <a:schemeClr val="accent1"/>
+            </a:fillRef>
+            <a:effectRef idx="0">
+              <a:schemeClr val="accent1"/>
+            </a:effectRef>
+            <a:fontRef idx="minor">
+              <a:schemeClr val="lt1"/>
+            </a:fontRef>
+          </p:style>
+          <p:txBody>
+            <a:bodyPr rtlCol="0" anchor="ctr"/>
+            <a:lstStyle/>
+            <a:p>
+              <a:pPr algn="ctr"/>
+              <a:r>
+                <a:rPr lang="en-US" dirty="0"/>
+                <a:t>0</a:t>
+              </a:r>
+            </a:p>
+          </p:txBody>
+        </p:sp>
+        <p:sp>
+          <p:nvSpPr>
+            <p:cNvPr id="27" name="Rectangle 26">
+              <a:extLst>
+                <a:ext uri="{FF2B5EF4-FFF2-40B4-BE49-F238E27FC236}">
+                  <a16:creationId xmlns:a16="http://schemas.microsoft.com/office/drawing/2014/main" id="{A7DF241F-65B6-9E42-BE58-2A90CDDC1A55}"/>
+                </a:ext>
+              </a:extLst>
+            </p:cNvPr>
+            <p:cNvSpPr/>
+            <p:nvPr/>
+          </p:nvSpPr>
+          <p:spPr>
+            <a:xfrm>
+              <a:off x="4877410" y="2512770"/>
+              <a:ext cx="458115" cy="305410"/>
+            </a:xfrm>
+            <a:prstGeom prst="rect">
+              <a:avLst/>
+            </a:prstGeom>
+            <a:solidFill>
+              <a:srgbClr val="9A214C"/>
+            </a:solidFill>
+          </p:spPr>
+          <p:style>
+            <a:lnRef idx="2">
+              <a:schemeClr val="accent1">
+                <a:shade val="50000"/>
+              </a:schemeClr>
+            </a:lnRef>
+            <a:fillRef idx="1">
+              <a:schemeClr val="accent1"/>
+            </a:fillRef>
+            <a:effectRef idx="0">
+              <a:schemeClr val="accent1"/>
+            </a:effectRef>
+            <a:fontRef idx="minor">
+              <a:schemeClr val="lt1"/>
+            </a:fontRef>
+          </p:style>
+          <p:txBody>
+            <a:bodyPr rtlCol="0" anchor="ctr"/>
+            <a:lstStyle/>
+            <a:p>
+              <a:pPr algn="ctr"/>
+              <a:r>
+                <a:rPr lang="en-US" dirty="0"/>
+                <a:t>0</a:t>
+              </a:r>
+            </a:p>
+          </p:txBody>
+        </p:sp>
+        <p:sp>
+          <p:nvSpPr>
+            <p:cNvPr id="39" name="Rectangle 38">
+              <a:extLst>
+                <a:ext uri="{FF2B5EF4-FFF2-40B4-BE49-F238E27FC236}">
+                  <a16:creationId xmlns:a16="http://schemas.microsoft.com/office/drawing/2014/main" id="{9A5A4121-ABBD-5D4D-AA36-04F04CE74770}"/>
+                </a:ext>
+              </a:extLst>
+            </p:cNvPr>
+            <p:cNvSpPr/>
+            <p:nvPr/>
+          </p:nvSpPr>
+          <p:spPr>
+            <a:xfrm>
+              <a:off x="5335525" y="2512770"/>
+              <a:ext cx="458115" cy="305410"/>
+            </a:xfrm>
+            <a:prstGeom prst="rect">
+              <a:avLst/>
+            </a:prstGeom>
+            <a:solidFill>
+              <a:srgbClr val="F2576D"/>
+            </a:solidFill>
+          </p:spPr>
+          <p:style>
+            <a:lnRef idx="2">
+              <a:schemeClr val="accent1">
+                <a:shade val="50000"/>
+              </a:schemeClr>
+            </a:lnRef>
+            <a:fillRef idx="1">
+              <a:schemeClr val="accent1"/>
+            </a:fillRef>
+            <a:effectRef idx="0">
+              <a:schemeClr val="accent1"/>
+            </a:effectRef>
+            <a:fontRef idx="minor">
+              <a:schemeClr val="lt1"/>
+            </a:fontRef>
+          </p:style>
+          <p:txBody>
+            <a:bodyPr rtlCol="0" anchor="ctr"/>
+            <a:lstStyle/>
+            <a:p>
+              <a:pPr algn="ctr"/>
+              <a:r>
+                <a:rPr lang="en-US" dirty="0"/>
+                <a:t>1</a:t>
+              </a:r>
+            </a:p>
+          </p:txBody>
+        </p:sp>
+        <p:sp>
+          <p:nvSpPr>
+            <p:cNvPr id="43" name="Rectangle 42">
+              <a:extLst>
+                <a:ext uri="{FF2B5EF4-FFF2-40B4-BE49-F238E27FC236}">
+                  <a16:creationId xmlns:a16="http://schemas.microsoft.com/office/drawing/2014/main" id="{43488083-D288-A249-8D77-C30AA10F0DEF}"/>
+                </a:ext>
+              </a:extLst>
+            </p:cNvPr>
+            <p:cNvSpPr/>
+            <p:nvPr/>
+          </p:nvSpPr>
+          <p:spPr>
+            <a:xfrm>
+              <a:off x="5793640" y="2512770"/>
+              <a:ext cx="458115" cy="305410"/>
+            </a:xfrm>
+            <a:prstGeom prst="rect">
+              <a:avLst/>
+            </a:prstGeom>
+            <a:solidFill>
+              <a:srgbClr val="9A214C"/>
+            </a:solidFill>
+          </p:spPr>
+          <p:style>
+            <a:lnRef idx="2">
+              <a:schemeClr val="accent1">
+                <a:shade val="50000"/>
+              </a:schemeClr>
+            </a:lnRef>
+            <a:fillRef idx="1">
+              <a:schemeClr val="accent1"/>
+            </a:fillRef>
+            <a:effectRef idx="0">
+              <a:schemeClr val="accent1"/>
+            </a:effectRef>
+            <a:fontRef idx="minor">
+              <a:schemeClr val="lt1"/>
+            </a:fontRef>
+          </p:style>
+          <p:txBody>
+            <a:bodyPr rtlCol="0" anchor="ctr"/>
+            <a:lstStyle/>
+            <a:p>
+              <a:pPr algn="ctr"/>
+              <a:r>
+                <a:rPr lang="en-US" dirty="0"/>
+                <a:t>0</a:t>
+              </a:r>
+            </a:p>
+          </p:txBody>
+        </p:sp>
+        <p:sp>
+          <p:nvSpPr>
+            <p:cNvPr id="44" name="Rectangle 43">
+              <a:extLst>
+                <a:ext uri="{FF2B5EF4-FFF2-40B4-BE49-F238E27FC236}">
+                  <a16:creationId xmlns:a16="http://schemas.microsoft.com/office/drawing/2014/main" id="{5224C339-2DA3-2046-AB55-BF358E43BF5C}"/>
+                </a:ext>
+              </a:extLst>
+            </p:cNvPr>
+            <p:cNvSpPr/>
+            <p:nvPr/>
+          </p:nvSpPr>
+          <p:spPr>
+            <a:xfrm>
+              <a:off x="6251755" y="2512770"/>
+              <a:ext cx="458115" cy="305410"/>
+            </a:xfrm>
+            <a:prstGeom prst="rect">
+              <a:avLst/>
+            </a:prstGeom>
+            <a:solidFill>
+              <a:srgbClr val="F2576D"/>
+            </a:solidFill>
+          </p:spPr>
+          <p:style>
+            <a:lnRef idx="2">
+              <a:schemeClr val="accent1">
+                <a:shade val="50000"/>
+              </a:schemeClr>
+            </a:lnRef>
+            <a:fillRef idx="1">
+              <a:schemeClr val="accent1"/>
+            </a:fillRef>
+            <a:effectRef idx="0">
+              <a:schemeClr val="accent1"/>
+            </a:effectRef>
+            <a:fontRef idx="minor">
+              <a:schemeClr val="lt1"/>
+            </a:fontRef>
+          </p:style>
+          <p:txBody>
+            <a:bodyPr rtlCol="0" anchor="ctr"/>
+            <a:lstStyle/>
+            <a:p>
+              <a:pPr algn="ctr"/>
+              <a:r>
+                <a:rPr lang="en-US" dirty="0"/>
+                <a:t>1</a:t>
+              </a:r>
+            </a:p>
+          </p:txBody>
+        </p:sp>
+        <p:sp>
+          <p:nvSpPr>
+            <p:cNvPr id="45" name="Rectangle 44">
+              <a:extLst>
+                <a:ext uri="{FF2B5EF4-FFF2-40B4-BE49-F238E27FC236}">
+                  <a16:creationId xmlns:a16="http://schemas.microsoft.com/office/drawing/2014/main" id="{B591925B-14FF-3F49-B693-856705353A09}"/>
+                </a:ext>
+              </a:extLst>
+            </p:cNvPr>
+            <p:cNvSpPr/>
+            <p:nvPr/>
+          </p:nvSpPr>
+          <p:spPr>
+            <a:xfrm>
+              <a:off x="6709870" y="2512770"/>
+              <a:ext cx="458115" cy="305410"/>
+            </a:xfrm>
+            <a:prstGeom prst="rect">
+              <a:avLst/>
+            </a:prstGeom>
+            <a:solidFill>
+              <a:srgbClr val="9A214C"/>
+            </a:solidFill>
+          </p:spPr>
+          <p:style>
+            <a:lnRef idx="2">
+              <a:schemeClr val="accent1">
+                <a:shade val="50000"/>
+              </a:schemeClr>
+            </a:lnRef>
+            <a:fillRef idx="1">
+              <a:schemeClr val="accent1"/>
+            </a:fillRef>
+            <a:effectRef idx="0">
+              <a:schemeClr val="accent1"/>
+            </a:effectRef>
+            <a:fontRef idx="minor">
+              <a:schemeClr val="lt1"/>
+            </a:fontRef>
+          </p:style>
+          <p:txBody>
+            <a:bodyPr rtlCol="0" anchor="ctr"/>
+            <a:lstStyle/>
+            <a:p>
+              <a:pPr algn="ctr"/>
+              <a:r>
+                <a:rPr lang="en-US" dirty="0"/>
+                <a:t>0</a:t>
+              </a:r>
+            </a:p>
+          </p:txBody>
+        </p:sp>
+      </p:grpSp>
+      <p:sp>
+        <p:nvSpPr>
+          <p:cNvPr id="46" name="Rectangle 45">
+            <a:extLst>
+              <a:ext uri="{FF2B5EF4-FFF2-40B4-BE49-F238E27FC236}">
+                <a16:creationId xmlns:a16="http://schemas.microsoft.com/office/drawing/2014/main" id="{844508AE-5F6B-464E-BFF1-B133842D9B66}"/>
+              </a:ext>
+            </a:extLst>
+          </p:cNvPr>
+          <p:cNvSpPr/>
+          <p:nvPr/>
+        </p:nvSpPr>
+        <p:spPr>
+          <a:xfrm>
+            <a:off x="3503065" y="4956050"/>
+            <a:ext cx="458115" cy="305410"/>
+          </a:xfrm>
+          <a:prstGeom prst="rect">
+            <a:avLst/>
+          </a:prstGeom>
+          <a:solidFill>
+            <a:srgbClr val="F2576D"/>
+          </a:solidFill>
+        </p:spPr>
+        <p:style>
+          <a:lnRef idx="2">
+            <a:schemeClr val="accent1">
+              <a:shade val="50000"/>
+            </a:schemeClr>
+          </a:lnRef>
+          <a:fillRef idx="1">
+            <a:schemeClr val="accent1"/>
+          </a:fillRef>
+          <a:effectRef idx="0">
+            <a:schemeClr val="accent1"/>
+          </a:effectRef>
+          <a:fontRef idx="minor">
+            <a:schemeClr val="lt1"/>
+          </a:fontRef>
+        </p:style>
+        <p:txBody>
+          <a:bodyPr rtlCol="0" anchor="ctr"/>
+          <a:lstStyle/>
+          <a:p>
+            <a:pPr algn="ctr"/>
+            <a:r>
+              <a:rPr lang="en-US" dirty="0"/>
+              <a:t>1</a:t>
+            </a:r>
+          </a:p>
+        </p:txBody>
+      </p:sp>
+      <p:sp>
+        <p:nvSpPr>
+          <p:cNvPr id="47" name="Rectangle 46">
+            <a:extLst>
+              <a:ext uri="{FF2B5EF4-FFF2-40B4-BE49-F238E27FC236}">
+                <a16:creationId xmlns:a16="http://schemas.microsoft.com/office/drawing/2014/main" id="{CDC703BE-7430-FF49-A82B-5E031A76058D}"/>
+              </a:ext>
+            </a:extLst>
+          </p:cNvPr>
+          <p:cNvSpPr/>
+          <p:nvPr/>
+        </p:nvSpPr>
+        <p:spPr>
+          <a:xfrm>
+            <a:off x="3961180" y="4956050"/>
+            <a:ext cx="458115" cy="305410"/>
+          </a:xfrm>
+          <a:prstGeom prst="rect">
+            <a:avLst/>
+          </a:prstGeom>
+          <a:solidFill>
+            <a:srgbClr val="9A214C"/>
+          </a:solidFill>
+        </p:spPr>
+        <p:style>
+          <a:lnRef idx="2">
+            <a:schemeClr val="accent1">
+              <a:shade val="50000"/>
+            </a:schemeClr>
+          </a:lnRef>
+          <a:fillRef idx="1">
+            <a:schemeClr val="accent1"/>
+          </a:fillRef>
+          <a:effectRef idx="0">
+            <a:schemeClr val="accent1"/>
+          </a:effectRef>
+          <a:fontRef idx="minor">
+            <a:schemeClr val="lt1"/>
+          </a:fontRef>
+        </p:style>
+        <p:txBody>
+          <a:bodyPr rtlCol="0" anchor="ctr"/>
+          <a:lstStyle/>
+          <a:p>
+            <a:pPr algn="ctr"/>
+            <a:r>
+              <a:rPr lang="en-US" dirty="0"/>
+              <a:t>0</a:t>
+            </a:r>
+          </a:p>
+        </p:txBody>
+      </p:sp>
+      <p:sp>
+        <p:nvSpPr>
+          <p:cNvPr id="48" name="Rectangle 47">
+            <a:extLst>
+              <a:ext uri="{FF2B5EF4-FFF2-40B4-BE49-F238E27FC236}">
+                <a16:creationId xmlns:a16="http://schemas.microsoft.com/office/drawing/2014/main" id="{C03C4737-91D7-E742-BE98-0391D7AB65C0}"/>
+              </a:ext>
+            </a:extLst>
+          </p:cNvPr>
+          <p:cNvSpPr/>
+          <p:nvPr/>
+        </p:nvSpPr>
+        <p:spPr>
+          <a:xfrm>
+            <a:off x="4419295" y="4956050"/>
+            <a:ext cx="458115" cy="305410"/>
+          </a:xfrm>
+          <a:prstGeom prst="rect">
+            <a:avLst/>
+          </a:prstGeom>
+          <a:solidFill>
+            <a:srgbClr val="F2576D"/>
+          </a:solidFill>
+        </p:spPr>
+        <p:style>
+          <a:lnRef idx="2">
+            <a:schemeClr val="accent1">
+              <a:shade val="50000"/>
+            </a:schemeClr>
+          </a:lnRef>
+          <a:fillRef idx="1">
+            <a:schemeClr val="accent1"/>
+          </a:fillRef>
+          <a:effectRef idx="0">
+            <a:schemeClr val="accent1"/>
+          </a:effectRef>
+          <a:fontRef idx="minor">
+            <a:schemeClr val="lt1"/>
+          </a:fontRef>
+        </p:style>
+        <p:txBody>
+          <a:bodyPr rtlCol="0" anchor="ctr"/>
+          <a:lstStyle/>
+          <a:p>
+            <a:pPr algn="ctr"/>
+            <a:r>
+              <a:rPr lang="he-IL" dirty="0"/>
+              <a:t>1</a:t>
+            </a:r>
+            <a:endParaRPr lang="en-US" dirty="0"/>
+          </a:p>
+        </p:txBody>
+      </p:sp>
+      <p:sp>
+        <p:nvSpPr>
+          <p:cNvPr id="49" name="Rectangle 48">
+            <a:extLst>
+              <a:ext uri="{FF2B5EF4-FFF2-40B4-BE49-F238E27FC236}">
+                <a16:creationId xmlns:a16="http://schemas.microsoft.com/office/drawing/2014/main" id="{24CAE8F9-2D51-A440-9ED0-9C90F615958C}"/>
+              </a:ext>
+            </a:extLst>
+          </p:cNvPr>
+          <p:cNvSpPr/>
+          <p:nvPr/>
+        </p:nvSpPr>
+        <p:spPr>
+          <a:xfrm>
+            <a:off x="4877410" y="4956050"/>
+            <a:ext cx="458115" cy="305410"/>
+          </a:xfrm>
+          <a:prstGeom prst="rect">
+            <a:avLst/>
+          </a:prstGeom>
+          <a:solidFill>
+            <a:srgbClr val="9A214C"/>
+          </a:solidFill>
+        </p:spPr>
+        <p:style>
+          <a:lnRef idx="2">
+            <a:schemeClr val="accent1">
+              <a:shade val="50000"/>
+            </a:schemeClr>
+          </a:lnRef>
+          <a:fillRef idx="1">
+            <a:schemeClr val="accent1"/>
+          </a:fillRef>
+          <a:effectRef idx="0">
+            <a:schemeClr val="accent1"/>
+          </a:effectRef>
+          <a:fontRef idx="minor">
+            <a:schemeClr val="lt1"/>
+          </a:fontRef>
+        </p:style>
+        <p:txBody>
+          <a:bodyPr rtlCol="0" anchor="ctr"/>
+          <a:lstStyle/>
+          <a:p>
+            <a:pPr algn="ctr"/>
+            <a:r>
+              <a:rPr lang="en-US" dirty="0"/>
+              <a:t>0</a:t>
+            </a:r>
+          </a:p>
+        </p:txBody>
+      </p:sp>
+      <p:sp>
+        <p:nvSpPr>
+          <p:cNvPr id="50" name="Rectangle 49">
+            <a:extLst>
+              <a:ext uri="{FF2B5EF4-FFF2-40B4-BE49-F238E27FC236}">
+                <a16:creationId xmlns:a16="http://schemas.microsoft.com/office/drawing/2014/main" id="{15D1019E-B881-D04D-89C1-4765C418E730}"/>
+              </a:ext>
+            </a:extLst>
+          </p:cNvPr>
+          <p:cNvSpPr/>
+          <p:nvPr/>
+        </p:nvSpPr>
+        <p:spPr>
+          <a:xfrm>
+            <a:off x="5335525" y="4956050"/>
+            <a:ext cx="458115" cy="305410"/>
+          </a:xfrm>
+          <a:prstGeom prst="rect">
+            <a:avLst/>
+          </a:prstGeom>
+          <a:solidFill>
+            <a:srgbClr val="F2576D"/>
+          </a:solidFill>
+        </p:spPr>
+        <p:style>
+          <a:lnRef idx="2">
+            <a:schemeClr val="accent1">
+              <a:shade val="50000"/>
+            </a:schemeClr>
+          </a:lnRef>
+          <a:fillRef idx="1">
+            <a:schemeClr val="accent1"/>
+          </a:fillRef>
+          <a:effectRef idx="0">
+            <a:schemeClr val="accent1"/>
+          </a:effectRef>
+          <a:fontRef idx="minor">
+            <a:schemeClr val="lt1"/>
+          </a:fontRef>
+        </p:style>
+        <p:txBody>
+          <a:bodyPr rtlCol="0" anchor="ctr"/>
+          <a:lstStyle/>
+          <a:p>
+            <a:pPr algn="ctr"/>
+            <a:r>
+              <a:rPr lang="en-US" dirty="0"/>
+              <a:t>0</a:t>
+            </a:r>
+          </a:p>
+        </p:txBody>
+      </p:sp>
+      <p:sp>
+        <p:nvSpPr>
+          <p:cNvPr id="51" name="Rectangle 50">
+            <a:extLst>
+              <a:ext uri="{FF2B5EF4-FFF2-40B4-BE49-F238E27FC236}">
+                <a16:creationId xmlns:a16="http://schemas.microsoft.com/office/drawing/2014/main" id="{6C76723A-6C09-1646-ACFA-8EF104505203}"/>
+              </a:ext>
+            </a:extLst>
+          </p:cNvPr>
+          <p:cNvSpPr/>
+          <p:nvPr/>
+        </p:nvSpPr>
+        <p:spPr>
+          <a:xfrm>
+            <a:off x="5793640" y="4956050"/>
+            <a:ext cx="458115" cy="305410"/>
+          </a:xfrm>
+          <a:prstGeom prst="rect">
+            <a:avLst/>
+          </a:prstGeom>
+          <a:solidFill>
+            <a:srgbClr val="9A214C"/>
+          </a:solidFill>
+        </p:spPr>
+        <p:style>
+          <a:lnRef idx="2">
+            <a:schemeClr val="accent1">
+              <a:shade val="50000"/>
+            </a:schemeClr>
+          </a:lnRef>
+          <a:fillRef idx="1">
+            <a:schemeClr val="accent1"/>
+          </a:fillRef>
+          <a:effectRef idx="0">
+            <a:schemeClr val="accent1"/>
+          </a:effectRef>
+          <a:fontRef idx="minor">
+            <a:schemeClr val="lt1"/>
+          </a:fontRef>
+        </p:style>
+        <p:txBody>
+          <a:bodyPr rtlCol="0" anchor="ctr"/>
+          <a:lstStyle/>
+          <a:p>
+            <a:pPr algn="ctr"/>
+            <a:r>
+              <a:rPr lang="en-US" dirty="0"/>
+              <a:t>0</a:t>
+            </a:r>
+          </a:p>
+        </p:txBody>
+      </p:sp>
+      <p:sp>
+        <p:nvSpPr>
+          <p:cNvPr id="52" name="Rectangle 51">
+            <a:extLst>
+              <a:ext uri="{FF2B5EF4-FFF2-40B4-BE49-F238E27FC236}">
+                <a16:creationId xmlns:a16="http://schemas.microsoft.com/office/drawing/2014/main" id="{3B456AE2-0040-674D-9C02-6F51383A7A4E}"/>
+              </a:ext>
+            </a:extLst>
+          </p:cNvPr>
+          <p:cNvSpPr/>
+          <p:nvPr/>
+        </p:nvSpPr>
+        <p:spPr>
+          <a:xfrm>
+            <a:off x="6251755" y="4956050"/>
+            <a:ext cx="458115" cy="305410"/>
+          </a:xfrm>
+          <a:prstGeom prst="rect">
+            <a:avLst/>
+          </a:prstGeom>
+          <a:solidFill>
+            <a:srgbClr val="F2576D"/>
+          </a:solidFill>
+        </p:spPr>
+        <p:style>
+          <a:lnRef idx="2">
+            <a:schemeClr val="accent1">
+              <a:shade val="50000"/>
+            </a:schemeClr>
+          </a:lnRef>
+          <a:fillRef idx="1">
+            <a:schemeClr val="accent1"/>
+          </a:fillRef>
+          <a:effectRef idx="0">
+            <a:schemeClr val="accent1"/>
+          </a:effectRef>
+          <a:fontRef idx="minor">
+            <a:schemeClr val="lt1"/>
+          </a:fontRef>
+        </p:style>
+        <p:txBody>
+          <a:bodyPr rtlCol="0" anchor="ctr"/>
+          <a:lstStyle/>
+          <a:p>
+            <a:pPr algn="ctr"/>
+            <a:r>
+              <a:rPr lang="en-US" dirty="0"/>
+              <a:t>1</a:t>
+            </a:r>
+          </a:p>
+        </p:txBody>
+      </p:sp>
+      <p:sp>
+        <p:nvSpPr>
+          <p:cNvPr id="53" name="Rectangle 52">
+            <a:extLst>
+              <a:ext uri="{FF2B5EF4-FFF2-40B4-BE49-F238E27FC236}">
+                <a16:creationId xmlns:a16="http://schemas.microsoft.com/office/drawing/2014/main" id="{62D9AFF8-136E-1E4E-99FA-3EB7859C1736}"/>
+              </a:ext>
+            </a:extLst>
+          </p:cNvPr>
+          <p:cNvSpPr/>
+          <p:nvPr/>
+        </p:nvSpPr>
+        <p:spPr>
+          <a:xfrm>
+            <a:off x="6709870" y="4956050"/>
+            <a:ext cx="458115" cy="305410"/>
+          </a:xfrm>
+          <a:prstGeom prst="rect">
+            <a:avLst/>
+          </a:prstGeom>
+          <a:solidFill>
+            <a:srgbClr val="9A214C"/>
+          </a:solidFill>
+        </p:spPr>
+        <p:style>
+          <a:lnRef idx="2">
+            <a:schemeClr val="accent1">
+              <a:shade val="50000"/>
+            </a:schemeClr>
+          </a:lnRef>
+          <a:fillRef idx="1">
+            <a:schemeClr val="accent1"/>
+          </a:fillRef>
+          <a:effectRef idx="0">
+            <a:schemeClr val="accent1"/>
+          </a:effectRef>
+          <a:fontRef idx="minor">
+            <a:schemeClr val="lt1"/>
+          </a:fontRef>
+        </p:style>
+        <p:txBody>
+          <a:bodyPr rtlCol="0" anchor="ctr"/>
+          <a:lstStyle/>
+          <a:p>
+            <a:pPr algn="ctr"/>
+            <a:r>
+              <a:rPr lang="en-US" dirty="0"/>
+              <a:t>0</a:t>
+            </a:r>
+          </a:p>
+        </p:txBody>
+      </p:sp>
+      <p:cxnSp>
+        <p:nvCxnSpPr>
+          <p:cNvPr id="14" name="Straight Arrow Connector 13">
+            <a:extLst>
+              <a:ext uri="{FF2B5EF4-FFF2-40B4-BE49-F238E27FC236}">
+                <a16:creationId xmlns:a16="http://schemas.microsoft.com/office/drawing/2014/main" id="{28D89724-A98A-B247-B989-BB9A948A2D87}"/>
+              </a:ext>
+            </a:extLst>
+          </p:cNvPr>
+          <p:cNvCxnSpPr/>
+          <p:nvPr/>
+        </p:nvCxnSpPr>
+        <p:spPr>
+          <a:xfrm>
+            <a:off x="5509127" y="2910806"/>
+            <a:ext cx="0" cy="1679755"/>
+          </a:xfrm>
+          <a:prstGeom prst="straightConnector1">
+            <a:avLst/>
+          </a:prstGeom>
+          <a:ln>
+            <a:tailEnd type="triangle"/>
+          </a:ln>
+        </p:spPr>
+        <p:style>
+          <a:lnRef idx="1">
+            <a:schemeClr val="accent1"/>
+          </a:lnRef>
+          <a:fillRef idx="0">
+            <a:schemeClr val="accent1"/>
+          </a:fillRef>
+          <a:effectRef idx="0">
+            <a:schemeClr val="accent1"/>
+          </a:effectRef>
+          <a:fontRef idx="minor">
+            <a:schemeClr val="tx1"/>
+          </a:fontRef>
+        </p:style>
+      </p:cxnSp>
+      <p:sp>
+        <p:nvSpPr>
+          <p:cNvPr id="15" name="TextBox 14">
+            <a:extLst>
+              <a:ext uri="{FF2B5EF4-FFF2-40B4-BE49-F238E27FC236}">
+                <a16:creationId xmlns:a16="http://schemas.microsoft.com/office/drawing/2014/main" id="{C9317EB1-9304-7141-A7B5-7C69D7E3C3F0}"/>
+              </a:ext>
+            </a:extLst>
+          </p:cNvPr>
+          <p:cNvSpPr txBox="1"/>
+          <p:nvPr/>
+        </p:nvSpPr>
+        <p:spPr>
+          <a:xfrm>
+            <a:off x="1047410" y="3613666"/>
+            <a:ext cx="2920351" cy="369332"/>
+          </a:xfrm>
+          <a:prstGeom prst="rect">
+            <a:avLst/>
+          </a:prstGeom>
+          <a:noFill/>
+        </p:spPr>
+        <p:txBody>
+          <a:bodyPr wrap="none" rtlCol="0">
+            <a:spAutoFit/>
+          </a:bodyPr>
+          <a:lstStyle/>
+          <a:p>
+            <a:r>
+              <a:rPr lang="en-US" dirty="0"/>
+              <a:t>Each bit has a 30% of flipping</a:t>
+            </a:r>
+          </a:p>
+        </p:txBody>
+      </p:sp>
+      <p:sp>
+        <p:nvSpPr>
+          <p:cNvPr id="16" name="Oval 15">
+            <a:extLst>
+              <a:ext uri="{FF2B5EF4-FFF2-40B4-BE49-F238E27FC236}">
+                <a16:creationId xmlns:a16="http://schemas.microsoft.com/office/drawing/2014/main" id="{8D1AECD8-9039-F340-B6AE-3F3B5A837EC1}"/>
+              </a:ext>
+            </a:extLst>
+          </p:cNvPr>
+          <p:cNvSpPr/>
+          <p:nvPr/>
+        </p:nvSpPr>
+        <p:spPr>
+          <a:xfrm>
+            <a:off x="5257113" y="4825541"/>
+            <a:ext cx="614938" cy="610820"/>
+          </a:xfrm>
+          <a:prstGeom prst="ellipse">
+            <a:avLst/>
+          </a:prstGeom>
+          <a:noFill/>
+        </p:spPr>
+        <p:style>
+          <a:lnRef idx="2">
+            <a:schemeClr val="accent1">
+              <a:shade val="50000"/>
+            </a:schemeClr>
+          </a:lnRef>
+          <a:fillRef idx="1">
+            <a:schemeClr val="accent1"/>
+          </a:fillRef>
+          <a:effectRef idx="0">
+            <a:schemeClr val="accent1"/>
+          </a:effectRef>
+          <a:fontRef idx="minor">
+            <a:schemeClr val="lt1"/>
+          </a:fontRef>
+        </p:style>
+        <p:txBody>
+          <a:bodyPr rtlCol="0" anchor="ctr"/>
+          <a:lstStyle/>
+          <a:p>
+            <a:pPr algn="ctr"/>
+            <a:endParaRPr lang="en-US"/>
+          </a:p>
+        </p:txBody>
+      </p:sp>
+      <p:sp>
+        <p:nvSpPr>
+          <p:cNvPr id="23" name="TextBox 22">
+            <a:extLst>
+              <a:ext uri="{FF2B5EF4-FFF2-40B4-BE49-F238E27FC236}">
+                <a16:creationId xmlns:a16="http://schemas.microsoft.com/office/drawing/2014/main" id="{B7CAF0D6-5119-6644-A984-11CCEE7671A2}"/>
+              </a:ext>
+            </a:extLst>
+          </p:cNvPr>
+          <p:cNvSpPr txBox="1"/>
+          <p:nvPr/>
+        </p:nvSpPr>
+        <p:spPr>
+          <a:xfrm>
+            <a:off x="5032980" y="5480753"/>
+            <a:ext cx="1447832" cy="369332"/>
+          </a:xfrm>
+          <a:prstGeom prst="rect">
+            <a:avLst/>
+          </a:prstGeom>
+          <a:noFill/>
+        </p:spPr>
+        <p:txBody>
+          <a:bodyPr wrap="none" rtlCol="0">
+            <a:spAutoFit/>
+          </a:bodyPr>
+          <a:lstStyle/>
+          <a:p>
+            <a:r>
+              <a:rPr lang="en-US" dirty="0"/>
+              <a:t>5</a:t>
+            </a:r>
+            <a:r>
+              <a:rPr lang="en-US" baseline="30000" dirty="0"/>
+              <a:t>th</a:t>
+            </a:r>
+            <a:r>
+              <a:rPr lang="en-US" dirty="0"/>
+              <a:t> bit flipped</a:t>
+            </a:r>
+          </a:p>
+        </p:txBody>
+      </p:sp>
+      <p:sp>
+        <p:nvSpPr>
+          <p:cNvPr id="28" name="TextBox 27">
+            <a:extLst>
+              <a:ext uri="{FF2B5EF4-FFF2-40B4-BE49-F238E27FC236}">
+                <a16:creationId xmlns:a16="http://schemas.microsoft.com/office/drawing/2014/main" id="{EED97B71-EC55-0D47-8534-C37AF008390E}"/>
+              </a:ext>
+            </a:extLst>
+          </p:cNvPr>
+          <p:cNvSpPr txBox="1"/>
+          <p:nvPr/>
+        </p:nvSpPr>
+        <p:spPr>
+          <a:xfrm>
+            <a:off x="296260" y="1901950"/>
+            <a:ext cx="3227037" cy="369332"/>
+          </a:xfrm>
+          <a:prstGeom prst="rect">
+            <a:avLst/>
+          </a:prstGeom>
+          <a:noFill/>
+        </p:spPr>
+        <p:txBody>
+          <a:bodyPr wrap="none" rtlCol="0">
+            <a:spAutoFit/>
+          </a:bodyPr>
+          <a:lstStyle/>
+          <a:p>
+            <a:r>
+              <a:rPr lang="en-US" dirty="0"/>
+              <a:t>Chance of Mutation – P(m) = 0.3</a:t>
+            </a:r>
+          </a:p>
+        </p:txBody>
+      </p:sp>
+      <p:cxnSp>
+        <p:nvCxnSpPr>
+          <p:cNvPr id="29" name="Straight Arrow Connector 28">
+            <a:extLst>
+              <a:ext uri="{FF2B5EF4-FFF2-40B4-BE49-F238E27FC236}">
+                <a16:creationId xmlns:a16="http://schemas.microsoft.com/office/drawing/2014/main" id="{27B1C936-5DAE-534C-8CD6-6EBE55BCA807}"/>
+              </a:ext>
+            </a:extLst>
+          </p:cNvPr>
+          <p:cNvCxnSpPr/>
+          <p:nvPr/>
+        </p:nvCxnSpPr>
+        <p:spPr>
+          <a:xfrm>
+            <a:off x="4572000" y="2910806"/>
+            <a:ext cx="0" cy="1679755"/>
+          </a:xfrm>
+          <a:prstGeom prst="straightConnector1">
+            <a:avLst/>
+          </a:prstGeom>
+          <a:ln>
+            <a:tailEnd type="triangle"/>
+          </a:ln>
+        </p:spPr>
+        <p:style>
+          <a:lnRef idx="1">
+            <a:schemeClr val="accent1"/>
+          </a:lnRef>
+          <a:fillRef idx="0">
+            <a:schemeClr val="accent1"/>
+          </a:fillRef>
+          <a:effectRef idx="0">
+            <a:schemeClr val="accent1"/>
+          </a:effectRef>
+          <a:fontRef idx="minor">
+            <a:schemeClr val="tx1"/>
+          </a:fontRef>
+        </p:style>
+      </p:cxnSp>
+      <p:sp>
+        <p:nvSpPr>
+          <p:cNvPr id="30" name="Oval 29">
+            <a:extLst>
+              <a:ext uri="{FF2B5EF4-FFF2-40B4-BE49-F238E27FC236}">
+                <a16:creationId xmlns:a16="http://schemas.microsoft.com/office/drawing/2014/main" id="{511C0C19-26C4-0F4C-BF36-50BB9DDAC3BF}"/>
+              </a:ext>
+            </a:extLst>
+          </p:cNvPr>
+          <p:cNvSpPr/>
+          <p:nvPr/>
+        </p:nvSpPr>
+        <p:spPr>
+          <a:xfrm>
+            <a:off x="4340883" y="4825541"/>
+            <a:ext cx="614938" cy="610820"/>
+          </a:xfrm>
+          <a:prstGeom prst="ellipse">
+            <a:avLst/>
+          </a:prstGeom>
+          <a:noFill/>
+        </p:spPr>
+        <p:style>
+          <a:lnRef idx="2">
+            <a:schemeClr val="accent1">
+              <a:shade val="50000"/>
+            </a:schemeClr>
+          </a:lnRef>
+          <a:fillRef idx="1">
+            <a:schemeClr val="accent1"/>
+          </a:fillRef>
+          <a:effectRef idx="0">
+            <a:schemeClr val="accent1"/>
+          </a:effectRef>
+          <a:fontRef idx="minor">
+            <a:schemeClr val="lt1"/>
+          </a:fontRef>
+        </p:style>
+        <p:txBody>
+          <a:bodyPr rtlCol="0" anchor="ctr"/>
+          <a:lstStyle/>
+          <a:p>
+            <a:pPr algn="ctr"/>
+            <a:endParaRPr lang="en-US"/>
+          </a:p>
+        </p:txBody>
+      </p:sp>
+    </p:spTree>
+    <p:extLst>
+      <p:ext uri="{BB962C8B-B14F-4D97-AF65-F5344CB8AC3E}">
+        <p14:creationId xmlns:p14="http://schemas.microsoft.com/office/powerpoint/2010/main" val="3872182674"/>
+      </p:ext>
+    </p:extLst>
+  </p:cSld>
+  <p:clrMapOvr>
+    <a:masterClrMapping/>
+  </p:clrMapOvr>
+</p:sld>
+</file>
+
+<file path=ppt/slides/slide12.xml><?xml version="1.0" encoding="utf-8"?>
+<p:sld xmlns:a="http://schemas.openxmlformats.org/drawingml/2006/main" xmlns:r="http://schemas.openxmlformats.org/officeDocument/2006/relationships" xmlns:p="http://schemas.openxmlformats.org/presentationml/2006/main">
+  <p:cSld>
+    <p:spTree>
+      <p:nvGrpSpPr>
+        <p:cNvPr id="1" name=""/>
+        <p:cNvGrpSpPr/>
+        <p:nvPr/>
+      </p:nvGrpSpPr>
+      <p:grpSpPr>
+        <a:xfrm>
+          <a:off x="0" y="0"/>
+          <a:ext cx="0" cy="0"/>
+          <a:chOff x="0" y="0"/>
+          <a:chExt cx="0" cy="0"/>
+        </a:xfrm>
+      </p:grpSpPr>
+      <p:sp>
+        <p:nvSpPr>
           <p:cNvPr id="2" name="Title 1"/>
           <p:cNvSpPr>
             <a:spLocks noGrp="1"/>
@@ -6164,7 +7406,7 @@
         <p:spPr>
           <a:xfrm>
             <a:off x="448965" y="2279590"/>
-            <a:ext cx="4428445" cy="1200329"/>
+            <a:ext cx="4428445" cy="1477328"/>
           </a:xfrm>
           <a:prstGeom prst="rect">
             <a:avLst/>
@@ -6185,6 +7427,14 @@
               <a:rPr lang="en-US" dirty="0"/>
               <a:t>Fitness = number of cells which are not illuminated</a:t>
             </a:r>
+            <a:r>
+              <a:rPr lang="he-IL" dirty="0"/>
+              <a:t> </a:t>
+            </a:r>
+            <a:r>
+              <a:rPr lang="en-US" dirty="0"/>
+              <a:t> + number of intersections + missing lights </a:t>
+            </a:r>
           </a:p>
           <a:p>
             <a:pPr marL="285750" indent="-285750">
@@ -6204,136 +7454,7 @@
     </p:spTree>
     <p:extLst>
       <p:ext uri="{BB962C8B-B14F-4D97-AF65-F5344CB8AC3E}">
-        <p14:creationId xmlns:p14="http://schemas.microsoft.com/office/powerpoint/2010/main" val="412426355"/>
-      </p:ext>
-    </p:extLst>
-  </p:cSld>
-  <p:clrMapOvr>
-    <a:masterClrMapping/>
-  </p:clrMapOvr>
-</p:sld>
-</file>
-
-<file path=ppt/slides/slide12.xml><?xml version="1.0" encoding="utf-8"?>
-<p:sld xmlns:a="http://schemas.openxmlformats.org/drawingml/2006/main" xmlns:r="http://schemas.openxmlformats.org/officeDocument/2006/relationships" xmlns:p="http://schemas.openxmlformats.org/presentationml/2006/main">
-  <p:cSld>
-    <p:spTree>
-      <p:nvGrpSpPr>
-        <p:cNvPr id="1" name=""/>
-        <p:cNvGrpSpPr/>
-        <p:nvPr/>
-      </p:nvGrpSpPr>
-      <p:grpSpPr>
-        <a:xfrm>
-          <a:off x="0" y="0"/>
-          <a:ext cx="0" cy="0"/>
-          <a:chOff x="0" y="0"/>
-          <a:chExt cx="0" cy="0"/>
-        </a:xfrm>
-      </p:grpSpPr>
-      <p:sp>
-        <p:nvSpPr>
-          <p:cNvPr id="4" name="Title 3"/>
-          <p:cNvSpPr>
-            <a:spLocks noGrp="1"/>
-          </p:cNvSpPr>
-          <p:nvPr>
-            <p:ph type="title"/>
-          </p:nvPr>
-        </p:nvSpPr>
-        <p:spPr>
-          <a:xfrm>
-            <a:off x="448965" y="374900"/>
-            <a:ext cx="7016195" cy="610820"/>
-          </a:xfrm>
-        </p:spPr>
-        <p:txBody>
-          <a:bodyPr>
-            <a:normAutofit fontScale="90000"/>
-          </a:bodyPr>
-          <a:lstStyle/>
-          <a:p>
-            <a:pPr algn="l"/>
-            <a:r>
-              <a:rPr lang="en-US" dirty="0">
-                <a:solidFill>
-                  <a:schemeClr val="bg1"/>
-                </a:solidFill>
-              </a:rPr>
-              <a:t>Selection</a:t>
-            </a:r>
-          </a:p>
-        </p:txBody>
-      </p:sp>
-      <p:sp>
-        <p:nvSpPr>
-          <p:cNvPr id="2" name="TextBox 1">
-            <a:extLst>
-              <a:ext uri="{FF2B5EF4-FFF2-40B4-BE49-F238E27FC236}">
-                <a16:creationId xmlns:a16="http://schemas.microsoft.com/office/drawing/2014/main" id="{4E8F7BB5-7579-0644-9EB4-81B3EAEDB4FC}"/>
-              </a:ext>
-            </a:extLst>
-          </p:cNvPr>
-          <p:cNvSpPr txBox="1"/>
-          <p:nvPr/>
-        </p:nvSpPr>
-        <p:spPr>
-          <a:xfrm>
-            <a:off x="296260" y="1901950"/>
-            <a:ext cx="8398775" cy="2862322"/>
-          </a:xfrm>
-          <a:prstGeom prst="rect">
-            <a:avLst/>
-          </a:prstGeom>
-          <a:noFill/>
-        </p:spPr>
-        <p:txBody>
-          <a:bodyPr wrap="square" rtlCol="0">
-            <a:spAutoFit/>
-          </a:bodyPr>
-          <a:lstStyle/>
-          <a:p>
-            <a:r>
-              <a:rPr lang="en-US" dirty="0"/>
-              <a:t>Survivor Selection – Elitism, The best 20% of the generation gets to live another day and continue to the next generation.</a:t>
-            </a:r>
-          </a:p>
-          <a:p>
-            <a:endParaRPr lang="he-IL" dirty="0"/>
-          </a:p>
-          <a:p>
-            <a:r>
-              <a:rPr lang="en-US" dirty="0"/>
-              <a:t>Parent Selection – we use the best 20% of the generation for crossovers to create the new individuals (80% of the generation).</a:t>
-            </a:r>
-          </a:p>
-          <a:p>
-            <a:endParaRPr lang="en-US" dirty="0"/>
-          </a:p>
-          <a:p>
-            <a:r>
-              <a:rPr lang="en-US" dirty="0"/>
-              <a:t>Opt1: Choosing 2 completely random individuals (after disposing 80% of the gen).</a:t>
-            </a:r>
-          </a:p>
-          <a:p>
-            <a:endParaRPr lang="en-US" dirty="0"/>
-          </a:p>
-          <a:p>
-            <a:r>
-              <a:rPr lang="en-US" dirty="0"/>
-              <a:t>Opt2: Choosing 5 random individuals and select the best 2 for crossover.</a:t>
-            </a:r>
-          </a:p>
-          <a:p>
-            <a:endParaRPr lang="en-US" dirty="0"/>
-          </a:p>
-        </p:txBody>
-      </p:sp>
-    </p:spTree>
-    <p:extLst>
-      <p:ext uri="{BB962C8B-B14F-4D97-AF65-F5344CB8AC3E}">
-        <p14:creationId xmlns:p14="http://schemas.microsoft.com/office/powerpoint/2010/main" val="1316571704"/>
+        <p14:creationId xmlns:p14="http://schemas.microsoft.com/office/powerpoint/2010/main" val="2182323868"/>
       </p:ext>
     </p:extLst>
   </p:cSld>
@@ -6384,6 +7505,135 @@
           <a:p>
             <a:pPr algn="l"/>
             <a:r>
+              <a:rPr lang="en-US" dirty="0">
+                <a:solidFill>
+                  <a:schemeClr val="bg1"/>
+                </a:solidFill>
+              </a:rPr>
+              <a:t>Selection</a:t>
+            </a:r>
+          </a:p>
+        </p:txBody>
+      </p:sp>
+      <p:sp>
+        <p:nvSpPr>
+          <p:cNvPr id="2" name="TextBox 1">
+            <a:extLst>
+              <a:ext uri="{FF2B5EF4-FFF2-40B4-BE49-F238E27FC236}">
+                <a16:creationId xmlns:a16="http://schemas.microsoft.com/office/drawing/2014/main" id="{4E8F7BB5-7579-0644-9EB4-81B3EAEDB4FC}"/>
+              </a:ext>
+            </a:extLst>
+          </p:cNvPr>
+          <p:cNvSpPr txBox="1"/>
+          <p:nvPr/>
+        </p:nvSpPr>
+        <p:spPr>
+          <a:xfrm>
+            <a:off x="296260" y="1901950"/>
+            <a:ext cx="8398775" cy="2862322"/>
+          </a:xfrm>
+          <a:prstGeom prst="rect">
+            <a:avLst/>
+          </a:prstGeom>
+          <a:noFill/>
+        </p:spPr>
+        <p:txBody>
+          <a:bodyPr wrap="square" rtlCol="0">
+            <a:spAutoFit/>
+          </a:bodyPr>
+          <a:lstStyle/>
+          <a:p>
+            <a:r>
+              <a:rPr lang="en-US" dirty="0"/>
+              <a:t>Survivor Selection – Elitism, The best 20% of the generation gets to live another day and continue to the next generation.</a:t>
+            </a:r>
+          </a:p>
+          <a:p>
+            <a:endParaRPr lang="he-IL" dirty="0"/>
+          </a:p>
+          <a:p>
+            <a:r>
+              <a:rPr lang="en-US" dirty="0"/>
+              <a:t>Parent Selection – we use the best 20% of the generation for crossovers to create the new individuals (80% of the generation).</a:t>
+            </a:r>
+          </a:p>
+          <a:p>
+            <a:endParaRPr lang="en-US" dirty="0"/>
+          </a:p>
+          <a:p>
+            <a:r>
+              <a:rPr lang="en-US" dirty="0"/>
+              <a:t>Opt1: Choosing 2 completely random individuals (after disposing 80% of the gen).</a:t>
+            </a:r>
+          </a:p>
+          <a:p>
+            <a:endParaRPr lang="en-US" dirty="0"/>
+          </a:p>
+          <a:p>
+            <a:r>
+              <a:rPr lang="en-US" dirty="0"/>
+              <a:t>Opt2: Choosing 5 random individuals and select the best 2 for crossover.</a:t>
+            </a:r>
+          </a:p>
+          <a:p>
+            <a:endParaRPr lang="en-US" dirty="0"/>
+          </a:p>
+        </p:txBody>
+      </p:sp>
+    </p:spTree>
+    <p:extLst>
+      <p:ext uri="{BB962C8B-B14F-4D97-AF65-F5344CB8AC3E}">
+        <p14:creationId xmlns:p14="http://schemas.microsoft.com/office/powerpoint/2010/main" val="1316571704"/>
+      </p:ext>
+    </p:extLst>
+  </p:cSld>
+  <p:clrMapOvr>
+    <a:masterClrMapping/>
+  </p:clrMapOvr>
+</p:sld>
+</file>
+
+<file path=ppt/slides/slide14.xml><?xml version="1.0" encoding="utf-8"?>
+<p:sld xmlns:a="http://schemas.openxmlformats.org/drawingml/2006/main" xmlns:r="http://schemas.openxmlformats.org/officeDocument/2006/relationships" xmlns:p="http://schemas.openxmlformats.org/presentationml/2006/main">
+  <p:cSld>
+    <p:spTree>
+      <p:nvGrpSpPr>
+        <p:cNvPr id="1" name=""/>
+        <p:cNvGrpSpPr/>
+        <p:nvPr/>
+      </p:nvGrpSpPr>
+      <p:grpSpPr>
+        <a:xfrm>
+          <a:off x="0" y="0"/>
+          <a:ext cx="0" cy="0"/>
+          <a:chOff x="0" y="0"/>
+          <a:chExt cx="0" cy="0"/>
+        </a:xfrm>
+      </p:grpSpPr>
+      <p:sp>
+        <p:nvSpPr>
+          <p:cNvPr id="4" name="Title 3"/>
+          <p:cNvSpPr>
+            <a:spLocks noGrp="1"/>
+          </p:cNvSpPr>
+          <p:nvPr>
+            <p:ph type="title"/>
+          </p:nvPr>
+        </p:nvSpPr>
+        <p:spPr>
+          <a:xfrm>
+            <a:off x="448965" y="374900"/>
+            <a:ext cx="7016195" cy="610820"/>
+          </a:xfrm>
+        </p:spPr>
+        <p:txBody>
+          <a:bodyPr>
+            <a:normAutofit fontScale="90000"/>
+          </a:bodyPr>
+          <a:lstStyle/>
+          <a:p>
+            <a:pPr algn="l"/>
+            <a:r>
               <a:rPr lang="he-IL" dirty="0">
                 <a:solidFill>
                   <a:schemeClr val="bg1"/>
@@ -6490,7 +7740,7 @@
 </p:sld>
 </file>
 
-<file path=ppt/slides/slide14.xml><?xml version="1.0" encoding="utf-8"?>
+<file path=ppt/slides/slide15.xml><?xml version="1.0" encoding="utf-8"?>
 <p:sld xmlns:a="http://schemas.openxmlformats.org/drawingml/2006/main" xmlns:r="http://schemas.openxmlformats.org/officeDocument/2006/relationships" xmlns:p="http://schemas.openxmlformats.org/presentationml/2006/main">
   <p:cSld>
     <p:spTree>
@@ -6935,7 +8185,7 @@
 </p:sld>
 </file>
 
-<file path=ppt/slides/slide15.xml><?xml version="1.0" encoding="utf-8"?>
+<file path=ppt/slides/slide16.xml><?xml version="1.0" encoding="utf-8"?>
 <p:sld xmlns:a="http://schemas.openxmlformats.org/drawingml/2006/main" xmlns:r="http://schemas.openxmlformats.org/officeDocument/2006/relationships" xmlns:p="http://schemas.openxmlformats.org/presentationml/2006/main">
   <p:cSld>
     <p:spTree>
@@ -7035,7 +8285,7 @@
 </p:sld>
 </file>
 
-<file path=ppt/slides/slide16.xml><?xml version="1.0" encoding="utf-8"?>
+<file path=ppt/slides/slide17.xml><?xml version="1.0" encoding="utf-8"?>
 <p:sld xmlns:a="http://schemas.openxmlformats.org/drawingml/2006/main" xmlns:r="http://schemas.openxmlformats.org/officeDocument/2006/relationships" xmlns:p="http://schemas.openxmlformats.org/presentationml/2006/main">
   <p:cSld>
     <p:spTree>
@@ -7480,7 +8730,7 @@
 </p:sld>
 </file>
 
-<file path=ppt/slides/slide17.xml><?xml version="1.0" encoding="utf-8"?>
+<file path=ppt/slides/slide18.xml><?xml version="1.0" encoding="utf-8"?>
 <p:sld xmlns:a="http://schemas.openxmlformats.org/drawingml/2006/main" xmlns:r="http://schemas.openxmlformats.org/officeDocument/2006/relationships" xmlns:p="http://schemas.openxmlformats.org/presentationml/2006/main">
   <p:cSld>
     <p:spTree>
@@ -7580,7 +8830,7 @@
 </p:sld>
 </file>
 
-<file path=ppt/slides/slide18.xml><?xml version="1.0" encoding="utf-8"?>
+<file path=ppt/slides/slide19.xml><?xml version="1.0" encoding="utf-8"?>
 <p:sld xmlns:a="http://schemas.openxmlformats.org/drawingml/2006/main" xmlns:r="http://schemas.openxmlformats.org/officeDocument/2006/relationships" xmlns:p="http://schemas.openxmlformats.org/presentationml/2006/main">
   <p:cSld>
     <p:spTree>
@@ -8009,106 +9259,6 @@
 </p:sld>
 </file>
 
-<file path=ppt/slides/slide19.xml><?xml version="1.0" encoding="utf-8"?>
-<p:sld xmlns:a="http://schemas.openxmlformats.org/drawingml/2006/main" xmlns:r="http://schemas.openxmlformats.org/officeDocument/2006/relationships" xmlns:p="http://schemas.openxmlformats.org/presentationml/2006/main">
-  <p:cSld>
-    <p:spTree>
-      <p:nvGrpSpPr>
-        <p:cNvPr id="1" name=""/>
-        <p:cNvGrpSpPr/>
-        <p:nvPr/>
-      </p:nvGrpSpPr>
-      <p:grpSpPr>
-        <a:xfrm>
-          <a:off x="0" y="0"/>
-          <a:ext cx="0" cy="0"/>
-          <a:chOff x="0" y="0"/>
-          <a:chExt cx="0" cy="0"/>
-        </a:xfrm>
-      </p:grpSpPr>
-      <p:sp>
-        <p:nvSpPr>
-          <p:cNvPr id="4" name="Title 3"/>
-          <p:cNvSpPr>
-            <a:spLocks noGrp="1"/>
-          </p:cNvSpPr>
-          <p:nvPr>
-            <p:ph type="title"/>
-          </p:nvPr>
-        </p:nvSpPr>
-        <p:spPr>
-          <a:xfrm>
-            <a:off x="296260" y="374900"/>
-            <a:ext cx="7016195" cy="610820"/>
-          </a:xfrm>
-        </p:spPr>
-        <p:txBody>
-          <a:bodyPr>
-            <a:normAutofit fontScale="90000"/>
-          </a:bodyPr>
-          <a:lstStyle/>
-          <a:p>
-            <a:pPr algn="l"/>
-            <a:r>
-              <a:rPr lang="en-US" dirty="0">
-                <a:solidFill>
-                  <a:schemeClr val="bg1"/>
-                </a:solidFill>
-              </a:rPr>
-              <a:t>Initial Results</a:t>
-            </a:r>
-          </a:p>
-        </p:txBody>
-      </p:sp>
-      <p:pic>
-        <p:nvPicPr>
-          <p:cNvPr id="3" name="Picture 2">
-            <a:extLst>
-              <a:ext uri="{FF2B5EF4-FFF2-40B4-BE49-F238E27FC236}">
-                <a16:creationId xmlns:a16="http://schemas.microsoft.com/office/drawing/2014/main" id="{879DE6F1-5E93-1C4C-A51D-C5AD1C4CCF47}"/>
-              </a:ext>
-            </a:extLst>
-          </p:cNvPr>
-          <p:cNvPicPr>
-            <a:picLocks noChangeAspect="1"/>
-          </p:cNvPicPr>
-          <p:nvPr/>
-        </p:nvPicPr>
-        <p:blipFill>
-          <a:blip r:embed="rId3">
-            <a:extLst>
-              <a:ext uri="{28A0092B-C50C-407E-A947-70E740481C1C}">
-                <a14:useLocalDpi xmlns:a14="http://schemas.microsoft.com/office/drawing/2010/main" val="0"/>
-              </a:ext>
-            </a:extLst>
-          </a:blip>
-          <a:stretch>
-            <a:fillRect/>
-          </a:stretch>
-        </p:blipFill>
-        <p:spPr>
-          <a:xfrm>
-            <a:off x="1119394" y="1901950"/>
-            <a:ext cx="5369925" cy="4039117"/>
-          </a:xfrm>
-          <a:prstGeom prst="rect">
-            <a:avLst/>
-          </a:prstGeom>
-        </p:spPr>
-      </p:pic>
-    </p:spTree>
-    <p:extLst>
-      <p:ext uri="{BB962C8B-B14F-4D97-AF65-F5344CB8AC3E}">
-        <p14:creationId xmlns:p14="http://schemas.microsoft.com/office/powerpoint/2010/main" val="1636351925"/>
-      </p:ext>
-    </p:extLst>
-  </p:cSld>
-  <p:clrMapOvr>
-    <a:masterClrMapping/>
-  </p:clrMapOvr>
-</p:sld>
-</file>
-
 <file path=ppt/slides/slide2.xml><?xml version="1.0" encoding="utf-8"?>
 <p:sld xmlns:a="http://schemas.openxmlformats.org/drawingml/2006/main" xmlns:r="http://schemas.openxmlformats.org/officeDocument/2006/relationships" xmlns:p="http://schemas.openxmlformats.org/presentationml/2006/main">
   <p:cSld>
@@ -8616,6 +9766,106 @@
       </p:sp>
       <p:pic>
         <p:nvPicPr>
+          <p:cNvPr id="3" name="Picture 2">
+            <a:extLst>
+              <a:ext uri="{FF2B5EF4-FFF2-40B4-BE49-F238E27FC236}">
+                <a16:creationId xmlns:a16="http://schemas.microsoft.com/office/drawing/2014/main" id="{879DE6F1-5E93-1C4C-A51D-C5AD1C4CCF47}"/>
+              </a:ext>
+            </a:extLst>
+          </p:cNvPr>
+          <p:cNvPicPr>
+            <a:picLocks noChangeAspect="1"/>
+          </p:cNvPicPr>
+          <p:nvPr/>
+        </p:nvPicPr>
+        <p:blipFill>
+          <a:blip r:embed="rId3">
+            <a:extLst>
+              <a:ext uri="{28A0092B-C50C-407E-A947-70E740481C1C}">
+                <a14:useLocalDpi xmlns:a14="http://schemas.microsoft.com/office/drawing/2010/main" val="0"/>
+              </a:ext>
+            </a:extLst>
+          </a:blip>
+          <a:stretch>
+            <a:fillRect/>
+          </a:stretch>
+        </p:blipFill>
+        <p:spPr>
+          <a:xfrm>
+            <a:off x="1119394" y="1901950"/>
+            <a:ext cx="5369925" cy="4039117"/>
+          </a:xfrm>
+          <a:prstGeom prst="rect">
+            <a:avLst/>
+          </a:prstGeom>
+        </p:spPr>
+      </p:pic>
+    </p:spTree>
+    <p:extLst>
+      <p:ext uri="{BB962C8B-B14F-4D97-AF65-F5344CB8AC3E}">
+        <p14:creationId xmlns:p14="http://schemas.microsoft.com/office/powerpoint/2010/main" val="1636351925"/>
+      </p:ext>
+    </p:extLst>
+  </p:cSld>
+  <p:clrMapOvr>
+    <a:masterClrMapping/>
+  </p:clrMapOvr>
+</p:sld>
+</file>
+
+<file path=ppt/slides/slide21.xml><?xml version="1.0" encoding="utf-8"?>
+<p:sld xmlns:a="http://schemas.openxmlformats.org/drawingml/2006/main" xmlns:r="http://schemas.openxmlformats.org/officeDocument/2006/relationships" xmlns:p="http://schemas.openxmlformats.org/presentationml/2006/main">
+  <p:cSld>
+    <p:spTree>
+      <p:nvGrpSpPr>
+        <p:cNvPr id="1" name=""/>
+        <p:cNvGrpSpPr/>
+        <p:nvPr/>
+      </p:nvGrpSpPr>
+      <p:grpSpPr>
+        <a:xfrm>
+          <a:off x="0" y="0"/>
+          <a:ext cx="0" cy="0"/>
+          <a:chOff x="0" y="0"/>
+          <a:chExt cx="0" cy="0"/>
+        </a:xfrm>
+      </p:grpSpPr>
+      <p:sp>
+        <p:nvSpPr>
+          <p:cNvPr id="4" name="Title 3"/>
+          <p:cNvSpPr>
+            <a:spLocks noGrp="1"/>
+          </p:cNvSpPr>
+          <p:nvPr>
+            <p:ph type="title"/>
+          </p:nvPr>
+        </p:nvSpPr>
+        <p:spPr>
+          <a:xfrm>
+            <a:off x="296260" y="374900"/>
+            <a:ext cx="7016195" cy="610820"/>
+          </a:xfrm>
+        </p:spPr>
+        <p:txBody>
+          <a:bodyPr>
+            <a:normAutofit fontScale="90000"/>
+          </a:bodyPr>
+          <a:lstStyle/>
+          <a:p>
+            <a:pPr algn="l"/>
+            <a:r>
+              <a:rPr lang="en-US" dirty="0">
+                <a:solidFill>
+                  <a:schemeClr val="bg1"/>
+                </a:solidFill>
+              </a:rPr>
+              <a:t>Initial Results</a:t>
+            </a:r>
+          </a:p>
+        </p:txBody>
+      </p:sp>
+      <p:pic>
+        <p:nvPicPr>
           <p:cNvPr id="6" name="Picture 5">
             <a:extLst>
               <a:ext uri="{FF2B5EF4-FFF2-40B4-BE49-F238E27FC236}">
@@ -8663,7 +9913,7 @@
 </p:sld>
 </file>
 
-<file path=ppt/slides/slide21.xml><?xml version="1.0" encoding="utf-8"?>
+<file path=ppt/slides/slide22.xml><?xml version="1.0" encoding="utf-8"?>
 <p:sld xmlns:a="http://schemas.openxmlformats.org/drawingml/2006/main" xmlns:r="http://schemas.openxmlformats.org/officeDocument/2006/relationships" xmlns:p="http://schemas.openxmlformats.org/presentationml/2006/main">
   <p:cSld>
     <p:spTree>

--- a/presentation.pptx
+++ b/presentation.pptx
@@ -12345,7 +12345,7 @@
             <a:avLst/>
           </a:prstGeom>
           <a:solidFill>
-            <a:srgbClr val="9A214C"/>
+            <a:srgbClr val="F2576D"/>
           </a:solidFill>
         </p:spPr>
         <p:style>
@@ -12397,7 +12397,7 @@
             <a:avLst/>
           </a:prstGeom>
           <a:solidFill>
-            <a:srgbClr val="F2576D"/>
+            <a:srgbClr val="BE0260"/>
           </a:solidFill>
         </p:spPr>
         <p:style>
@@ -12449,7 +12449,7 @@
             <a:avLst/>
           </a:prstGeom>
           <a:solidFill>
-            <a:srgbClr val="9A214C"/>
+            <a:srgbClr val="BE0260"/>
           </a:solidFill>
         </p:spPr>
         <p:style>
@@ -12633,7 +12633,7 @@
             <a:avLst/>
           </a:prstGeom>
           <a:solidFill>
-            <a:srgbClr val="9A214C"/>
+            <a:srgbClr val="BE0260"/>
           </a:solidFill>
         </p:spPr>
         <p:style>
@@ -12685,7 +12685,7 @@
             <a:avLst/>
           </a:prstGeom>
           <a:solidFill>
-            <a:srgbClr val="F2576D"/>
+            <a:srgbClr val="BE0260"/>
           </a:solidFill>
         </p:spPr>
         <p:style>
@@ -12737,7 +12737,7 @@
             <a:avLst/>
           </a:prstGeom>
           <a:solidFill>
-            <a:srgbClr val="9A214C"/>
+            <a:srgbClr val="F2576D"/>
           </a:solidFill>
         </p:spPr>
         <p:style>
@@ -12980,7 +12980,7 @@
             <a:avLst/>
           </a:prstGeom>
           <a:solidFill>
-            <a:srgbClr val="9A214C"/>
+            <a:srgbClr val="F2576D"/>
           </a:solidFill>
         </p:spPr>
         <p:style>
@@ -13268,7 +13268,7 @@
             <a:avLst/>
           </a:prstGeom>
           <a:solidFill>
-            <a:srgbClr val="9A214C"/>
+            <a:srgbClr val="F2576D"/>
           </a:solidFill>
         </p:spPr>
         <p:style>
@@ -13320,7 +13320,7 @@
             <a:avLst/>
           </a:prstGeom>
           <a:solidFill>
-            <a:srgbClr val="F2576D"/>
+            <a:srgbClr val="BE0260"/>
           </a:solidFill>
         </p:spPr>
         <p:style>
@@ -13372,7 +13372,7 @@
             <a:avLst/>
           </a:prstGeom>
           <a:solidFill>
-            <a:srgbClr val="9A214C"/>
+            <a:srgbClr val="BE0260"/>
           </a:solidFill>
         </p:spPr>
         <p:style>
@@ -13424,7 +13424,7 @@
             <a:avLst/>
           </a:prstGeom>
           <a:solidFill>
-            <a:srgbClr val="F2576D"/>
+            <a:srgbClr val="BE0260"/>
           </a:solidFill>
         </p:spPr>
         <p:style>
@@ -13476,7 +13476,7 @@
             <a:avLst/>
           </a:prstGeom>
           <a:solidFill>
-            <a:srgbClr val="9A214C"/>
+            <a:srgbClr val="BE0260"/>
           </a:solidFill>
         </p:spPr>
         <p:style>
@@ -13580,7 +13580,7 @@
             <a:avLst/>
           </a:prstGeom>
           <a:solidFill>
-            <a:srgbClr val="9A214C"/>
+            <a:srgbClr val="BE0260"/>
           </a:solidFill>
         </p:spPr>
         <p:style>
@@ -13632,7 +13632,7 @@
             <a:avLst/>
           </a:prstGeom>
           <a:solidFill>
-            <a:srgbClr val="F2576D"/>
+            <a:srgbClr val="BE0260"/>
           </a:solidFill>
         </p:spPr>
         <p:style>
@@ -13684,7 +13684,7 @@
             <a:avLst/>
           </a:prstGeom>
           <a:solidFill>
-            <a:srgbClr val="9A214C"/>
+            <a:srgbClr val="F2576D"/>
           </a:solidFill>
         </p:spPr>
         <p:style>
@@ -13857,7 +13857,7 @@
             <a:avLst/>
           </a:prstGeom>
           <a:solidFill>
-            <a:srgbClr val="9A214C"/>
+            <a:srgbClr val="F2576D"/>
           </a:solidFill>
         </p:spPr>
         <p:style>
@@ -13909,7 +13909,7 @@
             <a:avLst/>
           </a:prstGeom>
           <a:solidFill>
-            <a:srgbClr val="F2576D"/>
+            <a:srgbClr val="BE0260"/>
           </a:solidFill>
         </p:spPr>
         <p:style>
@@ -13961,7 +13961,7 @@
             <a:avLst/>
           </a:prstGeom>
           <a:solidFill>
-            <a:srgbClr val="9A214C"/>
+            <a:srgbClr val="BE0260"/>
           </a:solidFill>
         </p:spPr>
         <p:style>
@@ -14065,7 +14065,7 @@
             <a:avLst/>
           </a:prstGeom>
           <a:solidFill>
-            <a:srgbClr val="9A214C"/>
+            <a:srgbClr val="BE0260"/>
           </a:solidFill>
         </p:spPr>
         <p:style>
@@ -14117,7 +14117,7 @@
             <a:avLst/>
           </a:prstGeom>
           <a:solidFill>
-            <a:srgbClr val="F2576D"/>
+            <a:srgbClr val="BE0260"/>
           </a:solidFill>
         </p:spPr>
         <p:style>
@@ -14169,7 +14169,7 @@
             <a:avLst/>
           </a:prstGeom>
           <a:solidFill>
-            <a:srgbClr val="9A214C"/>
+            <a:srgbClr val="F2576D"/>
           </a:solidFill>
         </p:spPr>
         <p:style>
@@ -14463,7 +14463,7 @@
             <a:avLst/>
           </a:prstGeom>
           <a:solidFill>
-            <a:srgbClr val="9A214C"/>
+            <a:srgbClr val="BE0260"/>
           </a:solidFill>
         </p:spPr>
         <p:style>

--- a/presentation.pptx
+++ b/presentation.pptx
@@ -5,7 +5,7 @@
     <p:sldMasterId id="2147483648" r:id="rId1"/>
   </p:sldMasterIdLst>
   <p:notesMasterIdLst>
-    <p:notesMasterId r:id="rId24"/>
+    <p:notesMasterId r:id="rId22"/>
   </p:notesMasterIdLst>
   <p:sldIdLst>
     <p:sldId id="256" r:id="rId2"/>
@@ -14,22 +14,20 @@
     <p:sldId id="262" r:id="rId5"/>
     <p:sldId id="260" r:id="rId6"/>
     <p:sldId id="263" r:id="rId7"/>
-    <p:sldId id="259" r:id="rId8"/>
-    <p:sldId id="265" r:id="rId9"/>
-    <p:sldId id="264" r:id="rId10"/>
-    <p:sldId id="267" r:id="rId11"/>
-    <p:sldId id="277" r:id="rId12"/>
-    <p:sldId id="266" r:id="rId13"/>
-    <p:sldId id="268" r:id="rId14"/>
-    <p:sldId id="271" r:id="rId15"/>
-    <p:sldId id="269" r:id="rId16"/>
-    <p:sldId id="272" r:id="rId17"/>
-    <p:sldId id="275" r:id="rId18"/>
-    <p:sldId id="274" r:id="rId19"/>
-    <p:sldId id="276" r:id="rId20"/>
-    <p:sldId id="273" r:id="rId21"/>
-    <p:sldId id="270" r:id="rId22"/>
-    <p:sldId id="258" r:id="rId23"/>
+    <p:sldId id="266" r:id="rId8"/>
+    <p:sldId id="271" r:id="rId9"/>
+    <p:sldId id="259" r:id="rId10"/>
+    <p:sldId id="265" r:id="rId11"/>
+    <p:sldId id="264" r:id="rId12"/>
+    <p:sldId id="267" r:id="rId13"/>
+    <p:sldId id="277" r:id="rId14"/>
+    <p:sldId id="268" r:id="rId15"/>
+    <p:sldId id="272" r:id="rId16"/>
+    <p:sldId id="274" r:id="rId17"/>
+    <p:sldId id="273" r:id="rId18"/>
+    <p:sldId id="270" r:id="rId19"/>
+    <p:sldId id="258" r:id="rId20"/>
+    <p:sldId id="278" r:id="rId21"/>
   </p:sldIdLst>
   <p:sldSz cx="9144000" cy="6858000" type="screen4x3"/>
   <p:notesSz cx="6858000" cy="9144000"/>
@@ -758,7 +756,7 @@
           <a:p>
             <a:fld id="{71484194-BC9F-7343-A27E-E7872C54D571}" type="slidenum">
               <a:rPr lang="en-US" smtClean="0"/>
-              <a:t>12</a:t>
+              <a:t>7</a:t>
             </a:fld>
             <a:endParaRPr lang="en-US"/>
           </a:p>
@@ -767,7 +765,7 @@
     </p:spTree>
     <p:extLst>
       <p:ext uri="{BB962C8B-B14F-4D97-AF65-F5344CB8AC3E}">
-        <p14:creationId xmlns:p14="http://schemas.microsoft.com/office/powerpoint/2010/main" val="2206876720"/>
+        <p14:creationId xmlns:p14="http://schemas.microsoft.com/office/powerpoint/2010/main" val="3153779011"/>
       </p:ext>
     </p:extLst>
   </p:cSld>
@@ -898,7 +896,7 @@
           <a:p>
             <a:fld id="{71484194-BC9F-7343-A27E-E7872C54D571}" type="slidenum">
               <a:rPr lang="en-US" smtClean="0"/>
-              <a:t>14</a:t>
+              <a:t>8</a:t>
             </a:fld>
             <a:endParaRPr lang="en-US"/>
           </a:p>
@@ -907,7 +905,7 @@
     </p:spTree>
     <p:extLst>
       <p:ext uri="{BB962C8B-B14F-4D97-AF65-F5344CB8AC3E}">
-        <p14:creationId xmlns:p14="http://schemas.microsoft.com/office/powerpoint/2010/main" val="1799958299"/>
+        <p14:creationId xmlns:p14="http://schemas.microsoft.com/office/powerpoint/2010/main" val="2423925040"/>
       </p:ext>
     </p:extLst>
   </p:cSld>
@@ -982,7 +980,7 @@
           <a:p>
             <a:fld id="{71484194-BC9F-7343-A27E-E7872C54D571}" type="slidenum">
               <a:rPr lang="en-US" smtClean="0"/>
-              <a:t>16</a:t>
+              <a:t>15</a:t>
             </a:fld>
             <a:endParaRPr lang="en-US"/>
           </a:p>
@@ -1066,7 +1064,7 @@
           <a:p>
             <a:fld id="{71484194-BC9F-7343-A27E-E7872C54D571}" type="slidenum">
               <a:rPr lang="en-US" smtClean="0"/>
-              <a:t>18</a:t>
+              <a:t>16</a:t>
             </a:fld>
             <a:endParaRPr lang="en-US"/>
           </a:p>
@@ -1150,7 +1148,7 @@
           <a:p>
             <a:fld id="{71484194-BC9F-7343-A27E-E7872C54D571}" type="slidenum">
               <a:rPr lang="en-US" smtClean="0"/>
-              <a:t>20</a:t>
+              <a:t>17</a:t>
             </a:fld>
             <a:endParaRPr lang="en-US"/>
           </a:p>
@@ -1259,7 +1257,7 @@
           <a:p>
             <a:fld id="{71484194-BC9F-7343-A27E-E7872C54D571}" type="slidenum">
               <a:rPr lang="en-US" smtClean="0"/>
-              <a:t>21</a:t>
+              <a:t>18</a:t>
             </a:fld>
             <a:endParaRPr lang="en-US"/>
           </a:p>
@@ -1329,6 +1327,18 @@
             </a:r>
             <a:endParaRPr lang="en-US" dirty="0"/>
           </a:p>
+          <a:p>
+            <a:pPr marL="0" algn="r" defTabSz="914400" rtl="1" eaLnBrk="1" latinLnBrk="0" hangingPunct="1"/>
+            <a:endParaRPr lang="en-US" dirty="0"/>
+          </a:p>
+          <a:p>
+            <a:pPr marL="0" algn="r" defTabSz="914400" rtl="1" eaLnBrk="1" latinLnBrk="0" hangingPunct="1"/>
+            <a:r>
+              <a:rPr lang="he-IL" dirty="0"/>
+              <a:t>אחרי השיפורים והאופטימיזציה להשוות למחקרים אחרים</a:t>
+            </a:r>
+            <a:endParaRPr lang="en-US" dirty="0"/>
+          </a:p>
         </p:txBody>
       </p:sp>
       <p:sp>
@@ -1348,7 +1358,7 @@
           <a:p>
             <a:fld id="{71484194-BC9F-7343-A27E-E7872C54D571}" type="slidenum">
               <a:rPr lang="en-US" smtClean="0"/>
-              <a:t>22</a:t>
+              <a:t>19</a:t>
             </a:fld>
             <a:endParaRPr lang="en-US"/>
           </a:p>
@@ -4878,6 +4888,1844 @@
 </file>
 
 <file path=ppt/slides/slide10.xml><?xml version="1.0" encoding="utf-8"?>
+<p:sld xmlns:a="http://schemas.openxmlformats.org/drawingml/2006/main" xmlns:r="http://schemas.openxmlformats.org/officeDocument/2006/relationships" xmlns:p="http://schemas.openxmlformats.org/presentationml/2006/main">
+  <p:cSld>
+    <p:bg>
+      <p:bgPr>
+        <a:blipFill dpi="0" rotWithShape="1">
+          <a:blip r:embed="rId2">
+            <a:lum/>
+          </a:blip>
+          <a:srcRect/>
+          <a:stretch>
+            <a:fillRect/>
+          </a:stretch>
+        </a:blipFill>
+        <a:effectLst/>
+      </p:bgPr>
+    </p:bg>
+    <p:spTree>
+      <p:nvGrpSpPr>
+        <p:cNvPr id="1" name=""/>
+        <p:cNvGrpSpPr/>
+        <p:nvPr/>
+      </p:nvGrpSpPr>
+      <p:grpSpPr>
+        <a:xfrm>
+          <a:off x="0" y="0"/>
+          <a:ext cx="0" cy="0"/>
+          <a:chOff x="0" y="0"/>
+          <a:chExt cx="0" cy="0"/>
+        </a:xfrm>
+      </p:grpSpPr>
+      <p:sp>
+        <p:nvSpPr>
+          <p:cNvPr id="4" name="Title 3"/>
+          <p:cNvSpPr>
+            <a:spLocks noGrp="1"/>
+          </p:cNvSpPr>
+          <p:nvPr>
+            <p:ph type="title"/>
+          </p:nvPr>
+        </p:nvSpPr>
+        <p:spPr/>
+        <p:txBody>
+          <a:bodyPr>
+            <a:normAutofit fontScale="90000"/>
+          </a:bodyPr>
+          <a:lstStyle/>
+          <a:p>
+            <a:pPr algn="l"/>
+            <a:r>
+              <a:rPr lang="en-US" dirty="0"/>
+              <a:t>Crossover 2</a:t>
+            </a:r>
+          </a:p>
+        </p:txBody>
+      </p:sp>
+      <p:sp>
+        <p:nvSpPr>
+          <p:cNvPr id="6" name="Rectangle 5">
+            <a:extLst>
+              <a:ext uri="{FF2B5EF4-FFF2-40B4-BE49-F238E27FC236}">
+                <a16:creationId xmlns:a16="http://schemas.microsoft.com/office/drawing/2014/main" id="{C2C57670-E102-C741-8692-28A3E78C9F15}"/>
+              </a:ext>
+            </a:extLst>
+          </p:cNvPr>
+          <p:cNvSpPr/>
+          <p:nvPr/>
+        </p:nvSpPr>
+        <p:spPr>
+          <a:xfrm>
+            <a:off x="2281425" y="2207360"/>
+            <a:ext cx="458115" cy="305410"/>
+          </a:xfrm>
+          <a:prstGeom prst="rect">
+            <a:avLst/>
+          </a:prstGeom>
+          <a:solidFill>
+            <a:srgbClr val="F2576D"/>
+          </a:solidFill>
+        </p:spPr>
+        <p:style>
+          <a:lnRef idx="2">
+            <a:schemeClr val="accent1">
+              <a:shade val="50000"/>
+            </a:schemeClr>
+          </a:lnRef>
+          <a:fillRef idx="1">
+            <a:schemeClr val="accent1"/>
+          </a:fillRef>
+          <a:effectRef idx="0">
+            <a:schemeClr val="accent1"/>
+          </a:effectRef>
+          <a:fontRef idx="minor">
+            <a:schemeClr val="lt1"/>
+          </a:fontRef>
+        </p:style>
+        <p:txBody>
+          <a:bodyPr rtlCol="0" anchor="ctr"/>
+          <a:lstStyle/>
+          <a:p>
+            <a:pPr algn="ctr"/>
+            <a:r>
+              <a:rPr lang="en-US" dirty="0"/>
+              <a:t>A1</a:t>
+            </a:r>
+          </a:p>
+        </p:txBody>
+      </p:sp>
+      <p:sp>
+        <p:nvSpPr>
+          <p:cNvPr id="8" name="Rectangle 7">
+            <a:extLst>
+              <a:ext uri="{FF2B5EF4-FFF2-40B4-BE49-F238E27FC236}">
+                <a16:creationId xmlns:a16="http://schemas.microsoft.com/office/drawing/2014/main" id="{F35A53A7-0E6A-1F4D-A832-48C4B4151395}"/>
+              </a:ext>
+            </a:extLst>
+          </p:cNvPr>
+          <p:cNvSpPr/>
+          <p:nvPr/>
+        </p:nvSpPr>
+        <p:spPr>
+          <a:xfrm>
+            <a:off x="2739540" y="2207360"/>
+            <a:ext cx="458115" cy="305410"/>
+          </a:xfrm>
+          <a:prstGeom prst="rect">
+            <a:avLst/>
+          </a:prstGeom>
+          <a:solidFill>
+            <a:srgbClr val="F2576D"/>
+          </a:solidFill>
+        </p:spPr>
+        <p:style>
+          <a:lnRef idx="2">
+            <a:schemeClr val="accent1">
+              <a:shade val="50000"/>
+            </a:schemeClr>
+          </a:lnRef>
+          <a:fillRef idx="1">
+            <a:schemeClr val="accent1"/>
+          </a:fillRef>
+          <a:effectRef idx="0">
+            <a:schemeClr val="accent1"/>
+          </a:effectRef>
+          <a:fontRef idx="minor">
+            <a:schemeClr val="lt1"/>
+          </a:fontRef>
+        </p:style>
+        <p:txBody>
+          <a:bodyPr rtlCol="0" anchor="ctr"/>
+          <a:lstStyle/>
+          <a:p>
+            <a:pPr algn="ctr"/>
+            <a:r>
+              <a:rPr lang="en-US" dirty="0"/>
+              <a:t>A2</a:t>
+            </a:r>
+          </a:p>
+        </p:txBody>
+      </p:sp>
+      <p:cxnSp>
+        <p:nvCxnSpPr>
+          <p:cNvPr id="5" name="Straight Connector 4">
+            <a:extLst>
+              <a:ext uri="{FF2B5EF4-FFF2-40B4-BE49-F238E27FC236}">
+                <a16:creationId xmlns:a16="http://schemas.microsoft.com/office/drawing/2014/main" id="{8CFED9FB-8DB6-BC4D-B32D-C73E54A1C5E4}"/>
+              </a:ext>
+            </a:extLst>
+          </p:cNvPr>
+          <p:cNvCxnSpPr/>
+          <p:nvPr/>
+        </p:nvCxnSpPr>
+        <p:spPr>
+          <a:xfrm>
+            <a:off x="5946345" y="2512770"/>
+            <a:ext cx="0" cy="763525"/>
+          </a:xfrm>
+          <a:prstGeom prst="line">
+            <a:avLst/>
+          </a:prstGeom>
+        </p:spPr>
+        <p:style>
+          <a:lnRef idx="1">
+            <a:schemeClr val="accent1"/>
+          </a:lnRef>
+          <a:fillRef idx="0">
+            <a:schemeClr val="accent1"/>
+          </a:fillRef>
+          <a:effectRef idx="0">
+            <a:schemeClr val="accent1"/>
+          </a:effectRef>
+          <a:fontRef idx="minor">
+            <a:schemeClr val="tx1"/>
+          </a:fontRef>
+        </p:style>
+      </p:cxnSp>
+      <p:cxnSp>
+        <p:nvCxnSpPr>
+          <p:cNvPr id="18" name="Straight Connector 17">
+            <a:extLst>
+              <a:ext uri="{FF2B5EF4-FFF2-40B4-BE49-F238E27FC236}">
+                <a16:creationId xmlns:a16="http://schemas.microsoft.com/office/drawing/2014/main" id="{6DF84752-EFAE-BE4B-9AEF-D212138F2B2B}"/>
+              </a:ext>
+            </a:extLst>
+          </p:cNvPr>
+          <p:cNvCxnSpPr/>
+          <p:nvPr/>
+        </p:nvCxnSpPr>
+        <p:spPr>
+          <a:xfrm>
+            <a:off x="3197654" y="2512770"/>
+            <a:ext cx="0" cy="763525"/>
+          </a:xfrm>
+          <a:prstGeom prst="line">
+            <a:avLst/>
+          </a:prstGeom>
+        </p:spPr>
+        <p:style>
+          <a:lnRef idx="1">
+            <a:schemeClr val="accent1"/>
+          </a:lnRef>
+          <a:fillRef idx="0">
+            <a:schemeClr val="accent1"/>
+          </a:fillRef>
+          <a:effectRef idx="0">
+            <a:schemeClr val="accent1"/>
+          </a:effectRef>
+          <a:fontRef idx="minor">
+            <a:schemeClr val="tx1"/>
+          </a:fontRef>
+        </p:style>
+      </p:cxnSp>
+      <p:cxnSp>
+        <p:nvCxnSpPr>
+          <p:cNvPr id="11" name="Straight Connector 10">
+            <a:extLst>
+              <a:ext uri="{FF2B5EF4-FFF2-40B4-BE49-F238E27FC236}">
+                <a16:creationId xmlns:a16="http://schemas.microsoft.com/office/drawing/2014/main" id="{E1E645C9-24C5-4646-8604-89FDCC58117A}"/>
+              </a:ext>
+            </a:extLst>
+          </p:cNvPr>
+          <p:cNvCxnSpPr/>
+          <p:nvPr/>
+        </p:nvCxnSpPr>
+        <p:spPr>
+          <a:xfrm>
+            <a:off x="3197654" y="3276295"/>
+            <a:ext cx="2748691" cy="0"/>
+          </a:xfrm>
+          <a:prstGeom prst="line">
+            <a:avLst/>
+          </a:prstGeom>
+        </p:spPr>
+        <p:style>
+          <a:lnRef idx="1">
+            <a:schemeClr val="accent1"/>
+          </a:lnRef>
+          <a:fillRef idx="0">
+            <a:schemeClr val="accent1"/>
+          </a:fillRef>
+          <a:effectRef idx="0">
+            <a:schemeClr val="accent1"/>
+          </a:effectRef>
+          <a:fontRef idx="minor">
+            <a:schemeClr val="tx1"/>
+          </a:fontRef>
+        </p:style>
+      </p:cxnSp>
+      <p:cxnSp>
+        <p:nvCxnSpPr>
+          <p:cNvPr id="13" name="Straight Arrow Connector 12">
+            <a:extLst>
+              <a:ext uri="{FF2B5EF4-FFF2-40B4-BE49-F238E27FC236}">
+                <a16:creationId xmlns:a16="http://schemas.microsoft.com/office/drawing/2014/main" id="{D9989DC5-4644-3F40-B287-C43E63B06B60}"/>
+              </a:ext>
+            </a:extLst>
+          </p:cNvPr>
+          <p:cNvCxnSpPr>
+            <a:cxnSpLocks/>
+          </p:cNvCxnSpPr>
+          <p:nvPr/>
+        </p:nvCxnSpPr>
+        <p:spPr>
+          <a:xfrm flipH="1">
+            <a:off x="4724706" y="3276295"/>
+            <a:ext cx="1" cy="972912"/>
+          </a:xfrm>
+          <a:prstGeom prst="straightConnector1">
+            <a:avLst/>
+          </a:prstGeom>
+          <a:ln>
+            <a:tailEnd type="triangle"/>
+          </a:ln>
+        </p:spPr>
+        <p:style>
+          <a:lnRef idx="1">
+            <a:schemeClr val="accent1"/>
+          </a:lnRef>
+          <a:fillRef idx="0">
+            <a:schemeClr val="accent1"/>
+          </a:fillRef>
+          <a:effectRef idx="0">
+            <a:schemeClr val="accent1"/>
+          </a:effectRef>
+          <a:fontRef idx="minor">
+            <a:schemeClr val="tx1"/>
+          </a:fontRef>
+        </p:style>
+      </p:cxnSp>
+      <p:sp>
+        <p:nvSpPr>
+          <p:cNvPr id="41" name="TextBox 40">
+            <a:extLst>
+              <a:ext uri="{FF2B5EF4-FFF2-40B4-BE49-F238E27FC236}">
+                <a16:creationId xmlns:a16="http://schemas.microsoft.com/office/drawing/2014/main" id="{719FFC88-BA77-CA40-8B23-575C5BBD03EB}"/>
+              </a:ext>
+            </a:extLst>
+          </p:cNvPr>
+          <p:cNvSpPr txBox="1"/>
+          <p:nvPr/>
+        </p:nvSpPr>
+        <p:spPr>
+          <a:xfrm>
+            <a:off x="4911722" y="3670488"/>
+            <a:ext cx="3534622" cy="369332"/>
+          </a:xfrm>
+          <a:prstGeom prst="rect">
+            <a:avLst/>
+          </a:prstGeom>
+          <a:noFill/>
+        </p:spPr>
+        <p:txBody>
+          <a:bodyPr wrap="none" rtlCol="0">
+            <a:spAutoFit/>
+          </a:bodyPr>
+          <a:lstStyle/>
+          <a:p>
+            <a:r>
+              <a:rPr lang="en-US" dirty="0"/>
+              <a:t>*Each bit have 50% of being chosen</a:t>
+            </a:r>
+          </a:p>
+        </p:txBody>
+      </p:sp>
+      <p:sp>
+        <p:nvSpPr>
+          <p:cNvPr id="25" name="Rectangle 24">
+            <a:extLst>
+              <a:ext uri="{FF2B5EF4-FFF2-40B4-BE49-F238E27FC236}">
+                <a16:creationId xmlns:a16="http://schemas.microsoft.com/office/drawing/2014/main" id="{F46D754E-F3B5-B147-98F7-65AB6AF0D053}"/>
+              </a:ext>
+            </a:extLst>
+          </p:cNvPr>
+          <p:cNvSpPr/>
+          <p:nvPr/>
+        </p:nvSpPr>
+        <p:spPr>
+          <a:xfrm>
+            <a:off x="3197655" y="2207360"/>
+            <a:ext cx="458115" cy="305410"/>
+          </a:xfrm>
+          <a:prstGeom prst="rect">
+            <a:avLst/>
+          </a:prstGeom>
+          <a:solidFill>
+            <a:srgbClr val="F2576D"/>
+          </a:solidFill>
+        </p:spPr>
+        <p:style>
+          <a:lnRef idx="2">
+            <a:schemeClr val="accent1">
+              <a:shade val="50000"/>
+            </a:schemeClr>
+          </a:lnRef>
+          <a:fillRef idx="1">
+            <a:schemeClr val="accent1"/>
+          </a:fillRef>
+          <a:effectRef idx="0">
+            <a:schemeClr val="accent1"/>
+          </a:effectRef>
+          <a:fontRef idx="minor">
+            <a:schemeClr val="lt1"/>
+          </a:fontRef>
+        </p:style>
+        <p:txBody>
+          <a:bodyPr rtlCol="0" anchor="ctr"/>
+          <a:lstStyle/>
+          <a:p>
+            <a:pPr algn="ctr"/>
+            <a:r>
+              <a:rPr lang="en-US" dirty="0"/>
+              <a:t>A3</a:t>
+            </a:r>
+          </a:p>
+        </p:txBody>
+      </p:sp>
+      <p:sp>
+        <p:nvSpPr>
+          <p:cNvPr id="26" name="Rectangle 25">
+            <a:extLst>
+              <a:ext uri="{FF2B5EF4-FFF2-40B4-BE49-F238E27FC236}">
+                <a16:creationId xmlns:a16="http://schemas.microsoft.com/office/drawing/2014/main" id="{99EF9B53-3626-3941-AB96-069AAD469FDF}"/>
+              </a:ext>
+            </a:extLst>
+          </p:cNvPr>
+          <p:cNvSpPr/>
+          <p:nvPr/>
+        </p:nvSpPr>
+        <p:spPr>
+          <a:xfrm>
+            <a:off x="3655770" y="2207360"/>
+            <a:ext cx="458115" cy="305410"/>
+          </a:xfrm>
+          <a:prstGeom prst="rect">
+            <a:avLst/>
+          </a:prstGeom>
+          <a:solidFill>
+            <a:srgbClr val="F2576D"/>
+          </a:solidFill>
+        </p:spPr>
+        <p:style>
+          <a:lnRef idx="2">
+            <a:schemeClr val="accent1">
+              <a:shade val="50000"/>
+            </a:schemeClr>
+          </a:lnRef>
+          <a:fillRef idx="1">
+            <a:schemeClr val="accent1"/>
+          </a:fillRef>
+          <a:effectRef idx="0">
+            <a:schemeClr val="accent1"/>
+          </a:effectRef>
+          <a:fontRef idx="minor">
+            <a:schemeClr val="lt1"/>
+          </a:fontRef>
+        </p:style>
+        <p:txBody>
+          <a:bodyPr rtlCol="0" anchor="ctr"/>
+          <a:lstStyle/>
+          <a:p>
+            <a:pPr algn="ctr"/>
+            <a:r>
+              <a:rPr lang="en-US" dirty="0"/>
+              <a:t>A4</a:t>
+            </a:r>
+          </a:p>
+        </p:txBody>
+      </p:sp>
+      <p:sp>
+        <p:nvSpPr>
+          <p:cNvPr id="27" name="Rectangle 26">
+            <a:extLst>
+              <a:ext uri="{FF2B5EF4-FFF2-40B4-BE49-F238E27FC236}">
+                <a16:creationId xmlns:a16="http://schemas.microsoft.com/office/drawing/2014/main" id="{F098EBDA-CC1A-D543-8C40-66870B53B5B2}"/>
+              </a:ext>
+            </a:extLst>
+          </p:cNvPr>
+          <p:cNvSpPr/>
+          <p:nvPr/>
+        </p:nvSpPr>
+        <p:spPr>
+          <a:xfrm>
+            <a:off x="5030115" y="2207360"/>
+            <a:ext cx="458115" cy="305410"/>
+          </a:xfrm>
+          <a:prstGeom prst="rect">
+            <a:avLst/>
+          </a:prstGeom>
+          <a:solidFill>
+            <a:srgbClr val="BE0260"/>
+          </a:solidFill>
+        </p:spPr>
+        <p:style>
+          <a:lnRef idx="2">
+            <a:schemeClr val="accent1">
+              <a:shade val="50000"/>
+            </a:schemeClr>
+          </a:lnRef>
+          <a:fillRef idx="1">
+            <a:schemeClr val="accent1"/>
+          </a:fillRef>
+          <a:effectRef idx="0">
+            <a:schemeClr val="accent1"/>
+          </a:effectRef>
+          <a:fontRef idx="minor">
+            <a:schemeClr val="lt1"/>
+          </a:fontRef>
+        </p:style>
+        <p:txBody>
+          <a:bodyPr rtlCol="0" anchor="ctr"/>
+          <a:lstStyle/>
+          <a:p>
+            <a:pPr algn="ctr"/>
+            <a:r>
+              <a:rPr lang="en-US" dirty="0"/>
+              <a:t>B1</a:t>
+            </a:r>
+          </a:p>
+        </p:txBody>
+      </p:sp>
+      <p:sp>
+        <p:nvSpPr>
+          <p:cNvPr id="28" name="Rectangle 27">
+            <a:extLst>
+              <a:ext uri="{FF2B5EF4-FFF2-40B4-BE49-F238E27FC236}">
+                <a16:creationId xmlns:a16="http://schemas.microsoft.com/office/drawing/2014/main" id="{94AEE1D1-1743-8F4A-BF5F-8B79EFCF8483}"/>
+              </a:ext>
+            </a:extLst>
+          </p:cNvPr>
+          <p:cNvSpPr/>
+          <p:nvPr/>
+        </p:nvSpPr>
+        <p:spPr>
+          <a:xfrm>
+            <a:off x="5488230" y="2207360"/>
+            <a:ext cx="458115" cy="305410"/>
+          </a:xfrm>
+          <a:prstGeom prst="rect">
+            <a:avLst/>
+          </a:prstGeom>
+          <a:solidFill>
+            <a:srgbClr val="BE0260"/>
+          </a:solidFill>
+        </p:spPr>
+        <p:style>
+          <a:lnRef idx="2">
+            <a:schemeClr val="accent1">
+              <a:shade val="50000"/>
+            </a:schemeClr>
+          </a:lnRef>
+          <a:fillRef idx="1">
+            <a:schemeClr val="accent1"/>
+          </a:fillRef>
+          <a:effectRef idx="0">
+            <a:schemeClr val="accent1"/>
+          </a:effectRef>
+          <a:fontRef idx="minor">
+            <a:schemeClr val="lt1"/>
+          </a:fontRef>
+        </p:style>
+        <p:txBody>
+          <a:bodyPr rtlCol="0" anchor="ctr"/>
+          <a:lstStyle/>
+          <a:p>
+            <a:pPr algn="ctr"/>
+            <a:r>
+              <a:rPr lang="en-US" dirty="0"/>
+              <a:t>B2</a:t>
+            </a:r>
+          </a:p>
+        </p:txBody>
+      </p:sp>
+      <p:sp>
+        <p:nvSpPr>
+          <p:cNvPr id="31" name="Rectangle 30">
+            <a:extLst>
+              <a:ext uri="{FF2B5EF4-FFF2-40B4-BE49-F238E27FC236}">
+                <a16:creationId xmlns:a16="http://schemas.microsoft.com/office/drawing/2014/main" id="{8243AF1B-3805-D248-819C-7410B67FFA80}"/>
+              </a:ext>
+            </a:extLst>
+          </p:cNvPr>
+          <p:cNvSpPr/>
+          <p:nvPr/>
+        </p:nvSpPr>
+        <p:spPr>
+          <a:xfrm>
+            <a:off x="5946345" y="2207360"/>
+            <a:ext cx="458115" cy="305410"/>
+          </a:xfrm>
+          <a:prstGeom prst="rect">
+            <a:avLst/>
+          </a:prstGeom>
+          <a:solidFill>
+            <a:srgbClr val="BE0260"/>
+          </a:solidFill>
+        </p:spPr>
+        <p:style>
+          <a:lnRef idx="2">
+            <a:schemeClr val="accent1">
+              <a:shade val="50000"/>
+            </a:schemeClr>
+          </a:lnRef>
+          <a:fillRef idx="1">
+            <a:schemeClr val="accent1"/>
+          </a:fillRef>
+          <a:effectRef idx="0">
+            <a:schemeClr val="accent1"/>
+          </a:effectRef>
+          <a:fontRef idx="minor">
+            <a:schemeClr val="lt1"/>
+          </a:fontRef>
+        </p:style>
+        <p:txBody>
+          <a:bodyPr rtlCol="0" anchor="ctr"/>
+          <a:lstStyle/>
+          <a:p>
+            <a:pPr algn="ctr"/>
+            <a:r>
+              <a:rPr lang="en-US" dirty="0"/>
+              <a:t>B3</a:t>
+            </a:r>
+          </a:p>
+        </p:txBody>
+      </p:sp>
+      <p:sp>
+        <p:nvSpPr>
+          <p:cNvPr id="32" name="Rectangle 31">
+            <a:extLst>
+              <a:ext uri="{FF2B5EF4-FFF2-40B4-BE49-F238E27FC236}">
+                <a16:creationId xmlns:a16="http://schemas.microsoft.com/office/drawing/2014/main" id="{B3A86430-7F4C-AA47-8303-B58AC24B16B7}"/>
+              </a:ext>
+            </a:extLst>
+          </p:cNvPr>
+          <p:cNvSpPr/>
+          <p:nvPr/>
+        </p:nvSpPr>
+        <p:spPr>
+          <a:xfrm>
+            <a:off x="6404460" y="2207360"/>
+            <a:ext cx="458115" cy="305410"/>
+          </a:xfrm>
+          <a:prstGeom prst="rect">
+            <a:avLst/>
+          </a:prstGeom>
+          <a:solidFill>
+            <a:srgbClr val="BE0260"/>
+          </a:solidFill>
+        </p:spPr>
+        <p:style>
+          <a:lnRef idx="2">
+            <a:schemeClr val="accent1">
+              <a:shade val="50000"/>
+            </a:schemeClr>
+          </a:lnRef>
+          <a:fillRef idx="1">
+            <a:schemeClr val="accent1"/>
+          </a:fillRef>
+          <a:effectRef idx="0">
+            <a:schemeClr val="accent1"/>
+          </a:effectRef>
+          <a:fontRef idx="minor">
+            <a:schemeClr val="lt1"/>
+          </a:fontRef>
+        </p:style>
+        <p:txBody>
+          <a:bodyPr rtlCol="0" anchor="ctr"/>
+          <a:lstStyle/>
+          <a:p>
+            <a:pPr algn="ctr"/>
+            <a:r>
+              <a:rPr lang="en-US" dirty="0"/>
+              <a:t>B4</a:t>
+            </a:r>
+          </a:p>
+        </p:txBody>
+      </p:sp>
+      <p:sp>
+        <p:nvSpPr>
+          <p:cNvPr id="33" name="Rectangle 32">
+            <a:extLst>
+              <a:ext uri="{FF2B5EF4-FFF2-40B4-BE49-F238E27FC236}">
+                <a16:creationId xmlns:a16="http://schemas.microsoft.com/office/drawing/2014/main" id="{07B2CF5D-EBD1-244E-8B2C-B4EC49189060}"/>
+              </a:ext>
+            </a:extLst>
+          </p:cNvPr>
+          <p:cNvSpPr/>
+          <p:nvPr/>
+        </p:nvSpPr>
+        <p:spPr>
+          <a:xfrm>
+            <a:off x="3808475" y="4345230"/>
+            <a:ext cx="458115" cy="305410"/>
+          </a:xfrm>
+          <a:prstGeom prst="rect">
+            <a:avLst/>
+          </a:prstGeom>
+          <a:solidFill>
+            <a:srgbClr val="F2576D"/>
+          </a:solidFill>
+        </p:spPr>
+        <p:style>
+          <a:lnRef idx="2">
+            <a:schemeClr val="accent1">
+              <a:shade val="50000"/>
+            </a:schemeClr>
+          </a:lnRef>
+          <a:fillRef idx="1">
+            <a:schemeClr val="accent1"/>
+          </a:fillRef>
+          <a:effectRef idx="0">
+            <a:schemeClr val="accent1"/>
+          </a:effectRef>
+          <a:fontRef idx="minor">
+            <a:schemeClr val="lt1"/>
+          </a:fontRef>
+        </p:style>
+        <p:txBody>
+          <a:bodyPr rtlCol="0" anchor="ctr"/>
+          <a:lstStyle/>
+          <a:p>
+            <a:pPr algn="ctr"/>
+            <a:r>
+              <a:rPr lang="en-US" dirty="0"/>
+              <a:t>A1</a:t>
+            </a:r>
+          </a:p>
+        </p:txBody>
+      </p:sp>
+      <p:sp>
+        <p:nvSpPr>
+          <p:cNvPr id="35" name="Rectangle 34">
+            <a:extLst>
+              <a:ext uri="{FF2B5EF4-FFF2-40B4-BE49-F238E27FC236}">
+                <a16:creationId xmlns:a16="http://schemas.microsoft.com/office/drawing/2014/main" id="{491A0B5F-64D0-5B4A-8006-EDEC5C8F1C4E}"/>
+              </a:ext>
+            </a:extLst>
+          </p:cNvPr>
+          <p:cNvSpPr/>
+          <p:nvPr/>
+        </p:nvSpPr>
+        <p:spPr>
+          <a:xfrm>
+            <a:off x="4266590" y="4345230"/>
+            <a:ext cx="458115" cy="305410"/>
+          </a:xfrm>
+          <a:prstGeom prst="rect">
+            <a:avLst/>
+          </a:prstGeom>
+          <a:solidFill>
+            <a:srgbClr val="BE0260"/>
+          </a:solidFill>
+        </p:spPr>
+        <p:style>
+          <a:lnRef idx="2">
+            <a:schemeClr val="accent1">
+              <a:shade val="50000"/>
+            </a:schemeClr>
+          </a:lnRef>
+          <a:fillRef idx="1">
+            <a:schemeClr val="accent1"/>
+          </a:fillRef>
+          <a:effectRef idx="0">
+            <a:schemeClr val="accent1"/>
+          </a:effectRef>
+          <a:fontRef idx="minor">
+            <a:schemeClr val="lt1"/>
+          </a:fontRef>
+        </p:style>
+        <p:txBody>
+          <a:bodyPr rtlCol="0" anchor="ctr"/>
+          <a:lstStyle/>
+          <a:p>
+            <a:pPr algn="ctr"/>
+            <a:r>
+              <a:rPr lang="en-US" dirty="0"/>
+              <a:t>B2</a:t>
+            </a:r>
+          </a:p>
+        </p:txBody>
+      </p:sp>
+      <p:sp>
+        <p:nvSpPr>
+          <p:cNvPr id="37" name="Rectangle 36">
+            <a:extLst>
+              <a:ext uri="{FF2B5EF4-FFF2-40B4-BE49-F238E27FC236}">
+                <a16:creationId xmlns:a16="http://schemas.microsoft.com/office/drawing/2014/main" id="{75C24057-3EB5-5743-A071-7AEA33929678}"/>
+              </a:ext>
+            </a:extLst>
+          </p:cNvPr>
+          <p:cNvSpPr/>
+          <p:nvPr/>
+        </p:nvSpPr>
+        <p:spPr>
+          <a:xfrm>
+            <a:off x="4724705" y="4345230"/>
+            <a:ext cx="458115" cy="305410"/>
+          </a:xfrm>
+          <a:prstGeom prst="rect">
+            <a:avLst/>
+          </a:prstGeom>
+          <a:solidFill>
+            <a:srgbClr val="BE0260"/>
+          </a:solidFill>
+        </p:spPr>
+        <p:style>
+          <a:lnRef idx="2">
+            <a:schemeClr val="accent1">
+              <a:shade val="50000"/>
+            </a:schemeClr>
+          </a:lnRef>
+          <a:fillRef idx="1">
+            <a:schemeClr val="accent1"/>
+          </a:fillRef>
+          <a:effectRef idx="0">
+            <a:schemeClr val="accent1"/>
+          </a:effectRef>
+          <a:fontRef idx="minor">
+            <a:schemeClr val="lt1"/>
+          </a:fontRef>
+        </p:style>
+        <p:txBody>
+          <a:bodyPr rtlCol="0" anchor="ctr"/>
+          <a:lstStyle/>
+          <a:p>
+            <a:pPr algn="ctr"/>
+            <a:r>
+              <a:rPr lang="en-US" dirty="0"/>
+              <a:t>B3</a:t>
+            </a:r>
+          </a:p>
+        </p:txBody>
+      </p:sp>
+      <p:sp>
+        <p:nvSpPr>
+          <p:cNvPr id="39" name="Rectangle 38">
+            <a:extLst>
+              <a:ext uri="{FF2B5EF4-FFF2-40B4-BE49-F238E27FC236}">
+                <a16:creationId xmlns:a16="http://schemas.microsoft.com/office/drawing/2014/main" id="{DD2809AB-0D5D-FF48-A64B-CDCC554B3543}"/>
+              </a:ext>
+            </a:extLst>
+          </p:cNvPr>
+          <p:cNvSpPr/>
+          <p:nvPr/>
+        </p:nvSpPr>
+        <p:spPr>
+          <a:xfrm>
+            <a:off x="5182820" y="4345230"/>
+            <a:ext cx="458115" cy="305410"/>
+          </a:xfrm>
+          <a:prstGeom prst="rect">
+            <a:avLst/>
+          </a:prstGeom>
+          <a:solidFill>
+            <a:srgbClr val="F2576D"/>
+          </a:solidFill>
+        </p:spPr>
+        <p:style>
+          <a:lnRef idx="2">
+            <a:schemeClr val="accent1">
+              <a:shade val="50000"/>
+            </a:schemeClr>
+          </a:lnRef>
+          <a:fillRef idx="1">
+            <a:schemeClr val="accent1"/>
+          </a:fillRef>
+          <a:effectRef idx="0">
+            <a:schemeClr val="accent1"/>
+          </a:effectRef>
+          <a:fontRef idx="minor">
+            <a:schemeClr val="lt1"/>
+          </a:fontRef>
+        </p:style>
+        <p:txBody>
+          <a:bodyPr rtlCol="0" anchor="ctr"/>
+          <a:lstStyle/>
+          <a:p>
+            <a:pPr algn="ctr"/>
+            <a:r>
+              <a:rPr lang="en-US" dirty="0"/>
+              <a:t>A4</a:t>
+            </a:r>
+          </a:p>
+        </p:txBody>
+      </p:sp>
+    </p:spTree>
+    <p:extLst>
+      <p:ext uri="{BB962C8B-B14F-4D97-AF65-F5344CB8AC3E}">
+        <p14:creationId xmlns:p14="http://schemas.microsoft.com/office/powerpoint/2010/main" val="4144318081"/>
+      </p:ext>
+    </p:extLst>
+  </p:cSld>
+  <p:clrMapOvr>
+    <a:masterClrMapping/>
+  </p:clrMapOvr>
+</p:sld>
+</file>
+
+<file path=ppt/slides/slide11.xml><?xml version="1.0" encoding="utf-8"?>
+<p:sld xmlns:a="http://schemas.openxmlformats.org/drawingml/2006/main" xmlns:r="http://schemas.openxmlformats.org/officeDocument/2006/relationships" xmlns:p="http://schemas.openxmlformats.org/presentationml/2006/main">
+  <p:cSld>
+    <p:bg>
+      <p:bgPr>
+        <a:blipFill dpi="0" rotWithShape="1">
+          <a:blip r:embed="rId2">
+            <a:lum/>
+          </a:blip>
+          <a:srcRect/>
+          <a:stretch>
+            <a:fillRect/>
+          </a:stretch>
+        </a:blipFill>
+        <a:effectLst/>
+      </p:bgPr>
+    </p:bg>
+    <p:spTree>
+      <p:nvGrpSpPr>
+        <p:cNvPr id="1" name=""/>
+        <p:cNvGrpSpPr/>
+        <p:nvPr/>
+      </p:nvGrpSpPr>
+      <p:grpSpPr>
+        <a:xfrm>
+          <a:off x="0" y="0"/>
+          <a:ext cx="0" cy="0"/>
+          <a:chOff x="0" y="0"/>
+          <a:chExt cx="0" cy="0"/>
+        </a:xfrm>
+      </p:grpSpPr>
+      <p:sp>
+        <p:nvSpPr>
+          <p:cNvPr id="4" name="Title 3"/>
+          <p:cNvSpPr>
+            <a:spLocks noGrp="1"/>
+          </p:cNvSpPr>
+          <p:nvPr>
+            <p:ph type="title"/>
+          </p:nvPr>
+        </p:nvSpPr>
+        <p:spPr/>
+        <p:txBody>
+          <a:bodyPr>
+            <a:normAutofit fontScale="90000"/>
+          </a:bodyPr>
+          <a:lstStyle/>
+          <a:p>
+            <a:pPr algn="l"/>
+            <a:r>
+              <a:rPr lang="en-US" dirty="0"/>
+              <a:t>Crossover (alt.)</a:t>
+            </a:r>
+          </a:p>
+        </p:txBody>
+      </p:sp>
+      <p:sp>
+        <p:nvSpPr>
+          <p:cNvPr id="6" name="Rectangle 5">
+            <a:extLst>
+              <a:ext uri="{FF2B5EF4-FFF2-40B4-BE49-F238E27FC236}">
+                <a16:creationId xmlns:a16="http://schemas.microsoft.com/office/drawing/2014/main" id="{C2C57670-E102-C741-8692-28A3E78C9F15}"/>
+              </a:ext>
+            </a:extLst>
+          </p:cNvPr>
+          <p:cNvSpPr/>
+          <p:nvPr/>
+        </p:nvSpPr>
+        <p:spPr>
+          <a:xfrm>
+            <a:off x="2434130" y="2207360"/>
+            <a:ext cx="763525" cy="305410"/>
+          </a:xfrm>
+          <a:prstGeom prst="rect">
+            <a:avLst/>
+          </a:prstGeom>
+          <a:solidFill>
+            <a:srgbClr val="F2576D"/>
+          </a:solidFill>
+        </p:spPr>
+        <p:style>
+          <a:lnRef idx="2">
+            <a:schemeClr val="accent1">
+              <a:shade val="50000"/>
+            </a:schemeClr>
+          </a:lnRef>
+          <a:fillRef idx="1">
+            <a:schemeClr val="accent1"/>
+          </a:fillRef>
+          <a:effectRef idx="0">
+            <a:schemeClr val="accent1"/>
+          </a:effectRef>
+          <a:fontRef idx="minor">
+            <a:schemeClr val="lt1"/>
+          </a:fontRef>
+        </p:style>
+        <p:txBody>
+          <a:bodyPr rtlCol="0" anchor="ctr"/>
+          <a:lstStyle/>
+          <a:p>
+            <a:pPr algn="ctr"/>
+            <a:r>
+              <a:rPr lang="en-US" dirty="0"/>
+              <a:t>A1</a:t>
+            </a:r>
+          </a:p>
+        </p:txBody>
+      </p:sp>
+      <p:sp>
+        <p:nvSpPr>
+          <p:cNvPr id="8" name="Rectangle 7">
+            <a:extLst>
+              <a:ext uri="{FF2B5EF4-FFF2-40B4-BE49-F238E27FC236}">
+                <a16:creationId xmlns:a16="http://schemas.microsoft.com/office/drawing/2014/main" id="{F35A53A7-0E6A-1F4D-A832-48C4B4151395}"/>
+              </a:ext>
+            </a:extLst>
+          </p:cNvPr>
+          <p:cNvSpPr/>
+          <p:nvPr/>
+        </p:nvSpPr>
+        <p:spPr>
+          <a:xfrm>
+            <a:off x="3197655" y="2207360"/>
+            <a:ext cx="763525" cy="305410"/>
+          </a:xfrm>
+          <a:prstGeom prst="rect">
+            <a:avLst/>
+          </a:prstGeom>
+          <a:solidFill>
+            <a:srgbClr val="F2576D"/>
+          </a:solidFill>
+        </p:spPr>
+        <p:style>
+          <a:lnRef idx="2">
+            <a:schemeClr val="accent1">
+              <a:shade val="50000"/>
+            </a:schemeClr>
+          </a:lnRef>
+          <a:fillRef idx="1">
+            <a:schemeClr val="accent1"/>
+          </a:fillRef>
+          <a:effectRef idx="0">
+            <a:schemeClr val="accent1"/>
+          </a:effectRef>
+          <a:fontRef idx="minor">
+            <a:schemeClr val="lt1"/>
+          </a:fontRef>
+        </p:style>
+        <p:txBody>
+          <a:bodyPr rtlCol="0" anchor="ctr"/>
+          <a:lstStyle/>
+          <a:p>
+            <a:pPr algn="ctr"/>
+            <a:r>
+              <a:rPr lang="en-US" dirty="0"/>
+              <a:t>A2</a:t>
+            </a:r>
+          </a:p>
+        </p:txBody>
+      </p:sp>
+      <p:sp>
+        <p:nvSpPr>
+          <p:cNvPr id="9" name="Rectangle 8">
+            <a:extLst>
+              <a:ext uri="{FF2B5EF4-FFF2-40B4-BE49-F238E27FC236}">
+                <a16:creationId xmlns:a16="http://schemas.microsoft.com/office/drawing/2014/main" id="{58F9646E-CCA8-A340-B836-52B6861807B9}"/>
+              </a:ext>
+            </a:extLst>
+          </p:cNvPr>
+          <p:cNvSpPr/>
+          <p:nvPr/>
+        </p:nvSpPr>
+        <p:spPr>
+          <a:xfrm>
+            <a:off x="5182820" y="2207360"/>
+            <a:ext cx="763525" cy="305410"/>
+          </a:xfrm>
+          <a:prstGeom prst="rect">
+            <a:avLst/>
+          </a:prstGeom>
+          <a:solidFill>
+            <a:srgbClr val="BE0260"/>
+          </a:solidFill>
+        </p:spPr>
+        <p:style>
+          <a:lnRef idx="2">
+            <a:schemeClr val="accent1">
+              <a:shade val="50000"/>
+            </a:schemeClr>
+          </a:lnRef>
+          <a:fillRef idx="1">
+            <a:schemeClr val="accent1"/>
+          </a:fillRef>
+          <a:effectRef idx="0">
+            <a:schemeClr val="accent1"/>
+          </a:effectRef>
+          <a:fontRef idx="minor">
+            <a:schemeClr val="lt1"/>
+          </a:fontRef>
+        </p:style>
+        <p:txBody>
+          <a:bodyPr rtlCol="0" anchor="ctr"/>
+          <a:lstStyle/>
+          <a:p>
+            <a:pPr algn="ctr"/>
+            <a:r>
+              <a:rPr lang="en-US" dirty="0"/>
+              <a:t>B1</a:t>
+            </a:r>
+          </a:p>
+        </p:txBody>
+      </p:sp>
+      <p:sp>
+        <p:nvSpPr>
+          <p:cNvPr id="10" name="Rectangle 9">
+            <a:extLst>
+              <a:ext uri="{FF2B5EF4-FFF2-40B4-BE49-F238E27FC236}">
+                <a16:creationId xmlns:a16="http://schemas.microsoft.com/office/drawing/2014/main" id="{F336ED71-F4F7-E348-BAE9-04568548B9E4}"/>
+              </a:ext>
+            </a:extLst>
+          </p:cNvPr>
+          <p:cNvSpPr/>
+          <p:nvPr/>
+        </p:nvSpPr>
+        <p:spPr>
+          <a:xfrm>
+            <a:off x="5946345" y="2207360"/>
+            <a:ext cx="763525" cy="305410"/>
+          </a:xfrm>
+          <a:prstGeom prst="rect">
+            <a:avLst/>
+          </a:prstGeom>
+          <a:solidFill>
+            <a:srgbClr val="BE0260"/>
+          </a:solidFill>
+        </p:spPr>
+        <p:style>
+          <a:lnRef idx="2">
+            <a:schemeClr val="accent1">
+              <a:shade val="50000"/>
+            </a:schemeClr>
+          </a:lnRef>
+          <a:fillRef idx="1">
+            <a:schemeClr val="accent1"/>
+          </a:fillRef>
+          <a:effectRef idx="0">
+            <a:schemeClr val="accent1"/>
+          </a:effectRef>
+          <a:fontRef idx="minor">
+            <a:schemeClr val="lt1"/>
+          </a:fontRef>
+        </p:style>
+        <p:txBody>
+          <a:bodyPr rtlCol="0" anchor="ctr"/>
+          <a:lstStyle/>
+          <a:p>
+            <a:pPr algn="ctr"/>
+            <a:r>
+              <a:rPr lang="en-US" dirty="0"/>
+              <a:t>B2</a:t>
+            </a:r>
+          </a:p>
+        </p:txBody>
+      </p:sp>
+      <p:sp>
+        <p:nvSpPr>
+          <p:cNvPr id="19" name="Rectangle 18">
+            <a:extLst>
+              <a:ext uri="{FF2B5EF4-FFF2-40B4-BE49-F238E27FC236}">
+                <a16:creationId xmlns:a16="http://schemas.microsoft.com/office/drawing/2014/main" id="{20E77784-FD93-2C4E-90CD-5C268569B4C9}"/>
+              </a:ext>
+            </a:extLst>
+          </p:cNvPr>
+          <p:cNvSpPr/>
+          <p:nvPr/>
+        </p:nvSpPr>
+        <p:spPr>
+          <a:xfrm>
+            <a:off x="2434129" y="4047022"/>
+            <a:ext cx="763525" cy="305410"/>
+          </a:xfrm>
+          <a:prstGeom prst="rect">
+            <a:avLst/>
+          </a:prstGeom>
+          <a:solidFill>
+            <a:srgbClr val="F2576D"/>
+          </a:solidFill>
+        </p:spPr>
+        <p:style>
+          <a:lnRef idx="2">
+            <a:schemeClr val="accent1">
+              <a:shade val="50000"/>
+            </a:schemeClr>
+          </a:lnRef>
+          <a:fillRef idx="1">
+            <a:schemeClr val="accent1"/>
+          </a:fillRef>
+          <a:effectRef idx="0">
+            <a:schemeClr val="accent1"/>
+          </a:effectRef>
+          <a:fontRef idx="minor">
+            <a:schemeClr val="lt1"/>
+          </a:fontRef>
+        </p:style>
+        <p:txBody>
+          <a:bodyPr rtlCol="0" anchor="ctr"/>
+          <a:lstStyle/>
+          <a:p>
+            <a:pPr algn="ctr"/>
+            <a:r>
+              <a:rPr lang="en-US" dirty="0"/>
+              <a:t>A1</a:t>
+            </a:r>
+          </a:p>
+        </p:txBody>
+      </p:sp>
+      <p:sp>
+        <p:nvSpPr>
+          <p:cNvPr id="20" name="Rectangle 19">
+            <a:extLst>
+              <a:ext uri="{FF2B5EF4-FFF2-40B4-BE49-F238E27FC236}">
+                <a16:creationId xmlns:a16="http://schemas.microsoft.com/office/drawing/2014/main" id="{737FB8C7-BA3A-EE40-91AB-955AF7349734}"/>
+              </a:ext>
+            </a:extLst>
+          </p:cNvPr>
+          <p:cNvSpPr/>
+          <p:nvPr/>
+        </p:nvSpPr>
+        <p:spPr>
+          <a:xfrm>
+            <a:off x="3197655" y="4047022"/>
+            <a:ext cx="763525" cy="305410"/>
+          </a:xfrm>
+          <a:prstGeom prst="rect">
+            <a:avLst/>
+          </a:prstGeom>
+          <a:solidFill>
+            <a:srgbClr val="BE0260"/>
+          </a:solidFill>
+        </p:spPr>
+        <p:style>
+          <a:lnRef idx="2">
+            <a:schemeClr val="accent1">
+              <a:shade val="50000"/>
+            </a:schemeClr>
+          </a:lnRef>
+          <a:fillRef idx="1">
+            <a:schemeClr val="accent1"/>
+          </a:fillRef>
+          <a:effectRef idx="0">
+            <a:schemeClr val="accent1"/>
+          </a:effectRef>
+          <a:fontRef idx="minor">
+            <a:schemeClr val="lt1"/>
+          </a:fontRef>
+        </p:style>
+        <p:txBody>
+          <a:bodyPr rtlCol="0" anchor="ctr"/>
+          <a:lstStyle/>
+          <a:p>
+            <a:pPr algn="ctr"/>
+            <a:r>
+              <a:rPr lang="en-US" dirty="0"/>
+              <a:t>B2</a:t>
+            </a:r>
+          </a:p>
+        </p:txBody>
+      </p:sp>
+      <p:sp>
+        <p:nvSpPr>
+          <p:cNvPr id="21" name="Rectangle 20">
+            <a:extLst>
+              <a:ext uri="{FF2B5EF4-FFF2-40B4-BE49-F238E27FC236}">
+                <a16:creationId xmlns:a16="http://schemas.microsoft.com/office/drawing/2014/main" id="{9704DD9C-C8DE-4A49-AB54-FCDE9131E962}"/>
+              </a:ext>
+            </a:extLst>
+          </p:cNvPr>
+          <p:cNvSpPr/>
+          <p:nvPr/>
+        </p:nvSpPr>
+        <p:spPr>
+          <a:xfrm>
+            <a:off x="5182820" y="4039820"/>
+            <a:ext cx="763525" cy="305410"/>
+          </a:xfrm>
+          <a:prstGeom prst="rect">
+            <a:avLst/>
+          </a:prstGeom>
+          <a:solidFill>
+            <a:srgbClr val="BE0260"/>
+          </a:solidFill>
+        </p:spPr>
+        <p:style>
+          <a:lnRef idx="2">
+            <a:schemeClr val="accent1">
+              <a:shade val="50000"/>
+            </a:schemeClr>
+          </a:lnRef>
+          <a:fillRef idx="1">
+            <a:schemeClr val="accent1"/>
+          </a:fillRef>
+          <a:effectRef idx="0">
+            <a:schemeClr val="accent1"/>
+          </a:effectRef>
+          <a:fontRef idx="minor">
+            <a:schemeClr val="lt1"/>
+          </a:fontRef>
+        </p:style>
+        <p:txBody>
+          <a:bodyPr rtlCol="0" anchor="ctr"/>
+          <a:lstStyle/>
+          <a:p>
+            <a:pPr algn="ctr"/>
+            <a:r>
+              <a:rPr lang="en-US" dirty="0"/>
+              <a:t>B1</a:t>
+            </a:r>
+          </a:p>
+        </p:txBody>
+      </p:sp>
+      <p:sp>
+        <p:nvSpPr>
+          <p:cNvPr id="22" name="Rectangle 21">
+            <a:extLst>
+              <a:ext uri="{FF2B5EF4-FFF2-40B4-BE49-F238E27FC236}">
+                <a16:creationId xmlns:a16="http://schemas.microsoft.com/office/drawing/2014/main" id="{097CD96F-2F9A-8E44-8408-63610AC5765F}"/>
+              </a:ext>
+            </a:extLst>
+          </p:cNvPr>
+          <p:cNvSpPr/>
+          <p:nvPr/>
+        </p:nvSpPr>
+        <p:spPr>
+          <a:xfrm>
+            <a:off x="5946345" y="4039820"/>
+            <a:ext cx="763525" cy="305410"/>
+          </a:xfrm>
+          <a:prstGeom prst="rect">
+            <a:avLst/>
+          </a:prstGeom>
+          <a:solidFill>
+            <a:srgbClr val="F2576D"/>
+          </a:solidFill>
+        </p:spPr>
+        <p:style>
+          <a:lnRef idx="2">
+            <a:schemeClr val="accent1">
+              <a:shade val="50000"/>
+            </a:schemeClr>
+          </a:lnRef>
+          <a:fillRef idx="1">
+            <a:schemeClr val="accent1"/>
+          </a:fillRef>
+          <a:effectRef idx="0">
+            <a:schemeClr val="accent1"/>
+          </a:effectRef>
+          <a:fontRef idx="minor">
+            <a:schemeClr val="lt1"/>
+          </a:fontRef>
+        </p:style>
+        <p:txBody>
+          <a:bodyPr rtlCol="0" anchor="ctr"/>
+          <a:lstStyle/>
+          <a:p>
+            <a:pPr algn="ctr"/>
+            <a:r>
+              <a:rPr lang="en-US" dirty="0"/>
+              <a:t>A2</a:t>
+            </a:r>
+          </a:p>
+        </p:txBody>
+      </p:sp>
+      <p:cxnSp>
+        <p:nvCxnSpPr>
+          <p:cNvPr id="5" name="Straight Connector 4">
+            <a:extLst>
+              <a:ext uri="{FF2B5EF4-FFF2-40B4-BE49-F238E27FC236}">
+                <a16:creationId xmlns:a16="http://schemas.microsoft.com/office/drawing/2014/main" id="{8CFED9FB-8DB6-BC4D-B32D-C73E54A1C5E4}"/>
+              </a:ext>
+            </a:extLst>
+          </p:cNvPr>
+          <p:cNvCxnSpPr/>
+          <p:nvPr/>
+        </p:nvCxnSpPr>
+        <p:spPr>
+          <a:xfrm>
+            <a:off x="5946345" y="2512770"/>
+            <a:ext cx="0" cy="763525"/>
+          </a:xfrm>
+          <a:prstGeom prst="line">
+            <a:avLst/>
+          </a:prstGeom>
+        </p:spPr>
+        <p:style>
+          <a:lnRef idx="1">
+            <a:schemeClr val="accent1"/>
+          </a:lnRef>
+          <a:fillRef idx="0">
+            <a:schemeClr val="accent1"/>
+          </a:fillRef>
+          <a:effectRef idx="0">
+            <a:schemeClr val="accent1"/>
+          </a:effectRef>
+          <a:fontRef idx="minor">
+            <a:schemeClr val="tx1"/>
+          </a:fontRef>
+        </p:style>
+      </p:cxnSp>
+      <p:cxnSp>
+        <p:nvCxnSpPr>
+          <p:cNvPr id="18" name="Straight Connector 17">
+            <a:extLst>
+              <a:ext uri="{FF2B5EF4-FFF2-40B4-BE49-F238E27FC236}">
+                <a16:creationId xmlns:a16="http://schemas.microsoft.com/office/drawing/2014/main" id="{6DF84752-EFAE-BE4B-9AEF-D212138F2B2B}"/>
+              </a:ext>
+            </a:extLst>
+          </p:cNvPr>
+          <p:cNvCxnSpPr/>
+          <p:nvPr/>
+        </p:nvCxnSpPr>
+        <p:spPr>
+          <a:xfrm>
+            <a:off x="3197654" y="2512770"/>
+            <a:ext cx="0" cy="763525"/>
+          </a:xfrm>
+          <a:prstGeom prst="line">
+            <a:avLst/>
+          </a:prstGeom>
+        </p:spPr>
+        <p:style>
+          <a:lnRef idx="1">
+            <a:schemeClr val="accent1"/>
+          </a:lnRef>
+          <a:fillRef idx="0">
+            <a:schemeClr val="accent1"/>
+          </a:fillRef>
+          <a:effectRef idx="0">
+            <a:schemeClr val="accent1"/>
+          </a:effectRef>
+          <a:fontRef idx="minor">
+            <a:schemeClr val="tx1"/>
+          </a:fontRef>
+        </p:style>
+      </p:cxnSp>
+      <p:cxnSp>
+        <p:nvCxnSpPr>
+          <p:cNvPr id="11" name="Straight Connector 10">
+            <a:extLst>
+              <a:ext uri="{FF2B5EF4-FFF2-40B4-BE49-F238E27FC236}">
+                <a16:creationId xmlns:a16="http://schemas.microsoft.com/office/drawing/2014/main" id="{E1E645C9-24C5-4646-8604-89FDCC58117A}"/>
+              </a:ext>
+            </a:extLst>
+          </p:cNvPr>
+          <p:cNvCxnSpPr/>
+          <p:nvPr/>
+        </p:nvCxnSpPr>
+        <p:spPr>
+          <a:xfrm>
+            <a:off x="3197654" y="3276295"/>
+            <a:ext cx="2748691" cy="0"/>
+          </a:xfrm>
+          <a:prstGeom prst="line">
+            <a:avLst/>
+          </a:prstGeom>
+        </p:spPr>
+        <p:style>
+          <a:lnRef idx="1">
+            <a:schemeClr val="accent1"/>
+          </a:lnRef>
+          <a:fillRef idx="0">
+            <a:schemeClr val="accent1"/>
+          </a:fillRef>
+          <a:effectRef idx="0">
+            <a:schemeClr val="accent1"/>
+          </a:effectRef>
+          <a:fontRef idx="minor">
+            <a:schemeClr val="tx1"/>
+          </a:fontRef>
+        </p:style>
+      </p:cxnSp>
+      <p:cxnSp>
+        <p:nvCxnSpPr>
+          <p:cNvPr id="13" name="Straight Arrow Connector 12">
+            <a:extLst>
+              <a:ext uri="{FF2B5EF4-FFF2-40B4-BE49-F238E27FC236}">
+                <a16:creationId xmlns:a16="http://schemas.microsoft.com/office/drawing/2014/main" id="{D9989DC5-4644-3F40-B287-C43E63B06B60}"/>
+              </a:ext>
+            </a:extLst>
+          </p:cNvPr>
+          <p:cNvCxnSpPr>
+            <a:cxnSpLocks/>
+          </p:cNvCxnSpPr>
+          <p:nvPr/>
+        </p:nvCxnSpPr>
+        <p:spPr>
+          <a:xfrm flipH="1">
+            <a:off x="3197653" y="3276295"/>
+            <a:ext cx="1527053" cy="694328"/>
+          </a:xfrm>
+          <a:prstGeom prst="straightConnector1">
+            <a:avLst/>
+          </a:prstGeom>
+          <a:ln>
+            <a:tailEnd type="triangle"/>
+          </a:ln>
+        </p:spPr>
+        <p:style>
+          <a:lnRef idx="1">
+            <a:schemeClr val="accent1"/>
+          </a:lnRef>
+          <a:fillRef idx="0">
+            <a:schemeClr val="accent1"/>
+          </a:fillRef>
+          <a:effectRef idx="0">
+            <a:schemeClr val="accent1"/>
+          </a:effectRef>
+          <a:fontRef idx="minor">
+            <a:schemeClr val="tx1"/>
+          </a:fontRef>
+        </p:style>
+      </p:cxnSp>
+      <p:cxnSp>
+        <p:nvCxnSpPr>
+          <p:cNvPr id="17" name="Straight Arrow Connector 16">
+            <a:extLst>
+              <a:ext uri="{FF2B5EF4-FFF2-40B4-BE49-F238E27FC236}">
+                <a16:creationId xmlns:a16="http://schemas.microsoft.com/office/drawing/2014/main" id="{82F2812F-90AC-0248-8C79-22650C5D2B0C}"/>
+              </a:ext>
+            </a:extLst>
+          </p:cNvPr>
+          <p:cNvCxnSpPr>
+            <a:cxnSpLocks/>
+          </p:cNvCxnSpPr>
+          <p:nvPr/>
+        </p:nvCxnSpPr>
+        <p:spPr>
+          <a:xfrm>
+            <a:off x="4724705" y="3276295"/>
+            <a:ext cx="1221640" cy="694328"/>
+          </a:xfrm>
+          <a:prstGeom prst="straightConnector1">
+            <a:avLst/>
+          </a:prstGeom>
+          <a:ln>
+            <a:tailEnd type="triangle"/>
+          </a:ln>
+        </p:spPr>
+        <p:style>
+          <a:lnRef idx="1">
+            <a:schemeClr val="accent1"/>
+          </a:lnRef>
+          <a:fillRef idx="0">
+            <a:schemeClr val="accent1"/>
+          </a:fillRef>
+          <a:effectRef idx="0">
+            <a:schemeClr val="accent1"/>
+          </a:effectRef>
+          <a:fontRef idx="minor">
+            <a:schemeClr val="tx1"/>
+          </a:fontRef>
+        </p:style>
+      </p:cxnSp>
+      <p:sp>
+        <p:nvSpPr>
+          <p:cNvPr id="29" name="Rectangle 28">
+            <a:extLst>
+              <a:ext uri="{FF2B5EF4-FFF2-40B4-BE49-F238E27FC236}">
+                <a16:creationId xmlns:a16="http://schemas.microsoft.com/office/drawing/2014/main" id="{CBFF5192-4F77-9248-A79C-F983416BA884}"/>
+              </a:ext>
+            </a:extLst>
+          </p:cNvPr>
+          <p:cNvSpPr/>
+          <p:nvPr/>
+        </p:nvSpPr>
+        <p:spPr>
+          <a:xfrm>
+            <a:off x="3961180" y="5566870"/>
+            <a:ext cx="763525" cy="305410"/>
+          </a:xfrm>
+          <a:prstGeom prst="rect">
+            <a:avLst/>
+          </a:prstGeom>
+          <a:solidFill>
+            <a:srgbClr val="F2576D"/>
+          </a:solidFill>
+        </p:spPr>
+        <p:style>
+          <a:lnRef idx="2">
+            <a:schemeClr val="accent1">
+              <a:shade val="50000"/>
+            </a:schemeClr>
+          </a:lnRef>
+          <a:fillRef idx="1">
+            <a:schemeClr val="accent1"/>
+          </a:fillRef>
+          <a:effectRef idx="0">
+            <a:schemeClr val="accent1"/>
+          </a:effectRef>
+          <a:fontRef idx="minor">
+            <a:schemeClr val="lt1"/>
+          </a:fontRef>
+        </p:style>
+        <p:txBody>
+          <a:bodyPr rtlCol="0" anchor="ctr"/>
+          <a:lstStyle/>
+          <a:p>
+            <a:pPr algn="ctr"/>
+            <a:r>
+              <a:rPr lang="en-US" dirty="0"/>
+              <a:t>A1</a:t>
+            </a:r>
+          </a:p>
+        </p:txBody>
+      </p:sp>
+      <p:sp>
+        <p:nvSpPr>
+          <p:cNvPr id="30" name="Rectangle 29">
+            <a:extLst>
+              <a:ext uri="{FF2B5EF4-FFF2-40B4-BE49-F238E27FC236}">
+                <a16:creationId xmlns:a16="http://schemas.microsoft.com/office/drawing/2014/main" id="{B4C2D215-BD44-4D4A-AE13-D80C9AB3E269}"/>
+              </a:ext>
+            </a:extLst>
+          </p:cNvPr>
+          <p:cNvSpPr/>
+          <p:nvPr/>
+        </p:nvSpPr>
+        <p:spPr>
+          <a:xfrm>
+            <a:off x="4724706" y="5566777"/>
+            <a:ext cx="763525" cy="305410"/>
+          </a:xfrm>
+          <a:prstGeom prst="rect">
+            <a:avLst/>
+          </a:prstGeom>
+          <a:solidFill>
+            <a:srgbClr val="BE0260"/>
+          </a:solidFill>
+        </p:spPr>
+        <p:style>
+          <a:lnRef idx="2">
+            <a:schemeClr val="accent1">
+              <a:shade val="50000"/>
+            </a:schemeClr>
+          </a:lnRef>
+          <a:fillRef idx="1">
+            <a:schemeClr val="accent1"/>
+          </a:fillRef>
+          <a:effectRef idx="0">
+            <a:schemeClr val="accent1"/>
+          </a:effectRef>
+          <a:fontRef idx="minor">
+            <a:schemeClr val="lt1"/>
+          </a:fontRef>
+        </p:style>
+        <p:txBody>
+          <a:bodyPr rtlCol="0" anchor="ctr"/>
+          <a:lstStyle/>
+          <a:p>
+            <a:pPr algn="ctr"/>
+            <a:r>
+              <a:rPr lang="en-US" dirty="0"/>
+              <a:t>B2</a:t>
+            </a:r>
+          </a:p>
+        </p:txBody>
+      </p:sp>
+      <p:cxnSp>
+        <p:nvCxnSpPr>
+          <p:cNvPr id="34" name="Straight Connector 33">
+            <a:extLst>
+              <a:ext uri="{FF2B5EF4-FFF2-40B4-BE49-F238E27FC236}">
+                <a16:creationId xmlns:a16="http://schemas.microsoft.com/office/drawing/2014/main" id="{FD1C59AF-4F86-EA41-9889-3FF72AD5BED4}"/>
+              </a:ext>
+            </a:extLst>
+          </p:cNvPr>
+          <p:cNvCxnSpPr/>
+          <p:nvPr/>
+        </p:nvCxnSpPr>
+        <p:spPr>
+          <a:xfrm>
+            <a:off x="3197653" y="4352432"/>
+            <a:ext cx="0" cy="450913"/>
+          </a:xfrm>
+          <a:prstGeom prst="line">
+            <a:avLst/>
+          </a:prstGeom>
+        </p:spPr>
+        <p:style>
+          <a:lnRef idx="1">
+            <a:schemeClr val="accent1"/>
+          </a:lnRef>
+          <a:fillRef idx="0">
+            <a:schemeClr val="accent1"/>
+          </a:fillRef>
+          <a:effectRef idx="0">
+            <a:schemeClr val="accent1"/>
+          </a:effectRef>
+          <a:fontRef idx="minor">
+            <a:schemeClr val="tx1"/>
+          </a:fontRef>
+        </p:style>
+      </p:cxnSp>
+      <p:cxnSp>
+        <p:nvCxnSpPr>
+          <p:cNvPr id="36" name="Straight Connector 35">
+            <a:extLst>
+              <a:ext uri="{FF2B5EF4-FFF2-40B4-BE49-F238E27FC236}">
+                <a16:creationId xmlns:a16="http://schemas.microsoft.com/office/drawing/2014/main" id="{4602FEE3-4490-AF49-88D7-B9C6AD89153C}"/>
+              </a:ext>
+            </a:extLst>
+          </p:cNvPr>
+          <p:cNvCxnSpPr/>
+          <p:nvPr/>
+        </p:nvCxnSpPr>
+        <p:spPr>
+          <a:xfrm>
+            <a:off x="5946345" y="4345230"/>
+            <a:ext cx="0" cy="450913"/>
+          </a:xfrm>
+          <a:prstGeom prst="line">
+            <a:avLst/>
+          </a:prstGeom>
+        </p:spPr>
+        <p:style>
+          <a:lnRef idx="1">
+            <a:schemeClr val="accent1"/>
+          </a:lnRef>
+          <a:fillRef idx="0">
+            <a:schemeClr val="accent1"/>
+          </a:fillRef>
+          <a:effectRef idx="0">
+            <a:schemeClr val="accent1"/>
+          </a:effectRef>
+          <a:fontRef idx="minor">
+            <a:schemeClr val="tx1"/>
+          </a:fontRef>
+        </p:style>
+      </p:cxnSp>
+      <p:cxnSp>
+        <p:nvCxnSpPr>
+          <p:cNvPr id="38" name="Straight Connector 37">
+            <a:extLst>
+              <a:ext uri="{FF2B5EF4-FFF2-40B4-BE49-F238E27FC236}">
+                <a16:creationId xmlns:a16="http://schemas.microsoft.com/office/drawing/2014/main" id="{FE76B4D8-A541-1348-9690-B04FA92E7F83}"/>
+              </a:ext>
+            </a:extLst>
+          </p:cNvPr>
+          <p:cNvCxnSpPr/>
+          <p:nvPr/>
+        </p:nvCxnSpPr>
+        <p:spPr>
+          <a:xfrm flipH="1">
+            <a:off x="3197653" y="4803345"/>
+            <a:ext cx="2748692" cy="0"/>
+          </a:xfrm>
+          <a:prstGeom prst="line">
+            <a:avLst/>
+          </a:prstGeom>
+        </p:spPr>
+        <p:style>
+          <a:lnRef idx="1">
+            <a:schemeClr val="accent1"/>
+          </a:lnRef>
+          <a:fillRef idx="0">
+            <a:schemeClr val="accent1"/>
+          </a:fillRef>
+          <a:effectRef idx="0">
+            <a:schemeClr val="accent1"/>
+          </a:effectRef>
+          <a:fontRef idx="minor">
+            <a:schemeClr val="tx1"/>
+          </a:fontRef>
+        </p:style>
+      </p:cxnSp>
+      <p:cxnSp>
+        <p:nvCxnSpPr>
+          <p:cNvPr id="40" name="Straight Arrow Connector 39">
+            <a:extLst>
+              <a:ext uri="{FF2B5EF4-FFF2-40B4-BE49-F238E27FC236}">
+                <a16:creationId xmlns:a16="http://schemas.microsoft.com/office/drawing/2014/main" id="{BCA931AC-1620-A44B-819F-1516FCD4D163}"/>
+              </a:ext>
+            </a:extLst>
+          </p:cNvPr>
+          <p:cNvCxnSpPr/>
+          <p:nvPr/>
+        </p:nvCxnSpPr>
+        <p:spPr>
+          <a:xfrm>
+            <a:off x="4724705" y="4803345"/>
+            <a:ext cx="0" cy="610820"/>
+          </a:xfrm>
+          <a:prstGeom prst="straightConnector1">
+            <a:avLst/>
+          </a:prstGeom>
+          <a:ln>
+            <a:tailEnd type="triangle"/>
+          </a:ln>
+        </p:spPr>
+        <p:style>
+          <a:lnRef idx="1">
+            <a:schemeClr val="accent1"/>
+          </a:lnRef>
+          <a:fillRef idx="0">
+            <a:schemeClr val="accent1"/>
+          </a:fillRef>
+          <a:effectRef idx="0">
+            <a:schemeClr val="accent1"/>
+          </a:effectRef>
+          <a:fontRef idx="minor">
+            <a:schemeClr val="tx1"/>
+          </a:fontRef>
+        </p:style>
+      </p:cxnSp>
+      <p:sp>
+        <p:nvSpPr>
+          <p:cNvPr id="41" name="TextBox 40">
+            <a:extLst>
+              <a:ext uri="{FF2B5EF4-FFF2-40B4-BE49-F238E27FC236}">
+                <a16:creationId xmlns:a16="http://schemas.microsoft.com/office/drawing/2014/main" id="{719FFC88-BA77-CA40-8B23-575C5BBD03EB}"/>
+              </a:ext>
+            </a:extLst>
+          </p:cNvPr>
+          <p:cNvSpPr txBox="1"/>
+          <p:nvPr/>
+        </p:nvSpPr>
+        <p:spPr>
+          <a:xfrm>
+            <a:off x="4724705" y="5012733"/>
+            <a:ext cx="2527359" cy="369332"/>
+          </a:xfrm>
+          <a:prstGeom prst="rect">
+            <a:avLst/>
+          </a:prstGeom>
+          <a:noFill/>
+        </p:spPr>
+        <p:txBody>
+          <a:bodyPr wrap="none" rtlCol="0">
+            <a:spAutoFit/>
+          </a:bodyPr>
+          <a:lstStyle/>
+          <a:p>
+            <a:r>
+              <a:rPr lang="en-US" dirty="0"/>
+              <a:t>*Choose by lower fitness</a:t>
+            </a:r>
+          </a:p>
+        </p:txBody>
+      </p:sp>
+    </p:spTree>
+    <p:extLst>
+      <p:ext uri="{BB962C8B-B14F-4D97-AF65-F5344CB8AC3E}">
+        <p14:creationId xmlns:p14="http://schemas.microsoft.com/office/powerpoint/2010/main" val="3590064432"/>
+      </p:ext>
+    </p:extLst>
+  </p:cSld>
+  <p:clrMapOvr>
+    <a:masterClrMapping/>
+  </p:clrMapOvr>
+</p:sld>
+</file>
+
+<file path=ppt/slides/slide12.xml><?xml version="1.0" encoding="utf-8"?>
 <p:sld xmlns:a="http://schemas.openxmlformats.org/drawingml/2006/main" xmlns:r="http://schemas.openxmlformats.org/officeDocument/2006/relationships" xmlns:p="http://schemas.openxmlformats.org/presentationml/2006/main">
   <p:cSld>
     <p:spTree>
@@ -5993,7 +7841,7 @@
 </p:sld>
 </file>
 
-<file path=ppt/slides/slide11.xml><?xml version="1.0" encoding="utf-8"?>
+<file path=ppt/slides/slide13.xml><?xml version="1.0" encoding="utf-8"?>
 <p:sld xmlns:a="http://schemas.openxmlformats.org/drawingml/2006/main" xmlns:r="http://schemas.openxmlformats.org/officeDocument/2006/relationships" xmlns:p="http://schemas.openxmlformats.org/presentationml/2006/main">
   <p:cSld>
     <p:spTree>
@@ -7209,390 +9057,6 @@
 </p:sld>
 </file>
 
-<file path=ppt/slides/slide12.xml><?xml version="1.0" encoding="utf-8"?>
-<p:sld xmlns:a="http://schemas.openxmlformats.org/drawingml/2006/main" xmlns:r="http://schemas.openxmlformats.org/officeDocument/2006/relationships" xmlns:p="http://schemas.openxmlformats.org/presentationml/2006/main">
-  <p:cSld>
-    <p:spTree>
-      <p:nvGrpSpPr>
-        <p:cNvPr id="1" name=""/>
-        <p:cNvGrpSpPr/>
-        <p:nvPr/>
-      </p:nvGrpSpPr>
-      <p:grpSpPr>
-        <a:xfrm>
-          <a:off x="0" y="0"/>
-          <a:ext cx="0" cy="0"/>
-          <a:chOff x="0" y="0"/>
-          <a:chExt cx="0" cy="0"/>
-        </a:xfrm>
-      </p:grpSpPr>
-      <p:sp>
-        <p:nvSpPr>
-          <p:cNvPr id="2" name="Title 1"/>
-          <p:cNvSpPr>
-            <a:spLocks noGrp="1"/>
-          </p:cNvSpPr>
-          <p:nvPr>
-            <p:ph type="title"/>
-          </p:nvPr>
-        </p:nvSpPr>
-        <p:spPr>
-          <a:xfrm>
-            <a:off x="448965" y="374900"/>
-            <a:ext cx="8229600" cy="607625"/>
-          </a:xfrm>
-        </p:spPr>
-        <p:txBody>
-          <a:bodyPr>
-            <a:normAutofit fontScale="90000"/>
-          </a:bodyPr>
-          <a:lstStyle/>
-          <a:p>
-            <a:r>
-              <a:rPr lang="en-US" dirty="0"/>
-              <a:t>Fitness</a:t>
-            </a:r>
-          </a:p>
-        </p:txBody>
-      </p:sp>
-      <p:sp>
-        <p:nvSpPr>
-          <p:cNvPr id="7" name="Rectangle 1">
-            <a:extLst>
-              <a:ext uri="{FF2B5EF4-FFF2-40B4-BE49-F238E27FC236}">
-                <a16:creationId xmlns:a16="http://schemas.microsoft.com/office/drawing/2014/main" id="{CACE5373-4066-BC4E-BE2A-E7ED77B29282}"/>
-              </a:ext>
-            </a:extLst>
-          </p:cNvPr>
-          <p:cNvSpPr>
-            <a:spLocks noChangeArrowheads="1"/>
-          </p:cNvSpPr>
-          <p:nvPr/>
-        </p:nvSpPr>
-        <p:spPr bwMode="auto">
-          <a:xfrm flipV="1">
-            <a:off x="192189" y="5948422"/>
-            <a:ext cx="18742970" cy="646331"/>
-          </a:xfrm>
-          <a:prstGeom prst="rect">
-            <a:avLst/>
-          </a:prstGeom>
-          <a:noFill/>
-          <a:ln>
-            <a:noFill/>
-          </a:ln>
-          <a:effectLst/>
-          <a:extLst>
-            <a:ext uri="{909E8E84-426E-40DD-AFC4-6F175D3DCCD1}">
-              <a14:hiddenFill xmlns:a14="http://schemas.microsoft.com/office/drawing/2010/main">
-                <a:solidFill>
-                  <a:schemeClr val="accent1"/>
-                </a:solidFill>
-              </a14:hiddenFill>
-            </a:ext>
-            <a:ext uri="{91240B29-F687-4F45-9708-019B960494DF}">
-              <a14:hiddenLine xmlns:a14="http://schemas.microsoft.com/office/drawing/2010/main" w="9525">
-                <a:solidFill>
-                  <a:schemeClr val="tx1"/>
-                </a:solidFill>
-                <a:miter lim="800000"/>
-                <a:headEnd/>
-                <a:tailEnd/>
-              </a14:hiddenLine>
-            </a:ext>
-            <a:ext uri="{AF507438-7753-43E0-B8FC-AC1667EBCBE1}">
-              <a14:hiddenEffects xmlns:a14="http://schemas.microsoft.com/office/drawing/2010/main">
-                <a:effectLst>
-                  <a:outerShdw dist="35921" dir="2700000" algn="ctr" rotWithShape="0">
-                    <a:schemeClr val="bg2"/>
-                  </a:outerShdw>
-                </a:effectLst>
-              </a14:hiddenEffects>
-            </a:ext>
-          </a:extLst>
-        </p:spPr>
-        <p:txBody>
-          <a:bodyPr vert="horz" wrap="square" lIns="91440" tIns="45720" rIns="91440" bIns="45720" numCol="1" anchor="ctr" anchorCtr="0" compatLnSpc="1">
-            <a:prstTxWarp prst="textNoShape">
-              <a:avLst/>
-            </a:prstTxWarp>
-            <a:spAutoFit/>
-          </a:bodyPr>
-          <a:lstStyle/>
-          <a:p>
-            <a:pPr marL="0" marR="0" lvl="0" indent="0" algn="l" defTabSz="914400" rtl="0" eaLnBrk="0" fontAlgn="base" latinLnBrk="0" hangingPunct="0">
-              <a:lnSpc>
-                <a:spcPct val="100000"/>
-              </a:lnSpc>
-              <a:spcBef>
-                <a:spcPct val="0"/>
-              </a:spcBef>
-              <a:spcAft>
-                <a:spcPct val="0"/>
-              </a:spcAft>
-              <a:buClrTx/>
-              <a:buSzTx/>
-              <a:buFontTx/>
-              <a:buNone/>
-              <a:tabLst/>
-            </a:pPr>
-            <a:br>
-              <a:rPr kumimoji="0" lang="en-US" altLang="en-US" sz="1800" b="0" i="0" u="none" strike="noStrike" cap="none" normalizeH="0" baseline="0">
-                <a:ln>
-                  <a:noFill/>
-                </a:ln>
-                <a:solidFill>
-                  <a:schemeClr val="tx1"/>
-                </a:solidFill>
-                <a:effectLst/>
-                <a:latin typeface="Arial" panose="020B0604020202020204" pitchFamily="34" charset="0"/>
-              </a:rPr>
-            </a:br>
-            <a:endParaRPr kumimoji="0" lang="en-US" altLang="en-US" sz="1800" b="0" i="0" u="none" strike="noStrike" cap="none" normalizeH="0" baseline="0">
-              <a:ln>
-                <a:noFill/>
-              </a:ln>
-              <a:solidFill>
-                <a:schemeClr val="tx1"/>
-              </a:solidFill>
-              <a:effectLst/>
-              <a:latin typeface="Arial" panose="020B0604020202020204" pitchFamily="34" charset="0"/>
-            </a:endParaRPr>
-          </a:p>
-        </p:txBody>
-      </p:sp>
-      <p:pic>
-        <p:nvPicPr>
-          <p:cNvPr id="10" name="Picture 9">
-            <a:extLst>
-              <a:ext uri="{FF2B5EF4-FFF2-40B4-BE49-F238E27FC236}">
-                <a16:creationId xmlns:a16="http://schemas.microsoft.com/office/drawing/2014/main" id="{99522F20-5CC3-C748-A016-77610F6CEEEE}"/>
-              </a:ext>
-            </a:extLst>
-          </p:cNvPr>
-          <p:cNvPicPr>
-            <a:picLocks noChangeAspect="1"/>
-          </p:cNvPicPr>
-          <p:nvPr/>
-        </p:nvPicPr>
-        <p:blipFill>
-          <a:blip r:embed="rId3"/>
-          <a:stretch>
-            <a:fillRect/>
-          </a:stretch>
-        </p:blipFill>
-        <p:spPr>
-          <a:xfrm>
-            <a:off x="5030115" y="2279590"/>
-            <a:ext cx="3648450" cy="3668832"/>
-          </a:xfrm>
-          <a:prstGeom prst="rect">
-            <a:avLst/>
-          </a:prstGeom>
-        </p:spPr>
-      </p:pic>
-      <p:sp>
-        <p:nvSpPr>
-          <p:cNvPr id="11" name="TextBox 10">
-            <a:extLst>
-              <a:ext uri="{FF2B5EF4-FFF2-40B4-BE49-F238E27FC236}">
-                <a16:creationId xmlns:a16="http://schemas.microsoft.com/office/drawing/2014/main" id="{4CAAF752-A288-EC44-BF7A-9D1BB437616A}"/>
-              </a:ext>
-            </a:extLst>
-          </p:cNvPr>
-          <p:cNvSpPr txBox="1"/>
-          <p:nvPr/>
-        </p:nvSpPr>
-        <p:spPr>
-          <a:xfrm>
-            <a:off x="448965" y="2279590"/>
-            <a:ext cx="4428445" cy="1477328"/>
-          </a:xfrm>
-          <a:prstGeom prst="rect">
-            <a:avLst/>
-          </a:prstGeom>
-          <a:noFill/>
-        </p:spPr>
-        <p:txBody>
-          <a:bodyPr wrap="square" rtlCol="0">
-            <a:spAutoFit/>
-          </a:bodyPr>
-          <a:lstStyle/>
-          <a:p>
-            <a:pPr marL="285750" indent="-285750">
-              <a:buFont typeface="Arial" panose="020B0604020202020204" pitchFamily="34" charset="0"/>
-              <a:buChar char="•"/>
-            </a:pPr>
-            <a:r>
-              <a:rPr lang="en-US" dirty="0"/>
-              <a:t>Fitness = number of cells which are not illuminated</a:t>
-            </a:r>
-            <a:r>
-              <a:rPr lang="he-IL" dirty="0"/>
-              <a:t> </a:t>
-            </a:r>
-            <a:r>
-              <a:rPr lang="en-US" dirty="0"/>
-              <a:t> + number of intersections + missing lights </a:t>
-            </a:r>
-          </a:p>
-          <a:p>
-            <a:pPr marL="285750" indent="-285750">
-              <a:buFont typeface="Arial" panose="020B0604020202020204" pitchFamily="34" charset="0"/>
-              <a:buChar char="•"/>
-            </a:pPr>
-            <a:r>
-              <a:rPr lang="en-US" dirty="0"/>
-              <a:t>Optimal Fitness = 0</a:t>
-            </a:r>
-          </a:p>
-          <a:p>
-            <a:endParaRPr lang="en-US" dirty="0"/>
-          </a:p>
-        </p:txBody>
-      </p:sp>
-    </p:spTree>
-    <p:extLst>
-      <p:ext uri="{BB962C8B-B14F-4D97-AF65-F5344CB8AC3E}">
-        <p14:creationId xmlns:p14="http://schemas.microsoft.com/office/powerpoint/2010/main" val="2182323868"/>
-      </p:ext>
-    </p:extLst>
-  </p:cSld>
-  <p:clrMapOvr>
-    <a:masterClrMapping/>
-  </p:clrMapOvr>
-</p:sld>
-</file>
-
-<file path=ppt/slides/slide13.xml><?xml version="1.0" encoding="utf-8"?>
-<p:sld xmlns:a="http://schemas.openxmlformats.org/drawingml/2006/main" xmlns:r="http://schemas.openxmlformats.org/officeDocument/2006/relationships" xmlns:p="http://schemas.openxmlformats.org/presentationml/2006/main">
-  <p:cSld>
-    <p:spTree>
-      <p:nvGrpSpPr>
-        <p:cNvPr id="1" name=""/>
-        <p:cNvGrpSpPr/>
-        <p:nvPr/>
-      </p:nvGrpSpPr>
-      <p:grpSpPr>
-        <a:xfrm>
-          <a:off x="0" y="0"/>
-          <a:ext cx="0" cy="0"/>
-          <a:chOff x="0" y="0"/>
-          <a:chExt cx="0" cy="0"/>
-        </a:xfrm>
-      </p:grpSpPr>
-      <p:sp>
-        <p:nvSpPr>
-          <p:cNvPr id="4" name="Title 3"/>
-          <p:cNvSpPr>
-            <a:spLocks noGrp="1"/>
-          </p:cNvSpPr>
-          <p:nvPr>
-            <p:ph type="title"/>
-          </p:nvPr>
-        </p:nvSpPr>
-        <p:spPr>
-          <a:xfrm>
-            <a:off x="448965" y="374900"/>
-            <a:ext cx="7016195" cy="610820"/>
-          </a:xfrm>
-        </p:spPr>
-        <p:txBody>
-          <a:bodyPr>
-            <a:normAutofit fontScale="90000"/>
-          </a:bodyPr>
-          <a:lstStyle/>
-          <a:p>
-            <a:pPr algn="l"/>
-            <a:r>
-              <a:rPr lang="en-US" dirty="0">
-                <a:solidFill>
-                  <a:schemeClr val="bg1"/>
-                </a:solidFill>
-              </a:rPr>
-              <a:t>Selection</a:t>
-            </a:r>
-          </a:p>
-        </p:txBody>
-      </p:sp>
-      <p:sp>
-        <p:nvSpPr>
-          <p:cNvPr id="2" name="TextBox 1">
-            <a:extLst>
-              <a:ext uri="{FF2B5EF4-FFF2-40B4-BE49-F238E27FC236}">
-                <a16:creationId xmlns:a16="http://schemas.microsoft.com/office/drawing/2014/main" id="{4E8F7BB5-7579-0644-9EB4-81B3EAEDB4FC}"/>
-              </a:ext>
-            </a:extLst>
-          </p:cNvPr>
-          <p:cNvSpPr txBox="1"/>
-          <p:nvPr/>
-        </p:nvSpPr>
-        <p:spPr>
-          <a:xfrm>
-            <a:off x="296260" y="1901950"/>
-            <a:ext cx="8398775" cy="2862322"/>
-          </a:xfrm>
-          <a:prstGeom prst="rect">
-            <a:avLst/>
-          </a:prstGeom>
-          <a:noFill/>
-        </p:spPr>
-        <p:txBody>
-          <a:bodyPr wrap="square" rtlCol="0">
-            <a:spAutoFit/>
-          </a:bodyPr>
-          <a:lstStyle/>
-          <a:p>
-            <a:r>
-              <a:rPr lang="en-US" dirty="0"/>
-              <a:t>Survivor Selection – Elitism, The best 20% of the generation gets to live another day and continue to the next generation.</a:t>
-            </a:r>
-          </a:p>
-          <a:p>
-            <a:endParaRPr lang="he-IL" dirty="0"/>
-          </a:p>
-          <a:p>
-            <a:r>
-              <a:rPr lang="en-US" dirty="0"/>
-              <a:t>Parent Selection – we use the best 20% of the generation for crossovers to create the new individuals (80% of the generation).</a:t>
-            </a:r>
-          </a:p>
-          <a:p>
-            <a:endParaRPr lang="en-US" dirty="0"/>
-          </a:p>
-          <a:p>
-            <a:r>
-              <a:rPr lang="en-US" dirty="0"/>
-              <a:t>Opt1: Choosing 2 completely random individuals (after disposing 80% of the gen).</a:t>
-            </a:r>
-          </a:p>
-          <a:p>
-            <a:endParaRPr lang="en-US" dirty="0"/>
-          </a:p>
-          <a:p>
-            <a:r>
-              <a:rPr lang="en-US" dirty="0"/>
-              <a:t>Opt2: Choosing 5 random individuals and select the best 2 for crossover.</a:t>
-            </a:r>
-          </a:p>
-          <a:p>
-            <a:endParaRPr lang="en-US" dirty="0"/>
-          </a:p>
-        </p:txBody>
-      </p:sp>
-    </p:spTree>
-    <p:extLst>
-      <p:ext uri="{BB962C8B-B14F-4D97-AF65-F5344CB8AC3E}">
-        <p14:creationId xmlns:p14="http://schemas.microsoft.com/office/powerpoint/2010/main" val="1316571704"/>
-      </p:ext>
-    </p:extLst>
-  </p:cSld>
-  <p:clrMapOvr>
-    <a:masterClrMapping/>
-  </p:clrMapOvr>
-</p:sld>
-</file>
-
 <file path=ppt/slides/slide14.xml><?xml version="1.0" encoding="utf-8"?>
 <p:sld xmlns:a="http://schemas.openxmlformats.org/drawingml/2006/main" xmlns:r="http://schemas.openxmlformats.org/officeDocument/2006/relationships" xmlns:p="http://schemas.openxmlformats.org/presentationml/2006/main">
   <p:cSld>
@@ -7634,18 +9098,13 @@
           <a:p>
             <a:pPr algn="l"/>
             <a:r>
-              <a:rPr lang="he-IL" dirty="0">
+              <a:rPr lang="en-US" dirty="0">
                 <a:solidFill>
                   <a:schemeClr val="bg1"/>
                 </a:solidFill>
               </a:rPr>
-              <a:t>Lights Up Board Parser</a:t>
-            </a:r>
-            <a:endParaRPr lang="en-US" dirty="0">
-              <a:solidFill>
-                <a:schemeClr val="bg1"/>
-              </a:solidFill>
-            </a:endParaRPr>
+              <a:t>Selection</a:t>
+            </a:r>
           </a:p>
         </p:txBody>
       </p:sp>
@@ -7654,7 +9113,7 @@
           <p:cNvPr id="2" name="TextBox 1">
             <a:extLst>
               <a:ext uri="{FF2B5EF4-FFF2-40B4-BE49-F238E27FC236}">
-                <a16:creationId xmlns:a16="http://schemas.microsoft.com/office/drawing/2014/main" id="{4E192D78-C4B1-5C43-AA50-3A1B23804946}"/>
+                <a16:creationId xmlns:a16="http://schemas.microsoft.com/office/drawing/2014/main" id="{4E8F7BB5-7579-0644-9EB4-81B3EAEDB4FC}"/>
               </a:ext>
             </a:extLst>
           </p:cNvPr>
@@ -7663,8 +9122,8 @@
         </p:nvSpPr>
         <p:spPr>
           <a:xfrm>
-            <a:off x="296261" y="1901950"/>
-            <a:ext cx="8551480" cy="3108543"/>
+            <a:off x="296260" y="1901950"/>
+            <a:ext cx="8398775" cy="2862322"/>
           </a:xfrm>
           <a:prstGeom prst="rect">
             <a:avLst/>
@@ -7678,59 +9137,46 @@
           <a:lstStyle/>
           <a:p>
             <a:r>
-              <a:rPr lang="en-US" sz="2800" dirty="0"/>
-              <a:t>Built a parser to download and store boards from:</a:t>
-            </a:r>
-          </a:p>
-          <a:p>
-            <a:r>
-              <a:rPr lang="en-US" sz="2800" dirty="0"/>
-              <a:t> </a:t>
-            </a:r>
-            <a:r>
-              <a:rPr lang="en-US" sz="2800" dirty="0">
-                <a:hlinkClick r:id="rId3"/>
-              </a:rPr>
-              <a:t>https://www.puzzle-light-up.com</a:t>
-            </a:r>
-            <a:endParaRPr lang="en-US" sz="2800" dirty="0"/>
-          </a:p>
-          <a:p>
-            <a:endParaRPr lang="en-US" sz="2800" dirty="0"/>
-          </a:p>
-          <a:p>
-            <a:pPr marL="285750" indent="-285750">
-              <a:buFont typeface="Arial" panose="020B0604020202020204" pitchFamily="34" charset="0"/>
-              <a:buChar char="•"/>
-            </a:pPr>
-            <a:r>
-              <a:rPr lang="en-US" sz="2800" dirty="0"/>
-              <a:t>Contains a variety of boards in different sizes of 7x7, 10x10, 14x14 and 25x25.</a:t>
-            </a:r>
-          </a:p>
-          <a:p>
-            <a:pPr marL="285750" indent="-285750">
-              <a:buFont typeface="Arial" panose="020B0604020202020204" pitchFamily="34" charset="0"/>
-              <a:buChar char="•"/>
-            </a:pPr>
-            <a:endParaRPr lang="en-US" sz="2800" dirty="0"/>
-          </a:p>
-          <a:p>
-            <a:pPr marL="285750" indent="-285750">
-              <a:buFont typeface="Arial" panose="020B0604020202020204" pitchFamily="34" charset="0"/>
-              <a:buChar char="•"/>
-            </a:pPr>
-            <a:r>
-              <a:rPr lang="en-US" sz="2800" dirty="0"/>
-              <a:t>Several difficulty levels from easy to hard.</a:t>
-            </a:r>
+              <a:rPr lang="en-US" dirty="0"/>
+              <a:t>Survivor Selection – Elitism, The best 20% of the generation gets to live another day and continue to the next generation.</a:t>
+            </a:r>
+          </a:p>
+          <a:p>
+            <a:endParaRPr lang="he-IL" dirty="0"/>
+          </a:p>
+          <a:p>
+            <a:r>
+              <a:rPr lang="en-US" dirty="0"/>
+              <a:t>Parent Selection – we use the best 20% of the generation for crossovers to create the new individuals (80% of the generation).</a:t>
+            </a:r>
+          </a:p>
+          <a:p>
+            <a:endParaRPr lang="en-US" dirty="0"/>
+          </a:p>
+          <a:p>
+            <a:r>
+              <a:rPr lang="en-US" dirty="0"/>
+              <a:t>Opt1: Choosing 2 completely random individuals (after disposing 80% of the gen).</a:t>
+            </a:r>
+          </a:p>
+          <a:p>
+            <a:endParaRPr lang="en-US" dirty="0"/>
+          </a:p>
+          <a:p>
+            <a:r>
+              <a:rPr lang="en-US" dirty="0"/>
+              <a:t>Opt2: Choosing 5 random individuals and select the best 2 for crossover.</a:t>
+            </a:r>
+          </a:p>
+          <a:p>
+            <a:endParaRPr lang="en-US" dirty="0"/>
           </a:p>
         </p:txBody>
       </p:sp>
     </p:spTree>
     <p:extLst>
       <p:ext uri="{BB962C8B-B14F-4D97-AF65-F5344CB8AC3E}">
-        <p14:creationId xmlns:p14="http://schemas.microsoft.com/office/powerpoint/2010/main" val="1664302183"/>
+        <p14:creationId xmlns:p14="http://schemas.microsoft.com/office/powerpoint/2010/main" val="1316571704"/>
       </p:ext>
     </p:extLst>
   </p:cSld>
@@ -7786,17 +9232,53 @@
                   <a:schemeClr val="bg1"/>
                 </a:solidFill>
               </a:rPr>
-              <a:t>Experiment Parameters</a:t>
-            </a:r>
-          </a:p>
-        </p:txBody>
-      </p:sp>
+              <a:t>Initial Results – 7x7</a:t>
+            </a:r>
+          </a:p>
+        </p:txBody>
+      </p:sp>
+      <p:pic>
+        <p:nvPicPr>
+          <p:cNvPr id="3" name="Picture 2">
+            <a:extLst>
+              <a:ext uri="{FF2B5EF4-FFF2-40B4-BE49-F238E27FC236}">
+                <a16:creationId xmlns:a16="http://schemas.microsoft.com/office/drawing/2014/main" id="{9F394E43-7119-9C43-AD83-B18917020522}"/>
+              </a:ext>
+            </a:extLst>
+          </p:cNvPr>
+          <p:cNvPicPr>
+            <a:picLocks noChangeAspect="1"/>
+          </p:cNvPicPr>
+          <p:nvPr/>
+        </p:nvPicPr>
+        <p:blipFill>
+          <a:blip r:embed="rId3">
+            <a:extLst>
+              <a:ext uri="{28A0092B-C50C-407E-A947-70E740481C1C}">
+                <a14:useLocalDpi xmlns:a14="http://schemas.microsoft.com/office/drawing/2010/main" val="0"/>
+              </a:ext>
+            </a:extLst>
+          </a:blip>
+          <a:stretch>
+            <a:fillRect/>
+          </a:stretch>
+        </p:blipFill>
+        <p:spPr>
+          <a:xfrm>
+            <a:off x="3804357" y="2054655"/>
+            <a:ext cx="5278474" cy="3970330"/>
+          </a:xfrm>
+          <a:prstGeom prst="rect">
+            <a:avLst/>
+          </a:prstGeom>
+        </p:spPr>
+      </p:pic>
       <p:graphicFrame>
         <p:nvGraphicFramePr>
-          <p:cNvPr id="2" name="Table 1">
+          <p:cNvPr id="5" name="Table 4">
             <a:extLst>
               <a:ext uri="{FF2B5EF4-FFF2-40B4-BE49-F238E27FC236}">
-                <a16:creationId xmlns:a16="http://schemas.microsoft.com/office/drawing/2014/main" id="{86EC6377-B1ED-E148-8E47-8DEB9090C413}"/>
+                <a16:creationId xmlns:a16="http://schemas.microsoft.com/office/drawing/2014/main" id="{E64C5A4E-DDAE-EA40-8145-803E778A19D9}"/>
               </a:ext>
             </a:extLst>
           </p:cNvPr>
@@ -7806,14 +9288,14 @@
           <p:nvPr>
             <p:extLst>
               <p:ext uri="{D42A27DB-BD31-4B8C-83A1-F6EECF244321}">
-                <p14:modId xmlns:p14="http://schemas.microsoft.com/office/powerpoint/2010/main" val="3917721045"/>
+                <p14:modId xmlns:p14="http://schemas.microsoft.com/office/powerpoint/2010/main" val="396466711"/>
               </p:ext>
             </p:extLst>
           </p:nvPr>
         </p:nvGraphicFramePr>
         <p:xfrm>
-          <a:off x="754375" y="2054656"/>
-          <a:ext cx="7482546" cy="4295649"/>
+          <a:off x="0" y="1648908"/>
+          <a:ext cx="3961180" cy="5209094"/>
         </p:xfrm>
         <a:graphic>
           <a:graphicData uri="http://schemas.openxmlformats.org/drawingml/2006/table">
@@ -7822,14 +9304,14 @@
                 <a:tableStyleId>{21E4AEA4-8DFA-4A89-87EB-49C32662AFE0}</a:tableStyleId>
               </a:tblPr>
               <a:tblGrid>
-                <a:gridCol w="3741273">
+                <a:gridCol w="1980590">
                   <a:extLst>
                     <a:ext uri="{9D8B030D-6E8A-4147-A177-3AD203B41FA5}">
                       <a16:colId xmlns:a16="http://schemas.microsoft.com/office/drawing/2014/main" val="3691351954"/>
                     </a:ext>
                   </a:extLst>
                 </a:gridCol>
-                <a:gridCol w="3741273">
+                <a:gridCol w="1980590">
                   <a:extLst>
                     <a:ext uri="{9D8B030D-6E8A-4147-A177-3AD203B41FA5}">
                       <a16:colId xmlns:a16="http://schemas.microsoft.com/office/drawing/2014/main" val="1813416962"/>
@@ -7837,7 +9319,7 @@
                   </a:extLst>
                 </a:gridCol>
               </a:tblGrid>
-              <a:tr h="471473">
+              <a:tr h="513600">
                 <a:tc>
                   <a:txBody>
                     <a:bodyPr/>
@@ -7872,7 +9354,7 @@
                   </a:ext>
                 </a:extLst>
               </a:tr>
-              <a:tr h="478022">
+              <a:tr h="520735">
                 <a:tc>
                   <a:txBody>
                     <a:bodyPr/>
@@ -7907,7 +9389,7 @@
                   </a:ext>
                 </a:extLst>
               </a:tr>
-              <a:tr h="478022">
+              <a:tr h="520735">
                 <a:tc>
                   <a:txBody>
                     <a:bodyPr/>
@@ -7942,7 +9424,7 @@
                   </a:ext>
                 </a:extLst>
               </a:tr>
-              <a:tr h="478022">
+              <a:tr h="697273">
                 <a:tc>
                   <a:txBody>
                     <a:bodyPr/>
@@ -7977,7 +9459,7 @@
                   </a:ext>
                 </a:extLst>
               </a:tr>
-              <a:tr h="478022">
+              <a:tr h="520735">
                 <a:tc>
                   <a:txBody>
                     <a:bodyPr/>
@@ -8012,7 +9494,7 @@
                   </a:ext>
                 </a:extLst>
               </a:tr>
-              <a:tr h="478022">
+              <a:tr h="697273">
                 <a:tc>
                   <a:txBody>
                     <a:bodyPr/>
@@ -8047,7 +9529,7 @@
                   </a:ext>
                 </a:extLst>
               </a:tr>
-              <a:tr h="478022">
+              <a:tr h="697273">
                 <a:tc>
                   <a:txBody>
                     <a:bodyPr/>
@@ -8098,7 +9580,7 @@
                   </a:ext>
                 </a:extLst>
               </a:tr>
-              <a:tr h="478022">
+              <a:tr h="520735">
                 <a:tc>
                   <a:txBody>
                     <a:bodyPr/>
@@ -8133,7 +9615,7 @@
                   </a:ext>
                 </a:extLst>
               </a:tr>
-              <a:tr h="478022">
+              <a:tr h="520735">
                 <a:tc>
                   <a:txBody>
                     <a:bodyPr/>
@@ -8175,7 +9657,7 @@
     </p:spTree>
     <p:extLst>
       <p:ext uri="{BB962C8B-B14F-4D97-AF65-F5344CB8AC3E}">
-        <p14:creationId xmlns:p14="http://schemas.microsoft.com/office/powerpoint/2010/main" val="1396967419"/>
+        <p14:creationId xmlns:p14="http://schemas.microsoft.com/office/powerpoint/2010/main" val="936480082"/>
       </p:ext>
     </p:extLst>
   </p:cSld>
@@ -8231,7 +9713,7 @@
                   <a:schemeClr val="bg1"/>
                 </a:solidFill>
               </a:rPr>
-              <a:t>Initial Results</a:t>
+              <a:t>Initial Results – 14x14</a:t>
             </a:r>
           </a:p>
         </p:txBody>
@@ -8241,7 +9723,7 @@
           <p:cNvPr id="3" name="Picture 2">
             <a:extLst>
               <a:ext uri="{FF2B5EF4-FFF2-40B4-BE49-F238E27FC236}">
-                <a16:creationId xmlns:a16="http://schemas.microsoft.com/office/drawing/2014/main" id="{9F394E43-7119-9C43-AD83-B18917020522}"/>
+                <a16:creationId xmlns:a16="http://schemas.microsoft.com/office/drawing/2014/main" id="{C606D2C5-F1A4-484A-8122-2D125C3A3AA7}"/>
               </a:ext>
             </a:extLst>
           </p:cNvPr>
@@ -8264,84 +9746,20 @@
         </p:blipFill>
         <p:spPr>
           <a:xfrm>
-            <a:off x="1165120" y="2054655"/>
-            <a:ext cx="5278474" cy="3970330"/>
+            <a:off x="4232190" y="2207360"/>
+            <a:ext cx="4911810" cy="3694535"/>
           </a:xfrm>
           <a:prstGeom prst="rect">
             <a:avLst/>
           </a:prstGeom>
         </p:spPr>
       </p:pic>
-    </p:spTree>
-    <p:extLst>
-      <p:ext uri="{BB962C8B-B14F-4D97-AF65-F5344CB8AC3E}">
-        <p14:creationId xmlns:p14="http://schemas.microsoft.com/office/powerpoint/2010/main" val="936480082"/>
-      </p:ext>
-    </p:extLst>
-  </p:cSld>
-  <p:clrMapOvr>
-    <a:masterClrMapping/>
-  </p:clrMapOvr>
-</p:sld>
-</file>
-
-<file path=ppt/slides/slide17.xml><?xml version="1.0" encoding="utf-8"?>
-<p:sld xmlns:a="http://schemas.openxmlformats.org/drawingml/2006/main" xmlns:r="http://schemas.openxmlformats.org/officeDocument/2006/relationships" xmlns:p="http://schemas.openxmlformats.org/presentationml/2006/main">
-  <p:cSld>
-    <p:spTree>
-      <p:nvGrpSpPr>
-        <p:cNvPr id="1" name=""/>
-        <p:cNvGrpSpPr/>
-        <p:nvPr/>
-      </p:nvGrpSpPr>
-      <p:grpSpPr>
-        <a:xfrm>
-          <a:off x="0" y="0"/>
-          <a:ext cx="0" cy="0"/>
-          <a:chOff x="0" y="0"/>
-          <a:chExt cx="0" cy="0"/>
-        </a:xfrm>
-      </p:grpSpPr>
-      <p:sp>
-        <p:nvSpPr>
-          <p:cNvPr id="4" name="Title 3"/>
-          <p:cNvSpPr>
-            <a:spLocks noGrp="1"/>
-          </p:cNvSpPr>
-          <p:nvPr>
-            <p:ph type="title"/>
-          </p:nvPr>
-        </p:nvSpPr>
-        <p:spPr>
-          <a:xfrm>
-            <a:off x="296260" y="374900"/>
-            <a:ext cx="7016195" cy="610820"/>
-          </a:xfrm>
-        </p:spPr>
-        <p:txBody>
-          <a:bodyPr>
-            <a:normAutofit fontScale="90000"/>
-          </a:bodyPr>
-          <a:lstStyle/>
-          <a:p>
-            <a:pPr algn="l"/>
-            <a:r>
-              <a:rPr lang="en-US" dirty="0">
-                <a:solidFill>
-                  <a:schemeClr val="bg1"/>
-                </a:solidFill>
-              </a:rPr>
-              <a:t>Experiment Parameters</a:t>
-            </a:r>
-          </a:p>
-        </p:txBody>
-      </p:sp>
       <p:graphicFrame>
         <p:nvGraphicFramePr>
-          <p:cNvPr id="2" name="Table 1">
+          <p:cNvPr id="5" name="Table 4">
             <a:extLst>
               <a:ext uri="{FF2B5EF4-FFF2-40B4-BE49-F238E27FC236}">
-                <a16:creationId xmlns:a16="http://schemas.microsoft.com/office/drawing/2014/main" id="{86EC6377-B1ED-E148-8E47-8DEB9090C413}"/>
+                <a16:creationId xmlns:a16="http://schemas.microsoft.com/office/drawing/2014/main" id="{A9A5CCC3-5FD5-AA4C-9304-A2CF860787BB}"/>
               </a:ext>
             </a:extLst>
           </p:cNvPr>
@@ -8351,14 +9769,14 @@
           <p:nvPr>
             <p:extLst>
               <p:ext uri="{D42A27DB-BD31-4B8C-83A1-F6EECF244321}">
-                <p14:modId xmlns:p14="http://schemas.microsoft.com/office/powerpoint/2010/main" val="3598532739"/>
+                <p14:modId xmlns:p14="http://schemas.microsoft.com/office/powerpoint/2010/main" val="3664835521"/>
               </p:ext>
             </p:extLst>
           </p:nvPr>
         </p:nvGraphicFramePr>
         <p:xfrm>
-          <a:off x="754375" y="2054656"/>
-          <a:ext cx="7482546" cy="4295649"/>
+          <a:off x="0" y="1606247"/>
+          <a:ext cx="4232190" cy="5258469"/>
         </p:xfrm>
         <a:graphic>
           <a:graphicData uri="http://schemas.openxmlformats.org/drawingml/2006/table">
@@ -8367,14 +9785,14 @@
                 <a:tableStyleId>{21E4AEA4-8DFA-4A89-87EB-49C32662AFE0}</a:tableStyleId>
               </a:tblPr>
               <a:tblGrid>
-                <a:gridCol w="3741273">
+                <a:gridCol w="2116095">
                   <a:extLst>
                     <a:ext uri="{9D8B030D-6E8A-4147-A177-3AD203B41FA5}">
                       <a16:colId xmlns:a16="http://schemas.microsoft.com/office/drawing/2014/main" val="3691351954"/>
                     </a:ext>
                   </a:extLst>
                 </a:gridCol>
-                <a:gridCol w="3741273">
+                <a:gridCol w="2116095">
                   <a:extLst>
                     <a:ext uri="{9D8B030D-6E8A-4147-A177-3AD203B41FA5}">
                       <a16:colId xmlns:a16="http://schemas.microsoft.com/office/drawing/2014/main" val="1813416962"/>
@@ -8382,7 +9800,7 @@
                   </a:extLst>
                 </a:gridCol>
               </a:tblGrid>
-              <a:tr h="471473">
+              <a:tr h="570366">
                 <a:tc>
                   <a:txBody>
                     <a:bodyPr/>
@@ -8417,7 +9835,7 @@
                   </a:ext>
                 </a:extLst>
               </a:tr>
-              <a:tr h="478022">
+              <a:tr h="578289">
                 <a:tc>
                   <a:txBody>
                     <a:bodyPr/>
@@ -8452,7 +9870,7 @@
                   </a:ext>
                 </a:extLst>
               </a:tr>
-              <a:tr h="478022">
+              <a:tr h="578289">
                 <a:tc>
                   <a:txBody>
                     <a:bodyPr/>
@@ -8487,7 +9905,7 @@
                   </a:ext>
                 </a:extLst>
               </a:tr>
-              <a:tr h="478022">
+              <a:tr h="578289">
                 <a:tc>
                   <a:txBody>
                     <a:bodyPr/>
@@ -8522,7 +9940,7 @@
                   </a:ext>
                 </a:extLst>
               </a:tr>
-              <a:tr h="478022">
+              <a:tr h="578289">
                 <a:tc>
                   <a:txBody>
                     <a:bodyPr/>
@@ -8557,7 +9975,7 @@
                   </a:ext>
                 </a:extLst>
               </a:tr>
-              <a:tr h="478022">
+              <a:tr h="633367">
                 <a:tc>
                   <a:txBody>
                     <a:bodyPr/>
@@ -8592,7 +10010,7 @@
                   </a:ext>
                 </a:extLst>
               </a:tr>
-              <a:tr h="478022">
+              <a:tr h="578289">
                 <a:tc>
                   <a:txBody>
                     <a:bodyPr/>
@@ -8643,7 +10061,7 @@
                   </a:ext>
                 </a:extLst>
               </a:tr>
-              <a:tr h="478022">
+              <a:tr h="578289">
                 <a:tc>
                   <a:txBody>
                     <a:bodyPr/>
@@ -8666,7 +10084,7 @@
                       <a:pPr marL="0" algn="ctr" defTabSz="914400" rtl="0" eaLnBrk="1" latinLnBrk="0" hangingPunct="1"/>
                       <a:r>
                         <a:rPr lang="en-US" dirty="0"/>
-                        <a:t>0</a:t>
+                        <a:t>10</a:t>
                       </a:r>
                     </a:p>
                   </a:txBody>
@@ -8678,7 +10096,472 @@
                   </a:ext>
                 </a:extLst>
               </a:tr>
-              <a:tr h="478022">
+              <a:tr h="578289">
+                <a:tc>
+                  <a:txBody>
+                    <a:bodyPr/>
+                    <a:lstStyle/>
+                    <a:p>
+                      <a:pPr algn="ctr"/>
+                      <a:r>
+                        <a:rPr lang="en-US" dirty="0"/>
+                        <a:t>Generations</a:t>
+                      </a:r>
+                    </a:p>
+                  </a:txBody>
+                  <a:tcPr anchor="ctr"/>
+                </a:tc>
+                <a:tc>
+                  <a:txBody>
+                    <a:bodyPr/>
+                    <a:lstStyle/>
+                    <a:p>
+                      <a:pPr marL="0" algn="ctr" defTabSz="914400" rtl="0" eaLnBrk="1" latinLnBrk="0" hangingPunct="1"/>
+                      <a:r>
+                        <a:rPr lang="en-US" dirty="0"/>
+                        <a:t>50</a:t>
+                      </a:r>
+                    </a:p>
+                  </a:txBody>
+                  <a:tcPr anchor="ctr"/>
+                </a:tc>
+                <a:extLst>
+                  <a:ext uri="{0D108BD9-81ED-4DB2-BD59-A6C34878D82A}">
+                    <a16:rowId xmlns:a16="http://schemas.microsoft.com/office/drawing/2014/main" val="2959854607"/>
+                  </a:ext>
+                </a:extLst>
+              </a:tr>
+            </a:tbl>
+          </a:graphicData>
+        </a:graphic>
+      </p:graphicFrame>
+    </p:spTree>
+    <p:extLst>
+      <p:ext uri="{BB962C8B-B14F-4D97-AF65-F5344CB8AC3E}">
+        <p14:creationId xmlns:p14="http://schemas.microsoft.com/office/powerpoint/2010/main" val="4013326040"/>
+      </p:ext>
+    </p:extLst>
+  </p:cSld>
+  <p:clrMapOvr>
+    <a:masterClrMapping/>
+  </p:clrMapOvr>
+</p:sld>
+</file>
+
+<file path=ppt/slides/slide17.xml><?xml version="1.0" encoding="utf-8"?>
+<p:sld xmlns:a="http://schemas.openxmlformats.org/drawingml/2006/main" xmlns:r="http://schemas.openxmlformats.org/officeDocument/2006/relationships" xmlns:p="http://schemas.openxmlformats.org/presentationml/2006/main">
+  <p:cSld>
+    <p:spTree>
+      <p:nvGrpSpPr>
+        <p:cNvPr id="1" name=""/>
+        <p:cNvGrpSpPr/>
+        <p:nvPr/>
+      </p:nvGrpSpPr>
+      <p:grpSpPr>
+        <a:xfrm>
+          <a:off x="0" y="0"/>
+          <a:ext cx="0" cy="0"/>
+          <a:chOff x="0" y="0"/>
+          <a:chExt cx="0" cy="0"/>
+        </a:xfrm>
+      </p:grpSpPr>
+      <p:sp>
+        <p:nvSpPr>
+          <p:cNvPr id="4" name="Title 3"/>
+          <p:cNvSpPr>
+            <a:spLocks noGrp="1"/>
+          </p:cNvSpPr>
+          <p:nvPr>
+            <p:ph type="title"/>
+          </p:nvPr>
+        </p:nvSpPr>
+        <p:spPr>
+          <a:xfrm>
+            <a:off x="296260" y="374900"/>
+            <a:ext cx="7016195" cy="610820"/>
+          </a:xfrm>
+        </p:spPr>
+        <p:txBody>
+          <a:bodyPr>
+            <a:normAutofit fontScale="90000"/>
+          </a:bodyPr>
+          <a:lstStyle/>
+          <a:p>
+            <a:pPr algn="l"/>
+            <a:r>
+              <a:rPr lang="en-US" dirty="0">
+                <a:solidFill>
+                  <a:schemeClr val="bg1"/>
+                </a:solidFill>
+              </a:rPr>
+              <a:t>Initial Results</a:t>
+            </a:r>
+          </a:p>
+        </p:txBody>
+      </p:sp>
+      <p:pic>
+        <p:nvPicPr>
+          <p:cNvPr id="3" name="Picture 2">
+            <a:extLst>
+              <a:ext uri="{FF2B5EF4-FFF2-40B4-BE49-F238E27FC236}">
+                <a16:creationId xmlns:a16="http://schemas.microsoft.com/office/drawing/2014/main" id="{879DE6F1-5E93-1C4C-A51D-C5AD1C4CCF47}"/>
+              </a:ext>
+            </a:extLst>
+          </p:cNvPr>
+          <p:cNvPicPr>
+            <a:picLocks noChangeAspect="1"/>
+          </p:cNvPicPr>
+          <p:nvPr/>
+        </p:nvPicPr>
+        <p:blipFill>
+          <a:blip r:embed="rId3">
+            <a:extLst>
+              <a:ext uri="{28A0092B-C50C-407E-A947-70E740481C1C}">
+                <a14:useLocalDpi xmlns:a14="http://schemas.microsoft.com/office/drawing/2010/main" val="0"/>
+              </a:ext>
+            </a:extLst>
+          </a:blip>
+          <a:stretch>
+            <a:fillRect/>
+          </a:stretch>
+        </p:blipFill>
+        <p:spPr>
+          <a:xfrm>
+            <a:off x="3773037" y="2054655"/>
+            <a:ext cx="5369925" cy="4039117"/>
+          </a:xfrm>
+          <a:prstGeom prst="rect">
+            <a:avLst/>
+          </a:prstGeom>
+        </p:spPr>
+      </p:pic>
+      <p:graphicFrame>
+        <p:nvGraphicFramePr>
+          <p:cNvPr id="5" name="Table 4">
+            <a:extLst>
+              <a:ext uri="{FF2B5EF4-FFF2-40B4-BE49-F238E27FC236}">
+                <a16:creationId xmlns:a16="http://schemas.microsoft.com/office/drawing/2014/main" id="{7E8A3C00-55EB-2E4C-8D04-16EE10AA104C}"/>
+              </a:ext>
+            </a:extLst>
+          </p:cNvPr>
+          <p:cNvGraphicFramePr>
+            <a:graphicFrameLocks noGrp="1"/>
+          </p:cNvGraphicFramePr>
+          <p:nvPr>
+            <p:extLst>
+              <p:ext uri="{D42A27DB-BD31-4B8C-83A1-F6EECF244321}">
+                <p14:modId xmlns:p14="http://schemas.microsoft.com/office/powerpoint/2010/main" val="2016088878"/>
+              </p:ext>
+            </p:extLst>
+          </p:nvPr>
+        </p:nvGraphicFramePr>
+        <p:xfrm>
+          <a:off x="0" y="1749245"/>
+          <a:ext cx="3773038" cy="5114068"/>
+        </p:xfrm>
+        <a:graphic>
+          <a:graphicData uri="http://schemas.openxmlformats.org/drawingml/2006/table">
+            <a:tbl>
+              <a:tblPr firstRow="1" bandRow="1">
+                <a:tableStyleId>{21E4AEA4-8DFA-4A89-87EB-49C32662AFE0}</a:tableStyleId>
+              </a:tblPr>
+              <a:tblGrid>
+                <a:gridCol w="1886519">
+                  <a:extLst>
+                    <a:ext uri="{9D8B030D-6E8A-4147-A177-3AD203B41FA5}">
+                      <a16:colId xmlns:a16="http://schemas.microsoft.com/office/drawing/2014/main" val="3691351954"/>
+                    </a:ext>
+                  </a:extLst>
+                </a:gridCol>
+                <a:gridCol w="1886519">
+                  <a:extLst>
+                    <a:ext uri="{9D8B030D-6E8A-4147-A177-3AD203B41FA5}">
+                      <a16:colId xmlns:a16="http://schemas.microsoft.com/office/drawing/2014/main" val="1813416962"/>
+                    </a:ext>
+                  </a:extLst>
+                </a:gridCol>
+              </a:tblGrid>
+              <a:tr h="516268">
+                <a:tc>
+                  <a:txBody>
+                    <a:bodyPr/>
+                    <a:lstStyle/>
+                    <a:p>
+                      <a:pPr algn="ctr"/>
+                      <a:r>
+                        <a:rPr lang="en-US" dirty="0"/>
+                        <a:t>Parameter</a:t>
+                      </a:r>
+                    </a:p>
+                  </a:txBody>
+                  <a:tcPr anchor="ctr"/>
+                </a:tc>
+                <a:tc>
+                  <a:txBody>
+                    <a:bodyPr/>
+                    <a:lstStyle/>
+                    <a:p>
+                      <a:pPr algn="ctr"/>
+                      <a:r>
+                        <a:rPr lang="en-US" dirty="0"/>
+                        <a:t>Value</a:t>
+                      </a:r>
+                    </a:p>
+                  </a:txBody>
+                  <a:tcPr anchor="ctr"/>
+                </a:tc>
+                <a:extLst>
+                  <a:ext uri="{0D108BD9-81ED-4DB2-BD59-A6C34878D82A}">
+                    <a16:rowId xmlns:a16="http://schemas.microsoft.com/office/drawing/2014/main" val="675073070"/>
+                  </a:ext>
+                </a:extLst>
+              </a:tr>
+              <a:tr h="523440">
+                <a:tc>
+                  <a:txBody>
+                    <a:bodyPr/>
+                    <a:lstStyle/>
+                    <a:p>
+                      <a:pPr algn="ctr"/>
+                      <a:r>
+                        <a:rPr lang="en-US" dirty="0"/>
+                        <a:t>Population</a:t>
+                      </a:r>
+                    </a:p>
+                  </a:txBody>
+                  <a:tcPr anchor="ctr"/>
+                </a:tc>
+                <a:tc>
+                  <a:txBody>
+                    <a:bodyPr/>
+                    <a:lstStyle/>
+                    <a:p>
+                      <a:pPr algn="ctr"/>
+                      <a:r>
+                        <a:rPr lang="en-US" dirty="0"/>
+                        <a:t>100</a:t>
+                      </a:r>
+                    </a:p>
+                  </a:txBody>
+                  <a:tcPr anchor="ctr"/>
+                </a:tc>
+                <a:extLst>
+                  <a:ext uri="{0D108BD9-81ED-4DB2-BD59-A6C34878D82A}">
+                    <a16:rowId xmlns:a16="http://schemas.microsoft.com/office/drawing/2014/main" val="4188733316"/>
+                  </a:ext>
+                </a:extLst>
+              </a:tr>
+              <a:tr h="523440">
+                <a:tc>
+                  <a:txBody>
+                    <a:bodyPr/>
+                    <a:lstStyle/>
+                    <a:p>
+                      <a:pPr algn="ctr"/>
+                      <a:r>
+                        <a:rPr lang="en-US" dirty="0"/>
+                        <a:t>Mutation</a:t>
+                      </a:r>
+                    </a:p>
+                  </a:txBody>
+                  <a:tcPr anchor="ctr"/>
+                </a:tc>
+                <a:tc>
+                  <a:txBody>
+                    <a:bodyPr/>
+                    <a:lstStyle/>
+                    <a:p>
+                      <a:pPr algn="ctr"/>
+                      <a:r>
+                        <a:rPr lang="en-US" dirty="0"/>
+                        <a:t>One bit flip</a:t>
+                      </a:r>
+                    </a:p>
+                  </a:txBody>
+                  <a:tcPr anchor="ctr"/>
+                </a:tc>
+                <a:extLst>
+                  <a:ext uri="{0D108BD9-81ED-4DB2-BD59-A6C34878D82A}">
+                    <a16:rowId xmlns:a16="http://schemas.microsoft.com/office/drawing/2014/main" val="2771147056"/>
+                  </a:ext>
+                </a:extLst>
+              </a:tr>
+              <a:tr h="634766">
+                <a:tc>
+                  <a:txBody>
+                    <a:bodyPr/>
+                    <a:lstStyle/>
+                    <a:p>
+                      <a:pPr algn="ctr"/>
+                      <a:r>
+                        <a:rPr lang="en-US" dirty="0"/>
+                        <a:t>Mutation Probability</a:t>
+                      </a:r>
+                    </a:p>
+                  </a:txBody>
+                  <a:tcPr anchor="ctr"/>
+                </a:tc>
+                <a:tc>
+                  <a:txBody>
+                    <a:bodyPr/>
+                    <a:lstStyle/>
+                    <a:p>
+                      <a:pPr algn="ctr"/>
+                      <a:r>
+                        <a:rPr lang="en-US" dirty="0"/>
+                        <a:t>0.4</a:t>
+                      </a:r>
+                    </a:p>
+                  </a:txBody>
+                  <a:tcPr anchor="ctr"/>
+                </a:tc>
+                <a:extLst>
+                  <a:ext uri="{0D108BD9-81ED-4DB2-BD59-A6C34878D82A}">
+                    <a16:rowId xmlns:a16="http://schemas.microsoft.com/office/drawing/2014/main" val="2179791702"/>
+                  </a:ext>
+                </a:extLst>
+              </a:tr>
+              <a:tr h="523440">
+                <a:tc>
+                  <a:txBody>
+                    <a:bodyPr/>
+                    <a:lstStyle/>
+                    <a:p>
+                      <a:pPr algn="ctr"/>
+                      <a:r>
+                        <a:rPr lang="en-US" dirty="0"/>
+                        <a:t>Crossover</a:t>
+                      </a:r>
+                    </a:p>
+                  </a:txBody>
+                  <a:tcPr anchor="ctr"/>
+                </a:tc>
+                <a:tc>
+                  <a:txBody>
+                    <a:bodyPr/>
+                    <a:lstStyle/>
+                    <a:p>
+                      <a:pPr algn="ctr"/>
+                      <a:r>
+                        <a:rPr lang="en-US" dirty="0"/>
+                        <a:t>2</a:t>
+                      </a:r>
+                    </a:p>
+                  </a:txBody>
+                  <a:tcPr anchor="ctr"/>
+                </a:tc>
+                <a:extLst>
+                  <a:ext uri="{0D108BD9-81ED-4DB2-BD59-A6C34878D82A}">
+                    <a16:rowId xmlns:a16="http://schemas.microsoft.com/office/drawing/2014/main" val="2315914286"/>
+                  </a:ext>
+                </a:extLst>
+              </a:tr>
+              <a:tr h="817080">
+                <a:tc>
+                  <a:txBody>
+                    <a:bodyPr/>
+                    <a:lstStyle/>
+                    <a:p>
+                      <a:pPr algn="ctr"/>
+                      <a:r>
+                        <a:rPr lang="en-US" dirty="0"/>
+                        <a:t>Parent Selection</a:t>
+                      </a:r>
+                    </a:p>
+                  </a:txBody>
+                  <a:tcPr anchor="ctr"/>
+                </a:tc>
+                <a:tc>
+                  <a:txBody>
+                    <a:bodyPr/>
+                    <a:lstStyle/>
+                    <a:p>
+                      <a:pPr algn="ctr"/>
+                      <a:r>
+                        <a:rPr lang="en-US" dirty="0"/>
+                        <a:t>Random out of 20% best</a:t>
+                      </a:r>
+                    </a:p>
+                  </a:txBody>
+                  <a:tcPr anchor="ctr"/>
+                </a:tc>
+                <a:extLst>
+                  <a:ext uri="{0D108BD9-81ED-4DB2-BD59-A6C34878D82A}">
+                    <a16:rowId xmlns:a16="http://schemas.microsoft.com/office/drawing/2014/main" val="1983404864"/>
+                  </a:ext>
+                </a:extLst>
+              </a:tr>
+              <a:tr h="523440">
+                <a:tc>
+                  <a:txBody>
+                    <a:bodyPr/>
+                    <a:lstStyle/>
+                    <a:p>
+                      <a:pPr algn="ctr"/>
+                      <a:r>
+                        <a:rPr lang="en-US" dirty="0"/>
+                        <a:t>Survivor Selection</a:t>
+                      </a:r>
+                    </a:p>
+                  </a:txBody>
+                  <a:tcPr anchor="ctr"/>
+                </a:tc>
+                <a:tc>
+                  <a:txBody>
+                    <a:bodyPr/>
+                    <a:lstStyle/>
+                    <a:p>
+                      <a:pPr algn="ctr"/>
+                      <a:r>
+                        <a:rPr lang="en-US" dirty="0"/>
+                        <a:t>Elitism (20%)</a:t>
+                      </a:r>
+                    </a:p>
+                  </a:txBody>
+                  <a:tcPr anchor="ctr"/>
+                </a:tc>
+                <a:extLst>
+                  <a:ext uri="{0D108BD9-81ED-4DB2-BD59-A6C34878D82A}">
+                    <a16:rowId xmlns:a16="http://schemas.microsoft.com/office/drawing/2014/main" val="3391333492"/>
+                  </a:ext>
+                </a:extLst>
+              </a:tr>
+              <a:tr h="523440">
+                <a:tc>
+                  <a:txBody>
+                    <a:bodyPr/>
+                    <a:lstStyle/>
+                    <a:p>
+                      <a:pPr algn="ctr"/>
+                      <a:r>
+                        <a:rPr lang="en-US" dirty="0"/>
+                        <a:t>Best Fitness</a:t>
+                      </a:r>
+                    </a:p>
+                  </a:txBody>
+                  <a:tcPr anchor="ctr"/>
+                </a:tc>
+                <a:tc>
+                  <a:txBody>
+                    <a:bodyPr/>
+                    <a:lstStyle/>
+                    <a:p>
+                      <a:pPr marL="0" algn="ctr" defTabSz="914400" rtl="0" eaLnBrk="1" latinLnBrk="0" hangingPunct="1"/>
+                      <a:r>
+                        <a:rPr lang="en-US" dirty="0"/>
+                        <a:t>30</a:t>
+                      </a:r>
+                    </a:p>
+                  </a:txBody>
+                  <a:tcPr anchor="ctr"/>
+                </a:tc>
+                <a:extLst>
+                  <a:ext uri="{0D108BD9-81ED-4DB2-BD59-A6C34878D82A}">
+                    <a16:rowId xmlns:a16="http://schemas.microsoft.com/office/drawing/2014/main" val="444731229"/>
+                  </a:ext>
+                </a:extLst>
+              </a:tr>
+              <a:tr h="523440">
                 <a:tc>
                   <a:txBody>
                     <a:bodyPr/>
@@ -8720,7 +10603,7 @@
     </p:spTree>
     <p:extLst>
       <p:ext uri="{BB962C8B-B14F-4D97-AF65-F5344CB8AC3E}">
-        <p14:creationId xmlns:p14="http://schemas.microsoft.com/office/powerpoint/2010/main" val="401999839"/>
+        <p14:creationId xmlns:p14="http://schemas.microsoft.com/office/powerpoint/2010/main" val="1636351925"/>
       </p:ext>
     </p:extLst>
   </p:cSld>
@@ -8783,1089 +10666,6 @@
       </p:sp>
       <p:pic>
         <p:nvPicPr>
-          <p:cNvPr id="3" name="Picture 2">
-            <a:extLst>
-              <a:ext uri="{FF2B5EF4-FFF2-40B4-BE49-F238E27FC236}">
-                <a16:creationId xmlns:a16="http://schemas.microsoft.com/office/drawing/2014/main" id="{C606D2C5-F1A4-484A-8122-2D125C3A3AA7}"/>
-              </a:ext>
-            </a:extLst>
-          </p:cNvPr>
-          <p:cNvPicPr>
-            <a:picLocks noChangeAspect="1"/>
-          </p:cNvPicPr>
-          <p:nvPr/>
-        </p:nvPicPr>
-        <p:blipFill>
-          <a:blip r:embed="rId3">
-            <a:extLst>
-              <a:ext uri="{28A0092B-C50C-407E-A947-70E740481C1C}">
-                <a14:useLocalDpi xmlns:a14="http://schemas.microsoft.com/office/drawing/2010/main" val="0"/>
-              </a:ext>
-            </a:extLst>
-          </a:blip>
-          <a:stretch>
-            <a:fillRect/>
-          </a:stretch>
-        </p:blipFill>
-        <p:spPr>
-          <a:xfrm>
-            <a:off x="1348452" y="2054655"/>
-            <a:ext cx="4911810" cy="3694535"/>
-          </a:xfrm>
-          <a:prstGeom prst="rect">
-            <a:avLst/>
-          </a:prstGeom>
-        </p:spPr>
-      </p:pic>
-    </p:spTree>
-    <p:extLst>
-      <p:ext uri="{BB962C8B-B14F-4D97-AF65-F5344CB8AC3E}">
-        <p14:creationId xmlns:p14="http://schemas.microsoft.com/office/powerpoint/2010/main" val="4013326040"/>
-      </p:ext>
-    </p:extLst>
-  </p:cSld>
-  <p:clrMapOvr>
-    <a:masterClrMapping/>
-  </p:clrMapOvr>
-</p:sld>
-</file>
-
-<file path=ppt/slides/slide19.xml><?xml version="1.0" encoding="utf-8"?>
-<p:sld xmlns:a="http://schemas.openxmlformats.org/drawingml/2006/main" xmlns:r="http://schemas.openxmlformats.org/officeDocument/2006/relationships" xmlns:p="http://schemas.openxmlformats.org/presentationml/2006/main">
-  <p:cSld>
-    <p:spTree>
-      <p:nvGrpSpPr>
-        <p:cNvPr id="1" name=""/>
-        <p:cNvGrpSpPr/>
-        <p:nvPr/>
-      </p:nvGrpSpPr>
-      <p:grpSpPr>
-        <a:xfrm>
-          <a:off x="0" y="0"/>
-          <a:ext cx="0" cy="0"/>
-          <a:chOff x="0" y="0"/>
-          <a:chExt cx="0" cy="0"/>
-        </a:xfrm>
-      </p:grpSpPr>
-      <p:sp>
-        <p:nvSpPr>
-          <p:cNvPr id="4" name="Title 3"/>
-          <p:cNvSpPr>
-            <a:spLocks noGrp="1"/>
-          </p:cNvSpPr>
-          <p:nvPr>
-            <p:ph type="title"/>
-          </p:nvPr>
-        </p:nvSpPr>
-        <p:spPr>
-          <a:xfrm>
-            <a:off x="296260" y="374900"/>
-            <a:ext cx="7016195" cy="610820"/>
-          </a:xfrm>
-        </p:spPr>
-        <p:txBody>
-          <a:bodyPr>
-            <a:normAutofit fontScale="90000"/>
-          </a:bodyPr>
-          <a:lstStyle/>
-          <a:p>
-            <a:pPr algn="l"/>
-            <a:r>
-              <a:rPr lang="en-US" dirty="0">
-                <a:solidFill>
-                  <a:schemeClr val="bg1"/>
-                </a:solidFill>
-              </a:rPr>
-              <a:t>Experiment Parameters</a:t>
-            </a:r>
-          </a:p>
-        </p:txBody>
-      </p:sp>
-      <p:graphicFrame>
-        <p:nvGraphicFramePr>
-          <p:cNvPr id="2" name="Table 1">
-            <a:extLst>
-              <a:ext uri="{FF2B5EF4-FFF2-40B4-BE49-F238E27FC236}">
-                <a16:creationId xmlns:a16="http://schemas.microsoft.com/office/drawing/2014/main" id="{86EC6377-B1ED-E148-8E47-8DEB9090C413}"/>
-              </a:ext>
-            </a:extLst>
-          </p:cNvPr>
-          <p:cNvGraphicFramePr>
-            <a:graphicFrameLocks noGrp="1"/>
-          </p:cNvGraphicFramePr>
-          <p:nvPr>
-            <p:extLst>
-              <p:ext uri="{D42A27DB-BD31-4B8C-83A1-F6EECF244321}">
-                <p14:modId xmlns:p14="http://schemas.microsoft.com/office/powerpoint/2010/main" val="4143498186"/>
-              </p:ext>
-            </p:extLst>
-          </p:nvPr>
-        </p:nvGraphicFramePr>
-        <p:xfrm>
-          <a:off x="754375" y="2054656"/>
-          <a:ext cx="7482546" cy="4295649"/>
-        </p:xfrm>
-        <a:graphic>
-          <a:graphicData uri="http://schemas.openxmlformats.org/drawingml/2006/table">
-            <a:tbl>
-              <a:tblPr firstRow="1" bandRow="1">
-                <a:tableStyleId>{21E4AEA4-8DFA-4A89-87EB-49C32662AFE0}</a:tableStyleId>
-              </a:tblPr>
-              <a:tblGrid>
-                <a:gridCol w="3741273">
-                  <a:extLst>
-                    <a:ext uri="{9D8B030D-6E8A-4147-A177-3AD203B41FA5}">
-                      <a16:colId xmlns:a16="http://schemas.microsoft.com/office/drawing/2014/main" val="3691351954"/>
-                    </a:ext>
-                  </a:extLst>
-                </a:gridCol>
-                <a:gridCol w="3741273">
-                  <a:extLst>
-                    <a:ext uri="{9D8B030D-6E8A-4147-A177-3AD203B41FA5}">
-                      <a16:colId xmlns:a16="http://schemas.microsoft.com/office/drawing/2014/main" val="1813416962"/>
-                    </a:ext>
-                  </a:extLst>
-                </a:gridCol>
-              </a:tblGrid>
-              <a:tr h="471473">
-                <a:tc>
-                  <a:txBody>
-                    <a:bodyPr/>
-                    <a:lstStyle/>
-                    <a:p>
-                      <a:pPr algn="ctr"/>
-                      <a:r>
-                        <a:rPr lang="en-US" dirty="0"/>
-                        <a:t>Parameter</a:t>
-                      </a:r>
-                    </a:p>
-                  </a:txBody>
-                  <a:tcPr anchor="ctr"/>
-                </a:tc>
-                <a:tc>
-                  <a:txBody>
-                    <a:bodyPr/>
-                    <a:lstStyle/>
-                    <a:p>
-                      <a:pPr algn="ctr"/>
-                      <a:r>
-                        <a:rPr lang="en-US" dirty="0"/>
-                        <a:t>Value</a:t>
-                      </a:r>
-                    </a:p>
-                  </a:txBody>
-                  <a:tcPr anchor="ctr"/>
-                </a:tc>
-                <a:extLst>
-                  <a:ext uri="{0D108BD9-81ED-4DB2-BD59-A6C34878D82A}">
-                    <a16:rowId xmlns:a16="http://schemas.microsoft.com/office/drawing/2014/main" val="675073070"/>
-                  </a:ext>
-                </a:extLst>
-              </a:tr>
-              <a:tr h="478022">
-                <a:tc>
-                  <a:txBody>
-                    <a:bodyPr/>
-                    <a:lstStyle/>
-                    <a:p>
-                      <a:pPr algn="ctr"/>
-                      <a:r>
-                        <a:rPr lang="en-US" dirty="0"/>
-                        <a:t>Population</a:t>
-                      </a:r>
-                    </a:p>
-                  </a:txBody>
-                  <a:tcPr anchor="ctr"/>
-                </a:tc>
-                <a:tc>
-                  <a:txBody>
-                    <a:bodyPr/>
-                    <a:lstStyle/>
-                    <a:p>
-                      <a:pPr algn="ctr"/>
-                      <a:r>
-                        <a:rPr lang="en-US" dirty="0"/>
-                        <a:t>100</a:t>
-                      </a:r>
-                    </a:p>
-                  </a:txBody>
-                  <a:tcPr anchor="ctr"/>
-                </a:tc>
-                <a:extLst>
-                  <a:ext uri="{0D108BD9-81ED-4DB2-BD59-A6C34878D82A}">
-                    <a16:rowId xmlns:a16="http://schemas.microsoft.com/office/drawing/2014/main" val="4188733316"/>
-                  </a:ext>
-                </a:extLst>
-              </a:tr>
-              <a:tr h="478022">
-                <a:tc>
-                  <a:txBody>
-                    <a:bodyPr/>
-                    <a:lstStyle/>
-                    <a:p>
-                      <a:pPr algn="ctr"/>
-                      <a:r>
-                        <a:rPr lang="en-US" dirty="0"/>
-                        <a:t>Mutation</a:t>
-                      </a:r>
-                    </a:p>
-                  </a:txBody>
-                  <a:tcPr anchor="ctr"/>
-                </a:tc>
-                <a:tc>
-                  <a:txBody>
-                    <a:bodyPr/>
-                    <a:lstStyle/>
-                    <a:p>
-                      <a:pPr algn="ctr"/>
-                      <a:r>
-                        <a:rPr lang="en-US" dirty="0"/>
-                        <a:t>One bit flip</a:t>
-                      </a:r>
-                    </a:p>
-                  </a:txBody>
-                  <a:tcPr anchor="ctr"/>
-                </a:tc>
-                <a:extLst>
-                  <a:ext uri="{0D108BD9-81ED-4DB2-BD59-A6C34878D82A}">
-                    <a16:rowId xmlns:a16="http://schemas.microsoft.com/office/drawing/2014/main" val="2771147056"/>
-                  </a:ext>
-                </a:extLst>
-              </a:tr>
-              <a:tr h="478022">
-                <a:tc>
-                  <a:txBody>
-                    <a:bodyPr/>
-                    <a:lstStyle/>
-                    <a:p>
-                      <a:pPr algn="ctr"/>
-                      <a:r>
-                        <a:rPr lang="en-US" dirty="0"/>
-                        <a:t>Mutation Probability</a:t>
-                      </a:r>
-                    </a:p>
-                  </a:txBody>
-                  <a:tcPr anchor="ctr"/>
-                </a:tc>
-                <a:tc>
-                  <a:txBody>
-                    <a:bodyPr/>
-                    <a:lstStyle/>
-                    <a:p>
-                      <a:pPr algn="ctr"/>
-                      <a:r>
-                        <a:rPr lang="en-US" dirty="0"/>
-                        <a:t>0.4</a:t>
-                      </a:r>
-                    </a:p>
-                  </a:txBody>
-                  <a:tcPr anchor="ctr"/>
-                </a:tc>
-                <a:extLst>
-                  <a:ext uri="{0D108BD9-81ED-4DB2-BD59-A6C34878D82A}">
-                    <a16:rowId xmlns:a16="http://schemas.microsoft.com/office/drawing/2014/main" val="2179791702"/>
-                  </a:ext>
-                </a:extLst>
-              </a:tr>
-              <a:tr h="478022">
-                <a:tc>
-                  <a:txBody>
-                    <a:bodyPr/>
-                    <a:lstStyle/>
-                    <a:p>
-                      <a:pPr algn="ctr"/>
-                      <a:r>
-                        <a:rPr lang="en-US" dirty="0"/>
-                        <a:t>Crossover</a:t>
-                      </a:r>
-                    </a:p>
-                  </a:txBody>
-                  <a:tcPr anchor="ctr"/>
-                </a:tc>
-                <a:tc>
-                  <a:txBody>
-                    <a:bodyPr/>
-                    <a:lstStyle/>
-                    <a:p>
-                      <a:pPr algn="ctr"/>
-                      <a:r>
-                        <a:rPr lang="en-US" dirty="0"/>
-                        <a:t>2</a:t>
-                      </a:r>
-                    </a:p>
-                  </a:txBody>
-                  <a:tcPr anchor="ctr"/>
-                </a:tc>
-                <a:extLst>
-                  <a:ext uri="{0D108BD9-81ED-4DB2-BD59-A6C34878D82A}">
-                    <a16:rowId xmlns:a16="http://schemas.microsoft.com/office/drawing/2014/main" val="2315914286"/>
-                  </a:ext>
-                </a:extLst>
-              </a:tr>
-              <a:tr h="478022">
-                <a:tc>
-                  <a:txBody>
-                    <a:bodyPr/>
-                    <a:lstStyle/>
-                    <a:p>
-                      <a:pPr algn="ctr"/>
-                      <a:r>
-                        <a:rPr lang="en-US" dirty="0"/>
-                        <a:t>Parent Selection</a:t>
-                      </a:r>
-                    </a:p>
-                  </a:txBody>
-                  <a:tcPr anchor="ctr"/>
-                </a:tc>
-                <a:tc>
-                  <a:txBody>
-                    <a:bodyPr/>
-                    <a:lstStyle/>
-                    <a:p>
-                      <a:pPr algn="ctr"/>
-                      <a:r>
-                        <a:rPr lang="en-US" dirty="0"/>
-                        <a:t>Random out of 20% best</a:t>
-                      </a:r>
-                    </a:p>
-                  </a:txBody>
-                  <a:tcPr anchor="ctr"/>
-                </a:tc>
-                <a:extLst>
-                  <a:ext uri="{0D108BD9-81ED-4DB2-BD59-A6C34878D82A}">
-                    <a16:rowId xmlns:a16="http://schemas.microsoft.com/office/drawing/2014/main" val="1983404864"/>
-                  </a:ext>
-                </a:extLst>
-              </a:tr>
-              <a:tr h="478022">
-                <a:tc>
-                  <a:txBody>
-                    <a:bodyPr/>
-                    <a:lstStyle/>
-                    <a:p>
-                      <a:pPr algn="ctr"/>
-                      <a:r>
-                        <a:rPr lang="en-US" dirty="0"/>
-                        <a:t>Survivor Selection</a:t>
-                      </a:r>
-                    </a:p>
-                  </a:txBody>
-                  <a:tcPr anchor="ctr"/>
-                </a:tc>
-                <a:tc>
-                  <a:txBody>
-                    <a:bodyPr/>
-                    <a:lstStyle/>
-                    <a:p>
-                      <a:pPr algn="ctr"/>
-                      <a:r>
-                        <a:rPr lang="en-US" dirty="0"/>
-                        <a:t>Elitism (20%)</a:t>
-                      </a:r>
-                    </a:p>
-                  </a:txBody>
-                  <a:tcPr anchor="ctr"/>
-                </a:tc>
-                <a:extLst>
-                  <a:ext uri="{0D108BD9-81ED-4DB2-BD59-A6C34878D82A}">
-                    <a16:rowId xmlns:a16="http://schemas.microsoft.com/office/drawing/2014/main" val="3391333492"/>
-                  </a:ext>
-                </a:extLst>
-              </a:tr>
-              <a:tr h="478022">
-                <a:tc>
-                  <a:txBody>
-                    <a:bodyPr/>
-                    <a:lstStyle/>
-                    <a:p>
-                      <a:pPr algn="ctr"/>
-                      <a:r>
-                        <a:rPr lang="en-US" dirty="0"/>
-                        <a:t>Best Fitness</a:t>
-                      </a:r>
-                    </a:p>
-                  </a:txBody>
-                  <a:tcPr anchor="ctr"/>
-                </a:tc>
-                <a:tc>
-                  <a:txBody>
-                    <a:bodyPr/>
-                    <a:lstStyle/>
-                    <a:p>
-                      <a:pPr marL="0" algn="ctr" defTabSz="914400" rtl="0" eaLnBrk="1" latinLnBrk="0" hangingPunct="1"/>
-                      <a:r>
-                        <a:rPr lang="en-US" dirty="0"/>
-                        <a:t>30</a:t>
-                      </a:r>
-                    </a:p>
-                  </a:txBody>
-                  <a:tcPr anchor="ctr"/>
-                </a:tc>
-                <a:extLst>
-                  <a:ext uri="{0D108BD9-81ED-4DB2-BD59-A6C34878D82A}">
-                    <a16:rowId xmlns:a16="http://schemas.microsoft.com/office/drawing/2014/main" val="444731229"/>
-                  </a:ext>
-                </a:extLst>
-              </a:tr>
-              <a:tr h="478022">
-                <a:tc>
-                  <a:txBody>
-                    <a:bodyPr/>
-                    <a:lstStyle/>
-                    <a:p>
-                      <a:pPr algn="ctr"/>
-                      <a:r>
-                        <a:rPr lang="en-US" dirty="0"/>
-                        <a:t>Generations</a:t>
-                      </a:r>
-                    </a:p>
-                  </a:txBody>
-                  <a:tcPr anchor="ctr"/>
-                </a:tc>
-                <a:tc>
-                  <a:txBody>
-                    <a:bodyPr/>
-                    <a:lstStyle/>
-                    <a:p>
-                      <a:pPr marL="0" algn="ctr" defTabSz="914400" rtl="0" eaLnBrk="1" latinLnBrk="0" hangingPunct="1"/>
-                      <a:r>
-                        <a:rPr lang="en-US" dirty="0"/>
-                        <a:t>1000</a:t>
-                      </a:r>
-                    </a:p>
-                  </a:txBody>
-                  <a:tcPr anchor="ctr"/>
-                </a:tc>
-                <a:extLst>
-                  <a:ext uri="{0D108BD9-81ED-4DB2-BD59-A6C34878D82A}">
-                    <a16:rowId xmlns:a16="http://schemas.microsoft.com/office/drawing/2014/main" val="2959854607"/>
-                  </a:ext>
-                </a:extLst>
-              </a:tr>
-            </a:tbl>
-          </a:graphicData>
-        </a:graphic>
-      </p:graphicFrame>
-    </p:spTree>
-    <p:extLst>
-      <p:ext uri="{BB962C8B-B14F-4D97-AF65-F5344CB8AC3E}">
-        <p14:creationId xmlns:p14="http://schemas.microsoft.com/office/powerpoint/2010/main" val="1070040958"/>
-      </p:ext>
-    </p:extLst>
-  </p:cSld>
-  <p:clrMapOvr>
-    <a:masterClrMapping/>
-  </p:clrMapOvr>
-</p:sld>
-</file>
-
-<file path=ppt/slides/slide2.xml><?xml version="1.0" encoding="utf-8"?>
-<p:sld xmlns:a="http://schemas.openxmlformats.org/drawingml/2006/main" xmlns:r="http://schemas.openxmlformats.org/officeDocument/2006/relationships" xmlns:p="http://schemas.openxmlformats.org/presentationml/2006/main">
-  <p:cSld>
-    <p:spTree>
-      <p:nvGrpSpPr>
-        <p:cNvPr id="1" name=""/>
-        <p:cNvGrpSpPr/>
-        <p:nvPr/>
-      </p:nvGrpSpPr>
-      <p:grpSpPr>
-        <a:xfrm>
-          <a:off x="0" y="0"/>
-          <a:ext cx="0" cy="0"/>
-          <a:chOff x="0" y="0"/>
-          <a:chExt cx="0" cy="0"/>
-        </a:xfrm>
-      </p:grpSpPr>
-      <p:sp>
-        <p:nvSpPr>
-          <p:cNvPr id="2" name="Title 1"/>
-          <p:cNvSpPr>
-            <a:spLocks noGrp="1"/>
-          </p:cNvSpPr>
-          <p:nvPr>
-            <p:ph type="title"/>
-          </p:nvPr>
-        </p:nvSpPr>
-        <p:spPr>
-          <a:xfrm>
-            <a:off x="296260" y="300608"/>
-            <a:ext cx="8229600" cy="691279"/>
-          </a:xfrm>
-        </p:spPr>
-        <p:txBody>
-          <a:bodyPr>
-            <a:normAutofit/>
-          </a:bodyPr>
-          <a:lstStyle/>
-          <a:p>
-            <a:r>
-              <a:rPr lang="en-US" sz="3200" dirty="0"/>
-              <a:t>Lights Up Puzzle - Rules</a:t>
-            </a:r>
-          </a:p>
-        </p:txBody>
-      </p:sp>
-      <p:pic>
-        <p:nvPicPr>
-          <p:cNvPr id="9" name="Picture 8">
-            <a:extLst>
-              <a:ext uri="{FF2B5EF4-FFF2-40B4-BE49-F238E27FC236}">
-                <a16:creationId xmlns:a16="http://schemas.microsoft.com/office/drawing/2014/main" id="{49ED9CE6-5FE4-2748-9C7F-D84EF4255CC5}"/>
-              </a:ext>
-            </a:extLst>
-          </p:cNvPr>
-          <p:cNvPicPr>
-            <a:picLocks noChangeAspect="1"/>
-          </p:cNvPicPr>
-          <p:nvPr/>
-        </p:nvPicPr>
-        <p:blipFill>
-          <a:blip r:embed="rId2">
-            <a:extLst>
-              <a:ext uri="{28A0092B-C50C-407E-A947-70E740481C1C}">
-                <a14:useLocalDpi xmlns:a14="http://schemas.microsoft.com/office/drawing/2010/main" val="0"/>
-              </a:ext>
-            </a:extLst>
-          </a:blip>
-          <a:stretch>
-            <a:fillRect/>
-          </a:stretch>
-        </p:blipFill>
-        <p:spPr>
-          <a:xfrm>
-            <a:off x="3970330" y="1596540"/>
-            <a:ext cx="5182820" cy="5261460"/>
-          </a:xfrm>
-          <a:prstGeom prst="rect">
-            <a:avLst/>
-          </a:prstGeom>
-        </p:spPr>
-      </p:pic>
-      <p:pic>
-        <p:nvPicPr>
-          <p:cNvPr id="12" name="Picture 11">
-            <a:extLst>
-              <a:ext uri="{FF2B5EF4-FFF2-40B4-BE49-F238E27FC236}">
-                <a16:creationId xmlns:a16="http://schemas.microsoft.com/office/drawing/2014/main" id="{4A83AF46-437C-CC4D-BEC2-1ADAC49E614C}"/>
-              </a:ext>
-            </a:extLst>
-          </p:cNvPr>
-          <p:cNvPicPr>
-            <a:picLocks noChangeAspect="1"/>
-          </p:cNvPicPr>
-          <p:nvPr/>
-        </p:nvPicPr>
-        <p:blipFill>
-          <a:blip r:embed="rId3"/>
-          <a:stretch>
-            <a:fillRect/>
-          </a:stretch>
-        </p:blipFill>
-        <p:spPr>
-          <a:xfrm>
-            <a:off x="118724" y="3839808"/>
-            <a:ext cx="436790" cy="436790"/>
-          </a:xfrm>
-          <a:prstGeom prst="rect">
-            <a:avLst/>
-          </a:prstGeom>
-        </p:spPr>
-      </p:pic>
-      <p:pic>
-        <p:nvPicPr>
-          <p:cNvPr id="16" name="Picture 15">
-            <a:extLst>
-              <a:ext uri="{FF2B5EF4-FFF2-40B4-BE49-F238E27FC236}">
-                <a16:creationId xmlns:a16="http://schemas.microsoft.com/office/drawing/2014/main" id="{8FFEF954-63D5-B946-A044-8935521641BE}"/>
-              </a:ext>
-            </a:extLst>
-          </p:cNvPr>
-          <p:cNvPicPr>
-            <a:picLocks noChangeAspect="1"/>
-          </p:cNvPicPr>
-          <p:nvPr/>
-        </p:nvPicPr>
-        <p:blipFill rotWithShape="1">
-          <a:blip r:embed="rId4"/>
-          <a:srcRect l="6833" r="8865" b="4351"/>
-          <a:stretch/>
-        </p:blipFill>
-        <p:spPr>
-          <a:xfrm>
-            <a:off x="118725" y="3110706"/>
-            <a:ext cx="456630" cy="470999"/>
-          </a:xfrm>
-          <a:prstGeom prst="rect">
-            <a:avLst/>
-          </a:prstGeom>
-        </p:spPr>
-      </p:pic>
-      <p:pic>
-        <p:nvPicPr>
-          <p:cNvPr id="18" name="Picture 17">
-            <a:extLst>
-              <a:ext uri="{FF2B5EF4-FFF2-40B4-BE49-F238E27FC236}">
-                <a16:creationId xmlns:a16="http://schemas.microsoft.com/office/drawing/2014/main" id="{BC9EFE3B-2D94-AF42-AD83-0243139A2D48}"/>
-              </a:ext>
-            </a:extLst>
-          </p:cNvPr>
-          <p:cNvPicPr>
-            <a:picLocks noChangeAspect="1"/>
-          </p:cNvPicPr>
-          <p:nvPr/>
-        </p:nvPicPr>
-        <p:blipFill rotWithShape="1">
-          <a:blip r:embed="rId5"/>
-          <a:srcRect t="4172" r="4489" b="10112"/>
-          <a:stretch/>
-        </p:blipFill>
-        <p:spPr>
-          <a:xfrm>
-            <a:off x="129174" y="2426994"/>
-            <a:ext cx="426340" cy="420881"/>
-          </a:xfrm>
-          <a:prstGeom prst="rect">
-            <a:avLst/>
-          </a:prstGeom>
-        </p:spPr>
-      </p:pic>
-      <p:pic>
-        <p:nvPicPr>
-          <p:cNvPr id="19" name="Picture 18">
-            <a:extLst>
-              <a:ext uri="{FF2B5EF4-FFF2-40B4-BE49-F238E27FC236}">
-                <a16:creationId xmlns:a16="http://schemas.microsoft.com/office/drawing/2014/main" id="{6426BC09-5668-4443-8EE9-7580B82D40D6}"/>
-              </a:ext>
-            </a:extLst>
-          </p:cNvPr>
-          <p:cNvPicPr>
-            <a:picLocks noChangeAspect="1"/>
-          </p:cNvPicPr>
-          <p:nvPr/>
-        </p:nvPicPr>
-        <p:blipFill rotWithShape="1">
-          <a:blip r:embed="rId6"/>
-          <a:srcRect l="10244" t="12051" r="10240" b="7566"/>
-          <a:stretch/>
-        </p:blipFill>
-        <p:spPr>
-          <a:xfrm flipH="1">
-            <a:off x="118724" y="1795270"/>
-            <a:ext cx="436790" cy="404759"/>
-          </a:xfrm>
-          <a:prstGeom prst="rect">
-            <a:avLst/>
-          </a:prstGeom>
-        </p:spPr>
-      </p:pic>
-      <p:pic>
-        <p:nvPicPr>
-          <p:cNvPr id="20" name="Picture 19">
-            <a:extLst>
-              <a:ext uri="{FF2B5EF4-FFF2-40B4-BE49-F238E27FC236}">
-                <a16:creationId xmlns:a16="http://schemas.microsoft.com/office/drawing/2014/main" id="{2B60AE64-18FD-604D-8BFD-505A5E79A22F}"/>
-              </a:ext>
-            </a:extLst>
-          </p:cNvPr>
-          <p:cNvPicPr>
-            <a:picLocks noChangeAspect="1"/>
-          </p:cNvPicPr>
-          <p:nvPr/>
-        </p:nvPicPr>
-        <p:blipFill rotWithShape="1">
-          <a:blip r:embed="rId7"/>
-          <a:srcRect l="6001" t="5414" r="3574"/>
-          <a:stretch/>
-        </p:blipFill>
-        <p:spPr>
-          <a:xfrm>
-            <a:off x="129175" y="4644387"/>
-            <a:ext cx="443936" cy="464368"/>
-          </a:xfrm>
-          <a:prstGeom prst="rect">
-            <a:avLst/>
-          </a:prstGeom>
-        </p:spPr>
-      </p:pic>
-      <p:sp>
-        <p:nvSpPr>
-          <p:cNvPr id="21" name="TextBox 20">
-            <a:extLst>
-              <a:ext uri="{FF2B5EF4-FFF2-40B4-BE49-F238E27FC236}">
-                <a16:creationId xmlns:a16="http://schemas.microsoft.com/office/drawing/2014/main" id="{F94665D7-CA88-C44B-9D4E-175395D22A83}"/>
-              </a:ext>
-            </a:extLst>
-          </p:cNvPr>
-          <p:cNvSpPr txBox="1"/>
-          <p:nvPr/>
-        </p:nvSpPr>
-        <p:spPr>
-          <a:xfrm>
-            <a:off x="573110" y="1742061"/>
-            <a:ext cx="3082660" cy="523220"/>
-          </a:xfrm>
-          <a:prstGeom prst="rect">
-            <a:avLst/>
-          </a:prstGeom>
-          <a:noFill/>
-        </p:spPr>
-        <p:txBody>
-          <a:bodyPr wrap="square" rtlCol="0">
-            <a:spAutoFit/>
-          </a:bodyPr>
-          <a:lstStyle/>
-          <a:p>
-            <a:r>
-              <a:rPr lang="en-US" sz="1400" b="1" dirty="0"/>
-              <a:t>Empty Cell  </a:t>
-            </a:r>
-            <a:r>
-              <a:rPr lang="en-US" sz="1400" dirty="0"/>
-              <a:t>- Is an optional spot for a light bulb</a:t>
-            </a:r>
-          </a:p>
-        </p:txBody>
-      </p:sp>
-      <p:sp>
-        <p:nvSpPr>
-          <p:cNvPr id="22" name="TextBox 21">
-            <a:extLst>
-              <a:ext uri="{FF2B5EF4-FFF2-40B4-BE49-F238E27FC236}">
-                <a16:creationId xmlns:a16="http://schemas.microsoft.com/office/drawing/2014/main" id="{06849F51-4247-4149-8F20-E09D12AB5246}"/>
-              </a:ext>
-            </a:extLst>
-          </p:cNvPr>
-          <p:cNvSpPr txBox="1"/>
-          <p:nvPr/>
-        </p:nvSpPr>
-        <p:spPr>
-          <a:xfrm>
-            <a:off x="573110" y="2375824"/>
-            <a:ext cx="2954911" cy="523220"/>
-          </a:xfrm>
-          <a:prstGeom prst="rect">
-            <a:avLst/>
-          </a:prstGeom>
-          <a:noFill/>
-        </p:spPr>
-        <p:txBody>
-          <a:bodyPr wrap="none" rtlCol="0">
-            <a:spAutoFit/>
-          </a:bodyPr>
-          <a:lstStyle/>
-          <a:p>
-            <a:r>
-              <a:rPr lang="en-US" sz="1400" b="1" dirty="0"/>
-              <a:t>Block</a:t>
-            </a:r>
-            <a:r>
-              <a:rPr lang="en-US" sz="1400" dirty="0"/>
-              <a:t> – Invalid location for a light bulb</a:t>
-            </a:r>
-          </a:p>
-          <a:p>
-            <a:r>
-              <a:rPr lang="en-US" sz="1400" dirty="0"/>
-              <a:t>Also blocks light</a:t>
-            </a:r>
-          </a:p>
-        </p:txBody>
-      </p:sp>
-      <p:sp>
-        <p:nvSpPr>
-          <p:cNvPr id="23" name="TextBox 22">
-            <a:extLst>
-              <a:ext uri="{FF2B5EF4-FFF2-40B4-BE49-F238E27FC236}">
-                <a16:creationId xmlns:a16="http://schemas.microsoft.com/office/drawing/2014/main" id="{2FC52449-9959-3E4E-B529-6ADE475C0528}"/>
-              </a:ext>
-            </a:extLst>
-          </p:cNvPr>
-          <p:cNvSpPr txBox="1"/>
-          <p:nvPr/>
-        </p:nvSpPr>
-        <p:spPr>
-          <a:xfrm>
-            <a:off x="573110" y="2995746"/>
-            <a:ext cx="3308015" cy="738664"/>
-          </a:xfrm>
-          <a:prstGeom prst="rect">
-            <a:avLst/>
-          </a:prstGeom>
-          <a:noFill/>
-        </p:spPr>
-        <p:txBody>
-          <a:bodyPr wrap="square" rtlCol="0">
-            <a:spAutoFit/>
-          </a:bodyPr>
-          <a:lstStyle/>
-          <a:p>
-            <a:r>
-              <a:rPr lang="en-US" sz="1400" b="1" dirty="0"/>
-              <a:t>Number Block </a:t>
-            </a:r>
-            <a:r>
-              <a:rPr lang="en-US" sz="1400" dirty="0"/>
-              <a:t>– Some blocks contain numbers, They represent how many light bulbs should share edge with that block </a:t>
-            </a:r>
-          </a:p>
-        </p:txBody>
-      </p:sp>
-      <p:sp>
-        <p:nvSpPr>
-          <p:cNvPr id="24" name="TextBox 23">
-            <a:extLst>
-              <a:ext uri="{FF2B5EF4-FFF2-40B4-BE49-F238E27FC236}">
-                <a16:creationId xmlns:a16="http://schemas.microsoft.com/office/drawing/2014/main" id="{ADCCCCD6-79C0-2B47-8F5A-8D0095B87F66}"/>
-              </a:ext>
-            </a:extLst>
-          </p:cNvPr>
-          <p:cNvSpPr txBox="1"/>
-          <p:nvPr/>
-        </p:nvSpPr>
-        <p:spPr>
-          <a:xfrm>
-            <a:off x="573110" y="3747971"/>
-            <a:ext cx="3277500" cy="738664"/>
-          </a:xfrm>
-          <a:prstGeom prst="rect">
-            <a:avLst/>
-          </a:prstGeom>
-          <a:noFill/>
-        </p:spPr>
-        <p:txBody>
-          <a:bodyPr wrap="none" rtlCol="0">
-            <a:spAutoFit/>
-          </a:bodyPr>
-          <a:lstStyle/>
-          <a:p>
-            <a:r>
-              <a:rPr lang="en-US" sz="1400" b="1" dirty="0"/>
-              <a:t>Light Bulb </a:t>
-            </a:r>
-            <a:r>
-              <a:rPr lang="en-US" sz="1400" dirty="0"/>
-              <a:t>– Lights the board vertically and</a:t>
-            </a:r>
-          </a:p>
-          <a:p>
-            <a:r>
-              <a:rPr lang="en-US" sz="1400" dirty="0"/>
-              <a:t>Horizontally until reaches the end of the</a:t>
-            </a:r>
-          </a:p>
-          <a:p>
-            <a:r>
-              <a:rPr lang="en-US" sz="1400" dirty="0"/>
-              <a:t>Board or meets a block.</a:t>
-            </a:r>
-          </a:p>
-        </p:txBody>
-      </p:sp>
-      <p:sp>
-        <p:nvSpPr>
-          <p:cNvPr id="25" name="TextBox 24">
-            <a:extLst>
-              <a:ext uri="{FF2B5EF4-FFF2-40B4-BE49-F238E27FC236}">
-                <a16:creationId xmlns:a16="http://schemas.microsoft.com/office/drawing/2014/main" id="{7900B80A-65CC-B543-89F6-09C9FFD66A85}"/>
-              </a:ext>
-            </a:extLst>
-          </p:cNvPr>
-          <p:cNvSpPr txBox="1"/>
-          <p:nvPr/>
-        </p:nvSpPr>
-        <p:spPr>
-          <a:xfrm>
-            <a:off x="552389" y="4482820"/>
-            <a:ext cx="3417942" cy="954107"/>
-          </a:xfrm>
-          <a:prstGeom prst="rect">
-            <a:avLst/>
-          </a:prstGeom>
-          <a:noFill/>
-        </p:spPr>
-        <p:txBody>
-          <a:bodyPr wrap="square" rtlCol="0">
-            <a:spAutoFit/>
-          </a:bodyPr>
-          <a:lstStyle/>
-          <a:p>
-            <a:r>
-              <a:rPr lang="en-US" sz="1400" b="1" dirty="0"/>
-              <a:t>Illuminated Cell </a:t>
-            </a:r>
-            <a:r>
-              <a:rPr lang="en-US" sz="1400" dirty="0"/>
-              <a:t>– Cells that are already in a direct line with a light bulb. They are invalid spots for light bulbs as it would cause a clash of two light bulbs.</a:t>
-            </a:r>
-          </a:p>
-        </p:txBody>
-      </p:sp>
-    </p:spTree>
-    <p:extLst>
-      <p:ext uri="{BB962C8B-B14F-4D97-AF65-F5344CB8AC3E}">
-        <p14:creationId xmlns:p14="http://schemas.microsoft.com/office/powerpoint/2010/main" val="4103309497"/>
-      </p:ext>
-    </p:extLst>
-  </p:cSld>
-  <p:clrMapOvr>
-    <a:masterClrMapping/>
-  </p:clrMapOvr>
-</p:sld>
-</file>
-
-<file path=ppt/slides/slide20.xml><?xml version="1.0" encoding="utf-8"?>
-<p:sld xmlns:a="http://schemas.openxmlformats.org/drawingml/2006/main" xmlns:r="http://schemas.openxmlformats.org/officeDocument/2006/relationships" xmlns:p="http://schemas.openxmlformats.org/presentationml/2006/main">
-  <p:cSld>
-    <p:spTree>
-      <p:nvGrpSpPr>
-        <p:cNvPr id="1" name=""/>
-        <p:cNvGrpSpPr/>
-        <p:nvPr/>
-      </p:nvGrpSpPr>
-      <p:grpSpPr>
-        <a:xfrm>
-          <a:off x="0" y="0"/>
-          <a:ext cx="0" cy="0"/>
-          <a:chOff x="0" y="0"/>
-          <a:chExt cx="0" cy="0"/>
-        </a:xfrm>
-      </p:grpSpPr>
-      <p:sp>
-        <p:nvSpPr>
-          <p:cNvPr id="4" name="Title 3"/>
-          <p:cNvSpPr>
-            <a:spLocks noGrp="1"/>
-          </p:cNvSpPr>
-          <p:nvPr>
-            <p:ph type="title"/>
-          </p:nvPr>
-        </p:nvSpPr>
-        <p:spPr>
-          <a:xfrm>
-            <a:off x="296260" y="374900"/>
-            <a:ext cx="7016195" cy="610820"/>
-          </a:xfrm>
-        </p:spPr>
-        <p:txBody>
-          <a:bodyPr>
-            <a:normAutofit fontScale="90000"/>
-          </a:bodyPr>
-          <a:lstStyle/>
-          <a:p>
-            <a:pPr algn="l"/>
-            <a:r>
-              <a:rPr lang="en-US" dirty="0">
-                <a:solidFill>
-                  <a:schemeClr val="bg1"/>
-                </a:solidFill>
-              </a:rPr>
-              <a:t>Initial Results</a:t>
-            </a:r>
-          </a:p>
-        </p:txBody>
-      </p:sp>
-      <p:pic>
-        <p:nvPicPr>
-          <p:cNvPr id="3" name="Picture 2">
-            <a:extLst>
-              <a:ext uri="{FF2B5EF4-FFF2-40B4-BE49-F238E27FC236}">
-                <a16:creationId xmlns:a16="http://schemas.microsoft.com/office/drawing/2014/main" id="{879DE6F1-5E93-1C4C-A51D-C5AD1C4CCF47}"/>
-              </a:ext>
-            </a:extLst>
-          </p:cNvPr>
-          <p:cNvPicPr>
-            <a:picLocks noChangeAspect="1"/>
-          </p:cNvPicPr>
-          <p:nvPr/>
-        </p:nvPicPr>
-        <p:blipFill>
-          <a:blip r:embed="rId3">
-            <a:extLst>
-              <a:ext uri="{28A0092B-C50C-407E-A947-70E740481C1C}">
-                <a14:useLocalDpi xmlns:a14="http://schemas.microsoft.com/office/drawing/2010/main" val="0"/>
-              </a:ext>
-            </a:extLst>
-          </a:blip>
-          <a:stretch>
-            <a:fillRect/>
-          </a:stretch>
-        </p:blipFill>
-        <p:spPr>
-          <a:xfrm>
-            <a:off x="1119394" y="1901950"/>
-            <a:ext cx="5369925" cy="4039117"/>
-          </a:xfrm>
-          <a:prstGeom prst="rect">
-            <a:avLst/>
-          </a:prstGeom>
-        </p:spPr>
-      </p:pic>
-    </p:spTree>
-    <p:extLst>
-      <p:ext uri="{BB962C8B-B14F-4D97-AF65-F5344CB8AC3E}">
-        <p14:creationId xmlns:p14="http://schemas.microsoft.com/office/powerpoint/2010/main" val="1636351925"/>
-      </p:ext>
-    </p:extLst>
-  </p:cSld>
-  <p:clrMapOvr>
-    <a:masterClrMapping/>
-  </p:clrMapOvr>
-</p:sld>
-</file>
-
-<file path=ppt/slides/slide21.xml><?xml version="1.0" encoding="utf-8"?>
-<p:sld xmlns:a="http://schemas.openxmlformats.org/drawingml/2006/main" xmlns:r="http://schemas.openxmlformats.org/officeDocument/2006/relationships" xmlns:p="http://schemas.openxmlformats.org/presentationml/2006/main">
-  <p:cSld>
-    <p:spTree>
-      <p:nvGrpSpPr>
-        <p:cNvPr id="1" name=""/>
-        <p:cNvGrpSpPr/>
-        <p:nvPr/>
-      </p:nvGrpSpPr>
-      <p:grpSpPr>
-        <a:xfrm>
-          <a:off x="0" y="0"/>
-          <a:ext cx="0" cy="0"/>
-          <a:chOff x="0" y="0"/>
-          <a:chExt cx="0" cy="0"/>
-        </a:xfrm>
-      </p:grpSpPr>
-      <p:sp>
-        <p:nvSpPr>
-          <p:cNvPr id="4" name="Title 3"/>
-          <p:cNvSpPr>
-            <a:spLocks noGrp="1"/>
-          </p:cNvSpPr>
-          <p:nvPr>
-            <p:ph type="title"/>
-          </p:nvPr>
-        </p:nvSpPr>
-        <p:spPr>
-          <a:xfrm>
-            <a:off x="296260" y="374900"/>
-            <a:ext cx="7016195" cy="610820"/>
-          </a:xfrm>
-        </p:spPr>
-        <p:txBody>
-          <a:bodyPr>
-            <a:normAutofit fontScale="90000"/>
-          </a:bodyPr>
-          <a:lstStyle/>
-          <a:p>
-            <a:pPr algn="l"/>
-            <a:r>
-              <a:rPr lang="en-US" dirty="0">
-                <a:solidFill>
-                  <a:schemeClr val="bg1"/>
-                </a:solidFill>
-              </a:rPr>
-              <a:t>Initial Results</a:t>
-            </a:r>
-          </a:p>
-        </p:txBody>
-      </p:sp>
-      <p:pic>
-        <p:nvPicPr>
           <p:cNvPr id="6" name="Picture 5">
             <a:extLst>
               <a:ext uri="{FF2B5EF4-FFF2-40B4-BE49-F238E27FC236}">
@@ -9913,7 +10713,7 @@
 </p:sld>
 </file>
 
-<file path=ppt/slides/slide22.xml><?xml version="1.0" encoding="utf-8"?>
+<file path=ppt/slides/slide19.xml><?xml version="1.0" encoding="utf-8"?>
 <p:sld xmlns:a="http://schemas.openxmlformats.org/drawingml/2006/main" xmlns:r="http://schemas.openxmlformats.org/officeDocument/2006/relationships" xmlns:p="http://schemas.openxmlformats.org/presentationml/2006/main">
   <p:cSld>
     <p:spTree>
@@ -10785,6 +11585,565 @@
 </p:sld>
 </file>
 
+<file path=ppt/slides/slide2.xml><?xml version="1.0" encoding="utf-8"?>
+<p:sld xmlns:a="http://schemas.openxmlformats.org/drawingml/2006/main" xmlns:r="http://schemas.openxmlformats.org/officeDocument/2006/relationships" xmlns:p="http://schemas.openxmlformats.org/presentationml/2006/main">
+  <p:cSld>
+    <p:spTree>
+      <p:nvGrpSpPr>
+        <p:cNvPr id="1" name=""/>
+        <p:cNvGrpSpPr/>
+        <p:nvPr/>
+      </p:nvGrpSpPr>
+      <p:grpSpPr>
+        <a:xfrm>
+          <a:off x="0" y="0"/>
+          <a:ext cx="0" cy="0"/>
+          <a:chOff x="0" y="0"/>
+          <a:chExt cx="0" cy="0"/>
+        </a:xfrm>
+      </p:grpSpPr>
+      <p:sp>
+        <p:nvSpPr>
+          <p:cNvPr id="2" name="Title 1"/>
+          <p:cNvSpPr>
+            <a:spLocks noGrp="1"/>
+          </p:cNvSpPr>
+          <p:nvPr>
+            <p:ph type="title"/>
+          </p:nvPr>
+        </p:nvSpPr>
+        <p:spPr>
+          <a:xfrm>
+            <a:off x="296260" y="300608"/>
+            <a:ext cx="8229600" cy="691279"/>
+          </a:xfrm>
+        </p:spPr>
+        <p:txBody>
+          <a:bodyPr>
+            <a:normAutofit/>
+          </a:bodyPr>
+          <a:lstStyle/>
+          <a:p>
+            <a:r>
+              <a:rPr lang="en-US" sz="3200" dirty="0"/>
+              <a:t>Lights Up Puzzle - Rules</a:t>
+            </a:r>
+          </a:p>
+        </p:txBody>
+      </p:sp>
+      <p:pic>
+        <p:nvPicPr>
+          <p:cNvPr id="9" name="Picture 8">
+            <a:extLst>
+              <a:ext uri="{FF2B5EF4-FFF2-40B4-BE49-F238E27FC236}">
+                <a16:creationId xmlns:a16="http://schemas.microsoft.com/office/drawing/2014/main" id="{49ED9CE6-5FE4-2748-9C7F-D84EF4255CC5}"/>
+              </a:ext>
+            </a:extLst>
+          </p:cNvPr>
+          <p:cNvPicPr>
+            <a:picLocks noChangeAspect="1"/>
+          </p:cNvPicPr>
+          <p:nvPr/>
+        </p:nvPicPr>
+        <p:blipFill>
+          <a:blip r:embed="rId2">
+            <a:extLst>
+              <a:ext uri="{28A0092B-C50C-407E-A947-70E740481C1C}">
+                <a14:useLocalDpi xmlns:a14="http://schemas.microsoft.com/office/drawing/2010/main" val="0"/>
+              </a:ext>
+            </a:extLst>
+          </a:blip>
+          <a:stretch>
+            <a:fillRect/>
+          </a:stretch>
+        </p:blipFill>
+        <p:spPr>
+          <a:xfrm>
+            <a:off x="3970330" y="1596540"/>
+            <a:ext cx="5182820" cy="5261460"/>
+          </a:xfrm>
+          <a:prstGeom prst="rect">
+            <a:avLst/>
+          </a:prstGeom>
+        </p:spPr>
+      </p:pic>
+      <p:pic>
+        <p:nvPicPr>
+          <p:cNvPr id="12" name="Picture 11">
+            <a:extLst>
+              <a:ext uri="{FF2B5EF4-FFF2-40B4-BE49-F238E27FC236}">
+                <a16:creationId xmlns:a16="http://schemas.microsoft.com/office/drawing/2014/main" id="{4A83AF46-437C-CC4D-BEC2-1ADAC49E614C}"/>
+              </a:ext>
+            </a:extLst>
+          </p:cNvPr>
+          <p:cNvPicPr>
+            <a:picLocks noChangeAspect="1"/>
+          </p:cNvPicPr>
+          <p:nvPr/>
+        </p:nvPicPr>
+        <p:blipFill>
+          <a:blip r:embed="rId3"/>
+          <a:stretch>
+            <a:fillRect/>
+          </a:stretch>
+        </p:blipFill>
+        <p:spPr>
+          <a:xfrm>
+            <a:off x="118724" y="3839808"/>
+            <a:ext cx="436790" cy="436790"/>
+          </a:xfrm>
+          <a:prstGeom prst="rect">
+            <a:avLst/>
+          </a:prstGeom>
+        </p:spPr>
+      </p:pic>
+      <p:pic>
+        <p:nvPicPr>
+          <p:cNvPr id="16" name="Picture 15">
+            <a:extLst>
+              <a:ext uri="{FF2B5EF4-FFF2-40B4-BE49-F238E27FC236}">
+                <a16:creationId xmlns:a16="http://schemas.microsoft.com/office/drawing/2014/main" id="{8FFEF954-63D5-B946-A044-8935521641BE}"/>
+              </a:ext>
+            </a:extLst>
+          </p:cNvPr>
+          <p:cNvPicPr>
+            <a:picLocks noChangeAspect="1"/>
+          </p:cNvPicPr>
+          <p:nvPr/>
+        </p:nvPicPr>
+        <p:blipFill rotWithShape="1">
+          <a:blip r:embed="rId4"/>
+          <a:srcRect l="6833" r="8865" b="4351"/>
+          <a:stretch/>
+        </p:blipFill>
+        <p:spPr>
+          <a:xfrm>
+            <a:off x="118725" y="3110706"/>
+            <a:ext cx="456630" cy="470999"/>
+          </a:xfrm>
+          <a:prstGeom prst="rect">
+            <a:avLst/>
+          </a:prstGeom>
+        </p:spPr>
+      </p:pic>
+      <p:pic>
+        <p:nvPicPr>
+          <p:cNvPr id="18" name="Picture 17">
+            <a:extLst>
+              <a:ext uri="{FF2B5EF4-FFF2-40B4-BE49-F238E27FC236}">
+                <a16:creationId xmlns:a16="http://schemas.microsoft.com/office/drawing/2014/main" id="{BC9EFE3B-2D94-AF42-AD83-0243139A2D48}"/>
+              </a:ext>
+            </a:extLst>
+          </p:cNvPr>
+          <p:cNvPicPr>
+            <a:picLocks noChangeAspect="1"/>
+          </p:cNvPicPr>
+          <p:nvPr/>
+        </p:nvPicPr>
+        <p:blipFill rotWithShape="1">
+          <a:blip r:embed="rId5"/>
+          <a:srcRect t="4172" r="4489" b="10112"/>
+          <a:stretch/>
+        </p:blipFill>
+        <p:spPr>
+          <a:xfrm>
+            <a:off x="129174" y="2426994"/>
+            <a:ext cx="426340" cy="420881"/>
+          </a:xfrm>
+          <a:prstGeom prst="rect">
+            <a:avLst/>
+          </a:prstGeom>
+        </p:spPr>
+      </p:pic>
+      <p:pic>
+        <p:nvPicPr>
+          <p:cNvPr id="19" name="Picture 18">
+            <a:extLst>
+              <a:ext uri="{FF2B5EF4-FFF2-40B4-BE49-F238E27FC236}">
+                <a16:creationId xmlns:a16="http://schemas.microsoft.com/office/drawing/2014/main" id="{6426BC09-5668-4443-8EE9-7580B82D40D6}"/>
+              </a:ext>
+            </a:extLst>
+          </p:cNvPr>
+          <p:cNvPicPr>
+            <a:picLocks noChangeAspect="1"/>
+          </p:cNvPicPr>
+          <p:nvPr/>
+        </p:nvPicPr>
+        <p:blipFill rotWithShape="1">
+          <a:blip r:embed="rId6"/>
+          <a:srcRect l="10244" t="12051" r="10240" b="7566"/>
+          <a:stretch/>
+        </p:blipFill>
+        <p:spPr>
+          <a:xfrm flipH="1">
+            <a:off x="118724" y="1795270"/>
+            <a:ext cx="436790" cy="404759"/>
+          </a:xfrm>
+          <a:prstGeom prst="rect">
+            <a:avLst/>
+          </a:prstGeom>
+        </p:spPr>
+      </p:pic>
+      <p:pic>
+        <p:nvPicPr>
+          <p:cNvPr id="20" name="Picture 19">
+            <a:extLst>
+              <a:ext uri="{FF2B5EF4-FFF2-40B4-BE49-F238E27FC236}">
+                <a16:creationId xmlns:a16="http://schemas.microsoft.com/office/drawing/2014/main" id="{2B60AE64-18FD-604D-8BFD-505A5E79A22F}"/>
+              </a:ext>
+            </a:extLst>
+          </p:cNvPr>
+          <p:cNvPicPr>
+            <a:picLocks noChangeAspect="1"/>
+          </p:cNvPicPr>
+          <p:nvPr/>
+        </p:nvPicPr>
+        <p:blipFill rotWithShape="1">
+          <a:blip r:embed="rId7"/>
+          <a:srcRect l="6001" t="5414" r="3574"/>
+          <a:stretch/>
+        </p:blipFill>
+        <p:spPr>
+          <a:xfrm>
+            <a:off x="129175" y="4644387"/>
+            <a:ext cx="443936" cy="464368"/>
+          </a:xfrm>
+          <a:prstGeom prst="rect">
+            <a:avLst/>
+          </a:prstGeom>
+        </p:spPr>
+      </p:pic>
+      <p:sp>
+        <p:nvSpPr>
+          <p:cNvPr id="21" name="TextBox 20">
+            <a:extLst>
+              <a:ext uri="{FF2B5EF4-FFF2-40B4-BE49-F238E27FC236}">
+                <a16:creationId xmlns:a16="http://schemas.microsoft.com/office/drawing/2014/main" id="{F94665D7-CA88-C44B-9D4E-175395D22A83}"/>
+              </a:ext>
+            </a:extLst>
+          </p:cNvPr>
+          <p:cNvSpPr txBox="1"/>
+          <p:nvPr/>
+        </p:nvSpPr>
+        <p:spPr>
+          <a:xfrm>
+            <a:off x="573110" y="1742061"/>
+            <a:ext cx="3082660" cy="523220"/>
+          </a:xfrm>
+          <a:prstGeom prst="rect">
+            <a:avLst/>
+          </a:prstGeom>
+          <a:noFill/>
+        </p:spPr>
+        <p:txBody>
+          <a:bodyPr wrap="square" rtlCol="0">
+            <a:spAutoFit/>
+          </a:bodyPr>
+          <a:lstStyle/>
+          <a:p>
+            <a:r>
+              <a:rPr lang="en-US" sz="1400" b="1" dirty="0"/>
+              <a:t>Empty Cell  </a:t>
+            </a:r>
+            <a:r>
+              <a:rPr lang="en-US" sz="1400" dirty="0"/>
+              <a:t>- Is an optional spot for a light bulb</a:t>
+            </a:r>
+          </a:p>
+        </p:txBody>
+      </p:sp>
+      <p:sp>
+        <p:nvSpPr>
+          <p:cNvPr id="22" name="TextBox 21">
+            <a:extLst>
+              <a:ext uri="{FF2B5EF4-FFF2-40B4-BE49-F238E27FC236}">
+                <a16:creationId xmlns:a16="http://schemas.microsoft.com/office/drawing/2014/main" id="{06849F51-4247-4149-8F20-E09D12AB5246}"/>
+              </a:ext>
+            </a:extLst>
+          </p:cNvPr>
+          <p:cNvSpPr txBox="1"/>
+          <p:nvPr/>
+        </p:nvSpPr>
+        <p:spPr>
+          <a:xfrm>
+            <a:off x="573110" y="2375824"/>
+            <a:ext cx="2954911" cy="523220"/>
+          </a:xfrm>
+          <a:prstGeom prst="rect">
+            <a:avLst/>
+          </a:prstGeom>
+          <a:noFill/>
+        </p:spPr>
+        <p:txBody>
+          <a:bodyPr wrap="none" rtlCol="0">
+            <a:spAutoFit/>
+          </a:bodyPr>
+          <a:lstStyle/>
+          <a:p>
+            <a:r>
+              <a:rPr lang="en-US" sz="1400" b="1" dirty="0"/>
+              <a:t>Block</a:t>
+            </a:r>
+            <a:r>
+              <a:rPr lang="en-US" sz="1400" dirty="0"/>
+              <a:t> – Invalid location for a light bulb</a:t>
+            </a:r>
+          </a:p>
+          <a:p>
+            <a:r>
+              <a:rPr lang="en-US" sz="1400" dirty="0"/>
+              <a:t>Also blocks light</a:t>
+            </a:r>
+          </a:p>
+        </p:txBody>
+      </p:sp>
+      <p:sp>
+        <p:nvSpPr>
+          <p:cNvPr id="23" name="TextBox 22">
+            <a:extLst>
+              <a:ext uri="{FF2B5EF4-FFF2-40B4-BE49-F238E27FC236}">
+                <a16:creationId xmlns:a16="http://schemas.microsoft.com/office/drawing/2014/main" id="{2FC52449-9959-3E4E-B529-6ADE475C0528}"/>
+              </a:ext>
+            </a:extLst>
+          </p:cNvPr>
+          <p:cNvSpPr txBox="1"/>
+          <p:nvPr/>
+        </p:nvSpPr>
+        <p:spPr>
+          <a:xfrm>
+            <a:off x="573110" y="2995746"/>
+            <a:ext cx="3308015" cy="738664"/>
+          </a:xfrm>
+          <a:prstGeom prst="rect">
+            <a:avLst/>
+          </a:prstGeom>
+          <a:noFill/>
+        </p:spPr>
+        <p:txBody>
+          <a:bodyPr wrap="square" rtlCol="0">
+            <a:spAutoFit/>
+          </a:bodyPr>
+          <a:lstStyle/>
+          <a:p>
+            <a:r>
+              <a:rPr lang="en-US" sz="1400" b="1" dirty="0"/>
+              <a:t>Number Block </a:t>
+            </a:r>
+            <a:r>
+              <a:rPr lang="en-US" sz="1400" dirty="0"/>
+              <a:t>– Some blocks contain numbers, They represent how many light bulbs should share edge with that block </a:t>
+            </a:r>
+          </a:p>
+        </p:txBody>
+      </p:sp>
+      <p:sp>
+        <p:nvSpPr>
+          <p:cNvPr id="24" name="TextBox 23">
+            <a:extLst>
+              <a:ext uri="{FF2B5EF4-FFF2-40B4-BE49-F238E27FC236}">
+                <a16:creationId xmlns:a16="http://schemas.microsoft.com/office/drawing/2014/main" id="{ADCCCCD6-79C0-2B47-8F5A-8D0095B87F66}"/>
+              </a:ext>
+            </a:extLst>
+          </p:cNvPr>
+          <p:cNvSpPr txBox="1"/>
+          <p:nvPr/>
+        </p:nvSpPr>
+        <p:spPr>
+          <a:xfrm>
+            <a:off x="573110" y="3747971"/>
+            <a:ext cx="3277500" cy="738664"/>
+          </a:xfrm>
+          <a:prstGeom prst="rect">
+            <a:avLst/>
+          </a:prstGeom>
+          <a:noFill/>
+        </p:spPr>
+        <p:txBody>
+          <a:bodyPr wrap="none" rtlCol="0">
+            <a:spAutoFit/>
+          </a:bodyPr>
+          <a:lstStyle/>
+          <a:p>
+            <a:r>
+              <a:rPr lang="en-US" sz="1400" b="1" dirty="0"/>
+              <a:t>Light Bulb </a:t>
+            </a:r>
+            <a:r>
+              <a:rPr lang="en-US" sz="1400" dirty="0"/>
+              <a:t>– Lights the board vertically and</a:t>
+            </a:r>
+          </a:p>
+          <a:p>
+            <a:r>
+              <a:rPr lang="en-US" sz="1400" dirty="0"/>
+              <a:t>Horizontally until reaches the end of the</a:t>
+            </a:r>
+          </a:p>
+          <a:p>
+            <a:r>
+              <a:rPr lang="en-US" sz="1400" dirty="0"/>
+              <a:t>Board or meets a block.</a:t>
+            </a:r>
+          </a:p>
+        </p:txBody>
+      </p:sp>
+      <p:sp>
+        <p:nvSpPr>
+          <p:cNvPr id="25" name="TextBox 24">
+            <a:extLst>
+              <a:ext uri="{FF2B5EF4-FFF2-40B4-BE49-F238E27FC236}">
+                <a16:creationId xmlns:a16="http://schemas.microsoft.com/office/drawing/2014/main" id="{7900B80A-65CC-B543-89F6-09C9FFD66A85}"/>
+              </a:ext>
+            </a:extLst>
+          </p:cNvPr>
+          <p:cNvSpPr txBox="1"/>
+          <p:nvPr/>
+        </p:nvSpPr>
+        <p:spPr>
+          <a:xfrm>
+            <a:off x="552389" y="4482820"/>
+            <a:ext cx="3417942" cy="954107"/>
+          </a:xfrm>
+          <a:prstGeom prst="rect">
+            <a:avLst/>
+          </a:prstGeom>
+          <a:noFill/>
+        </p:spPr>
+        <p:txBody>
+          <a:bodyPr wrap="square" rtlCol="0">
+            <a:spAutoFit/>
+          </a:bodyPr>
+          <a:lstStyle/>
+          <a:p>
+            <a:r>
+              <a:rPr lang="en-US" sz="1400" b="1" dirty="0"/>
+              <a:t>Illuminated Cell </a:t>
+            </a:r>
+            <a:r>
+              <a:rPr lang="en-US" sz="1400" dirty="0"/>
+              <a:t>– Cells that are already in a direct line with a light bulb. They are invalid spots for light bulbs as it would cause a clash of two light bulbs.</a:t>
+            </a:r>
+          </a:p>
+        </p:txBody>
+      </p:sp>
+    </p:spTree>
+    <p:extLst>
+      <p:ext uri="{BB962C8B-B14F-4D97-AF65-F5344CB8AC3E}">
+        <p14:creationId xmlns:p14="http://schemas.microsoft.com/office/powerpoint/2010/main" val="4103309497"/>
+      </p:ext>
+    </p:extLst>
+  </p:cSld>
+  <p:clrMapOvr>
+    <a:masterClrMapping/>
+  </p:clrMapOvr>
+</p:sld>
+</file>
+
+<file path=ppt/slides/slide20.xml><?xml version="1.0" encoding="utf-8"?>
+<p:sld xmlns:a="http://schemas.openxmlformats.org/drawingml/2006/main" xmlns:r="http://schemas.openxmlformats.org/officeDocument/2006/relationships" xmlns:p="http://schemas.openxmlformats.org/presentationml/2006/main">
+  <p:cSld>
+    <p:spTree>
+      <p:nvGrpSpPr>
+        <p:cNvPr id="1" name=""/>
+        <p:cNvGrpSpPr/>
+        <p:nvPr/>
+      </p:nvGrpSpPr>
+      <p:grpSpPr>
+        <a:xfrm>
+          <a:off x="0" y="0"/>
+          <a:ext cx="0" cy="0"/>
+          <a:chOff x="0" y="0"/>
+          <a:chExt cx="0" cy="0"/>
+        </a:xfrm>
+      </p:grpSpPr>
+      <p:sp>
+        <p:nvSpPr>
+          <p:cNvPr id="2" name="Title 1"/>
+          <p:cNvSpPr>
+            <a:spLocks noGrp="1"/>
+          </p:cNvSpPr>
+          <p:nvPr>
+            <p:ph type="ctrTitle"/>
+          </p:nvPr>
+        </p:nvSpPr>
+        <p:spPr>
+          <a:xfrm>
+            <a:off x="448965" y="0"/>
+            <a:ext cx="7772400" cy="1374345"/>
+          </a:xfrm>
+        </p:spPr>
+        <p:txBody>
+          <a:bodyPr>
+            <a:normAutofit/>
+          </a:bodyPr>
+          <a:lstStyle/>
+          <a:p>
+            <a:r>
+              <a:rPr lang="en-US" dirty="0"/>
+              <a:t>Genetic Algorithm for </a:t>
+            </a:r>
+            <a:br>
+              <a:rPr lang="en-US" dirty="0"/>
+            </a:br>
+            <a:r>
+              <a:rPr lang="en-US" dirty="0"/>
+              <a:t>Lights Up Puzzles</a:t>
+            </a:r>
+          </a:p>
+        </p:txBody>
+      </p:sp>
+      <p:sp>
+        <p:nvSpPr>
+          <p:cNvPr id="4" name="TextBox 3">
+            <a:extLst>
+              <a:ext uri="{FF2B5EF4-FFF2-40B4-BE49-F238E27FC236}">
+                <a16:creationId xmlns:a16="http://schemas.microsoft.com/office/drawing/2014/main" id="{EF2E86BF-0EA1-C44E-8407-9B5BEFF6DAE1}"/>
+              </a:ext>
+            </a:extLst>
+          </p:cNvPr>
+          <p:cNvSpPr txBox="1"/>
+          <p:nvPr/>
+        </p:nvSpPr>
+        <p:spPr>
+          <a:xfrm>
+            <a:off x="2739540" y="3123590"/>
+            <a:ext cx="8246070" cy="830997"/>
+          </a:xfrm>
+          <a:prstGeom prst="rect">
+            <a:avLst/>
+          </a:prstGeom>
+          <a:noFill/>
+        </p:spPr>
+        <p:txBody>
+          <a:bodyPr wrap="square" rtlCol="0">
+            <a:spAutoFit/>
+          </a:bodyPr>
+          <a:lstStyle/>
+          <a:p>
+            <a:r>
+              <a:rPr lang="en-US" sz="4800" dirty="0"/>
+              <a:t>Questions</a:t>
+            </a:r>
+            <a:r>
+              <a:rPr lang="en-US" dirty="0"/>
+              <a:t>?</a:t>
+            </a:r>
+          </a:p>
+        </p:txBody>
+      </p:sp>
+    </p:spTree>
+    <p:extLst>
+      <p:ext uri="{BB962C8B-B14F-4D97-AF65-F5344CB8AC3E}">
+        <p14:creationId xmlns:p14="http://schemas.microsoft.com/office/powerpoint/2010/main" val="9647017"/>
+      </p:ext>
+    </p:extLst>
+  </p:cSld>
+  <p:clrMapOvr>
+    <a:masterClrMapping/>
+  </p:clrMapOvr>
+</p:sld>
+</file>
+
 <file path=ppt/slides/slide3.xml><?xml version="1.0" encoding="utf-8"?>
 <p:sld xmlns:a="http://schemas.openxmlformats.org/drawingml/2006/main" xmlns:r="http://schemas.openxmlformats.org/officeDocument/2006/relationships" xmlns:p="http://schemas.openxmlformats.org/presentationml/2006/main">
   <p:cSld>
@@ -10938,6 +12297,66 @@
           </a:p>
         </p:txBody>
       </p:sp>
+      <p:pic>
+        <p:nvPicPr>
+          <p:cNvPr id="5" name="Picture 4">
+            <a:extLst>
+              <a:ext uri="{FF2B5EF4-FFF2-40B4-BE49-F238E27FC236}">
+                <a16:creationId xmlns:a16="http://schemas.microsoft.com/office/drawing/2014/main" id="{5AE7505F-5866-8C42-A661-3E6A8AA7734C}"/>
+              </a:ext>
+            </a:extLst>
+          </p:cNvPr>
+          <p:cNvPicPr>
+            <a:picLocks noChangeAspect="1"/>
+          </p:cNvPicPr>
+          <p:nvPr/>
+        </p:nvPicPr>
+        <p:blipFill>
+          <a:blip r:embed="rId3"/>
+          <a:stretch>
+            <a:fillRect/>
+          </a:stretch>
+        </p:blipFill>
+        <p:spPr>
+          <a:xfrm>
+            <a:off x="296260" y="4584353"/>
+            <a:ext cx="1663700" cy="1638300"/>
+          </a:xfrm>
+          <a:prstGeom prst="rect">
+            <a:avLst/>
+          </a:prstGeom>
+        </p:spPr>
+      </p:pic>
+      <p:pic>
+        <p:nvPicPr>
+          <p:cNvPr id="6" name="Picture 5">
+            <a:extLst>
+              <a:ext uri="{FF2B5EF4-FFF2-40B4-BE49-F238E27FC236}">
+                <a16:creationId xmlns:a16="http://schemas.microsoft.com/office/drawing/2014/main" id="{4139586E-E044-7F4A-8310-2D1AB1577724}"/>
+              </a:ext>
+            </a:extLst>
+          </p:cNvPr>
+          <p:cNvPicPr>
+            <a:picLocks noChangeAspect="1"/>
+          </p:cNvPicPr>
+          <p:nvPr/>
+        </p:nvPicPr>
+        <p:blipFill>
+          <a:blip r:embed="rId4"/>
+          <a:stretch>
+            <a:fillRect/>
+          </a:stretch>
+        </p:blipFill>
+        <p:spPr>
+          <a:xfrm>
+            <a:off x="2091410" y="4584353"/>
+            <a:ext cx="1651000" cy="1651000"/>
+          </a:xfrm>
+          <a:prstGeom prst="rect">
+            <a:avLst/>
+          </a:prstGeom>
+        </p:spPr>
+      </p:pic>
     </p:spTree>
     <p:extLst>
       <p:ext uri="{BB962C8B-B14F-4D97-AF65-F5344CB8AC3E}">
@@ -12219,20 +13638,6 @@
 <file path=ppt/slides/slide7.xml><?xml version="1.0" encoding="utf-8"?>
 <p:sld xmlns:a="http://schemas.openxmlformats.org/drawingml/2006/main" xmlns:r="http://schemas.openxmlformats.org/officeDocument/2006/relationships" xmlns:p="http://schemas.openxmlformats.org/presentationml/2006/main">
   <p:cSld>
-    <p:bg>
-      <p:bgPr>
-        <a:blipFill dpi="0" rotWithShape="1">
-          <a:blip r:embed="rId2">
-            <a:lum/>
-          </a:blip>
-          <a:srcRect/>
-          <a:stretch>
-            <a:fillRect/>
-          </a:stretch>
-        </a:blipFill>
-        <a:effectLst/>
-      </p:bgPr>
-    </p:bg>
     <p:spTree>
       <p:nvGrpSpPr>
         <p:cNvPr id="1" name=""/>
@@ -12249,7 +13654,7 @@
       </p:grpSpPr>
       <p:sp>
         <p:nvSpPr>
-          <p:cNvPr id="4" name="Title 3"/>
+          <p:cNvPr id="2" name="Title 1"/>
           <p:cNvSpPr>
             <a:spLocks noGrp="1"/>
           </p:cNvSpPr>
@@ -12257,523 +13662,167 @@
             <p:ph type="title"/>
           </p:nvPr>
         </p:nvSpPr>
-        <p:spPr/>
+        <p:spPr>
+          <a:xfrm>
+            <a:off x="448965" y="374900"/>
+            <a:ext cx="8229600" cy="607625"/>
+          </a:xfrm>
+        </p:spPr>
         <p:txBody>
           <a:bodyPr>
             <a:normAutofit fontScale="90000"/>
           </a:bodyPr>
           <a:lstStyle/>
           <a:p>
-            <a:pPr algn="l"/>
             <a:r>
               <a:rPr lang="en-US" dirty="0"/>
-              <a:t>Crossover</a:t>
-            </a:r>
-          </a:p>
-        </p:txBody>
-      </p:sp>
-      <p:sp>
-        <p:nvSpPr>
-          <p:cNvPr id="6" name="Rectangle 5">
+              <a:t>Fitness</a:t>
+            </a:r>
+          </a:p>
+        </p:txBody>
+      </p:sp>
+      <p:sp>
+        <p:nvSpPr>
+          <p:cNvPr id="7" name="Rectangle 1">
             <a:extLst>
               <a:ext uri="{FF2B5EF4-FFF2-40B4-BE49-F238E27FC236}">
-                <a16:creationId xmlns:a16="http://schemas.microsoft.com/office/drawing/2014/main" id="{C2C57670-E102-C741-8692-28A3E78C9F15}"/>
+                <a16:creationId xmlns:a16="http://schemas.microsoft.com/office/drawing/2014/main" id="{CACE5373-4066-BC4E-BE2A-E7ED77B29282}"/>
               </a:ext>
             </a:extLst>
           </p:cNvPr>
-          <p:cNvSpPr/>
+          <p:cNvSpPr>
+            <a:spLocks noChangeArrowheads="1"/>
+          </p:cNvSpPr>
           <p:nvPr/>
         </p:nvSpPr>
-        <p:spPr>
-          <a:xfrm>
-            <a:off x="2434130" y="2207360"/>
-            <a:ext cx="763525" cy="305410"/>
+        <p:spPr bwMode="auto">
+          <a:xfrm flipV="1">
+            <a:off x="192189" y="5948422"/>
+            <a:ext cx="18742970" cy="646331"/>
           </a:xfrm>
           <a:prstGeom prst="rect">
             <a:avLst/>
           </a:prstGeom>
-          <a:solidFill>
-            <a:srgbClr val="F2576D"/>
-          </a:solidFill>
-        </p:spPr>
-        <p:style>
-          <a:lnRef idx="2">
-            <a:schemeClr val="accent1">
-              <a:shade val="50000"/>
-            </a:schemeClr>
-          </a:lnRef>
-          <a:fillRef idx="1">
-            <a:schemeClr val="accent1"/>
-          </a:fillRef>
-          <a:effectRef idx="0">
-            <a:schemeClr val="accent1"/>
-          </a:effectRef>
-          <a:fontRef idx="minor">
-            <a:schemeClr val="lt1"/>
-          </a:fontRef>
-        </p:style>
-        <p:txBody>
-          <a:bodyPr rtlCol="0" anchor="ctr"/>
-          <a:lstStyle/>
-          <a:p>
-            <a:pPr algn="ctr"/>
-            <a:r>
-              <a:rPr lang="en-US" dirty="0"/>
-              <a:t>A1</a:t>
-            </a:r>
-          </a:p>
-        </p:txBody>
-      </p:sp>
-      <p:sp>
-        <p:nvSpPr>
-          <p:cNvPr id="8" name="Rectangle 7">
+          <a:noFill/>
+          <a:ln>
+            <a:noFill/>
+          </a:ln>
+          <a:effectLst/>
+          <a:extLst>
+            <a:ext uri="{909E8E84-426E-40DD-AFC4-6F175D3DCCD1}">
+              <a14:hiddenFill xmlns:a14="http://schemas.microsoft.com/office/drawing/2010/main">
+                <a:solidFill>
+                  <a:schemeClr val="accent1"/>
+                </a:solidFill>
+              </a14:hiddenFill>
+            </a:ext>
+            <a:ext uri="{91240B29-F687-4F45-9708-019B960494DF}">
+              <a14:hiddenLine xmlns:a14="http://schemas.microsoft.com/office/drawing/2010/main" w="9525">
+                <a:solidFill>
+                  <a:schemeClr val="tx1"/>
+                </a:solidFill>
+                <a:miter lim="800000"/>
+                <a:headEnd/>
+                <a:tailEnd/>
+              </a14:hiddenLine>
+            </a:ext>
+            <a:ext uri="{AF507438-7753-43E0-B8FC-AC1667EBCBE1}">
+              <a14:hiddenEffects xmlns:a14="http://schemas.microsoft.com/office/drawing/2010/main">
+                <a:effectLst>
+                  <a:outerShdw dist="35921" dir="2700000" algn="ctr" rotWithShape="0">
+                    <a:schemeClr val="bg2"/>
+                  </a:outerShdw>
+                </a:effectLst>
+              </a14:hiddenEffects>
+            </a:ext>
+          </a:extLst>
+        </p:spPr>
+        <p:txBody>
+          <a:bodyPr vert="horz" wrap="square" lIns="91440" tIns="45720" rIns="91440" bIns="45720" numCol="1" anchor="ctr" anchorCtr="0" compatLnSpc="1">
+            <a:prstTxWarp prst="textNoShape">
+              <a:avLst/>
+            </a:prstTxWarp>
+            <a:spAutoFit/>
+          </a:bodyPr>
+          <a:lstStyle/>
+          <a:p>
+            <a:pPr marL="0" marR="0" lvl="0" indent="0" algn="l" defTabSz="914400" rtl="0" eaLnBrk="0" fontAlgn="base" latinLnBrk="0" hangingPunct="0">
+              <a:lnSpc>
+                <a:spcPct val="100000"/>
+              </a:lnSpc>
+              <a:spcBef>
+                <a:spcPct val="0"/>
+              </a:spcBef>
+              <a:spcAft>
+                <a:spcPct val="0"/>
+              </a:spcAft>
+              <a:buClrTx/>
+              <a:buSzTx/>
+              <a:buFontTx/>
+              <a:buNone/>
+              <a:tabLst/>
+            </a:pPr>
+            <a:br>
+              <a:rPr kumimoji="0" lang="en-US" altLang="en-US" sz="1800" b="0" i="0" u="none" strike="noStrike" cap="none" normalizeH="0" baseline="0">
+                <a:ln>
+                  <a:noFill/>
+                </a:ln>
+                <a:solidFill>
+                  <a:schemeClr val="tx1"/>
+                </a:solidFill>
+                <a:effectLst/>
+                <a:latin typeface="Arial" panose="020B0604020202020204" pitchFamily="34" charset="0"/>
+              </a:rPr>
+            </a:br>
+            <a:endParaRPr kumimoji="0" lang="en-US" altLang="en-US" sz="1800" b="0" i="0" u="none" strike="noStrike" cap="none" normalizeH="0" baseline="0">
+              <a:ln>
+                <a:noFill/>
+              </a:ln>
+              <a:solidFill>
+                <a:schemeClr val="tx1"/>
+              </a:solidFill>
+              <a:effectLst/>
+              <a:latin typeface="Arial" panose="020B0604020202020204" pitchFamily="34" charset="0"/>
+            </a:endParaRPr>
+          </a:p>
+        </p:txBody>
+      </p:sp>
+      <p:pic>
+        <p:nvPicPr>
+          <p:cNvPr id="10" name="Picture 9">
             <a:extLst>
               <a:ext uri="{FF2B5EF4-FFF2-40B4-BE49-F238E27FC236}">
-                <a16:creationId xmlns:a16="http://schemas.microsoft.com/office/drawing/2014/main" id="{F35A53A7-0E6A-1F4D-A832-48C4B4151395}"/>
+                <a16:creationId xmlns:a16="http://schemas.microsoft.com/office/drawing/2014/main" id="{99522F20-5CC3-C748-A016-77610F6CEEEE}"/>
               </a:ext>
             </a:extLst>
           </p:cNvPr>
-          <p:cNvSpPr/>
+          <p:cNvPicPr>
+            <a:picLocks noChangeAspect="1"/>
+          </p:cNvPicPr>
           <p:nvPr/>
-        </p:nvSpPr>
-        <p:spPr>
-          <a:xfrm>
-            <a:off x="3197655" y="2207360"/>
-            <a:ext cx="763525" cy="305410"/>
+        </p:nvPicPr>
+        <p:blipFill>
+          <a:blip r:embed="rId3"/>
+          <a:stretch>
+            <a:fillRect/>
+          </a:stretch>
+        </p:blipFill>
+        <p:spPr>
+          <a:xfrm>
+            <a:off x="5030115" y="2279590"/>
+            <a:ext cx="3648450" cy="3668832"/>
           </a:xfrm>
           <a:prstGeom prst="rect">
             <a:avLst/>
           </a:prstGeom>
-          <a:solidFill>
-            <a:srgbClr val="F2576D"/>
-          </a:solidFill>
-        </p:spPr>
-        <p:style>
-          <a:lnRef idx="2">
-            <a:schemeClr val="accent1">
-              <a:shade val="50000"/>
-            </a:schemeClr>
-          </a:lnRef>
-          <a:fillRef idx="1">
-            <a:schemeClr val="accent1"/>
-          </a:fillRef>
-          <a:effectRef idx="0">
-            <a:schemeClr val="accent1"/>
-          </a:effectRef>
-          <a:fontRef idx="minor">
-            <a:schemeClr val="lt1"/>
-          </a:fontRef>
-        </p:style>
-        <p:txBody>
-          <a:bodyPr rtlCol="0" anchor="ctr"/>
-          <a:lstStyle/>
-          <a:p>
-            <a:pPr algn="ctr"/>
-            <a:r>
-              <a:rPr lang="en-US" dirty="0"/>
-              <a:t>A2</a:t>
-            </a:r>
-          </a:p>
-        </p:txBody>
-      </p:sp>
-      <p:sp>
-        <p:nvSpPr>
-          <p:cNvPr id="9" name="Rectangle 8">
+        </p:spPr>
+      </p:pic>
+      <p:sp>
+        <p:nvSpPr>
+          <p:cNvPr id="11" name="TextBox 10">
             <a:extLst>
               <a:ext uri="{FF2B5EF4-FFF2-40B4-BE49-F238E27FC236}">
-                <a16:creationId xmlns:a16="http://schemas.microsoft.com/office/drawing/2014/main" id="{58F9646E-CCA8-A340-B836-52B6861807B9}"/>
-              </a:ext>
-            </a:extLst>
-          </p:cNvPr>
-          <p:cNvSpPr/>
-          <p:nvPr/>
-        </p:nvSpPr>
-        <p:spPr>
-          <a:xfrm>
-            <a:off x="5182820" y="2207360"/>
-            <a:ext cx="763525" cy="305410"/>
-          </a:xfrm>
-          <a:prstGeom prst="rect">
-            <a:avLst/>
-          </a:prstGeom>
-          <a:solidFill>
-            <a:srgbClr val="BE0260"/>
-          </a:solidFill>
-        </p:spPr>
-        <p:style>
-          <a:lnRef idx="2">
-            <a:schemeClr val="accent1">
-              <a:shade val="50000"/>
-            </a:schemeClr>
-          </a:lnRef>
-          <a:fillRef idx="1">
-            <a:schemeClr val="accent1"/>
-          </a:fillRef>
-          <a:effectRef idx="0">
-            <a:schemeClr val="accent1"/>
-          </a:effectRef>
-          <a:fontRef idx="minor">
-            <a:schemeClr val="lt1"/>
-          </a:fontRef>
-        </p:style>
-        <p:txBody>
-          <a:bodyPr rtlCol="0" anchor="ctr"/>
-          <a:lstStyle/>
-          <a:p>
-            <a:pPr algn="ctr"/>
-            <a:r>
-              <a:rPr lang="en-US" dirty="0"/>
-              <a:t>B1</a:t>
-            </a:r>
-          </a:p>
-        </p:txBody>
-      </p:sp>
-      <p:sp>
-        <p:nvSpPr>
-          <p:cNvPr id="10" name="Rectangle 9">
-            <a:extLst>
-              <a:ext uri="{FF2B5EF4-FFF2-40B4-BE49-F238E27FC236}">
-                <a16:creationId xmlns:a16="http://schemas.microsoft.com/office/drawing/2014/main" id="{F336ED71-F4F7-E348-BAE9-04568548B9E4}"/>
-              </a:ext>
-            </a:extLst>
-          </p:cNvPr>
-          <p:cNvSpPr/>
-          <p:nvPr/>
-        </p:nvSpPr>
-        <p:spPr>
-          <a:xfrm>
-            <a:off x="5946345" y="2207360"/>
-            <a:ext cx="763525" cy="305410"/>
-          </a:xfrm>
-          <a:prstGeom prst="rect">
-            <a:avLst/>
-          </a:prstGeom>
-          <a:solidFill>
-            <a:srgbClr val="BE0260"/>
-          </a:solidFill>
-        </p:spPr>
-        <p:style>
-          <a:lnRef idx="2">
-            <a:schemeClr val="accent1">
-              <a:shade val="50000"/>
-            </a:schemeClr>
-          </a:lnRef>
-          <a:fillRef idx="1">
-            <a:schemeClr val="accent1"/>
-          </a:fillRef>
-          <a:effectRef idx="0">
-            <a:schemeClr val="accent1"/>
-          </a:effectRef>
-          <a:fontRef idx="minor">
-            <a:schemeClr val="lt1"/>
-          </a:fontRef>
-        </p:style>
-        <p:txBody>
-          <a:bodyPr rtlCol="0" anchor="ctr"/>
-          <a:lstStyle/>
-          <a:p>
-            <a:pPr algn="ctr"/>
-            <a:r>
-              <a:rPr lang="en-US" dirty="0"/>
-              <a:t>B2</a:t>
-            </a:r>
-          </a:p>
-        </p:txBody>
-      </p:sp>
-      <p:cxnSp>
-        <p:nvCxnSpPr>
-          <p:cNvPr id="15" name="Straight Arrow Connector 14">
-            <a:extLst>
-              <a:ext uri="{FF2B5EF4-FFF2-40B4-BE49-F238E27FC236}">
-                <a16:creationId xmlns:a16="http://schemas.microsoft.com/office/drawing/2014/main" id="{E4FF9BC6-C777-4A48-923F-3A69EFFBBC0E}"/>
-              </a:ext>
-            </a:extLst>
-          </p:cNvPr>
-          <p:cNvCxnSpPr/>
-          <p:nvPr/>
-        </p:nvCxnSpPr>
-        <p:spPr>
-          <a:xfrm>
-            <a:off x="3197655" y="2512770"/>
-            <a:ext cx="2748690" cy="1985165"/>
-          </a:xfrm>
-          <a:prstGeom prst="straightConnector1">
-            <a:avLst/>
-          </a:prstGeom>
-          <a:ln>
-            <a:tailEnd type="triangle"/>
-          </a:ln>
-        </p:spPr>
-        <p:style>
-          <a:lnRef idx="1">
-            <a:schemeClr val="accent1"/>
-          </a:lnRef>
-          <a:fillRef idx="0">
-            <a:schemeClr val="accent1"/>
-          </a:fillRef>
-          <a:effectRef idx="0">
-            <a:schemeClr val="accent1"/>
-          </a:effectRef>
-          <a:fontRef idx="minor">
-            <a:schemeClr val="tx1"/>
-          </a:fontRef>
-        </p:style>
-      </p:cxnSp>
-      <p:cxnSp>
-        <p:nvCxnSpPr>
-          <p:cNvPr id="16" name="Straight Arrow Connector 15">
-            <a:extLst>
-              <a:ext uri="{FF2B5EF4-FFF2-40B4-BE49-F238E27FC236}">
-                <a16:creationId xmlns:a16="http://schemas.microsoft.com/office/drawing/2014/main" id="{A65FCC75-BD08-4D42-B1CB-E24681CD3854}"/>
-              </a:ext>
-            </a:extLst>
-          </p:cNvPr>
-          <p:cNvCxnSpPr>
-            <a:cxnSpLocks/>
-          </p:cNvCxnSpPr>
-          <p:nvPr/>
-        </p:nvCxnSpPr>
-        <p:spPr>
-          <a:xfrm flipH="1">
-            <a:off x="3197654" y="2512769"/>
-            <a:ext cx="2748692" cy="1985166"/>
-          </a:xfrm>
-          <a:prstGeom prst="straightConnector1">
-            <a:avLst/>
-          </a:prstGeom>
-          <a:ln>
-            <a:tailEnd type="triangle"/>
-          </a:ln>
-        </p:spPr>
-        <p:style>
-          <a:lnRef idx="1">
-            <a:schemeClr val="accent1"/>
-          </a:lnRef>
-          <a:fillRef idx="0">
-            <a:schemeClr val="accent1"/>
-          </a:fillRef>
-          <a:effectRef idx="0">
-            <a:schemeClr val="accent1"/>
-          </a:effectRef>
-          <a:fontRef idx="minor">
-            <a:schemeClr val="tx1"/>
-          </a:fontRef>
-        </p:style>
-      </p:cxnSp>
-      <p:sp>
-        <p:nvSpPr>
-          <p:cNvPr id="19" name="Rectangle 18">
-            <a:extLst>
-              <a:ext uri="{FF2B5EF4-FFF2-40B4-BE49-F238E27FC236}">
-                <a16:creationId xmlns:a16="http://schemas.microsoft.com/office/drawing/2014/main" id="{20E77784-FD93-2C4E-90CD-5C268569B4C9}"/>
-              </a:ext>
-            </a:extLst>
-          </p:cNvPr>
-          <p:cNvSpPr/>
-          <p:nvPr/>
-        </p:nvSpPr>
-        <p:spPr>
-          <a:xfrm>
-            <a:off x="2434129" y="4650640"/>
-            <a:ext cx="763525" cy="305410"/>
-          </a:xfrm>
-          <a:prstGeom prst="rect">
-            <a:avLst/>
-          </a:prstGeom>
-          <a:solidFill>
-            <a:srgbClr val="F2576D"/>
-          </a:solidFill>
-        </p:spPr>
-        <p:style>
-          <a:lnRef idx="2">
-            <a:schemeClr val="accent1">
-              <a:shade val="50000"/>
-            </a:schemeClr>
-          </a:lnRef>
-          <a:fillRef idx="1">
-            <a:schemeClr val="accent1"/>
-          </a:fillRef>
-          <a:effectRef idx="0">
-            <a:schemeClr val="accent1"/>
-          </a:effectRef>
-          <a:fontRef idx="minor">
-            <a:schemeClr val="lt1"/>
-          </a:fontRef>
-        </p:style>
-        <p:txBody>
-          <a:bodyPr rtlCol="0" anchor="ctr"/>
-          <a:lstStyle/>
-          <a:p>
-            <a:pPr algn="ctr"/>
-            <a:r>
-              <a:rPr lang="en-US" dirty="0"/>
-              <a:t>A1</a:t>
-            </a:r>
-          </a:p>
-        </p:txBody>
-      </p:sp>
-      <p:sp>
-        <p:nvSpPr>
-          <p:cNvPr id="20" name="Rectangle 19">
-            <a:extLst>
-              <a:ext uri="{FF2B5EF4-FFF2-40B4-BE49-F238E27FC236}">
-                <a16:creationId xmlns:a16="http://schemas.microsoft.com/office/drawing/2014/main" id="{737FB8C7-BA3A-EE40-91AB-955AF7349734}"/>
-              </a:ext>
-            </a:extLst>
-          </p:cNvPr>
-          <p:cNvSpPr/>
-          <p:nvPr/>
-        </p:nvSpPr>
-        <p:spPr>
-          <a:xfrm>
-            <a:off x="3197655" y="4657842"/>
-            <a:ext cx="763525" cy="305410"/>
-          </a:xfrm>
-          <a:prstGeom prst="rect">
-            <a:avLst/>
-          </a:prstGeom>
-          <a:solidFill>
-            <a:srgbClr val="BE0260"/>
-          </a:solidFill>
-        </p:spPr>
-        <p:style>
-          <a:lnRef idx="2">
-            <a:schemeClr val="accent1">
-              <a:shade val="50000"/>
-            </a:schemeClr>
-          </a:lnRef>
-          <a:fillRef idx="1">
-            <a:schemeClr val="accent1"/>
-          </a:fillRef>
-          <a:effectRef idx="0">
-            <a:schemeClr val="accent1"/>
-          </a:effectRef>
-          <a:fontRef idx="minor">
-            <a:schemeClr val="lt1"/>
-          </a:fontRef>
-        </p:style>
-        <p:txBody>
-          <a:bodyPr rtlCol="0" anchor="ctr"/>
-          <a:lstStyle/>
-          <a:p>
-            <a:pPr algn="ctr"/>
-            <a:r>
-              <a:rPr lang="en-US" dirty="0"/>
-              <a:t>B2</a:t>
-            </a:r>
-          </a:p>
-        </p:txBody>
-      </p:sp>
-      <p:sp>
-        <p:nvSpPr>
-          <p:cNvPr id="21" name="Rectangle 20">
-            <a:extLst>
-              <a:ext uri="{FF2B5EF4-FFF2-40B4-BE49-F238E27FC236}">
-                <a16:creationId xmlns:a16="http://schemas.microsoft.com/office/drawing/2014/main" id="{9704DD9C-C8DE-4A49-AB54-FCDE9131E962}"/>
-              </a:ext>
-            </a:extLst>
-          </p:cNvPr>
-          <p:cNvSpPr/>
-          <p:nvPr/>
-        </p:nvSpPr>
-        <p:spPr>
-          <a:xfrm>
-            <a:off x="5182820" y="4650640"/>
-            <a:ext cx="763525" cy="305410"/>
-          </a:xfrm>
-          <a:prstGeom prst="rect">
-            <a:avLst/>
-          </a:prstGeom>
-          <a:solidFill>
-            <a:srgbClr val="BE0260"/>
-          </a:solidFill>
-        </p:spPr>
-        <p:style>
-          <a:lnRef idx="2">
-            <a:schemeClr val="accent1">
-              <a:shade val="50000"/>
-            </a:schemeClr>
-          </a:lnRef>
-          <a:fillRef idx="1">
-            <a:schemeClr val="accent1"/>
-          </a:fillRef>
-          <a:effectRef idx="0">
-            <a:schemeClr val="accent1"/>
-          </a:effectRef>
-          <a:fontRef idx="minor">
-            <a:schemeClr val="lt1"/>
-          </a:fontRef>
-        </p:style>
-        <p:txBody>
-          <a:bodyPr rtlCol="0" anchor="ctr"/>
-          <a:lstStyle/>
-          <a:p>
-            <a:pPr algn="ctr"/>
-            <a:r>
-              <a:rPr lang="en-US" dirty="0"/>
-              <a:t>B1</a:t>
-            </a:r>
-          </a:p>
-        </p:txBody>
-      </p:sp>
-      <p:sp>
-        <p:nvSpPr>
-          <p:cNvPr id="22" name="Rectangle 21">
-            <a:extLst>
-              <a:ext uri="{FF2B5EF4-FFF2-40B4-BE49-F238E27FC236}">
-                <a16:creationId xmlns:a16="http://schemas.microsoft.com/office/drawing/2014/main" id="{097CD96F-2F9A-8E44-8408-63610AC5765F}"/>
-              </a:ext>
-            </a:extLst>
-          </p:cNvPr>
-          <p:cNvSpPr/>
-          <p:nvPr/>
-        </p:nvSpPr>
-        <p:spPr>
-          <a:xfrm>
-            <a:off x="5946345" y="4650640"/>
-            <a:ext cx="763525" cy="305410"/>
-          </a:xfrm>
-          <a:prstGeom prst="rect">
-            <a:avLst/>
-          </a:prstGeom>
-          <a:solidFill>
-            <a:srgbClr val="F2576D"/>
-          </a:solidFill>
-        </p:spPr>
-        <p:style>
-          <a:lnRef idx="2">
-            <a:schemeClr val="accent1">
-              <a:shade val="50000"/>
-            </a:schemeClr>
-          </a:lnRef>
-          <a:fillRef idx="1">
-            <a:schemeClr val="accent1"/>
-          </a:fillRef>
-          <a:effectRef idx="0">
-            <a:schemeClr val="accent1"/>
-          </a:effectRef>
-          <a:fontRef idx="minor">
-            <a:schemeClr val="lt1"/>
-          </a:fontRef>
-        </p:style>
-        <p:txBody>
-          <a:bodyPr rtlCol="0" anchor="ctr"/>
-          <a:lstStyle/>
-          <a:p>
-            <a:pPr algn="ctr"/>
-            <a:r>
-              <a:rPr lang="en-US" dirty="0"/>
-              <a:t>A2</a:t>
-            </a:r>
-          </a:p>
-        </p:txBody>
-      </p:sp>
-      <p:sp>
-        <p:nvSpPr>
-          <p:cNvPr id="23" name="TextBox 22">
-            <a:extLst>
-              <a:ext uri="{FF2B5EF4-FFF2-40B4-BE49-F238E27FC236}">
-                <a16:creationId xmlns:a16="http://schemas.microsoft.com/office/drawing/2014/main" id="{DC4BA68D-591F-8D4D-83F2-231861EEB39F}"/>
+                <a16:creationId xmlns:a16="http://schemas.microsoft.com/office/drawing/2014/main" id="{4CAAF752-A288-EC44-BF7A-9D1BB437616A}"/>
               </a:ext>
             </a:extLst>
           </p:cNvPr>
@@ -12782,8 +13831,8 @@
         </p:nvSpPr>
         <p:spPr>
           <a:xfrm>
-            <a:off x="5182820" y="3734410"/>
-            <a:ext cx="476412" cy="369332"/>
+            <a:off x="448965" y="2279590"/>
+            <a:ext cx="4428445" cy="1477328"/>
           </a:xfrm>
           <a:prstGeom prst="rect">
             <a:avLst/>
@@ -12791,57 +13840,47 @@
           <a:noFill/>
         </p:spPr>
         <p:txBody>
-          <a:bodyPr wrap="none" rtlCol="0">
+          <a:bodyPr wrap="square" rtlCol="0">
             <a:spAutoFit/>
           </a:bodyPr>
           <a:lstStyle/>
           <a:p>
+            <a:pPr marL="285750" indent="-285750">
+              <a:buFont typeface="Arial" panose="020B0604020202020204" pitchFamily="34" charset="0"/>
+              <a:buChar char="•"/>
+            </a:pPr>
             <a:r>
               <a:rPr lang="en-US" dirty="0"/>
-              <a:t>0.5</a:t>
-            </a:r>
-          </a:p>
-        </p:txBody>
-      </p:sp>
-      <p:sp>
-        <p:nvSpPr>
-          <p:cNvPr id="24" name="TextBox 23">
-            <a:extLst>
-              <a:ext uri="{FF2B5EF4-FFF2-40B4-BE49-F238E27FC236}">
-                <a16:creationId xmlns:a16="http://schemas.microsoft.com/office/drawing/2014/main" id="{FB7B4D6F-E1A9-C246-ABD0-6B03E25046EA}"/>
-              </a:ext>
-            </a:extLst>
-          </p:cNvPr>
-          <p:cNvSpPr txBox="1"/>
-          <p:nvPr/>
-        </p:nvSpPr>
-        <p:spPr>
-          <a:xfrm>
-            <a:off x="3579417" y="3734410"/>
-            <a:ext cx="476412" cy="369332"/>
-          </a:xfrm>
-          <a:prstGeom prst="rect">
-            <a:avLst/>
-          </a:prstGeom>
-          <a:noFill/>
-        </p:spPr>
-        <p:txBody>
-          <a:bodyPr wrap="none" rtlCol="0">
-            <a:spAutoFit/>
-          </a:bodyPr>
-          <a:lstStyle/>
-          <a:p>
+              <a:t>Fitness = number of cells which are not illuminated</a:t>
+            </a:r>
+            <a:r>
+              <a:rPr lang="he-IL" dirty="0"/>
+              <a:t> </a:t>
+            </a:r>
             <a:r>
               <a:rPr lang="en-US" dirty="0"/>
-              <a:t>0.5</a:t>
-            </a:r>
+              <a:t> + number of intersections + missing lights </a:t>
+            </a:r>
+          </a:p>
+          <a:p>
+            <a:pPr marL="285750" indent="-285750">
+              <a:buFont typeface="Arial" panose="020B0604020202020204" pitchFamily="34" charset="0"/>
+              <a:buChar char="•"/>
+            </a:pPr>
+            <a:r>
+              <a:rPr lang="en-US" dirty="0"/>
+              <a:t>Optimal Fitness = 0</a:t>
+            </a:r>
+          </a:p>
+          <a:p>
+            <a:endParaRPr lang="en-US" dirty="0"/>
           </a:p>
         </p:txBody>
       </p:sp>
     </p:spTree>
     <p:extLst>
       <p:ext uri="{BB962C8B-B14F-4D97-AF65-F5344CB8AC3E}">
-        <p14:creationId xmlns:p14="http://schemas.microsoft.com/office/powerpoint/2010/main" val="1101633878"/>
+        <p14:creationId xmlns:p14="http://schemas.microsoft.com/office/powerpoint/2010/main" val="3196442922"/>
       </p:ext>
     </p:extLst>
   </p:cSld>
@@ -12854,20 +13893,6 @@
 <file path=ppt/slides/slide8.xml><?xml version="1.0" encoding="utf-8"?>
 <p:sld xmlns:a="http://schemas.openxmlformats.org/drawingml/2006/main" xmlns:r="http://schemas.openxmlformats.org/officeDocument/2006/relationships" xmlns:p="http://schemas.openxmlformats.org/presentationml/2006/main">
   <p:cSld>
-    <p:bg>
-      <p:bgPr>
-        <a:blipFill dpi="0" rotWithShape="1">
-          <a:blip r:embed="rId2">
-            <a:lum/>
-          </a:blip>
-          <a:srcRect/>
-          <a:stretch>
-            <a:fillRect/>
-          </a:stretch>
-        </a:blipFill>
-        <a:effectLst/>
-      </p:bgPr>
-    </p:bg>
     <p:spTree>
       <p:nvGrpSpPr>
         <p:cNvPr id="1" name=""/>
@@ -12892,7 +13917,12 @@
             <p:ph type="title"/>
           </p:nvPr>
         </p:nvSpPr>
-        <p:spPr/>
+        <p:spPr>
+          <a:xfrm>
+            <a:off x="448965" y="374900"/>
+            <a:ext cx="7016195" cy="610820"/>
+          </a:xfrm>
+        </p:spPr>
         <p:txBody>
           <a:bodyPr>
             <a:normAutofit fontScale="90000"/>
@@ -12901,271 +13931,27 @@
           <a:p>
             <a:pPr algn="l"/>
             <a:r>
-              <a:rPr lang="en-US" dirty="0"/>
-              <a:t>Crossover 2</a:t>
-            </a:r>
-          </a:p>
-        </p:txBody>
-      </p:sp>
-      <p:sp>
-        <p:nvSpPr>
-          <p:cNvPr id="6" name="Rectangle 5">
+              <a:rPr lang="he-IL" dirty="0">
+                <a:solidFill>
+                  <a:schemeClr val="bg1"/>
+                </a:solidFill>
+              </a:rPr>
+              <a:t>Lights Up Board Parser</a:t>
+            </a:r>
+            <a:endParaRPr lang="en-US" dirty="0">
+              <a:solidFill>
+                <a:schemeClr val="bg1"/>
+              </a:solidFill>
+            </a:endParaRPr>
+          </a:p>
+        </p:txBody>
+      </p:sp>
+      <p:sp>
+        <p:nvSpPr>
+          <p:cNvPr id="2" name="TextBox 1">
             <a:extLst>
               <a:ext uri="{FF2B5EF4-FFF2-40B4-BE49-F238E27FC236}">
-                <a16:creationId xmlns:a16="http://schemas.microsoft.com/office/drawing/2014/main" id="{C2C57670-E102-C741-8692-28A3E78C9F15}"/>
-              </a:ext>
-            </a:extLst>
-          </p:cNvPr>
-          <p:cNvSpPr/>
-          <p:nvPr/>
-        </p:nvSpPr>
-        <p:spPr>
-          <a:xfrm>
-            <a:off x="2281425" y="2207360"/>
-            <a:ext cx="458115" cy="305410"/>
-          </a:xfrm>
-          <a:prstGeom prst="rect">
-            <a:avLst/>
-          </a:prstGeom>
-          <a:solidFill>
-            <a:srgbClr val="F2576D"/>
-          </a:solidFill>
-        </p:spPr>
-        <p:style>
-          <a:lnRef idx="2">
-            <a:schemeClr val="accent1">
-              <a:shade val="50000"/>
-            </a:schemeClr>
-          </a:lnRef>
-          <a:fillRef idx="1">
-            <a:schemeClr val="accent1"/>
-          </a:fillRef>
-          <a:effectRef idx="0">
-            <a:schemeClr val="accent1"/>
-          </a:effectRef>
-          <a:fontRef idx="minor">
-            <a:schemeClr val="lt1"/>
-          </a:fontRef>
-        </p:style>
-        <p:txBody>
-          <a:bodyPr rtlCol="0" anchor="ctr"/>
-          <a:lstStyle/>
-          <a:p>
-            <a:pPr algn="ctr"/>
-            <a:r>
-              <a:rPr lang="en-US" dirty="0"/>
-              <a:t>A1</a:t>
-            </a:r>
-          </a:p>
-        </p:txBody>
-      </p:sp>
-      <p:sp>
-        <p:nvSpPr>
-          <p:cNvPr id="8" name="Rectangle 7">
-            <a:extLst>
-              <a:ext uri="{FF2B5EF4-FFF2-40B4-BE49-F238E27FC236}">
-                <a16:creationId xmlns:a16="http://schemas.microsoft.com/office/drawing/2014/main" id="{F35A53A7-0E6A-1F4D-A832-48C4B4151395}"/>
-              </a:ext>
-            </a:extLst>
-          </p:cNvPr>
-          <p:cNvSpPr/>
-          <p:nvPr/>
-        </p:nvSpPr>
-        <p:spPr>
-          <a:xfrm>
-            <a:off x="2739540" y="2207360"/>
-            <a:ext cx="458115" cy="305410"/>
-          </a:xfrm>
-          <a:prstGeom prst="rect">
-            <a:avLst/>
-          </a:prstGeom>
-          <a:solidFill>
-            <a:srgbClr val="F2576D"/>
-          </a:solidFill>
-        </p:spPr>
-        <p:style>
-          <a:lnRef idx="2">
-            <a:schemeClr val="accent1">
-              <a:shade val="50000"/>
-            </a:schemeClr>
-          </a:lnRef>
-          <a:fillRef idx="1">
-            <a:schemeClr val="accent1"/>
-          </a:fillRef>
-          <a:effectRef idx="0">
-            <a:schemeClr val="accent1"/>
-          </a:effectRef>
-          <a:fontRef idx="minor">
-            <a:schemeClr val="lt1"/>
-          </a:fontRef>
-        </p:style>
-        <p:txBody>
-          <a:bodyPr rtlCol="0" anchor="ctr"/>
-          <a:lstStyle/>
-          <a:p>
-            <a:pPr algn="ctr"/>
-            <a:r>
-              <a:rPr lang="en-US" dirty="0"/>
-              <a:t>A2</a:t>
-            </a:r>
-          </a:p>
-        </p:txBody>
-      </p:sp>
-      <p:cxnSp>
-        <p:nvCxnSpPr>
-          <p:cNvPr id="5" name="Straight Connector 4">
-            <a:extLst>
-              <a:ext uri="{FF2B5EF4-FFF2-40B4-BE49-F238E27FC236}">
-                <a16:creationId xmlns:a16="http://schemas.microsoft.com/office/drawing/2014/main" id="{8CFED9FB-8DB6-BC4D-B32D-C73E54A1C5E4}"/>
-              </a:ext>
-            </a:extLst>
-          </p:cNvPr>
-          <p:cNvCxnSpPr/>
-          <p:nvPr/>
-        </p:nvCxnSpPr>
-        <p:spPr>
-          <a:xfrm>
-            <a:off x="5946345" y="2512770"/>
-            <a:ext cx="0" cy="763525"/>
-          </a:xfrm>
-          <a:prstGeom prst="line">
-            <a:avLst/>
-          </a:prstGeom>
-        </p:spPr>
-        <p:style>
-          <a:lnRef idx="1">
-            <a:schemeClr val="accent1"/>
-          </a:lnRef>
-          <a:fillRef idx="0">
-            <a:schemeClr val="accent1"/>
-          </a:fillRef>
-          <a:effectRef idx="0">
-            <a:schemeClr val="accent1"/>
-          </a:effectRef>
-          <a:fontRef idx="minor">
-            <a:schemeClr val="tx1"/>
-          </a:fontRef>
-        </p:style>
-      </p:cxnSp>
-      <p:cxnSp>
-        <p:nvCxnSpPr>
-          <p:cNvPr id="18" name="Straight Connector 17">
-            <a:extLst>
-              <a:ext uri="{FF2B5EF4-FFF2-40B4-BE49-F238E27FC236}">
-                <a16:creationId xmlns:a16="http://schemas.microsoft.com/office/drawing/2014/main" id="{6DF84752-EFAE-BE4B-9AEF-D212138F2B2B}"/>
-              </a:ext>
-            </a:extLst>
-          </p:cNvPr>
-          <p:cNvCxnSpPr/>
-          <p:nvPr/>
-        </p:nvCxnSpPr>
-        <p:spPr>
-          <a:xfrm>
-            <a:off x="3197654" y="2512770"/>
-            <a:ext cx="0" cy="763525"/>
-          </a:xfrm>
-          <a:prstGeom prst="line">
-            <a:avLst/>
-          </a:prstGeom>
-        </p:spPr>
-        <p:style>
-          <a:lnRef idx="1">
-            <a:schemeClr val="accent1"/>
-          </a:lnRef>
-          <a:fillRef idx="0">
-            <a:schemeClr val="accent1"/>
-          </a:fillRef>
-          <a:effectRef idx="0">
-            <a:schemeClr val="accent1"/>
-          </a:effectRef>
-          <a:fontRef idx="minor">
-            <a:schemeClr val="tx1"/>
-          </a:fontRef>
-        </p:style>
-      </p:cxnSp>
-      <p:cxnSp>
-        <p:nvCxnSpPr>
-          <p:cNvPr id="11" name="Straight Connector 10">
-            <a:extLst>
-              <a:ext uri="{FF2B5EF4-FFF2-40B4-BE49-F238E27FC236}">
-                <a16:creationId xmlns:a16="http://schemas.microsoft.com/office/drawing/2014/main" id="{E1E645C9-24C5-4646-8604-89FDCC58117A}"/>
-              </a:ext>
-            </a:extLst>
-          </p:cNvPr>
-          <p:cNvCxnSpPr/>
-          <p:nvPr/>
-        </p:nvCxnSpPr>
-        <p:spPr>
-          <a:xfrm>
-            <a:off x="3197654" y="3276295"/>
-            <a:ext cx="2748691" cy="0"/>
-          </a:xfrm>
-          <a:prstGeom prst="line">
-            <a:avLst/>
-          </a:prstGeom>
-        </p:spPr>
-        <p:style>
-          <a:lnRef idx="1">
-            <a:schemeClr val="accent1"/>
-          </a:lnRef>
-          <a:fillRef idx="0">
-            <a:schemeClr val="accent1"/>
-          </a:fillRef>
-          <a:effectRef idx="0">
-            <a:schemeClr val="accent1"/>
-          </a:effectRef>
-          <a:fontRef idx="minor">
-            <a:schemeClr val="tx1"/>
-          </a:fontRef>
-        </p:style>
-      </p:cxnSp>
-      <p:cxnSp>
-        <p:nvCxnSpPr>
-          <p:cNvPr id="13" name="Straight Arrow Connector 12">
-            <a:extLst>
-              <a:ext uri="{FF2B5EF4-FFF2-40B4-BE49-F238E27FC236}">
-                <a16:creationId xmlns:a16="http://schemas.microsoft.com/office/drawing/2014/main" id="{D9989DC5-4644-3F40-B287-C43E63B06B60}"/>
-              </a:ext>
-            </a:extLst>
-          </p:cNvPr>
-          <p:cNvCxnSpPr>
-            <a:cxnSpLocks/>
-          </p:cNvCxnSpPr>
-          <p:nvPr/>
-        </p:nvCxnSpPr>
-        <p:spPr>
-          <a:xfrm flipH="1">
-            <a:off x="4724706" y="3276295"/>
-            <a:ext cx="1" cy="972912"/>
-          </a:xfrm>
-          <a:prstGeom prst="straightConnector1">
-            <a:avLst/>
-          </a:prstGeom>
-          <a:ln>
-            <a:tailEnd type="triangle"/>
-          </a:ln>
-        </p:spPr>
-        <p:style>
-          <a:lnRef idx="1">
-            <a:schemeClr val="accent1"/>
-          </a:lnRef>
-          <a:fillRef idx="0">
-            <a:schemeClr val="accent1"/>
-          </a:fillRef>
-          <a:effectRef idx="0">
-            <a:schemeClr val="accent1"/>
-          </a:effectRef>
-          <a:fontRef idx="minor">
-            <a:schemeClr val="tx1"/>
-          </a:fontRef>
-        </p:style>
-      </p:cxnSp>
-      <p:sp>
-        <p:nvSpPr>
-          <p:cNvPr id="41" name="TextBox 40">
-            <a:extLst>
-              <a:ext uri="{FF2B5EF4-FFF2-40B4-BE49-F238E27FC236}">
-                <a16:creationId xmlns:a16="http://schemas.microsoft.com/office/drawing/2014/main" id="{719FFC88-BA77-CA40-8B23-575C5BBD03EB}"/>
+                <a16:creationId xmlns:a16="http://schemas.microsoft.com/office/drawing/2014/main" id="{4E192D78-C4B1-5C43-AA50-3A1B23804946}"/>
               </a:ext>
             </a:extLst>
           </p:cNvPr>
@@ -13174,8 +13960,8 @@
         </p:nvSpPr>
         <p:spPr>
           <a:xfrm>
-            <a:off x="4911722" y="3670488"/>
-            <a:ext cx="3534622" cy="369332"/>
+            <a:off x="296261" y="1901950"/>
+            <a:ext cx="8551480" cy="3108543"/>
           </a:xfrm>
           <a:prstGeom prst="rect">
             <a:avLst/>
@@ -13183,534 +13969,57 @@
           <a:noFill/>
         </p:spPr>
         <p:txBody>
-          <a:bodyPr wrap="none" rtlCol="0">
+          <a:bodyPr wrap="square" rtlCol="0">
             <a:spAutoFit/>
           </a:bodyPr>
           <a:lstStyle/>
           <a:p>
             <a:r>
-              <a:rPr lang="en-US" dirty="0"/>
-              <a:t>*Each bit have 50% of being chosen</a:t>
-            </a:r>
-          </a:p>
-        </p:txBody>
-      </p:sp>
-      <p:sp>
-        <p:nvSpPr>
-          <p:cNvPr id="25" name="Rectangle 24">
-            <a:extLst>
-              <a:ext uri="{FF2B5EF4-FFF2-40B4-BE49-F238E27FC236}">
-                <a16:creationId xmlns:a16="http://schemas.microsoft.com/office/drawing/2014/main" id="{F46D754E-F3B5-B147-98F7-65AB6AF0D053}"/>
-              </a:ext>
-            </a:extLst>
-          </p:cNvPr>
-          <p:cNvSpPr/>
-          <p:nvPr/>
-        </p:nvSpPr>
-        <p:spPr>
-          <a:xfrm>
-            <a:off x="3197655" y="2207360"/>
-            <a:ext cx="458115" cy="305410"/>
-          </a:xfrm>
-          <a:prstGeom prst="rect">
-            <a:avLst/>
-          </a:prstGeom>
-          <a:solidFill>
-            <a:srgbClr val="F2576D"/>
-          </a:solidFill>
-        </p:spPr>
-        <p:style>
-          <a:lnRef idx="2">
-            <a:schemeClr val="accent1">
-              <a:shade val="50000"/>
-            </a:schemeClr>
-          </a:lnRef>
-          <a:fillRef idx="1">
-            <a:schemeClr val="accent1"/>
-          </a:fillRef>
-          <a:effectRef idx="0">
-            <a:schemeClr val="accent1"/>
-          </a:effectRef>
-          <a:fontRef idx="minor">
-            <a:schemeClr val="lt1"/>
-          </a:fontRef>
-        </p:style>
-        <p:txBody>
-          <a:bodyPr rtlCol="0" anchor="ctr"/>
-          <a:lstStyle/>
-          <a:p>
-            <a:pPr algn="ctr"/>
-            <a:r>
-              <a:rPr lang="en-US" dirty="0"/>
-              <a:t>A3</a:t>
-            </a:r>
-          </a:p>
-        </p:txBody>
-      </p:sp>
-      <p:sp>
-        <p:nvSpPr>
-          <p:cNvPr id="26" name="Rectangle 25">
-            <a:extLst>
-              <a:ext uri="{FF2B5EF4-FFF2-40B4-BE49-F238E27FC236}">
-                <a16:creationId xmlns:a16="http://schemas.microsoft.com/office/drawing/2014/main" id="{99EF9B53-3626-3941-AB96-069AAD469FDF}"/>
-              </a:ext>
-            </a:extLst>
-          </p:cNvPr>
-          <p:cNvSpPr/>
-          <p:nvPr/>
-        </p:nvSpPr>
-        <p:spPr>
-          <a:xfrm>
-            <a:off x="3655770" y="2207360"/>
-            <a:ext cx="458115" cy="305410"/>
-          </a:xfrm>
-          <a:prstGeom prst="rect">
-            <a:avLst/>
-          </a:prstGeom>
-          <a:solidFill>
-            <a:srgbClr val="F2576D"/>
-          </a:solidFill>
-        </p:spPr>
-        <p:style>
-          <a:lnRef idx="2">
-            <a:schemeClr val="accent1">
-              <a:shade val="50000"/>
-            </a:schemeClr>
-          </a:lnRef>
-          <a:fillRef idx="1">
-            <a:schemeClr val="accent1"/>
-          </a:fillRef>
-          <a:effectRef idx="0">
-            <a:schemeClr val="accent1"/>
-          </a:effectRef>
-          <a:fontRef idx="minor">
-            <a:schemeClr val="lt1"/>
-          </a:fontRef>
-        </p:style>
-        <p:txBody>
-          <a:bodyPr rtlCol="0" anchor="ctr"/>
-          <a:lstStyle/>
-          <a:p>
-            <a:pPr algn="ctr"/>
-            <a:r>
-              <a:rPr lang="en-US" dirty="0"/>
-              <a:t>A4</a:t>
-            </a:r>
-          </a:p>
-        </p:txBody>
-      </p:sp>
-      <p:sp>
-        <p:nvSpPr>
-          <p:cNvPr id="27" name="Rectangle 26">
-            <a:extLst>
-              <a:ext uri="{FF2B5EF4-FFF2-40B4-BE49-F238E27FC236}">
-                <a16:creationId xmlns:a16="http://schemas.microsoft.com/office/drawing/2014/main" id="{F098EBDA-CC1A-D543-8C40-66870B53B5B2}"/>
-              </a:ext>
-            </a:extLst>
-          </p:cNvPr>
-          <p:cNvSpPr/>
-          <p:nvPr/>
-        </p:nvSpPr>
-        <p:spPr>
-          <a:xfrm>
-            <a:off x="5030115" y="2207360"/>
-            <a:ext cx="458115" cy="305410"/>
-          </a:xfrm>
-          <a:prstGeom prst="rect">
-            <a:avLst/>
-          </a:prstGeom>
-          <a:solidFill>
-            <a:srgbClr val="BE0260"/>
-          </a:solidFill>
-        </p:spPr>
-        <p:style>
-          <a:lnRef idx="2">
-            <a:schemeClr val="accent1">
-              <a:shade val="50000"/>
-            </a:schemeClr>
-          </a:lnRef>
-          <a:fillRef idx="1">
-            <a:schemeClr val="accent1"/>
-          </a:fillRef>
-          <a:effectRef idx="0">
-            <a:schemeClr val="accent1"/>
-          </a:effectRef>
-          <a:fontRef idx="minor">
-            <a:schemeClr val="lt1"/>
-          </a:fontRef>
-        </p:style>
-        <p:txBody>
-          <a:bodyPr rtlCol="0" anchor="ctr"/>
-          <a:lstStyle/>
-          <a:p>
-            <a:pPr algn="ctr"/>
-            <a:r>
-              <a:rPr lang="en-US" dirty="0"/>
-              <a:t>B1</a:t>
-            </a:r>
-          </a:p>
-        </p:txBody>
-      </p:sp>
-      <p:sp>
-        <p:nvSpPr>
-          <p:cNvPr id="28" name="Rectangle 27">
-            <a:extLst>
-              <a:ext uri="{FF2B5EF4-FFF2-40B4-BE49-F238E27FC236}">
-                <a16:creationId xmlns:a16="http://schemas.microsoft.com/office/drawing/2014/main" id="{94AEE1D1-1743-8F4A-BF5F-8B79EFCF8483}"/>
-              </a:ext>
-            </a:extLst>
-          </p:cNvPr>
-          <p:cNvSpPr/>
-          <p:nvPr/>
-        </p:nvSpPr>
-        <p:spPr>
-          <a:xfrm>
-            <a:off x="5488230" y="2207360"/>
-            <a:ext cx="458115" cy="305410"/>
-          </a:xfrm>
-          <a:prstGeom prst="rect">
-            <a:avLst/>
-          </a:prstGeom>
-          <a:solidFill>
-            <a:srgbClr val="BE0260"/>
-          </a:solidFill>
-        </p:spPr>
-        <p:style>
-          <a:lnRef idx="2">
-            <a:schemeClr val="accent1">
-              <a:shade val="50000"/>
-            </a:schemeClr>
-          </a:lnRef>
-          <a:fillRef idx="1">
-            <a:schemeClr val="accent1"/>
-          </a:fillRef>
-          <a:effectRef idx="0">
-            <a:schemeClr val="accent1"/>
-          </a:effectRef>
-          <a:fontRef idx="minor">
-            <a:schemeClr val="lt1"/>
-          </a:fontRef>
-        </p:style>
-        <p:txBody>
-          <a:bodyPr rtlCol="0" anchor="ctr"/>
-          <a:lstStyle/>
-          <a:p>
-            <a:pPr algn="ctr"/>
-            <a:r>
-              <a:rPr lang="en-US" dirty="0"/>
-              <a:t>B2</a:t>
-            </a:r>
-          </a:p>
-        </p:txBody>
-      </p:sp>
-      <p:sp>
-        <p:nvSpPr>
-          <p:cNvPr id="31" name="Rectangle 30">
-            <a:extLst>
-              <a:ext uri="{FF2B5EF4-FFF2-40B4-BE49-F238E27FC236}">
-                <a16:creationId xmlns:a16="http://schemas.microsoft.com/office/drawing/2014/main" id="{8243AF1B-3805-D248-819C-7410B67FFA80}"/>
-              </a:ext>
-            </a:extLst>
-          </p:cNvPr>
-          <p:cNvSpPr/>
-          <p:nvPr/>
-        </p:nvSpPr>
-        <p:spPr>
-          <a:xfrm>
-            <a:off x="5946345" y="2207360"/>
-            <a:ext cx="458115" cy="305410"/>
-          </a:xfrm>
-          <a:prstGeom prst="rect">
-            <a:avLst/>
-          </a:prstGeom>
-          <a:solidFill>
-            <a:srgbClr val="BE0260"/>
-          </a:solidFill>
-        </p:spPr>
-        <p:style>
-          <a:lnRef idx="2">
-            <a:schemeClr val="accent1">
-              <a:shade val="50000"/>
-            </a:schemeClr>
-          </a:lnRef>
-          <a:fillRef idx="1">
-            <a:schemeClr val="accent1"/>
-          </a:fillRef>
-          <a:effectRef idx="0">
-            <a:schemeClr val="accent1"/>
-          </a:effectRef>
-          <a:fontRef idx="minor">
-            <a:schemeClr val="lt1"/>
-          </a:fontRef>
-        </p:style>
-        <p:txBody>
-          <a:bodyPr rtlCol="0" anchor="ctr"/>
-          <a:lstStyle/>
-          <a:p>
-            <a:pPr algn="ctr"/>
-            <a:r>
-              <a:rPr lang="en-US" dirty="0"/>
-              <a:t>B3</a:t>
-            </a:r>
-          </a:p>
-        </p:txBody>
-      </p:sp>
-      <p:sp>
-        <p:nvSpPr>
-          <p:cNvPr id="32" name="Rectangle 31">
-            <a:extLst>
-              <a:ext uri="{FF2B5EF4-FFF2-40B4-BE49-F238E27FC236}">
-                <a16:creationId xmlns:a16="http://schemas.microsoft.com/office/drawing/2014/main" id="{B3A86430-7F4C-AA47-8303-B58AC24B16B7}"/>
-              </a:ext>
-            </a:extLst>
-          </p:cNvPr>
-          <p:cNvSpPr/>
-          <p:nvPr/>
-        </p:nvSpPr>
-        <p:spPr>
-          <a:xfrm>
-            <a:off x="6404460" y="2207360"/>
-            <a:ext cx="458115" cy="305410"/>
-          </a:xfrm>
-          <a:prstGeom prst="rect">
-            <a:avLst/>
-          </a:prstGeom>
-          <a:solidFill>
-            <a:srgbClr val="BE0260"/>
-          </a:solidFill>
-        </p:spPr>
-        <p:style>
-          <a:lnRef idx="2">
-            <a:schemeClr val="accent1">
-              <a:shade val="50000"/>
-            </a:schemeClr>
-          </a:lnRef>
-          <a:fillRef idx="1">
-            <a:schemeClr val="accent1"/>
-          </a:fillRef>
-          <a:effectRef idx="0">
-            <a:schemeClr val="accent1"/>
-          </a:effectRef>
-          <a:fontRef idx="minor">
-            <a:schemeClr val="lt1"/>
-          </a:fontRef>
-        </p:style>
-        <p:txBody>
-          <a:bodyPr rtlCol="0" anchor="ctr"/>
-          <a:lstStyle/>
-          <a:p>
-            <a:pPr algn="ctr"/>
-            <a:r>
-              <a:rPr lang="en-US" dirty="0"/>
-              <a:t>B4</a:t>
-            </a:r>
-          </a:p>
-        </p:txBody>
-      </p:sp>
-      <p:sp>
-        <p:nvSpPr>
-          <p:cNvPr id="33" name="Rectangle 32">
-            <a:extLst>
-              <a:ext uri="{FF2B5EF4-FFF2-40B4-BE49-F238E27FC236}">
-                <a16:creationId xmlns:a16="http://schemas.microsoft.com/office/drawing/2014/main" id="{07B2CF5D-EBD1-244E-8B2C-B4EC49189060}"/>
-              </a:ext>
-            </a:extLst>
-          </p:cNvPr>
-          <p:cNvSpPr/>
-          <p:nvPr/>
-        </p:nvSpPr>
-        <p:spPr>
-          <a:xfrm>
-            <a:off x="3808475" y="4345230"/>
-            <a:ext cx="458115" cy="305410"/>
-          </a:xfrm>
-          <a:prstGeom prst="rect">
-            <a:avLst/>
-          </a:prstGeom>
-          <a:solidFill>
-            <a:srgbClr val="F2576D"/>
-          </a:solidFill>
-        </p:spPr>
-        <p:style>
-          <a:lnRef idx="2">
-            <a:schemeClr val="accent1">
-              <a:shade val="50000"/>
-            </a:schemeClr>
-          </a:lnRef>
-          <a:fillRef idx="1">
-            <a:schemeClr val="accent1"/>
-          </a:fillRef>
-          <a:effectRef idx="0">
-            <a:schemeClr val="accent1"/>
-          </a:effectRef>
-          <a:fontRef idx="minor">
-            <a:schemeClr val="lt1"/>
-          </a:fontRef>
-        </p:style>
-        <p:txBody>
-          <a:bodyPr rtlCol="0" anchor="ctr"/>
-          <a:lstStyle/>
-          <a:p>
-            <a:pPr algn="ctr"/>
-            <a:r>
-              <a:rPr lang="en-US" dirty="0"/>
-              <a:t>A1</a:t>
-            </a:r>
-          </a:p>
-        </p:txBody>
-      </p:sp>
-      <p:sp>
-        <p:nvSpPr>
-          <p:cNvPr id="35" name="Rectangle 34">
-            <a:extLst>
-              <a:ext uri="{FF2B5EF4-FFF2-40B4-BE49-F238E27FC236}">
-                <a16:creationId xmlns:a16="http://schemas.microsoft.com/office/drawing/2014/main" id="{491A0B5F-64D0-5B4A-8006-EDEC5C8F1C4E}"/>
-              </a:ext>
-            </a:extLst>
-          </p:cNvPr>
-          <p:cNvSpPr/>
-          <p:nvPr/>
-        </p:nvSpPr>
-        <p:spPr>
-          <a:xfrm>
-            <a:off x="4266590" y="4345230"/>
-            <a:ext cx="458115" cy="305410"/>
-          </a:xfrm>
-          <a:prstGeom prst="rect">
-            <a:avLst/>
-          </a:prstGeom>
-          <a:solidFill>
-            <a:srgbClr val="BE0260"/>
-          </a:solidFill>
-        </p:spPr>
-        <p:style>
-          <a:lnRef idx="2">
-            <a:schemeClr val="accent1">
-              <a:shade val="50000"/>
-            </a:schemeClr>
-          </a:lnRef>
-          <a:fillRef idx="1">
-            <a:schemeClr val="accent1"/>
-          </a:fillRef>
-          <a:effectRef idx="0">
-            <a:schemeClr val="accent1"/>
-          </a:effectRef>
-          <a:fontRef idx="minor">
-            <a:schemeClr val="lt1"/>
-          </a:fontRef>
-        </p:style>
-        <p:txBody>
-          <a:bodyPr rtlCol="0" anchor="ctr"/>
-          <a:lstStyle/>
-          <a:p>
-            <a:pPr algn="ctr"/>
-            <a:r>
-              <a:rPr lang="en-US" dirty="0"/>
-              <a:t>B2</a:t>
-            </a:r>
-          </a:p>
-        </p:txBody>
-      </p:sp>
-      <p:sp>
-        <p:nvSpPr>
-          <p:cNvPr id="37" name="Rectangle 36">
-            <a:extLst>
-              <a:ext uri="{FF2B5EF4-FFF2-40B4-BE49-F238E27FC236}">
-                <a16:creationId xmlns:a16="http://schemas.microsoft.com/office/drawing/2014/main" id="{75C24057-3EB5-5743-A071-7AEA33929678}"/>
-              </a:ext>
-            </a:extLst>
-          </p:cNvPr>
-          <p:cNvSpPr/>
-          <p:nvPr/>
-        </p:nvSpPr>
-        <p:spPr>
-          <a:xfrm>
-            <a:off x="4724705" y="4345230"/>
-            <a:ext cx="458115" cy="305410"/>
-          </a:xfrm>
-          <a:prstGeom prst="rect">
-            <a:avLst/>
-          </a:prstGeom>
-          <a:solidFill>
-            <a:srgbClr val="BE0260"/>
-          </a:solidFill>
-        </p:spPr>
-        <p:style>
-          <a:lnRef idx="2">
-            <a:schemeClr val="accent1">
-              <a:shade val="50000"/>
-            </a:schemeClr>
-          </a:lnRef>
-          <a:fillRef idx="1">
-            <a:schemeClr val="accent1"/>
-          </a:fillRef>
-          <a:effectRef idx="0">
-            <a:schemeClr val="accent1"/>
-          </a:effectRef>
-          <a:fontRef idx="minor">
-            <a:schemeClr val="lt1"/>
-          </a:fontRef>
-        </p:style>
-        <p:txBody>
-          <a:bodyPr rtlCol="0" anchor="ctr"/>
-          <a:lstStyle/>
-          <a:p>
-            <a:pPr algn="ctr"/>
-            <a:r>
-              <a:rPr lang="en-US" dirty="0"/>
-              <a:t>B3</a:t>
-            </a:r>
-          </a:p>
-        </p:txBody>
-      </p:sp>
-      <p:sp>
-        <p:nvSpPr>
-          <p:cNvPr id="39" name="Rectangle 38">
-            <a:extLst>
-              <a:ext uri="{FF2B5EF4-FFF2-40B4-BE49-F238E27FC236}">
-                <a16:creationId xmlns:a16="http://schemas.microsoft.com/office/drawing/2014/main" id="{DD2809AB-0D5D-FF48-A64B-CDCC554B3543}"/>
-              </a:ext>
-            </a:extLst>
-          </p:cNvPr>
-          <p:cNvSpPr/>
-          <p:nvPr/>
-        </p:nvSpPr>
-        <p:spPr>
-          <a:xfrm>
-            <a:off x="5182820" y="4345230"/>
-            <a:ext cx="458115" cy="305410"/>
-          </a:xfrm>
-          <a:prstGeom prst="rect">
-            <a:avLst/>
-          </a:prstGeom>
-          <a:solidFill>
-            <a:srgbClr val="F2576D"/>
-          </a:solidFill>
-        </p:spPr>
-        <p:style>
-          <a:lnRef idx="2">
-            <a:schemeClr val="accent1">
-              <a:shade val="50000"/>
-            </a:schemeClr>
-          </a:lnRef>
-          <a:fillRef idx="1">
-            <a:schemeClr val="accent1"/>
-          </a:fillRef>
-          <a:effectRef idx="0">
-            <a:schemeClr val="accent1"/>
-          </a:effectRef>
-          <a:fontRef idx="minor">
-            <a:schemeClr val="lt1"/>
-          </a:fontRef>
-        </p:style>
-        <p:txBody>
-          <a:bodyPr rtlCol="0" anchor="ctr"/>
-          <a:lstStyle/>
-          <a:p>
-            <a:pPr algn="ctr"/>
-            <a:r>
-              <a:rPr lang="en-US" dirty="0"/>
-              <a:t>A4</a:t>
+              <a:rPr lang="en-US" sz="2800" dirty="0"/>
+              <a:t>Built a parser to download and store boards from:</a:t>
+            </a:r>
+          </a:p>
+          <a:p>
+            <a:r>
+              <a:rPr lang="en-US" sz="2800" dirty="0"/>
+              <a:t> </a:t>
+            </a:r>
+            <a:r>
+              <a:rPr lang="en-US" sz="2800" dirty="0">
+                <a:hlinkClick r:id="rId3"/>
+              </a:rPr>
+              <a:t>https://www.puzzle-light-up.com</a:t>
+            </a:r>
+            <a:endParaRPr lang="en-US" sz="2800" dirty="0"/>
+          </a:p>
+          <a:p>
+            <a:endParaRPr lang="en-US" sz="2800" dirty="0"/>
+          </a:p>
+          <a:p>
+            <a:pPr marL="285750" indent="-285750">
+              <a:buFont typeface="Arial" panose="020B0604020202020204" pitchFamily="34" charset="0"/>
+              <a:buChar char="•"/>
+            </a:pPr>
+            <a:r>
+              <a:rPr lang="en-US" sz="2800" dirty="0"/>
+              <a:t>Contains a variety of boards in different sizes of 7x7, 10x10, 14x14 and 25x25.</a:t>
+            </a:r>
+          </a:p>
+          <a:p>
+            <a:pPr marL="285750" indent="-285750">
+              <a:buFont typeface="Arial" panose="020B0604020202020204" pitchFamily="34" charset="0"/>
+              <a:buChar char="•"/>
+            </a:pPr>
+            <a:endParaRPr lang="en-US" sz="2800" dirty="0"/>
+          </a:p>
+          <a:p>
+            <a:pPr marL="285750" indent="-285750">
+              <a:buFont typeface="Arial" panose="020B0604020202020204" pitchFamily="34" charset="0"/>
+              <a:buChar char="•"/>
+            </a:pPr>
+            <a:r>
+              <a:rPr lang="en-US" sz="2800" dirty="0"/>
+              <a:t>Several difficulty levels from easy to hard.</a:t>
             </a:r>
           </a:p>
         </p:txBody>
@@ -13718,7 +14027,7 @@
     </p:spTree>
     <p:extLst>
       <p:ext uri="{BB962C8B-B14F-4D97-AF65-F5344CB8AC3E}">
-        <p14:creationId xmlns:p14="http://schemas.microsoft.com/office/powerpoint/2010/main" val="4144318081"/>
+        <p14:creationId xmlns:p14="http://schemas.microsoft.com/office/powerpoint/2010/main" val="3287568185"/>
       </p:ext>
     </p:extLst>
   </p:cSld>
@@ -13779,7 +14088,7 @@
             <a:pPr algn="l"/>
             <a:r>
               <a:rPr lang="en-US" dirty="0"/>
-              <a:t>Crossover (alt.)</a:t>
+              <a:t>Crossover</a:t>
             </a:r>
           </a:p>
         </p:txBody>
@@ -13992,220 +14301,12 @@
           </a:p>
         </p:txBody>
       </p:sp>
-      <p:sp>
-        <p:nvSpPr>
-          <p:cNvPr id="19" name="Rectangle 18">
+      <p:cxnSp>
+        <p:nvCxnSpPr>
+          <p:cNvPr id="15" name="Straight Arrow Connector 14">
             <a:extLst>
               <a:ext uri="{FF2B5EF4-FFF2-40B4-BE49-F238E27FC236}">
-                <a16:creationId xmlns:a16="http://schemas.microsoft.com/office/drawing/2014/main" id="{20E77784-FD93-2C4E-90CD-5C268569B4C9}"/>
-              </a:ext>
-            </a:extLst>
-          </p:cNvPr>
-          <p:cNvSpPr/>
-          <p:nvPr/>
-        </p:nvSpPr>
-        <p:spPr>
-          <a:xfrm>
-            <a:off x="2434129" y="4047022"/>
-            <a:ext cx="763525" cy="305410"/>
-          </a:xfrm>
-          <a:prstGeom prst="rect">
-            <a:avLst/>
-          </a:prstGeom>
-          <a:solidFill>
-            <a:srgbClr val="F2576D"/>
-          </a:solidFill>
-        </p:spPr>
-        <p:style>
-          <a:lnRef idx="2">
-            <a:schemeClr val="accent1">
-              <a:shade val="50000"/>
-            </a:schemeClr>
-          </a:lnRef>
-          <a:fillRef idx="1">
-            <a:schemeClr val="accent1"/>
-          </a:fillRef>
-          <a:effectRef idx="0">
-            <a:schemeClr val="accent1"/>
-          </a:effectRef>
-          <a:fontRef idx="minor">
-            <a:schemeClr val="lt1"/>
-          </a:fontRef>
-        </p:style>
-        <p:txBody>
-          <a:bodyPr rtlCol="0" anchor="ctr"/>
-          <a:lstStyle/>
-          <a:p>
-            <a:pPr algn="ctr"/>
-            <a:r>
-              <a:rPr lang="en-US" dirty="0"/>
-              <a:t>A1</a:t>
-            </a:r>
-          </a:p>
-        </p:txBody>
-      </p:sp>
-      <p:sp>
-        <p:nvSpPr>
-          <p:cNvPr id="20" name="Rectangle 19">
-            <a:extLst>
-              <a:ext uri="{FF2B5EF4-FFF2-40B4-BE49-F238E27FC236}">
-                <a16:creationId xmlns:a16="http://schemas.microsoft.com/office/drawing/2014/main" id="{737FB8C7-BA3A-EE40-91AB-955AF7349734}"/>
-              </a:ext>
-            </a:extLst>
-          </p:cNvPr>
-          <p:cNvSpPr/>
-          <p:nvPr/>
-        </p:nvSpPr>
-        <p:spPr>
-          <a:xfrm>
-            <a:off x="3197655" y="4047022"/>
-            <a:ext cx="763525" cy="305410"/>
-          </a:xfrm>
-          <a:prstGeom prst="rect">
-            <a:avLst/>
-          </a:prstGeom>
-          <a:solidFill>
-            <a:srgbClr val="BE0260"/>
-          </a:solidFill>
-        </p:spPr>
-        <p:style>
-          <a:lnRef idx="2">
-            <a:schemeClr val="accent1">
-              <a:shade val="50000"/>
-            </a:schemeClr>
-          </a:lnRef>
-          <a:fillRef idx="1">
-            <a:schemeClr val="accent1"/>
-          </a:fillRef>
-          <a:effectRef idx="0">
-            <a:schemeClr val="accent1"/>
-          </a:effectRef>
-          <a:fontRef idx="minor">
-            <a:schemeClr val="lt1"/>
-          </a:fontRef>
-        </p:style>
-        <p:txBody>
-          <a:bodyPr rtlCol="0" anchor="ctr"/>
-          <a:lstStyle/>
-          <a:p>
-            <a:pPr algn="ctr"/>
-            <a:r>
-              <a:rPr lang="en-US" dirty="0"/>
-              <a:t>B2</a:t>
-            </a:r>
-          </a:p>
-        </p:txBody>
-      </p:sp>
-      <p:sp>
-        <p:nvSpPr>
-          <p:cNvPr id="21" name="Rectangle 20">
-            <a:extLst>
-              <a:ext uri="{FF2B5EF4-FFF2-40B4-BE49-F238E27FC236}">
-                <a16:creationId xmlns:a16="http://schemas.microsoft.com/office/drawing/2014/main" id="{9704DD9C-C8DE-4A49-AB54-FCDE9131E962}"/>
-              </a:ext>
-            </a:extLst>
-          </p:cNvPr>
-          <p:cNvSpPr/>
-          <p:nvPr/>
-        </p:nvSpPr>
-        <p:spPr>
-          <a:xfrm>
-            <a:off x="5182820" y="4039820"/>
-            <a:ext cx="763525" cy="305410"/>
-          </a:xfrm>
-          <a:prstGeom prst="rect">
-            <a:avLst/>
-          </a:prstGeom>
-          <a:solidFill>
-            <a:srgbClr val="BE0260"/>
-          </a:solidFill>
-        </p:spPr>
-        <p:style>
-          <a:lnRef idx="2">
-            <a:schemeClr val="accent1">
-              <a:shade val="50000"/>
-            </a:schemeClr>
-          </a:lnRef>
-          <a:fillRef idx="1">
-            <a:schemeClr val="accent1"/>
-          </a:fillRef>
-          <a:effectRef idx="0">
-            <a:schemeClr val="accent1"/>
-          </a:effectRef>
-          <a:fontRef idx="minor">
-            <a:schemeClr val="lt1"/>
-          </a:fontRef>
-        </p:style>
-        <p:txBody>
-          <a:bodyPr rtlCol="0" anchor="ctr"/>
-          <a:lstStyle/>
-          <a:p>
-            <a:pPr algn="ctr"/>
-            <a:r>
-              <a:rPr lang="en-US" dirty="0"/>
-              <a:t>B1</a:t>
-            </a:r>
-          </a:p>
-        </p:txBody>
-      </p:sp>
-      <p:sp>
-        <p:nvSpPr>
-          <p:cNvPr id="22" name="Rectangle 21">
-            <a:extLst>
-              <a:ext uri="{FF2B5EF4-FFF2-40B4-BE49-F238E27FC236}">
-                <a16:creationId xmlns:a16="http://schemas.microsoft.com/office/drawing/2014/main" id="{097CD96F-2F9A-8E44-8408-63610AC5765F}"/>
-              </a:ext>
-            </a:extLst>
-          </p:cNvPr>
-          <p:cNvSpPr/>
-          <p:nvPr/>
-        </p:nvSpPr>
-        <p:spPr>
-          <a:xfrm>
-            <a:off x="5946345" y="4039820"/>
-            <a:ext cx="763525" cy="305410"/>
-          </a:xfrm>
-          <a:prstGeom prst="rect">
-            <a:avLst/>
-          </a:prstGeom>
-          <a:solidFill>
-            <a:srgbClr val="F2576D"/>
-          </a:solidFill>
-        </p:spPr>
-        <p:style>
-          <a:lnRef idx="2">
-            <a:schemeClr val="accent1">
-              <a:shade val="50000"/>
-            </a:schemeClr>
-          </a:lnRef>
-          <a:fillRef idx="1">
-            <a:schemeClr val="accent1"/>
-          </a:fillRef>
-          <a:effectRef idx="0">
-            <a:schemeClr val="accent1"/>
-          </a:effectRef>
-          <a:fontRef idx="minor">
-            <a:schemeClr val="lt1"/>
-          </a:fontRef>
-        </p:style>
-        <p:txBody>
-          <a:bodyPr rtlCol="0" anchor="ctr"/>
-          <a:lstStyle/>
-          <a:p>
-            <a:pPr algn="ctr"/>
-            <a:r>
-              <a:rPr lang="en-US" dirty="0"/>
-              <a:t>A2</a:t>
-            </a:r>
-          </a:p>
-        </p:txBody>
-      </p:sp>
-      <p:cxnSp>
-        <p:nvCxnSpPr>
-          <p:cNvPr id="5" name="Straight Connector 4">
-            <a:extLst>
-              <a:ext uri="{FF2B5EF4-FFF2-40B4-BE49-F238E27FC236}">
-                <a16:creationId xmlns:a16="http://schemas.microsoft.com/office/drawing/2014/main" id="{8CFED9FB-8DB6-BC4D-B32D-C73E54A1C5E4}"/>
+                <a16:creationId xmlns:a16="http://schemas.microsoft.com/office/drawing/2014/main" id="{E4FF9BC6-C777-4A48-923F-3A69EFFBBC0E}"/>
               </a:ext>
             </a:extLst>
           </p:cNvPr>
@@ -14214,12 +14315,15 @@
         </p:nvCxnSpPr>
         <p:spPr>
           <a:xfrm>
-            <a:off x="5946345" y="2512770"/>
-            <a:ext cx="0" cy="763525"/>
-          </a:xfrm>
-          <a:prstGeom prst="line">
+            <a:off x="3197655" y="2512770"/>
+            <a:ext cx="2748690" cy="1985165"/>
+          </a:xfrm>
+          <a:prstGeom prst="straightConnector1">
             <a:avLst/>
           </a:prstGeom>
+          <a:ln>
+            <a:tailEnd type="triangle"/>
+          </a:ln>
         </p:spPr>
         <p:style>
           <a:lnRef idx="1">
@@ -14238,24 +14342,29 @@
       </p:cxnSp>
       <p:cxnSp>
         <p:nvCxnSpPr>
-          <p:cNvPr id="18" name="Straight Connector 17">
+          <p:cNvPr id="16" name="Straight Arrow Connector 15">
             <a:extLst>
               <a:ext uri="{FF2B5EF4-FFF2-40B4-BE49-F238E27FC236}">
-                <a16:creationId xmlns:a16="http://schemas.microsoft.com/office/drawing/2014/main" id="{6DF84752-EFAE-BE4B-9AEF-D212138F2B2B}"/>
+                <a16:creationId xmlns:a16="http://schemas.microsoft.com/office/drawing/2014/main" id="{A65FCC75-BD08-4D42-B1CB-E24681CD3854}"/>
               </a:ext>
             </a:extLst>
           </p:cNvPr>
-          <p:cNvCxnSpPr/>
+          <p:cNvCxnSpPr>
+            <a:cxnSpLocks/>
+          </p:cNvCxnSpPr>
           <p:nvPr/>
         </p:nvCxnSpPr>
         <p:spPr>
-          <a:xfrm>
-            <a:off x="3197654" y="2512770"/>
-            <a:ext cx="0" cy="763525"/>
-          </a:xfrm>
-          <a:prstGeom prst="line">
+          <a:xfrm flipH="1">
+            <a:off x="3197654" y="2512769"/>
+            <a:ext cx="2748692" cy="1985166"/>
+          </a:xfrm>
+          <a:prstGeom prst="straightConnector1">
             <a:avLst/>
           </a:prstGeom>
+          <a:ln>
+            <a:tailEnd type="triangle"/>
+          </a:ln>
         </p:spPr>
         <p:style>
           <a:lnRef idx="1">
@@ -14272,130 +14381,12 @@
           </a:fontRef>
         </p:style>
       </p:cxnSp>
-      <p:cxnSp>
-        <p:nvCxnSpPr>
-          <p:cNvPr id="11" name="Straight Connector 10">
+      <p:sp>
+        <p:nvSpPr>
+          <p:cNvPr id="19" name="Rectangle 18">
             <a:extLst>
               <a:ext uri="{FF2B5EF4-FFF2-40B4-BE49-F238E27FC236}">
-                <a16:creationId xmlns:a16="http://schemas.microsoft.com/office/drawing/2014/main" id="{E1E645C9-24C5-4646-8604-89FDCC58117A}"/>
-              </a:ext>
-            </a:extLst>
-          </p:cNvPr>
-          <p:cNvCxnSpPr/>
-          <p:nvPr/>
-        </p:nvCxnSpPr>
-        <p:spPr>
-          <a:xfrm>
-            <a:off x="3197654" y="3276295"/>
-            <a:ext cx="2748691" cy="0"/>
-          </a:xfrm>
-          <a:prstGeom prst="line">
-            <a:avLst/>
-          </a:prstGeom>
-        </p:spPr>
-        <p:style>
-          <a:lnRef idx="1">
-            <a:schemeClr val="accent1"/>
-          </a:lnRef>
-          <a:fillRef idx="0">
-            <a:schemeClr val="accent1"/>
-          </a:fillRef>
-          <a:effectRef idx="0">
-            <a:schemeClr val="accent1"/>
-          </a:effectRef>
-          <a:fontRef idx="minor">
-            <a:schemeClr val="tx1"/>
-          </a:fontRef>
-        </p:style>
-      </p:cxnSp>
-      <p:cxnSp>
-        <p:nvCxnSpPr>
-          <p:cNvPr id="13" name="Straight Arrow Connector 12">
-            <a:extLst>
-              <a:ext uri="{FF2B5EF4-FFF2-40B4-BE49-F238E27FC236}">
-                <a16:creationId xmlns:a16="http://schemas.microsoft.com/office/drawing/2014/main" id="{D9989DC5-4644-3F40-B287-C43E63B06B60}"/>
-              </a:ext>
-            </a:extLst>
-          </p:cNvPr>
-          <p:cNvCxnSpPr>
-            <a:cxnSpLocks/>
-          </p:cNvCxnSpPr>
-          <p:nvPr/>
-        </p:nvCxnSpPr>
-        <p:spPr>
-          <a:xfrm flipH="1">
-            <a:off x="3197653" y="3276295"/>
-            <a:ext cx="1527053" cy="694328"/>
-          </a:xfrm>
-          <a:prstGeom prst="straightConnector1">
-            <a:avLst/>
-          </a:prstGeom>
-          <a:ln>
-            <a:tailEnd type="triangle"/>
-          </a:ln>
-        </p:spPr>
-        <p:style>
-          <a:lnRef idx="1">
-            <a:schemeClr val="accent1"/>
-          </a:lnRef>
-          <a:fillRef idx="0">
-            <a:schemeClr val="accent1"/>
-          </a:fillRef>
-          <a:effectRef idx="0">
-            <a:schemeClr val="accent1"/>
-          </a:effectRef>
-          <a:fontRef idx="minor">
-            <a:schemeClr val="tx1"/>
-          </a:fontRef>
-        </p:style>
-      </p:cxnSp>
-      <p:cxnSp>
-        <p:nvCxnSpPr>
-          <p:cNvPr id="17" name="Straight Arrow Connector 16">
-            <a:extLst>
-              <a:ext uri="{FF2B5EF4-FFF2-40B4-BE49-F238E27FC236}">
-                <a16:creationId xmlns:a16="http://schemas.microsoft.com/office/drawing/2014/main" id="{82F2812F-90AC-0248-8C79-22650C5D2B0C}"/>
-              </a:ext>
-            </a:extLst>
-          </p:cNvPr>
-          <p:cNvCxnSpPr>
-            <a:cxnSpLocks/>
-          </p:cNvCxnSpPr>
-          <p:nvPr/>
-        </p:nvCxnSpPr>
-        <p:spPr>
-          <a:xfrm>
-            <a:off x="4724705" y="3276295"/>
-            <a:ext cx="1221640" cy="694328"/>
-          </a:xfrm>
-          <a:prstGeom prst="straightConnector1">
-            <a:avLst/>
-          </a:prstGeom>
-          <a:ln>
-            <a:tailEnd type="triangle"/>
-          </a:ln>
-        </p:spPr>
-        <p:style>
-          <a:lnRef idx="1">
-            <a:schemeClr val="accent1"/>
-          </a:lnRef>
-          <a:fillRef idx="0">
-            <a:schemeClr val="accent1"/>
-          </a:fillRef>
-          <a:effectRef idx="0">
-            <a:schemeClr val="accent1"/>
-          </a:effectRef>
-          <a:fontRef idx="minor">
-            <a:schemeClr val="tx1"/>
-          </a:fontRef>
-        </p:style>
-      </p:cxnSp>
-      <p:sp>
-        <p:nvSpPr>
-          <p:cNvPr id="29" name="Rectangle 28">
-            <a:extLst>
-              <a:ext uri="{FF2B5EF4-FFF2-40B4-BE49-F238E27FC236}">
-                <a16:creationId xmlns:a16="http://schemas.microsoft.com/office/drawing/2014/main" id="{CBFF5192-4F77-9248-A79C-F983416BA884}"/>
+                <a16:creationId xmlns:a16="http://schemas.microsoft.com/office/drawing/2014/main" id="{20E77784-FD93-2C4E-90CD-5C268569B4C9}"/>
               </a:ext>
             </a:extLst>
           </p:cNvPr>
@@ -14404,7 +14395,7 @@
         </p:nvSpPr>
         <p:spPr>
           <a:xfrm>
-            <a:off x="3961180" y="5566870"/>
+            <a:off x="2434129" y="4650640"/>
             <a:ext cx="763525" cy="305410"/>
           </a:xfrm>
           <a:prstGeom prst="rect">
@@ -14444,10 +14435,10 @@
       </p:sp>
       <p:sp>
         <p:nvSpPr>
-          <p:cNvPr id="30" name="Rectangle 29">
+          <p:cNvPr id="20" name="Rectangle 19">
             <a:extLst>
               <a:ext uri="{FF2B5EF4-FFF2-40B4-BE49-F238E27FC236}">
-                <a16:creationId xmlns:a16="http://schemas.microsoft.com/office/drawing/2014/main" id="{B4C2D215-BD44-4D4A-AE13-D80C9AB3E269}"/>
+                <a16:creationId xmlns:a16="http://schemas.microsoft.com/office/drawing/2014/main" id="{737FB8C7-BA3A-EE40-91AB-955AF7349734}"/>
               </a:ext>
             </a:extLst>
           </p:cNvPr>
@@ -14456,7 +14447,7 @@
         </p:nvSpPr>
         <p:spPr>
           <a:xfrm>
-            <a:off x="4724706" y="5566777"/>
+            <a:off x="3197655" y="4657842"/>
             <a:ext cx="763525" cy="305410"/>
           </a:xfrm>
           <a:prstGeom prst="rect">
@@ -14494,159 +14485,116 @@
           </a:p>
         </p:txBody>
       </p:sp>
-      <p:cxnSp>
-        <p:nvCxnSpPr>
-          <p:cNvPr id="34" name="Straight Connector 33">
+      <p:sp>
+        <p:nvSpPr>
+          <p:cNvPr id="21" name="Rectangle 20">
             <a:extLst>
               <a:ext uri="{FF2B5EF4-FFF2-40B4-BE49-F238E27FC236}">
-                <a16:creationId xmlns:a16="http://schemas.microsoft.com/office/drawing/2014/main" id="{FD1C59AF-4F86-EA41-9889-3FF72AD5BED4}"/>
+                <a16:creationId xmlns:a16="http://schemas.microsoft.com/office/drawing/2014/main" id="{9704DD9C-C8DE-4A49-AB54-FCDE9131E962}"/>
               </a:ext>
             </a:extLst>
           </p:cNvPr>
-          <p:cNvCxnSpPr/>
+          <p:cNvSpPr/>
           <p:nvPr/>
-        </p:nvCxnSpPr>
-        <p:spPr>
-          <a:xfrm>
-            <a:off x="3197653" y="4352432"/>
-            <a:ext cx="0" cy="450913"/>
-          </a:xfrm>
-          <a:prstGeom prst="line">
+        </p:nvSpPr>
+        <p:spPr>
+          <a:xfrm>
+            <a:off x="5182820" y="4650640"/>
+            <a:ext cx="763525" cy="305410"/>
+          </a:xfrm>
+          <a:prstGeom prst="rect">
             <a:avLst/>
           </a:prstGeom>
+          <a:solidFill>
+            <a:srgbClr val="BE0260"/>
+          </a:solidFill>
         </p:spPr>
         <p:style>
-          <a:lnRef idx="1">
-            <a:schemeClr val="accent1"/>
+          <a:lnRef idx="2">
+            <a:schemeClr val="accent1">
+              <a:shade val="50000"/>
+            </a:schemeClr>
           </a:lnRef>
-          <a:fillRef idx="0">
+          <a:fillRef idx="1">
             <a:schemeClr val="accent1"/>
           </a:fillRef>
           <a:effectRef idx="0">
             <a:schemeClr val="accent1"/>
           </a:effectRef>
           <a:fontRef idx="minor">
-            <a:schemeClr val="tx1"/>
+            <a:schemeClr val="lt1"/>
           </a:fontRef>
         </p:style>
-      </p:cxnSp>
-      <p:cxnSp>
-        <p:nvCxnSpPr>
-          <p:cNvPr id="36" name="Straight Connector 35">
+        <p:txBody>
+          <a:bodyPr rtlCol="0" anchor="ctr"/>
+          <a:lstStyle/>
+          <a:p>
+            <a:pPr algn="ctr"/>
+            <a:r>
+              <a:rPr lang="en-US" dirty="0"/>
+              <a:t>B1</a:t>
+            </a:r>
+          </a:p>
+        </p:txBody>
+      </p:sp>
+      <p:sp>
+        <p:nvSpPr>
+          <p:cNvPr id="22" name="Rectangle 21">
             <a:extLst>
               <a:ext uri="{FF2B5EF4-FFF2-40B4-BE49-F238E27FC236}">
-                <a16:creationId xmlns:a16="http://schemas.microsoft.com/office/drawing/2014/main" id="{4602FEE3-4490-AF49-88D7-B9C6AD89153C}"/>
+                <a16:creationId xmlns:a16="http://schemas.microsoft.com/office/drawing/2014/main" id="{097CD96F-2F9A-8E44-8408-63610AC5765F}"/>
               </a:ext>
             </a:extLst>
           </p:cNvPr>
-          <p:cNvCxnSpPr/>
+          <p:cNvSpPr/>
           <p:nvPr/>
-        </p:nvCxnSpPr>
-        <p:spPr>
-          <a:xfrm>
-            <a:off x="5946345" y="4345230"/>
-            <a:ext cx="0" cy="450913"/>
-          </a:xfrm>
-          <a:prstGeom prst="line">
+        </p:nvSpPr>
+        <p:spPr>
+          <a:xfrm>
+            <a:off x="5946345" y="4650640"/>
+            <a:ext cx="763525" cy="305410"/>
+          </a:xfrm>
+          <a:prstGeom prst="rect">
             <a:avLst/>
           </a:prstGeom>
+          <a:solidFill>
+            <a:srgbClr val="F2576D"/>
+          </a:solidFill>
         </p:spPr>
         <p:style>
-          <a:lnRef idx="1">
-            <a:schemeClr val="accent1"/>
+          <a:lnRef idx="2">
+            <a:schemeClr val="accent1">
+              <a:shade val="50000"/>
+            </a:schemeClr>
           </a:lnRef>
-          <a:fillRef idx="0">
+          <a:fillRef idx="1">
             <a:schemeClr val="accent1"/>
           </a:fillRef>
           <a:effectRef idx="0">
             <a:schemeClr val="accent1"/>
           </a:effectRef>
           <a:fontRef idx="minor">
-            <a:schemeClr val="tx1"/>
+            <a:schemeClr val="lt1"/>
           </a:fontRef>
         </p:style>
-      </p:cxnSp>
-      <p:cxnSp>
-        <p:nvCxnSpPr>
-          <p:cNvPr id="38" name="Straight Connector 37">
+        <p:txBody>
+          <a:bodyPr rtlCol="0" anchor="ctr"/>
+          <a:lstStyle/>
+          <a:p>
+            <a:pPr algn="ctr"/>
+            <a:r>
+              <a:rPr lang="en-US" dirty="0"/>
+              <a:t>A2</a:t>
+            </a:r>
+          </a:p>
+        </p:txBody>
+      </p:sp>
+      <p:sp>
+        <p:nvSpPr>
+          <p:cNvPr id="23" name="TextBox 22">
             <a:extLst>
               <a:ext uri="{FF2B5EF4-FFF2-40B4-BE49-F238E27FC236}">
-                <a16:creationId xmlns:a16="http://schemas.microsoft.com/office/drawing/2014/main" id="{FE76B4D8-A541-1348-9690-B04FA92E7F83}"/>
-              </a:ext>
-            </a:extLst>
-          </p:cNvPr>
-          <p:cNvCxnSpPr/>
-          <p:nvPr/>
-        </p:nvCxnSpPr>
-        <p:spPr>
-          <a:xfrm flipH="1">
-            <a:off x="3197653" y="4803345"/>
-            <a:ext cx="2748692" cy="0"/>
-          </a:xfrm>
-          <a:prstGeom prst="line">
-            <a:avLst/>
-          </a:prstGeom>
-        </p:spPr>
-        <p:style>
-          <a:lnRef idx="1">
-            <a:schemeClr val="accent1"/>
-          </a:lnRef>
-          <a:fillRef idx="0">
-            <a:schemeClr val="accent1"/>
-          </a:fillRef>
-          <a:effectRef idx="0">
-            <a:schemeClr val="accent1"/>
-          </a:effectRef>
-          <a:fontRef idx="minor">
-            <a:schemeClr val="tx1"/>
-          </a:fontRef>
-        </p:style>
-      </p:cxnSp>
-      <p:cxnSp>
-        <p:nvCxnSpPr>
-          <p:cNvPr id="40" name="Straight Arrow Connector 39">
-            <a:extLst>
-              <a:ext uri="{FF2B5EF4-FFF2-40B4-BE49-F238E27FC236}">
-                <a16:creationId xmlns:a16="http://schemas.microsoft.com/office/drawing/2014/main" id="{BCA931AC-1620-A44B-819F-1516FCD4D163}"/>
-              </a:ext>
-            </a:extLst>
-          </p:cNvPr>
-          <p:cNvCxnSpPr/>
-          <p:nvPr/>
-        </p:nvCxnSpPr>
-        <p:spPr>
-          <a:xfrm>
-            <a:off x="4724705" y="4803345"/>
-            <a:ext cx="0" cy="610820"/>
-          </a:xfrm>
-          <a:prstGeom prst="straightConnector1">
-            <a:avLst/>
-          </a:prstGeom>
-          <a:ln>
-            <a:tailEnd type="triangle"/>
-          </a:ln>
-        </p:spPr>
-        <p:style>
-          <a:lnRef idx="1">
-            <a:schemeClr val="accent1"/>
-          </a:lnRef>
-          <a:fillRef idx="0">
-            <a:schemeClr val="accent1"/>
-          </a:fillRef>
-          <a:effectRef idx="0">
-            <a:schemeClr val="accent1"/>
-          </a:effectRef>
-          <a:fontRef idx="minor">
-            <a:schemeClr val="tx1"/>
-          </a:fontRef>
-        </p:style>
-      </p:cxnSp>
-      <p:sp>
-        <p:nvSpPr>
-          <p:cNvPr id="41" name="TextBox 40">
-            <a:extLst>
-              <a:ext uri="{FF2B5EF4-FFF2-40B4-BE49-F238E27FC236}">
-                <a16:creationId xmlns:a16="http://schemas.microsoft.com/office/drawing/2014/main" id="{719FFC88-BA77-CA40-8B23-575C5BBD03EB}"/>
+                <a16:creationId xmlns:a16="http://schemas.microsoft.com/office/drawing/2014/main" id="{DC4BA68D-591F-8D4D-83F2-231861EEB39F}"/>
               </a:ext>
             </a:extLst>
           </p:cNvPr>
@@ -14655,8 +14603,8 @@
         </p:nvSpPr>
         <p:spPr>
           <a:xfrm>
-            <a:off x="4724705" y="5012733"/>
-            <a:ext cx="2527359" cy="369332"/>
+            <a:off x="5182820" y="3734410"/>
+            <a:ext cx="476412" cy="369332"/>
           </a:xfrm>
           <a:prstGeom prst="rect">
             <a:avLst/>
@@ -14671,7 +14619,42 @@
           <a:p>
             <a:r>
               <a:rPr lang="en-US" dirty="0"/>
-              <a:t>*Choose by lower fitness</a:t>
+              <a:t>0.5</a:t>
+            </a:r>
+          </a:p>
+        </p:txBody>
+      </p:sp>
+      <p:sp>
+        <p:nvSpPr>
+          <p:cNvPr id="24" name="TextBox 23">
+            <a:extLst>
+              <a:ext uri="{FF2B5EF4-FFF2-40B4-BE49-F238E27FC236}">
+                <a16:creationId xmlns:a16="http://schemas.microsoft.com/office/drawing/2014/main" id="{FB7B4D6F-E1A9-C246-ABD0-6B03E25046EA}"/>
+              </a:ext>
+            </a:extLst>
+          </p:cNvPr>
+          <p:cNvSpPr txBox="1"/>
+          <p:nvPr/>
+        </p:nvSpPr>
+        <p:spPr>
+          <a:xfrm>
+            <a:off x="3579417" y="3734410"/>
+            <a:ext cx="476412" cy="369332"/>
+          </a:xfrm>
+          <a:prstGeom prst="rect">
+            <a:avLst/>
+          </a:prstGeom>
+          <a:noFill/>
+        </p:spPr>
+        <p:txBody>
+          <a:bodyPr wrap="none" rtlCol="0">
+            <a:spAutoFit/>
+          </a:bodyPr>
+          <a:lstStyle/>
+          <a:p>
+            <a:r>
+              <a:rPr lang="en-US" dirty="0"/>
+              <a:t>0.5</a:t>
             </a:r>
           </a:p>
         </p:txBody>
@@ -14679,7 +14662,7 @@
     </p:spTree>
     <p:extLst>
       <p:ext uri="{BB962C8B-B14F-4D97-AF65-F5344CB8AC3E}">
-        <p14:creationId xmlns:p14="http://schemas.microsoft.com/office/powerpoint/2010/main" val="3590064432"/>
+        <p14:creationId xmlns:p14="http://schemas.microsoft.com/office/powerpoint/2010/main" val="1101633878"/>
       </p:ext>
     </p:extLst>
   </p:cSld>

--- a/presentation.pptx
+++ b/presentation.pptx
@@ -16,16 +16,16 @@
     <p:sldId id="263" r:id="rId7"/>
     <p:sldId id="266" r:id="rId8"/>
     <p:sldId id="271" r:id="rId9"/>
-    <p:sldId id="259" r:id="rId10"/>
-    <p:sldId id="265" r:id="rId11"/>
-    <p:sldId id="264" r:id="rId12"/>
-    <p:sldId id="267" r:id="rId13"/>
-    <p:sldId id="277" r:id="rId14"/>
-    <p:sldId id="268" r:id="rId15"/>
+    <p:sldId id="268" r:id="rId10"/>
+    <p:sldId id="259" r:id="rId11"/>
+    <p:sldId id="265" r:id="rId12"/>
+    <p:sldId id="264" r:id="rId13"/>
+    <p:sldId id="267" r:id="rId14"/>
+    <p:sldId id="277" r:id="rId15"/>
     <p:sldId id="272" r:id="rId16"/>
     <p:sldId id="274" r:id="rId17"/>
-    <p:sldId id="273" r:id="rId18"/>
-    <p:sldId id="270" r:id="rId19"/>
+    <p:sldId id="270" r:id="rId18"/>
+    <p:sldId id="273" r:id="rId19"/>
     <p:sldId id="258" r:id="rId20"/>
     <p:sldId id="278" r:id="rId21"/>
   </p:sldIdLst>
@@ -583,6 +583,191 @@
 </p:notes>
 </file>
 
+<file path=ppt/notesSlides/notesSlide10.xml><?xml version="1.0" encoding="utf-8"?>
+<p:notes xmlns:a="http://schemas.openxmlformats.org/drawingml/2006/main" xmlns:r="http://schemas.openxmlformats.org/officeDocument/2006/relationships" xmlns:p="http://schemas.openxmlformats.org/presentationml/2006/main">
+  <p:cSld>
+    <p:spTree>
+      <p:nvGrpSpPr>
+        <p:cNvPr id="1" name=""/>
+        <p:cNvGrpSpPr/>
+        <p:nvPr/>
+      </p:nvGrpSpPr>
+      <p:grpSpPr>
+        <a:xfrm>
+          <a:off x="0" y="0"/>
+          <a:ext cx="0" cy="0"/>
+          <a:chOff x="0" y="0"/>
+          <a:chExt cx="0" cy="0"/>
+        </a:xfrm>
+      </p:grpSpPr>
+      <p:sp>
+        <p:nvSpPr>
+          <p:cNvPr id="2" name="Slide Image Placeholder 1"/>
+          <p:cNvSpPr>
+            <a:spLocks noGrp="1" noRot="1" noChangeAspect="1"/>
+          </p:cNvSpPr>
+          <p:nvPr>
+            <p:ph type="sldImg"/>
+          </p:nvPr>
+        </p:nvSpPr>
+        <p:spPr/>
+      </p:sp>
+      <p:sp>
+        <p:nvSpPr>
+          <p:cNvPr id="3" name="Notes Placeholder 2"/>
+          <p:cNvSpPr>
+            <a:spLocks noGrp="1"/>
+          </p:cNvSpPr>
+          <p:nvPr>
+            <p:ph type="body" idx="1"/>
+          </p:nvPr>
+        </p:nvSpPr>
+        <p:spPr/>
+        <p:txBody>
+          <a:bodyPr/>
+          <a:lstStyle/>
+          <a:p>
+            <a:endParaRPr lang="en-US" dirty="0"/>
+          </a:p>
+        </p:txBody>
+      </p:sp>
+      <p:sp>
+        <p:nvSpPr>
+          <p:cNvPr id="4" name="Slide Number Placeholder 3"/>
+          <p:cNvSpPr>
+            <a:spLocks noGrp="1"/>
+          </p:cNvSpPr>
+          <p:nvPr>
+            <p:ph type="sldNum" sz="quarter" idx="5"/>
+          </p:nvPr>
+        </p:nvSpPr>
+        <p:spPr/>
+        <p:txBody>
+          <a:bodyPr/>
+          <a:lstStyle/>
+          <a:p>
+            <a:fld id="{71484194-BC9F-7343-A27E-E7872C54D571}" type="slidenum">
+              <a:rPr lang="en-US" smtClean="0"/>
+              <a:t>18</a:t>
+            </a:fld>
+            <a:endParaRPr lang="en-US"/>
+          </a:p>
+        </p:txBody>
+      </p:sp>
+    </p:spTree>
+    <p:extLst>
+      <p:ext uri="{BB962C8B-B14F-4D97-AF65-F5344CB8AC3E}">
+        <p14:creationId xmlns:p14="http://schemas.microsoft.com/office/powerpoint/2010/main" val="14318569"/>
+      </p:ext>
+    </p:extLst>
+  </p:cSld>
+  <p:clrMapOvr>
+    <a:masterClrMapping/>
+  </p:clrMapOvr>
+</p:notes>
+</file>
+
+<file path=ppt/notesSlides/notesSlide11.xml><?xml version="1.0" encoding="utf-8"?>
+<p:notes xmlns:a="http://schemas.openxmlformats.org/drawingml/2006/main" xmlns:r="http://schemas.openxmlformats.org/officeDocument/2006/relationships" xmlns:p="http://schemas.openxmlformats.org/presentationml/2006/main">
+  <p:cSld>
+    <p:spTree>
+      <p:nvGrpSpPr>
+        <p:cNvPr id="1" name=""/>
+        <p:cNvGrpSpPr/>
+        <p:nvPr/>
+      </p:nvGrpSpPr>
+      <p:grpSpPr>
+        <a:xfrm>
+          <a:off x="0" y="0"/>
+          <a:ext cx="0" cy="0"/>
+          <a:chOff x="0" y="0"/>
+          <a:chExt cx="0" cy="0"/>
+        </a:xfrm>
+      </p:grpSpPr>
+      <p:sp>
+        <p:nvSpPr>
+          <p:cNvPr id="2" name="Slide Image Placeholder 1"/>
+          <p:cNvSpPr>
+            <a:spLocks noGrp="1" noRot="1" noChangeAspect="1"/>
+          </p:cNvSpPr>
+          <p:nvPr>
+            <p:ph type="sldImg"/>
+          </p:nvPr>
+        </p:nvSpPr>
+        <p:spPr/>
+      </p:sp>
+      <p:sp>
+        <p:nvSpPr>
+          <p:cNvPr id="3" name="Notes Placeholder 2"/>
+          <p:cNvSpPr>
+            <a:spLocks noGrp="1"/>
+          </p:cNvSpPr>
+          <p:nvPr>
+            <p:ph type="body" idx="1"/>
+          </p:nvPr>
+        </p:nvSpPr>
+        <p:spPr/>
+        <p:txBody>
+          <a:bodyPr/>
+          <a:lstStyle/>
+          <a:p>
+            <a:pPr marL="0" algn="r" defTabSz="914400" rtl="1" eaLnBrk="1" latinLnBrk="0" hangingPunct="1"/>
+            <a:r>
+              <a:rPr lang="he-IL" dirty="0"/>
+              <a:t>איך לברוח ממינימום לוקאלי?</a:t>
+            </a:r>
+            <a:endParaRPr lang="en-US" dirty="0"/>
+          </a:p>
+          <a:p>
+            <a:pPr marL="0" algn="r" defTabSz="914400" rtl="1" eaLnBrk="1" latinLnBrk="0" hangingPunct="1"/>
+            <a:endParaRPr lang="en-US" dirty="0"/>
+          </a:p>
+          <a:p>
+            <a:pPr marL="0" algn="r" defTabSz="914400" rtl="1" eaLnBrk="1" latinLnBrk="0" hangingPunct="1"/>
+            <a:r>
+              <a:rPr lang="he-IL" dirty="0"/>
+              <a:t>אחרי השיפורים והאופטימיזציה להשוות למחקרים אחרים</a:t>
+            </a:r>
+            <a:endParaRPr lang="en-US" dirty="0"/>
+          </a:p>
+        </p:txBody>
+      </p:sp>
+      <p:sp>
+        <p:nvSpPr>
+          <p:cNvPr id="4" name="Slide Number Placeholder 3"/>
+          <p:cNvSpPr>
+            <a:spLocks noGrp="1"/>
+          </p:cNvSpPr>
+          <p:nvPr>
+            <p:ph type="sldNum" sz="quarter" idx="5"/>
+          </p:nvPr>
+        </p:nvSpPr>
+        <p:spPr/>
+        <p:txBody>
+          <a:bodyPr/>
+          <a:lstStyle/>
+          <a:p>
+            <a:fld id="{71484194-BC9F-7343-A27E-E7872C54D571}" type="slidenum">
+              <a:rPr lang="en-US" smtClean="0"/>
+              <a:t>19</a:t>
+            </a:fld>
+            <a:endParaRPr lang="en-US"/>
+          </a:p>
+        </p:txBody>
+      </p:sp>
+    </p:spTree>
+    <p:extLst>
+      <p:ext uri="{BB962C8B-B14F-4D97-AF65-F5344CB8AC3E}">
+        <p14:creationId xmlns:p14="http://schemas.microsoft.com/office/powerpoint/2010/main" val="736478375"/>
+      </p:ext>
+    </p:extLst>
+  </p:cSld>
+  <p:clrMapOvr>
+    <a:masterClrMapping/>
+  </p:clrMapOvr>
+</p:notes>
+</file>
+
 <file path=ppt/notesSlides/notesSlide2.xml><?xml version="1.0" encoding="utf-8"?>
 <p:notes xmlns:a="http://schemas.openxmlformats.org/drawingml/2006/main" xmlns:r="http://schemas.openxmlformats.org/officeDocument/2006/relationships" xmlns:p="http://schemas.openxmlformats.org/presentationml/2006/main">
   <p:cSld>
@@ -959,7 +1144,10 @@
           <a:bodyPr/>
           <a:lstStyle/>
           <a:p>
-            <a:endParaRPr lang="en-US" dirty="0"/>
+            <a:r>
+              <a:rPr lang="en-US" dirty="0"/>
+              <a:t>Random crossover choose</a:t>
+            </a:r>
           </a:p>
         </p:txBody>
       </p:sp>
@@ -980,7 +1168,7 @@
           <a:p>
             <a:fld id="{71484194-BC9F-7343-A27E-E7872C54D571}" type="slidenum">
               <a:rPr lang="en-US" smtClean="0"/>
-              <a:t>15</a:t>
+              <a:t>12</a:t>
             </a:fld>
             <a:endParaRPr lang="en-US"/>
           </a:p>
@@ -989,7 +1177,7 @@
     </p:spTree>
     <p:extLst>
       <p:ext uri="{BB962C8B-B14F-4D97-AF65-F5344CB8AC3E}">
-        <p14:creationId xmlns:p14="http://schemas.microsoft.com/office/powerpoint/2010/main" val="955573801"/>
+        <p14:creationId xmlns:p14="http://schemas.microsoft.com/office/powerpoint/2010/main" val="2506185063"/>
       </p:ext>
     </p:extLst>
   </p:cSld>
@@ -1043,6 +1231,18 @@
           <a:bodyPr/>
           <a:lstStyle/>
           <a:p>
+            <a:r>
+              <a:rPr lang="en-US" dirty="0"/>
+              <a:t>Create new individual</a:t>
+            </a:r>
+          </a:p>
+          <a:p>
+            <a:r>
+              <a:rPr lang="en-US" dirty="0"/>
+              <a:t>Random choose mutation</a:t>
+            </a:r>
+          </a:p>
+          <a:p>
             <a:endParaRPr lang="en-US" dirty="0"/>
           </a:p>
         </p:txBody>
@@ -1064,7 +1264,7 @@
           <a:p>
             <a:fld id="{71484194-BC9F-7343-A27E-E7872C54D571}" type="slidenum">
               <a:rPr lang="en-US" smtClean="0"/>
-              <a:t>16</a:t>
+              <a:t>14</a:t>
             </a:fld>
             <a:endParaRPr lang="en-US"/>
           </a:p>
@@ -1073,7 +1273,7 @@
     </p:spTree>
     <p:extLst>
       <p:ext uri="{BB962C8B-B14F-4D97-AF65-F5344CB8AC3E}">
-        <p14:creationId xmlns:p14="http://schemas.microsoft.com/office/powerpoint/2010/main" val="2547672203"/>
+        <p14:creationId xmlns:p14="http://schemas.microsoft.com/office/powerpoint/2010/main" val="3394787166"/>
       </p:ext>
     </p:extLst>
   </p:cSld>
@@ -1148,7 +1348,7 @@
           <a:p>
             <a:fld id="{71484194-BC9F-7343-A27E-E7872C54D571}" type="slidenum">
               <a:rPr lang="en-US" smtClean="0"/>
-              <a:t>17</a:t>
+              <a:t>15</a:t>
             </a:fld>
             <a:endParaRPr lang="en-US"/>
           </a:p>
@@ -1157,7 +1357,7 @@
     </p:spTree>
     <p:extLst>
       <p:ext uri="{BB962C8B-B14F-4D97-AF65-F5344CB8AC3E}">
-        <p14:creationId xmlns:p14="http://schemas.microsoft.com/office/powerpoint/2010/main" val="14318569"/>
+        <p14:creationId xmlns:p14="http://schemas.microsoft.com/office/powerpoint/2010/main" val="955573801"/>
       </p:ext>
     </p:extLst>
   </p:cSld>
@@ -1211,31 +1411,6 @@
           <a:bodyPr/>
           <a:lstStyle/>
           <a:p>
-            <a:pPr marL="0" marR="0" lvl="0" indent="0" algn="r" defTabSz="914400" rtl="1" eaLnBrk="1" fontAlgn="auto" latinLnBrk="0" hangingPunct="1">
-              <a:lnSpc>
-                <a:spcPct val="100000"/>
-              </a:lnSpc>
-              <a:spcBef>
-                <a:spcPts val="0"/>
-              </a:spcBef>
-              <a:spcAft>
-                <a:spcPts val="0"/>
-              </a:spcAft>
-              <a:buClrTx/>
-              <a:buSzTx/>
-              <a:buFontTx/>
-              <a:buNone/>
-              <a:tabLst/>
-              <a:defRPr/>
-            </a:pPr>
-            <a:r>
-              <a:rPr lang="he-IL" dirty="0"/>
-              <a:t>מ – 2 בחזקת 625 ל – 2 בחזקת 149</a:t>
-            </a:r>
-            <a:endParaRPr lang="en-US" dirty="0"/>
-          </a:p>
-          <a:p>
-            <a:pPr algn="r"/>
             <a:endParaRPr lang="en-US" dirty="0"/>
           </a:p>
         </p:txBody>
@@ -1257,7 +1432,7 @@
           <a:p>
             <a:fld id="{71484194-BC9F-7343-A27E-E7872C54D571}" type="slidenum">
               <a:rPr lang="en-US" smtClean="0"/>
-              <a:t>18</a:t>
+              <a:t>16</a:t>
             </a:fld>
             <a:endParaRPr lang="en-US"/>
           </a:p>
@@ -1266,7 +1441,7 @@
     </p:spTree>
     <p:extLst>
       <p:ext uri="{BB962C8B-B14F-4D97-AF65-F5344CB8AC3E}">
-        <p14:creationId xmlns:p14="http://schemas.microsoft.com/office/powerpoint/2010/main" val="975223796"/>
+        <p14:creationId xmlns:p14="http://schemas.microsoft.com/office/powerpoint/2010/main" val="2547672203"/>
       </p:ext>
     </p:extLst>
   </p:cSld>
@@ -1320,23 +1495,31 @@
           <a:bodyPr/>
           <a:lstStyle/>
           <a:p>
-            <a:pPr marL="0" algn="r" defTabSz="914400" rtl="1" eaLnBrk="1" latinLnBrk="0" hangingPunct="1"/>
+            <a:pPr marL="0" marR="0" lvl="0" indent="0" algn="r" defTabSz="914400" rtl="1" eaLnBrk="1" fontAlgn="auto" latinLnBrk="0" hangingPunct="1">
+              <a:lnSpc>
+                <a:spcPct val="100000"/>
+              </a:lnSpc>
+              <a:spcBef>
+                <a:spcPts val="0"/>
+              </a:spcBef>
+              <a:spcAft>
+                <a:spcPts val="0"/>
+              </a:spcAft>
+              <a:buClrTx/>
+              <a:buSzTx/>
+              <a:buFontTx/>
+              <a:buNone/>
+              <a:tabLst/>
+              <a:defRPr/>
+            </a:pPr>
             <a:r>
               <a:rPr lang="he-IL" dirty="0"/>
-              <a:t>איך לברוח ממינימום לוקאלי?</a:t>
+              <a:t>מ – 2 בחזקת 625 ל – 2 בחזקת 149</a:t>
             </a:r>
             <a:endParaRPr lang="en-US" dirty="0"/>
           </a:p>
           <a:p>
-            <a:pPr marL="0" algn="r" defTabSz="914400" rtl="1" eaLnBrk="1" latinLnBrk="0" hangingPunct="1"/>
-            <a:endParaRPr lang="en-US" dirty="0"/>
-          </a:p>
-          <a:p>
-            <a:pPr marL="0" algn="r" defTabSz="914400" rtl="1" eaLnBrk="1" latinLnBrk="0" hangingPunct="1"/>
-            <a:r>
-              <a:rPr lang="he-IL" dirty="0"/>
-              <a:t>אחרי השיפורים והאופטימיזציה להשוות למחקרים אחרים</a:t>
-            </a:r>
+            <a:pPr algn="r"/>
             <a:endParaRPr lang="en-US" dirty="0"/>
           </a:p>
         </p:txBody>
@@ -1358,7 +1541,7 @@
           <a:p>
             <a:fld id="{71484194-BC9F-7343-A27E-E7872C54D571}" type="slidenum">
               <a:rPr lang="en-US" smtClean="0"/>
-              <a:t>19</a:t>
+              <a:t>17</a:t>
             </a:fld>
             <a:endParaRPr lang="en-US"/>
           </a:p>
@@ -1367,7 +1550,7 @@
     </p:spTree>
     <p:extLst>
       <p:ext uri="{BB962C8B-B14F-4D97-AF65-F5344CB8AC3E}">
-        <p14:creationId xmlns:p14="http://schemas.microsoft.com/office/powerpoint/2010/main" val="736478375"/>
+        <p14:creationId xmlns:p14="http://schemas.microsoft.com/office/powerpoint/2010/main" val="975223796"/>
       </p:ext>
     </p:extLst>
   </p:cSld>
@@ -4938,7 +5121,7 @@
             <a:pPr algn="l"/>
             <a:r>
               <a:rPr lang="en-US" dirty="0"/>
-              <a:t>Crossover 2</a:t>
+              <a:t>Crossover (Single point)</a:t>
             </a:r>
           </a:p>
         </p:txBody>
@@ -4957,8 +5140,8 @@
         </p:nvSpPr>
         <p:spPr>
           <a:xfrm>
-            <a:off x="2281425" y="2207360"/>
-            <a:ext cx="458115" cy="305410"/>
+            <a:off x="2434130" y="2207360"/>
+            <a:ext cx="763525" cy="305410"/>
           </a:xfrm>
           <a:prstGeom prst="rect">
             <a:avLst/>
@@ -5009,8 +5192,8 @@
         </p:nvSpPr>
         <p:spPr>
           <a:xfrm>
-            <a:off x="2739540" y="2207360"/>
-            <a:ext cx="458115" cy="305410"/>
+            <a:off x="3197655" y="2207360"/>
+            <a:ext cx="763525" cy="305410"/>
           </a:xfrm>
           <a:prstGeom prst="rect">
             <a:avLst/>
@@ -5047,12 +5230,116 @@
           </a:p>
         </p:txBody>
       </p:sp>
+      <p:sp>
+        <p:nvSpPr>
+          <p:cNvPr id="9" name="Rectangle 8">
+            <a:extLst>
+              <a:ext uri="{FF2B5EF4-FFF2-40B4-BE49-F238E27FC236}">
+                <a16:creationId xmlns:a16="http://schemas.microsoft.com/office/drawing/2014/main" id="{58F9646E-CCA8-A340-B836-52B6861807B9}"/>
+              </a:ext>
+            </a:extLst>
+          </p:cNvPr>
+          <p:cNvSpPr/>
+          <p:nvPr/>
+        </p:nvSpPr>
+        <p:spPr>
+          <a:xfrm>
+            <a:off x="5182820" y="2207360"/>
+            <a:ext cx="763525" cy="305410"/>
+          </a:xfrm>
+          <a:prstGeom prst="rect">
+            <a:avLst/>
+          </a:prstGeom>
+          <a:solidFill>
+            <a:srgbClr val="BE0260"/>
+          </a:solidFill>
+        </p:spPr>
+        <p:style>
+          <a:lnRef idx="2">
+            <a:schemeClr val="accent1">
+              <a:shade val="50000"/>
+            </a:schemeClr>
+          </a:lnRef>
+          <a:fillRef idx="1">
+            <a:schemeClr val="accent1"/>
+          </a:fillRef>
+          <a:effectRef idx="0">
+            <a:schemeClr val="accent1"/>
+          </a:effectRef>
+          <a:fontRef idx="minor">
+            <a:schemeClr val="lt1"/>
+          </a:fontRef>
+        </p:style>
+        <p:txBody>
+          <a:bodyPr rtlCol="0" anchor="ctr"/>
+          <a:lstStyle/>
+          <a:p>
+            <a:pPr algn="ctr"/>
+            <a:r>
+              <a:rPr lang="en-US" dirty="0"/>
+              <a:t>B1</a:t>
+            </a:r>
+          </a:p>
+        </p:txBody>
+      </p:sp>
+      <p:sp>
+        <p:nvSpPr>
+          <p:cNvPr id="10" name="Rectangle 9">
+            <a:extLst>
+              <a:ext uri="{FF2B5EF4-FFF2-40B4-BE49-F238E27FC236}">
+                <a16:creationId xmlns:a16="http://schemas.microsoft.com/office/drawing/2014/main" id="{F336ED71-F4F7-E348-BAE9-04568548B9E4}"/>
+              </a:ext>
+            </a:extLst>
+          </p:cNvPr>
+          <p:cNvSpPr/>
+          <p:nvPr/>
+        </p:nvSpPr>
+        <p:spPr>
+          <a:xfrm>
+            <a:off x="5946345" y="2207360"/>
+            <a:ext cx="763525" cy="305410"/>
+          </a:xfrm>
+          <a:prstGeom prst="rect">
+            <a:avLst/>
+          </a:prstGeom>
+          <a:solidFill>
+            <a:srgbClr val="BE0260"/>
+          </a:solidFill>
+        </p:spPr>
+        <p:style>
+          <a:lnRef idx="2">
+            <a:schemeClr val="accent1">
+              <a:shade val="50000"/>
+            </a:schemeClr>
+          </a:lnRef>
+          <a:fillRef idx="1">
+            <a:schemeClr val="accent1"/>
+          </a:fillRef>
+          <a:effectRef idx="0">
+            <a:schemeClr val="accent1"/>
+          </a:effectRef>
+          <a:fontRef idx="minor">
+            <a:schemeClr val="lt1"/>
+          </a:fontRef>
+        </p:style>
+        <p:txBody>
+          <a:bodyPr rtlCol="0" anchor="ctr"/>
+          <a:lstStyle/>
+          <a:p>
+            <a:pPr algn="ctr"/>
+            <a:r>
+              <a:rPr lang="en-US" dirty="0"/>
+              <a:t>B2</a:t>
+            </a:r>
+          </a:p>
+        </p:txBody>
+      </p:sp>
       <p:cxnSp>
         <p:nvCxnSpPr>
-          <p:cNvPr id="5" name="Straight Connector 4">
+          <p:cNvPr id="15" name="Straight Arrow Connector 14">
             <a:extLst>
               <a:ext uri="{FF2B5EF4-FFF2-40B4-BE49-F238E27FC236}">
-                <a16:creationId xmlns:a16="http://schemas.microsoft.com/office/drawing/2014/main" id="{8CFED9FB-8DB6-BC4D-B32D-C73E54A1C5E4}"/>
+                <a16:creationId xmlns:a16="http://schemas.microsoft.com/office/drawing/2014/main" id="{E4FF9BC6-C777-4A48-923F-3A69EFFBBC0E}"/>
               </a:ext>
             </a:extLst>
           </p:cNvPr>
@@ -5061,12 +5348,15 @@
         </p:nvCxnSpPr>
         <p:spPr>
           <a:xfrm>
-            <a:off x="5946345" y="2512770"/>
-            <a:ext cx="0" cy="763525"/>
-          </a:xfrm>
-          <a:prstGeom prst="line">
+            <a:off x="3197655" y="2512770"/>
+            <a:ext cx="2748690" cy="1985165"/>
+          </a:xfrm>
+          <a:prstGeom prst="straightConnector1">
             <a:avLst/>
           </a:prstGeom>
+          <a:ln>
+            <a:tailEnd type="triangle"/>
+          </a:ln>
         </p:spPr>
         <p:style>
           <a:lnRef idx="1">
@@ -5085,24 +5375,29 @@
       </p:cxnSp>
       <p:cxnSp>
         <p:nvCxnSpPr>
-          <p:cNvPr id="18" name="Straight Connector 17">
+          <p:cNvPr id="16" name="Straight Arrow Connector 15">
             <a:extLst>
               <a:ext uri="{FF2B5EF4-FFF2-40B4-BE49-F238E27FC236}">
-                <a16:creationId xmlns:a16="http://schemas.microsoft.com/office/drawing/2014/main" id="{6DF84752-EFAE-BE4B-9AEF-D212138F2B2B}"/>
+                <a16:creationId xmlns:a16="http://schemas.microsoft.com/office/drawing/2014/main" id="{A65FCC75-BD08-4D42-B1CB-E24681CD3854}"/>
               </a:ext>
             </a:extLst>
           </p:cNvPr>
-          <p:cNvCxnSpPr/>
+          <p:cNvCxnSpPr>
+            <a:cxnSpLocks/>
+          </p:cNvCxnSpPr>
           <p:nvPr/>
         </p:nvCxnSpPr>
         <p:spPr>
-          <a:xfrm>
-            <a:off x="3197654" y="2512770"/>
-            <a:ext cx="0" cy="763525"/>
-          </a:xfrm>
-          <a:prstGeom prst="line">
+          <a:xfrm flipH="1">
+            <a:off x="3197654" y="2512769"/>
+            <a:ext cx="2748692" cy="1985166"/>
+          </a:xfrm>
+          <a:prstGeom prst="straightConnector1">
             <a:avLst/>
           </a:prstGeom>
+          <a:ln>
+            <a:tailEnd type="triangle"/>
+          </a:ln>
         </p:spPr>
         <p:style>
           <a:lnRef idx="1">
@@ -5119,124 +5414,12 @@
           </a:fontRef>
         </p:style>
       </p:cxnSp>
-      <p:cxnSp>
-        <p:nvCxnSpPr>
-          <p:cNvPr id="11" name="Straight Connector 10">
+      <p:sp>
+        <p:nvSpPr>
+          <p:cNvPr id="19" name="Rectangle 18">
             <a:extLst>
               <a:ext uri="{FF2B5EF4-FFF2-40B4-BE49-F238E27FC236}">
-                <a16:creationId xmlns:a16="http://schemas.microsoft.com/office/drawing/2014/main" id="{E1E645C9-24C5-4646-8604-89FDCC58117A}"/>
-              </a:ext>
-            </a:extLst>
-          </p:cNvPr>
-          <p:cNvCxnSpPr/>
-          <p:nvPr/>
-        </p:nvCxnSpPr>
-        <p:spPr>
-          <a:xfrm>
-            <a:off x="3197654" y="3276295"/>
-            <a:ext cx="2748691" cy="0"/>
-          </a:xfrm>
-          <a:prstGeom prst="line">
-            <a:avLst/>
-          </a:prstGeom>
-        </p:spPr>
-        <p:style>
-          <a:lnRef idx="1">
-            <a:schemeClr val="accent1"/>
-          </a:lnRef>
-          <a:fillRef idx="0">
-            <a:schemeClr val="accent1"/>
-          </a:fillRef>
-          <a:effectRef idx="0">
-            <a:schemeClr val="accent1"/>
-          </a:effectRef>
-          <a:fontRef idx="minor">
-            <a:schemeClr val="tx1"/>
-          </a:fontRef>
-        </p:style>
-      </p:cxnSp>
-      <p:cxnSp>
-        <p:nvCxnSpPr>
-          <p:cNvPr id="13" name="Straight Arrow Connector 12">
-            <a:extLst>
-              <a:ext uri="{FF2B5EF4-FFF2-40B4-BE49-F238E27FC236}">
-                <a16:creationId xmlns:a16="http://schemas.microsoft.com/office/drawing/2014/main" id="{D9989DC5-4644-3F40-B287-C43E63B06B60}"/>
-              </a:ext>
-            </a:extLst>
-          </p:cNvPr>
-          <p:cNvCxnSpPr>
-            <a:cxnSpLocks/>
-          </p:cNvCxnSpPr>
-          <p:nvPr/>
-        </p:nvCxnSpPr>
-        <p:spPr>
-          <a:xfrm flipH="1">
-            <a:off x="4724706" y="3276295"/>
-            <a:ext cx="1" cy="972912"/>
-          </a:xfrm>
-          <a:prstGeom prst="straightConnector1">
-            <a:avLst/>
-          </a:prstGeom>
-          <a:ln>
-            <a:tailEnd type="triangle"/>
-          </a:ln>
-        </p:spPr>
-        <p:style>
-          <a:lnRef idx="1">
-            <a:schemeClr val="accent1"/>
-          </a:lnRef>
-          <a:fillRef idx="0">
-            <a:schemeClr val="accent1"/>
-          </a:fillRef>
-          <a:effectRef idx="0">
-            <a:schemeClr val="accent1"/>
-          </a:effectRef>
-          <a:fontRef idx="minor">
-            <a:schemeClr val="tx1"/>
-          </a:fontRef>
-        </p:style>
-      </p:cxnSp>
-      <p:sp>
-        <p:nvSpPr>
-          <p:cNvPr id="41" name="TextBox 40">
-            <a:extLst>
-              <a:ext uri="{FF2B5EF4-FFF2-40B4-BE49-F238E27FC236}">
-                <a16:creationId xmlns:a16="http://schemas.microsoft.com/office/drawing/2014/main" id="{719FFC88-BA77-CA40-8B23-575C5BBD03EB}"/>
-              </a:ext>
-            </a:extLst>
-          </p:cNvPr>
-          <p:cNvSpPr txBox="1"/>
-          <p:nvPr/>
-        </p:nvSpPr>
-        <p:spPr>
-          <a:xfrm>
-            <a:off x="4911722" y="3670488"/>
-            <a:ext cx="3534622" cy="369332"/>
-          </a:xfrm>
-          <a:prstGeom prst="rect">
-            <a:avLst/>
-          </a:prstGeom>
-          <a:noFill/>
-        </p:spPr>
-        <p:txBody>
-          <a:bodyPr wrap="none" rtlCol="0">
-            <a:spAutoFit/>
-          </a:bodyPr>
-          <a:lstStyle/>
-          <a:p>
-            <a:r>
-              <a:rPr lang="en-US" dirty="0"/>
-              <a:t>*Each bit have 50% of being chosen</a:t>
-            </a:r>
-          </a:p>
-        </p:txBody>
-      </p:sp>
-      <p:sp>
-        <p:nvSpPr>
-          <p:cNvPr id="25" name="Rectangle 24">
-            <a:extLst>
-              <a:ext uri="{FF2B5EF4-FFF2-40B4-BE49-F238E27FC236}">
-                <a16:creationId xmlns:a16="http://schemas.microsoft.com/office/drawing/2014/main" id="{F46D754E-F3B5-B147-98F7-65AB6AF0D053}"/>
+                <a16:creationId xmlns:a16="http://schemas.microsoft.com/office/drawing/2014/main" id="{20E77784-FD93-2C4E-90CD-5C268569B4C9}"/>
               </a:ext>
             </a:extLst>
           </p:cNvPr>
@@ -5245,8 +5428,8 @@
         </p:nvSpPr>
         <p:spPr>
           <a:xfrm>
-            <a:off x="3197655" y="2207360"/>
-            <a:ext cx="458115" cy="305410"/>
+            <a:off x="2434129" y="4650640"/>
+            <a:ext cx="763525" cy="305410"/>
           </a:xfrm>
           <a:prstGeom prst="rect">
             <a:avLst/>
@@ -5278,17 +5461,17 @@
             <a:pPr algn="ctr"/>
             <a:r>
               <a:rPr lang="en-US" dirty="0"/>
-              <a:t>A3</a:t>
-            </a:r>
-          </a:p>
-        </p:txBody>
-      </p:sp>
-      <p:sp>
-        <p:nvSpPr>
-          <p:cNvPr id="26" name="Rectangle 25">
+              <a:t>A1</a:t>
+            </a:r>
+          </a:p>
+        </p:txBody>
+      </p:sp>
+      <p:sp>
+        <p:nvSpPr>
+          <p:cNvPr id="20" name="Rectangle 19">
             <a:extLst>
               <a:ext uri="{FF2B5EF4-FFF2-40B4-BE49-F238E27FC236}">
-                <a16:creationId xmlns:a16="http://schemas.microsoft.com/office/drawing/2014/main" id="{99EF9B53-3626-3941-AB96-069AAD469FDF}"/>
+                <a16:creationId xmlns:a16="http://schemas.microsoft.com/office/drawing/2014/main" id="{737FB8C7-BA3A-EE40-91AB-955AF7349734}"/>
               </a:ext>
             </a:extLst>
           </p:cNvPr>
@@ -5297,14 +5480,14 @@
         </p:nvSpPr>
         <p:spPr>
           <a:xfrm>
-            <a:off x="3655770" y="2207360"/>
-            <a:ext cx="458115" cy="305410"/>
+            <a:off x="3197655" y="4657842"/>
+            <a:ext cx="763525" cy="305410"/>
           </a:xfrm>
           <a:prstGeom prst="rect">
             <a:avLst/>
           </a:prstGeom>
           <a:solidFill>
-            <a:srgbClr val="F2576D"/>
+            <a:srgbClr val="BE0260"/>
           </a:solidFill>
         </p:spPr>
         <p:style>
@@ -5330,17 +5513,17 @@
             <a:pPr algn="ctr"/>
             <a:r>
               <a:rPr lang="en-US" dirty="0"/>
-              <a:t>A4</a:t>
-            </a:r>
-          </a:p>
-        </p:txBody>
-      </p:sp>
-      <p:sp>
-        <p:nvSpPr>
-          <p:cNvPr id="27" name="Rectangle 26">
+              <a:t>B2</a:t>
+            </a:r>
+          </a:p>
+        </p:txBody>
+      </p:sp>
+      <p:sp>
+        <p:nvSpPr>
+          <p:cNvPr id="21" name="Rectangle 20">
             <a:extLst>
               <a:ext uri="{FF2B5EF4-FFF2-40B4-BE49-F238E27FC236}">
-                <a16:creationId xmlns:a16="http://schemas.microsoft.com/office/drawing/2014/main" id="{F098EBDA-CC1A-D543-8C40-66870B53B5B2}"/>
+                <a16:creationId xmlns:a16="http://schemas.microsoft.com/office/drawing/2014/main" id="{9704DD9C-C8DE-4A49-AB54-FCDE9131E962}"/>
               </a:ext>
             </a:extLst>
           </p:cNvPr>
@@ -5349,8 +5532,8 @@
         </p:nvSpPr>
         <p:spPr>
           <a:xfrm>
-            <a:off x="5030115" y="2207360"/>
-            <a:ext cx="458115" cy="305410"/>
+            <a:off x="5182820" y="4650640"/>
+            <a:ext cx="763525" cy="305410"/>
           </a:xfrm>
           <a:prstGeom prst="rect">
             <a:avLst/>
@@ -5389,10 +5572,10 @@
       </p:sp>
       <p:sp>
         <p:nvSpPr>
-          <p:cNvPr id="28" name="Rectangle 27">
+          <p:cNvPr id="22" name="Rectangle 21">
             <a:extLst>
               <a:ext uri="{FF2B5EF4-FFF2-40B4-BE49-F238E27FC236}">
-                <a16:creationId xmlns:a16="http://schemas.microsoft.com/office/drawing/2014/main" id="{94AEE1D1-1743-8F4A-BF5F-8B79EFCF8483}"/>
+                <a16:creationId xmlns:a16="http://schemas.microsoft.com/office/drawing/2014/main" id="{097CD96F-2F9A-8E44-8408-63610AC5765F}"/>
               </a:ext>
             </a:extLst>
           </p:cNvPr>
@@ -5401,14 +5584,14 @@
         </p:nvSpPr>
         <p:spPr>
           <a:xfrm>
-            <a:off x="5488230" y="2207360"/>
-            <a:ext cx="458115" cy="305410"/>
+            <a:off x="5946345" y="4650640"/>
+            <a:ext cx="763525" cy="305410"/>
           </a:xfrm>
           <a:prstGeom prst="rect">
             <a:avLst/>
           </a:prstGeom>
           <a:solidFill>
-            <a:srgbClr val="BE0260"/>
+            <a:srgbClr val="F2576D"/>
           </a:solidFill>
         </p:spPr>
         <p:style>
@@ -5434,319 +5617,77 @@
             <a:pPr algn="ctr"/>
             <a:r>
               <a:rPr lang="en-US" dirty="0"/>
-              <a:t>B2</a:t>
-            </a:r>
-          </a:p>
-        </p:txBody>
-      </p:sp>
-      <p:sp>
-        <p:nvSpPr>
-          <p:cNvPr id="31" name="Rectangle 30">
+              <a:t>A2</a:t>
+            </a:r>
+          </a:p>
+        </p:txBody>
+      </p:sp>
+      <p:sp>
+        <p:nvSpPr>
+          <p:cNvPr id="23" name="TextBox 22">
             <a:extLst>
               <a:ext uri="{FF2B5EF4-FFF2-40B4-BE49-F238E27FC236}">
-                <a16:creationId xmlns:a16="http://schemas.microsoft.com/office/drawing/2014/main" id="{8243AF1B-3805-D248-819C-7410B67FFA80}"/>
+                <a16:creationId xmlns:a16="http://schemas.microsoft.com/office/drawing/2014/main" id="{DC4BA68D-591F-8D4D-83F2-231861EEB39F}"/>
               </a:ext>
             </a:extLst>
           </p:cNvPr>
-          <p:cNvSpPr/>
+          <p:cNvSpPr txBox="1"/>
           <p:nvPr/>
         </p:nvSpPr>
         <p:spPr>
           <a:xfrm>
-            <a:off x="5946345" y="2207360"/>
-            <a:ext cx="458115" cy="305410"/>
+            <a:off x="5182820" y="3734410"/>
+            <a:ext cx="476412" cy="369332"/>
           </a:xfrm>
           <a:prstGeom prst="rect">
             <a:avLst/>
           </a:prstGeom>
-          <a:solidFill>
-            <a:srgbClr val="BE0260"/>
-          </a:solidFill>
-        </p:spPr>
-        <p:style>
-          <a:lnRef idx="2">
-            <a:schemeClr val="accent1">
-              <a:shade val="50000"/>
-            </a:schemeClr>
-          </a:lnRef>
-          <a:fillRef idx="1">
-            <a:schemeClr val="accent1"/>
-          </a:fillRef>
-          <a:effectRef idx="0">
-            <a:schemeClr val="accent1"/>
-          </a:effectRef>
-          <a:fontRef idx="minor">
-            <a:schemeClr val="lt1"/>
-          </a:fontRef>
-        </p:style>
-        <p:txBody>
-          <a:bodyPr rtlCol="0" anchor="ctr"/>
-          <a:lstStyle/>
-          <a:p>
-            <a:pPr algn="ctr"/>
+          <a:noFill/>
+        </p:spPr>
+        <p:txBody>
+          <a:bodyPr wrap="none" rtlCol="0">
+            <a:spAutoFit/>
+          </a:bodyPr>
+          <a:lstStyle/>
+          <a:p>
             <a:r>
               <a:rPr lang="en-US" dirty="0"/>
-              <a:t>B3</a:t>
-            </a:r>
-          </a:p>
-        </p:txBody>
-      </p:sp>
-      <p:sp>
-        <p:nvSpPr>
-          <p:cNvPr id="32" name="Rectangle 31">
+              <a:t>0.5</a:t>
+            </a:r>
+          </a:p>
+        </p:txBody>
+      </p:sp>
+      <p:sp>
+        <p:nvSpPr>
+          <p:cNvPr id="24" name="TextBox 23">
             <a:extLst>
               <a:ext uri="{FF2B5EF4-FFF2-40B4-BE49-F238E27FC236}">
-                <a16:creationId xmlns:a16="http://schemas.microsoft.com/office/drawing/2014/main" id="{B3A86430-7F4C-AA47-8303-B58AC24B16B7}"/>
+                <a16:creationId xmlns:a16="http://schemas.microsoft.com/office/drawing/2014/main" id="{FB7B4D6F-E1A9-C246-ABD0-6B03E25046EA}"/>
               </a:ext>
             </a:extLst>
           </p:cNvPr>
-          <p:cNvSpPr/>
+          <p:cNvSpPr txBox="1"/>
           <p:nvPr/>
         </p:nvSpPr>
         <p:spPr>
           <a:xfrm>
-            <a:off x="6404460" y="2207360"/>
-            <a:ext cx="458115" cy="305410"/>
+            <a:off x="3579417" y="3734410"/>
+            <a:ext cx="476412" cy="369332"/>
           </a:xfrm>
           <a:prstGeom prst="rect">
             <a:avLst/>
           </a:prstGeom>
-          <a:solidFill>
-            <a:srgbClr val="BE0260"/>
-          </a:solidFill>
-        </p:spPr>
-        <p:style>
-          <a:lnRef idx="2">
-            <a:schemeClr val="accent1">
-              <a:shade val="50000"/>
-            </a:schemeClr>
-          </a:lnRef>
-          <a:fillRef idx="1">
-            <a:schemeClr val="accent1"/>
-          </a:fillRef>
-          <a:effectRef idx="0">
-            <a:schemeClr val="accent1"/>
-          </a:effectRef>
-          <a:fontRef idx="minor">
-            <a:schemeClr val="lt1"/>
-          </a:fontRef>
-        </p:style>
-        <p:txBody>
-          <a:bodyPr rtlCol="0" anchor="ctr"/>
-          <a:lstStyle/>
-          <a:p>
-            <a:pPr algn="ctr"/>
+          <a:noFill/>
+        </p:spPr>
+        <p:txBody>
+          <a:bodyPr wrap="none" rtlCol="0">
+            <a:spAutoFit/>
+          </a:bodyPr>
+          <a:lstStyle/>
+          <a:p>
             <a:r>
               <a:rPr lang="en-US" dirty="0"/>
-              <a:t>B4</a:t>
-            </a:r>
-          </a:p>
-        </p:txBody>
-      </p:sp>
-      <p:sp>
-        <p:nvSpPr>
-          <p:cNvPr id="33" name="Rectangle 32">
-            <a:extLst>
-              <a:ext uri="{FF2B5EF4-FFF2-40B4-BE49-F238E27FC236}">
-                <a16:creationId xmlns:a16="http://schemas.microsoft.com/office/drawing/2014/main" id="{07B2CF5D-EBD1-244E-8B2C-B4EC49189060}"/>
-              </a:ext>
-            </a:extLst>
-          </p:cNvPr>
-          <p:cNvSpPr/>
-          <p:nvPr/>
-        </p:nvSpPr>
-        <p:spPr>
-          <a:xfrm>
-            <a:off x="3808475" y="4345230"/>
-            <a:ext cx="458115" cy="305410"/>
-          </a:xfrm>
-          <a:prstGeom prst="rect">
-            <a:avLst/>
-          </a:prstGeom>
-          <a:solidFill>
-            <a:srgbClr val="F2576D"/>
-          </a:solidFill>
-        </p:spPr>
-        <p:style>
-          <a:lnRef idx="2">
-            <a:schemeClr val="accent1">
-              <a:shade val="50000"/>
-            </a:schemeClr>
-          </a:lnRef>
-          <a:fillRef idx="1">
-            <a:schemeClr val="accent1"/>
-          </a:fillRef>
-          <a:effectRef idx="0">
-            <a:schemeClr val="accent1"/>
-          </a:effectRef>
-          <a:fontRef idx="minor">
-            <a:schemeClr val="lt1"/>
-          </a:fontRef>
-        </p:style>
-        <p:txBody>
-          <a:bodyPr rtlCol="0" anchor="ctr"/>
-          <a:lstStyle/>
-          <a:p>
-            <a:pPr algn="ctr"/>
-            <a:r>
-              <a:rPr lang="en-US" dirty="0"/>
-              <a:t>A1</a:t>
-            </a:r>
-          </a:p>
-        </p:txBody>
-      </p:sp>
-      <p:sp>
-        <p:nvSpPr>
-          <p:cNvPr id="35" name="Rectangle 34">
-            <a:extLst>
-              <a:ext uri="{FF2B5EF4-FFF2-40B4-BE49-F238E27FC236}">
-                <a16:creationId xmlns:a16="http://schemas.microsoft.com/office/drawing/2014/main" id="{491A0B5F-64D0-5B4A-8006-EDEC5C8F1C4E}"/>
-              </a:ext>
-            </a:extLst>
-          </p:cNvPr>
-          <p:cNvSpPr/>
-          <p:nvPr/>
-        </p:nvSpPr>
-        <p:spPr>
-          <a:xfrm>
-            <a:off x="4266590" y="4345230"/>
-            <a:ext cx="458115" cy="305410"/>
-          </a:xfrm>
-          <a:prstGeom prst="rect">
-            <a:avLst/>
-          </a:prstGeom>
-          <a:solidFill>
-            <a:srgbClr val="BE0260"/>
-          </a:solidFill>
-        </p:spPr>
-        <p:style>
-          <a:lnRef idx="2">
-            <a:schemeClr val="accent1">
-              <a:shade val="50000"/>
-            </a:schemeClr>
-          </a:lnRef>
-          <a:fillRef idx="1">
-            <a:schemeClr val="accent1"/>
-          </a:fillRef>
-          <a:effectRef idx="0">
-            <a:schemeClr val="accent1"/>
-          </a:effectRef>
-          <a:fontRef idx="minor">
-            <a:schemeClr val="lt1"/>
-          </a:fontRef>
-        </p:style>
-        <p:txBody>
-          <a:bodyPr rtlCol="0" anchor="ctr"/>
-          <a:lstStyle/>
-          <a:p>
-            <a:pPr algn="ctr"/>
-            <a:r>
-              <a:rPr lang="en-US" dirty="0"/>
-              <a:t>B2</a:t>
-            </a:r>
-          </a:p>
-        </p:txBody>
-      </p:sp>
-      <p:sp>
-        <p:nvSpPr>
-          <p:cNvPr id="37" name="Rectangle 36">
-            <a:extLst>
-              <a:ext uri="{FF2B5EF4-FFF2-40B4-BE49-F238E27FC236}">
-                <a16:creationId xmlns:a16="http://schemas.microsoft.com/office/drawing/2014/main" id="{75C24057-3EB5-5743-A071-7AEA33929678}"/>
-              </a:ext>
-            </a:extLst>
-          </p:cNvPr>
-          <p:cNvSpPr/>
-          <p:nvPr/>
-        </p:nvSpPr>
-        <p:spPr>
-          <a:xfrm>
-            <a:off x="4724705" y="4345230"/>
-            <a:ext cx="458115" cy="305410"/>
-          </a:xfrm>
-          <a:prstGeom prst="rect">
-            <a:avLst/>
-          </a:prstGeom>
-          <a:solidFill>
-            <a:srgbClr val="BE0260"/>
-          </a:solidFill>
-        </p:spPr>
-        <p:style>
-          <a:lnRef idx="2">
-            <a:schemeClr val="accent1">
-              <a:shade val="50000"/>
-            </a:schemeClr>
-          </a:lnRef>
-          <a:fillRef idx="1">
-            <a:schemeClr val="accent1"/>
-          </a:fillRef>
-          <a:effectRef idx="0">
-            <a:schemeClr val="accent1"/>
-          </a:effectRef>
-          <a:fontRef idx="minor">
-            <a:schemeClr val="lt1"/>
-          </a:fontRef>
-        </p:style>
-        <p:txBody>
-          <a:bodyPr rtlCol="0" anchor="ctr"/>
-          <a:lstStyle/>
-          <a:p>
-            <a:pPr algn="ctr"/>
-            <a:r>
-              <a:rPr lang="en-US" dirty="0"/>
-              <a:t>B3</a:t>
-            </a:r>
-          </a:p>
-        </p:txBody>
-      </p:sp>
-      <p:sp>
-        <p:nvSpPr>
-          <p:cNvPr id="39" name="Rectangle 38">
-            <a:extLst>
-              <a:ext uri="{FF2B5EF4-FFF2-40B4-BE49-F238E27FC236}">
-                <a16:creationId xmlns:a16="http://schemas.microsoft.com/office/drawing/2014/main" id="{DD2809AB-0D5D-FF48-A64B-CDCC554B3543}"/>
-              </a:ext>
-            </a:extLst>
-          </p:cNvPr>
-          <p:cNvSpPr/>
-          <p:nvPr/>
-        </p:nvSpPr>
-        <p:spPr>
-          <a:xfrm>
-            <a:off x="5182820" y="4345230"/>
-            <a:ext cx="458115" cy="305410"/>
-          </a:xfrm>
-          <a:prstGeom prst="rect">
-            <a:avLst/>
-          </a:prstGeom>
-          <a:solidFill>
-            <a:srgbClr val="F2576D"/>
-          </a:solidFill>
-        </p:spPr>
-        <p:style>
-          <a:lnRef idx="2">
-            <a:schemeClr val="accent1">
-              <a:shade val="50000"/>
-            </a:schemeClr>
-          </a:lnRef>
-          <a:fillRef idx="1">
-            <a:schemeClr val="accent1"/>
-          </a:fillRef>
-          <a:effectRef idx="0">
-            <a:schemeClr val="accent1"/>
-          </a:effectRef>
-          <a:fontRef idx="minor">
-            <a:schemeClr val="lt1"/>
-          </a:fontRef>
-        </p:style>
-        <p:txBody>
-          <a:bodyPr rtlCol="0" anchor="ctr"/>
-          <a:lstStyle/>
-          <a:p>
-            <a:pPr algn="ctr"/>
-            <a:r>
-              <a:rPr lang="en-US" dirty="0"/>
-              <a:t>A4</a:t>
+              <a:t>0.5</a:t>
             </a:r>
           </a:p>
         </p:txBody>
@@ -5754,7 +5695,7 @@
     </p:spTree>
     <p:extLst>
       <p:ext uri="{BB962C8B-B14F-4D97-AF65-F5344CB8AC3E}">
-        <p14:creationId xmlns:p14="http://schemas.microsoft.com/office/powerpoint/2010/main" val="4144318081"/>
+        <p14:creationId xmlns:p14="http://schemas.microsoft.com/office/powerpoint/2010/main" val="1101633878"/>
       </p:ext>
     </p:extLst>
   </p:cSld>
@@ -5815,7 +5756,7 @@
             <a:pPr algn="l"/>
             <a:r>
               <a:rPr lang="en-US" dirty="0"/>
-              <a:t>Crossover (alt.)</a:t>
+              <a:t>Crossover 2 (Uniform)</a:t>
             </a:r>
           </a:p>
         </p:txBody>
@@ -5834,8 +5775,8 @@
         </p:nvSpPr>
         <p:spPr>
           <a:xfrm>
-            <a:off x="2434130" y="2207360"/>
-            <a:ext cx="763525" cy="305410"/>
+            <a:off x="2281425" y="2207360"/>
+            <a:ext cx="458115" cy="305410"/>
           </a:xfrm>
           <a:prstGeom prst="rect">
             <a:avLst/>
@@ -5886,320 +5827,8 @@
         </p:nvSpPr>
         <p:spPr>
           <a:xfrm>
-            <a:off x="3197655" y="2207360"/>
-            <a:ext cx="763525" cy="305410"/>
-          </a:xfrm>
-          <a:prstGeom prst="rect">
-            <a:avLst/>
-          </a:prstGeom>
-          <a:solidFill>
-            <a:srgbClr val="F2576D"/>
-          </a:solidFill>
-        </p:spPr>
-        <p:style>
-          <a:lnRef idx="2">
-            <a:schemeClr val="accent1">
-              <a:shade val="50000"/>
-            </a:schemeClr>
-          </a:lnRef>
-          <a:fillRef idx="1">
-            <a:schemeClr val="accent1"/>
-          </a:fillRef>
-          <a:effectRef idx="0">
-            <a:schemeClr val="accent1"/>
-          </a:effectRef>
-          <a:fontRef idx="minor">
-            <a:schemeClr val="lt1"/>
-          </a:fontRef>
-        </p:style>
-        <p:txBody>
-          <a:bodyPr rtlCol="0" anchor="ctr"/>
-          <a:lstStyle/>
-          <a:p>
-            <a:pPr algn="ctr"/>
-            <a:r>
-              <a:rPr lang="en-US" dirty="0"/>
-              <a:t>A2</a:t>
-            </a:r>
-          </a:p>
-        </p:txBody>
-      </p:sp>
-      <p:sp>
-        <p:nvSpPr>
-          <p:cNvPr id="9" name="Rectangle 8">
-            <a:extLst>
-              <a:ext uri="{FF2B5EF4-FFF2-40B4-BE49-F238E27FC236}">
-                <a16:creationId xmlns:a16="http://schemas.microsoft.com/office/drawing/2014/main" id="{58F9646E-CCA8-A340-B836-52B6861807B9}"/>
-              </a:ext>
-            </a:extLst>
-          </p:cNvPr>
-          <p:cNvSpPr/>
-          <p:nvPr/>
-        </p:nvSpPr>
-        <p:spPr>
-          <a:xfrm>
-            <a:off x="5182820" y="2207360"/>
-            <a:ext cx="763525" cy="305410"/>
-          </a:xfrm>
-          <a:prstGeom prst="rect">
-            <a:avLst/>
-          </a:prstGeom>
-          <a:solidFill>
-            <a:srgbClr val="BE0260"/>
-          </a:solidFill>
-        </p:spPr>
-        <p:style>
-          <a:lnRef idx="2">
-            <a:schemeClr val="accent1">
-              <a:shade val="50000"/>
-            </a:schemeClr>
-          </a:lnRef>
-          <a:fillRef idx="1">
-            <a:schemeClr val="accent1"/>
-          </a:fillRef>
-          <a:effectRef idx="0">
-            <a:schemeClr val="accent1"/>
-          </a:effectRef>
-          <a:fontRef idx="minor">
-            <a:schemeClr val="lt1"/>
-          </a:fontRef>
-        </p:style>
-        <p:txBody>
-          <a:bodyPr rtlCol="0" anchor="ctr"/>
-          <a:lstStyle/>
-          <a:p>
-            <a:pPr algn="ctr"/>
-            <a:r>
-              <a:rPr lang="en-US" dirty="0"/>
-              <a:t>B1</a:t>
-            </a:r>
-          </a:p>
-        </p:txBody>
-      </p:sp>
-      <p:sp>
-        <p:nvSpPr>
-          <p:cNvPr id="10" name="Rectangle 9">
-            <a:extLst>
-              <a:ext uri="{FF2B5EF4-FFF2-40B4-BE49-F238E27FC236}">
-                <a16:creationId xmlns:a16="http://schemas.microsoft.com/office/drawing/2014/main" id="{F336ED71-F4F7-E348-BAE9-04568548B9E4}"/>
-              </a:ext>
-            </a:extLst>
-          </p:cNvPr>
-          <p:cNvSpPr/>
-          <p:nvPr/>
-        </p:nvSpPr>
-        <p:spPr>
-          <a:xfrm>
-            <a:off x="5946345" y="2207360"/>
-            <a:ext cx="763525" cy="305410"/>
-          </a:xfrm>
-          <a:prstGeom prst="rect">
-            <a:avLst/>
-          </a:prstGeom>
-          <a:solidFill>
-            <a:srgbClr val="BE0260"/>
-          </a:solidFill>
-        </p:spPr>
-        <p:style>
-          <a:lnRef idx="2">
-            <a:schemeClr val="accent1">
-              <a:shade val="50000"/>
-            </a:schemeClr>
-          </a:lnRef>
-          <a:fillRef idx="1">
-            <a:schemeClr val="accent1"/>
-          </a:fillRef>
-          <a:effectRef idx="0">
-            <a:schemeClr val="accent1"/>
-          </a:effectRef>
-          <a:fontRef idx="minor">
-            <a:schemeClr val="lt1"/>
-          </a:fontRef>
-        </p:style>
-        <p:txBody>
-          <a:bodyPr rtlCol="0" anchor="ctr"/>
-          <a:lstStyle/>
-          <a:p>
-            <a:pPr algn="ctr"/>
-            <a:r>
-              <a:rPr lang="en-US" dirty="0"/>
-              <a:t>B2</a:t>
-            </a:r>
-          </a:p>
-        </p:txBody>
-      </p:sp>
-      <p:sp>
-        <p:nvSpPr>
-          <p:cNvPr id="19" name="Rectangle 18">
-            <a:extLst>
-              <a:ext uri="{FF2B5EF4-FFF2-40B4-BE49-F238E27FC236}">
-                <a16:creationId xmlns:a16="http://schemas.microsoft.com/office/drawing/2014/main" id="{20E77784-FD93-2C4E-90CD-5C268569B4C9}"/>
-              </a:ext>
-            </a:extLst>
-          </p:cNvPr>
-          <p:cNvSpPr/>
-          <p:nvPr/>
-        </p:nvSpPr>
-        <p:spPr>
-          <a:xfrm>
-            <a:off x="2434129" y="4047022"/>
-            <a:ext cx="763525" cy="305410"/>
-          </a:xfrm>
-          <a:prstGeom prst="rect">
-            <a:avLst/>
-          </a:prstGeom>
-          <a:solidFill>
-            <a:srgbClr val="F2576D"/>
-          </a:solidFill>
-        </p:spPr>
-        <p:style>
-          <a:lnRef idx="2">
-            <a:schemeClr val="accent1">
-              <a:shade val="50000"/>
-            </a:schemeClr>
-          </a:lnRef>
-          <a:fillRef idx="1">
-            <a:schemeClr val="accent1"/>
-          </a:fillRef>
-          <a:effectRef idx="0">
-            <a:schemeClr val="accent1"/>
-          </a:effectRef>
-          <a:fontRef idx="minor">
-            <a:schemeClr val="lt1"/>
-          </a:fontRef>
-        </p:style>
-        <p:txBody>
-          <a:bodyPr rtlCol="0" anchor="ctr"/>
-          <a:lstStyle/>
-          <a:p>
-            <a:pPr algn="ctr"/>
-            <a:r>
-              <a:rPr lang="en-US" dirty="0"/>
-              <a:t>A1</a:t>
-            </a:r>
-          </a:p>
-        </p:txBody>
-      </p:sp>
-      <p:sp>
-        <p:nvSpPr>
-          <p:cNvPr id="20" name="Rectangle 19">
-            <a:extLst>
-              <a:ext uri="{FF2B5EF4-FFF2-40B4-BE49-F238E27FC236}">
-                <a16:creationId xmlns:a16="http://schemas.microsoft.com/office/drawing/2014/main" id="{737FB8C7-BA3A-EE40-91AB-955AF7349734}"/>
-              </a:ext>
-            </a:extLst>
-          </p:cNvPr>
-          <p:cNvSpPr/>
-          <p:nvPr/>
-        </p:nvSpPr>
-        <p:spPr>
-          <a:xfrm>
-            <a:off x="3197655" y="4047022"/>
-            <a:ext cx="763525" cy="305410"/>
-          </a:xfrm>
-          <a:prstGeom prst="rect">
-            <a:avLst/>
-          </a:prstGeom>
-          <a:solidFill>
-            <a:srgbClr val="BE0260"/>
-          </a:solidFill>
-        </p:spPr>
-        <p:style>
-          <a:lnRef idx="2">
-            <a:schemeClr val="accent1">
-              <a:shade val="50000"/>
-            </a:schemeClr>
-          </a:lnRef>
-          <a:fillRef idx="1">
-            <a:schemeClr val="accent1"/>
-          </a:fillRef>
-          <a:effectRef idx="0">
-            <a:schemeClr val="accent1"/>
-          </a:effectRef>
-          <a:fontRef idx="minor">
-            <a:schemeClr val="lt1"/>
-          </a:fontRef>
-        </p:style>
-        <p:txBody>
-          <a:bodyPr rtlCol="0" anchor="ctr"/>
-          <a:lstStyle/>
-          <a:p>
-            <a:pPr algn="ctr"/>
-            <a:r>
-              <a:rPr lang="en-US" dirty="0"/>
-              <a:t>B2</a:t>
-            </a:r>
-          </a:p>
-        </p:txBody>
-      </p:sp>
-      <p:sp>
-        <p:nvSpPr>
-          <p:cNvPr id="21" name="Rectangle 20">
-            <a:extLst>
-              <a:ext uri="{FF2B5EF4-FFF2-40B4-BE49-F238E27FC236}">
-                <a16:creationId xmlns:a16="http://schemas.microsoft.com/office/drawing/2014/main" id="{9704DD9C-C8DE-4A49-AB54-FCDE9131E962}"/>
-              </a:ext>
-            </a:extLst>
-          </p:cNvPr>
-          <p:cNvSpPr/>
-          <p:nvPr/>
-        </p:nvSpPr>
-        <p:spPr>
-          <a:xfrm>
-            <a:off x="5182820" y="4039820"/>
-            <a:ext cx="763525" cy="305410"/>
-          </a:xfrm>
-          <a:prstGeom prst="rect">
-            <a:avLst/>
-          </a:prstGeom>
-          <a:solidFill>
-            <a:srgbClr val="BE0260"/>
-          </a:solidFill>
-        </p:spPr>
-        <p:style>
-          <a:lnRef idx="2">
-            <a:schemeClr val="accent1">
-              <a:shade val="50000"/>
-            </a:schemeClr>
-          </a:lnRef>
-          <a:fillRef idx="1">
-            <a:schemeClr val="accent1"/>
-          </a:fillRef>
-          <a:effectRef idx="0">
-            <a:schemeClr val="accent1"/>
-          </a:effectRef>
-          <a:fontRef idx="minor">
-            <a:schemeClr val="lt1"/>
-          </a:fontRef>
-        </p:style>
-        <p:txBody>
-          <a:bodyPr rtlCol="0" anchor="ctr"/>
-          <a:lstStyle/>
-          <a:p>
-            <a:pPr algn="ctr"/>
-            <a:r>
-              <a:rPr lang="en-US" dirty="0"/>
-              <a:t>B1</a:t>
-            </a:r>
-          </a:p>
-        </p:txBody>
-      </p:sp>
-      <p:sp>
-        <p:nvSpPr>
-          <p:cNvPr id="22" name="Rectangle 21">
-            <a:extLst>
-              <a:ext uri="{FF2B5EF4-FFF2-40B4-BE49-F238E27FC236}">
-                <a16:creationId xmlns:a16="http://schemas.microsoft.com/office/drawing/2014/main" id="{097CD96F-2F9A-8E44-8408-63610AC5765F}"/>
-              </a:ext>
-            </a:extLst>
-          </p:cNvPr>
-          <p:cNvSpPr/>
-          <p:nvPr/>
-        </p:nvSpPr>
-        <p:spPr>
-          <a:xfrm>
-            <a:off x="5946345" y="4039820"/>
-            <a:ext cx="763525" cy="305410"/>
+            <a:off x="2739540" y="2207360"/>
+            <a:ext cx="458115" cy="305410"/>
           </a:xfrm>
           <a:prstGeom prst="rect">
             <a:avLst/>
@@ -6360,6 +5989,1195 @@
         </p:nvCxnSpPr>
         <p:spPr>
           <a:xfrm flipH="1">
+            <a:off x="4724706" y="3276295"/>
+            <a:ext cx="1" cy="972912"/>
+          </a:xfrm>
+          <a:prstGeom prst="straightConnector1">
+            <a:avLst/>
+          </a:prstGeom>
+          <a:ln>
+            <a:tailEnd type="triangle"/>
+          </a:ln>
+        </p:spPr>
+        <p:style>
+          <a:lnRef idx="1">
+            <a:schemeClr val="accent1"/>
+          </a:lnRef>
+          <a:fillRef idx="0">
+            <a:schemeClr val="accent1"/>
+          </a:fillRef>
+          <a:effectRef idx="0">
+            <a:schemeClr val="accent1"/>
+          </a:effectRef>
+          <a:fontRef idx="minor">
+            <a:schemeClr val="tx1"/>
+          </a:fontRef>
+        </p:style>
+      </p:cxnSp>
+      <p:sp>
+        <p:nvSpPr>
+          <p:cNvPr id="41" name="TextBox 40">
+            <a:extLst>
+              <a:ext uri="{FF2B5EF4-FFF2-40B4-BE49-F238E27FC236}">
+                <a16:creationId xmlns:a16="http://schemas.microsoft.com/office/drawing/2014/main" id="{719FFC88-BA77-CA40-8B23-575C5BBD03EB}"/>
+              </a:ext>
+            </a:extLst>
+          </p:cNvPr>
+          <p:cNvSpPr txBox="1"/>
+          <p:nvPr/>
+        </p:nvSpPr>
+        <p:spPr>
+          <a:xfrm>
+            <a:off x="4911722" y="3670488"/>
+            <a:ext cx="3534622" cy="369332"/>
+          </a:xfrm>
+          <a:prstGeom prst="rect">
+            <a:avLst/>
+          </a:prstGeom>
+          <a:noFill/>
+        </p:spPr>
+        <p:txBody>
+          <a:bodyPr wrap="none" rtlCol="0">
+            <a:spAutoFit/>
+          </a:bodyPr>
+          <a:lstStyle/>
+          <a:p>
+            <a:r>
+              <a:rPr lang="en-US" dirty="0"/>
+              <a:t>*Each bit have 50% of being chosen</a:t>
+            </a:r>
+          </a:p>
+        </p:txBody>
+      </p:sp>
+      <p:sp>
+        <p:nvSpPr>
+          <p:cNvPr id="25" name="Rectangle 24">
+            <a:extLst>
+              <a:ext uri="{FF2B5EF4-FFF2-40B4-BE49-F238E27FC236}">
+                <a16:creationId xmlns:a16="http://schemas.microsoft.com/office/drawing/2014/main" id="{F46D754E-F3B5-B147-98F7-65AB6AF0D053}"/>
+              </a:ext>
+            </a:extLst>
+          </p:cNvPr>
+          <p:cNvSpPr/>
+          <p:nvPr/>
+        </p:nvSpPr>
+        <p:spPr>
+          <a:xfrm>
+            <a:off x="3197655" y="2207360"/>
+            <a:ext cx="458115" cy="305410"/>
+          </a:xfrm>
+          <a:prstGeom prst="rect">
+            <a:avLst/>
+          </a:prstGeom>
+          <a:solidFill>
+            <a:srgbClr val="F2576D"/>
+          </a:solidFill>
+        </p:spPr>
+        <p:style>
+          <a:lnRef idx="2">
+            <a:schemeClr val="accent1">
+              <a:shade val="50000"/>
+            </a:schemeClr>
+          </a:lnRef>
+          <a:fillRef idx="1">
+            <a:schemeClr val="accent1"/>
+          </a:fillRef>
+          <a:effectRef idx="0">
+            <a:schemeClr val="accent1"/>
+          </a:effectRef>
+          <a:fontRef idx="minor">
+            <a:schemeClr val="lt1"/>
+          </a:fontRef>
+        </p:style>
+        <p:txBody>
+          <a:bodyPr rtlCol="0" anchor="ctr"/>
+          <a:lstStyle/>
+          <a:p>
+            <a:pPr algn="ctr"/>
+            <a:r>
+              <a:rPr lang="en-US" dirty="0"/>
+              <a:t>A3</a:t>
+            </a:r>
+          </a:p>
+        </p:txBody>
+      </p:sp>
+      <p:sp>
+        <p:nvSpPr>
+          <p:cNvPr id="26" name="Rectangle 25">
+            <a:extLst>
+              <a:ext uri="{FF2B5EF4-FFF2-40B4-BE49-F238E27FC236}">
+                <a16:creationId xmlns:a16="http://schemas.microsoft.com/office/drawing/2014/main" id="{99EF9B53-3626-3941-AB96-069AAD469FDF}"/>
+              </a:ext>
+            </a:extLst>
+          </p:cNvPr>
+          <p:cNvSpPr/>
+          <p:nvPr/>
+        </p:nvSpPr>
+        <p:spPr>
+          <a:xfrm>
+            <a:off x="3655770" y="2207360"/>
+            <a:ext cx="458115" cy="305410"/>
+          </a:xfrm>
+          <a:prstGeom prst="rect">
+            <a:avLst/>
+          </a:prstGeom>
+          <a:solidFill>
+            <a:srgbClr val="F2576D"/>
+          </a:solidFill>
+        </p:spPr>
+        <p:style>
+          <a:lnRef idx="2">
+            <a:schemeClr val="accent1">
+              <a:shade val="50000"/>
+            </a:schemeClr>
+          </a:lnRef>
+          <a:fillRef idx="1">
+            <a:schemeClr val="accent1"/>
+          </a:fillRef>
+          <a:effectRef idx="0">
+            <a:schemeClr val="accent1"/>
+          </a:effectRef>
+          <a:fontRef idx="minor">
+            <a:schemeClr val="lt1"/>
+          </a:fontRef>
+        </p:style>
+        <p:txBody>
+          <a:bodyPr rtlCol="0" anchor="ctr"/>
+          <a:lstStyle/>
+          <a:p>
+            <a:pPr algn="ctr"/>
+            <a:r>
+              <a:rPr lang="en-US" dirty="0"/>
+              <a:t>A4</a:t>
+            </a:r>
+          </a:p>
+        </p:txBody>
+      </p:sp>
+      <p:sp>
+        <p:nvSpPr>
+          <p:cNvPr id="27" name="Rectangle 26">
+            <a:extLst>
+              <a:ext uri="{FF2B5EF4-FFF2-40B4-BE49-F238E27FC236}">
+                <a16:creationId xmlns:a16="http://schemas.microsoft.com/office/drawing/2014/main" id="{F098EBDA-CC1A-D543-8C40-66870B53B5B2}"/>
+              </a:ext>
+            </a:extLst>
+          </p:cNvPr>
+          <p:cNvSpPr/>
+          <p:nvPr/>
+        </p:nvSpPr>
+        <p:spPr>
+          <a:xfrm>
+            <a:off x="5030115" y="2207360"/>
+            <a:ext cx="458115" cy="305410"/>
+          </a:xfrm>
+          <a:prstGeom prst="rect">
+            <a:avLst/>
+          </a:prstGeom>
+          <a:solidFill>
+            <a:srgbClr val="BE0260"/>
+          </a:solidFill>
+        </p:spPr>
+        <p:style>
+          <a:lnRef idx="2">
+            <a:schemeClr val="accent1">
+              <a:shade val="50000"/>
+            </a:schemeClr>
+          </a:lnRef>
+          <a:fillRef idx="1">
+            <a:schemeClr val="accent1"/>
+          </a:fillRef>
+          <a:effectRef idx="0">
+            <a:schemeClr val="accent1"/>
+          </a:effectRef>
+          <a:fontRef idx="minor">
+            <a:schemeClr val="lt1"/>
+          </a:fontRef>
+        </p:style>
+        <p:txBody>
+          <a:bodyPr rtlCol="0" anchor="ctr"/>
+          <a:lstStyle/>
+          <a:p>
+            <a:pPr algn="ctr"/>
+            <a:r>
+              <a:rPr lang="en-US" dirty="0"/>
+              <a:t>B1</a:t>
+            </a:r>
+          </a:p>
+        </p:txBody>
+      </p:sp>
+      <p:sp>
+        <p:nvSpPr>
+          <p:cNvPr id="28" name="Rectangle 27">
+            <a:extLst>
+              <a:ext uri="{FF2B5EF4-FFF2-40B4-BE49-F238E27FC236}">
+                <a16:creationId xmlns:a16="http://schemas.microsoft.com/office/drawing/2014/main" id="{94AEE1D1-1743-8F4A-BF5F-8B79EFCF8483}"/>
+              </a:ext>
+            </a:extLst>
+          </p:cNvPr>
+          <p:cNvSpPr/>
+          <p:nvPr/>
+        </p:nvSpPr>
+        <p:spPr>
+          <a:xfrm>
+            <a:off x="5488230" y="2207360"/>
+            <a:ext cx="458115" cy="305410"/>
+          </a:xfrm>
+          <a:prstGeom prst="rect">
+            <a:avLst/>
+          </a:prstGeom>
+          <a:solidFill>
+            <a:srgbClr val="BE0260"/>
+          </a:solidFill>
+        </p:spPr>
+        <p:style>
+          <a:lnRef idx="2">
+            <a:schemeClr val="accent1">
+              <a:shade val="50000"/>
+            </a:schemeClr>
+          </a:lnRef>
+          <a:fillRef idx="1">
+            <a:schemeClr val="accent1"/>
+          </a:fillRef>
+          <a:effectRef idx="0">
+            <a:schemeClr val="accent1"/>
+          </a:effectRef>
+          <a:fontRef idx="minor">
+            <a:schemeClr val="lt1"/>
+          </a:fontRef>
+        </p:style>
+        <p:txBody>
+          <a:bodyPr rtlCol="0" anchor="ctr"/>
+          <a:lstStyle/>
+          <a:p>
+            <a:pPr algn="ctr"/>
+            <a:r>
+              <a:rPr lang="en-US" dirty="0"/>
+              <a:t>B2</a:t>
+            </a:r>
+          </a:p>
+        </p:txBody>
+      </p:sp>
+      <p:sp>
+        <p:nvSpPr>
+          <p:cNvPr id="31" name="Rectangle 30">
+            <a:extLst>
+              <a:ext uri="{FF2B5EF4-FFF2-40B4-BE49-F238E27FC236}">
+                <a16:creationId xmlns:a16="http://schemas.microsoft.com/office/drawing/2014/main" id="{8243AF1B-3805-D248-819C-7410B67FFA80}"/>
+              </a:ext>
+            </a:extLst>
+          </p:cNvPr>
+          <p:cNvSpPr/>
+          <p:nvPr/>
+        </p:nvSpPr>
+        <p:spPr>
+          <a:xfrm>
+            <a:off x="5946345" y="2207360"/>
+            <a:ext cx="458115" cy="305410"/>
+          </a:xfrm>
+          <a:prstGeom prst="rect">
+            <a:avLst/>
+          </a:prstGeom>
+          <a:solidFill>
+            <a:srgbClr val="BE0260"/>
+          </a:solidFill>
+        </p:spPr>
+        <p:style>
+          <a:lnRef idx="2">
+            <a:schemeClr val="accent1">
+              <a:shade val="50000"/>
+            </a:schemeClr>
+          </a:lnRef>
+          <a:fillRef idx="1">
+            <a:schemeClr val="accent1"/>
+          </a:fillRef>
+          <a:effectRef idx="0">
+            <a:schemeClr val="accent1"/>
+          </a:effectRef>
+          <a:fontRef idx="minor">
+            <a:schemeClr val="lt1"/>
+          </a:fontRef>
+        </p:style>
+        <p:txBody>
+          <a:bodyPr rtlCol="0" anchor="ctr"/>
+          <a:lstStyle/>
+          <a:p>
+            <a:pPr algn="ctr"/>
+            <a:r>
+              <a:rPr lang="en-US" dirty="0"/>
+              <a:t>B3</a:t>
+            </a:r>
+          </a:p>
+        </p:txBody>
+      </p:sp>
+      <p:sp>
+        <p:nvSpPr>
+          <p:cNvPr id="32" name="Rectangle 31">
+            <a:extLst>
+              <a:ext uri="{FF2B5EF4-FFF2-40B4-BE49-F238E27FC236}">
+                <a16:creationId xmlns:a16="http://schemas.microsoft.com/office/drawing/2014/main" id="{B3A86430-7F4C-AA47-8303-B58AC24B16B7}"/>
+              </a:ext>
+            </a:extLst>
+          </p:cNvPr>
+          <p:cNvSpPr/>
+          <p:nvPr/>
+        </p:nvSpPr>
+        <p:spPr>
+          <a:xfrm>
+            <a:off x="6404460" y="2207360"/>
+            <a:ext cx="458115" cy="305410"/>
+          </a:xfrm>
+          <a:prstGeom prst="rect">
+            <a:avLst/>
+          </a:prstGeom>
+          <a:solidFill>
+            <a:srgbClr val="BE0260"/>
+          </a:solidFill>
+        </p:spPr>
+        <p:style>
+          <a:lnRef idx="2">
+            <a:schemeClr val="accent1">
+              <a:shade val="50000"/>
+            </a:schemeClr>
+          </a:lnRef>
+          <a:fillRef idx="1">
+            <a:schemeClr val="accent1"/>
+          </a:fillRef>
+          <a:effectRef idx="0">
+            <a:schemeClr val="accent1"/>
+          </a:effectRef>
+          <a:fontRef idx="minor">
+            <a:schemeClr val="lt1"/>
+          </a:fontRef>
+        </p:style>
+        <p:txBody>
+          <a:bodyPr rtlCol="0" anchor="ctr"/>
+          <a:lstStyle/>
+          <a:p>
+            <a:pPr algn="ctr"/>
+            <a:r>
+              <a:rPr lang="en-US" dirty="0"/>
+              <a:t>B4</a:t>
+            </a:r>
+          </a:p>
+        </p:txBody>
+      </p:sp>
+      <p:sp>
+        <p:nvSpPr>
+          <p:cNvPr id="33" name="Rectangle 32">
+            <a:extLst>
+              <a:ext uri="{FF2B5EF4-FFF2-40B4-BE49-F238E27FC236}">
+                <a16:creationId xmlns:a16="http://schemas.microsoft.com/office/drawing/2014/main" id="{07B2CF5D-EBD1-244E-8B2C-B4EC49189060}"/>
+              </a:ext>
+            </a:extLst>
+          </p:cNvPr>
+          <p:cNvSpPr/>
+          <p:nvPr/>
+        </p:nvSpPr>
+        <p:spPr>
+          <a:xfrm>
+            <a:off x="3808475" y="4345230"/>
+            <a:ext cx="458115" cy="305410"/>
+          </a:xfrm>
+          <a:prstGeom prst="rect">
+            <a:avLst/>
+          </a:prstGeom>
+          <a:solidFill>
+            <a:srgbClr val="F2576D"/>
+          </a:solidFill>
+        </p:spPr>
+        <p:style>
+          <a:lnRef idx="2">
+            <a:schemeClr val="accent1">
+              <a:shade val="50000"/>
+            </a:schemeClr>
+          </a:lnRef>
+          <a:fillRef idx="1">
+            <a:schemeClr val="accent1"/>
+          </a:fillRef>
+          <a:effectRef idx="0">
+            <a:schemeClr val="accent1"/>
+          </a:effectRef>
+          <a:fontRef idx="minor">
+            <a:schemeClr val="lt1"/>
+          </a:fontRef>
+        </p:style>
+        <p:txBody>
+          <a:bodyPr rtlCol="0" anchor="ctr"/>
+          <a:lstStyle/>
+          <a:p>
+            <a:pPr algn="ctr"/>
+            <a:r>
+              <a:rPr lang="en-US" dirty="0"/>
+              <a:t>A1</a:t>
+            </a:r>
+          </a:p>
+        </p:txBody>
+      </p:sp>
+      <p:sp>
+        <p:nvSpPr>
+          <p:cNvPr id="35" name="Rectangle 34">
+            <a:extLst>
+              <a:ext uri="{FF2B5EF4-FFF2-40B4-BE49-F238E27FC236}">
+                <a16:creationId xmlns:a16="http://schemas.microsoft.com/office/drawing/2014/main" id="{491A0B5F-64D0-5B4A-8006-EDEC5C8F1C4E}"/>
+              </a:ext>
+            </a:extLst>
+          </p:cNvPr>
+          <p:cNvSpPr/>
+          <p:nvPr/>
+        </p:nvSpPr>
+        <p:spPr>
+          <a:xfrm>
+            <a:off x="4266590" y="4345230"/>
+            <a:ext cx="458115" cy="305410"/>
+          </a:xfrm>
+          <a:prstGeom prst="rect">
+            <a:avLst/>
+          </a:prstGeom>
+          <a:solidFill>
+            <a:srgbClr val="BE0260"/>
+          </a:solidFill>
+        </p:spPr>
+        <p:style>
+          <a:lnRef idx="2">
+            <a:schemeClr val="accent1">
+              <a:shade val="50000"/>
+            </a:schemeClr>
+          </a:lnRef>
+          <a:fillRef idx="1">
+            <a:schemeClr val="accent1"/>
+          </a:fillRef>
+          <a:effectRef idx="0">
+            <a:schemeClr val="accent1"/>
+          </a:effectRef>
+          <a:fontRef idx="minor">
+            <a:schemeClr val="lt1"/>
+          </a:fontRef>
+        </p:style>
+        <p:txBody>
+          <a:bodyPr rtlCol="0" anchor="ctr"/>
+          <a:lstStyle/>
+          <a:p>
+            <a:pPr algn="ctr"/>
+            <a:r>
+              <a:rPr lang="en-US" dirty="0"/>
+              <a:t>B2</a:t>
+            </a:r>
+          </a:p>
+        </p:txBody>
+      </p:sp>
+      <p:sp>
+        <p:nvSpPr>
+          <p:cNvPr id="37" name="Rectangle 36">
+            <a:extLst>
+              <a:ext uri="{FF2B5EF4-FFF2-40B4-BE49-F238E27FC236}">
+                <a16:creationId xmlns:a16="http://schemas.microsoft.com/office/drawing/2014/main" id="{75C24057-3EB5-5743-A071-7AEA33929678}"/>
+              </a:ext>
+            </a:extLst>
+          </p:cNvPr>
+          <p:cNvSpPr/>
+          <p:nvPr/>
+        </p:nvSpPr>
+        <p:spPr>
+          <a:xfrm>
+            <a:off x="4724705" y="4345230"/>
+            <a:ext cx="458115" cy="305410"/>
+          </a:xfrm>
+          <a:prstGeom prst="rect">
+            <a:avLst/>
+          </a:prstGeom>
+          <a:solidFill>
+            <a:srgbClr val="BE0260"/>
+          </a:solidFill>
+        </p:spPr>
+        <p:style>
+          <a:lnRef idx="2">
+            <a:schemeClr val="accent1">
+              <a:shade val="50000"/>
+            </a:schemeClr>
+          </a:lnRef>
+          <a:fillRef idx="1">
+            <a:schemeClr val="accent1"/>
+          </a:fillRef>
+          <a:effectRef idx="0">
+            <a:schemeClr val="accent1"/>
+          </a:effectRef>
+          <a:fontRef idx="minor">
+            <a:schemeClr val="lt1"/>
+          </a:fontRef>
+        </p:style>
+        <p:txBody>
+          <a:bodyPr rtlCol="0" anchor="ctr"/>
+          <a:lstStyle/>
+          <a:p>
+            <a:pPr algn="ctr"/>
+            <a:r>
+              <a:rPr lang="en-US" dirty="0"/>
+              <a:t>B3</a:t>
+            </a:r>
+          </a:p>
+        </p:txBody>
+      </p:sp>
+      <p:sp>
+        <p:nvSpPr>
+          <p:cNvPr id="39" name="Rectangle 38">
+            <a:extLst>
+              <a:ext uri="{FF2B5EF4-FFF2-40B4-BE49-F238E27FC236}">
+                <a16:creationId xmlns:a16="http://schemas.microsoft.com/office/drawing/2014/main" id="{DD2809AB-0D5D-FF48-A64B-CDCC554B3543}"/>
+              </a:ext>
+            </a:extLst>
+          </p:cNvPr>
+          <p:cNvSpPr/>
+          <p:nvPr/>
+        </p:nvSpPr>
+        <p:spPr>
+          <a:xfrm>
+            <a:off x="5182820" y="4345230"/>
+            <a:ext cx="458115" cy="305410"/>
+          </a:xfrm>
+          <a:prstGeom prst="rect">
+            <a:avLst/>
+          </a:prstGeom>
+          <a:solidFill>
+            <a:srgbClr val="F2576D"/>
+          </a:solidFill>
+        </p:spPr>
+        <p:style>
+          <a:lnRef idx="2">
+            <a:schemeClr val="accent1">
+              <a:shade val="50000"/>
+            </a:schemeClr>
+          </a:lnRef>
+          <a:fillRef idx="1">
+            <a:schemeClr val="accent1"/>
+          </a:fillRef>
+          <a:effectRef idx="0">
+            <a:schemeClr val="accent1"/>
+          </a:effectRef>
+          <a:fontRef idx="minor">
+            <a:schemeClr val="lt1"/>
+          </a:fontRef>
+        </p:style>
+        <p:txBody>
+          <a:bodyPr rtlCol="0" anchor="ctr"/>
+          <a:lstStyle/>
+          <a:p>
+            <a:pPr algn="ctr"/>
+            <a:r>
+              <a:rPr lang="en-US" dirty="0"/>
+              <a:t>A4</a:t>
+            </a:r>
+          </a:p>
+        </p:txBody>
+      </p:sp>
+    </p:spTree>
+    <p:extLst>
+      <p:ext uri="{BB962C8B-B14F-4D97-AF65-F5344CB8AC3E}">
+        <p14:creationId xmlns:p14="http://schemas.microsoft.com/office/powerpoint/2010/main" val="4144318081"/>
+      </p:ext>
+    </p:extLst>
+  </p:cSld>
+  <p:clrMapOvr>
+    <a:masterClrMapping/>
+  </p:clrMapOvr>
+</p:sld>
+</file>
+
+<file path=ppt/slides/slide12.xml><?xml version="1.0" encoding="utf-8"?>
+<p:sld xmlns:a="http://schemas.openxmlformats.org/drawingml/2006/main" xmlns:r="http://schemas.openxmlformats.org/officeDocument/2006/relationships" xmlns:p="http://schemas.openxmlformats.org/presentationml/2006/main">
+  <p:cSld>
+    <p:bg>
+      <p:bgPr>
+        <a:blipFill dpi="0" rotWithShape="1">
+          <a:blip r:embed="rId3">
+            <a:lum/>
+          </a:blip>
+          <a:srcRect/>
+          <a:stretch>
+            <a:fillRect/>
+          </a:stretch>
+        </a:blipFill>
+        <a:effectLst/>
+      </p:bgPr>
+    </p:bg>
+    <p:spTree>
+      <p:nvGrpSpPr>
+        <p:cNvPr id="1" name=""/>
+        <p:cNvGrpSpPr/>
+        <p:nvPr/>
+      </p:nvGrpSpPr>
+      <p:grpSpPr>
+        <a:xfrm>
+          <a:off x="0" y="0"/>
+          <a:ext cx="0" cy="0"/>
+          <a:chOff x="0" y="0"/>
+          <a:chExt cx="0" cy="0"/>
+        </a:xfrm>
+      </p:grpSpPr>
+      <p:sp>
+        <p:nvSpPr>
+          <p:cNvPr id="4" name="Title 3"/>
+          <p:cNvSpPr>
+            <a:spLocks noGrp="1"/>
+          </p:cNvSpPr>
+          <p:nvPr>
+            <p:ph type="title"/>
+          </p:nvPr>
+        </p:nvSpPr>
+        <p:spPr/>
+        <p:txBody>
+          <a:bodyPr>
+            <a:normAutofit fontScale="90000"/>
+          </a:bodyPr>
+          <a:lstStyle/>
+          <a:p>
+            <a:pPr algn="l"/>
+            <a:r>
+              <a:rPr lang="en-US" dirty="0"/>
+              <a:t>Crossover (alt.)</a:t>
+            </a:r>
+          </a:p>
+        </p:txBody>
+      </p:sp>
+      <p:sp>
+        <p:nvSpPr>
+          <p:cNvPr id="6" name="Rectangle 5">
+            <a:extLst>
+              <a:ext uri="{FF2B5EF4-FFF2-40B4-BE49-F238E27FC236}">
+                <a16:creationId xmlns:a16="http://schemas.microsoft.com/office/drawing/2014/main" id="{C2C57670-E102-C741-8692-28A3E78C9F15}"/>
+              </a:ext>
+            </a:extLst>
+          </p:cNvPr>
+          <p:cNvSpPr/>
+          <p:nvPr/>
+        </p:nvSpPr>
+        <p:spPr>
+          <a:xfrm>
+            <a:off x="2434130" y="2207360"/>
+            <a:ext cx="763525" cy="305410"/>
+          </a:xfrm>
+          <a:prstGeom prst="rect">
+            <a:avLst/>
+          </a:prstGeom>
+          <a:solidFill>
+            <a:srgbClr val="F2576D"/>
+          </a:solidFill>
+        </p:spPr>
+        <p:style>
+          <a:lnRef idx="2">
+            <a:schemeClr val="accent1">
+              <a:shade val="50000"/>
+            </a:schemeClr>
+          </a:lnRef>
+          <a:fillRef idx="1">
+            <a:schemeClr val="accent1"/>
+          </a:fillRef>
+          <a:effectRef idx="0">
+            <a:schemeClr val="accent1"/>
+          </a:effectRef>
+          <a:fontRef idx="minor">
+            <a:schemeClr val="lt1"/>
+          </a:fontRef>
+        </p:style>
+        <p:txBody>
+          <a:bodyPr rtlCol="0" anchor="ctr"/>
+          <a:lstStyle/>
+          <a:p>
+            <a:pPr algn="ctr"/>
+            <a:r>
+              <a:rPr lang="en-US" dirty="0"/>
+              <a:t>A1</a:t>
+            </a:r>
+          </a:p>
+        </p:txBody>
+      </p:sp>
+      <p:sp>
+        <p:nvSpPr>
+          <p:cNvPr id="8" name="Rectangle 7">
+            <a:extLst>
+              <a:ext uri="{FF2B5EF4-FFF2-40B4-BE49-F238E27FC236}">
+                <a16:creationId xmlns:a16="http://schemas.microsoft.com/office/drawing/2014/main" id="{F35A53A7-0E6A-1F4D-A832-48C4B4151395}"/>
+              </a:ext>
+            </a:extLst>
+          </p:cNvPr>
+          <p:cNvSpPr/>
+          <p:nvPr/>
+        </p:nvSpPr>
+        <p:spPr>
+          <a:xfrm>
+            <a:off x="3197655" y="2207360"/>
+            <a:ext cx="763525" cy="305410"/>
+          </a:xfrm>
+          <a:prstGeom prst="rect">
+            <a:avLst/>
+          </a:prstGeom>
+          <a:solidFill>
+            <a:srgbClr val="F2576D"/>
+          </a:solidFill>
+        </p:spPr>
+        <p:style>
+          <a:lnRef idx="2">
+            <a:schemeClr val="accent1">
+              <a:shade val="50000"/>
+            </a:schemeClr>
+          </a:lnRef>
+          <a:fillRef idx="1">
+            <a:schemeClr val="accent1"/>
+          </a:fillRef>
+          <a:effectRef idx="0">
+            <a:schemeClr val="accent1"/>
+          </a:effectRef>
+          <a:fontRef idx="minor">
+            <a:schemeClr val="lt1"/>
+          </a:fontRef>
+        </p:style>
+        <p:txBody>
+          <a:bodyPr rtlCol="0" anchor="ctr"/>
+          <a:lstStyle/>
+          <a:p>
+            <a:pPr algn="ctr"/>
+            <a:r>
+              <a:rPr lang="en-US" dirty="0"/>
+              <a:t>A2</a:t>
+            </a:r>
+          </a:p>
+        </p:txBody>
+      </p:sp>
+      <p:sp>
+        <p:nvSpPr>
+          <p:cNvPr id="9" name="Rectangle 8">
+            <a:extLst>
+              <a:ext uri="{FF2B5EF4-FFF2-40B4-BE49-F238E27FC236}">
+                <a16:creationId xmlns:a16="http://schemas.microsoft.com/office/drawing/2014/main" id="{58F9646E-CCA8-A340-B836-52B6861807B9}"/>
+              </a:ext>
+            </a:extLst>
+          </p:cNvPr>
+          <p:cNvSpPr/>
+          <p:nvPr/>
+        </p:nvSpPr>
+        <p:spPr>
+          <a:xfrm>
+            <a:off x="5182820" y="2207360"/>
+            <a:ext cx="763525" cy="305410"/>
+          </a:xfrm>
+          <a:prstGeom prst="rect">
+            <a:avLst/>
+          </a:prstGeom>
+          <a:solidFill>
+            <a:srgbClr val="BE0260"/>
+          </a:solidFill>
+        </p:spPr>
+        <p:style>
+          <a:lnRef idx="2">
+            <a:schemeClr val="accent1">
+              <a:shade val="50000"/>
+            </a:schemeClr>
+          </a:lnRef>
+          <a:fillRef idx="1">
+            <a:schemeClr val="accent1"/>
+          </a:fillRef>
+          <a:effectRef idx="0">
+            <a:schemeClr val="accent1"/>
+          </a:effectRef>
+          <a:fontRef idx="minor">
+            <a:schemeClr val="lt1"/>
+          </a:fontRef>
+        </p:style>
+        <p:txBody>
+          <a:bodyPr rtlCol="0" anchor="ctr"/>
+          <a:lstStyle/>
+          <a:p>
+            <a:pPr algn="ctr"/>
+            <a:r>
+              <a:rPr lang="en-US" dirty="0"/>
+              <a:t>B1</a:t>
+            </a:r>
+          </a:p>
+        </p:txBody>
+      </p:sp>
+      <p:sp>
+        <p:nvSpPr>
+          <p:cNvPr id="10" name="Rectangle 9">
+            <a:extLst>
+              <a:ext uri="{FF2B5EF4-FFF2-40B4-BE49-F238E27FC236}">
+                <a16:creationId xmlns:a16="http://schemas.microsoft.com/office/drawing/2014/main" id="{F336ED71-F4F7-E348-BAE9-04568548B9E4}"/>
+              </a:ext>
+            </a:extLst>
+          </p:cNvPr>
+          <p:cNvSpPr/>
+          <p:nvPr/>
+        </p:nvSpPr>
+        <p:spPr>
+          <a:xfrm>
+            <a:off x="5946345" y="2207360"/>
+            <a:ext cx="763525" cy="305410"/>
+          </a:xfrm>
+          <a:prstGeom prst="rect">
+            <a:avLst/>
+          </a:prstGeom>
+          <a:solidFill>
+            <a:srgbClr val="BE0260"/>
+          </a:solidFill>
+        </p:spPr>
+        <p:style>
+          <a:lnRef idx="2">
+            <a:schemeClr val="accent1">
+              <a:shade val="50000"/>
+            </a:schemeClr>
+          </a:lnRef>
+          <a:fillRef idx="1">
+            <a:schemeClr val="accent1"/>
+          </a:fillRef>
+          <a:effectRef idx="0">
+            <a:schemeClr val="accent1"/>
+          </a:effectRef>
+          <a:fontRef idx="minor">
+            <a:schemeClr val="lt1"/>
+          </a:fontRef>
+        </p:style>
+        <p:txBody>
+          <a:bodyPr rtlCol="0" anchor="ctr"/>
+          <a:lstStyle/>
+          <a:p>
+            <a:pPr algn="ctr"/>
+            <a:r>
+              <a:rPr lang="en-US" dirty="0"/>
+              <a:t>B2</a:t>
+            </a:r>
+          </a:p>
+        </p:txBody>
+      </p:sp>
+      <p:sp>
+        <p:nvSpPr>
+          <p:cNvPr id="19" name="Rectangle 18">
+            <a:extLst>
+              <a:ext uri="{FF2B5EF4-FFF2-40B4-BE49-F238E27FC236}">
+                <a16:creationId xmlns:a16="http://schemas.microsoft.com/office/drawing/2014/main" id="{20E77784-FD93-2C4E-90CD-5C268569B4C9}"/>
+              </a:ext>
+            </a:extLst>
+          </p:cNvPr>
+          <p:cNvSpPr/>
+          <p:nvPr/>
+        </p:nvSpPr>
+        <p:spPr>
+          <a:xfrm>
+            <a:off x="2434129" y="4047022"/>
+            <a:ext cx="763525" cy="305410"/>
+          </a:xfrm>
+          <a:prstGeom prst="rect">
+            <a:avLst/>
+          </a:prstGeom>
+          <a:solidFill>
+            <a:srgbClr val="F2576D"/>
+          </a:solidFill>
+        </p:spPr>
+        <p:style>
+          <a:lnRef idx="2">
+            <a:schemeClr val="accent1">
+              <a:shade val="50000"/>
+            </a:schemeClr>
+          </a:lnRef>
+          <a:fillRef idx="1">
+            <a:schemeClr val="accent1"/>
+          </a:fillRef>
+          <a:effectRef idx="0">
+            <a:schemeClr val="accent1"/>
+          </a:effectRef>
+          <a:fontRef idx="minor">
+            <a:schemeClr val="lt1"/>
+          </a:fontRef>
+        </p:style>
+        <p:txBody>
+          <a:bodyPr rtlCol="0" anchor="ctr"/>
+          <a:lstStyle/>
+          <a:p>
+            <a:pPr algn="ctr"/>
+            <a:r>
+              <a:rPr lang="en-US" dirty="0"/>
+              <a:t>A1</a:t>
+            </a:r>
+          </a:p>
+        </p:txBody>
+      </p:sp>
+      <p:sp>
+        <p:nvSpPr>
+          <p:cNvPr id="20" name="Rectangle 19">
+            <a:extLst>
+              <a:ext uri="{FF2B5EF4-FFF2-40B4-BE49-F238E27FC236}">
+                <a16:creationId xmlns:a16="http://schemas.microsoft.com/office/drawing/2014/main" id="{737FB8C7-BA3A-EE40-91AB-955AF7349734}"/>
+              </a:ext>
+            </a:extLst>
+          </p:cNvPr>
+          <p:cNvSpPr/>
+          <p:nvPr/>
+        </p:nvSpPr>
+        <p:spPr>
+          <a:xfrm>
+            <a:off x="3197655" y="4047022"/>
+            <a:ext cx="763525" cy="305410"/>
+          </a:xfrm>
+          <a:prstGeom prst="rect">
+            <a:avLst/>
+          </a:prstGeom>
+          <a:solidFill>
+            <a:srgbClr val="BE0260"/>
+          </a:solidFill>
+        </p:spPr>
+        <p:style>
+          <a:lnRef idx="2">
+            <a:schemeClr val="accent1">
+              <a:shade val="50000"/>
+            </a:schemeClr>
+          </a:lnRef>
+          <a:fillRef idx="1">
+            <a:schemeClr val="accent1"/>
+          </a:fillRef>
+          <a:effectRef idx="0">
+            <a:schemeClr val="accent1"/>
+          </a:effectRef>
+          <a:fontRef idx="minor">
+            <a:schemeClr val="lt1"/>
+          </a:fontRef>
+        </p:style>
+        <p:txBody>
+          <a:bodyPr rtlCol="0" anchor="ctr"/>
+          <a:lstStyle/>
+          <a:p>
+            <a:pPr algn="ctr"/>
+            <a:r>
+              <a:rPr lang="en-US" dirty="0"/>
+              <a:t>B2</a:t>
+            </a:r>
+          </a:p>
+        </p:txBody>
+      </p:sp>
+      <p:sp>
+        <p:nvSpPr>
+          <p:cNvPr id="21" name="Rectangle 20">
+            <a:extLst>
+              <a:ext uri="{FF2B5EF4-FFF2-40B4-BE49-F238E27FC236}">
+                <a16:creationId xmlns:a16="http://schemas.microsoft.com/office/drawing/2014/main" id="{9704DD9C-C8DE-4A49-AB54-FCDE9131E962}"/>
+              </a:ext>
+            </a:extLst>
+          </p:cNvPr>
+          <p:cNvSpPr/>
+          <p:nvPr/>
+        </p:nvSpPr>
+        <p:spPr>
+          <a:xfrm>
+            <a:off x="5182820" y="4039820"/>
+            <a:ext cx="763525" cy="305410"/>
+          </a:xfrm>
+          <a:prstGeom prst="rect">
+            <a:avLst/>
+          </a:prstGeom>
+          <a:solidFill>
+            <a:srgbClr val="BE0260"/>
+          </a:solidFill>
+        </p:spPr>
+        <p:style>
+          <a:lnRef idx="2">
+            <a:schemeClr val="accent1">
+              <a:shade val="50000"/>
+            </a:schemeClr>
+          </a:lnRef>
+          <a:fillRef idx="1">
+            <a:schemeClr val="accent1"/>
+          </a:fillRef>
+          <a:effectRef idx="0">
+            <a:schemeClr val="accent1"/>
+          </a:effectRef>
+          <a:fontRef idx="minor">
+            <a:schemeClr val="lt1"/>
+          </a:fontRef>
+        </p:style>
+        <p:txBody>
+          <a:bodyPr rtlCol="0" anchor="ctr"/>
+          <a:lstStyle/>
+          <a:p>
+            <a:pPr algn="ctr"/>
+            <a:r>
+              <a:rPr lang="en-US" dirty="0"/>
+              <a:t>B1</a:t>
+            </a:r>
+          </a:p>
+        </p:txBody>
+      </p:sp>
+      <p:sp>
+        <p:nvSpPr>
+          <p:cNvPr id="22" name="Rectangle 21">
+            <a:extLst>
+              <a:ext uri="{FF2B5EF4-FFF2-40B4-BE49-F238E27FC236}">
+                <a16:creationId xmlns:a16="http://schemas.microsoft.com/office/drawing/2014/main" id="{097CD96F-2F9A-8E44-8408-63610AC5765F}"/>
+              </a:ext>
+            </a:extLst>
+          </p:cNvPr>
+          <p:cNvSpPr/>
+          <p:nvPr/>
+        </p:nvSpPr>
+        <p:spPr>
+          <a:xfrm>
+            <a:off x="5946345" y="4039820"/>
+            <a:ext cx="763525" cy="305410"/>
+          </a:xfrm>
+          <a:prstGeom prst="rect">
+            <a:avLst/>
+          </a:prstGeom>
+          <a:solidFill>
+            <a:srgbClr val="F2576D"/>
+          </a:solidFill>
+        </p:spPr>
+        <p:style>
+          <a:lnRef idx="2">
+            <a:schemeClr val="accent1">
+              <a:shade val="50000"/>
+            </a:schemeClr>
+          </a:lnRef>
+          <a:fillRef idx="1">
+            <a:schemeClr val="accent1"/>
+          </a:fillRef>
+          <a:effectRef idx="0">
+            <a:schemeClr val="accent1"/>
+          </a:effectRef>
+          <a:fontRef idx="minor">
+            <a:schemeClr val="lt1"/>
+          </a:fontRef>
+        </p:style>
+        <p:txBody>
+          <a:bodyPr rtlCol="0" anchor="ctr"/>
+          <a:lstStyle/>
+          <a:p>
+            <a:pPr algn="ctr"/>
+            <a:r>
+              <a:rPr lang="en-US" dirty="0"/>
+              <a:t>A2</a:t>
+            </a:r>
+          </a:p>
+        </p:txBody>
+      </p:sp>
+      <p:cxnSp>
+        <p:nvCxnSpPr>
+          <p:cNvPr id="5" name="Straight Connector 4">
+            <a:extLst>
+              <a:ext uri="{FF2B5EF4-FFF2-40B4-BE49-F238E27FC236}">
+                <a16:creationId xmlns:a16="http://schemas.microsoft.com/office/drawing/2014/main" id="{8CFED9FB-8DB6-BC4D-B32D-C73E54A1C5E4}"/>
+              </a:ext>
+            </a:extLst>
+          </p:cNvPr>
+          <p:cNvCxnSpPr/>
+          <p:nvPr/>
+        </p:nvCxnSpPr>
+        <p:spPr>
+          <a:xfrm>
+            <a:off x="5946345" y="2512770"/>
+            <a:ext cx="0" cy="763525"/>
+          </a:xfrm>
+          <a:prstGeom prst="line">
+            <a:avLst/>
+          </a:prstGeom>
+        </p:spPr>
+        <p:style>
+          <a:lnRef idx="1">
+            <a:schemeClr val="accent1"/>
+          </a:lnRef>
+          <a:fillRef idx="0">
+            <a:schemeClr val="accent1"/>
+          </a:fillRef>
+          <a:effectRef idx="0">
+            <a:schemeClr val="accent1"/>
+          </a:effectRef>
+          <a:fontRef idx="minor">
+            <a:schemeClr val="tx1"/>
+          </a:fontRef>
+        </p:style>
+      </p:cxnSp>
+      <p:cxnSp>
+        <p:nvCxnSpPr>
+          <p:cNvPr id="18" name="Straight Connector 17">
+            <a:extLst>
+              <a:ext uri="{FF2B5EF4-FFF2-40B4-BE49-F238E27FC236}">
+                <a16:creationId xmlns:a16="http://schemas.microsoft.com/office/drawing/2014/main" id="{6DF84752-EFAE-BE4B-9AEF-D212138F2B2B}"/>
+              </a:ext>
+            </a:extLst>
+          </p:cNvPr>
+          <p:cNvCxnSpPr/>
+          <p:nvPr/>
+        </p:nvCxnSpPr>
+        <p:spPr>
+          <a:xfrm>
+            <a:off x="3197654" y="2512770"/>
+            <a:ext cx="0" cy="763525"/>
+          </a:xfrm>
+          <a:prstGeom prst="line">
+            <a:avLst/>
+          </a:prstGeom>
+        </p:spPr>
+        <p:style>
+          <a:lnRef idx="1">
+            <a:schemeClr val="accent1"/>
+          </a:lnRef>
+          <a:fillRef idx="0">
+            <a:schemeClr val="accent1"/>
+          </a:fillRef>
+          <a:effectRef idx="0">
+            <a:schemeClr val="accent1"/>
+          </a:effectRef>
+          <a:fontRef idx="minor">
+            <a:schemeClr val="tx1"/>
+          </a:fontRef>
+        </p:style>
+      </p:cxnSp>
+      <p:cxnSp>
+        <p:nvCxnSpPr>
+          <p:cNvPr id="11" name="Straight Connector 10">
+            <a:extLst>
+              <a:ext uri="{FF2B5EF4-FFF2-40B4-BE49-F238E27FC236}">
+                <a16:creationId xmlns:a16="http://schemas.microsoft.com/office/drawing/2014/main" id="{E1E645C9-24C5-4646-8604-89FDCC58117A}"/>
+              </a:ext>
+            </a:extLst>
+          </p:cNvPr>
+          <p:cNvCxnSpPr/>
+          <p:nvPr/>
+        </p:nvCxnSpPr>
+        <p:spPr>
+          <a:xfrm>
+            <a:off x="3197654" y="3276295"/>
+            <a:ext cx="2748691" cy="0"/>
+          </a:xfrm>
+          <a:prstGeom prst="line">
+            <a:avLst/>
+          </a:prstGeom>
+        </p:spPr>
+        <p:style>
+          <a:lnRef idx="1">
+            <a:schemeClr val="accent1"/>
+          </a:lnRef>
+          <a:fillRef idx="0">
+            <a:schemeClr val="accent1"/>
+          </a:fillRef>
+          <a:effectRef idx="0">
+            <a:schemeClr val="accent1"/>
+          </a:effectRef>
+          <a:fontRef idx="minor">
+            <a:schemeClr val="tx1"/>
+          </a:fontRef>
+        </p:style>
+      </p:cxnSp>
+      <p:cxnSp>
+        <p:nvCxnSpPr>
+          <p:cNvPr id="13" name="Straight Arrow Connector 12">
+            <a:extLst>
+              <a:ext uri="{FF2B5EF4-FFF2-40B4-BE49-F238E27FC236}">
+                <a16:creationId xmlns:a16="http://schemas.microsoft.com/office/drawing/2014/main" id="{D9989DC5-4644-3F40-B287-C43E63B06B60}"/>
+              </a:ext>
+            </a:extLst>
+          </p:cNvPr>
+          <p:cNvCxnSpPr>
+            <a:cxnSpLocks/>
+          </p:cNvCxnSpPr>
+          <p:nvPr/>
+        </p:nvCxnSpPr>
+        <p:spPr>
+          <a:xfrm flipH="1">
             <a:off x="3197653" y="3276295"/>
             <a:ext cx="1527053" cy="694328"/>
           </a:xfrm>
@@ -6725,7 +7543,7 @@
 </p:sld>
 </file>
 
-<file path=ppt/slides/slide12.xml><?xml version="1.0" encoding="utf-8"?>
+<file path=ppt/slides/slide13.xml><?xml version="1.0" encoding="utf-8"?>
 <p:sld xmlns:a="http://schemas.openxmlformats.org/drawingml/2006/main" xmlns:r="http://schemas.openxmlformats.org/officeDocument/2006/relationships" xmlns:p="http://schemas.openxmlformats.org/presentationml/2006/main">
   <p:cSld>
     <p:spTree>
@@ -7841,7 +8659,7 @@
 </p:sld>
 </file>
 
-<file path=ppt/slides/slide13.xml><?xml version="1.0" encoding="utf-8"?>
+<file path=ppt/slides/slide14.xml><?xml version="1.0" encoding="utf-8"?>
 <p:sld xmlns:a="http://schemas.openxmlformats.org/drawingml/2006/main" xmlns:r="http://schemas.openxmlformats.org/officeDocument/2006/relationships" xmlns:p="http://schemas.openxmlformats.org/presentationml/2006/main">
   <p:cSld>
     <p:spTree>
@@ -9057,135 +9875,6 @@
 </p:sld>
 </file>
 
-<file path=ppt/slides/slide14.xml><?xml version="1.0" encoding="utf-8"?>
-<p:sld xmlns:a="http://schemas.openxmlformats.org/drawingml/2006/main" xmlns:r="http://schemas.openxmlformats.org/officeDocument/2006/relationships" xmlns:p="http://schemas.openxmlformats.org/presentationml/2006/main">
-  <p:cSld>
-    <p:spTree>
-      <p:nvGrpSpPr>
-        <p:cNvPr id="1" name=""/>
-        <p:cNvGrpSpPr/>
-        <p:nvPr/>
-      </p:nvGrpSpPr>
-      <p:grpSpPr>
-        <a:xfrm>
-          <a:off x="0" y="0"/>
-          <a:ext cx="0" cy="0"/>
-          <a:chOff x="0" y="0"/>
-          <a:chExt cx="0" cy="0"/>
-        </a:xfrm>
-      </p:grpSpPr>
-      <p:sp>
-        <p:nvSpPr>
-          <p:cNvPr id="4" name="Title 3"/>
-          <p:cNvSpPr>
-            <a:spLocks noGrp="1"/>
-          </p:cNvSpPr>
-          <p:nvPr>
-            <p:ph type="title"/>
-          </p:nvPr>
-        </p:nvSpPr>
-        <p:spPr>
-          <a:xfrm>
-            <a:off x="448965" y="374900"/>
-            <a:ext cx="7016195" cy="610820"/>
-          </a:xfrm>
-        </p:spPr>
-        <p:txBody>
-          <a:bodyPr>
-            <a:normAutofit fontScale="90000"/>
-          </a:bodyPr>
-          <a:lstStyle/>
-          <a:p>
-            <a:pPr algn="l"/>
-            <a:r>
-              <a:rPr lang="en-US" dirty="0">
-                <a:solidFill>
-                  <a:schemeClr val="bg1"/>
-                </a:solidFill>
-              </a:rPr>
-              <a:t>Selection</a:t>
-            </a:r>
-          </a:p>
-        </p:txBody>
-      </p:sp>
-      <p:sp>
-        <p:nvSpPr>
-          <p:cNvPr id="2" name="TextBox 1">
-            <a:extLst>
-              <a:ext uri="{FF2B5EF4-FFF2-40B4-BE49-F238E27FC236}">
-                <a16:creationId xmlns:a16="http://schemas.microsoft.com/office/drawing/2014/main" id="{4E8F7BB5-7579-0644-9EB4-81B3EAEDB4FC}"/>
-              </a:ext>
-            </a:extLst>
-          </p:cNvPr>
-          <p:cNvSpPr txBox="1"/>
-          <p:nvPr/>
-        </p:nvSpPr>
-        <p:spPr>
-          <a:xfrm>
-            <a:off x="296260" y="1901950"/>
-            <a:ext cx="8398775" cy="2862322"/>
-          </a:xfrm>
-          <a:prstGeom prst="rect">
-            <a:avLst/>
-          </a:prstGeom>
-          <a:noFill/>
-        </p:spPr>
-        <p:txBody>
-          <a:bodyPr wrap="square" rtlCol="0">
-            <a:spAutoFit/>
-          </a:bodyPr>
-          <a:lstStyle/>
-          <a:p>
-            <a:r>
-              <a:rPr lang="en-US" dirty="0"/>
-              <a:t>Survivor Selection – Elitism, The best 20% of the generation gets to live another day and continue to the next generation.</a:t>
-            </a:r>
-          </a:p>
-          <a:p>
-            <a:endParaRPr lang="he-IL" dirty="0"/>
-          </a:p>
-          <a:p>
-            <a:r>
-              <a:rPr lang="en-US" dirty="0"/>
-              <a:t>Parent Selection – we use the best 20% of the generation for crossovers to create the new individuals (80% of the generation).</a:t>
-            </a:r>
-          </a:p>
-          <a:p>
-            <a:endParaRPr lang="en-US" dirty="0"/>
-          </a:p>
-          <a:p>
-            <a:r>
-              <a:rPr lang="en-US" dirty="0"/>
-              <a:t>Opt1: Choosing 2 completely random individuals (after disposing 80% of the gen).</a:t>
-            </a:r>
-          </a:p>
-          <a:p>
-            <a:endParaRPr lang="en-US" dirty="0"/>
-          </a:p>
-          <a:p>
-            <a:r>
-              <a:rPr lang="en-US" dirty="0"/>
-              <a:t>Opt2: Choosing 5 random individuals and select the best 2 for crossover.</a:t>
-            </a:r>
-          </a:p>
-          <a:p>
-            <a:endParaRPr lang="en-US" dirty="0"/>
-          </a:p>
-        </p:txBody>
-      </p:sp>
-    </p:spTree>
-    <p:extLst>
-      <p:ext uri="{BB962C8B-B14F-4D97-AF65-F5344CB8AC3E}">
-        <p14:creationId xmlns:p14="http://schemas.microsoft.com/office/powerpoint/2010/main" val="1316571704"/>
-      </p:ext>
-    </p:extLst>
-  </p:cSld>
-  <p:clrMapOvr>
-    <a:masterClrMapping/>
-  </p:clrMapOvr>
-</p:sld>
-</file>
-
 <file path=ppt/slides/slide15.xml><?xml version="1.0" encoding="utf-8"?>
 <p:sld xmlns:a="http://schemas.openxmlformats.org/drawingml/2006/main" xmlns:r="http://schemas.openxmlformats.org/officeDocument/2006/relationships" xmlns:p="http://schemas.openxmlformats.org/presentationml/2006/main">
   <p:cSld>
@@ -9288,7 +9977,7 @@
           <p:nvPr>
             <p:extLst>
               <p:ext uri="{D42A27DB-BD31-4B8C-83A1-F6EECF244321}">
-                <p14:modId xmlns:p14="http://schemas.microsoft.com/office/powerpoint/2010/main" val="396466711"/>
+                <p14:modId xmlns:p14="http://schemas.microsoft.com/office/powerpoint/2010/main" val="391537818"/>
               </p:ext>
             </p:extLst>
           </p:nvPr>
@@ -9482,7 +10171,7 @@
                       <a:pPr algn="ctr"/>
                       <a:r>
                         <a:rPr lang="en-US" dirty="0"/>
-                        <a:t>2</a:t>
+                        <a:t>Uniform</a:t>
                       </a:r>
                     </a:p>
                   </a:txBody>
@@ -9713,7 +10402,7 @@
                   <a:schemeClr val="bg1"/>
                 </a:solidFill>
               </a:rPr>
-              <a:t>Initial Results – 14x14</a:t>
+              <a:t>Initial Results – 14x14 Hard</a:t>
             </a:r>
           </a:p>
         </p:txBody>
@@ -9769,7 +10458,7 @@
           <p:nvPr>
             <p:extLst>
               <p:ext uri="{D42A27DB-BD31-4B8C-83A1-F6EECF244321}">
-                <p14:modId xmlns:p14="http://schemas.microsoft.com/office/powerpoint/2010/main" val="3664835521"/>
+                <p14:modId xmlns:p14="http://schemas.microsoft.com/office/powerpoint/2010/main" val="4081681672"/>
               </p:ext>
             </p:extLst>
           </p:nvPr>
@@ -9963,7 +10652,7 @@
                       <a:pPr algn="ctr"/>
                       <a:r>
                         <a:rPr lang="en-US" dirty="0"/>
-                        <a:t>2</a:t>
+                        <a:t>Uniform</a:t>
                       </a:r>
                     </a:p>
                   </a:txBody>
@@ -10201,6 +10890,106 @@
       </p:sp>
       <p:pic>
         <p:nvPicPr>
+          <p:cNvPr id="6" name="Picture 5">
+            <a:extLst>
+              <a:ext uri="{FF2B5EF4-FFF2-40B4-BE49-F238E27FC236}">
+                <a16:creationId xmlns:a16="http://schemas.microsoft.com/office/drawing/2014/main" id="{07FBF820-D95F-8546-80B5-1C75B6DF8869}"/>
+              </a:ext>
+            </a:extLst>
+          </p:cNvPr>
+          <p:cNvPicPr>
+            <a:picLocks noChangeAspect="1"/>
+          </p:cNvPicPr>
+          <p:nvPr/>
+        </p:nvPicPr>
+        <p:blipFill>
+          <a:blip r:embed="rId3">
+            <a:extLst>
+              <a:ext uri="{28A0092B-C50C-407E-A947-70E740481C1C}">
+                <a14:useLocalDpi xmlns:a14="http://schemas.microsoft.com/office/drawing/2010/main" val="0"/>
+              </a:ext>
+            </a:extLst>
+          </a:blip>
+          <a:stretch>
+            <a:fillRect/>
+          </a:stretch>
+        </p:blipFill>
+        <p:spPr>
+          <a:xfrm>
+            <a:off x="0" y="1291130"/>
+            <a:ext cx="9131300" cy="5566870"/>
+          </a:xfrm>
+          <a:prstGeom prst="rect">
+            <a:avLst/>
+          </a:prstGeom>
+        </p:spPr>
+      </p:pic>
+    </p:spTree>
+    <p:extLst>
+      <p:ext uri="{BB962C8B-B14F-4D97-AF65-F5344CB8AC3E}">
+        <p14:creationId xmlns:p14="http://schemas.microsoft.com/office/powerpoint/2010/main" val="3629949042"/>
+      </p:ext>
+    </p:extLst>
+  </p:cSld>
+  <p:clrMapOvr>
+    <a:masterClrMapping/>
+  </p:clrMapOvr>
+</p:sld>
+</file>
+
+<file path=ppt/slides/slide18.xml><?xml version="1.0" encoding="utf-8"?>
+<p:sld xmlns:a="http://schemas.openxmlformats.org/drawingml/2006/main" xmlns:r="http://schemas.openxmlformats.org/officeDocument/2006/relationships" xmlns:p="http://schemas.openxmlformats.org/presentationml/2006/main">
+  <p:cSld>
+    <p:spTree>
+      <p:nvGrpSpPr>
+        <p:cNvPr id="1" name=""/>
+        <p:cNvGrpSpPr/>
+        <p:nvPr/>
+      </p:nvGrpSpPr>
+      <p:grpSpPr>
+        <a:xfrm>
+          <a:off x="0" y="0"/>
+          <a:ext cx="0" cy="0"/>
+          <a:chOff x="0" y="0"/>
+          <a:chExt cx="0" cy="0"/>
+        </a:xfrm>
+      </p:grpSpPr>
+      <p:sp>
+        <p:nvSpPr>
+          <p:cNvPr id="4" name="Title 3"/>
+          <p:cNvSpPr>
+            <a:spLocks noGrp="1"/>
+          </p:cNvSpPr>
+          <p:nvPr>
+            <p:ph type="title"/>
+          </p:nvPr>
+        </p:nvSpPr>
+        <p:spPr>
+          <a:xfrm>
+            <a:off x="296260" y="374900"/>
+            <a:ext cx="7016195" cy="610820"/>
+          </a:xfrm>
+        </p:spPr>
+        <p:txBody>
+          <a:bodyPr>
+            <a:normAutofit fontScale="90000"/>
+          </a:bodyPr>
+          <a:lstStyle/>
+          <a:p>
+            <a:pPr algn="l"/>
+            <a:r>
+              <a:rPr lang="en-US" dirty="0">
+                <a:solidFill>
+                  <a:schemeClr val="bg1"/>
+                </a:solidFill>
+              </a:rPr>
+              <a:t>Initial Results – 25x25 Hard</a:t>
+            </a:r>
+          </a:p>
+        </p:txBody>
+      </p:sp>
+      <p:pic>
+        <p:nvPicPr>
           <p:cNvPr id="3" name="Picture 2">
             <a:extLst>
               <a:ext uri="{FF2B5EF4-FFF2-40B4-BE49-F238E27FC236}">
@@ -10250,7 +11039,7 @@
           <p:nvPr>
             <p:extLst>
               <p:ext uri="{D42A27DB-BD31-4B8C-83A1-F6EECF244321}">
-                <p14:modId xmlns:p14="http://schemas.microsoft.com/office/powerpoint/2010/main" val="2016088878"/>
+                <p14:modId xmlns:p14="http://schemas.microsoft.com/office/powerpoint/2010/main" val="1853696858"/>
               </p:ext>
             </p:extLst>
           </p:nvPr>
@@ -10444,7 +11233,7 @@
                       <a:pPr algn="ctr"/>
                       <a:r>
                         <a:rPr lang="en-US" dirty="0"/>
-                        <a:t>2</a:t>
+                        <a:t>Uniform</a:t>
                       </a:r>
                     </a:p>
                   </a:txBody>
@@ -10613,106 +11402,6 @@
 </p:sld>
 </file>
 
-<file path=ppt/slides/slide18.xml><?xml version="1.0" encoding="utf-8"?>
-<p:sld xmlns:a="http://schemas.openxmlformats.org/drawingml/2006/main" xmlns:r="http://schemas.openxmlformats.org/officeDocument/2006/relationships" xmlns:p="http://schemas.openxmlformats.org/presentationml/2006/main">
-  <p:cSld>
-    <p:spTree>
-      <p:nvGrpSpPr>
-        <p:cNvPr id="1" name=""/>
-        <p:cNvGrpSpPr/>
-        <p:nvPr/>
-      </p:nvGrpSpPr>
-      <p:grpSpPr>
-        <a:xfrm>
-          <a:off x="0" y="0"/>
-          <a:ext cx="0" cy="0"/>
-          <a:chOff x="0" y="0"/>
-          <a:chExt cx="0" cy="0"/>
-        </a:xfrm>
-      </p:grpSpPr>
-      <p:sp>
-        <p:nvSpPr>
-          <p:cNvPr id="4" name="Title 3"/>
-          <p:cNvSpPr>
-            <a:spLocks noGrp="1"/>
-          </p:cNvSpPr>
-          <p:nvPr>
-            <p:ph type="title"/>
-          </p:nvPr>
-        </p:nvSpPr>
-        <p:spPr>
-          <a:xfrm>
-            <a:off x="296260" y="374900"/>
-            <a:ext cx="7016195" cy="610820"/>
-          </a:xfrm>
-        </p:spPr>
-        <p:txBody>
-          <a:bodyPr>
-            <a:normAutofit fontScale="90000"/>
-          </a:bodyPr>
-          <a:lstStyle/>
-          <a:p>
-            <a:pPr algn="l"/>
-            <a:r>
-              <a:rPr lang="en-US" dirty="0">
-                <a:solidFill>
-                  <a:schemeClr val="bg1"/>
-                </a:solidFill>
-              </a:rPr>
-              <a:t>Initial Results</a:t>
-            </a:r>
-          </a:p>
-        </p:txBody>
-      </p:sp>
-      <p:pic>
-        <p:nvPicPr>
-          <p:cNvPr id="6" name="Picture 5">
-            <a:extLst>
-              <a:ext uri="{FF2B5EF4-FFF2-40B4-BE49-F238E27FC236}">
-                <a16:creationId xmlns:a16="http://schemas.microsoft.com/office/drawing/2014/main" id="{07FBF820-D95F-8546-80B5-1C75B6DF8869}"/>
-              </a:ext>
-            </a:extLst>
-          </p:cNvPr>
-          <p:cNvPicPr>
-            <a:picLocks noChangeAspect="1"/>
-          </p:cNvPicPr>
-          <p:nvPr/>
-        </p:nvPicPr>
-        <p:blipFill>
-          <a:blip r:embed="rId3">
-            <a:extLst>
-              <a:ext uri="{28A0092B-C50C-407E-A947-70E740481C1C}">
-                <a14:useLocalDpi xmlns:a14="http://schemas.microsoft.com/office/drawing/2010/main" val="0"/>
-              </a:ext>
-            </a:extLst>
-          </a:blip>
-          <a:stretch>
-            <a:fillRect/>
-          </a:stretch>
-        </p:blipFill>
-        <p:spPr>
-          <a:xfrm>
-            <a:off x="0" y="1291130"/>
-            <a:ext cx="9131300" cy="5566870"/>
-          </a:xfrm>
-          <a:prstGeom prst="rect">
-            <a:avLst/>
-          </a:prstGeom>
-        </p:spPr>
-      </p:pic>
-    </p:spTree>
-    <p:extLst>
-      <p:ext uri="{BB962C8B-B14F-4D97-AF65-F5344CB8AC3E}">
-        <p14:creationId xmlns:p14="http://schemas.microsoft.com/office/powerpoint/2010/main" val="3629949042"/>
-      </p:ext>
-    </p:extLst>
-  </p:cSld>
-  <p:clrMapOvr>
-    <a:masterClrMapping/>
-  </p:clrMapOvr>
-</p:sld>
-</file>
-
 <file path=ppt/slides/slide19.xml><?xml version="1.0" encoding="utf-8"?>
 <p:sld xmlns:a="http://schemas.openxmlformats.org/drawingml/2006/main" xmlns:r="http://schemas.openxmlformats.org/officeDocument/2006/relationships" xmlns:p="http://schemas.openxmlformats.org/presentationml/2006/main">
   <p:cSld>
@@ -10853,7 +11542,7 @@
           <a:p>
             <a:r>
               <a:rPr lang="en-US" dirty="0"/>
-              <a:t>Other selections…</a:t>
+              <a:t>Tournament</a:t>
             </a:r>
           </a:p>
         </p:txBody>
@@ -11561,7 +12250,7 @@
           <a:p>
             <a:r>
               <a:rPr lang="en-US" dirty="0"/>
-              <a:t>Increasing mutation rates incase of local optimum.</a:t>
+              <a:t>Increasing mutation rates in case of local optimum.</a:t>
             </a:r>
           </a:p>
           <a:p>
@@ -14040,20 +14729,6 @@
 <file path=ppt/slides/slide9.xml><?xml version="1.0" encoding="utf-8"?>
 <p:sld xmlns:a="http://schemas.openxmlformats.org/drawingml/2006/main" xmlns:r="http://schemas.openxmlformats.org/officeDocument/2006/relationships" xmlns:p="http://schemas.openxmlformats.org/presentationml/2006/main">
   <p:cSld>
-    <p:bg>
-      <p:bgPr>
-        <a:blipFill dpi="0" rotWithShape="1">
-          <a:blip r:embed="rId2">
-            <a:lum/>
-          </a:blip>
-          <a:srcRect/>
-          <a:stretch>
-            <a:fillRect/>
-          </a:stretch>
-        </a:blipFill>
-        <a:effectLst/>
-      </p:bgPr>
-    </p:bg>
     <p:spTree>
       <p:nvGrpSpPr>
         <p:cNvPr id="1" name=""/>
@@ -14078,7 +14753,12 @@
             <p:ph type="title"/>
           </p:nvPr>
         </p:nvSpPr>
-        <p:spPr/>
+        <p:spPr>
+          <a:xfrm>
+            <a:off x="448965" y="374900"/>
+            <a:ext cx="7016195" cy="610820"/>
+          </a:xfrm>
+        </p:spPr>
         <p:txBody>
           <a:bodyPr>
             <a:normAutofit fontScale="90000"/>
@@ -14087,514 +14767,22 @@
           <a:p>
             <a:pPr algn="l"/>
             <a:r>
-              <a:rPr lang="en-US" dirty="0"/>
-              <a:t>Crossover</a:t>
-            </a:r>
-          </a:p>
-        </p:txBody>
-      </p:sp>
-      <p:sp>
-        <p:nvSpPr>
-          <p:cNvPr id="6" name="Rectangle 5">
+              <a:rPr lang="en-US" dirty="0">
+                <a:solidFill>
+                  <a:schemeClr val="bg1"/>
+                </a:solidFill>
+              </a:rPr>
+              <a:t>Selection</a:t>
+            </a:r>
+          </a:p>
+        </p:txBody>
+      </p:sp>
+      <p:sp>
+        <p:nvSpPr>
+          <p:cNvPr id="2" name="TextBox 1">
             <a:extLst>
               <a:ext uri="{FF2B5EF4-FFF2-40B4-BE49-F238E27FC236}">
-                <a16:creationId xmlns:a16="http://schemas.microsoft.com/office/drawing/2014/main" id="{C2C57670-E102-C741-8692-28A3E78C9F15}"/>
-              </a:ext>
-            </a:extLst>
-          </p:cNvPr>
-          <p:cNvSpPr/>
-          <p:nvPr/>
-        </p:nvSpPr>
-        <p:spPr>
-          <a:xfrm>
-            <a:off x="2434130" y="2207360"/>
-            <a:ext cx="763525" cy="305410"/>
-          </a:xfrm>
-          <a:prstGeom prst="rect">
-            <a:avLst/>
-          </a:prstGeom>
-          <a:solidFill>
-            <a:srgbClr val="F2576D"/>
-          </a:solidFill>
-        </p:spPr>
-        <p:style>
-          <a:lnRef idx="2">
-            <a:schemeClr val="accent1">
-              <a:shade val="50000"/>
-            </a:schemeClr>
-          </a:lnRef>
-          <a:fillRef idx="1">
-            <a:schemeClr val="accent1"/>
-          </a:fillRef>
-          <a:effectRef idx="0">
-            <a:schemeClr val="accent1"/>
-          </a:effectRef>
-          <a:fontRef idx="minor">
-            <a:schemeClr val="lt1"/>
-          </a:fontRef>
-        </p:style>
-        <p:txBody>
-          <a:bodyPr rtlCol="0" anchor="ctr"/>
-          <a:lstStyle/>
-          <a:p>
-            <a:pPr algn="ctr"/>
-            <a:r>
-              <a:rPr lang="en-US" dirty="0"/>
-              <a:t>A1</a:t>
-            </a:r>
-          </a:p>
-        </p:txBody>
-      </p:sp>
-      <p:sp>
-        <p:nvSpPr>
-          <p:cNvPr id="8" name="Rectangle 7">
-            <a:extLst>
-              <a:ext uri="{FF2B5EF4-FFF2-40B4-BE49-F238E27FC236}">
-                <a16:creationId xmlns:a16="http://schemas.microsoft.com/office/drawing/2014/main" id="{F35A53A7-0E6A-1F4D-A832-48C4B4151395}"/>
-              </a:ext>
-            </a:extLst>
-          </p:cNvPr>
-          <p:cNvSpPr/>
-          <p:nvPr/>
-        </p:nvSpPr>
-        <p:spPr>
-          <a:xfrm>
-            <a:off x="3197655" y="2207360"/>
-            <a:ext cx="763525" cy="305410"/>
-          </a:xfrm>
-          <a:prstGeom prst="rect">
-            <a:avLst/>
-          </a:prstGeom>
-          <a:solidFill>
-            <a:srgbClr val="F2576D"/>
-          </a:solidFill>
-        </p:spPr>
-        <p:style>
-          <a:lnRef idx="2">
-            <a:schemeClr val="accent1">
-              <a:shade val="50000"/>
-            </a:schemeClr>
-          </a:lnRef>
-          <a:fillRef idx="1">
-            <a:schemeClr val="accent1"/>
-          </a:fillRef>
-          <a:effectRef idx="0">
-            <a:schemeClr val="accent1"/>
-          </a:effectRef>
-          <a:fontRef idx="minor">
-            <a:schemeClr val="lt1"/>
-          </a:fontRef>
-        </p:style>
-        <p:txBody>
-          <a:bodyPr rtlCol="0" anchor="ctr"/>
-          <a:lstStyle/>
-          <a:p>
-            <a:pPr algn="ctr"/>
-            <a:r>
-              <a:rPr lang="en-US" dirty="0"/>
-              <a:t>A2</a:t>
-            </a:r>
-          </a:p>
-        </p:txBody>
-      </p:sp>
-      <p:sp>
-        <p:nvSpPr>
-          <p:cNvPr id="9" name="Rectangle 8">
-            <a:extLst>
-              <a:ext uri="{FF2B5EF4-FFF2-40B4-BE49-F238E27FC236}">
-                <a16:creationId xmlns:a16="http://schemas.microsoft.com/office/drawing/2014/main" id="{58F9646E-CCA8-A340-B836-52B6861807B9}"/>
-              </a:ext>
-            </a:extLst>
-          </p:cNvPr>
-          <p:cNvSpPr/>
-          <p:nvPr/>
-        </p:nvSpPr>
-        <p:spPr>
-          <a:xfrm>
-            <a:off x="5182820" y="2207360"/>
-            <a:ext cx="763525" cy="305410"/>
-          </a:xfrm>
-          <a:prstGeom prst="rect">
-            <a:avLst/>
-          </a:prstGeom>
-          <a:solidFill>
-            <a:srgbClr val="BE0260"/>
-          </a:solidFill>
-        </p:spPr>
-        <p:style>
-          <a:lnRef idx="2">
-            <a:schemeClr val="accent1">
-              <a:shade val="50000"/>
-            </a:schemeClr>
-          </a:lnRef>
-          <a:fillRef idx="1">
-            <a:schemeClr val="accent1"/>
-          </a:fillRef>
-          <a:effectRef idx="0">
-            <a:schemeClr val="accent1"/>
-          </a:effectRef>
-          <a:fontRef idx="minor">
-            <a:schemeClr val="lt1"/>
-          </a:fontRef>
-        </p:style>
-        <p:txBody>
-          <a:bodyPr rtlCol="0" anchor="ctr"/>
-          <a:lstStyle/>
-          <a:p>
-            <a:pPr algn="ctr"/>
-            <a:r>
-              <a:rPr lang="en-US" dirty="0"/>
-              <a:t>B1</a:t>
-            </a:r>
-          </a:p>
-        </p:txBody>
-      </p:sp>
-      <p:sp>
-        <p:nvSpPr>
-          <p:cNvPr id="10" name="Rectangle 9">
-            <a:extLst>
-              <a:ext uri="{FF2B5EF4-FFF2-40B4-BE49-F238E27FC236}">
-                <a16:creationId xmlns:a16="http://schemas.microsoft.com/office/drawing/2014/main" id="{F336ED71-F4F7-E348-BAE9-04568548B9E4}"/>
-              </a:ext>
-            </a:extLst>
-          </p:cNvPr>
-          <p:cNvSpPr/>
-          <p:nvPr/>
-        </p:nvSpPr>
-        <p:spPr>
-          <a:xfrm>
-            <a:off x="5946345" y="2207360"/>
-            <a:ext cx="763525" cy="305410"/>
-          </a:xfrm>
-          <a:prstGeom prst="rect">
-            <a:avLst/>
-          </a:prstGeom>
-          <a:solidFill>
-            <a:srgbClr val="BE0260"/>
-          </a:solidFill>
-        </p:spPr>
-        <p:style>
-          <a:lnRef idx="2">
-            <a:schemeClr val="accent1">
-              <a:shade val="50000"/>
-            </a:schemeClr>
-          </a:lnRef>
-          <a:fillRef idx="1">
-            <a:schemeClr val="accent1"/>
-          </a:fillRef>
-          <a:effectRef idx="0">
-            <a:schemeClr val="accent1"/>
-          </a:effectRef>
-          <a:fontRef idx="minor">
-            <a:schemeClr val="lt1"/>
-          </a:fontRef>
-        </p:style>
-        <p:txBody>
-          <a:bodyPr rtlCol="0" anchor="ctr"/>
-          <a:lstStyle/>
-          <a:p>
-            <a:pPr algn="ctr"/>
-            <a:r>
-              <a:rPr lang="en-US" dirty="0"/>
-              <a:t>B2</a:t>
-            </a:r>
-          </a:p>
-        </p:txBody>
-      </p:sp>
-      <p:cxnSp>
-        <p:nvCxnSpPr>
-          <p:cNvPr id="15" name="Straight Arrow Connector 14">
-            <a:extLst>
-              <a:ext uri="{FF2B5EF4-FFF2-40B4-BE49-F238E27FC236}">
-                <a16:creationId xmlns:a16="http://schemas.microsoft.com/office/drawing/2014/main" id="{E4FF9BC6-C777-4A48-923F-3A69EFFBBC0E}"/>
-              </a:ext>
-            </a:extLst>
-          </p:cNvPr>
-          <p:cNvCxnSpPr/>
-          <p:nvPr/>
-        </p:nvCxnSpPr>
-        <p:spPr>
-          <a:xfrm>
-            <a:off x="3197655" y="2512770"/>
-            <a:ext cx="2748690" cy="1985165"/>
-          </a:xfrm>
-          <a:prstGeom prst="straightConnector1">
-            <a:avLst/>
-          </a:prstGeom>
-          <a:ln>
-            <a:tailEnd type="triangle"/>
-          </a:ln>
-        </p:spPr>
-        <p:style>
-          <a:lnRef idx="1">
-            <a:schemeClr val="accent1"/>
-          </a:lnRef>
-          <a:fillRef idx="0">
-            <a:schemeClr val="accent1"/>
-          </a:fillRef>
-          <a:effectRef idx="0">
-            <a:schemeClr val="accent1"/>
-          </a:effectRef>
-          <a:fontRef idx="minor">
-            <a:schemeClr val="tx1"/>
-          </a:fontRef>
-        </p:style>
-      </p:cxnSp>
-      <p:cxnSp>
-        <p:nvCxnSpPr>
-          <p:cNvPr id="16" name="Straight Arrow Connector 15">
-            <a:extLst>
-              <a:ext uri="{FF2B5EF4-FFF2-40B4-BE49-F238E27FC236}">
-                <a16:creationId xmlns:a16="http://schemas.microsoft.com/office/drawing/2014/main" id="{A65FCC75-BD08-4D42-B1CB-E24681CD3854}"/>
-              </a:ext>
-            </a:extLst>
-          </p:cNvPr>
-          <p:cNvCxnSpPr>
-            <a:cxnSpLocks/>
-          </p:cNvCxnSpPr>
-          <p:nvPr/>
-        </p:nvCxnSpPr>
-        <p:spPr>
-          <a:xfrm flipH="1">
-            <a:off x="3197654" y="2512769"/>
-            <a:ext cx="2748692" cy="1985166"/>
-          </a:xfrm>
-          <a:prstGeom prst="straightConnector1">
-            <a:avLst/>
-          </a:prstGeom>
-          <a:ln>
-            <a:tailEnd type="triangle"/>
-          </a:ln>
-        </p:spPr>
-        <p:style>
-          <a:lnRef idx="1">
-            <a:schemeClr val="accent1"/>
-          </a:lnRef>
-          <a:fillRef idx="0">
-            <a:schemeClr val="accent1"/>
-          </a:fillRef>
-          <a:effectRef idx="0">
-            <a:schemeClr val="accent1"/>
-          </a:effectRef>
-          <a:fontRef idx="minor">
-            <a:schemeClr val="tx1"/>
-          </a:fontRef>
-        </p:style>
-      </p:cxnSp>
-      <p:sp>
-        <p:nvSpPr>
-          <p:cNvPr id="19" name="Rectangle 18">
-            <a:extLst>
-              <a:ext uri="{FF2B5EF4-FFF2-40B4-BE49-F238E27FC236}">
-                <a16:creationId xmlns:a16="http://schemas.microsoft.com/office/drawing/2014/main" id="{20E77784-FD93-2C4E-90CD-5C268569B4C9}"/>
-              </a:ext>
-            </a:extLst>
-          </p:cNvPr>
-          <p:cNvSpPr/>
-          <p:nvPr/>
-        </p:nvSpPr>
-        <p:spPr>
-          <a:xfrm>
-            <a:off x="2434129" y="4650640"/>
-            <a:ext cx="763525" cy="305410"/>
-          </a:xfrm>
-          <a:prstGeom prst="rect">
-            <a:avLst/>
-          </a:prstGeom>
-          <a:solidFill>
-            <a:srgbClr val="F2576D"/>
-          </a:solidFill>
-        </p:spPr>
-        <p:style>
-          <a:lnRef idx="2">
-            <a:schemeClr val="accent1">
-              <a:shade val="50000"/>
-            </a:schemeClr>
-          </a:lnRef>
-          <a:fillRef idx="1">
-            <a:schemeClr val="accent1"/>
-          </a:fillRef>
-          <a:effectRef idx="0">
-            <a:schemeClr val="accent1"/>
-          </a:effectRef>
-          <a:fontRef idx="minor">
-            <a:schemeClr val="lt1"/>
-          </a:fontRef>
-        </p:style>
-        <p:txBody>
-          <a:bodyPr rtlCol="0" anchor="ctr"/>
-          <a:lstStyle/>
-          <a:p>
-            <a:pPr algn="ctr"/>
-            <a:r>
-              <a:rPr lang="en-US" dirty="0"/>
-              <a:t>A1</a:t>
-            </a:r>
-          </a:p>
-        </p:txBody>
-      </p:sp>
-      <p:sp>
-        <p:nvSpPr>
-          <p:cNvPr id="20" name="Rectangle 19">
-            <a:extLst>
-              <a:ext uri="{FF2B5EF4-FFF2-40B4-BE49-F238E27FC236}">
-                <a16:creationId xmlns:a16="http://schemas.microsoft.com/office/drawing/2014/main" id="{737FB8C7-BA3A-EE40-91AB-955AF7349734}"/>
-              </a:ext>
-            </a:extLst>
-          </p:cNvPr>
-          <p:cNvSpPr/>
-          <p:nvPr/>
-        </p:nvSpPr>
-        <p:spPr>
-          <a:xfrm>
-            <a:off x="3197655" y="4657842"/>
-            <a:ext cx="763525" cy="305410"/>
-          </a:xfrm>
-          <a:prstGeom prst="rect">
-            <a:avLst/>
-          </a:prstGeom>
-          <a:solidFill>
-            <a:srgbClr val="BE0260"/>
-          </a:solidFill>
-        </p:spPr>
-        <p:style>
-          <a:lnRef idx="2">
-            <a:schemeClr val="accent1">
-              <a:shade val="50000"/>
-            </a:schemeClr>
-          </a:lnRef>
-          <a:fillRef idx="1">
-            <a:schemeClr val="accent1"/>
-          </a:fillRef>
-          <a:effectRef idx="0">
-            <a:schemeClr val="accent1"/>
-          </a:effectRef>
-          <a:fontRef idx="minor">
-            <a:schemeClr val="lt1"/>
-          </a:fontRef>
-        </p:style>
-        <p:txBody>
-          <a:bodyPr rtlCol="0" anchor="ctr"/>
-          <a:lstStyle/>
-          <a:p>
-            <a:pPr algn="ctr"/>
-            <a:r>
-              <a:rPr lang="en-US" dirty="0"/>
-              <a:t>B2</a:t>
-            </a:r>
-          </a:p>
-        </p:txBody>
-      </p:sp>
-      <p:sp>
-        <p:nvSpPr>
-          <p:cNvPr id="21" name="Rectangle 20">
-            <a:extLst>
-              <a:ext uri="{FF2B5EF4-FFF2-40B4-BE49-F238E27FC236}">
-                <a16:creationId xmlns:a16="http://schemas.microsoft.com/office/drawing/2014/main" id="{9704DD9C-C8DE-4A49-AB54-FCDE9131E962}"/>
-              </a:ext>
-            </a:extLst>
-          </p:cNvPr>
-          <p:cNvSpPr/>
-          <p:nvPr/>
-        </p:nvSpPr>
-        <p:spPr>
-          <a:xfrm>
-            <a:off x="5182820" y="4650640"/>
-            <a:ext cx="763525" cy="305410"/>
-          </a:xfrm>
-          <a:prstGeom prst="rect">
-            <a:avLst/>
-          </a:prstGeom>
-          <a:solidFill>
-            <a:srgbClr val="BE0260"/>
-          </a:solidFill>
-        </p:spPr>
-        <p:style>
-          <a:lnRef idx="2">
-            <a:schemeClr val="accent1">
-              <a:shade val="50000"/>
-            </a:schemeClr>
-          </a:lnRef>
-          <a:fillRef idx="1">
-            <a:schemeClr val="accent1"/>
-          </a:fillRef>
-          <a:effectRef idx="0">
-            <a:schemeClr val="accent1"/>
-          </a:effectRef>
-          <a:fontRef idx="minor">
-            <a:schemeClr val="lt1"/>
-          </a:fontRef>
-        </p:style>
-        <p:txBody>
-          <a:bodyPr rtlCol="0" anchor="ctr"/>
-          <a:lstStyle/>
-          <a:p>
-            <a:pPr algn="ctr"/>
-            <a:r>
-              <a:rPr lang="en-US" dirty="0"/>
-              <a:t>B1</a:t>
-            </a:r>
-          </a:p>
-        </p:txBody>
-      </p:sp>
-      <p:sp>
-        <p:nvSpPr>
-          <p:cNvPr id="22" name="Rectangle 21">
-            <a:extLst>
-              <a:ext uri="{FF2B5EF4-FFF2-40B4-BE49-F238E27FC236}">
-                <a16:creationId xmlns:a16="http://schemas.microsoft.com/office/drawing/2014/main" id="{097CD96F-2F9A-8E44-8408-63610AC5765F}"/>
-              </a:ext>
-            </a:extLst>
-          </p:cNvPr>
-          <p:cNvSpPr/>
-          <p:nvPr/>
-        </p:nvSpPr>
-        <p:spPr>
-          <a:xfrm>
-            <a:off x="5946345" y="4650640"/>
-            <a:ext cx="763525" cy="305410"/>
-          </a:xfrm>
-          <a:prstGeom prst="rect">
-            <a:avLst/>
-          </a:prstGeom>
-          <a:solidFill>
-            <a:srgbClr val="F2576D"/>
-          </a:solidFill>
-        </p:spPr>
-        <p:style>
-          <a:lnRef idx="2">
-            <a:schemeClr val="accent1">
-              <a:shade val="50000"/>
-            </a:schemeClr>
-          </a:lnRef>
-          <a:fillRef idx="1">
-            <a:schemeClr val="accent1"/>
-          </a:fillRef>
-          <a:effectRef idx="0">
-            <a:schemeClr val="accent1"/>
-          </a:effectRef>
-          <a:fontRef idx="minor">
-            <a:schemeClr val="lt1"/>
-          </a:fontRef>
-        </p:style>
-        <p:txBody>
-          <a:bodyPr rtlCol="0" anchor="ctr"/>
-          <a:lstStyle/>
-          <a:p>
-            <a:pPr algn="ctr"/>
-            <a:r>
-              <a:rPr lang="en-US" dirty="0"/>
-              <a:t>A2</a:t>
-            </a:r>
-          </a:p>
-        </p:txBody>
-      </p:sp>
-      <p:sp>
-        <p:nvSpPr>
-          <p:cNvPr id="23" name="TextBox 22">
-            <a:extLst>
-              <a:ext uri="{FF2B5EF4-FFF2-40B4-BE49-F238E27FC236}">
-                <a16:creationId xmlns:a16="http://schemas.microsoft.com/office/drawing/2014/main" id="{DC4BA68D-591F-8D4D-83F2-231861EEB39F}"/>
+                <a16:creationId xmlns:a16="http://schemas.microsoft.com/office/drawing/2014/main" id="{4E8F7BB5-7579-0644-9EB4-81B3EAEDB4FC}"/>
               </a:ext>
             </a:extLst>
           </p:cNvPr>
@@ -14603,8 +14791,8 @@
         </p:nvSpPr>
         <p:spPr>
           <a:xfrm>
-            <a:off x="5182820" y="3734410"/>
-            <a:ext cx="476412" cy="369332"/>
+            <a:off x="296260" y="1901950"/>
+            <a:ext cx="8398775" cy="2862322"/>
           </a:xfrm>
           <a:prstGeom prst="rect">
             <a:avLst/>
@@ -14612,57 +14800,52 @@
           <a:noFill/>
         </p:spPr>
         <p:txBody>
-          <a:bodyPr wrap="none" rtlCol="0">
+          <a:bodyPr wrap="square" rtlCol="0">
             <a:spAutoFit/>
           </a:bodyPr>
           <a:lstStyle/>
           <a:p>
             <a:r>
               <a:rPr lang="en-US" dirty="0"/>
-              <a:t>0.5</a:t>
-            </a:r>
-          </a:p>
-        </p:txBody>
-      </p:sp>
-      <p:sp>
-        <p:nvSpPr>
-          <p:cNvPr id="24" name="TextBox 23">
-            <a:extLst>
-              <a:ext uri="{FF2B5EF4-FFF2-40B4-BE49-F238E27FC236}">
-                <a16:creationId xmlns:a16="http://schemas.microsoft.com/office/drawing/2014/main" id="{FB7B4D6F-E1A9-C246-ABD0-6B03E25046EA}"/>
-              </a:ext>
-            </a:extLst>
-          </p:cNvPr>
-          <p:cNvSpPr txBox="1"/>
-          <p:nvPr/>
-        </p:nvSpPr>
-        <p:spPr>
-          <a:xfrm>
-            <a:off x="3579417" y="3734410"/>
-            <a:ext cx="476412" cy="369332"/>
-          </a:xfrm>
-          <a:prstGeom prst="rect">
-            <a:avLst/>
-          </a:prstGeom>
-          <a:noFill/>
-        </p:spPr>
-        <p:txBody>
-          <a:bodyPr wrap="none" rtlCol="0">
-            <a:spAutoFit/>
-          </a:bodyPr>
-          <a:lstStyle/>
+              <a:t>Survivor Selection – Elitism, The best 20% of the generation gets to live another day and continue to the next generation.</a:t>
+            </a:r>
+          </a:p>
+          <a:p>
+            <a:endParaRPr lang="he-IL" dirty="0"/>
+          </a:p>
           <a:p>
             <a:r>
               <a:rPr lang="en-US" dirty="0"/>
-              <a:t>0.5</a:t>
-            </a:r>
+              <a:t>Parent Selection – we use the best 20% of the generation for crossovers to create the new individuals (80% of the generation).</a:t>
+            </a:r>
+          </a:p>
+          <a:p>
+            <a:endParaRPr lang="en-US" dirty="0"/>
+          </a:p>
+          <a:p>
+            <a:r>
+              <a:rPr lang="en-US" dirty="0"/>
+              <a:t>Opt1: Choosing 2 completely random individuals (after disposing 80% of the gen).</a:t>
+            </a:r>
+          </a:p>
+          <a:p>
+            <a:endParaRPr lang="en-US" dirty="0"/>
+          </a:p>
+          <a:p>
+            <a:r>
+              <a:rPr lang="en-US" dirty="0"/>
+              <a:t>Opt2: Choosing 5 random individuals and select the best 2 for crossover.</a:t>
+            </a:r>
+          </a:p>
+          <a:p>
+            <a:endParaRPr lang="en-US" dirty="0"/>
           </a:p>
         </p:txBody>
       </p:sp>
     </p:spTree>
     <p:extLst>
       <p:ext uri="{BB962C8B-B14F-4D97-AF65-F5344CB8AC3E}">
-        <p14:creationId xmlns:p14="http://schemas.microsoft.com/office/powerpoint/2010/main" val="1101633878"/>
+        <p14:creationId xmlns:p14="http://schemas.microsoft.com/office/powerpoint/2010/main" val="1316571704"/>
       </p:ext>
     </p:extLst>
   </p:cSld>
